--- a/WIP.pptx
+++ b/WIP.pptx
@@ -6,6 +6,7 @@
   </p:sldMasterIdLst>
   <p:sldIdLst>
     <p:sldId id="256" r:id="rId2"/>
+    <p:sldId id="257" r:id="rId3"/>
   </p:sldIdLst>
   <p:sldSz cx="12192000" cy="6858000"/>
   <p:notesSz cx="6858000" cy="9144000"/>
@@ -4735,6 +4736,2773 @@
     <p:extLst>
       <p:ext uri="{BB962C8B-B14F-4D97-AF65-F5344CB8AC3E}">
         <p14:creationId xmlns:p14="http://schemas.microsoft.com/office/powerpoint/2010/main" val="1937672866"/>
+      </p:ext>
+    </p:extLst>
+  </p:cSld>
+  <p:clrMapOvr>
+    <a:masterClrMapping/>
+  </p:clrMapOvr>
+</p:sld>
+</file>
+
+<file path=ppt/slides/slide2.xml><?xml version="1.0" encoding="utf-8"?>
+<p:sld xmlns:a="http://schemas.openxmlformats.org/drawingml/2006/main" xmlns:r="http://schemas.openxmlformats.org/officeDocument/2006/relationships" xmlns:p="http://schemas.openxmlformats.org/presentationml/2006/main">
+  <p:cSld>
+    <p:spTree>
+      <p:nvGrpSpPr>
+        <p:cNvPr id="1" name=""/>
+        <p:cNvGrpSpPr/>
+        <p:nvPr/>
+      </p:nvGrpSpPr>
+      <p:grpSpPr>
+        <a:xfrm>
+          <a:off x="0" y="0"/>
+          <a:ext cx="0" cy="0"/>
+          <a:chOff x="0" y="0"/>
+          <a:chExt cx="0" cy="0"/>
+        </a:xfrm>
+      </p:grpSpPr>
+      <p:sp>
+        <p:nvSpPr>
+          <p:cNvPr id="4" name="Rektangel: avrundede hjørner 3">
+            <a:extLst>
+              <a:ext uri="{FF2B5EF4-FFF2-40B4-BE49-F238E27FC236}">
+                <a16:creationId xmlns:a16="http://schemas.microsoft.com/office/drawing/2014/main" id="{D4344925-4854-4A34-91E2-D4EAA2A665C4}"/>
+              </a:ext>
+            </a:extLst>
+          </p:cNvPr>
+          <p:cNvSpPr/>
+          <p:nvPr/>
+        </p:nvSpPr>
+        <p:spPr>
+          <a:xfrm>
+            <a:off x="1282360" y="1489322"/>
+            <a:ext cx="1354307" cy="401622"/>
+          </a:xfrm>
+          <a:prstGeom prst="roundRect">
+            <a:avLst/>
+          </a:prstGeom>
+          <a:ln w="19050"/>
+        </p:spPr>
+        <p:style>
+          <a:lnRef idx="2">
+            <a:schemeClr val="accent6"/>
+          </a:lnRef>
+          <a:fillRef idx="1">
+            <a:schemeClr val="lt1"/>
+          </a:fillRef>
+          <a:effectRef idx="0">
+            <a:schemeClr val="accent6"/>
+          </a:effectRef>
+          <a:fontRef idx="minor">
+            <a:schemeClr val="dk1"/>
+          </a:fontRef>
+        </p:style>
+        <p:txBody>
+          <a:bodyPr rtlCol="0" anchor="ctr"/>
+          <a:lstStyle/>
+          <a:p>
+            <a:pPr algn="ctr"/>
+            <a:endParaRPr lang="en-GB"/>
+          </a:p>
+        </p:txBody>
+      </p:sp>
+      <p:sp>
+        <p:nvSpPr>
+          <p:cNvPr id="5" name="Rektangel: avrundede hjørner 4">
+            <a:extLst>
+              <a:ext uri="{FF2B5EF4-FFF2-40B4-BE49-F238E27FC236}">
+                <a16:creationId xmlns:a16="http://schemas.microsoft.com/office/drawing/2014/main" id="{7D54F309-43AF-4190-ADB9-E16B0BB842CA}"/>
+              </a:ext>
+            </a:extLst>
+          </p:cNvPr>
+          <p:cNvSpPr/>
+          <p:nvPr/>
+        </p:nvSpPr>
+        <p:spPr>
+          <a:xfrm>
+            <a:off x="3159711" y="1489322"/>
+            <a:ext cx="1354307" cy="401622"/>
+          </a:xfrm>
+          <a:prstGeom prst="roundRect">
+            <a:avLst/>
+          </a:prstGeom>
+          <a:ln w="19050"/>
+        </p:spPr>
+        <p:style>
+          <a:lnRef idx="2">
+            <a:schemeClr val="accent6"/>
+          </a:lnRef>
+          <a:fillRef idx="1">
+            <a:schemeClr val="lt1"/>
+          </a:fillRef>
+          <a:effectRef idx="0">
+            <a:schemeClr val="accent6"/>
+          </a:effectRef>
+          <a:fontRef idx="minor">
+            <a:schemeClr val="dk1"/>
+          </a:fontRef>
+        </p:style>
+        <p:txBody>
+          <a:bodyPr rtlCol="0" anchor="ctr"/>
+          <a:lstStyle/>
+          <a:p>
+            <a:pPr algn="ctr"/>
+            <a:endParaRPr lang="en-GB"/>
+          </a:p>
+        </p:txBody>
+      </p:sp>
+      <p:sp>
+        <p:nvSpPr>
+          <p:cNvPr id="6" name="Rektangel: avrundede hjørner 5">
+            <a:extLst>
+              <a:ext uri="{FF2B5EF4-FFF2-40B4-BE49-F238E27FC236}">
+                <a16:creationId xmlns:a16="http://schemas.microsoft.com/office/drawing/2014/main" id="{325EB642-56B4-4E7A-AD40-21744A1046E3}"/>
+              </a:ext>
+            </a:extLst>
+          </p:cNvPr>
+          <p:cNvSpPr/>
+          <p:nvPr/>
+        </p:nvSpPr>
+        <p:spPr>
+          <a:xfrm>
+            <a:off x="5037062" y="1489322"/>
+            <a:ext cx="1354307" cy="401622"/>
+          </a:xfrm>
+          <a:prstGeom prst="roundRect">
+            <a:avLst/>
+          </a:prstGeom>
+          <a:ln w="19050"/>
+        </p:spPr>
+        <p:style>
+          <a:lnRef idx="2">
+            <a:schemeClr val="accent6"/>
+          </a:lnRef>
+          <a:fillRef idx="1">
+            <a:schemeClr val="lt1"/>
+          </a:fillRef>
+          <a:effectRef idx="0">
+            <a:schemeClr val="accent6"/>
+          </a:effectRef>
+          <a:fontRef idx="minor">
+            <a:schemeClr val="dk1"/>
+          </a:fontRef>
+        </p:style>
+        <p:txBody>
+          <a:bodyPr rtlCol="0" anchor="ctr"/>
+          <a:lstStyle/>
+          <a:p>
+            <a:pPr algn="ctr"/>
+            <a:endParaRPr lang="en-GB"/>
+          </a:p>
+        </p:txBody>
+      </p:sp>
+      <p:sp>
+        <p:nvSpPr>
+          <p:cNvPr id="7" name="Rektangel: avrundede hjørner 6">
+            <a:extLst>
+              <a:ext uri="{FF2B5EF4-FFF2-40B4-BE49-F238E27FC236}">
+                <a16:creationId xmlns:a16="http://schemas.microsoft.com/office/drawing/2014/main" id="{4EF1251B-F843-4231-8A40-B38FE4301232}"/>
+              </a:ext>
+            </a:extLst>
+          </p:cNvPr>
+          <p:cNvSpPr/>
+          <p:nvPr/>
+        </p:nvSpPr>
+        <p:spPr>
+          <a:xfrm>
+            <a:off x="6914413" y="1489322"/>
+            <a:ext cx="1354307" cy="401622"/>
+          </a:xfrm>
+          <a:prstGeom prst="roundRect">
+            <a:avLst/>
+          </a:prstGeom>
+          <a:ln w="19050"/>
+        </p:spPr>
+        <p:style>
+          <a:lnRef idx="2">
+            <a:schemeClr val="accent6"/>
+          </a:lnRef>
+          <a:fillRef idx="1">
+            <a:schemeClr val="lt1"/>
+          </a:fillRef>
+          <a:effectRef idx="0">
+            <a:schemeClr val="accent6"/>
+          </a:effectRef>
+          <a:fontRef idx="minor">
+            <a:schemeClr val="dk1"/>
+          </a:fontRef>
+        </p:style>
+        <p:txBody>
+          <a:bodyPr rtlCol="0" anchor="ctr"/>
+          <a:lstStyle/>
+          <a:p>
+            <a:pPr algn="ctr"/>
+            <a:endParaRPr lang="en-GB"/>
+          </a:p>
+        </p:txBody>
+      </p:sp>
+      <p:sp>
+        <p:nvSpPr>
+          <p:cNvPr id="8" name="Rektangel: avrundede hjørner 7">
+            <a:extLst>
+              <a:ext uri="{FF2B5EF4-FFF2-40B4-BE49-F238E27FC236}">
+                <a16:creationId xmlns:a16="http://schemas.microsoft.com/office/drawing/2014/main" id="{60918A7B-8C7F-4579-B14D-321D73779D18}"/>
+              </a:ext>
+            </a:extLst>
+          </p:cNvPr>
+          <p:cNvSpPr/>
+          <p:nvPr/>
+        </p:nvSpPr>
+        <p:spPr>
+          <a:xfrm>
+            <a:off x="8791764" y="1489322"/>
+            <a:ext cx="1354307" cy="401622"/>
+          </a:xfrm>
+          <a:prstGeom prst="roundRect">
+            <a:avLst/>
+          </a:prstGeom>
+          <a:ln w="19050"/>
+        </p:spPr>
+        <p:style>
+          <a:lnRef idx="2">
+            <a:schemeClr val="accent6"/>
+          </a:lnRef>
+          <a:fillRef idx="1">
+            <a:schemeClr val="lt1"/>
+          </a:fillRef>
+          <a:effectRef idx="0">
+            <a:schemeClr val="accent6"/>
+          </a:effectRef>
+          <a:fontRef idx="minor">
+            <a:schemeClr val="dk1"/>
+          </a:fontRef>
+        </p:style>
+        <p:txBody>
+          <a:bodyPr rtlCol="0" anchor="ctr"/>
+          <a:lstStyle/>
+          <a:p>
+            <a:pPr algn="ctr"/>
+            <a:endParaRPr lang="en-GB"/>
+          </a:p>
+        </p:txBody>
+      </p:sp>
+      <p:cxnSp>
+        <p:nvCxnSpPr>
+          <p:cNvPr id="10" name="Rett linje 9">
+            <a:extLst>
+              <a:ext uri="{FF2B5EF4-FFF2-40B4-BE49-F238E27FC236}">
+                <a16:creationId xmlns:a16="http://schemas.microsoft.com/office/drawing/2014/main" id="{1771E58F-A3AF-4B32-BB7F-155672AD9993}"/>
+              </a:ext>
+            </a:extLst>
+          </p:cNvPr>
+          <p:cNvCxnSpPr>
+            <a:stCxn id="4" idx="0"/>
+            <a:endCxn id="4" idx="2"/>
+          </p:cNvCxnSpPr>
+          <p:nvPr/>
+        </p:nvCxnSpPr>
+        <p:spPr>
+          <a:xfrm>
+            <a:off x="1959514" y="1489322"/>
+            <a:ext cx="0" cy="401622"/>
+          </a:xfrm>
+          <a:prstGeom prst="line">
+            <a:avLst/>
+          </a:prstGeom>
+        </p:spPr>
+        <p:style>
+          <a:lnRef idx="3">
+            <a:schemeClr val="accent6"/>
+          </a:lnRef>
+          <a:fillRef idx="0">
+            <a:schemeClr val="accent6"/>
+          </a:fillRef>
+          <a:effectRef idx="2">
+            <a:schemeClr val="accent6"/>
+          </a:effectRef>
+          <a:fontRef idx="minor">
+            <a:schemeClr val="tx1"/>
+          </a:fontRef>
+        </p:style>
+      </p:cxnSp>
+      <p:cxnSp>
+        <p:nvCxnSpPr>
+          <p:cNvPr id="12" name="Rett linje 11">
+            <a:extLst>
+              <a:ext uri="{FF2B5EF4-FFF2-40B4-BE49-F238E27FC236}">
+                <a16:creationId xmlns:a16="http://schemas.microsoft.com/office/drawing/2014/main" id="{FF1C94AE-438B-4974-BABC-E3630EC6E86F}"/>
+              </a:ext>
+            </a:extLst>
+          </p:cNvPr>
+          <p:cNvCxnSpPr>
+            <a:stCxn id="5" idx="0"/>
+            <a:endCxn id="5" idx="2"/>
+          </p:cNvCxnSpPr>
+          <p:nvPr/>
+        </p:nvCxnSpPr>
+        <p:spPr>
+          <a:xfrm>
+            <a:off x="3836865" y="1489322"/>
+            <a:ext cx="0" cy="401622"/>
+          </a:xfrm>
+          <a:prstGeom prst="line">
+            <a:avLst/>
+          </a:prstGeom>
+        </p:spPr>
+        <p:style>
+          <a:lnRef idx="3">
+            <a:schemeClr val="accent6"/>
+          </a:lnRef>
+          <a:fillRef idx="0">
+            <a:schemeClr val="accent6"/>
+          </a:fillRef>
+          <a:effectRef idx="2">
+            <a:schemeClr val="accent6"/>
+          </a:effectRef>
+          <a:fontRef idx="minor">
+            <a:schemeClr val="tx1"/>
+          </a:fontRef>
+        </p:style>
+      </p:cxnSp>
+      <p:cxnSp>
+        <p:nvCxnSpPr>
+          <p:cNvPr id="14" name="Rett linje 13">
+            <a:extLst>
+              <a:ext uri="{FF2B5EF4-FFF2-40B4-BE49-F238E27FC236}">
+                <a16:creationId xmlns:a16="http://schemas.microsoft.com/office/drawing/2014/main" id="{E4CC1DCC-01C7-4CB9-B40A-2C01CFDA52D1}"/>
+              </a:ext>
+            </a:extLst>
+          </p:cNvPr>
+          <p:cNvCxnSpPr>
+            <a:stCxn id="6" idx="0"/>
+            <a:endCxn id="6" idx="2"/>
+          </p:cNvCxnSpPr>
+          <p:nvPr/>
+        </p:nvCxnSpPr>
+        <p:spPr>
+          <a:xfrm>
+            <a:off x="5714216" y="1489322"/>
+            <a:ext cx="0" cy="401622"/>
+          </a:xfrm>
+          <a:prstGeom prst="line">
+            <a:avLst/>
+          </a:prstGeom>
+        </p:spPr>
+        <p:style>
+          <a:lnRef idx="3">
+            <a:schemeClr val="accent6"/>
+          </a:lnRef>
+          <a:fillRef idx="0">
+            <a:schemeClr val="accent6"/>
+          </a:fillRef>
+          <a:effectRef idx="2">
+            <a:schemeClr val="accent6"/>
+          </a:effectRef>
+          <a:fontRef idx="minor">
+            <a:schemeClr val="tx1"/>
+          </a:fontRef>
+        </p:style>
+      </p:cxnSp>
+      <p:cxnSp>
+        <p:nvCxnSpPr>
+          <p:cNvPr id="16" name="Rett linje 15">
+            <a:extLst>
+              <a:ext uri="{FF2B5EF4-FFF2-40B4-BE49-F238E27FC236}">
+                <a16:creationId xmlns:a16="http://schemas.microsoft.com/office/drawing/2014/main" id="{ABB8EB31-873B-4A7A-A9D7-A9E810879FAC}"/>
+              </a:ext>
+            </a:extLst>
+          </p:cNvPr>
+          <p:cNvCxnSpPr>
+            <a:stCxn id="7" idx="0"/>
+            <a:endCxn id="7" idx="2"/>
+          </p:cNvCxnSpPr>
+          <p:nvPr/>
+        </p:nvCxnSpPr>
+        <p:spPr>
+          <a:xfrm>
+            <a:off x="7591567" y="1489322"/>
+            <a:ext cx="0" cy="401622"/>
+          </a:xfrm>
+          <a:prstGeom prst="line">
+            <a:avLst/>
+          </a:prstGeom>
+        </p:spPr>
+        <p:style>
+          <a:lnRef idx="3">
+            <a:schemeClr val="accent6"/>
+          </a:lnRef>
+          <a:fillRef idx="0">
+            <a:schemeClr val="accent6"/>
+          </a:fillRef>
+          <a:effectRef idx="2">
+            <a:schemeClr val="accent6"/>
+          </a:effectRef>
+          <a:fontRef idx="minor">
+            <a:schemeClr val="tx1"/>
+          </a:fontRef>
+        </p:style>
+      </p:cxnSp>
+      <p:cxnSp>
+        <p:nvCxnSpPr>
+          <p:cNvPr id="18" name="Rett linje 17">
+            <a:extLst>
+              <a:ext uri="{FF2B5EF4-FFF2-40B4-BE49-F238E27FC236}">
+                <a16:creationId xmlns:a16="http://schemas.microsoft.com/office/drawing/2014/main" id="{DC1BE284-264F-4DDD-B2B1-52512EA5606F}"/>
+              </a:ext>
+            </a:extLst>
+          </p:cNvPr>
+          <p:cNvCxnSpPr>
+            <a:stCxn id="8" idx="0"/>
+            <a:endCxn id="8" idx="2"/>
+          </p:cNvCxnSpPr>
+          <p:nvPr/>
+        </p:nvCxnSpPr>
+        <p:spPr>
+          <a:xfrm>
+            <a:off x="9468918" y="1489322"/>
+            <a:ext cx="0" cy="401622"/>
+          </a:xfrm>
+          <a:prstGeom prst="line">
+            <a:avLst/>
+          </a:prstGeom>
+        </p:spPr>
+        <p:style>
+          <a:lnRef idx="3">
+            <a:schemeClr val="accent6"/>
+          </a:lnRef>
+          <a:fillRef idx="0">
+            <a:schemeClr val="accent6"/>
+          </a:fillRef>
+          <a:effectRef idx="2">
+            <a:schemeClr val="accent6"/>
+          </a:effectRef>
+          <a:fontRef idx="minor">
+            <a:schemeClr val="tx1"/>
+          </a:fontRef>
+        </p:style>
+      </p:cxnSp>
+      <p:cxnSp>
+        <p:nvCxnSpPr>
+          <p:cNvPr id="27" name="Rett pilkobling 26">
+            <a:extLst>
+              <a:ext uri="{FF2B5EF4-FFF2-40B4-BE49-F238E27FC236}">
+                <a16:creationId xmlns:a16="http://schemas.microsoft.com/office/drawing/2014/main" id="{9BC9C08D-78B1-4685-B007-2FCFC36F7C7A}"/>
+              </a:ext>
+            </a:extLst>
+          </p:cNvPr>
+          <p:cNvCxnSpPr>
+            <a:cxnSpLocks/>
+            <a:stCxn id="5" idx="1"/>
+            <a:endCxn id="4" idx="3"/>
+          </p:cNvCxnSpPr>
+          <p:nvPr/>
+        </p:nvCxnSpPr>
+        <p:spPr>
+          <a:xfrm flipH="1">
+            <a:off x="2636667" y="1690133"/>
+            <a:ext cx="523044" cy="0"/>
+          </a:xfrm>
+          <a:prstGeom prst="straightConnector1">
+            <a:avLst/>
+          </a:prstGeom>
+          <a:ln>
+            <a:tailEnd type="triangle"/>
+          </a:ln>
+        </p:spPr>
+        <p:style>
+          <a:lnRef idx="3">
+            <a:schemeClr val="accent4"/>
+          </a:lnRef>
+          <a:fillRef idx="0">
+            <a:schemeClr val="accent4"/>
+          </a:fillRef>
+          <a:effectRef idx="2">
+            <a:schemeClr val="accent4"/>
+          </a:effectRef>
+          <a:fontRef idx="minor">
+            <a:schemeClr val="tx1"/>
+          </a:fontRef>
+        </p:style>
+      </p:cxnSp>
+      <p:cxnSp>
+        <p:nvCxnSpPr>
+          <p:cNvPr id="30" name="Rett pilkobling 29">
+            <a:extLst>
+              <a:ext uri="{FF2B5EF4-FFF2-40B4-BE49-F238E27FC236}">
+                <a16:creationId xmlns:a16="http://schemas.microsoft.com/office/drawing/2014/main" id="{42757539-F9F1-43B2-992D-9E72606E0A88}"/>
+              </a:ext>
+            </a:extLst>
+          </p:cNvPr>
+          <p:cNvCxnSpPr>
+            <a:stCxn id="6" idx="1"/>
+            <a:endCxn id="5" idx="3"/>
+          </p:cNvCxnSpPr>
+          <p:nvPr/>
+        </p:nvCxnSpPr>
+        <p:spPr>
+          <a:xfrm flipH="1">
+            <a:off x="4514018" y="1690133"/>
+            <a:ext cx="523044" cy="0"/>
+          </a:xfrm>
+          <a:prstGeom prst="straightConnector1">
+            <a:avLst/>
+          </a:prstGeom>
+          <a:ln>
+            <a:tailEnd type="triangle"/>
+          </a:ln>
+        </p:spPr>
+        <p:style>
+          <a:lnRef idx="3">
+            <a:schemeClr val="accent4"/>
+          </a:lnRef>
+          <a:fillRef idx="0">
+            <a:schemeClr val="accent4"/>
+          </a:fillRef>
+          <a:effectRef idx="2">
+            <a:schemeClr val="accent4"/>
+          </a:effectRef>
+          <a:fontRef idx="minor">
+            <a:schemeClr val="tx1"/>
+          </a:fontRef>
+        </p:style>
+      </p:cxnSp>
+      <p:cxnSp>
+        <p:nvCxnSpPr>
+          <p:cNvPr id="32" name="Rett pilkobling 31">
+            <a:extLst>
+              <a:ext uri="{FF2B5EF4-FFF2-40B4-BE49-F238E27FC236}">
+                <a16:creationId xmlns:a16="http://schemas.microsoft.com/office/drawing/2014/main" id="{436A51A5-B148-4E65-B5BD-026CF015E6D8}"/>
+              </a:ext>
+            </a:extLst>
+          </p:cNvPr>
+          <p:cNvCxnSpPr>
+            <a:stCxn id="7" idx="1"/>
+            <a:endCxn id="6" idx="3"/>
+          </p:cNvCxnSpPr>
+          <p:nvPr/>
+        </p:nvCxnSpPr>
+        <p:spPr>
+          <a:xfrm flipH="1">
+            <a:off x="6391369" y="1690133"/>
+            <a:ext cx="523044" cy="0"/>
+          </a:xfrm>
+          <a:prstGeom prst="straightConnector1">
+            <a:avLst/>
+          </a:prstGeom>
+          <a:ln>
+            <a:tailEnd type="triangle"/>
+          </a:ln>
+        </p:spPr>
+        <p:style>
+          <a:lnRef idx="3">
+            <a:schemeClr val="accent4"/>
+          </a:lnRef>
+          <a:fillRef idx="0">
+            <a:schemeClr val="accent4"/>
+          </a:fillRef>
+          <a:effectRef idx="2">
+            <a:schemeClr val="accent4"/>
+          </a:effectRef>
+          <a:fontRef idx="minor">
+            <a:schemeClr val="tx1"/>
+          </a:fontRef>
+        </p:style>
+      </p:cxnSp>
+      <p:cxnSp>
+        <p:nvCxnSpPr>
+          <p:cNvPr id="34" name="Rett pilkobling 33">
+            <a:extLst>
+              <a:ext uri="{FF2B5EF4-FFF2-40B4-BE49-F238E27FC236}">
+                <a16:creationId xmlns:a16="http://schemas.microsoft.com/office/drawing/2014/main" id="{20C3E21B-2A86-4915-A66F-E751262D73F9}"/>
+              </a:ext>
+            </a:extLst>
+          </p:cNvPr>
+          <p:cNvCxnSpPr>
+            <a:stCxn id="8" idx="1"/>
+            <a:endCxn id="7" idx="3"/>
+          </p:cNvCxnSpPr>
+          <p:nvPr/>
+        </p:nvCxnSpPr>
+        <p:spPr>
+          <a:xfrm flipH="1">
+            <a:off x="8268720" y="1690133"/>
+            <a:ext cx="523044" cy="0"/>
+          </a:xfrm>
+          <a:prstGeom prst="straightConnector1">
+            <a:avLst/>
+          </a:prstGeom>
+          <a:ln>
+            <a:tailEnd type="triangle"/>
+          </a:ln>
+        </p:spPr>
+        <p:style>
+          <a:lnRef idx="3">
+            <a:schemeClr val="accent4"/>
+          </a:lnRef>
+          <a:fillRef idx="0">
+            <a:schemeClr val="accent4"/>
+          </a:fillRef>
+          <a:effectRef idx="2">
+            <a:schemeClr val="accent4"/>
+          </a:effectRef>
+          <a:fontRef idx="minor">
+            <a:schemeClr val="tx1"/>
+          </a:fontRef>
+        </p:style>
+      </p:cxnSp>
+      <p:sp>
+        <p:nvSpPr>
+          <p:cNvPr id="35" name="TekstSylinder 34">
+            <a:extLst>
+              <a:ext uri="{FF2B5EF4-FFF2-40B4-BE49-F238E27FC236}">
+                <a16:creationId xmlns:a16="http://schemas.microsoft.com/office/drawing/2014/main" id="{B2E729F7-0D41-47BC-BD4B-C82D17663E29}"/>
+              </a:ext>
+            </a:extLst>
+          </p:cNvPr>
+          <p:cNvSpPr txBox="1"/>
+          <p:nvPr/>
+        </p:nvSpPr>
+        <p:spPr>
+          <a:xfrm>
+            <a:off x="411050" y="1407479"/>
+            <a:ext cx="360996" cy="400110"/>
+          </a:xfrm>
+          <a:prstGeom prst="rect">
+            <a:avLst/>
+          </a:prstGeom>
+          <a:noFill/>
+        </p:spPr>
+        <p:txBody>
+          <a:bodyPr wrap="none" rtlCol="0">
+            <a:spAutoFit/>
+          </a:bodyPr>
+          <a:lstStyle/>
+          <a:p>
+            <a:r>
+              <a:rPr lang="en-GB" sz="2000" dirty="0"/>
+              <a:t>…</a:t>
+            </a:r>
+            <a:endParaRPr lang="en-GB" dirty="0"/>
+          </a:p>
+        </p:txBody>
+      </p:sp>
+      <p:sp>
+        <p:nvSpPr>
+          <p:cNvPr id="36" name="TekstSylinder 35">
+            <a:extLst>
+              <a:ext uri="{FF2B5EF4-FFF2-40B4-BE49-F238E27FC236}">
+                <a16:creationId xmlns:a16="http://schemas.microsoft.com/office/drawing/2014/main" id="{88A16C4C-1033-489A-844A-9B09B8C6B6AC}"/>
+              </a:ext>
+            </a:extLst>
+          </p:cNvPr>
+          <p:cNvSpPr txBox="1"/>
+          <p:nvPr/>
+        </p:nvSpPr>
+        <p:spPr>
+          <a:xfrm>
+            <a:off x="10669115" y="1416357"/>
+            <a:ext cx="360996" cy="400110"/>
+          </a:xfrm>
+          <a:prstGeom prst="rect">
+            <a:avLst/>
+          </a:prstGeom>
+          <a:noFill/>
+        </p:spPr>
+        <p:txBody>
+          <a:bodyPr wrap="none" rtlCol="0">
+            <a:spAutoFit/>
+          </a:bodyPr>
+          <a:lstStyle/>
+          <a:p>
+            <a:r>
+              <a:rPr lang="en-GB" sz="2000" dirty="0"/>
+              <a:t>…</a:t>
+            </a:r>
+            <a:endParaRPr lang="en-GB" dirty="0"/>
+          </a:p>
+        </p:txBody>
+      </p:sp>
+      <p:cxnSp>
+        <p:nvCxnSpPr>
+          <p:cNvPr id="39" name="Rett pilkobling 38">
+            <a:extLst>
+              <a:ext uri="{FF2B5EF4-FFF2-40B4-BE49-F238E27FC236}">
+                <a16:creationId xmlns:a16="http://schemas.microsoft.com/office/drawing/2014/main" id="{7BCD7DA9-A61F-428D-9385-C008E2D3561D}"/>
+              </a:ext>
+            </a:extLst>
+          </p:cNvPr>
+          <p:cNvCxnSpPr>
+            <a:cxnSpLocks/>
+          </p:cNvCxnSpPr>
+          <p:nvPr/>
+        </p:nvCxnSpPr>
+        <p:spPr>
+          <a:xfrm flipH="1">
+            <a:off x="759316" y="1690133"/>
+            <a:ext cx="523044" cy="0"/>
+          </a:xfrm>
+          <a:prstGeom prst="straightConnector1">
+            <a:avLst/>
+          </a:prstGeom>
+          <a:ln>
+            <a:tailEnd type="triangle"/>
+          </a:ln>
+        </p:spPr>
+        <p:style>
+          <a:lnRef idx="3">
+            <a:schemeClr val="accent4"/>
+          </a:lnRef>
+          <a:fillRef idx="0">
+            <a:schemeClr val="accent4"/>
+          </a:fillRef>
+          <a:effectRef idx="2">
+            <a:schemeClr val="accent4"/>
+          </a:effectRef>
+          <a:fontRef idx="minor">
+            <a:schemeClr val="tx1"/>
+          </a:fontRef>
+        </p:style>
+      </p:cxnSp>
+      <p:cxnSp>
+        <p:nvCxnSpPr>
+          <p:cNvPr id="40" name="Rett pilkobling 39">
+            <a:extLst>
+              <a:ext uri="{FF2B5EF4-FFF2-40B4-BE49-F238E27FC236}">
+                <a16:creationId xmlns:a16="http://schemas.microsoft.com/office/drawing/2014/main" id="{EA1BCC17-3536-4889-AF18-478C30D97C29}"/>
+              </a:ext>
+            </a:extLst>
+          </p:cNvPr>
+          <p:cNvCxnSpPr>
+            <a:cxnSpLocks/>
+          </p:cNvCxnSpPr>
+          <p:nvPr/>
+        </p:nvCxnSpPr>
+        <p:spPr>
+          <a:xfrm flipH="1">
+            <a:off x="10146071" y="1690133"/>
+            <a:ext cx="523044" cy="0"/>
+          </a:xfrm>
+          <a:prstGeom prst="straightConnector1">
+            <a:avLst/>
+          </a:prstGeom>
+          <a:ln>
+            <a:tailEnd type="triangle"/>
+          </a:ln>
+        </p:spPr>
+        <p:style>
+          <a:lnRef idx="3">
+            <a:schemeClr val="accent4"/>
+          </a:lnRef>
+          <a:fillRef idx="0">
+            <a:schemeClr val="accent4"/>
+          </a:fillRef>
+          <a:effectRef idx="2">
+            <a:schemeClr val="accent4"/>
+          </a:effectRef>
+          <a:fontRef idx="minor">
+            <a:schemeClr val="tx1"/>
+          </a:fontRef>
+        </p:style>
+      </p:cxnSp>
+      <p:sp>
+        <p:nvSpPr>
+          <p:cNvPr id="41" name="Rektangel 40">
+            <a:extLst>
+              <a:ext uri="{FF2B5EF4-FFF2-40B4-BE49-F238E27FC236}">
+                <a16:creationId xmlns:a16="http://schemas.microsoft.com/office/drawing/2014/main" id="{75FD6A46-3C68-42F9-9D0C-E5228BC5F31F}"/>
+              </a:ext>
+            </a:extLst>
+          </p:cNvPr>
+          <p:cNvSpPr/>
+          <p:nvPr/>
+        </p:nvSpPr>
+        <p:spPr>
+          <a:xfrm>
+            <a:off x="1282360" y="2467992"/>
+            <a:ext cx="6986324" cy="337349"/>
+          </a:xfrm>
+          <a:prstGeom prst="rect">
+            <a:avLst/>
+          </a:prstGeom>
+          <a:ln w="19050"/>
+        </p:spPr>
+        <p:style>
+          <a:lnRef idx="2">
+            <a:schemeClr val="accent6"/>
+          </a:lnRef>
+          <a:fillRef idx="1">
+            <a:schemeClr val="lt1"/>
+          </a:fillRef>
+          <a:effectRef idx="0">
+            <a:schemeClr val="accent6"/>
+          </a:effectRef>
+          <a:fontRef idx="minor">
+            <a:schemeClr val="dk1"/>
+          </a:fontRef>
+        </p:style>
+        <p:txBody>
+          <a:bodyPr rtlCol="0" anchor="ctr"/>
+          <a:lstStyle/>
+          <a:p>
+            <a:pPr algn="ctr"/>
+            <a:endParaRPr lang="en-GB" dirty="0"/>
+          </a:p>
+        </p:txBody>
+      </p:sp>
+      <p:sp>
+        <p:nvSpPr>
+          <p:cNvPr id="43" name="TekstSylinder 42">
+            <a:extLst>
+              <a:ext uri="{FF2B5EF4-FFF2-40B4-BE49-F238E27FC236}">
+                <a16:creationId xmlns:a16="http://schemas.microsoft.com/office/drawing/2014/main" id="{B10A4B9B-CDDE-4CE2-8A61-5E59372EC001}"/>
+              </a:ext>
+            </a:extLst>
+          </p:cNvPr>
+          <p:cNvSpPr txBox="1"/>
+          <p:nvPr/>
+        </p:nvSpPr>
+        <p:spPr>
+          <a:xfrm>
+            <a:off x="5037397" y="2473730"/>
+            <a:ext cx="1353600" cy="338554"/>
+          </a:xfrm>
+          <a:prstGeom prst="rect">
+            <a:avLst/>
+          </a:prstGeom>
+          <a:noFill/>
+          <a:ln>
+            <a:noFill/>
+          </a:ln>
+        </p:spPr>
+        <p:txBody>
+          <a:bodyPr wrap="square" rtlCol="0">
+            <a:spAutoFit/>
+          </a:bodyPr>
+          <a:lstStyle/>
+          <a:p>
+            <a:pPr algn="ctr"/>
+            <a:r>
+              <a:rPr lang="en-GB" sz="1600" dirty="0"/>
+              <a:t>COMMIT</a:t>
+            </a:r>
+          </a:p>
+        </p:txBody>
+      </p:sp>
+      <p:sp>
+        <p:nvSpPr>
+          <p:cNvPr id="45" name="TekstSylinder 44">
+            <a:extLst>
+              <a:ext uri="{FF2B5EF4-FFF2-40B4-BE49-F238E27FC236}">
+                <a16:creationId xmlns:a16="http://schemas.microsoft.com/office/drawing/2014/main" id="{91D3F385-E53A-4AE7-94A4-977F14DDE25E}"/>
+              </a:ext>
+            </a:extLst>
+          </p:cNvPr>
+          <p:cNvSpPr txBox="1"/>
+          <p:nvPr/>
+        </p:nvSpPr>
+        <p:spPr>
+          <a:xfrm>
+            <a:off x="1286172" y="2466787"/>
+            <a:ext cx="1353600" cy="338554"/>
+          </a:xfrm>
+          <a:prstGeom prst="rect">
+            <a:avLst/>
+          </a:prstGeom>
+          <a:noFill/>
+          <a:ln>
+            <a:noFill/>
+          </a:ln>
+        </p:spPr>
+        <p:txBody>
+          <a:bodyPr wrap="square" rtlCol="0">
+            <a:spAutoFit/>
+          </a:bodyPr>
+          <a:lstStyle/>
+          <a:p>
+            <a:pPr algn="ctr"/>
+            <a:r>
+              <a:rPr lang="en-GB" sz="1600" dirty="0"/>
+              <a:t>PREPARE</a:t>
+            </a:r>
+          </a:p>
+        </p:txBody>
+      </p:sp>
+      <p:sp>
+        <p:nvSpPr>
+          <p:cNvPr id="46" name="TekstSylinder 45">
+            <a:extLst>
+              <a:ext uri="{FF2B5EF4-FFF2-40B4-BE49-F238E27FC236}">
+                <a16:creationId xmlns:a16="http://schemas.microsoft.com/office/drawing/2014/main" id="{87857F8C-2D47-4897-AEB8-5D1EAE6C837A}"/>
+              </a:ext>
+            </a:extLst>
+          </p:cNvPr>
+          <p:cNvSpPr txBox="1"/>
+          <p:nvPr/>
+        </p:nvSpPr>
+        <p:spPr>
+          <a:xfrm>
+            <a:off x="3159711" y="2473730"/>
+            <a:ext cx="1353600" cy="338554"/>
+          </a:xfrm>
+          <a:prstGeom prst="rect">
+            <a:avLst/>
+          </a:prstGeom>
+          <a:noFill/>
+          <a:ln>
+            <a:noFill/>
+          </a:ln>
+        </p:spPr>
+        <p:txBody>
+          <a:bodyPr wrap="square" rtlCol="0">
+            <a:spAutoFit/>
+          </a:bodyPr>
+          <a:lstStyle/>
+          <a:p>
+            <a:pPr algn="ctr"/>
+            <a:r>
+              <a:rPr lang="en-GB" sz="1600" dirty="0"/>
+              <a:t>PRE-COMMIT</a:t>
+            </a:r>
+          </a:p>
+        </p:txBody>
+      </p:sp>
+      <p:sp>
+        <p:nvSpPr>
+          <p:cNvPr id="47" name="TekstSylinder 46">
+            <a:extLst>
+              <a:ext uri="{FF2B5EF4-FFF2-40B4-BE49-F238E27FC236}">
+                <a16:creationId xmlns:a16="http://schemas.microsoft.com/office/drawing/2014/main" id="{D3CCC458-D106-4A15-9472-CBC1A684608B}"/>
+              </a:ext>
+            </a:extLst>
+          </p:cNvPr>
+          <p:cNvSpPr txBox="1"/>
+          <p:nvPr/>
+        </p:nvSpPr>
+        <p:spPr>
+          <a:xfrm>
+            <a:off x="6915084" y="2467992"/>
+            <a:ext cx="1353600" cy="338554"/>
+          </a:xfrm>
+          <a:prstGeom prst="rect">
+            <a:avLst/>
+          </a:prstGeom>
+          <a:noFill/>
+          <a:ln>
+            <a:noFill/>
+          </a:ln>
+        </p:spPr>
+        <p:txBody>
+          <a:bodyPr wrap="square" rtlCol="0">
+            <a:spAutoFit/>
+          </a:bodyPr>
+          <a:lstStyle/>
+          <a:p>
+            <a:pPr algn="ctr"/>
+            <a:r>
+              <a:rPr lang="en-GB" sz="1600" dirty="0"/>
+              <a:t>DECIDE</a:t>
+            </a:r>
+          </a:p>
+        </p:txBody>
+      </p:sp>
+      <p:sp>
+        <p:nvSpPr>
+          <p:cNvPr id="48" name="Rektangel 47">
+            <a:extLst>
+              <a:ext uri="{FF2B5EF4-FFF2-40B4-BE49-F238E27FC236}">
+                <a16:creationId xmlns:a16="http://schemas.microsoft.com/office/drawing/2014/main" id="{7AF9D881-F1EF-493D-9762-BDF132E87FBF}"/>
+              </a:ext>
+            </a:extLst>
+          </p:cNvPr>
+          <p:cNvSpPr/>
+          <p:nvPr/>
+        </p:nvSpPr>
+        <p:spPr>
+          <a:xfrm>
+            <a:off x="3159747" y="3238907"/>
+            <a:ext cx="6986324" cy="337349"/>
+          </a:xfrm>
+          <a:prstGeom prst="rect">
+            <a:avLst/>
+          </a:prstGeom>
+          <a:ln w="19050"/>
+        </p:spPr>
+        <p:style>
+          <a:lnRef idx="2">
+            <a:schemeClr val="accent6"/>
+          </a:lnRef>
+          <a:fillRef idx="1">
+            <a:schemeClr val="lt1"/>
+          </a:fillRef>
+          <a:effectRef idx="0">
+            <a:schemeClr val="accent6"/>
+          </a:effectRef>
+          <a:fontRef idx="minor">
+            <a:schemeClr val="dk1"/>
+          </a:fontRef>
+        </p:style>
+        <p:txBody>
+          <a:bodyPr rtlCol="0" anchor="ctr"/>
+          <a:lstStyle/>
+          <a:p>
+            <a:pPr algn="ctr"/>
+            <a:endParaRPr lang="en-GB" dirty="0"/>
+          </a:p>
+        </p:txBody>
+      </p:sp>
+      <p:sp>
+        <p:nvSpPr>
+          <p:cNvPr id="49" name="TekstSylinder 48">
+            <a:extLst>
+              <a:ext uri="{FF2B5EF4-FFF2-40B4-BE49-F238E27FC236}">
+                <a16:creationId xmlns:a16="http://schemas.microsoft.com/office/drawing/2014/main" id="{19C8570F-100E-4E65-9110-6A89D0C99DF0}"/>
+              </a:ext>
+            </a:extLst>
+          </p:cNvPr>
+          <p:cNvSpPr txBox="1"/>
+          <p:nvPr/>
+        </p:nvSpPr>
+        <p:spPr>
+          <a:xfrm>
+            <a:off x="6914784" y="3244645"/>
+            <a:ext cx="1353600" cy="338554"/>
+          </a:xfrm>
+          <a:prstGeom prst="rect">
+            <a:avLst/>
+          </a:prstGeom>
+          <a:noFill/>
+          <a:ln>
+            <a:noFill/>
+          </a:ln>
+        </p:spPr>
+        <p:txBody>
+          <a:bodyPr wrap="square" rtlCol="0">
+            <a:spAutoFit/>
+          </a:bodyPr>
+          <a:lstStyle/>
+          <a:p>
+            <a:pPr algn="ctr"/>
+            <a:r>
+              <a:rPr lang="en-GB" sz="1600" dirty="0"/>
+              <a:t>COMMIT</a:t>
+            </a:r>
+          </a:p>
+        </p:txBody>
+      </p:sp>
+      <p:sp>
+        <p:nvSpPr>
+          <p:cNvPr id="50" name="TekstSylinder 49">
+            <a:extLst>
+              <a:ext uri="{FF2B5EF4-FFF2-40B4-BE49-F238E27FC236}">
+                <a16:creationId xmlns:a16="http://schemas.microsoft.com/office/drawing/2014/main" id="{69536E72-2CB0-48E2-8934-B20F5DBB6065}"/>
+              </a:ext>
+            </a:extLst>
+          </p:cNvPr>
+          <p:cNvSpPr txBox="1"/>
+          <p:nvPr/>
+        </p:nvSpPr>
+        <p:spPr>
+          <a:xfrm>
+            <a:off x="3163559" y="3237702"/>
+            <a:ext cx="1353600" cy="338554"/>
+          </a:xfrm>
+          <a:prstGeom prst="rect">
+            <a:avLst/>
+          </a:prstGeom>
+          <a:noFill/>
+          <a:ln>
+            <a:noFill/>
+          </a:ln>
+        </p:spPr>
+        <p:txBody>
+          <a:bodyPr wrap="square" rtlCol="0">
+            <a:spAutoFit/>
+          </a:bodyPr>
+          <a:lstStyle/>
+          <a:p>
+            <a:pPr algn="ctr"/>
+            <a:r>
+              <a:rPr lang="en-GB" sz="1600" dirty="0"/>
+              <a:t>PREPARE</a:t>
+            </a:r>
+          </a:p>
+        </p:txBody>
+      </p:sp>
+      <p:sp>
+        <p:nvSpPr>
+          <p:cNvPr id="51" name="TekstSylinder 50">
+            <a:extLst>
+              <a:ext uri="{FF2B5EF4-FFF2-40B4-BE49-F238E27FC236}">
+                <a16:creationId xmlns:a16="http://schemas.microsoft.com/office/drawing/2014/main" id="{49EAA974-D6C0-4A3A-97CC-FA89B7563A2A}"/>
+              </a:ext>
+            </a:extLst>
+          </p:cNvPr>
+          <p:cNvSpPr txBox="1"/>
+          <p:nvPr/>
+        </p:nvSpPr>
+        <p:spPr>
+          <a:xfrm>
+            <a:off x="5037098" y="3244645"/>
+            <a:ext cx="1353600" cy="338554"/>
+          </a:xfrm>
+          <a:prstGeom prst="rect">
+            <a:avLst/>
+          </a:prstGeom>
+          <a:noFill/>
+          <a:ln>
+            <a:noFill/>
+          </a:ln>
+        </p:spPr>
+        <p:txBody>
+          <a:bodyPr wrap="square" rtlCol="0">
+            <a:spAutoFit/>
+          </a:bodyPr>
+          <a:lstStyle/>
+          <a:p>
+            <a:pPr algn="ctr"/>
+            <a:r>
+              <a:rPr lang="en-GB" sz="1600" dirty="0"/>
+              <a:t>PRE-COMMIT</a:t>
+            </a:r>
+          </a:p>
+        </p:txBody>
+      </p:sp>
+      <p:sp>
+        <p:nvSpPr>
+          <p:cNvPr id="52" name="TekstSylinder 51">
+            <a:extLst>
+              <a:ext uri="{FF2B5EF4-FFF2-40B4-BE49-F238E27FC236}">
+                <a16:creationId xmlns:a16="http://schemas.microsoft.com/office/drawing/2014/main" id="{B4BF5AD9-F745-4F57-8D25-5D1AA79585F0}"/>
+              </a:ext>
+            </a:extLst>
+          </p:cNvPr>
+          <p:cNvSpPr txBox="1"/>
+          <p:nvPr/>
+        </p:nvSpPr>
+        <p:spPr>
+          <a:xfrm>
+            <a:off x="8792471" y="3238907"/>
+            <a:ext cx="1353600" cy="338554"/>
+          </a:xfrm>
+          <a:prstGeom prst="rect">
+            <a:avLst/>
+          </a:prstGeom>
+          <a:noFill/>
+          <a:ln>
+            <a:noFill/>
+          </a:ln>
+        </p:spPr>
+        <p:txBody>
+          <a:bodyPr wrap="square" rtlCol="0">
+            <a:spAutoFit/>
+          </a:bodyPr>
+          <a:lstStyle/>
+          <a:p>
+            <a:pPr algn="ctr"/>
+            <a:r>
+              <a:rPr lang="en-GB" sz="1600" dirty="0"/>
+              <a:t>DECIDE</a:t>
+            </a:r>
+          </a:p>
+        </p:txBody>
+      </p:sp>
+      <p:sp>
+        <p:nvSpPr>
+          <p:cNvPr id="53" name="Rektangel 52">
+            <a:extLst>
+              <a:ext uri="{FF2B5EF4-FFF2-40B4-BE49-F238E27FC236}">
+                <a16:creationId xmlns:a16="http://schemas.microsoft.com/office/drawing/2014/main" id="{1575C862-2255-49FB-A9CE-2B2532A59BE0}"/>
+              </a:ext>
+            </a:extLst>
+          </p:cNvPr>
+          <p:cNvSpPr/>
+          <p:nvPr/>
+        </p:nvSpPr>
+        <p:spPr>
+          <a:xfrm>
+            <a:off x="5037062" y="4023708"/>
+            <a:ext cx="5108637" cy="337349"/>
+          </a:xfrm>
+          <a:prstGeom prst="rect">
+            <a:avLst/>
+          </a:prstGeom>
+          <a:ln w="19050">
+            <a:solidFill>
+              <a:schemeClr val="accent6"/>
+            </a:solidFill>
+            <a:prstDash val="dash"/>
+          </a:ln>
+        </p:spPr>
+        <p:style>
+          <a:lnRef idx="2">
+            <a:schemeClr val="accent6"/>
+          </a:lnRef>
+          <a:fillRef idx="1">
+            <a:schemeClr val="lt1"/>
+          </a:fillRef>
+          <a:effectRef idx="0">
+            <a:schemeClr val="accent6"/>
+          </a:effectRef>
+          <a:fontRef idx="minor">
+            <a:schemeClr val="dk1"/>
+          </a:fontRef>
+        </p:style>
+        <p:txBody>
+          <a:bodyPr rtlCol="0" anchor="ctr"/>
+          <a:lstStyle/>
+          <a:p>
+            <a:pPr algn="ctr"/>
+            <a:endParaRPr lang="en-GB" dirty="0"/>
+          </a:p>
+        </p:txBody>
+      </p:sp>
+      <p:sp>
+        <p:nvSpPr>
+          <p:cNvPr id="54" name="TekstSylinder 53">
+            <a:extLst>
+              <a:ext uri="{FF2B5EF4-FFF2-40B4-BE49-F238E27FC236}">
+                <a16:creationId xmlns:a16="http://schemas.microsoft.com/office/drawing/2014/main" id="{45360458-47D2-4570-8A7D-57D29234353C}"/>
+              </a:ext>
+            </a:extLst>
+          </p:cNvPr>
+          <p:cNvSpPr txBox="1"/>
+          <p:nvPr/>
+        </p:nvSpPr>
+        <p:spPr>
+          <a:xfrm>
+            <a:off x="8792099" y="4029446"/>
+            <a:ext cx="1353600" cy="338554"/>
+          </a:xfrm>
+          <a:prstGeom prst="rect">
+            <a:avLst/>
+          </a:prstGeom>
+          <a:noFill/>
+          <a:ln>
+            <a:noFill/>
+          </a:ln>
+        </p:spPr>
+        <p:txBody>
+          <a:bodyPr wrap="square" rtlCol="0">
+            <a:spAutoFit/>
+          </a:bodyPr>
+          <a:lstStyle/>
+          <a:p>
+            <a:pPr algn="ctr"/>
+            <a:r>
+              <a:rPr lang="en-GB" sz="1600" dirty="0"/>
+              <a:t>COMMIT</a:t>
+            </a:r>
+          </a:p>
+        </p:txBody>
+      </p:sp>
+      <p:sp>
+        <p:nvSpPr>
+          <p:cNvPr id="55" name="TekstSylinder 54">
+            <a:extLst>
+              <a:ext uri="{FF2B5EF4-FFF2-40B4-BE49-F238E27FC236}">
+                <a16:creationId xmlns:a16="http://schemas.microsoft.com/office/drawing/2014/main" id="{0880F508-A099-4771-A531-9E60BFDC8965}"/>
+              </a:ext>
+            </a:extLst>
+          </p:cNvPr>
+          <p:cNvSpPr txBox="1"/>
+          <p:nvPr/>
+        </p:nvSpPr>
+        <p:spPr>
+          <a:xfrm>
+            <a:off x="5040874" y="4022503"/>
+            <a:ext cx="1353600" cy="338554"/>
+          </a:xfrm>
+          <a:prstGeom prst="rect">
+            <a:avLst/>
+          </a:prstGeom>
+          <a:noFill/>
+          <a:ln>
+            <a:noFill/>
+          </a:ln>
+        </p:spPr>
+        <p:txBody>
+          <a:bodyPr wrap="square" rtlCol="0">
+            <a:spAutoFit/>
+          </a:bodyPr>
+          <a:lstStyle/>
+          <a:p>
+            <a:pPr algn="ctr"/>
+            <a:r>
+              <a:rPr lang="en-GB" sz="1600" dirty="0"/>
+              <a:t>PREPARE</a:t>
+            </a:r>
+          </a:p>
+        </p:txBody>
+      </p:sp>
+      <p:sp>
+        <p:nvSpPr>
+          <p:cNvPr id="56" name="TekstSylinder 55">
+            <a:extLst>
+              <a:ext uri="{FF2B5EF4-FFF2-40B4-BE49-F238E27FC236}">
+                <a16:creationId xmlns:a16="http://schemas.microsoft.com/office/drawing/2014/main" id="{5FBA0E37-4702-4B7D-8069-A4D7EA03E74B}"/>
+              </a:ext>
+            </a:extLst>
+          </p:cNvPr>
+          <p:cNvSpPr txBox="1"/>
+          <p:nvPr/>
+        </p:nvSpPr>
+        <p:spPr>
+          <a:xfrm>
+            <a:off x="6914413" y="4029446"/>
+            <a:ext cx="1353600" cy="338554"/>
+          </a:xfrm>
+          <a:prstGeom prst="rect">
+            <a:avLst/>
+          </a:prstGeom>
+          <a:noFill/>
+          <a:ln>
+            <a:noFill/>
+          </a:ln>
+        </p:spPr>
+        <p:txBody>
+          <a:bodyPr wrap="square" rtlCol="0">
+            <a:spAutoFit/>
+          </a:bodyPr>
+          <a:lstStyle/>
+          <a:p>
+            <a:pPr algn="ctr"/>
+            <a:r>
+              <a:rPr lang="en-GB" sz="1600" dirty="0"/>
+              <a:t>PRE-COMMIT</a:t>
+            </a:r>
+          </a:p>
+        </p:txBody>
+      </p:sp>
+      <p:sp>
+        <p:nvSpPr>
+          <p:cNvPr id="58" name="Rektangel 57">
+            <a:extLst>
+              <a:ext uri="{FF2B5EF4-FFF2-40B4-BE49-F238E27FC236}">
+                <a16:creationId xmlns:a16="http://schemas.microsoft.com/office/drawing/2014/main" id="{0F86EE79-1CAC-4BDD-8965-3C26371D2AD3}"/>
+              </a:ext>
+            </a:extLst>
+          </p:cNvPr>
+          <p:cNvSpPr/>
+          <p:nvPr/>
+        </p:nvSpPr>
+        <p:spPr>
+          <a:xfrm>
+            <a:off x="6914413" y="4802771"/>
+            <a:ext cx="3230951" cy="337349"/>
+          </a:xfrm>
+          <a:prstGeom prst="rect">
+            <a:avLst/>
+          </a:prstGeom>
+          <a:ln w="19050">
+            <a:solidFill>
+              <a:schemeClr val="accent6"/>
+            </a:solidFill>
+            <a:prstDash val="dash"/>
+          </a:ln>
+        </p:spPr>
+        <p:style>
+          <a:lnRef idx="2">
+            <a:schemeClr val="accent6"/>
+          </a:lnRef>
+          <a:fillRef idx="1">
+            <a:schemeClr val="lt1"/>
+          </a:fillRef>
+          <a:effectRef idx="0">
+            <a:schemeClr val="accent6"/>
+          </a:effectRef>
+          <a:fontRef idx="minor">
+            <a:schemeClr val="dk1"/>
+          </a:fontRef>
+        </p:style>
+        <p:txBody>
+          <a:bodyPr rtlCol="0" anchor="ctr"/>
+          <a:lstStyle/>
+          <a:p>
+            <a:pPr algn="ctr"/>
+            <a:endParaRPr lang="en-GB" dirty="0"/>
+          </a:p>
+        </p:txBody>
+      </p:sp>
+      <p:sp>
+        <p:nvSpPr>
+          <p:cNvPr id="60" name="TekstSylinder 59">
+            <a:extLst>
+              <a:ext uri="{FF2B5EF4-FFF2-40B4-BE49-F238E27FC236}">
+                <a16:creationId xmlns:a16="http://schemas.microsoft.com/office/drawing/2014/main" id="{92056AAC-77A9-45D5-8D42-670AFC8B0F7D}"/>
+              </a:ext>
+            </a:extLst>
+          </p:cNvPr>
+          <p:cNvSpPr txBox="1"/>
+          <p:nvPr/>
+        </p:nvSpPr>
+        <p:spPr>
+          <a:xfrm>
+            <a:off x="6918225" y="4801566"/>
+            <a:ext cx="1353600" cy="338554"/>
+          </a:xfrm>
+          <a:prstGeom prst="rect">
+            <a:avLst/>
+          </a:prstGeom>
+          <a:noFill/>
+          <a:ln>
+            <a:noFill/>
+          </a:ln>
+        </p:spPr>
+        <p:txBody>
+          <a:bodyPr wrap="square" rtlCol="0">
+            <a:spAutoFit/>
+          </a:bodyPr>
+          <a:lstStyle/>
+          <a:p>
+            <a:pPr algn="ctr"/>
+            <a:r>
+              <a:rPr lang="en-GB" sz="1600" dirty="0"/>
+              <a:t>PREPARE</a:t>
+            </a:r>
+          </a:p>
+        </p:txBody>
+      </p:sp>
+      <p:sp>
+        <p:nvSpPr>
+          <p:cNvPr id="61" name="TekstSylinder 60">
+            <a:extLst>
+              <a:ext uri="{FF2B5EF4-FFF2-40B4-BE49-F238E27FC236}">
+                <a16:creationId xmlns:a16="http://schemas.microsoft.com/office/drawing/2014/main" id="{44B11D79-C0FB-4AB2-9DEF-C3EAD56789FD}"/>
+              </a:ext>
+            </a:extLst>
+          </p:cNvPr>
+          <p:cNvSpPr txBox="1"/>
+          <p:nvPr/>
+        </p:nvSpPr>
+        <p:spPr>
+          <a:xfrm>
+            <a:off x="8791764" y="4808509"/>
+            <a:ext cx="1353600" cy="338554"/>
+          </a:xfrm>
+          <a:prstGeom prst="rect">
+            <a:avLst/>
+          </a:prstGeom>
+          <a:noFill/>
+          <a:ln>
+            <a:noFill/>
+          </a:ln>
+        </p:spPr>
+        <p:txBody>
+          <a:bodyPr wrap="square" rtlCol="0">
+            <a:spAutoFit/>
+          </a:bodyPr>
+          <a:lstStyle/>
+          <a:p>
+            <a:pPr algn="ctr"/>
+            <a:r>
+              <a:rPr lang="en-GB" sz="1600" dirty="0"/>
+              <a:t>PRE-COMMIT</a:t>
+            </a:r>
+          </a:p>
+        </p:txBody>
+      </p:sp>
+      <p:sp>
+        <p:nvSpPr>
+          <p:cNvPr id="62" name="Rektangel 61">
+            <a:extLst>
+              <a:ext uri="{FF2B5EF4-FFF2-40B4-BE49-F238E27FC236}">
+                <a16:creationId xmlns:a16="http://schemas.microsoft.com/office/drawing/2014/main" id="{A1C73668-CB9B-4C69-B7CF-58E527CD0151}"/>
+              </a:ext>
+            </a:extLst>
+          </p:cNvPr>
+          <p:cNvSpPr/>
+          <p:nvPr/>
+        </p:nvSpPr>
+        <p:spPr>
+          <a:xfrm>
+            <a:off x="8788959" y="2459844"/>
+            <a:ext cx="1353600" cy="337349"/>
+          </a:xfrm>
+          <a:prstGeom prst="rect">
+            <a:avLst/>
+          </a:prstGeom>
+          <a:ln w="19050">
+            <a:solidFill>
+              <a:schemeClr val="accent6"/>
+            </a:solidFill>
+            <a:prstDash val="dash"/>
+          </a:ln>
+        </p:spPr>
+        <p:style>
+          <a:lnRef idx="2">
+            <a:schemeClr val="accent6"/>
+          </a:lnRef>
+          <a:fillRef idx="1">
+            <a:schemeClr val="lt1"/>
+          </a:fillRef>
+          <a:effectRef idx="0">
+            <a:schemeClr val="accent6"/>
+          </a:effectRef>
+          <a:fontRef idx="minor">
+            <a:schemeClr val="dk1"/>
+          </a:fontRef>
+        </p:style>
+        <p:txBody>
+          <a:bodyPr rtlCol="0" anchor="ctr"/>
+          <a:lstStyle/>
+          <a:p>
+            <a:pPr algn="ctr"/>
+            <a:endParaRPr lang="en-GB" dirty="0"/>
+          </a:p>
+        </p:txBody>
+      </p:sp>
+      <p:sp>
+        <p:nvSpPr>
+          <p:cNvPr id="63" name="TekstSylinder 62">
+            <a:extLst>
+              <a:ext uri="{FF2B5EF4-FFF2-40B4-BE49-F238E27FC236}">
+                <a16:creationId xmlns:a16="http://schemas.microsoft.com/office/drawing/2014/main" id="{690EF566-E266-48CA-A22F-4F3399EC7F02}"/>
+              </a:ext>
+            </a:extLst>
+          </p:cNvPr>
+          <p:cNvSpPr txBox="1"/>
+          <p:nvPr/>
+        </p:nvSpPr>
+        <p:spPr>
+          <a:xfrm>
+            <a:off x="8792770" y="2458639"/>
+            <a:ext cx="1353600" cy="338554"/>
+          </a:xfrm>
+          <a:prstGeom prst="rect">
+            <a:avLst/>
+          </a:prstGeom>
+          <a:noFill/>
+          <a:ln>
+            <a:noFill/>
+          </a:ln>
+        </p:spPr>
+        <p:txBody>
+          <a:bodyPr wrap="square" rtlCol="0">
+            <a:spAutoFit/>
+          </a:bodyPr>
+          <a:lstStyle/>
+          <a:p>
+            <a:pPr algn="ctr"/>
+            <a:r>
+              <a:rPr lang="en-GB" sz="1600" dirty="0"/>
+              <a:t>PREPARE</a:t>
+            </a:r>
+          </a:p>
+        </p:txBody>
+      </p:sp>
+      <p:sp>
+        <p:nvSpPr>
+          <p:cNvPr id="65" name="TekstSylinder 64">
+            <a:extLst>
+              <a:ext uri="{FF2B5EF4-FFF2-40B4-BE49-F238E27FC236}">
+                <a16:creationId xmlns:a16="http://schemas.microsoft.com/office/drawing/2014/main" id="{57A8AF84-1C2C-476F-B928-112CDDF78B3B}"/>
+              </a:ext>
+            </a:extLst>
+          </p:cNvPr>
+          <p:cNvSpPr txBox="1"/>
+          <p:nvPr/>
+        </p:nvSpPr>
+        <p:spPr>
+          <a:xfrm>
+            <a:off x="892902" y="2451398"/>
+            <a:ext cx="381836" cy="369332"/>
+          </a:xfrm>
+          <a:prstGeom prst="rect">
+            <a:avLst/>
+          </a:prstGeom>
+          <a:noFill/>
+        </p:spPr>
+        <p:txBody>
+          <a:bodyPr wrap="none" rtlCol="0">
+            <a:spAutoFit/>
+          </a:bodyPr>
+          <a:lstStyle/>
+          <a:p>
+            <a:r>
+              <a:rPr lang="en-GB" dirty="0"/>
+              <a:t>P</a:t>
+            </a:r>
+            <a:r>
+              <a:rPr lang="en-GB" baseline="-25000" dirty="0"/>
+              <a:t>1</a:t>
+            </a:r>
+          </a:p>
+        </p:txBody>
+      </p:sp>
+      <p:sp>
+        <p:nvSpPr>
+          <p:cNvPr id="66" name="TekstSylinder 65">
+            <a:extLst>
+              <a:ext uri="{FF2B5EF4-FFF2-40B4-BE49-F238E27FC236}">
+                <a16:creationId xmlns:a16="http://schemas.microsoft.com/office/drawing/2014/main" id="{3B04117D-E095-47FB-839C-AE69CD195C21}"/>
+              </a:ext>
+            </a:extLst>
+          </p:cNvPr>
+          <p:cNvSpPr txBox="1"/>
+          <p:nvPr/>
+        </p:nvSpPr>
+        <p:spPr>
+          <a:xfrm>
+            <a:off x="2776005" y="3229256"/>
+            <a:ext cx="381836" cy="369332"/>
+          </a:xfrm>
+          <a:prstGeom prst="rect">
+            <a:avLst/>
+          </a:prstGeom>
+          <a:noFill/>
+        </p:spPr>
+        <p:txBody>
+          <a:bodyPr wrap="none" rtlCol="0">
+            <a:spAutoFit/>
+          </a:bodyPr>
+          <a:lstStyle/>
+          <a:p>
+            <a:r>
+              <a:rPr lang="en-GB" dirty="0"/>
+              <a:t>P</a:t>
+            </a:r>
+            <a:r>
+              <a:rPr lang="en-GB" baseline="-25000" dirty="0"/>
+              <a:t>2</a:t>
+            </a:r>
+          </a:p>
+        </p:txBody>
+      </p:sp>
+      <p:sp>
+        <p:nvSpPr>
+          <p:cNvPr id="67" name="TekstSylinder 66">
+            <a:extLst>
+              <a:ext uri="{FF2B5EF4-FFF2-40B4-BE49-F238E27FC236}">
+                <a16:creationId xmlns:a16="http://schemas.microsoft.com/office/drawing/2014/main" id="{9601FBDF-F202-45B0-AFA3-9AEAC916DC9F}"/>
+              </a:ext>
+            </a:extLst>
+          </p:cNvPr>
+          <p:cNvSpPr txBox="1"/>
+          <p:nvPr/>
+        </p:nvSpPr>
+        <p:spPr>
+          <a:xfrm>
+            <a:off x="4653320" y="4009822"/>
+            <a:ext cx="381836" cy="369332"/>
+          </a:xfrm>
+          <a:prstGeom prst="rect">
+            <a:avLst/>
+          </a:prstGeom>
+          <a:noFill/>
+        </p:spPr>
+        <p:txBody>
+          <a:bodyPr wrap="none" rtlCol="0">
+            <a:spAutoFit/>
+          </a:bodyPr>
+          <a:lstStyle/>
+          <a:p>
+            <a:r>
+              <a:rPr lang="en-GB" dirty="0"/>
+              <a:t>P</a:t>
+            </a:r>
+            <a:r>
+              <a:rPr lang="en-GB" baseline="-25000" dirty="0"/>
+              <a:t>3</a:t>
+            </a:r>
+          </a:p>
+        </p:txBody>
+      </p:sp>
+      <p:sp>
+        <p:nvSpPr>
+          <p:cNvPr id="68" name="TekstSylinder 67">
+            <a:extLst>
+              <a:ext uri="{FF2B5EF4-FFF2-40B4-BE49-F238E27FC236}">
+                <a16:creationId xmlns:a16="http://schemas.microsoft.com/office/drawing/2014/main" id="{0DB9E795-0379-4F7E-B306-F2F6CD9A8115}"/>
+              </a:ext>
+            </a:extLst>
+          </p:cNvPr>
+          <p:cNvSpPr txBox="1"/>
+          <p:nvPr/>
+        </p:nvSpPr>
+        <p:spPr>
+          <a:xfrm>
+            <a:off x="6534483" y="4786177"/>
+            <a:ext cx="381836" cy="369332"/>
+          </a:xfrm>
+          <a:prstGeom prst="rect">
+            <a:avLst/>
+          </a:prstGeom>
+          <a:noFill/>
+        </p:spPr>
+        <p:txBody>
+          <a:bodyPr wrap="none" rtlCol="0">
+            <a:spAutoFit/>
+          </a:bodyPr>
+          <a:lstStyle/>
+          <a:p>
+            <a:r>
+              <a:rPr lang="en-GB" dirty="0"/>
+              <a:t>P</a:t>
+            </a:r>
+            <a:r>
+              <a:rPr lang="en-GB" baseline="-25000" dirty="0"/>
+              <a:t>4</a:t>
+            </a:r>
+          </a:p>
+        </p:txBody>
+      </p:sp>
+      <p:sp>
+        <p:nvSpPr>
+          <p:cNvPr id="69" name="TekstSylinder 68">
+            <a:extLst>
+              <a:ext uri="{FF2B5EF4-FFF2-40B4-BE49-F238E27FC236}">
+                <a16:creationId xmlns:a16="http://schemas.microsoft.com/office/drawing/2014/main" id="{288692BC-98AC-4620-8BD5-CB1E839ECED6}"/>
+              </a:ext>
+            </a:extLst>
+          </p:cNvPr>
+          <p:cNvSpPr txBox="1"/>
+          <p:nvPr/>
+        </p:nvSpPr>
+        <p:spPr>
+          <a:xfrm>
+            <a:off x="8403312" y="2451398"/>
+            <a:ext cx="381836" cy="369332"/>
+          </a:xfrm>
+          <a:prstGeom prst="rect">
+            <a:avLst/>
+          </a:prstGeom>
+          <a:noFill/>
+        </p:spPr>
+        <p:txBody>
+          <a:bodyPr wrap="none" rtlCol="0">
+            <a:spAutoFit/>
+          </a:bodyPr>
+          <a:lstStyle/>
+          <a:p>
+            <a:r>
+              <a:rPr lang="en-GB" dirty="0"/>
+              <a:t>P</a:t>
+            </a:r>
+            <a:r>
+              <a:rPr lang="en-GB" baseline="-25000" dirty="0"/>
+              <a:t>5</a:t>
+            </a:r>
+          </a:p>
+        </p:txBody>
+      </p:sp>
+      <p:sp>
+        <p:nvSpPr>
+          <p:cNvPr id="70" name="TekstSylinder 69">
+            <a:extLst>
+              <a:ext uri="{FF2B5EF4-FFF2-40B4-BE49-F238E27FC236}">
+                <a16:creationId xmlns:a16="http://schemas.microsoft.com/office/drawing/2014/main" id="{238ED43A-6013-4A44-A305-E57ECA71AED6}"/>
+              </a:ext>
+            </a:extLst>
+          </p:cNvPr>
+          <p:cNvSpPr txBox="1"/>
+          <p:nvPr/>
+        </p:nvSpPr>
+        <p:spPr>
+          <a:xfrm>
+            <a:off x="9610124" y="1489322"/>
+            <a:ext cx="381836" cy="369332"/>
+          </a:xfrm>
+          <a:prstGeom prst="rect">
+            <a:avLst/>
+          </a:prstGeom>
+          <a:noFill/>
+        </p:spPr>
+        <p:txBody>
+          <a:bodyPr wrap="none" rtlCol="0">
+            <a:spAutoFit/>
+          </a:bodyPr>
+          <a:lstStyle/>
+          <a:p>
+            <a:r>
+              <a:rPr lang="en-GB" dirty="0"/>
+              <a:t>P</a:t>
+            </a:r>
+            <a:r>
+              <a:rPr lang="en-GB" baseline="-25000" dirty="0"/>
+              <a:t>5</a:t>
+            </a:r>
+          </a:p>
+        </p:txBody>
+      </p:sp>
+      <p:sp>
+        <p:nvSpPr>
+          <p:cNvPr id="71" name="TekstSylinder 70">
+            <a:extLst>
+              <a:ext uri="{FF2B5EF4-FFF2-40B4-BE49-F238E27FC236}">
+                <a16:creationId xmlns:a16="http://schemas.microsoft.com/office/drawing/2014/main" id="{A3830ACA-88EF-4F53-8225-C347EA2E2F2A}"/>
+              </a:ext>
+            </a:extLst>
+          </p:cNvPr>
+          <p:cNvSpPr txBox="1"/>
+          <p:nvPr/>
+        </p:nvSpPr>
+        <p:spPr>
+          <a:xfrm>
+            <a:off x="7732773" y="1494639"/>
+            <a:ext cx="381836" cy="369332"/>
+          </a:xfrm>
+          <a:prstGeom prst="rect">
+            <a:avLst/>
+          </a:prstGeom>
+          <a:noFill/>
+        </p:spPr>
+        <p:txBody>
+          <a:bodyPr wrap="none" rtlCol="0">
+            <a:spAutoFit/>
+          </a:bodyPr>
+          <a:lstStyle/>
+          <a:p>
+            <a:r>
+              <a:rPr lang="en-GB" dirty="0"/>
+              <a:t>P</a:t>
+            </a:r>
+            <a:r>
+              <a:rPr lang="en-GB" baseline="-25000" dirty="0"/>
+              <a:t>4</a:t>
+            </a:r>
+          </a:p>
+        </p:txBody>
+      </p:sp>
+      <p:sp>
+        <p:nvSpPr>
+          <p:cNvPr id="72" name="TekstSylinder 71">
+            <a:extLst>
+              <a:ext uri="{FF2B5EF4-FFF2-40B4-BE49-F238E27FC236}">
+                <a16:creationId xmlns:a16="http://schemas.microsoft.com/office/drawing/2014/main" id="{96DFD506-C013-46D7-8E29-BE65AE6D5938}"/>
+              </a:ext>
+            </a:extLst>
+          </p:cNvPr>
+          <p:cNvSpPr txBox="1"/>
+          <p:nvPr/>
+        </p:nvSpPr>
+        <p:spPr>
+          <a:xfrm>
+            <a:off x="5857085" y="1494639"/>
+            <a:ext cx="381836" cy="369332"/>
+          </a:xfrm>
+          <a:prstGeom prst="rect">
+            <a:avLst/>
+          </a:prstGeom>
+          <a:noFill/>
+        </p:spPr>
+        <p:txBody>
+          <a:bodyPr wrap="none" rtlCol="0">
+            <a:spAutoFit/>
+          </a:bodyPr>
+          <a:lstStyle/>
+          <a:p>
+            <a:r>
+              <a:rPr lang="en-GB" dirty="0"/>
+              <a:t>P</a:t>
+            </a:r>
+            <a:r>
+              <a:rPr lang="en-GB" baseline="-25000" dirty="0"/>
+              <a:t>3</a:t>
+            </a:r>
+          </a:p>
+        </p:txBody>
+      </p:sp>
+      <p:sp>
+        <p:nvSpPr>
+          <p:cNvPr id="73" name="TekstSylinder 72">
+            <a:extLst>
+              <a:ext uri="{FF2B5EF4-FFF2-40B4-BE49-F238E27FC236}">
+                <a16:creationId xmlns:a16="http://schemas.microsoft.com/office/drawing/2014/main" id="{FA0B73EA-4318-49A6-9F10-F078C219C072}"/>
+              </a:ext>
+            </a:extLst>
+          </p:cNvPr>
+          <p:cNvSpPr txBox="1"/>
+          <p:nvPr/>
+        </p:nvSpPr>
+        <p:spPr>
+          <a:xfrm>
+            <a:off x="3984523" y="1494639"/>
+            <a:ext cx="381836" cy="369332"/>
+          </a:xfrm>
+          <a:prstGeom prst="rect">
+            <a:avLst/>
+          </a:prstGeom>
+          <a:noFill/>
+        </p:spPr>
+        <p:txBody>
+          <a:bodyPr wrap="none" rtlCol="0">
+            <a:spAutoFit/>
+          </a:bodyPr>
+          <a:lstStyle/>
+          <a:p>
+            <a:r>
+              <a:rPr lang="en-GB" dirty="0"/>
+              <a:t>P</a:t>
+            </a:r>
+            <a:r>
+              <a:rPr lang="en-GB" baseline="-25000" dirty="0"/>
+              <a:t>2</a:t>
+            </a:r>
+          </a:p>
+        </p:txBody>
+      </p:sp>
+      <p:sp>
+        <p:nvSpPr>
+          <p:cNvPr id="74" name="TekstSylinder 73">
+            <a:extLst>
+              <a:ext uri="{FF2B5EF4-FFF2-40B4-BE49-F238E27FC236}">
+                <a16:creationId xmlns:a16="http://schemas.microsoft.com/office/drawing/2014/main" id="{05C4E88E-439A-4395-A55D-4E7A304F3084}"/>
+              </a:ext>
+            </a:extLst>
+          </p:cNvPr>
+          <p:cNvSpPr txBox="1"/>
+          <p:nvPr/>
+        </p:nvSpPr>
+        <p:spPr>
+          <a:xfrm>
+            <a:off x="2100720" y="1498233"/>
+            <a:ext cx="381836" cy="369332"/>
+          </a:xfrm>
+          <a:prstGeom prst="rect">
+            <a:avLst/>
+          </a:prstGeom>
+          <a:noFill/>
+        </p:spPr>
+        <p:txBody>
+          <a:bodyPr wrap="none" rtlCol="0">
+            <a:spAutoFit/>
+          </a:bodyPr>
+          <a:lstStyle/>
+          <a:p>
+            <a:r>
+              <a:rPr lang="en-GB" dirty="0"/>
+              <a:t>P</a:t>
+            </a:r>
+            <a:r>
+              <a:rPr lang="en-GB" baseline="-25000" dirty="0"/>
+              <a:t>1</a:t>
+            </a:r>
+          </a:p>
+        </p:txBody>
+      </p:sp>
+      <p:sp>
+        <p:nvSpPr>
+          <p:cNvPr id="75" name="TekstSylinder 74">
+            <a:extLst>
+              <a:ext uri="{FF2B5EF4-FFF2-40B4-BE49-F238E27FC236}">
+                <a16:creationId xmlns:a16="http://schemas.microsoft.com/office/drawing/2014/main" id="{4891F2BE-CCA4-46AB-91F2-69DBA39DD154}"/>
+              </a:ext>
+            </a:extLst>
+          </p:cNvPr>
+          <p:cNvSpPr txBox="1"/>
+          <p:nvPr/>
+        </p:nvSpPr>
+        <p:spPr>
+          <a:xfrm>
+            <a:off x="8809098" y="1489322"/>
+            <a:ext cx="622286" cy="369332"/>
+          </a:xfrm>
+          <a:prstGeom prst="rect">
+            <a:avLst/>
+          </a:prstGeom>
+          <a:noFill/>
+        </p:spPr>
+        <p:txBody>
+          <a:bodyPr wrap="none" rtlCol="0">
+            <a:spAutoFit/>
+          </a:bodyPr>
+          <a:lstStyle/>
+          <a:p>
+            <a:r>
+              <a:rPr lang="en-GB" dirty="0">
+                <a:solidFill>
+                  <a:schemeClr val="accent5"/>
+                </a:solidFill>
+              </a:rPr>
+              <a:t>QC</a:t>
+            </a:r>
+            <a:r>
+              <a:rPr lang="en-GB" baseline="-25000" dirty="0">
+                <a:solidFill>
+                  <a:schemeClr val="accent5"/>
+                </a:solidFill>
+              </a:rPr>
+              <a:t>P4</a:t>
+            </a:r>
+          </a:p>
+        </p:txBody>
+      </p:sp>
+      <p:sp>
+        <p:nvSpPr>
+          <p:cNvPr id="76" name="TekstSylinder 75">
+            <a:extLst>
+              <a:ext uri="{FF2B5EF4-FFF2-40B4-BE49-F238E27FC236}">
+                <a16:creationId xmlns:a16="http://schemas.microsoft.com/office/drawing/2014/main" id="{BE7815E5-87DF-4C20-BED7-7F92139120F2}"/>
+              </a:ext>
+            </a:extLst>
+          </p:cNvPr>
+          <p:cNvSpPr txBox="1"/>
+          <p:nvPr/>
+        </p:nvSpPr>
+        <p:spPr>
+          <a:xfrm>
+            <a:off x="6934340" y="1489322"/>
+            <a:ext cx="622286" cy="369332"/>
+          </a:xfrm>
+          <a:prstGeom prst="rect">
+            <a:avLst/>
+          </a:prstGeom>
+          <a:noFill/>
+        </p:spPr>
+        <p:txBody>
+          <a:bodyPr wrap="none" rtlCol="0">
+            <a:spAutoFit/>
+          </a:bodyPr>
+          <a:lstStyle/>
+          <a:p>
+            <a:r>
+              <a:rPr lang="en-GB" dirty="0">
+                <a:solidFill>
+                  <a:schemeClr val="accent5"/>
+                </a:solidFill>
+              </a:rPr>
+              <a:t>QC</a:t>
+            </a:r>
+            <a:r>
+              <a:rPr lang="en-GB" baseline="-25000" dirty="0">
+                <a:solidFill>
+                  <a:schemeClr val="accent5"/>
+                </a:solidFill>
+              </a:rPr>
+              <a:t>P3</a:t>
+            </a:r>
+          </a:p>
+        </p:txBody>
+      </p:sp>
+      <p:sp>
+        <p:nvSpPr>
+          <p:cNvPr id="77" name="TekstSylinder 76">
+            <a:extLst>
+              <a:ext uri="{FF2B5EF4-FFF2-40B4-BE49-F238E27FC236}">
+                <a16:creationId xmlns:a16="http://schemas.microsoft.com/office/drawing/2014/main" id="{082C92FE-9C92-4B4B-B1D2-14047265B611}"/>
+              </a:ext>
+            </a:extLst>
+          </p:cNvPr>
+          <p:cNvSpPr txBox="1"/>
+          <p:nvPr/>
+        </p:nvSpPr>
+        <p:spPr>
+          <a:xfrm>
+            <a:off x="5064495" y="1496704"/>
+            <a:ext cx="622286" cy="369332"/>
+          </a:xfrm>
+          <a:prstGeom prst="rect">
+            <a:avLst/>
+          </a:prstGeom>
+          <a:noFill/>
+        </p:spPr>
+        <p:txBody>
+          <a:bodyPr wrap="none" rtlCol="0">
+            <a:spAutoFit/>
+          </a:bodyPr>
+          <a:lstStyle/>
+          <a:p>
+            <a:r>
+              <a:rPr lang="en-GB" dirty="0">
+                <a:solidFill>
+                  <a:schemeClr val="accent5"/>
+                </a:solidFill>
+              </a:rPr>
+              <a:t>QC</a:t>
+            </a:r>
+            <a:r>
+              <a:rPr lang="en-GB" baseline="-25000" dirty="0">
+                <a:solidFill>
+                  <a:schemeClr val="accent5"/>
+                </a:solidFill>
+              </a:rPr>
+              <a:t>P2</a:t>
+            </a:r>
+          </a:p>
+        </p:txBody>
+      </p:sp>
+      <p:sp>
+        <p:nvSpPr>
+          <p:cNvPr id="78" name="TekstSylinder 77">
+            <a:extLst>
+              <a:ext uri="{FF2B5EF4-FFF2-40B4-BE49-F238E27FC236}">
+                <a16:creationId xmlns:a16="http://schemas.microsoft.com/office/drawing/2014/main" id="{1479F447-A819-4AAE-95CA-EEAAD24CF244}"/>
+              </a:ext>
+            </a:extLst>
+          </p:cNvPr>
+          <p:cNvSpPr txBox="1"/>
+          <p:nvPr/>
+        </p:nvSpPr>
+        <p:spPr>
+          <a:xfrm>
+            <a:off x="3187144" y="1496704"/>
+            <a:ext cx="622286" cy="369332"/>
+          </a:xfrm>
+          <a:prstGeom prst="rect">
+            <a:avLst/>
+          </a:prstGeom>
+          <a:noFill/>
+        </p:spPr>
+        <p:txBody>
+          <a:bodyPr wrap="none" rtlCol="0">
+            <a:spAutoFit/>
+          </a:bodyPr>
+          <a:lstStyle/>
+          <a:p>
+            <a:r>
+              <a:rPr lang="en-GB" dirty="0">
+                <a:solidFill>
+                  <a:schemeClr val="accent5"/>
+                </a:solidFill>
+              </a:rPr>
+              <a:t>QC</a:t>
+            </a:r>
+            <a:r>
+              <a:rPr lang="en-GB" baseline="-25000" dirty="0">
+                <a:solidFill>
+                  <a:schemeClr val="accent5"/>
+                </a:solidFill>
+              </a:rPr>
+              <a:t>P1</a:t>
+            </a:r>
+          </a:p>
+        </p:txBody>
+      </p:sp>
+      <p:sp>
+        <p:nvSpPr>
+          <p:cNvPr id="79" name="TekstSylinder 78">
+            <a:extLst>
+              <a:ext uri="{FF2B5EF4-FFF2-40B4-BE49-F238E27FC236}">
+                <a16:creationId xmlns:a16="http://schemas.microsoft.com/office/drawing/2014/main" id="{22F4CC31-26A7-46F5-91B2-1A6A05432583}"/>
+              </a:ext>
+            </a:extLst>
+          </p:cNvPr>
+          <p:cNvSpPr txBox="1"/>
+          <p:nvPr/>
+        </p:nvSpPr>
+        <p:spPr>
+          <a:xfrm>
+            <a:off x="1389142" y="1489322"/>
+            <a:ext cx="463588" cy="369332"/>
+          </a:xfrm>
+          <a:prstGeom prst="rect">
+            <a:avLst/>
+          </a:prstGeom>
+          <a:noFill/>
+        </p:spPr>
+        <p:txBody>
+          <a:bodyPr wrap="none" rtlCol="0">
+            <a:spAutoFit/>
+          </a:bodyPr>
+          <a:lstStyle/>
+          <a:p>
+            <a:r>
+              <a:rPr lang="en-GB" dirty="0">
+                <a:solidFill>
+                  <a:schemeClr val="accent5"/>
+                </a:solidFill>
+              </a:rPr>
+              <a:t>QC</a:t>
+            </a:r>
+            <a:endParaRPr lang="en-GB" baseline="-25000" dirty="0">
+              <a:solidFill>
+                <a:schemeClr val="accent5"/>
+              </a:solidFill>
+            </a:endParaRPr>
+          </a:p>
+        </p:txBody>
+      </p:sp>
+      <p:cxnSp>
+        <p:nvCxnSpPr>
+          <p:cNvPr id="81" name="Kobling: buet 80">
+            <a:extLst>
+              <a:ext uri="{FF2B5EF4-FFF2-40B4-BE49-F238E27FC236}">
+                <a16:creationId xmlns:a16="http://schemas.microsoft.com/office/drawing/2014/main" id="{3CA5AA0C-45D9-4083-967D-2A2C53436CAB}"/>
+              </a:ext>
+            </a:extLst>
+          </p:cNvPr>
+          <p:cNvCxnSpPr>
+            <a:cxnSpLocks/>
+            <a:stCxn id="79" idx="0"/>
+            <a:endCxn id="35" idx="0"/>
+          </p:cNvCxnSpPr>
+          <p:nvPr/>
+        </p:nvCxnSpPr>
+        <p:spPr>
+          <a:xfrm rot="16200000" flipV="1">
+            <a:off x="1065321" y="933707"/>
+            <a:ext cx="81843" cy="1029388"/>
+          </a:xfrm>
+          <a:prstGeom prst="curvedConnector3">
+            <a:avLst>
+              <a:gd name="adj1" fmla="val 552865"/>
+            </a:avLst>
+          </a:prstGeom>
+          <a:ln>
+            <a:tailEnd type="triangle"/>
+          </a:ln>
+        </p:spPr>
+        <p:style>
+          <a:lnRef idx="3">
+            <a:schemeClr val="accent5"/>
+          </a:lnRef>
+          <a:fillRef idx="0">
+            <a:schemeClr val="accent5"/>
+          </a:fillRef>
+          <a:effectRef idx="2">
+            <a:schemeClr val="accent5"/>
+          </a:effectRef>
+          <a:fontRef idx="minor">
+            <a:schemeClr val="tx1"/>
+          </a:fontRef>
+        </p:style>
+      </p:cxnSp>
+      <p:cxnSp>
+        <p:nvCxnSpPr>
+          <p:cNvPr id="84" name="Kobling: buet 83">
+            <a:extLst>
+              <a:ext uri="{FF2B5EF4-FFF2-40B4-BE49-F238E27FC236}">
+                <a16:creationId xmlns:a16="http://schemas.microsoft.com/office/drawing/2014/main" id="{224924F9-EFFD-4AB4-9E91-F84FC2AAFC56}"/>
+              </a:ext>
+            </a:extLst>
+          </p:cNvPr>
+          <p:cNvCxnSpPr>
+            <a:stCxn id="78" idx="0"/>
+            <a:endCxn id="74" idx="0"/>
+          </p:cNvCxnSpPr>
+          <p:nvPr/>
+        </p:nvCxnSpPr>
+        <p:spPr>
+          <a:xfrm rot="16200000" flipH="1" flipV="1">
+            <a:off x="2893162" y="893108"/>
+            <a:ext cx="3600" cy="1206649"/>
+          </a:xfrm>
+          <a:prstGeom prst="curvedConnector3">
+            <a:avLst>
+              <a:gd name="adj1" fmla="val -12462361"/>
+            </a:avLst>
+          </a:prstGeom>
+          <a:ln>
+            <a:tailEnd type="triangle"/>
+          </a:ln>
+        </p:spPr>
+        <p:style>
+          <a:lnRef idx="3">
+            <a:schemeClr val="accent5"/>
+          </a:lnRef>
+          <a:fillRef idx="0">
+            <a:schemeClr val="accent5"/>
+          </a:fillRef>
+          <a:effectRef idx="2">
+            <a:schemeClr val="accent5"/>
+          </a:effectRef>
+          <a:fontRef idx="minor">
+            <a:schemeClr val="tx1"/>
+          </a:fontRef>
+        </p:style>
+      </p:cxnSp>
+      <p:cxnSp>
+        <p:nvCxnSpPr>
+          <p:cNvPr id="102" name="Kobling: buet 101">
+            <a:extLst>
+              <a:ext uri="{FF2B5EF4-FFF2-40B4-BE49-F238E27FC236}">
+                <a16:creationId xmlns:a16="http://schemas.microsoft.com/office/drawing/2014/main" id="{96134499-2F7E-4AE2-A99B-ED711D77DAAE}"/>
+              </a:ext>
+            </a:extLst>
+          </p:cNvPr>
+          <p:cNvCxnSpPr>
+            <a:stCxn id="77" idx="0"/>
+            <a:endCxn id="73" idx="0"/>
+          </p:cNvCxnSpPr>
+          <p:nvPr/>
+        </p:nvCxnSpPr>
+        <p:spPr>
+          <a:xfrm rot="16200000" flipV="1">
+            <a:off x="4774508" y="895573"/>
+            <a:ext cx="2065" cy="1200197"/>
+          </a:xfrm>
+          <a:prstGeom prst="curvedConnector3">
+            <a:avLst>
+              <a:gd name="adj1" fmla="val 21918015"/>
+            </a:avLst>
+          </a:prstGeom>
+          <a:ln>
+            <a:tailEnd type="triangle"/>
+          </a:ln>
+        </p:spPr>
+        <p:style>
+          <a:lnRef idx="3">
+            <a:schemeClr val="accent5"/>
+          </a:lnRef>
+          <a:fillRef idx="0">
+            <a:schemeClr val="accent5"/>
+          </a:fillRef>
+          <a:effectRef idx="2">
+            <a:schemeClr val="accent5"/>
+          </a:effectRef>
+          <a:fontRef idx="minor">
+            <a:schemeClr val="tx1"/>
+          </a:fontRef>
+        </p:style>
+      </p:cxnSp>
+      <p:cxnSp>
+        <p:nvCxnSpPr>
+          <p:cNvPr id="106" name="Kobling: buet 105">
+            <a:extLst>
+              <a:ext uri="{FF2B5EF4-FFF2-40B4-BE49-F238E27FC236}">
+                <a16:creationId xmlns:a16="http://schemas.microsoft.com/office/drawing/2014/main" id="{288C3C9F-4A73-439A-ACF7-573DA4A7FD72}"/>
+              </a:ext>
+            </a:extLst>
+          </p:cNvPr>
+          <p:cNvCxnSpPr>
+            <a:stCxn id="76" idx="0"/>
+            <a:endCxn id="72" idx="0"/>
+          </p:cNvCxnSpPr>
+          <p:nvPr/>
+        </p:nvCxnSpPr>
+        <p:spPr>
+          <a:xfrm rot="16200000" flipH="1" flipV="1">
+            <a:off x="6644084" y="893240"/>
+            <a:ext cx="5317" cy="1197480"/>
+          </a:xfrm>
+          <a:prstGeom prst="curvedConnector3">
+            <a:avLst>
+              <a:gd name="adj1" fmla="val -8473632"/>
+            </a:avLst>
+          </a:prstGeom>
+          <a:ln>
+            <a:tailEnd type="triangle"/>
+          </a:ln>
+        </p:spPr>
+        <p:style>
+          <a:lnRef idx="3">
+            <a:schemeClr val="accent5"/>
+          </a:lnRef>
+          <a:fillRef idx="0">
+            <a:schemeClr val="accent5"/>
+          </a:fillRef>
+          <a:effectRef idx="2">
+            <a:schemeClr val="accent5"/>
+          </a:effectRef>
+          <a:fontRef idx="minor">
+            <a:schemeClr val="tx1"/>
+          </a:fontRef>
+        </p:style>
+      </p:cxnSp>
+      <p:cxnSp>
+        <p:nvCxnSpPr>
+          <p:cNvPr id="109" name="Kobling: buet 108">
+            <a:extLst>
+              <a:ext uri="{FF2B5EF4-FFF2-40B4-BE49-F238E27FC236}">
+                <a16:creationId xmlns:a16="http://schemas.microsoft.com/office/drawing/2014/main" id="{B43B49D0-6E55-4BDB-A1C9-64AA72EC5C45}"/>
+              </a:ext>
+            </a:extLst>
+          </p:cNvPr>
+          <p:cNvCxnSpPr>
+            <a:stCxn id="75" idx="0"/>
+            <a:endCxn id="71" idx="0"/>
+          </p:cNvCxnSpPr>
+          <p:nvPr/>
+        </p:nvCxnSpPr>
+        <p:spPr>
+          <a:xfrm rot="16200000" flipH="1" flipV="1">
+            <a:off x="8519307" y="893705"/>
+            <a:ext cx="5317" cy="1196550"/>
+          </a:xfrm>
+          <a:prstGeom prst="curvedConnector3">
+            <a:avLst>
+              <a:gd name="adj1" fmla="val -8473651"/>
+            </a:avLst>
+          </a:prstGeom>
+          <a:ln>
+            <a:tailEnd type="triangle"/>
+          </a:ln>
+        </p:spPr>
+        <p:style>
+          <a:lnRef idx="3">
+            <a:schemeClr val="accent5"/>
+          </a:lnRef>
+          <a:fillRef idx="0">
+            <a:schemeClr val="accent5"/>
+          </a:fillRef>
+          <a:effectRef idx="2">
+            <a:schemeClr val="accent5"/>
+          </a:effectRef>
+          <a:fontRef idx="minor">
+            <a:schemeClr val="tx1"/>
+          </a:fontRef>
+        </p:style>
+      </p:cxnSp>
+      <p:cxnSp>
+        <p:nvCxnSpPr>
+          <p:cNvPr id="112" name="Kobling: buet 111">
+            <a:extLst>
+              <a:ext uri="{FF2B5EF4-FFF2-40B4-BE49-F238E27FC236}">
+                <a16:creationId xmlns:a16="http://schemas.microsoft.com/office/drawing/2014/main" id="{D3AF5466-F6F1-4B1E-9AC0-EB681F4C0749}"/>
+              </a:ext>
+            </a:extLst>
+          </p:cNvPr>
+          <p:cNvCxnSpPr>
+            <a:stCxn id="36" idx="0"/>
+            <a:endCxn id="70" idx="0"/>
+          </p:cNvCxnSpPr>
+          <p:nvPr/>
+        </p:nvCxnSpPr>
+        <p:spPr>
+          <a:xfrm rot="16200000" flipH="1" flipV="1">
+            <a:off x="10288845" y="928553"/>
+            <a:ext cx="72965" cy="1048571"/>
+          </a:xfrm>
+          <a:prstGeom prst="curvedConnector3">
+            <a:avLst>
+              <a:gd name="adj1" fmla="val -520141"/>
+            </a:avLst>
+          </a:prstGeom>
+          <a:ln>
+            <a:tailEnd type="triangle"/>
+          </a:ln>
+        </p:spPr>
+        <p:style>
+          <a:lnRef idx="3">
+            <a:schemeClr val="accent5"/>
+          </a:lnRef>
+          <a:fillRef idx="0">
+            <a:schemeClr val="accent5"/>
+          </a:fillRef>
+          <a:effectRef idx="2">
+            <a:schemeClr val="accent5"/>
+          </a:effectRef>
+          <a:fontRef idx="minor">
+            <a:schemeClr val="tx1"/>
+          </a:fontRef>
+        </p:style>
+      </p:cxnSp>
+      <p:sp>
+        <p:nvSpPr>
+          <p:cNvPr id="115" name="TekstSylinder 114">
+            <a:extLst>
+              <a:ext uri="{FF2B5EF4-FFF2-40B4-BE49-F238E27FC236}">
+                <a16:creationId xmlns:a16="http://schemas.microsoft.com/office/drawing/2014/main" id="{27A796DE-B31E-45E4-B59E-0208D6FD3DA8}"/>
+              </a:ext>
+            </a:extLst>
+          </p:cNvPr>
+          <p:cNvSpPr txBox="1"/>
+          <p:nvPr/>
+        </p:nvSpPr>
+        <p:spPr>
+          <a:xfrm>
+            <a:off x="9284451" y="1127101"/>
+            <a:ext cx="394660" cy="369332"/>
+          </a:xfrm>
+          <a:prstGeom prst="rect">
+            <a:avLst/>
+          </a:prstGeom>
+          <a:noFill/>
+        </p:spPr>
+        <p:txBody>
+          <a:bodyPr wrap="none" rtlCol="0">
+            <a:spAutoFit/>
+          </a:bodyPr>
+          <a:lstStyle/>
+          <a:p>
+            <a:r>
+              <a:rPr lang="en-GB" dirty="0"/>
+              <a:t>V</a:t>
+            </a:r>
+            <a:r>
+              <a:rPr lang="en-GB" baseline="-25000" dirty="0"/>
+              <a:t>5</a:t>
+            </a:r>
+          </a:p>
+        </p:txBody>
+      </p:sp>
+      <p:sp>
+        <p:nvSpPr>
+          <p:cNvPr id="116" name="TekstSylinder 115">
+            <a:extLst>
+              <a:ext uri="{FF2B5EF4-FFF2-40B4-BE49-F238E27FC236}">
+                <a16:creationId xmlns:a16="http://schemas.microsoft.com/office/drawing/2014/main" id="{9C2D5515-07FA-4521-8364-5E1683CAAF00}"/>
+              </a:ext>
+            </a:extLst>
+          </p:cNvPr>
+          <p:cNvSpPr txBox="1"/>
+          <p:nvPr/>
+        </p:nvSpPr>
+        <p:spPr>
+          <a:xfrm>
+            <a:off x="7400688" y="1127101"/>
+            <a:ext cx="394660" cy="369332"/>
+          </a:xfrm>
+          <a:prstGeom prst="rect">
+            <a:avLst/>
+          </a:prstGeom>
+          <a:noFill/>
+        </p:spPr>
+        <p:txBody>
+          <a:bodyPr wrap="none" rtlCol="0">
+            <a:spAutoFit/>
+          </a:bodyPr>
+          <a:lstStyle/>
+          <a:p>
+            <a:r>
+              <a:rPr lang="en-GB" dirty="0"/>
+              <a:t>V</a:t>
+            </a:r>
+            <a:r>
+              <a:rPr lang="en-GB" baseline="-25000" dirty="0"/>
+              <a:t>4</a:t>
+            </a:r>
+          </a:p>
+        </p:txBody>
+      </p:sp>
+      <p:sp>
+        <p:nvSpPr>
+          <p:cNvPr id="117" name="TekstSylinder 116">
+            <a:extLst>
+              <a:ext uri="{FF2B5EF4-FFF2-40B4-BE49-F238E27FC236}">
+                <a16:creationId xmlns:a16="http://schemas.microsoft.com/office/drawing/2014/main" id="{C612CAE9-EDFC-491D-94F0-6AE4E7F3B515}"/>
+              </a:ext>
+            </a:extLst>
+          </p:cNvPr>
+          <p:cNvSpPr txBox="1"/>
+          <p:nvPr/>
+        </p:nvSpPr>
+        <p:spPr>
+          <a:xfrm>
+            <a:off x="5524392" y="1127101"/>
+            <a:ext cx="394660" cy="369332"/>
+          </a:xfrm>
+          <a:prstGeom prst="rect">
+            <a:avLst/>
+          </a:prstGeom>
+          <a:noFill/>
+        </p:spPr>
+        <p:txBody>
+          <a:bodyPr wrap="none" rtlCol="0">
+            <a:spAutoFit/>
+          </a:bodyPr>
+          <a:lstStyle/>
+          <a:p>
+            <a:r>
+              <a:rPr lang="en-GB" dirty="0"/>
+              <a:t>V</a:t>
+            </a:r>
+            <a:r>
+              <a:rPr lang="en-GB" baseline="-25000" dirty="0"/>
+              <a:t>3</a:t>
+            </a:r>
+          </a:p>
+        </p:txBody>
+      </p:sp>
+      <p:sp>
+        <p:nvSpPr>
+          <p:cNvPr id="118" name="TekstSylinder 117">
+            <a:extLst>
+              <a:ext uri="{FF2B5EF4-FFF2-40B4-BE49-F238E27FC236}">
+                <a16:creationId xmlns:a16="http://schemas.microsoft.com/office/drawing/2014/main" id="{DDCC483B-4A74-4A40-A221-1BD33BFCB871}"/>
+              </a:ext>
+            </a:extLst>
+          </p:cNvPr>
+          <p:cNvSpPr txBox="1"/>
+          <p:nvPr/>
+        </p:nvSpPr>
+        <p:spPr>
+          <a:xfrm>
+            <a:off x="3633123" y="1127101"/>
+            <a:ext cx="394660" cy="369332"/>
+          </a:xfrm>
+          <a:prstGeom prst="rect">
+            <a:avLst/>
+          </a:prstGeom>
+          <a:noFill/>
+        </p:spPr>
+        <p:txBody>
+          <a:bodyPr wrap="none" rtlCol="0">
+            <a:spAutoFit/>
+          </a:bodyPr>
+          <a:lstStyle/>
+          <a:p>
+            <a:r>
+              <a:rPr lang="en-GB" dirty="0"/>
+              <a:t>V</a:t>
+            </a:r>
+            <a:r>
+              <a:rPr lang="en-GB" baseline="-25000" dirty="0"/>
+              <a:t>2</a:t>
+            </a:r>
+          </a:p>
+        </p:txBody>
+      </p:sp>
+      <p:sp>
+        <p:nvSpPr>
+          <p:cNvPr id="119" name="TekstSylinder 118">
+            <a:extLst>
+              <a:ext uri="{FF2B5EF4-FFF2-40B4-BE49-F238E27FC236}">
+                <a16:creationId xmlns:a16="http://schemas.microsoft.com/office/drawing/2014/main" id="{EADF2FC5-5D22-4002-B637-5A4733296612}"/>
+              </a:ext>
+            </a:extLst>
+          </p:cNvPr>
+          <p:cNvSpPr txBox="1"/>
+          <p:nvPr/>
+        </p:nvSpPr>
+        <p:spPr>
+          <a:xfrm>
+            <a:off x="1768502" y="1127101"/>
+            <a:ext cx="394660" cy="369332"/>
+          </a:xfrm>
+          <a:prstGeom prst="rect">
+            <a:avLst/>
+          </a:prstGeom>
+          <a:noFill/>
+        </p:spPr>
+        <p:txBody>
+          <a:bodyPr wrap="none" rtlCol="0">
+            <a:spAutoFit/>
+          </a:bodyPr>
+          <a:lstStyle/>
+          <a:p>
+            <a:r>
+              <a:rPr lang="en-GB" dirty="0"/>
+              <a:t>V</a:t>
+            </a:r>
+            <a:r>
+              <a:rPr lang="en-GB" baseline="-25000" dirty="0"/>
+              <a:t>1</a:t>
+            </a:r>
+          </a:p>
+        </p:txBody>
+      </p:sp>
+      <p:sp>
+        <p:nvSpPr>
+          <p:cNvPr id="120" name="TekstSylinder 119">
+            <a:extLst>
+              <a:ext uri="{FF2B5EF4-FFF2-40B4-BE49-F238E27FC236}">
+                <a16:creationId xmlns:a16="http://schemas.microsoft.com/office/drawing/2014/main" id="{17C29EBD-B85D-444E-A54B-A8FB209B41BA}"/>
+              </a:ext>
+            </a:extLst>
+          </p:cNvPr>
+          <p:cNvSpPr txBox="1"/>
+          <p:nvPr/>
+        </p:nvSpPr>
+        <p:spPr>
+          <a:xfrm>
+            <a:off x="591547" y="4977786"/>
+            <a:ext cx="4472947" cy="1200329"/>
+          </a:xfrm>
+          <a:prstGeom prst="rect">
+            <a:avLst/>
+          </a:prstGeom>
+        </p:spPr>
+        <p:style>
+          <a:lnRef idx="1">
+            <a:schemeClr val="accent2"/>
+          </a:lnRef>
+          <a:fillRef idx="3">
+            <a:schemeClr val="accent2"/>
+          </a:fillRef>
+          <a:effectRef idx="2">
+            <a:schemeClr val="accent2"/>
+          </a:effectRef>
+          <a:fontRef idx="minor">
+            <a:schemeClr val="lt1"/>
+          </a:fontRef>
+        </p:style>
+        <p:txBody>
+          <a:bodyPr wrap="square" rtlCol="0">
+            <a:spAutoFit/>
+          </a:bodyPr>
+          <a:lstStyle/>
+          <a:p>
+            <a:r>
+              <a:rPr lang="en-GB" dirty="0"/>
+              <a:t>V</a:t>
+            </a:r>
+            <a:r>
+              <a:rPr lang="en-GB" sz="2400" baseline="-25000" dirty="0">
+                <a:latin typeface="Vijaya" panose="020B0502040204020203" pitchFamily="18" charset="0"/>
+                <a:cs typeface="Vijaya" panose="020B0502040204020203" pitchFamily="18" charset="0"/>
+              </a:rPr>
+              <a:t>i</a:t>
+            </a:r>
+            <a:r>
+              <a:rPr lang="en-GB" dirty="0"/>
+              <a:t> :	View number </a:t>
+            </a:r>
+            <a:r>
+              <a:rPr lang="en-GB" sz="2400" dirty="0">
+                <a:latin typeface="Vijaya" panose="020B0502040204020203" pitchFamily="18" charset="0"/>
+                <a:cs typeface="Vijaya" panose="020B0502040204020203" pitchFamily="18" charset="0"/>
+              </a:rPr>
+              <a:t>i</a:t>
+            </a:r>
+            <a:endParaRPr lang="en-GB" dirty="0">
+              <a:latin typeface="Vijaya" panose="020B0502040204020203" pitchFamily="18" charset="0"/>
+              <a:cs typeface="Vijaya" panose="020B0502040204020203" pitchFamily="18" charset="0"/>
+            </a:endParaRPr>
+          </a:p>
+          <a:p>
+            <a:r>
+              <a:rPr lang="en-GB" dirty="0"/>
+              <a:t>P</a:t>
+            </a:r>
+            <a:r>
+              <a:rPr lang="en-GB" sz="2400" baseline="-25000" dirty="0">
+                <a:latin typeface="Vijaya" panose="020B0502040204020203" pitchFamily="18" charset="0"/>
+                <a:cs typeface="Vijaya" panose="020B0502040204020203" pitchFamily="18" charset="0"/>
+              </a:rPr>
+              <a:t>i</a:t>
+            </a:r>
+            <a:r>
+              <a:rPr lang="en-GB" dirty="0"/>
+              <a:t> : 	Proposal number </a:t>
+            </a:r>
+            <a:r>
+              <a:rPr lang="en-GB" sz="2400" dirty="0">
+                <a:latin typeface="Vijaya" panose="020B0502040204020203" pitchFamily="18" charset="0"/>
+                <a:cs typeface="Vijaya" panose="020B0502040204020203" pitchFamily="18" charset="0"/>
+              </a:rPr>
+              <a:t>i</a:t>
+            </a:r>
+            <a:endParaRPr lang="en-GB" dirty="0">
+              <a:latin typeface="Vijaya" panose="020B0502040204020203" pitchFamily="18" charset="0"/>
+              <a:cs typeface="Vijaya" panose="020B0502040204020203" pitchFamily="18" charset="0"/>
+            </a:endParaRPr>
+          </a:p>
+          <a:p>
+            <a:r>
+              <a:rPr lang="en-GB" dirty="0"/>
+              <a:t>QC</a:t>
+            </a:r>
+            <a:r>
+              <a:rPr lang="en-GB" sz="2400" baseline="-25000" dirty="0">
+                <a:latin typeface="Vijaya" panose="020B0502040204020203" pitchFamily="18" charset="0"/>
+                <a:cs typeface="Vijaya" panose="020B0502040204020203" pitchFamily="18" charset="0"/>
+              </a:rPr>
+              <a:t>Pi</a:t>
+            </a:r>
+            <a:r>
+              <a:rPr lang="en-GB" dirty="0"/>
+              <a:t> : 	Quorum Certificate for Proposal </a:t>
+            </a:r>
+            <a:r>
+              <a:rPr lang="en-GB" sz="2400" dirty="0">
+                <a:latin typeface="Vijaya" panose="020B0502040204020203" pitchFamily="18" charset="0"/>
+                <a:cs typeface="Vijaya" panose="020B0502040204020203" pitchFamily="18" charset="0"/>
+              </a:rPr>
+              <a:t>i</a:t>
+            </a:r>
+            <a:endParaRPr lang="en-GB" dirty="0">
+              <a:latin typeface="Vijaya" panose="020B0502040204020203" pitchFamily="18" charset="0"/>
+              <a:cs typeface="Vijaya" panose="020B0502040204020203" pitchFamily="18" charset="0"/>
+            </a:endParaRPr>
+          </a:p>
+        </p:txBody>
+      </p:sp>
+    </p:spTree>
+    <p:extLst>
+      <p:ext uri="{BB962C8B-B14F-4D97-AF65-F5344CB8AC3E}">
+        <p14:creationId xmlns:p14="http://schemas.microsoft.com/office/powerpoint/2010/main" val="111534707"/>
       </p:ext>
     </p:extLst>
   </p:cSld>

--- a/WIP.pptx
+++ b/WIP.pptx
@@ -7,6 +7,10 @@
   <p:sldIdLst>
     <p:sldId id="256" r:id="rId2"/>
     <p:sldId id="257" r:id="rId3"/>
+    <p:sldId id="258" r:id="rId4"/>
+    <p:sldId id="259" r:id="rId5"/>
+    <p:sldId id="260" r:id="rId6"/>
+    <p:sldId id="261" r:id="rId7"/>
   </p:sldIdLst>
   <p:sldSz cx="12192000" cy="6858000"/>
   <p:notesSz cx="6858000" cy="9144000"/>
@@ -260,7 +264,7 @@
           <a:p>
             <a:fld id="{4BB03E3C-822E-4593-9A6A-EC9CF8479CCC}" type="datetimeFigureOut">
               <a:rPr lang="en-US" smtClean="0"/>
-              <a:t>4/21/2021</a:t>
+              <a:t>4/22/2021</a:t>
             </a:fld>
             <a:endParaRPr lang="en-US"/>
           </a:p>
@@ -458,7 +462,7 @@
           <a:p>
             <a:fld id="{4BB03E3C-822E-4593-9A6A-EC9CF8479CCC}" type="datetimeFigureOut">
               <a:rPr lang="en-US" smtClean="0"/>
-              <a:t>4/21/2021</a:t>
+              <a:t>4/22/2021</a:t>
             </a:fld>
             <a:endParaRPr lang="en-US"/>
           </a:p>
@@ -666,7 +670,7 @@
           <a:p>
             <a:fld id="{4BB03E3C-822E-4593-9A6A-EC9CF8479CCC}" type="datetimeFigureOut">
               <a:rPr lang="en-US" smtClean="0"/>
-              <a:t>4/21/2021</a:t>
+              <a:t>4/22/2021</a:t>
             </a:fld>
             <a:endParaRPr lang="en-US"/>
           </a:p>
@@ -864,7 +868,7 @@
           <a:p>
             <a:fld id="{4BB03E3C-822E-4593-9A6A-EC9CF8479CCC}" type="datetimeFigureOut">
               <a:rPr lang="en-US" smtClean="0"/>
-              <a:t>4/21/2021</a:t>
+              <a:t>4/22/2021</a:t>
             </a:fld>
             <a:endParaRPr lang="en-US"/>
           </a:p>
@@ -1139,7 +1143,7 @@
           <a:p>
             <a:fld id="{4BB03E3C-822E-4593-9A6A-EC9CF8479CCC}" type="datetimeFigureOut">
               <a:rPr lang="en-US" smtClean="0"/>
-              <a:t>4/21/2021</a:t>
+              <a:t>4/22/2021</a:t>
             </a:fld>
             <a:endParaRPr lang="en-US"/>
           </a:p>
@@ -1404,7 +1408,7 @@
           <a:p>
             <a:fld id="{4BB03E3C-822E-4593-9A6A-EC9CF8479CCC}" type="datetimeFigureOut">
               <a:rPr lang="en-US" smtClean="0"/>
-              <a:t>4/21/2021</a:t>
+              <a:t>4/22/2021</a:t>
             </a:fld>
             <a:endParaRPr lang="en-US"/>
           </a:p>
@@ -1816,7 +1820,7 @@
           <a:p>
             <a:fld id="{4BB03E3C-822E-4593-9A6A-EC9CF8479CCC}" type="datetimeFigureOut">
               <a:rPr lang="en-US" smtClean="0"/>
-              <a:t>4/21/2021</a:t>
+              <a:t>4/22/2021</a:t>
             </a:fld>
             <a:endParaRPr lang="en-US"/>
           </a:p>
@@ -1957,7 +1961,7 @@
           <a:p>
             <a:fld id="{4BB03E3C-822E-4593-9A6A-EC9CF8479CCC}" type="datetimeFigureOut">
               <a:rPr lang="en-US" smtClean="0"/>
-              <a:t>4/21/2021</a:t>
+              <a:t>4/22/2021</a:t>
             </a:fld>
             <a:endParaRPr lang="en-US"/>
           </a:p>
@@ -2070,7 +2074,7 @@
           <a:p>
             <a:fld id="{4BB03E3C-822E-4593-9A6A-EC9CF8479CCC}" type="datetimeFigureOut">
               <a:rPr lang="en-US" smtClean="0"/>
-              <a:t>4/21/2021</a:t>
+              <a:t>4/22/2021</a:t>
             </a:fld>
             <a:endParaRPr lang="en-US"/>
           </a:p>
@@ -2381,7 +2385,7 @@
           <a:p>
             <a:fld id="{4BB03E3C-822E-4593-9A6A-EC9CF8479CCC}" type="datetimeFigureOut">
               <a:rPr lang="en-US" smtClean="0"/>
-              <a:t>4/21/2021</a:t>
+              <a:t>4/22/2021</a:t>
             </a:fld>
             <a:endParaRPr lang="en-US"/>
           </a:p>
@@ -2669,7 +2673,7 @@
           <a:p>
             <a:fld id="{4BB03E3C-822E-4593-9A6A-EC9CF8479CCC}" type="datetimeFigureOut">
               <a:rPr lang="en-US" smtClean="0"/>
-              <a:t>4/21/2021</a:t>
+              <a:t>4/22/2021</a:t>
             </a:fld>
             <a:endParaRPr lang="en-US"/>
           </a:p>
@@ -2910,7 +2914,7 @@
           <a:p>
             <a:fld id="{4BB03E3C-822E-4593-9A6A-EC9CF8479CCC}" type="datetimeFigureOut">
               <a:rPr lang="en-US" smtClean="0"/>
-              <a:t>4/21/2021</a:t>
+              <a:t>4/22/2021</a:t>
             </a:fld>
             <a:endParaRPr lang="en-US"/>
           </a:p>
@@ -7503,6 +7507,3235 @@
     <p:extLst>
       <p:ext uri="{BB962C8B-B14F-4D97-AF65-F5344CB8AC3E}">
         <p14:creationId xmlns:p14="http://schemas.microsoft.com/office/powerpoint/2010/main" val="111534707"/>
+      </p:ext>
+    </p:extLst>
+  </p:cSld>
+  <p:clrMapOvr>
+    <a:masterClrMapping/>
+  </p:clrMapOvr>
+</p:sld>
+</file>
+
+<file path=ppt/slides/slide3.xml><?xml version="1.0" encoding="utf-8"?>
+<p:sld xmlns:a="http://schemas.openxmlformats.org/drawingml/2006/main" xmlns:r="http://schemas.openxmlformats.org/officeDocument/2006/relationships" xmlns:p="http://schemas.openxmlformats.org/presentationml/2006/main">
+  <p:cSld>
+    <p:bg>
+      <p:bgPr>
+        <a:solidFill>
+          <a:schemeClr val="bg1"/>
+        </a:solidFill>
+        <a:effectLst/>
+      </p:bgPr>
+    </p:bg>
+    <p:spTree>
+      <p:nvGrpSpPr>
+        <p:cNvPr id="1" name=""/>
+        <p:cNvGrpSpPr/>
+        <p:nvPr/>
+      </p:nvGrpSpPr>
+      <p:grpSpPr>
+        <a:xfrm>
+          <a:off x="0" y="0"/>
+          <a:ext cx="0" cy="0"/>
+          <a:chOff x="0" y="0"/>
+          <a:chExt cx="0" cy="0"/>
+        </a:xfrm>
+      </p:grpSpPr>
+      <p:sp>
+        <p:nvSpPr>
+          <p:cNvPr id="12" name="Rektangel: avrundede hjørner 11">
+            <a:extLst>
+              <a:ext uri="{FF2B5EF4-FFF2-40B4-BE49-F238E27FC236}">
+                <a16:creationId xmlns:a16="http://schemas.microsoft.com/office/drawing/2014/main" id="{EF3E8E44-FB76-419A-9032-73841400D7BE}"/>
+              </a:ext>
+            </a:extLst>
+          </p:cNvPr>
+          <p:cNvSpPr/>
+          <p:nvPr/>
+        </p:nvSpPr>
+        <p:spPr>
+          <a:xfrm>
+            <a:off x="5394664" y="807867"/>
+            <a:ext cx="1722268" cy="816746"/>
+          </a:xfrm>
+          <a:prstGeom prst="roundRect">
+            <a:avLst/>
+          </a:prstGeom>
+          <a:ln w="28575"/>
+        </p:spPr>
+        <p:style>
+          <a:lnRef idx="2">
+            <a:schemeClr val="accent5"/>
+          </a:lnRef>
+          <a:fillRef idx="1">
+            <a:schemeClr val="lt1"/>
+          </a:fillRef>
+          <a:effectRef idx="0">
+            <a:schemeClr val="accent5"/>
+          </a:effectRef>
+          <a:fontRef idx="minor">
+            <a:schemeClr val="dk1"/>
+          </a:fontRef>
+        </p:style>
+        <p:txBody>
+          <a:bodyPr rtlCol="0" anchor="ctr"/>
+          <a:lstStyle/>
+          <a:p>
+            <a:pPr algn="ctr"/>
+            <a:endParaRPr lang="en-GB"/>
+          </a:p>
+        </p:txBody>
+      </p:sp>
+      <p:cxnSp>
+        <p:nvCxnSpPr>
+          <p:cNvPr id="13" name="Rett pilkobling 12">
+            <a:extLst>
+              <a:ext uri="{FF2B5EF4-FFF2-40B4-BE49-F238E27FC236}">
+                <a16:creationId xmlns:a16="http://schemas.microsoft.com/office/drawing/2014/main" id="{3710368D-1E06-4523-92A9-A0E30869FA8B}"/>
+              </a:ext>
+            </a:extLst>
+          </p:cNvPr>
+          <p:cNvCxnSpPr>
+            <a:cxnSpLocks/>
+            <a:endCxn id="12" idx="0"/>
+          </p:cNvCxnSpPr>
+          <p:nvPr/>
+        </p:nvCxnSpPr>
+        <p:spPr>
+          <a:xfrm>
+            <a:off x="6255798" y="0"/>
+            <a:ext cx="0" cy="807867"/>
+          </a:xfrm>
+          <a:prstGeom prst="straightConnector1">
+            <a:avLst/>
+          </a:prstGeom>
+          <a:ln>
+            <a:tailEnd type="triangle"/>
+          </a:ln>
+        </p:spPr>
+        <p:style>
+          <a:lnRef idx="3">
+            <a:schemeClr val="accent5"/>
+          </a:lnRef>
+          <a:fillRef idx="0">
+            <a:schemeClr val="accent5"/>
+          </a:fillRef>
+          <a:effectRef idx="2">
+            <a:schemeClr val="accent5"/>
+          </a:effectRef>
+          <a:fontRef idx="minor">
+            <a:schemeClr val="tx1"/>
+          </a:fontRef>
+        </p:style>
+      </p:cxnSp>
+      <p:sp>
+        <p:nvSpPr>
+          <p:cNvPr id="14" name="Rektangel: avrundede hjørner 13">
+            <a:extLst>
+              <a:ext uri="{FF2B5EF4-FFF2-40B4-BE49-F238E27FC236}">
+                <a16:creationId xmlns:a16="http://schemas.microsoft.com/office/drawing/2014/main" id="{BDCB3620-F0ED-48F3-B70E-1B46FDCA8F40}"/>
+              </a:ext>
+            </a:extLst>
+          </p:cNvPr>
+          <p:cNvSpPr/>
+          <p:nvPr/>
+        </p:nvSpPr>
+        <p:spPr>
+          <a:xfrm>
+            <a:off x="8689759" y="807867"/>
+            <a:ext cx="1722268" cy="816746"/>
+          </a:xfrm>
+          <a:prstGeom prst="roundRect">
+            <a:avLst/>
+          </a:prstGeom>
+          <a:ln w="28575"/>
+        </p:spPr>
+        <p:style>
+          <a:lnRef idx="2">
+            <a:schemeClr val="accent5"/>
+          </a:lnRef>
+          <a:fillRef idx="1">
+            <a:schemeClr val="lt1"/>
+          </a:fillRef>
+          <a:effectRef idx="0">
+            <a:schemeClr val="accent5"/>
+          </a:effectRef>
+          <a:fontRef idx="minor">
+            <a:schemeClr val="dk1"/>
+          </a:fontRef>
+        </p:style>
+        <p:txBody>
+          <a:bodyPr rtlCol="0" anchor="ctr"/>
+          <a:lstStyle/>
+          <a:p>
+            <a:pPr algn="ctr"/>
+            <a:endParaRPr lang="en-GB"/>
+          </a:p>
+        </p:txBody>
+      </p:sp>
+      <p:cxnSp>
+        <p:nvCxnSpPr>
+          <p:cNvPr id="15" name="Rett pilkobling 14">
+            <a:extLst>
+              <a:ext uri="{FF2B5EF4-FFF2-40B4-BE49-F238E27FC236}">
+                <a16:creationId xmlns:a16="http://schemas.microsoft.com/office/drawing/2014/main" id="{C215B482-BAC0-45AC-8D30-3FE8D2322AB1}"/>
+              </a:ext>
+            </a:extLst>
+          </p:cNvPr>
+          <p:cNvCxnSpPr>
+            <a:cxnSpLocks/>
+            <a:endCxn id="14" idx="0"/>
+          </p:cNvCxnSpPr>
+          <p:nvPr/>
+        </p:nvCxnSpPr>
+        <p:spPr>
+          <a:xfrm>
+            <a:off x="9550893" y="0"/>
+            <a:ext cx="0" cy="807867"/>
+          </a:xfrm>
+          <a:prstGeom prst="straightConnector1">
+            <a:avLst/>
+          </a:prstGeom>
+          <a:ln>
+            <a:tailEnd type="triangle"/>
+          </a:ln>
+        </p:spPr>
+        <p:style>
+          <a:lnRef idx="3">
+            <a:schemeClr val="accent5"/>
+          </a:lnRef>
+          <a:fillRef idx="0">
+            <a:schemeClr val="accent5"/>
+          </a:fillRef>
+          <a:effectRef idx="2">
+            <a:schemeClr val="accent5"/>
+          </a:effectRef>
+          <a:fontRef idx="minor">
+            <a:schemeClr val="tx1"/>
+          </a:fontRef>
+        </p:style>
+      </p:cxnSp>
+      <p:sp>
+        <p:nvSpPr>
+          <p:cNvPr id="19" name="TekstSylinder 18">
+            <a:extLst>
+              <a:ext uri="{FF2B5EF4-FFF2-40B4-BE49-F238E27FC236}">
+                <a16:creationId xmlns:a16="http://schemas.microsoft.com/office/drawing/2014/main" id="{AC8216DE-6D9A-44EA-800C-778929BE96FD}"/>
+              </a:ext>
+            </a:extLst>
+          </p:cNvPr>
+          <p:cNvSpPr txBox="1"/>
+          <p:nvPr/>
+        </p:nvSpPr>
+        <p:spPr>
+          <a:xfrm>
+            <a:off x="5075066" y="142320"/>
+            <a:ext cx="1180730" cy="523220"/>
+          </a:xfrm>
+          <a:prstGeom prst="rect">
+            <a:avLst/>
+          </a:prstGeom>
+          <a:noFill/>
+        </p:spPr>
+        <p:txBody>
+          <a:bodyPr wrap="square" rtlCol="0">
+            <a:spAutoFit/>
+          </a:bodyPr>
+          <a:lstStyle/>
+          <a:p>
+            <a:pPr algn="ctr"/>
+            <a:r>
+              <a:rPr lang="en-GB" sz="1400" dirty="0"/>
+              <a:t>Incoming message</a:t>
+            </a:r>
+          </a:p>
+        </p:txBody>
+      </p:sp>
+      <p:sp>
+        <p:nvSpPr>
+          <p:cNvPr id="20" name="TekstSylinder 19">
+            <a:extLst>
+              <a:ext uri="{FF2B5EF4-FFF2-40B4-BE49-F238E27FC236}">
+                <a16:creationId xmlns:a16="http://schemas.microsoft.com/office/drawing/2014/main" id="{998957E5-64B7-4ACA-B577-672A5C716937}"/>
+              </a:ext>
+            </a:extLst>
+          </p:cNvPr>
+          <p:cNvSpPr txBox="1"/>
+          <p:nvPr/>
+        </p:nvSpPr>
+        <p:spPr>
+          <a:xfrm>
+            <a:off x="8370160" y="98219"/>
+            <a:ext cx="1180730" cy="523220"/>
+          </a:xfrm>
+          <a:prstGeom prst="rect">
+            <a:avLst/>
+          </a:prstGeom>
+          <a:noFill/>
+        </p:spPr>
+        <p:txBody>
+          <a:bodyPr wrap="square" rtlCol="0">
+            <a:spAutoFit/>
+          </a:bodyPr>
+          <a:lstStyle/>
+          <a:p>
+            <a:pPr algn="ctr"/>
+            <a:r>
+              <a:rPr lang="en-GB" sz="1400" dirty="0"/>
+              <a:t>NewView timeout</a:t>
+            </a:r>
+          </a:p>
+        </p:txBody>
+      </p:sp>
+      <p:sp>
+        <p:nvSpPr>
+          <p:cNvPr id="22" name="Rektangel: avrundede hjørner 21">
+            <a:extLst>
+              <a:ext uri="{FF2B5EF4-FFF2-40B4-BE49-F238E27FC236}">
+                <a16:creationId xmlns:a16="http://schemas.microsoft.com/office/drawing/2014/main" id="{F08E4803-DCD4-4657-8C06-4ABE7533004E}"/>
+              </a:ext>
+            </a:extLst>
+          </p:cNvPr>
+          <p:cNvSpPr/>
+          <p:nvPr/>
+        </p:nvSpPr>
+        <p:spPr>
+          <a:xfrm>
+            <a:off x="5394663" y="2432485"/>
+            <a:ext cx="1722268" cy="816746"/>
+          </a:xfrm>
+          <a:prstGeom prst="roundRect">
+            <a:avLst/>
+          </a:prstGeom>
+          <a:ln w="28575"/>
+        </p:spPr>
+        <p:style>
+          <a:lnRef idx="2">
+            <a:schemeClr val="accent5"/>
+          </a:lnRef>
+          <a:fillRef idx="1">
+            <a:schemeClr val="lt1"/>
+          </a:fillRef>
+          <a:effectRef idx="0">
+            <a:schemeClr val="accent5"/>
+          </a:effectRef>
+          <a:fontRef idx="minor">
+            <a:schemeClr val="dk1"/>
+          </a:fontRef>
+        </p:style>
+        <p:txBody>
+          <a:bodyPr rtlCol="0" anchor="ctr"/>
+          <a:lstStyle/>
+          <a:p>
+            <a:pPr algn="ctr"/>
+            <a:endParaRPr lang="en-GB"/>
+          </a:p>
+        </p:txBody>
+      </p:sp>
+      <p:sp>
+        <p:nvSpPr>
+          <p:cNvPr id="23" name="Rektangel: avrundede hjørner 22">
+            <a:extLst>
+              <a:ext uri="{FF2B5EF4-FFF2-40B4-BE49-F238E27FC236}">
+                <a16:creationId xmlns:a16="http://schemas.microsoft.com/office/drawing/2014/main" id="{7AC25036-D963-44BD-8231-DBFF9FED20CF}"/>
+              </a:ext>
+            </a:extLst>
+          </p:cNvPr>
+          <p:cNvSpPr/>
+          <p:nvPr/>
+        </p:nvSpPr>
+        <p:spPr>
+          <a:xfrm>
+            <a:off x="8689758" y="2432485"/>
+            <a:ext cx="1722268" cy="816746"/>
+          </a:xfrm>
+          <a:prstGeom prst="roundRect">
+            <a:avLst/>
+          </a:prstGeom>
+          <a:ln w="28575"/>
+        </p:spPr>
+        <p:style>
+          <a:lnRef idx="2">
+            <a:schemeClr val="accent5"/>
+          </a:lnRef>
+          <a:fillRef idx="1">
+            <a:schemeClr val="lt1"/>
+          </a:fillRef>
+          <a:effectRef idx="0">
+            <a:schemeClr val="accent5"/>
+          </a:effectRef>
+          <a:fontRef idx="minor">
+            <a:schemeClr val="dk1"/>
+          </a:fontRef>
+        </p:style>
+        <p:txBody>
+          <a:bodyPr rtlCol="0" anchor="ctr"/>
+          <a:lstStyle/>
+          <a:p>
+            <a:pPr algn="ctr"/>
+            <a:endParaRPr lang="en-GB"/>
+          </a:p>
+        </p:txBody>
+      </p:sp>
+      <p:sp>
+        <p:nvSpPr>
+          <p:cNvPr id="25" name="TekstSylinder 24">
+            <a:extLst>
+              <a:ext uri="{FF2B5EF4-FFF2-40B4-BE49-F238E27FC236}">
+                <a16:creationId xmlns:a16="http://schemas.microsoft.com/office/drawing/2014/main" id="{060087D5-63F9-4510-AD54-EF7649B24BC5}"/>
+              </a:ext>
+            </a:extLst>
+          </p:cNvPr>
+          <p:cNvSpPr txBox="1"/>
+          <p:nvPr/>
+        </p:nvSpPr>
+        <p:spPr>
+          <a:xfrm>
+            <a:off x="5075066" y="1705384"/>
+            <a:ext cx="1180730" cy="646331"/>
+          </a:xfrm>
+          <a:prstGeom prst="rect">
+            <a:avLst/>
+          </a:prstGeom>
+          <a:noFill/>
+        </p:spPr>
+        <p:txBody>
+          <a:bodyPr wrap="square" rtlCol="0">
+            <a:spAutoFit/>
+          </a:bodyPr>
+          <a:lstStyle/>
+          <a:p>
+            <a:pPr algn="ctr"/>
+            <a:r>
+              <a:rPr lang="en-GB" dirty="0"/>
+              <a:t>Incoming message</a:t>
+            </a:r>
+          </a:p>
+        </p:txBody>
+      </p:sp>
+      <p:sp>
+        <p:nvSpPr>
+          <p:cNvPr id="26" name="TekstSylinder 25">
+            <a:extLst>
+              <a:ext uri="{FF2B5EF4-FFF2-40B4-BE49-F238E27FC236}">
+                <a16:creationId xmlns:a16="http://schemas.microsoft.com/office/drawing/2014/main" id="{7B4FDDA1-ED3F-4F69-8E3E-38F0BD51FD29}"/>
+              </a:ext>
+            </a:extLst>
+          </p:cNvPr>
+          <p:cNvSpPr txBox="1"/>
+          <p:nvPr/>
+        </p:nvSpPr>
+        <p:spPr>
+          <a:xfrm>
+            <a:off x="8370160" y="1705383"/>
+            <a:ext cx="1180730" cy="646331"/>
+          </a:xfrm>
+          <a:prstGeom prst="rect">
+            <a:avLst/>
+          </a:prstGeom>
+          <a:noFill/>
+        </p:spPr>
+        <p:txBody>
+          <a:bodyPr wrap="square" rtlCol="0">
+            <a:spAutoFit/>
+          </a:bodyPr>
+          <a:lstStyle/>
+          <a:p>
+            <a:pPr algn="ctr"/>
+            <a:r>
+              <a:rPr lang="en-GB" dirty="0"/>
+              <a:t>NewView timeout</a:t>
+            </a:r>
+          </a:p>
+        </p:txBody>
+      </p:sp>
+      <p:cxnSp>
+        <p:nvCxnSpPr>
+          <p:cNvPr id="29" name="Rett pilkobling 28">
+            <a:extLst>
+              <a:ext uri="{FF2B5EF4-FFF2-40B4-BE49-F238E27FC236}">
+                <a16:creationId xmlns:a16="http://schemas.microsoft.com/office/drawing/2014/main" id="{4FF7D205-6971-42F8-AB1F-E79C2A0E0F94}"/>
+              </a:ext>
+            </a:extLst>
+          </p:cNvPr>
+          <p:cNvCxnSpPr/>
+          <p:nvPr/>
+        </p:nvCxnSpPr>
+        <p:spPr>
+          <a:xfrm flipH="1">
+            <a:off x="6255796" y="1624613"/>
+            <a:ext cx="1" cy="807872"/>
+          </a:xfrm>
+          <a:prstGeom prst="straightConnector1">
+            <a:avLst/>
+          </a:prstGeom>
+          <a:ln>
+            <a:tailEnd type="triangle"/>
+          </a:ln>
+        </p:spPr>
+        <p:style>
+          <a:lnRef idx="3">
+            <a:schemeClr val="accent5"/>
+          </a:lnRef>
+          <a:fillRef idx="0">
+            <a:schemeClr val="accent5"/>
+          </a:fillRef>
+          <a:effectRef idx="2">
+            <a:schemeClr val="accent5"/>
+          </a:effectRef>
+          <a:fontRef idx="minor">
+            <a:schemeClr val="tx1"/>
+          </a:fontRef>
+        </p:style>
+      </p:cxnSp>
+      <p:cxnSp>
+        <p:nvCxnSpPr>
+          <p:cNvPr id="30" name="Rett pilkobling 29">
+            <a:extLst>
+              <a:ext uri="{FF2B5EF4-FFF2-40B4-BE49-F238E27FC236}">
+                <a16:creationId xmlns:a16="http://schemas.microsoft.com/office/drawing/2014/main" id="{53387937-B567-4F86-BC96-28B8A29D3F58}"/>
+              </a:ext>
+            </a:extLst>
+          </p:cNvPr>
+          <p:cNvCxnSpPr/>
+          <p:nvPr/>
+        </p:nvCxnSpPr>
+        <p:spPr>
+          <a:xfrm flipH="1">
+            <a:off x="9550888" y="1624613"/>
+            <a:ext cx="1" cy="807872"/>
+          </a:xfrm>
+          <a:prstGeom prst="straightConnector1">
+            <a:avLst/>
+          </a:prstGeom>
+          <a:ln>
+            <a:tailEnd type="triangle"/>
+          </a:ln>
+        </p:spPr>
+        <p:style>
+          <a:lnRef idx="3">
+            <a:schemeClr val="accent5"/>
+          </a:lnRef>
+          <a:fillRef idx="0">
+            <a:schemeClr val="accent5"/>
+          </a:fillRef>
+          <a:effectRef idx="2">
+            <a:schemeClr val="accent5"/>
+          </a:effectRef>
+          <a:fontRef idx="minor">
+            <a:schemeClr val="tx1"/>
+          </a:fontRef>
+        </p:style>
+      </p:cxnSp>
+      <p:sp>
+        <p:nvSpPr>
+          <p:cNvPr id="32" name="Rektangel: avrundede hjørner 31">
+            <a:extLst>
+              <a:ext uri="{FF2B5EF4-FFF2-40B4-BE49-F238E27FC236}">
+                <a16:creationId xmlns:a16="http://schemas.microsoft.com/office/drawing/2014/main" id="{AA286044-4EDA-4DA7-9F84-1ABD39542D09}"/>
+              </a:ext>
+            </a:extLst>
+          </p:cNvPr>
+          <p:cNvSpPr/>
+          <p:nvPr/>
+        </p:nvSpPr>
+        <p:spPr>
+          <a:xfrm>
+            <a:off x="5394663" y="4057103"/>
+            <a:ext cx="1722268" cy="816746"/>
+          </a:xfrm>
+          <a:prstGeom prst="roundRect">
+            <a:avLst/>
+          </a:prstGeom>
+          <a:ln w="28575"/>
+        </p:spPr>
+        <p:style>
+          <a:lnRef idx="2">
+            <a:schemeClr val="accent5"/>
+          </a:lnRef>
+          <a:fillRef idx="1">
+            <a:schemeClr val="lt1"/>
+          </a:fillRef>
+          <a:effectRef idx="0">
+            <a:schemeClr val="accent5"/>
+          </a:effectRef>
+          <a:fontRef idx="minor">
+            <a:schemeClr val="dk1"/>
+          </a:fontRef>
+        </p:style>
+        <p:txBody>
+          <a:bodyPr rtlCol="0" anchor="ctr"/>
+          <a:lstStyle/>
+          <a:p>
+            <a:pPr algn="ctr"/>
+            <a:endParaRPr lang="en-GB"/>
+          </a:p>
+        </p:txBody>
+      </p:sp>
+      <p:sp>
+        <p:nvSpPr>
+          <p:cNvPr id="33" name="Rektangel: avrundede hjørner 32">
+            <a:extLst>
+              <a:ext uri="{FF2B5EF4-FFF2-40B4-BE49-F238E27FC236}">
+                <a16:creationId xmlns:a16="http://schemas.microsoft.com/office/drawing/2014/main" id="{2FA8ADEB-4CD4-4B38-8BB1-A6E72A67F1F8}"/>
+              </a:ext>
+            </a:extLst>
+          </p:cNvPr>
+          <p:cNvSpPr/>
+          <p:nvPr/>
+        </p:nvSpPr>
+        <p:spPr>
+          <a:xfrm>
+            <a:off x="8689758" y="4057103"/>
+            <a:ext cx="1722268" cy="816746"/>
+          </a:xfrm>
+          <a:prstGeom prst="roundRect">
+            <a:avLst/>
+          </a:prstGeom>
+          <a:ln w="28575"/>
+        </p:spPr>
+        <p:style>
+          <a:lnRef idx="2">
+            <a:schemeClr val="accent5"/>
+          </a:lnRef>
+          <a:fillRef idx="1">
+            <a:schemeClr val="lt1"/>
+          </a:fillRef>
+          <a:effectRef idx="0">
+            <a:schemeClr val="accent5"/>
+          </a:effectRef>
+          <a:fontRef idx="minor">
+            <a:schemeClr val="dk1"/>
+          </a:fontRef>
+        </p:style>
+        <p:txBody>
+          <a:bodyPr rtlCol="0" anchor="ctr"/>
+          <a:lstStyle/>
+          <a:p>
+            <a:pPr algn="ctr"/>
+            <a:endParaRPr lang="en-GB"/>
+          </a:p>
+        </p:txBody>
+      </p:sp>
+      <p:sp>
+        <p:nvSpPr>
+          <p:cNvPr id="35" name="TekstSylinder 34">
+            <a:extLst>
+              <a:ext uri="{FF2B5EF4-FFF2-40B4-BE49-F238E27FC236}">
+                <a16:creationId xmlns:a16="http://schemas.microsoft.com/office/drawing/2014/main" id="{91911317-86E6-411C-BBAE-764FB843A18D}"/>
+              </a:ext>
+            </a:extLst>
+          </p:cNvPr>
+          <p:cNvSpPr txBox="1"/>
+          <p:nvPr/>
+        </p:nvSpPr>
+        <p:spPr>
+          <a:xfrm>
+            <a:off x="5075066" y="3330002"/>
+            <a:ext cx="1180730" cy="646331"/>
+          </a:xfrm>
+          <a:prstGeom prst="rect">
+            <a:avLst/>
+          </a:prstGeom>
+          <a:noFill/>
+        </p:spPr>
+        <p:txBody>
+          <a:bodyPr wrap="square" rtlCol="0">
+            <a:spAutoFit/>
+          </a:bodyPr>
+          <a:lstStyle/>
+          <a:p>
+            <a:pPr algn="ctr"/>
+            <a:r>
+              <a:rPr lang="en-GB" dirty="0"/>
+              <a:t>Incoming message</a:t>
+            </a:r>
+          </a:p>
+        </p:txBody>
+      </p:sp>
+      <p:sp>
+        <p:nvSpPr>
+          <p:cNvPr id="36" name="TekstSylinder 35">
+            <a:extLst>
+              <a:ext uri="{FF2B5EF4-FFF2-40B4-BE49-F238E27FC236}">
+                <a16:creationId xmlns:a16="http://schemas.microsoft.com/office/drawing/2014/main" id="{0661E3EB-DC1F-47F8-86F5-499257C6C24A}"/>
+              </a:ext>
+            </a:extLst>
+          </p:cNvPr>
+          <p:cNvSpPr txBox="1"/>
+          <p:nvPr/>
+        </p:nvSpPr>
+        <p:spPr>
+          <a:xfrm>
+            <a:off x="8370160" y="3330001"/>
+            <a:ext cx="1180730" cy="646331"/>
+          </a:xfrm>
+          <a:prstGeom prst="rect">
+            <a:avLst/>
+          </a:prstGeom>
+          <a:noFill/>
+        </p:spPr>
+        <p:txBody>
+          <a:bodyPr wrap="square" rtlCol="0">
+            <a:spAutoFit/>
+          </a:bodyPr>
+          <a:lstStyle/>
+          <a:p>
+            <a:pPr algn="ctr"/>
+            <a:r>
+              <a:rPr lang="en-GB" dirty="0"/>
+              <a:t>NewView timeout</a:t>
+            </a:r>
+          </a:p>
+        </p:txBody>
+      </p:sp>
+      <p:grpSp>
+        <p:nvGrpSpPr>
+          <p:cNvPr id="49" name="Gruppe 48">
+            <a:extLst>
+              <a:ext uri="{FF2B5EF4-FFF2-40B4-BE49-F238E27FC236}">
+                <a16:creationId xmlns:a16="http://schemas.microsoft.com/office/drawing/2014/main" id="{559CA944-7511-4EFA-B223-3F49D5212B43}"/>
+              </a:ext>
+            </a:extLst>
+          </p:cNvPr>
+          <p:cNvGrpSpPr/>
+          <p:nvPr/>
+        </p:nvGrpSpPr>
+        <p:grpSpPr>
+          <a:xfrm>
+            <a:off x="1779973" y="0"/>
+            <a:ext cx="2303752" cy="6498469"/>
+            <a:chOff x="1779973" y="0"/>
+            <a:chExt cx="2303752" cy="6498469"/>
+          </a:xfrm>
+        </p:grpSpPr>
+        <p:sp>
+          <p:nvSpPr>
+            <p:cNvPr id="4" name="Rektangel: avrundede hjørner 3">
+              <a:extLst>
+                <a:ext uri="{FF2B5EF4-FFF2-40B4-BE49-F238E27FC236}">
+                  <a16:creationId xmlns:a16="http://schemas.microsoft.com/office/drawing/2014/main" id="{0CA769CE-7DF9-4513-BE7A-6DCAD6916B29}"/>
+                </a:ext>
+              </a:extLst>
+            </p:cNvPr>
+            <p:cNvSpPr/>
+            <p:nvPr/>
+          </p:nvSpPr>
+          <p:spPr>
+            <a:xfrm>
+              <a:off x="2099569" y="807867"/>
+              <a:ext cx="1722268" cy="816746"/>
+            </a:xfrm>
+            <a:prstGeom prst="roundRect">
+              <a:avLst/>
+            </a:prstGeom>
+            <a:ln w="28575"/>
+          </p:spPr>
+          <p:style>
+            <a:lnRef idx="2">
+              <a:schemeClr val="accent5"/>
+            </a:lnRef>
+            <a:fillRef idx="1">
+              <a:schemeClr val="lt1"/>
+            </a:fillRef>
+            <a:effectRef idx="0">
+              <a:schemeClr val="accent5"/>
+            </a:effectRef>
+            <a:fontRef idx="minor">
+              <a:schemeClr val="dk1"/>
+            </a:fontRef>
+          </p:style>
+          <p:txBody>
+            <a:bodyPr rtlCol="0" anchor="ctr"/>
+            <a:lstStyle/>
+            <a:p>
+              <a:pPr algn="ctr"/>
+              <a:r>
+                <a:rPr lang="en-GB" dirty="0"/>
+                <a:t>Format string to block</a:t>
+              </a:r>
+            </a:p>
+          </p:txBody>
+        </p:sp>
+        <p:cxnSp>
+          <p:nvCxnSpPr>
+            <p:cNvPr id="8" name="Rett pilkobling 7">
+              <a:extLst>
+                <a:ext uri="{FF2B5EF4-FFF2-40B4-BE49-F238E27FC236}">
+                  <a16:creationId xmlns:a16="http://schemas.microsoft.com/office/drawing/2014/main" id="{598AEC4B-3E08-4BA2-9196-0F54BBC358CC}"/>
+                </a:ext>
+              </a:extLst>
+            </p:cNvPr>
+            <p:cNvCxnSpPr>
+              <a:cxnSpLocks/>
+              <a:endCxn id="4" idx="0"/>
+            </p:cNvCxnSpPr>
+            <p:nvPr/>
+          </p:nvCxnSpPr>
+          <p:spPr>
+            <a:xfrm>
+              <a:off x="2960703" y="0"/>
+              <a:ext cx="0" cy="807867"/>
+            </a:xfrm>
+            <a:prstGeom prst="straightConnector1">
+              <a:avLst/>
+            </a:prstGeom>
+            <a:ln>
+              <a:tailEnd type="triangle"/>
+            </a:ln>
+          </p:spPr>
+          <p:style>
+            <a:lnRef idx="3">
+              <a:schemeClr val="accent5"/>
+            </a:lnRef>
+            <a:fillRef idx="0">
+              <a:schemeClr val="accent5"/>
+            </a:fillRef>
+            <a:effectRef idx="2">
+              <a:schemeClr val="accent5"/>
+            </a:effectRef>
+            <a:fontRef idx="minor">
+              <a:schemeClr val="tx1"/>
+            </a:fontRef>
+          </p:style>
+        </p:cxnSp>
+        <p:sp>
+          <p:nvSpPr>
+            <p:cNvPr id="16" name="TekstSylinder 15">
+              <a:extLst>
+                <a:ext uri="{FF2B5EF4-FFF2-40B4-BE49-F238E27FC236}">
+                  <a16:creationId xmlns:a16="http://schemas.microsoft.com/office/drawing/2014/main" id="{B80289D6-B4B6-4939-888E-502257D6C4CF}"/>
+                </a:ext>
+              </a:extLst>
+            </p:cNvPr>
+            <p:cNvSpPr txBox="1"/>
+            <p:nvPr/>
+          </p:nvSpPr>
+          <p:spPr>
+            <a:xfrm>
+              <a:off x="1779973" y="98219"/>
+              <a:ext cx="1180730" cy="523220"/>
+            </a:xfrm>
+            <a:prstGeom prst="rect">
+              <a:avLst/>
+            </a:prstGeom>
+            <a:noFill/>
+          </p:spPr>
+          <p:txBody>
+            <a:bodyPr wrap="square" rtlCol="0">
+              <a:spAutoFit/>
+            </a:bodyPr>
+            <a:lstStyle/>
+            <a:p>
+              <a:pPr algn="ctr"/>
+              <a:r>
+                <a:rPr lang="en-GB" sz="1400" dirty="0"/>
+                <a:t>Incoming proposal</a:t>
+              </a:r>
+            </a:p>
+          </p:txBody>
+        </p:sp>
+        <p:sp>
+          <p:nvSpPr>
+            <p:cNvPr id="21" name="Rektangel: avrundede hjørner 20">
+              <a:extLst>
+                <a:ext uri="{FF2B5EF4-FFF2-40B4-BE49-F238E27FC236}">
+                  <a16:creationId xmlns:a16="http://schemas.microsoft.com/office/drawing/2014/main" id="{30E40D4B-27A7-422B-B348-59BD0CCC3672}"/>
+                </a:ext>
+              </a:extLst>
+            </p:cNvPr>
+            <p:cNvSpPr/>
+            <p:nvPr/>
+          </p:nvSpPr>
+          <p:spPr>
+            <a:xfrm>
+              <a:off x="2099568" y="2432485"/>
+              <a:ext cx="1722268" cy="816746"/>
+            </a:xfrm>
+            <a:prstGeom prst="roundRect">
+              <a:avLst/>
+            </a:prstGeom>
+            <a:ln w="28575"/>
+          </p:spPr>
+          <p:style>
+            <a:lnRef idx="2">
+              <a:schemeClr val="accent5"/>
+            </a:lnRef>
+            <a:fillRef idx="1">
+              <a:schemeClr val="lt1"/>
+            </a:fillRef>
+            <a:effectRef idx="0">
+              <a:schemeClr val="accent5"/>
+            </a:effectRef>
+            <a:fontRef idx="minor">
+              <a:schemeClr val="dk1"/>
+            </a:fontRef>
+          </p:style>
+          <p:txBody>
+            <a:bodyPr rtlCol="0" anchor="ctr"/>
+            <a:lstStyle/>
+            <a:p>
+              <a:pPr algn="ctr"/>
+              <a:r>
+                <a:rPr lang="en-GB" dirty="0" err="1"/>
+                <a:t>OnPropose</a:t>
+              </a:r>
+              <a:r>
+                <a:rPr lang="en-GB" dirty="0"/>
+                <a:t>( )</a:t>
+              </a:r>
+            </a:p>
+          </p:txBody>
+        </p:sp>
+        <p:sp>
+          <p:nvSpPr>
+            <p:cNvPr id="24" name="TekstSylinder 23">
+              <a:extLst>
+                <a:ext uri="{FF2B5EF4-FFF2-40B4-BE49-F238E27FC236}">
+                  <a16:creationId xmlns:a16="http://schemas.microsoft.com/office/drawing/2014/main" id="{52798578-364F-4E2B-B218-B15F22808C1E}"/>
+                </a:ext>
+              </a:extLst>
+            </p:cNvPr>
+            <p:cNvSpPr txBox="1"/>
+            <p:nvPr/>
+          </p:nvSpPr>
+          <p:spPr>
+            <a:xfrm rot="5400000">
+              <a:off x="2555002" y="1843882"/>
+              <a:ext cx="1180730" cy="369332"/>
+            </a:xfrm>
+            <a:prstGeom prst="rect">
+              <a:avLst/>
+            </a:prstGeom>
+            <a:noFill/>
+          </p:spPr>
+          <p:txBody>
+            <a:bodyPr wrap="square" rtlCol="0">
+              <a:spAutoFit/>
+            </a:bodyPr>
+            <a:lstStyle/>
+            <a:p>
+              <a:pPr algn="ctr"/>
+              <a:r>
+                <a:rPr lang="en-GB" dirty="0">
+                  <a:solidFill>
+                    <a:schemeClr val="accent6"/>
+                  </a:solidFill>
+                </a:rPr>
+                <a:t>block</a:t>
+              </a:r>
+            </a:p>
+          </p:txBody>
+        </p:sp>
+        <p:cxnSp>
+          <p:nvCxnSpPr>
+            <p:cNvPr id="28" name="Rett pilkobling 27">
+              <a:extLst>
+                <a:ext uri="{FF2B5EF4-FFF2-40B4-BE49-F238E27FC236}">
+                  <a16:creationId xmlns:a16="http://schemas.microsoft.com/office/drawing/2014/main" id="{25CC4945-1EE3-4DCE-A4E7-534CF978E66B}"/>
+                </a:ext>
+              </a:extLst>
+            </p:cNvPr>
+            <p:cNvCxnSpPr>
+              <a:stCxn id="4" idx="2"/>
+              <a:endCxn id="21" idx="0"/>
+            </p:cNvCxnSpPr>
+            <p:nvPr/>
+          </p:nvCxnSpPr>
+          <p:spPr>
+            <a:xfrm flipH="1">
+              <a:off x="2960702" y="1624613"/>
+              <a:ext cx="1" cy="807872"/>
+            </a:xfrm>
+            <a:prstGeom prst="straightConnector1">
+              <a:avLst/>
+            </a:prstGeom>
+            <a:ln>
+              <a:tailEnd type="triangle"/>
+            </a:ln>
+          </p:spPr>
+          <p:style>
+            <a:lnRef idx="3">
+              <a:schemeClr val="accent5"/>
+            </a:lnRef>
+            <a:fillRef idx="0">
+              <a:schemeClr val="accent5"/>
+            </a:fillRef>
+            <a:effectRef idx="2">
+              <a:schemeClr val="accent5"/>
+            </a:effectRef>
+            <a:fontRef idx="minor">
+              <a:schemeClr val="tx1"/>
+            </a:fontRef>
+          </p:style>
+        </p:cxnSp>
+        <p:sp>
+          <p:nvSpPr>
+            <p:cNvPr id="31" name="Rektangel: avrundede hjørner 30">
+              <a:extLst>
+                <a:ext uri="{FF2B5EF4-FFF2-40B4-BE49-F238E27FC236}">
+                  <a16:creationId xmlns:a16="http://schemas.microsoft.com/office/drawing/2014/main" id="{A5120E56-C082-47DD-B0B7-A4E9A82DFC78}"/>
+                </a:ext>
+              </a:extLst>
+            </p:cNvPr>
+            <p:cNvSpPr/>
+            <p:nvPr/>
+          </p:nvSpPr>
+          <p:spPr>
+            <a:xfrm>
+              <a:off x="1837675" y="4061541"/>
+              <a:ext cx="2246050" cy="816746"/>
+            </a:xfrm>
+            <a:prstGeom prst="roundRect">
+              <a:avLst/>
+            </a:prstGeom>
+            <a:ln w="28575"/>
+          </p:spPr>
+          <p:style>
+            <a:lnRef idx="2">
+              <a:schemeClr val="accent5"/>
+            </a:lnRef>
+            <a:fillRef idx="1">
+              <a:schemeClr val="lt1"/>
+            </a:fillRef>
+            <a:effectRef idx="0">
+              <a:schemeClr val="accent5"/>
+            </a:effectRef>
+            <a:fontRef idx="minor">
+              <a:schemeClr val="dk1"/>
+            </a:fontRef>
+          </p:style>
+          <p:txBody>
+            <a:bodyPr rtlCol="0" anchor="ctr"/>
+            <a:lstStyle/>
+            <a:p>
+              <a:pPr algn="ctr"/>
+              <a:r>
+                <a:rPr lang="en-GB" dirty="0" err="1"/>
+                <a:t>StringToPartialCert</a:t>
+              </a:r>
+              <a:r>
+                <a:rPr lang="en-GB" dirty="0"/>
+                <a:t>( )</a:t>
+              </a:r>
+            </a:p>
+          </p:txBody>
+        </p:sp>
+        <p:sp>
+          <p:nvSpPr>
+            <p:cNvPr id="34" name="TekstSylinder 33">
+              <a:extLst>
+                <a:ext uri="{FF2B5EF4-FFF2-40B4-BE49-F238E27FC236}">
+                  <a16:creationId xmlns:a16="http://schemas.microsoft.com/office/drawing/2014/main" id="{716807AD-EAA9-4236-AF8D-C88FC91FAF91}"/>
+                </a:ext>
+              </a:extLst>
+            </p:cNvPr>
+            <p:cNvSpPr txBox="1"/>
+            <p:nvPr/>
+          </p:nvSpPr>
+          <p:spPr>
+            <a:xfrm rot="5400000">
+              <a:off x="2693501" y="3330002"/>
+              <a:ext cx="1180730" cy="646331"/>
+            </a:xfrm>
+            <a:prstGeom prst="rect">
+              <a:avLst/>
+            </a:prstGeom>
+            <a:noFill/>
+          </p:spPr>
+          <p:txBody>
+            <a:bodyPr wrap="square" rtlCol="0">
+              <a:spAutoFit/>
+            </a:bodyPr>
+            <a:lstStyle/>
+            <a:p>
+              <a:pPr algn="ctr"/>
+              <a:r>
+                <a:rPr lang="en-GB" dirty="0">
+                  <a:solidFill>
+                    <a:schemeClr val="accent6"/>
+                  </a:solidFill>
+                </a:rPr>
+                <a:t>PC</a:t>
+              </a:r>
+              <a:br>
+                <a:rPr lang="en-GB" dirty="0">
+                  <a:solidFill>
+                    <a:schemeClr val="accent6"/>
+                  </a:solidFill>
+                </a:rPr>
+              </a:br>
+              <a:r>
+                <a:rPr lang="en-GB" dirty="0">
+                  <a:solidFill>
+                    <a:schemeClr val="accent6"/>
+                  </a:solidFill>
+                </a:rPr>
+                <a:t>string</a:t>
+              </a:r>
+            </a:p>
+          </p:txBody>
+        </p:sp>
+        <p:cxnSp>
+          <p:nvCxnSpPr>
+            <p:cNvPr id="37" name="Rett pilkobling 36">
+              <a:extLst>
+                <a:ext uri="{FF2B5EF4-FFF2-40B4-BE49-F238E27FC236}">
+                  <a16:creationId xmlns:a16="http://schemas.microsoft.com/office/drawing/2014/main" id="{0FD27E4B-E432-47BE-951F-F663D48552E6}"/>
+                </a:ext>
+              </a:extLst>
+            </p:cNvPr>
+            <p:cNvCxnSpPr>
+              <a:cxnSpLocks/>
+              <a:stCxn id="21" idx="2"/>
+              <a:endCxn id="31" idx="0"/>
+            </p:cNvCxnSpPr>
+            <p:nvPr/>
+          </p:nvCxnSpPr>
+          <p:spPr>
+            <a:xfrm flipH="1">
+              <a:off x="2960700" y="3249231"/>
+              <a:ext cx="2" cy="812310"/>
+            </a:xfrm>
+            <a:prstGeom prst="straightConnector1">
+              <a:avLst/>
+            </a:prstGeom>
+            <a:ln>
+              <a:tailEnd type="triangle"/>
+            </a:ln>
+          </p:spPr>
+          <p:style>
+            <a:lnRef idx="3">
+              <a:schemeClr val="accent5"/>
+            </a:lnRef>
+            <a:fillRef idx="0">
+              <a:schemeClr val="accent5"/>
+            </a:fillRef>
+            <a:effectRef idx="2">
+              <a:schemeClr val="accent5"/>
+            </a:effectRef>
+            <a:fontRef idx="minor">
+              <a:schemeClr val="tx1"/>
+            </a:fontRef>
+          </p:style>
+        </p:cxnSp>
+        <p:sp>
+          <p:nvSpPr>
+            <p:cNvPr id="42" name="Rektangel: avrundede hjørner 41">
+              <a:extLst>
+                <a:ext uri="{FF2B5EF4-FFF2-40B4-BE49-F238E27FC236}">
+                  <a16:creationId xmlns:a16="http://schemas.microsoft.com/office/drawing/2014/main" id="{4DF8EC71-E8D7-4F1A-B704-C802AF0BDDD0}"/>
+                </a:ext>
+              </a:extLst>
+            </p:cNvPr>
+            <p:cNvSpPr/>
+            <p:nvPr/>
+          </p:nvSpPr>
+          <p:spPr>
+            <a:xfrm>
+              <a:off x="2099568" y="5681723"/>
+              <a:ext cx="1722268" cy="816746"/>
+            </a:xfrm>
+            <a:prstGeom prst="roundRect">
+              <a:avLst/>
+            </a:prstGeom>
+            <a:ln w="28575"/>
+          </p:spPr>
+          <p:style>
+            <a:lnRef idx="2">
+              <a:schemeClr val="accent5"/>
+            </a:lnRef>
+            <a:fillRef idx="1">
+              <a:schemeClr val="lt1"/>
+            </a:fillRef>
+            <a:effectRef idx="0">
+              <a:schemeClr val="accent5"/>
+            </a:effectRef>
+            <a:fontRef idx="minor">
+              <a:schemeClr val="dk1"/>
+            </a:fontRef>
+          </p:style>
+          <p:txBody>
+            <a:bodyPr rtlCol="0" anchor="ctr"/>
+            <a:lstStyle/>
+            <a:p>
+              <a:pPr algn="ctr"/>
+              <a:r>
+                <a:rPr lang="en-GB" dirty="0" err="1"/>
+                <a:t>OnVote</a:t>
+              </a:r>
+              <a:r>
+                <a:rPr lang="en-GB" dirty="0"/>
+                <a:t>( )</a:t>
+              </a:r>
+            </a:p>
+          </p:txBody>
+        </p:sp>
+        <p:cxnSp>
+          <p:nvCxnSpPr>
+            <p:cNvPr id="43" name="Rett pilkobling 42">
+              <a:extLst>
+                <a:ext uri="{FF2B5EF4-FFF2-40B4-BE49-F238E27FC236}">
+                  <a16:creationId xmlns:a16="http://schemas.microsoft.com/office/drawing/2014/main" id="{150EA21D-D893-4ED6-8603-43E208CBFD1E}"/>
+                </a:ext>
+              </a:extLst>
+            </p:cNvPr>
+            <p:cNvCxnSpPr>
+              <a:cxnSpLocks/>
+            </p:cNvCxnSpPr>
+            <p:nvPr/>
+          </p:nvCxnSpPr>
+          <p:spPr>
+            <a:xfrm flipH="1">
+              <a:off x="2960700" y="4878287"/>
+              <a:ext cx="2" cy="812310"/>
+            </a:xfrm>
+            <a:prstGeom prst="straightConnector1">
+              <a:avLst/>
+            </a:prstGeom>
+            <a:ln>
+              <a:tailEnd type="triangle"/>
+            </a:ln>
+          </p:spPr>
+          <p:style>
+            <a:lnRef idx="3">
+              <a:schemeClr val="accent5"/>
+            </a:lnRef>
+            <a:fillRef idx="0">
+              <a:schemeClr val="accent5"/>
+            </a:fillRef>
+            <a:effectRef idx="2">
+              <a:schemeClr val="accent5"/>
+            </a:effectRef>
+            <a:fontRef idx="minor">
+              <a:schemeClr val="tx1"/>
+            </a:fontRef>
+          </p:style>
+        </p:cxnSp>
+        <p:sp>
+          <p:nvSpPr>
+            <p:cNvPr id="47" name="TekstSylinder 46">
+              <a:extLst>
+                <a:ext uri="{FF2B5EF4-FFF2-40B4-BE49-F238E27FC236}">
+                  <a16:creationId xmlns:a16="http://schemas.microsoft.com/office/drawing/2014/main" id="{19F71414-5705-4515-AE69-A7F65CEFB1D7}"/>
+                </a:ext>
+              </a:extLst>
+            </p:cNvPr>
+            <p:cNvSpPr txBox="1"/>
+            <p:nvPr/>
+          </p:nvSpPr>
+          <p:spPr>
+            <a:xfrm rot="5400000">
+              <a:off x="2555001" y="5099776"/>
+              <a:ext cx="1180730" cy="369332"/>
+            </a:xfrm>
+            <a:prstGeom prst="rect">
+              <a:avLst/>
+            </a:prstGeom>
+            <a:noFill/>
+          </p:spPr>
+          <p:txBody>
+            <a:bodyPr wrap="square" rtlCol="0">
+              <a:spAutoFit/>
+            </a:bodyPr>
+            <a:lstStyle/>
+            <a:p>
+              <a:pPr algn="ctr"/>
+              <a:r>
+                <a:rPr lang="en-GB" dirty="0">
+                  <a:solidFill>
+                    <a:schemeClr val="accent6"/>
+                  </a:solidFill>
+                </a:rPr>
+                <a:t>PC</a:t>
+              </a:r>
+            </a:p>
+          </p:txBody>
+        </p:sp>
+      </p:grpSp>
+    </p:spTree>
+    <p:extLst>
+      <p:ext uri="{BB962C8B-B14F-4D97-AF65-F5344CB8AC3E}">
+        <p14:creationId xmlns:p14="http://schemas.microsoft.com/office/powerpoint/2010/main" val="2614138925"/>
+      </p:ext>
+    </p:extLst>
+  </p:cSld>
+  <p:clrMapOvr>
+    <a:masterClrMapping/>
+  </p:clrMapOvr>
+</p:sld>
+</file>
+
+<file path=ppt/slides/slide4.xml><?xml version="1.0" encoding="utf-8"?>
+<p:sld xmlns:a="http://schemas.openxmlformats.org/drawingml/2006/main" xmlns:r="http://schemas.openxmlformats.org/officeDocument/2006/relationships" xmlns:p="http://schemas.openxmlformats.org/presentationml/2006/main">
+  <p:cSld>
+    <p:spTree>
+      <p:nvGrpSpPr>
+        <p:cNvPr id="1" name=""/>
+        <p:cNvGrpSpPr/>
+        <p:nvPr/>
+      </p:nvGrpSpPr>
+      <p:grpSpPr>
+        <a:xfrm>
+          <a:off x="0" y="0"/>
+          <a:ext cx="0" cy="0"/>
+          <a:chOff x="0" y="0"/>
+          <a:chExt cx="0" cy="0"/>
+        </a:xfrm>
+      </p:grpSpPr>
+      <p:sp>
+        <p:nvSpPr>
+          <p:cNvPr id="5" name="Rektangel: avrundede hjørner 4">
+            <a:extLst>
+              <a:ext uri="{FF2B5EF4-FFF2-40B4-BE49-F238E27FC236}">
+                <a16:creationId xmlns:a16="http://schemas.microsoft.com/office/drawing/2014/main" id="{A8A90056-D7C8-4C1F-B0F6-6635C43C78A8}"/>
+              </a:ext>
+            </a:extLst>
+          </p:cNvPr>
+          <p:cNvSpPr/>
+          <p:nvPr/>
+        </p:nvSpPr>
+        <p:spPr>
+          <a:xfrm rot="16200000">
+            <a:off x="1275508" y="2756252"/>
+            <a:ext cx="1722268" cy="816746"/>
+          </a:xfrm>
+          <a:prstGeom prst="roundRect">
+            <a:avLst/>
+          </a:prstGeom>
+          <a:ln w="28575"/>
+        </p:spPr>
+        <p:style>
+          <a:lnRef idx="2">
+            <a:schemeClr val="accent5"/>
+          </a:lnRef>
+          <a:fillRef idx="1">
+            <a:schemeClr val="lt1"/>
+          </a:fillRef>
+          <a:effectRef idx="0">
+            <a:schemeClr val="accent5"/>
+          </a:effectRef>
+          <a:fontRef idx="minor">
+            <a:schemeClr val="dk1"/>
+          </a:fontRef>
+        </p:style>
+        <p:txBody>
+          <a:bodyPr rtlCol="0" anchor="ctr"/>
+          <a:lstStyle/>
+          <a:p>
+            <a:pPr algn="ctr"/>
+            <a:r>
+              <a:rPr lang="en-GB" dirty="0"/>
+              <a:t>Format string to block</a:t>
+            </a:r>
+          </a:p>
+        </p:txBody>
+      </p:sp>
+      <p:cxnSp>
+        <p:nvCxnSpPr>
+          <p:cNvPr id="6" name="Rett pilkobling 5">
+            <a:extLst>
+              <a:ext uri="{FF2B5EF4-FFF2-40B4-BE49-F238E27FC236}">
+                <a16:creationId xmlns:a16="http://schemas.microsoft.com/office/drawing/2014/main" id="{1428A4AC-BEE9-4960-93BC-0851BE4EDB3D}"/>
+              </a:ext>
+            </a:extLst>
+          </p:cNvPr>
+          <p:cNvCxnSpPr>
+            <a:cxnSpLocks/>
+            <a:endCxn id="5" idx="0"/>
+          </p:cNvCxnSpPr>
+          <p:nvPr/>
+        </p:nvCxnSpPr>
+        <p:spPr>
+          <a:xfrm rot="16200000">
+            <a:off x="1324335" y="2760691"/>
+            <a:ext cx="0" cy="807867"/>
+          </a:xfrm>
+          <a:prstGeom prst="straightConnector1">
+            <a:avLst/>
+          </a:prstGeom>
+          <a:ln>
+            <a:tailEnd type="triangle"/>
+          </a:ln>
+        </p:spPr>
+        <p:style>
+          <a:lnRef idx="3">
+            <a:schemeClr val="accent5"/>
+          </a:lnRef>
+          <a:fillRef idx="0">
+            <a:schemeClr val="accent5"/>
+          </a:fillRef>
+          <a:effectRef idx="2">
+            <a:schemeClr val="accent5"/>
+          </a:effectRef>
+          <a:fontRef idx="minor">
+            <a:schemeClr val="tx1"/>
+          </a:fontRef>
+        </p:style>
+      </p:cxnSp>
+      <p:sp>
+        <p:nvSpPr>
+          <p:cNvPr id="7" name="TekstSylinder 6">
+            <a:extLst>
+              <a:ext uri="{FF2B5EF4-FFF2-40B4-BE49-F238E27FC236}">
+                <a16:creationId xmlns:a16="http://schemas.microsoft.com/office/drawing/2014/main" id="{7B8D8EBD-3C85-4985-8F00-55141D4D368B}"/>
+              </a:ext>
+            </a:extLst>
+          </p:cNvPr>
+          <p:cNvSpPr txBox="1"/>
+          <p:nvPr/>
+        </p:nvSpPr>
+        <p:spPr>
+          <a:xfrm rot="16200000">
+            <a:off x="689866" y="3493380"/>
+            <a:ext cx="1180730" cy="523220"/>
+          </a:xfrm>
+          <a:prstGeom prst="rect">
+            <a:avLst/>
+          </a:prstGeom>
+          <a:noFill/>
+        </p:spPr>
+        <p:txBody>
+          <a:bodyPr wrap="square" rtlCol="0">
+            <a:spAutoFit/>
+          </a:bodyPr>
+          <a:lstStyle/>
+          <a:p>
+            <a:pPr algn="ctr"/>
+            <a:r>
+              <a:rPr lang="en-GB" sz="1400" dirty="0"/>
+              <a:t>Incoming proposal</a:t>
+            </a:r>
+          </a:p>
+        </p:txBody>
+      </p:sp>
+      <p:sp>
+        <p:nvSpPr>
+          <p:cNvPr id="8" name="Rektangel: avrundede hjørner 7">
+            <a:extLst>
+              <a:ext uri="{FF2B5EF4-FFF2-40B4-BE49-F238E27FC236}">
+                <a16:creationId xmlns:a16="http://schemas.microsoft.com/office/drawing/2014/main" id="{6F301009-82C5-460D-9371-C3754A451FE5}"/>
+              </a:ext>
+            </a:extLst>
+          </p:cNvPr>
+          <p:cNvSpPr/>
+          <p:nvPr/>
+        </p:nvSpPr>
+        <p:spPr>
+          <a:xfrm rot="16200000">
+            <a:off x="2900126" y="2756252"/>
+            <a:ext cx="1722268" cy="816746"/>
+          </a:xfrm>
+          <a:prstGeom prst="roundRect">
+            <a:avLst/>
+          </a:prstGeom>
+          <a:ln w="28575"/>
+        </p:spPr>
+        <p:style>
+          <a:lnRef idx="2">
+            <a:schemeClr val="accent5"/>
+          </a:lnRef>
+          <a:fillRef idx="1">
+            <a:schemeClr val="lt1"/>
+          </a:fillRef>
+          <a:effectRef idx="0">
+            <a:schemeClr val="accent5"/>
+          </a:effectRef>
+          <a:fontRef idx="minor">
+            <a:schemeClr val="dk1"/>
+          </a:fontRef>
+        </p:style>
+        <p:txBody>
+          <a:bodyPr rtlCol="0" anchor="ctr"/>
+          <a:lstStyle/>
+          <a:p>
+            <a:pPr algn="ctr"/>
+            <a:r>
+              <a:rPr lang="en-GB" dirty="0" err="1"/>
+              <a:t>OnPropose</a:t>
+            </a:r>
+            <a:r>
+              <a:rPr lang="en-GB" dirty="0"/>
+              <a:t>( )</a:t>
+            </a:r>
+          </a:p>
+        </p:txBody>
+      </p:sp>
+      <p:sp>
+        <p:nvSpPr>
+          <p:cNvPr id="9" name="TekstSylinder 8">
+            <a:extLst>
+              <a:ext uri="{FF2B5EF4-FFF2-40B4-BE49-F238E27FC236}">
+                <a16:creationId xmlns:a16="http://schemas.microsoft.com/office/drawing/2014/main" id="{4C43D13D-7404-4852-99C2-02738BCA1ADE}"/>
+              </a:ext>
+            </a:extLst>
+          </p:cNvPr>
+          <p:cNvSpPr txBox="1"/>
+          <p:nvPr/>
+        </p:nvSpPr>
+        <p:spPr>
+          <a:xfrm>
+            <a:off x="2358585" y="2795294"/>
+            <a:ext cx="1180730" cy="369332"/>
+          </a:xfrm>
+          <a:prstGeom prst="rect">
+            <a:avLst/>
+          </a:prstGeom>
+          <a:noFill/>
+        </p:spPr>
+        <p:txBody>
+          <a:bodyPr wrap="square" rtlCol="0">
+            <a:spAutoFit/>
+          </a:bodyPr>
+          <a:lstStyle/>
+          <a:p>
+            <a:pPr algn="ctr"/>
+            <a:r>
+              <a:rPr lang="en-GB" dirty="0">
+                <a:solidFill>
+                  <a:schemeClr val="accent6"/>
+                </a:solidFill>
+              </a:rPr>
+              <a:t>block</a:t>
+            </a:r>
+          </a:p>
+        </p:txBody>
+      </p:sp>
+      <p:cxnSp>
+        <p:nvCxnSpPr>
+          <p:cNvPr id="10" name="Rett pilkobling 9">
+            <a:extLst>
+              <a:ext uri="{FF2B5EF4-FFF2-40B4-BE49-F238E27FC236}">
+                <a16:creationId xmlns:a16="http://schemas.microsoft.com/office/drawing/2014/main" id="{39365D30-4220-43D1-B955-764CC0576EA7}"/>
+              </a:ext>
+            </a:extLst>
+          </p:cNvPr>
+          <p:cNvCxnSpPr>
+            <a:stCxn id="5" idx="2"/>
+            <a:endCxn id="8" idx="0"/>
+          </p:cNvCxnSpPr>
+          <p:nvPr/>
+        </p:nvCxnSpPr>
+        <p:spPr>
+          <a:xfrm rot="16200000" flipH="1">
+            <a:off x="2948950" y="2760689"/>
+            <a:ext cx="1" cy="807872"/>
+          </a:xfrm>
+          <a:prstGeom prst="straightConnector1">
+            <a:avLst/>
+          </a:prstGeom>
+          <a:ln>
+            <a:tailEnd type="triangle"/>
+          </a:ln>
+        </p:spPr>
+        <p:style>
+          <a:lnRef idx="3">
+            <a:schemeClr val="accent5"/>
+          </a:lnRef>
+          <a:fillRef idx="0">
+            <a:schemeClr val="accent5"/>
+          </a:fillRef>
+          <a:effectRef idx="2">
+            <a:schemeClr val="accent5"/>
+          </a:effectRef>
+          <a:fontRef idx="minor">
+            <a:schemeClr val="tx1"/>
+          </a:fontRef>
+        </p:style>
+      </p:cxnSp>
+      <p:sp>
+        <p:nvSpPr>
+          <p:cNvPr id="11" name="Rektangel: avrundede hjørner 10">
+            <a:extLst>
+              <a:ext uri="{FF2B5EF4-FFF2-40B4-BE49-F238E27FC236}">
+                <a16:creationId xmlns:a16="http://schemas.microsoft.com/office/drawing/2014/main" id="{165E75C6-7405-4D02-9797-4D0933483754}"/>
+              </a:ext>
+            </a:extLst>
+          </p:cNvPr>
+          <p:cNvSpPr/>
+          <p:nvPr/>
+        </p:nvSpPr>
+        <p:spPr>
+          <a:xfrm rot="16200000">
+            <a:off x="4238440" y="2785104"/>
+            <a:ext cx="2303751" cy="816746"/>
+          </a:xfrm>
+          <a:prstGeom prst="roundRect">
+            <a:avLst/>
+          </a:prstGeom>
+          <a:ln w="28575"/>
+        </p:spPr>
+        <p:style>
+          <a:lnRef idx="2">
+            <a:schemeClr val="accent5"/>
+          </a:lnRef>
+          <a:fillRef idx="1">
+            <a:schemeClr val="lt1"/>
+          </a:fillRef>
+          <a:effectRef idx="0">
+            <a:schemeClr val="accent5"/>
+          </a:effectRef>
+          <a:fontRef idx="minor">
+            <a:schemeClr val="dk1"/>
+          </a:fontRef>
+        </p:style>
+        <p:txBody>
+          <a:bodyPr rtlCol="0" anchor="ctr"/>
+          <a:lstStyle/>
+          <a:p>
+            <a:pPr algn="ctr"/>
+            <a:r>
+              <a:rPr lang="en-GB" dirty="0" err="1"/>
+              <a:t>StringToPartialCert</a:t>
+            </a:r>
+            <a:r>
+              <a:rPr lang="en-GB" dirty="0"/>
+              <a:t>( )</a:t>
+            </a:r>
+          </a:p>
+        </p:txBody>
+      </p:sp>
+      <p:sp>
+        <p:nvSpPr>
+          <p:cNvPr id="12" name="TekstSylinder 11">
+            <a:extLst>
+              <a:ext uri="{FF2B5EF4-FFF2-40B4-BE49-F238E27FC236}">
+                <a16:creationId xmlns:a16="http://schemas.microsoft.com/office/drawing/2014/main" id="{060E5701-173B-419C-9271-C0268E8BB0C5}"/>
+              </a:ext>
+            </a:extLst>
+          </p:cNvPr>
+          <p:cNvSpPr txBox="1"/>
+          <p:nvPr/>
+        </p:nvSpPr>
+        <p:spPr>
+          <a:xfrm>
+            <a:off x="3983204" y="2518296"/>
+            <a:ext cx="1180730" cy="646331"/>
+          </a:xfrm>
+          <a:prstGeom prst="rect">
+            <a:avLst/>
+          </a:prstGeom>
+          <a:noFill/>
+        </p:spPr>
+        <p:txBody>
+          <a:bodyPr wrap="square" rtlCol="0">
+            <a:spAutoFit/>
+          </a:bodyPr>
+          <a:lstStyle/>
+          <a:p>
+            <a:pPr algn="ctr"/>
+            <a:r>
+              <a:rPr lang="en-GB" dirty="0">
+                <a:solidFill>
+                  <a:schemeClr val="accent6"/>
+                </a:solidFill>
+              </a:rPr>
+              <a:t>PC</a:t>
+            </a:r>
+            <a:br>
+              <a:rPr lang="en-GB" dirty="0">
+                <a:solidFill>
+                  <a:schemeClr val="accent6"/>
+                </a:solidFill>
+              </a:rPr>
+            </a:br>
+            <a:r>
+              <a:rPr lang="en-GB" dirty="0">
+                <a:solidFill>
+                  <a:schemeClr val="accent6"/>
+                </a:solidFill>
+              </a:rPr>
+              <a:t>string</a:t>
+            </a:r>
+          </a:p>
+        </p:txBody>
+      </p:sp>
+      <p:cxnSp>
+        <p:nvCxnSpPr>
+          <p:cNvPr id="13" name="Rett pilkobling 12">
+            <a:extLst>
+              <a:ext uri="{FF2B5EF4-FFF2-40B4-BE49-F238E27FC236}">
+                <a16:creationId xmlns:a16="http://schemas.microsoft.com/office/drawing/2014/main" id="{4538F9AF-FCFD-4ACF-9E1D-6C379729C29B}"/>
+              </a:ext>
+            </a:extLst>
+          </p:cNvPr>
+          <p:cNvCxnSpPr>
+            <a:cxnSpLocks/>
+            <a:stCxn id="8" idx="2"/>
+            <a:endCxn id="11" idx="0"/>
+          </p:cNvCxnSpPr>
+          <p:nvPr/>
+        </p:nvCxnSpPr>
+        <p:spPr>
+          <a:xfrm>
+            <a:off x="4169633" y="3164625"/>
+            <a:ext cx="812310" cy="28852"/>
+          </a:xfrm>
+          <a:prstGeom prst="straightConnector1">
+            <a:avLst/>
+          </a:prstGeom>
+          <a:ln>
+            <a:tailEnd type="triangle"/>
+          </a:ln>
+        </p:spPr>
+        <p:style>
+          <a:lnRef idx="3">
+            <a:schemeClr val="accent5"/>
+          </a:lnRef>
+          <a:fillRef idx="0">
+            <a:schemeClr val="accent5"/>
+          </a:fillRef>
+          <a:effectRef idx="2">
+            <a:schemeClr val="accent5"/>
+          </a:effectRef>
+          <a:fontRef idx="minor">
+            <a:schemeClr val="tx1"/>
+          </a:fontRef>
+        </p:style>
+      </p:cxnSp>
+      <p:sp>
+        <p:nvSpPr>
+          <p:cNvPr id="14" name="Rektangel: avrundede hjørner 13">
+            <a:extLst>
+              <a:ext uri="{FF2B5EF4-FFF2-40B4-BE49-F238E27FC236}">
+                <a16:creationId xmlns:a16="http://schemas.microsoft.com/office/drawing/2014/main" id="{BD97C888-8752-416E-B4F5-9F345EBFDC90}"/>
+              </a:ext>
+            </a:extLst>
+          </p:cNvPr>
+          <p:cNvSpPr/>
+          <p:nvPr/>
+        </p:nvSpPr>
+        <p:spPr>
+          <a:xfrm rot="16200000">
+            <a:off x="6149364" y="2756252"/>
+            <a:ext cx="1722268" cy="816746"/>
+          </a:xfrm>
+          <a:prstGeom prst="roundRect">
+            <a:avLst/>
+          </a:prstGeom>
+          <a:ln w="28575"/>
+        </p:spPr>
+        <p:style>
+          <a:lnRef idx="2">
+            <a:schemeClr val="accent5"/>
+          </a:lnRef>
+          <a:fillRef idx="1">
+            <a:schemeClr val="lt1"/>
+          </a:fillRef>
+          <a:effectRef idx="0">
+            <a:schemeClr val="accent5"/>
+          </a:effectRef>
+          <a:fontRef idx="minor">
+            <a:schemeClr val="dk1"/>
+          </a:fontRef>
+        </p:style>
+        <p:txBody>
+          <a:bodyPr rtlCol="0" anchor="ctr"/>
+          <a:lstStyle/>
+          <a:p>
+            <a:pPr algn="ctr"/>
+            <a:r>
+              <a:rPr lang="en-GB" dirty="0" err="1"/>
+              <a:t>OnVote</a:t>
+            </a:r>
+            <a:r>
+              <a:rPr lang="en-GB" dirty="0"/>
+              <a:t>( )</a:t>
+            </a:r>
+          </a:p>
+        </p:txBody>
+      </p:sp>
+      <p:cxnSp>
+        <p:nvCxnSpPr>
+          <p:cNvPr id="15" name="Rett pilkobling 14">
+            <a:extLst>
+              <a:ext uri="{FF2B5EF4-FFF2-40B4-BE49-F238E27FC236}">
+                <a16:creationId xmlns:a16="http://schemas.microsoft.com/office/drawing/2014/main" id="{6C166746-DA37-4628-AFB7-1103BE2B7AF8}"/>
+              </a:ext>
+            </a:extLst>
+          </p:cNvPr>
+          <p:cNvCxnSpPr>
+            <a:cxnSpLocks/>
+          </p:cNvCxnSpPr>
+          <p:nvPr/>
+        </p:nvCxnSpPr>
+        <p:spPr>
+          <a:xfrm rot="16200000" flipH="1">
+            <a:off x="6204843" y="2758471"/>
+            <a:ext cx="2" cy="812310"/>
+          </a:xfrm>
+          <a:prstGeom prst="straightConnector1">
+            <a:avLst/>
+          </a:prstGeom>
+          <a:ln>
+            <a:tailEnd type="triangle"/>
+          </a:ln>
+        </p:spPr>
+        <p:style>
+          <a:lnRef idx="3">
+            <a:schemeClr val="accent5"/>
+          </a:lnRef>
+          <a:fillRef idx="0">
+            <a:schemeClr val="accent5"/>
+          </a:fillRef>
+          <a:effectRef idx="2">
+            <a:schemeClr val="accent5"/>
+          </a:effectRef>
+          <a:fontRef idx="minor">
+            <a:schemeClr val="tx1"/>
+          </a:fontRef>
+        </p:style>
+      </p:cxnSp>
+      <p:sp>
+        <p:nvSpPr>
+          <p:cNvPr id="16" name="TekstSylinder 15">
+            <a:extLst>
+              <a:ext uri="{FF2B5EF4-FFF2-40B4-BE49-F238E27FC236}">
+                <a16:creationId xmlns:a16="http://schemas.microsoft.com/office/drawing/2014/main" id="{514E41AF-4E3C-46E5-99B1-8279512AF617}"/>
+              </a:ext>
+            </a:extLst>
+          </p:cNvPr>
+          <p:cNvSpPr txBox="1"/>
+          <p:nvPr/>
+        </p:nvSpPr>
+        <p:spPr>
+          <a:xfrm>
+            <a:off x="5614479" y="2795295"/>
+            <a:ext cx="1180730" cy="369332"/>
+          </a:xfrm>
+          <a:prstGeom prst="rect">
+            <a:avLst/>
+          </a:prstGeom>
+          <a:noFill/>
+        </p:spPr>
+        <p:txBody>
+          <a:bodyPr wrap="square" rtlCol="0">
+            <a:spAutoFit/>
+          </a:bodyPr>
+          <a:lstStyle/>
+          <a:p>
+            <a:pPr algn="ctr"/>
+            <a:r>
+              <a:rPr lang="en-GB" dirty="0">
+                <a:solidFill>
+                  <a:schemeClr val="accent6"/>
+                </a:solidFill>
+              </a:rPr>
+              <a:t>PC</a:t>
+            </a:r>
+          </a:p>
+        </p:txBody>
+      </p:sp>
+      <p:cxnSp>
+        <p:nvCxnSpPr>
+          <p:cNvPr id="20" name="Rett pilkobling 19">
+            <a:extLst>
+              <a:ext uri="{FF2B5EF4-FFF2-40B4-BE49-F238E27FC236}">
+                <a16:creationId xmlns:a16="http://schemas.microsoft.com/office/drawing/2014/main" id="{1528B855-0436-4D55-BEB4-8548EEC4A7FD}"/>
+              </a:ext>
+            </a:extLst>
+          </p:cNvPr>
+          <p:cNvCxnSpPr>
+            <a:cxnSpLocks/>
+          </p:cNvCxnSpPr>
+          <p:nvPr/>
+        </p:nvCxnSpPr>
+        <p:spPr>
+          <a:xfrm rot="16200000" flipH="1">
+            <a:off x="7829461" y="2758470"/>
+            <a:ext cx="2" cy="812310"/>
+          </a:xfrm>
+          <a:prstGeom prst="straightConnector1">
+            <a:avLst/>
+          </a:prstGeom>
+          <a:ln>
+            <a:tailEnd type="triangle"/>
+          </a:ln>
+        </p:spPr>
+        <p:style>
+          <a:lnRef idx="3">
+            <a:schemeClr val="accent5"/>
+          </a:lnRef>
+          <a:fillRef idx="0">
+            <a:schemeClr val="accent5"/>
+          </a:fillRef>
+          <a:effectRef idx="2">
+            <a:schemeClr val="accent5"/>
+          </a:effectRef>
+          <a:fontRef idx="minor">
+            <a:schemeClr val="tx1"/>
+          </a:fontRef>
+        </p:style>
+      </p:cxnSp>
+      <p:sp>
+        <p:nvSpPr>
+          <p:cNvPr id="21" name="TekstSylinder 20">
+            <a:extLst>
+              <a:ext uri="{FF2B5EF4-FFF2-40B4-BE49-F238E27FC236}">
+                <a16:creationId xmlns:a16="http://schemas.microsoft.com/office/drawing/2014/main" id="{7CB4D441-01D9-42B2-B6C6-CCA879045036}"/>
+              </a:ext>
+            </a:extLst>
+          </p:cNvPr>
+          <p:cNvSpPr txBox="1"/>
+          <p:nvPr/>
+        </p:nvSpPr>
+        <p:spPr>
+          <a:xfrm rot="16200000">
+            <a:off x="7280979" y="3493378"/>
+            <a:ext cx="1180730" cy="523220"/>
+          </a:xfrm>
+          <a:prstGeom prst="rect">
+            <a:avLst/>
+          </a:prstGeom>
+          <a:noFill/>
+        </p:spPr>
+        <p:txBody>
+          <a:bodyPr wrap="square" rtlCol="0">
+            <a:spAutoFit/>
+          </a:bodyPr>
+          <a:lstStyle/>
+          <a:p>
+            <a:pPr algn="ctr"/>
+            <a:r>
+              <a:rPr lang="en-GB" sz="1400" dirty="0"/>
+              <a:t>Sending message</a:t>
+            </a:r>
+          </a:p>
+        </p:txBody>
+      </p:sp>
+    </p:spTree>
+    <p:extLst>
+      <p:ext uri="{BB962C8B-B14F-4D97-AF65-F5344CB8AC3E}">
+        <p14:creationId xmlns:p14="http://schemas.microsoft.com/office/powerpoint/2010/main" val="4093443345"/>
+      </p:ext>
+    </p:extLst>
+  </p:cSld>
+  <p:clrMapOvr>
+    <a:masterClrMapping/>
+  </p:clrMapOvr>
+</p:sld>
+</file>
+
+<file path=ppt/slides/slide5.xml><?xml version="1.0" encoding="utf-8"?>
+<p:sld xmlns:a="http://schemas.openxmlformats.org/drawingml/2006/main" xmlns:r="http://schemas.openxmlformats.org/officeDocument/2006/relationships" xmlns:p="http://schemas.openxmlformats.org/presentationml/2006/main">
+  <p:cSld>
+    <p:spTree>
+      <p:nvGrpSpPr>
+        <p:cNvPr id="1" name=""/>
+        <p:cNvGrpSpPr/>
+        <p:nvPr/>
+      </p:nvGrpSpPr>
+      <p:grpSpPr>
+        <a:xfrm>
+          <a:off x="0" y="0"/>
+          <a:ext cx="0" cy="0"/>
+          <a:chOff x="0" y="0"/>
+          <a:chExt cx="0" cy="0"/>
+        </a:xfrm>
+      </p:grpSpPr>
+      <p:sp>
+        <p:nvSpPr>
+          <p:cNvPr id="4" name="Rektangel: avrundede hjørner 3">
+            <a:extLst>
+              <a:ext uri="{FF2B5EF4-FFF2-40B4-BE49-F238E27FC236}">
+                <a16:creationId xmlns:a16="http://schemas.microsoft.com/office/drawing/2014/main" id="{944C3D6D-0F0A-435F-8BE6-8859F1192656}"/>
+              </a:ext>
+            </a:extLst>
+          </p:cNvPr>
+          <p:cNvSpPr/>
+          <p:nvPr/>
+        </p:nvSpPr>
+        <p:spPr>
+          <a:xfrm rot="16200000">
+            <a:off x="1577257" y="3095004"/>
+            <a:ext cx="1722268" cy="816746"/>
+          </a:xfrm>
+          <a:prstGeom prst="roundRect">
+            <a:avLst/>
+          </a:prstGeom>
+          <a:ln w="28575"/>
+        </p:spPr>
+        <p:style>
+          <a:lnRef idx="2">
+            <a:schemeClr val="accent5"/>
+          </a:lnRef>
+          <a:fillRef idx="1">
+            <a:schemeClr val="lt1"/>
+          </a:fillRef>
+          <a:effectRef idx="0">
+            <a:schemeClr val="accent5"/>
+          </a:effectRef>
+          <a:fontRef idx="minor">
+            <a:schemeClr val="dk1"/>
+          </a:fontRef>
+        </p:style>
+        <p:txBody>
+          <a:bodyPr rtlCol="0" anchor="ctr"/>
+          <a:lstStyle/>
+          <a:p>
+            <a:pPr algn="ctr"/>
+            <a:r>
+              <a:rPr lang="en-GB" dirty="0"/>
+              <a:t>Add to </a:t>
+            </a:r>
+            <a:r>
+              <a:rPr lang="en-GB" dirty="0" err="1"/>
+              <a:t>cmd</a:t>
+            </a:r>
+            <a:r>
+              <a:rPr lang="en-GB" dirty="0"/>
+              <a:t> buffer</a:t>
+            </a:r>
+          </a:p>
+        </p:txBody>
+      </p:sp>
+      <p:cxnSp>
+        <p:nvCxnSpPr>
+          <p:cNvPr id="5" name="Rett pilkobling 4">
+            <a:extLst>
+              <a:ext uri="{FF2B5EF4-FFF2-40B4-BE49-F238E27FC236}">
+                <a16:creationId xmlns:a16="http://schemas.microsoft.com/office/drawing/2014/main" id="{CB0AB0FA-089B-46B2-8264-9057353F8AB2}"/>
+              </a:ext>
+            </a:extLst>
+          </p:cNvPr>
+          <p:cNvCxnSpPr>
+            <a:cxnSpLocks/>
+            <a:stCxn id="6" idx="2"/>
+            <a:endCxn id="4" idx="0"/>
+          </p:cNvCxnSpPr>
+          <p:nvPr/>
+        </p:nvCxnSpPr>
+        <p:spPr>
+          <a:xfrm>
+            <a:off x="675888" y="3503376"/>
+            <a:ext cx="1354130" cy="1"/>
+          </a:xfrm>
+          <a:prstGeom prst="straightConnector1">
+            <a:avLst/>
+          </a:prstGeom>
+          <a:ln>
+            <a:tailEnd type="triangle"/>
+          </a:ln>
+        </p:spPr>
+        <p:style>
+          <a:lnRef idx="3">
+            <a:schemeClr val="accent5"/>
+          </a:lnRef>
+          <a:fillRef idx="0">
+            <a:schemeClr val="accent5"/>
+          </a:fillRef>
+          <a:effectRef idx="2">
+            <a:schemeClr val="accent5"/>
+          </a:effectRef>
+          <a:fontRef idx="minor">
+            <a:schemeClr val="tx1"/>
+          </a:fontRef>
+        </p:style>
+      </p:cxnSp>
+      <p:sp>
+        <p:nvSpPr>
+          <p:cNvPr id="6" name="TekstSylinder 5">
+            <a:extLst>
+              <a:ext uri="{FF2B5EF4-FFF2-40B4-BE49-F238E27FC236}">
+                <a16:creationId xmlns:a16="http://schemas.microsoft.com/office/drawing/2014/main" id="{4A7A06B0-582B-4B8F-8850-26041588B56C}"/>
+              </a:ext>
+            </a:extLst>
+          </p:cNvPr>
+          <p:cNvSpPr txBox="1"/>
+          <p:nvPr/>
+        </p:nvSpPr>
+        <p:spPr>
+          <a:xfrm rot="16200000">
+            <a:off x="-176087" y="3241766"/>
+            <a:ext cx="1180730" cy="523220"/>
+          </a:xfrm>
+          <a:prstGeom prst="rect">
+            <a:avLst/>
+          </a:prstGeom>
+          <a:noFill/>
+        </p:spPr>
+        <p:txBody>
+          <a:bodyPr wrap="square" rtlCol="0">
+            <a:spAutoFit/>
+          </a:bodyPr>
+          <a:lstStyle/>
+          <a:p>
+            <a:pPr algn="ctr"/>
+            <a:r>
+              <a:rPr lang="en-GB" sz="1400" dirty="0"/>
+              <a:t>Incoming message</a:t>
+            </a:r>
+          </a:p>
+        </p:txBody>
+      </p:sp>
+      <p:sp>
+        <p:nvSpPr>
+          <p:cNvPr id="7" name="Rektangel: avrundede hjørner 6">
+            <a:extLst>
+              <a:ext uri="{FF2B5EF4-FFF2-40B4-BE49-F238E27FC236}">
+                <a16:creationId xmlns:a16="http://schemas.microsoft.com/office/drawing/2014/main" id="{E169471E-3989-496B-9F9B-8AA7F85BB757}"/>
+              </a:ext>
+            </a:extLst>
+          </p:cNvPr>
+          <p:cNvSpPr/>
+          <p:nvPr/>
+        </p:nvSpPr>
+        <p:spPr>
+          <a:xfrm rot="16200000">
+            <a:off x="3609993" y="3095004"/>
+            <a:ext cx="1722268" cy="816746"/>
+          </a:xfrm>
+          <a:prstGeom prst="roundRect">
+            <a:avLst/>
+          </a:prstGeom>
+          <a:ln w="28575"/>
+        </p:spPr>
+        <p:style>
+          <a:lnRef idx="2">
+            <a:schemeClr val="accent5"/>
+          </a:lnRef>
+          <a:fillRef idx="1">
+            <a:schemeClr val="lt1"/>
+          </a:fillRef>
+          <a:effectRef idx="0">
+            <a:schemeClr val="accent5"/>
+          </a:effectRef>
+          <a:fontRef idx="minor">
+            <a:schemeClr val="dk1"/>
+          </a:fontRef>
+        </p:style>
+        <p:txBody>
+          <a:bodyPr rtlCol="0" anchor="ctr"/>
+          <a:lstStyle/>
+          <a:p>
+            <a:pPr algn="ctr"/>
+            <a:r>
+              <a:rPr lang="en-GB" dirty="0"/>
+              <a:t>Propose( )</a:t>
+            </a:r>
+          </a:p>
+        </p:txBody>
+      </p:sp>
+      <p:cxnSp>
+        <p:nvCxnSpPr>
+          <p:cNvPr id="9" name="Rett pilkobling 8">
+            <a:extLst>
+              <a:ext uri="{FF2B5EF4-FFF2-40B4-BE49-F238E27FC236}">
+                <a16:creationId xmlns:a16="http://schemas.microsoft.com/office/drawing/2014/main" id="{57309AE2-8FF4-4F99-B94C-2AD2D264F9D4}"/>
+              </a:ext>
+            </a:extLst>
+          </p:cNvPr>
+          <p:cNvCxnSpPr>
+            <a:cxnSpLocks/>
+            <a:endCxn id="7" idx="0"/>
+          </p:cNvCxnSpPr>
+          <p:nvPr/>
+        </p:nvCxnSpPr>
+        <p:spPr>
+          <a:xfrm>
+            <a:off x="2846765" y="3503377"/>
+            <a:ext cx="1215989" cy="0"/>
+          </a:xfrm>
+          <a:prstGeom prst="straightConnector1">
+            <a:avLst/>
+          </a:prstGeom>
+          <a:ln>
+            <a:tailEnd type="triangle"/>
+          </a:ln>
+        </p:spPr>
+        <p:style>
+          <a:lnRef idx="3">
+            <a:schemeClr val="accent5"/>
+          </a:lnRef>
+          <a:fillRef idx="0">
+            <a:schemeClr val="accent5"/>
+          </a:fillRef>
+          <a:effectRef idx="2">
+            <a:schemeClr val="accent5"/>
+          </a:effectRef>
+          <a:fontRef idx="minor">
+            <a:schemeClr val="tx1"/>
+          </a:fontRef>
+        </p:style>
+      </p:cxnSp>
+      <p:sp>
+        <p:nvSpPr>
+          <p:cNvPr id="10" name="Rektangel: avrundede hjørner 9">
+            <a:extLst>
+              <a:ext uri="{FF2B5EF4-FFF2-40B4-BE49-F238E27FC236}">
+                <a16:creationId xmlns:a16="http://schemas.microsoft.com/office/drawing/2014/main" id="{518D725E-0853-4937-8953-24829DE70EB5}"/>
+              </a:ext>
+            </a:extLst>
+          </p:cNvPr>
+          <p:cNvSpPr/>
+          <p:nvPr/>
+        </p:nvSpPr>
+        <p:spPr>
+          <a:xfrm rot="16200000">
+            <a:off x="3609993" y="896512"/>
+            <a:ext cx="1722268" cy="816746"/>
+          </a:xfrm>
+          <a:prstGeom prst="roundRect">
+            <a:avLst/>
+          </a:prstGeom>
+          <a:ln w="28575"/>
+        </p:spPr>
+        <p:style>
+          <a:lnRef idx="2">
+            <a:schemeClr val="accent5"/>
+          </a:lnRef>
+          <a:fillRef idx="1">
+            <a:schemeClr val="lt1"/>
+          </a:fillRef>
+          <a:effectRef idx="0">
+            <a:schemeClr val="accent5"/>
+          </a:effectRef>
+          <a:fontRef idx="minor">
+            <a:schemeClr val="dk1"/>
+          </a:fontRef>
+        </p:style>
+        <p:txBody>
+          <a:bodyPr rtlCol="0" anchor="ctr"/>
+          <a:lstStyle/>
+          <a:p>
+            <a:pPr algn="ctr"/>
+            <a:r>
+              <a:rPr lang="en-GB" dirty="0" err="1"/>
+              <a:t>OnVote</a:t>
+            </a:r>
+            <a:r>
+              <a:rPr lang="en-GB" dirty="0"/>
+              <a:t>( )</a:t>
+            </a:r>
+          </a:p>
+        </p:txBody>
+      </p:sp>
+      <p:sp>
+        <p:nvSpPr>
+          <p:cNvPr id="13" name="Rektangel: avrundede hjørner 12">
+            <a:extLst>
+              <a:ext uri="{FF2B5EF4-FFF2-40B4-BE49-F238E27FC236}">
+                <a16:creationId xmlns:a16="http://schemas.microsoft.com/office/drawing/2014/main" id="{5ABFB5D6-0215-44DD-8FD6-F7E71105A841}"/>
+              </a:ext>
+            </a:extLst>
+          </p:cNvPr>
+          <p:cNvSpPr/>
+          <p:nvPr/>
+        </p:nvSpPr>
+        <p:spPr>
+          <a:xfrm rot="16200000">
+            <a:off x="1314257" y="896512"/>
+            <a:ext cx="2248268" cy="816746"/>
+          </a:xfrm>
+          <a:prstGeom prst="roundRect">
+            <a:avLst/>
+          </a:prstGeom>
+          <a:ln w="28575"/>
+        </p:spPr>
+        <p:style>
+          <a:lnRef idx="2">
+            <a:schemeClr val="accent5"/>
+          </a:lnRef>
+          <a:fillRef idx="1">
+            <a:schemeClr val="lt1"/>
+          </a:fillRef>
+          <a:effectRef idx="0">
+            <a:schemeClr val="accent5"/>
+          </a:effectRef>
+          <a:fontRef idx="minor">
+            <a:schemeClr val="dk1"/>
+          </a:fontRef>
+        </p:style>
+        <p:txBody>
+          <a:bodyPr rtlCol="0" anchor="ctr"/>
+          <a:lstStyle/>
+          <a:p>
+            <a:pPr algn="ctr"/>
+            <a:r>
+              <a:rPr lang="en-GB" dirty="0" err="1"/>
+              <a:t>StringToPartialCert</a:t>
+            </a:r>
+            <a:r>
+              <a:rPr lang="en-GB" dirty="0"/>
+              <a:t>( )</a:t>
+            </a:r>
+          </a:p>
+        </p:txBody>
+      </p:sp>
+      <p:sp>
+        <p:nvSpPr>
+          <p:cNvPr id="14" name="Rektangel: avrundede hjørner 13">
+            <a:extLst>
+              <a:ext uri="{FF2B5EF4-FFF2-40B4-BE49-F238E27FC236}">
+                <a16:creationId xmlns:a16="http://schemas.microsoft.com/office/drawing/2014/main" id="{052B916A-AAD2-4064-9695-32587F12B341}"/>
+              </a:ext>
+            </a:extLst>
+          </p:cNvPr>
+          <p:cNvSpPr/>
+          <p:nvPr/>
+        </p:nvSpPr>
+        <p:spPr>
+          <a:xfrm rot="16200000">
+            <a:off x="1375590" y="5232160"/>
+            <a:ext cx="2125601" cy="816746"/>
+          </a:xfrm>
+          <a:prstGeom prst="roundRect">
+            <a:avLst/>
+          </a:prstGeom>
+          <a:ln w="28575"/>
+        </p:spPr>
+        <p:style>
+          <a:lnRef idx="2">
+            <a:schemeClr val="accent5"/>
+          </a:lnRef>
+          <a:fillRef idx="1">
+            <a:schemeClr val="lt1"/>
+          </a:fillRef>
+          <a:effectRef idx="0">
+            <a:schemeClr val="accent5"/>
+          </a:effectRef>
+          <a:fontRef idx="minor">
+            <a:schemeClr val="dk1"/>
+          </a:fontRef>
+        </p:style>
+        <p:txBody>
+          <a:bodyPr rtlCol="0" anchor="ctr"/>
+          <a:lstStyle/>
+          <a:p>
+            <a:pPr algn="ctr"/>
+            <a:r>
+              <a:rPr lang="en-GB" dirty="0" err="1"/>
+              <a:t>StringToNewView</a:t>
+            </a:r>
+            <a:r>
+              <a:rPr lang="en-GB" dirty="0"/>
+              <a:t>( )</a:t>
+            </a:r>
+          </a:p>
+        </p:txBody>
+      </p:sp>
+      <p:cxnSp>
+        <p:nvCxnSpPr>
+          <p:cNvPr id="16" name="Rett pilkobling 15">
+            <a:extLst>
+              <a:ext uri="{FF2B5EF4-FFF2-40B4-BE49-F238E27FC236}">
+                <a16:creationId xmlns:a16="http://schemas.microsoft.com/office/drawing/2014/main" id="{11F6C7ED-7414-467F-BD8E-5E1FE8E20085}"/>
+              </a:ext>
+            </a:extLst>
+          </p:cNvPr>
+          <p:cNvCxnSpPr>
+            <a:cxnSpLocks/>
+            <a:stCxn id="6" idx="2"/>
+            <a:endCxn id="14" idx="0"/>
+          </p:cNvCxnSpPr>
+          <p:nvPr/>
+        </p:nvCxnSpPr>
+        <p:spPr>
+          <a:xfrm>
+            <a:off x="675888" y="3503376"/>
+            <a:ext cx="1354130" cy="2137157"/>
+          </a:xfrm>
+          <a:prstGeom prst="straightConnector1">
+            <a:avLst/>
+          </a:prstGeom>
+          <a:ln>
+            <a:tailEnd type="triangle"/>
+          </a:ln>
+        </p:spPr>
+        <p:style>
+          <a:lnRef idx="3">
+            <a:schemeClr val="accent5"/>
+          </a:lnRef>
+          <a:fillRef idx="0">
+            <a:schemeClr val="accent5"/>
+          </a:fillRef>
+          <a:effectRef idx="2">
+            <a:schemeClr val="accent5"/>
+          </a:effectRef>
+          <a:fontRef idx="minor">
+            <a:schemeClr val="tx1"/>
+          </a:fontRef>
+        </p:style>
+      </p:cxnSp>
+      <p:cxnSp>
+        <p:nvCxnSpPr>
+          <p:cNvPr id="19" name="Rett pilkobling 18">
+            <a:extLst>
+              <a:ext uri="{FF2B5EF4-FFF2-40B4-BE49-F238E27FC236}">
+                <a16:creationId xmlns:a16="http://schemas.microsoft.com/office/drawing/2014/main" id="{7BDEA544-977A-439E-B6FC-A616505B0E95}"/>
+              </a:ext>
+            </a:extLst>
+          </p:cNvPr>
+          <p:cNvCxnSpPr>
+            <a:cxnSpLocks/>
+            <a:stCxn id="6" idx="2"/>
+            <a:endCxn id="13" idx="0"/>
+          </p:cNvCxnSpPr>
+          <p:nvPr/>
+        </p:nvCxnSpPr>
+        <p:spPr>
+          <a:xfrm flipV="1">
+            <a:off x="675888" y="1304885"/>
+            <a:ext cx="1354130" cy="2198491"/>
+          </a:xfrm>
+          <a:prstGeom prst="straightConnector1">
+            <a:avLst/>
+          </a:prstGeom>
+          <a:ln>
+            <a:tailEnd type="triangle"/>
+          </a:ln>
+        </p:spPr>
+        <p:style>
+          <a:lnRef idx="3">
+            <a:schemeClr val="accent5"/>
+          </a:lnRef>
+          <a:fillRef idx="0">
+            <a:schemeClr val="accent5"/>
+          </a:fillRef>
+          <a:effectRef idx="2">
+            <a:schemeClr val="accent5"/>
+          </a:effectRef>
+          <a:fontRef idx="minor">
+            <a:schemeClr val="tx1"/>
+          </a:fontRef>
+        </p:style>
+      </p:cxnSp>
+      <p:sp>
+        <p:nvSpPr>
+          <p:cNvPr id="23" name="TekstSylinder 22">
+            <a:extLst>
+              <a:ext uri="{FF2B5EF4-FFF2-40B4-BE49-F238E27FC236}">
+                <a16:creationId xmlns:a16="http://schemas.microsoft.com/office/drawing/2014/main" id="{F578D591-FA24-470A-94EF-857755DBCE8E}"/>
+              </a:ext>
+            </a:extLst>
+          </p:cNvPr>
+          <p:cNvSpPr txBox="1"/>
+          <p:nvPr/>
+        </p:nvSpPr>
+        <p:spPr>
+          <a:xfrm rot="14198591">
+            <a:off x="473032" y="4493044"/>
+            <a:ext cx="1180730" cy="646331"/>
+          </a:xfrm>
+          <a:prstGeom prst="rect">
+            <a:avLst/>
+          </a:prstGeom>
+          <a:noFill/>
+        </p:spPr>
+        <p:txBody>
+          <a:bodyPr wrap="square" rtlCol="0">
+            <a:spAutoFit/>
+          </a:bodyPr>
+          <a:lstStyle/>
+          <a:p>
+            <a:pPr algn="ctr"/>
+            <a:r>
+              <a:rPr lang="en-GB" dirty="0">
+                <a:solidFill>
+                  <a:schemeClr val="accent6"/>
+                </a:solidFill>
+              </a:rPr>
+              <a:t>NewView string</a:t>
+            </a:r>
+          </a:p>
+        </p:txBody>
+      </p:sp>
+      <p:sp>
+        <p:nvSpPr>
+          <p:cNvPr id="24" name="TekstSylinder 23">
+            <a:extLst>
+              <a:ext uri="{FF2B5EF4-FFF2-40B4-BE49-F238E27FC236}">
+                <a16:creationId xmlns:a16="http://schemas.microsoft.com/office/drawing/2014/main" id="{62658CA3-38F5-47B0-AC44-556D82DBA6BB}"/>
+              </a:ext>
+            </a:extLst>
+          </p:cNvPr>
+          <p:cNvSpPr txBox="1"/>
+          <p:nvPr/>
+        </p:nvSpPr>
+        <p:spPr>
+          <a:xfrm rot="17967712">
+            <a:off x="537347" y="2067181"/>
+            <a:ext cx="1180730" cy="369332"/>
+          </a:xfrm>
+          <a:prstGeom prst="rect">
+            <a:avLst/>
+          </a:prstGeom>
+          <a:noFill/>
+        </p:spPr>
+        <p:txBody>
+          <a:bodyPr wrap="square" rtlCol="0">
+            <a:spAutoFit/>
+          </a:bodyPr>
+          <a:lstStyle/>
+          <a:p>
+            <a:pPr algn="ctr"/>
+            <a:r>
+              <a:rPr lang="en-GB" dirty="0">
+                <a:solidFill>
+                  <a:schemeClr val="accent6"/>
+                </a:solidFill>
+              </a:rPr>
+              <a:t>PC string</a:t>
+            </a:r>
+          </a:p>
+        </p:txBody>
+      </p:sp>
+      <p:sp>
+        <p:nvSpPr>
+          <p:cNvPr id="25" name="TekstSylinder 24">
+            <a:extLst>
+              <a:ext uri="{FF2B5EF4-FFF2-40B4-BE49-F238E27FC236}">
+                <a16:creationId xmlns:a16="http://schemas.microsoft.com/office/drawing/2014/main" id="{EFE8EBF4-BDE6-4AF8-B0B9-8D3AAA7C9499}"/>
+              </a:ext>
+            </a:extLst>
+          </p:cNvPr>
+          <p:cNvSpPr txBox="1"/>
+          <p:nvPr/>
+        </p:nvSpPr>
+        <p:spPr>
+          <a:xfrm>
+            <a:off x="768517" y="3151878"/>
+            <a:ext cx="1180730" cy="369332"/>
+          </a:xfrm>
+          <a:prstGeom prst="rect">
+            <a:avLst/>
+          </a:prstGeom>
+          <a:noFill/>
+        </p:spPr>
+        <p:txBody>
+          <a:bodyPr wrap="square" rtlCol="0">
+            <a:spAutoFit/>
+          </a:bodyPr>
+          <a:lstStyle/>
+          <a:p>
+            <a:pPr algn="ctr"/>
+            <a:r>
+              <a:rPr lang="en-GB" dirty="0">
+                <a:solidFill>
+                  <a:schemeClr val="accent6"/>
+                </a:solidFill>
+              </a:rPr>
+              <a:t>Command</a:t>
+            </a:r>
+          </a:p>
+        </p:txBody>
+      </p:sp>
+      <p:sp>
+        <p:nvSpPr>
+          <p:cNvPr id="32" name="Rektangel: avrundede hjørner 31">
+            <a:extLst>
+              <a:ext uri="{FF2B5EF4-FFF2-40B4-BE49-F238E27FC236}">
+                <a16:creationId xmlns:a16="http://schemas.microsoft.com/office/drawing/2014/main" id="{0D16BEF9-9219-4886-A590-0366952918C6}"/>
+              </a:ext>
+            </a:extLst>
+          </p:cNvPr>
+          <p:cNvSpPr/>
+          <p:nvPr/>
+        </p:nvSpPr>
+        <p:spPr>
+          <a:xfrm rot="16200000">
+            <a:off x="3610249" y="5232160"/>
+            <a:ext cx="1722268" cy="816746"/>
+          </a:xfrm>
+          <a:prstGeom prst="roundRect">
+            <a:avLst/>
+          </a:prstGeom>
+          <a:ln w="28575"/>
+        </p:spPr>
+        <p:style>
+          <a:lnRef idx="2">
+            <a:schemeClr val="accent5"/>
+          </a:lnRef>
+          <a:fillRef idx="1">
+            <a:schemeClr val="lt1"/>
+          </a:fillRef>
+          <a:effectRef idx="0">
+            <a:schemeClr val="accent5"/>
+          </a:effectRef>
+          <a:fontRef idx="minor">
+            <a:schemeClr val="dk1"/>
+          </a:fontRef>
+        </p:style>
+        <p:txBody>
+          <a:bodyPr rtlCol="0" anchor="ctr"/>
+          <a:lstStyle/>
+          <a:p>
+            <a:pPr algn="ctr"/>
+            <a:r>
+              <a:rPr lang="en-GB" dirty="0" err="1"/>
+              <a:t>OnNewView</a:t>
+            </a:r>
+            <a:r>
+              <a:rPr lang="en-GB" dirty="0"/>
+              <a:t>( )</a:t>
+            </a:r>
+          </a:p>
+        </p:txBody>
+      </p:sp>
+      <p:cxnSp>
+        <p:nvCxnSpPr>
+          <p:cNvPr id="33" name="Rett pilkobling 32">
+            <a:extLst>
+              <a:ext uri="{FF2B5EF4-FFF2-40B4-BE49-F238E27FC236}">
+                <a16:creationId xmlns:a16="http://schemas.microsoft.com/office/drawing/2014/main" id="{4C23A6AF-AD28-44D2-B1E4-08BE7CB8F73E}"/>
+              </a:ext>
+            </a:extLst>
+          </p:cNvPr>
+          <p:cNvCxnSpPr>
+            <a:cxnSpLocks/>
+            <a:endCxn id="10" idx="0"/>
+          </p:cNvCxnSpPr>
+          <p:nvPr/>
+        </p:nvCxnSpPr>
+        <p:spPr>
+          <a:xfrm>
+            <a:off x="2837892" y="1304885"/>
+            <a:ext cx="1224862" cy="0"/>
+          </a:xfrm>
+          <a:prstGeom prst="straightConnector1">
+            <a:avLst/>
+          </a:prstGeom>
+          <a:ln>
+            <a:tailEnd type="triangle"/>
+          </a:ln>
+        </p:spPr>
+        <p:style>
+          <a:lnRef idx="3">
+            <a:schemeClr val="accent5"/>
+          </a:lnRef>
+          <a:fillRef idx="0">
+            <a:schemeClr val="accent5"/>
+          </a:fillRef>
+          <a:effectRef idx="2">
+            <a:schemeClr val="accent5"/>
+          </a:effectRef>
+          <a:fontRef idx="minor">
+            <a:schemeClr val="tx1"/>
+          </a:fontRef>
+        </p:style>
+      </p:cxnSp>
+      <p:cxnSp>
+        <p:nvCxnSpPr>
+          <p:cNvPr id="34" name="Rett pilkobling 33">
+            <a:extLst>
+              <a:ext uri="{FF2B5EF4-FFF2-40B4-BE49-F238E27FC236}">
+                <a16:creationId xmlns:a16="http://schemas.microsoft.com/office/drawing/2014/main" id="{A097FC38-14B1-494C-BE7B-9A97219BE6C5}"/>
+              </a:ext>
+            </a:extLst>
+          </p:cNvPr>
+          <p:cNvCxnSpPr>
+            <a:cxnSpLocks/>
+            <a:endCxn id="32" idx="0"/>
+          </p:cNvCxnSpPr>
+          <p:nvPr/>
+        </p:nvCxnSpPr>
+        <p:spPr>
+          <a:xfrm>
+            <a:off x="2854370" y="5640533"/>
+            <a:ext cx="1208640" cy="0"/>
+          </a:xfrm>
+          <a:prstGeom prst="straightConnector1">
+            <a:avLst/>
+          </a:prstGeom>
+          <a:ln>
+            <a:tailEnd type="triangle"/>
+          </a:ln>
+        </p:spPr>
+        <p:style>
+          <a:lnRef idx="3">
+            <a:schemeClr val="accent5"/>
+          </a:lnRef>
+          <a:fillRef idx="0">
+            <a:schemeClr val="accent5"/>
+          </a:fillRef>
+          <a:effectRef idx="2">
+            <a:schemeClr val="accent5"/>
+          </a:effectRef>
+          <a:fontRef idx="minor">
+            <a:schemeClr val="tx1"/>
+          </a:fontRef>
+        </p:style>
+      </p:cxnSp>
+      <p:sp>
+        <p:nvSpPr>
+          <p:cNvPr id="35" name="TekstSylinder 34">
+            <a:extLst>
+              <a:ext uri="{FF2B5EF4-FFF2-40B4-BE49-F238E27FC236}">
+                <a16:creationId xmlns:a16="http://schemas.microsoft.com/office/drawing/2014/main" id="{481F1687-A523-44C9-A10C-3C6F390D653D}"/>
+              </a:ext>
+            </a:extLst>
+          </p:cNvPr>
+          <p:cNvSpPr txBox="1"/>
+          <p:nvPr/>
+        </p:nvSpPr>
+        <p:spPr>
+          <a:xfrm>
+            <a:off x="2882024" y="935553"/>
+            <a:ext cx="1180730" cy="369332"/>
+          </a:xfrm>
+          <a:prstGeom prst="rect">
+            <a:avLst/>
+          </a:prstGeom>
+          <a:noFill/>
+        </p:spPr>
+        <p:txBody>
+          <a:bodyPr wrap="square" rtlCol="0">
+            <a:spAutoFit/>
+          </a:bodyPr>
+          <a:lstStyle/>
+          <a:p>
+            <a:pPr algn="ctr"/>
+            <a:r>
+              <a:rPr lang="en-GB" dirty="0">
+                <a:solidFill>
+                  <a:schemeClr val="accent6"/>
+                </a:solidFill>
+              </a:rPr>
+              <a:t>PC</a:t>
+            </a:r>
+          </a:p>
+        </p:txBody>
+      </p:sp>
+      <p:sp>
+        <p:nvSpPr>
+          <p:cNvPr id="36" name="TekstSylinder 35">
+            <a:extLst>
+              <a:ext uri="{FF2B5EF4-FFF2-40B4-BE49-F238E27FC236}">
+                <a16:creationId xmlns:a16="http://schemas.microsoft.com/office/drawing/2014/main" id="{A4844A29-C5EF-45CE-A220-376BD22060BD}"/>
+              </a:ext>
+            </a:extLst>
+          </p:cNvPr>
+          <p:cNvSpPr txBox="1"/>
+          <p:nvPr/>
+        </p:nvSpPr>
+        <p:spPr>
+          <a:xfrm>
+            <a:off x="2868325" y="5183783"/>
+            <a:ext cx="1180730" cy="369332"/>
+          </a:xfrm>
+          <a:prstGeom prst="rect">
+            <a:avLst/>
+          </a:prstGeom>
+          <a:noFill/>
+        </p:spPr>
+        <p:txBody>
+          <a:bodyPr wrap="square" rtlCol="0">
+            <a:spAutoFit/>
+          </a:bodyPr>
+          <a:lstStyle/>
+          <a:p>
+            <a:pPr algn="ctr"/>
+            <a:r>
+              <a:rPr lang="en-GB" dirty="0">
+                <a:solidFill>
+                  <a:schemeClr val="accent6"/>
+                </a:solidFill>
+              </a:rPr>
+              <a:t>NewView</a:t>
+            </a:r>
+          </a:p>
+        </p:txBody>
+      </p:sp>
+    </p:spTree>
+    <p:extLst>
+      <p:ext uri="{BB962C8B-B14F-4D97-AF65-F5344CB8AC3E}">
+        <p14:creationId xmlns:p14="http://schemas.microsoft.com/office/powerpoint/2010/main" val="2595504227"/>
+      </p:ext>
+    </p:extLst>
+  </p:cSld>
+  <p:clrMapOvr>
+    <a:masterClrMapping/>
+  </p:clrMapOvr>
+</p:sld>
+</file>
+
+<file path=ppt/slides/slide6.xml><?xml version="1.0" encoding="utf-8"?>
+<p:sld xmlns:a="http://schemas.openxmlformats.org/drawingml/2006/main" xmlns:r="http://schemas.openxmlformats.org/officeDocument/2006/relationships" xmlns:p="http://schemas.openxmlformats.org/presentationml/2006/main">
+  <p:cSld>
+    <p:spTree>
+      <p:nvGrpSpPr>
+        <p:cNvPr id="1" name=""/>
+        <p:cNvGrpSpPr/>
+        <p:nvPr/>
+      </p:nvGrpSpPr>
+      <p:grpSpPr>
+        <a:xfrm>
+          <a:off x="0" y="0"/>
+          <a:ext cx="0" cy="0"/>
+          <a:chOff x="0" y="0"/>
+          <a:chExt cx="0" cy="0"/>
+        </a:xfrm>
+      </p:grpSpPr>
+      <p:sp>
+        <p:nvSpPr>
+          <p:cNvPr id="4" name="Rektangel: avrundede hjørner 3">
+            <a:extLst>
+              <a:ext uri="{FF2B5EF4-FFF2-40B4-BE49-F238E27FC236}">
+                <a16:creationId xmlns:a16="http://schemas.microsoft.com/office/drawing/2014/main" id="{4161D280-1C53-4638-B4B7-19569939165C}"/>
+              </a:ext>
+            </a:extLst>
+          </p:cNvPr>
+          <p:cNvSpPr/>
+          <p:nvPr/>
+        </p:nvSpPr>
+        <p:spPr>
+          <a:xfrm rot="16200000">
+            <a:off x="1198406" y="2860827"/>
+            <a:ext cx="1722268" cy="816746"/>
+          </a:xfrm>
+          <a:prstGeom prst="roundRect">
+            <a:avLst/>
+          </a:prstGeom>
+          <a:ln w="28575"/>
+        </p:spPr>
+        <p:style>
+          <a:lnRef idx="2">
+            <a:schemeClr val="accent5"/>
+          </a:lnRef>
+          <a:fillRef idx="1">
+            <a:schemeClr val="lt1"/>
+          </a:fillRef>
+          <a:effectRef idx="0">
+            <a:schemeClr val="accent5"/>
+          </a:effectRef>
+          <a:fontRef idx="minor">
+            <a:schemeClr val="dk1"/>
+          </a:fontRef>
+        </p:style>
+        <p:txBody>
+          <a:bodyPr rtlCol="0" anchor="ctr"/>
+          <a:lstStyle/>
+          <a:p>
+            <a:pPr algn="ctr"/>
+            <a:r>
+              <a:rPr lang="en-GB" dirty="0"/>
+              <a:t>NewView( )</a:t>
+            </a:r>
+          </a:p>
+        </p:txBody>
+      </p:sp>
+      <p:cxnSp>
+        <p:nvCxnSpPr>
+          <p:cNvPr id="5" name="Rett pilkobling 4">
+            <a:extLst>
+              <a:ext uri="{FF2B5EF4-FFF2-40B4-BE49-F238E27FC236}">
+                <a16:creationId xmlns:a16="http://schemas.microsoft.com/office/drawing/2014/main" id="{285962F7-E58F-4C75-BA23-AAC0492A250E}"/>
+              </a:ext>
+            </a:extLst>
+          </p:cNvPr>
+          <p:cNvCxnSpPr>
+            <a:cxnSpLocks/>
+            <a:endCxn id="4" idx="0"/>
+          </p:cNvCxnSpPr>
+          <p:nvPr/>
+        </p:nvCxnSpPr>
+        <p:spPr>
+          <a:xfrm rot="16200000">
+            <a:off x="1247234" y="2865267"/>
+            <a:ext cx="0" cy="807867"/>
+          </a:xfrm>
+          <a:prstGeom prst="straightConnector1">
+            <a:avLst/>
+          </a:prstGeom>
+          <a:ln>
+            <a:tailEnd type="triangle"/>
+          </a:ln>
+        </p:spPr>
+        <p:style>
+          <a:lnRef idx="3">
+            <a:schemeClr val="accent5"/>
+          </a:lnRef>
+          <a:fillRef idx="0">
+            <a:schemeClr val="accent5"/>
+          </a:fillRef>
+          <a:effectRef idx="2">
+            <a:schemeClr val="accent5"/>
+          </a:effectRef>
+          <a:fontRef idx="minor">
+            <a:schemeClr val="tx1"/>
+          </a:fontRef>
+        </p:style>
+      </p:cxnSp>
+      <p:sp>
+        <p:nvSpPr>
+          <p:cNvPr id="6" name="TekstSylinder 5">
+            <a:extLst>
+              <a:ext uri="{FF2B5EF4-FFF2-40B4-BE49-F238E27FC236}">
+                <a16:creationId xmlns:a16="http://schemas.microsoft.com/office/drawing/2014/main" id="{F95A6CE0-1E9F-4EB8-AC17-7848B976072C}"/>
+              </a:ext>
+            </a:extLst>
+          </p:cNvPr>
+          <p:cNvSpPr txBox="1"/>
+          <p:nvPr/>
+        </p:nvSpPr>
+        <p:spPr>
+          <a:xfrm rot="16200000">
+            <a:off x="612764" y="3597958"/>
+            <a:ext cx="1180730" cy="523220"/>
+          </a:xfrm>
+          <a:prstGeom prst="rect">
+            <a:avLst/>
+          </a:prstGeom>
+          <a:noFill/>
+        </p:spPr>
+        <p:txBody>
+          <a:bodyPr wrap="square" rtlCol="0">
+            <a:spAutoFit/>
+          </a:bodyPr>
+          <a:lstStyle/>
+          <a:p>
+            <a:pPr algn="ctr"/>
+            <a:r>
+              <a:rPr lang="en-GB" sz="1400" dirty="0"/>
+              <a:t>NewView timeout</a:t>
+            </a:r>
+          </a:p>
+        </p:txBody>
+      </p:sp>
+      <p:sp>
+        <p:nvSpPr>
+          <p:cNvPr id="7" name="Rektangel: avrundede hjørner 6">
+            <a:extLst>
+              <a:ext uri="{FF2B5EF4-FFF2-40B4-BE49-F238E27FC236}">
+                <a16:creationId xmlns:a16="http://schemas.microsoft.com/office/drawing/2014/main" id="{AFE62CAE-C6FC-4BEC-B8A9-A1834A985A2D}"/>
+              </a:ext>
+            </a:extLst>
+          </p:cNvPr>
+          <p:cNvSpPr/>
+          <p:nvPr/>
+        </p:nvSpPr>
+        <p:spPr>
+          <a:xfrm rot="16200000">
+            <a:off x="4004572" y="1338810"/>
+            <a:ext cx="2294216" cy="816746"/>
+          </a:xfrm>
+          <a:prstGeom prst="roundRect">
+            <a:avLst/>
+          </a:prstGeom>
+          <a:ln w="28575"/>
+        </p:spPr>
+        <p:style>
+          <a:lnRef idx="2">
+            <a:schemeClr val="accent5"/>
+          </a:lnRef>
+          <a:fillRef idx="1">
+            <a:schemeClr val="lt1"/>
+          </a:fillRef>
+          <a:effectRef idx="0">
+            <a:schemeClr val="accent5"/>
+          </a:effectRef>
+          <a:fontRef idx="minor">
+            <a:schemeClr val="dk1"/>
+          </a:fontRef>
+        </p:style>
+        <p:txBody>
+          <a:bodyPr rtlCol="0" anchor="ctr"/>
+          <a:lstStyle/>
+          <a:p>
+            <a:pPr algn="ctr"/>
+            <a:r>
+              <a:rPr lang="en-GB" dirty="0"/>
+              <a:t>NewViewToString( )</a:t>
+            </a:r>
+          </a:p>
+        </p:txBody>
+      </p:sp>
+      <p:sp>
+        <p:nvSpPr>
+          <p:cNvPr id="8" name="TekstSylinder 7">
+            <a:extLst>
+              <a:ext uri="{FF2B5EF4-FFF2-40B4-BE49-F238E27FC236}">
+                <a16:creationId xmlns:a16="http://schemas.microsoft.com/office/drawing/2014/main" id="{C5CF5795-BB47-40E8-AD55-E7F1E1F43A21}"/>
+              </a:ext>
+            </a:extLst>
+          </p:cNvPr>
+          <p:cNvSpPr txBox="1"/>
+          <p:nvPr/>
+        </p:nvSpPr>
+        <p:spPr>
+          <a:xfrm>
+            <a:off x="2559401" y="2894291"/>
+            <a:ext cx="1180730" cy="369332"/>
+          </a:xfrm>
+          <a:prstGeom prst="rect">
+            <a:avLst/>
+          </a:prstGeom>
+          <a:noFill/>
+        </p:spPr>
+        <p:txBody>
+          <a:bodyPr wrap="square" rtlCol="0">
+            <a:spAutoFit/>
+          </a:bodyPr>
+          <a:lstStyle/>
+          <a:p>
+            <a:pPr algn="ctr"/>
+            <a:r>
+              <a:rPr lang="en-GB" dirty="0">
+                <a:solidFill>
+                  <a:schemeClr val="accent6"/>
+                </a:solidFill>
+              </a:rPr>
+              <a:t>NewView</a:t>
+            </a:r>
+          </a:p>
+        </p:txBody>
+      </p:sp>
+      <p:sp>
+        <p:nvSpPr>
+          <p:cNvPr id="10" name="Rektangel: avrundede hjørner 9">
+            <a:extLst>
+              <a:ext uri="{FF2B5EF4-FFF2-40B4-BE49-F238E27FC236}">
+                <a16:creationId xmlns:a16="http://schemas.microsoft.com/office/drawing/2014/main" id="{5A3DE403-9047-4782-95B8-F73F91450E56}"/>
+              </a:ext>
+            </a:extLst>
+          </p:cNvPr>
+          <p:cNvSpPr/>
+          <p:nvPr/>
+        </p:nvSpPr>
+        <p:spPr>
+          <a:xfrm rot="16200000">
+            <a:off x="4290546" y="4047138"/>
+            <a:ext cx="1722268" cy="816746"/>
+          </a:xfrm>
+          <a:prstGeom prst="roundRect">
+            <a:avLst/>
+          </a:prstGeom>
+          <a:ln w="28575"/>
+        </p:spPr>
+        <p:style>
+          <a:lnRef idx="2">
+            <a:schemeClr val="accent5"/>
+          </a:lnRef>
+          <a:fillRef idx="1">
+            <a:schemeClr val="lt1"/>
+          </a:fillRef>
+          <a:effectRef idx="0">
+            <a:schemeClr val="accent5"/>
+          </a:effectRef>
+          <a:fontRef idx="minor">
+            <a:schemeClr val="dk1"/>
+          </a:fontRef>
+        </p:style>
+        <p:txBody>
+          <a:bodyPr rtlCol="0" anchor="ctr"/>
+          <a:lstStyle/>
+          <a:p>
+            <a:pPr algn="ctr"/>
+            <a:r>
+              <a:rPr lang="en-GB"/>
+              <a:t>OnNewView( )</a:t>
+            </a:r>
+            <a:endParaRPr lang="en-GB" dirty="0"/>
+          </a:p>
+        </p:txBody>
+      </p:sp>
+      <p:cxnSp>
+        <p:nvCxnSpPr>
+          <p:cNvPr id="14" name="Rett pilkobling 13">
+            <a:extLst>
+              <a:ext uri="{FF2B5EF4-FFF2-40B4-BE49-F238E27FC236}">
+                <a16:creationId xmlns:a16="http://schemas.microsoft.com/office/drawing/2014/main" id="{93DC94C3-78F9-486F-9232-9B5C2C90143A}"/>
+              </a:ext>
+            </a:extLst>
+          </p:cNvPr>
+          <p:cNvCxnSpPr>
+            <a:cxnSpLocks/>
+            <a:endCxn id="7" idx="0"/>
+          </p:cNvCxnSpPr>
+          <p:nvPr/>
+        </p:nvCxnSpPr>
+        <p:spPr>
+          <a:xfrm flipV="1">
+            <a:off x="3847171" y="1747183"/>
+            <a:ext cx="896136" cy="1516442"/>
+          </a:xfrm>
+          <a:prstGeom prst="straightConnector1">
+            <a:avLst/>
+          </a:prstGeom>
+          <a:ln>
+            <a:tailEnd type="triangle"/>
+          </a:ln>
+        </p:spPr>
+        <p:style>
+          <a:lnRef idx="3">
+            <a:schemeClr val="accent5"/>
+          </a:lnRef>
+          <a:fillRef idx="0">
+            <a:schemeClr val="accent5"/>
+          </a:fillRef>
+          <a:effectRef idx="2">
+            <a:schemeClr val="accent5"/>
+          </a:effectRef>
+          <a:fontRef idx="minor">
+            <a:schemeClr val="tx1"/>
+          </a:fontRef>
+        </p:style>
+      </p:cxnSp>
+      <p:cxnSp>
+        <p:nvCxnSpPr>
+          <p:cNvPr id="18" name="Rett linje 17">
+            <a:extLst>
+              <a:ext uri="{FF2B5EF4-FFF2-40B4-BE49-F238E27FC236}">
+                <a16:creationId xmlns:a16="http://schemas.microsoft.com/office/drawing/2014/main" id="{4006FE92-C976-4B72-AA63-F13CB898F8DB}"/>
+              </a:ext>
+            </a:extLst>
+          </p:cNvPr>
+          <p:cNvCxnSpPr>
+            <a:stCxn id="4" idx="2"/>
+          </p:cNvCxnSpPr>
+          <p:nvPr/>
+        </p:nvCxnSpPr>
+        <p:spPr>
+          <a:xfrm flipV="1">
+            <a:off x="2467913" y="3263623"/>
+            <a:ext cx="1379258" cy="5577"/>
+          </a:xfrm>
+          <a:prstGeom prst="line">
+            <a:avLst/>
+          </a:prstGeom>
+          <a:ln>
+            <a:tailEnd type="none"/>
+          </a:ln>
+        </p:spPr>
+        <p:style>
+          <a:lnRef idx="3">
+            <a:schemeClr val="accent5"/>
+          </a:lnRef>
+          <a:fillRef idx="0">
+            <a:schemeClr val="accent5"/>
+          </a:fillRef>
+          <a:effectRef idx="2">
+            <a:schemeClr val="accent5"/>
+          </a:effectRef>
+          <a:fontRef idx="minor">
+            <a:schemeClr val="tx1"/>
+          </a:fontRef>
+        </p:style>
+      </p:cxnSp>
+      <p:cxnSp>
+        <p:nvCxnSpPr>
+          <p:cNvPr id="29" name="Rett pilkobling 28">
+            <a:extLst>
+              <a:ext uri="{FF2B5EF4-FFF2-40B4-BE49-F238E27FC236}">
+                <a16:creationId xmlns:a16="http://schemas.microsoft.com/office/drawing/2014/main" id="{7CBA73C5-A3EF-483C-96D6-39E5843BAE9A}"/>
+              </a:ext>
+            </a:extLst>
+          </p:cNvPr>
+          <p:cNvCxnSpPr>
+            <a:cxnSpLocks/>
+            <a:endCxn id="10" idx="0"/>
+          </p:cNvCxnSpPr>
+          <p:nvPr/>
+        </p:nvCxnSpPr>
+        <p:spPr>
+          <a:xfrm>
+            <a:off x="3847171" y="3263623"/>
+            <a:ext cx="896136" cy="1191888"/>
+          </a:xfrm>
+          <a:prstGeom prst="straightConnector1">
+            <a:avLst/>
+          </a:prstGeom>
+          <a:ln>
+            <a:tailEnd type="triangle"/>
+          </a:ln>
+        </p:spPr>
+        <p:style>
+          <a:lnRef idx="3">
+            <a:schemeClr val="accent5"/>
+          </a:lnRef>
+          <a:fillRef idx="0">
+            <a:schemeClr val="accent5"/>
+          </a:fillRef>
+          <a:effectRef idx="2">
+            <a:schemeClr val="accent5"/>
+          </a:effectRef>
+          <a:fontRef idx="minor">
+            <a:schemeClr val="tx1"/>
+          </a:fontRef>
+        </p:style>
+      </p:cxnSp>
+      <p:cxnSp>
+        <p:nvCxnSpPr>
+          <p:cNvPr id="34" name="Rett pilkobling 33">
+            <a:extLst>
+              <a:ext uri="{FF2B5EF4-FFF2-40B4-BE49-F238E27FC236}">
+                <a16:creationId xmlns:a16="http://schemas.microsoft.com/office/drawing/2014/main" id="{8C11D656-1F83-4B20-95D0-AFF19C0CF8E0}"/>
+              </a:ext>
+            </a:extLst>
+          </p:cNvPr>
+          <p:cNvCxnSpPr>
+            <a:cxnSpLocks/>
+            <a:stCxn id="7" idx="2"/>
+          </p:cNvCxnSpPr>
+          <p:nvPr/>
+        </p:nvCxnSpPr>
+        <p:spPr>
+          <a:xfrm>
+            <a:off x="5560053" y="1747183"/>
+            <a:ext cx="1069347" cy="0"/>
+          </a:xfrm>
+          <a:prstGeom prst="straightConnector1">
+            <a:avLst/>
+          </a:prstGeom>
+          <a:ln>
+            <a:tailEnd type="triangle"/>
+          </a:ln>
+        </p:spPr>
+        <p:style>
+          <a:lnRef idx="3">
+            <a:schemeClr val="accent5"/>
+          </a:lnRef>
+          <a:fillRef idx="0">
+            <a:schemeClr val="accent5"/>
+          </a:fillRef>
+          <a:effectRef idx="2">
+            <a:schemeClr val="accent5"/>
+          </a:effectRef>
+          <a:fontRef idx="minor">
+            <a:schemeClr val="tx1"/>
+          </a:fontRef>
+        </p:style>
+      </p:cxnSp>
+      <p:sp>
+        <p:nvSpPr>
+          <p:cNvPr id="41" name="TekstSylinder 40">
+            <a:extLst>
+              <a:ext uri="{FF2B5EF4-FFF2-40B4-BE49-F238E27FC236}">
+                <a16:creationId xmlns:a16="http://schemas.microsoft.com/office/drawing/2014/main" id="{5818B6C7-FB16-428F-B75E-EBFEA043084E}"/>
+              </a:ext>
+            </a:extLst>
+          </p:cNvPr>
+          <p:cNvSpPr txBox="1"/>
+          <p:nvPr/>
+        </p:nvSpPr>
+        <p:spPr>
+          <a:xfrm rot="16200000">
+            <a:off x="5623264" y="1950328"/>
+            <a:ext cx="1180730" cy="523220"/>
+          </a:xfrm>
+          <a:prstGeom prst="rect">
+            <a:avLst/>
+          </a:prstGeom>
+          <a:noFill/>
+        </p:spPr>
+        <p:txBody>
+          <a:bodyPr wrap="square" rtlCol="0">
+            <a:spAutoFit/>
+          </a:bodyPr>
+          <a:lstStyle/>
+          <a:p>
+            <a:pPr algn="ctr"/>
+            <a:r>
+              <a:rPr lang="en-GB" sz="1400" dirty="0"/>
+              <a:t>Sending message</a:t>
+            </a:r>
+          </a:p>
+        </p:txBody>
+      </p:sp>
+    </p:spTree>
+    <p:extLst>
+      <p:ext uri="{BB962C8B-B14F-4D97-AF65-F5344CB8AC3E}">
+        <p14:creationId xmlns:p14="http://schemas.microsoft.com/office/powerpoint/2010/main" val="2492257192"/>
       </p:ext>
     </p:extLst>
   </p:cSld>

--- a/WIP.pptx
+++ b/WIP.pptx
@@ -11,6 +11,9 @@
     <p:sldId id="259" r:id="rId5"/>
     <p:sldId id="260" r:id="rId6"/>
     <p:sldId id="261" r:id="rId7"/>
+    <p:sldId id="262" r:id="rId8"/>
+    <p:sldId id="264" r:id="rId9"/>
+    <p:sldId id="263" r:id="rId10"/>
   </p:sldIdLst>
   <p:sldSz cx="12192000" cy="6858000"/>
   <p:notesSz cx="6858000" cy="9144000"/>
@@ -264,7 +267,7 @@
           <a:p>
             <a:fld id="{4BB03E3C-822E-4593-9A6A-EC9CF8479CCC}" type="datetimeFigureOut">
               <a:rPr lang="en-US" smtClean="0"/>
-              <a:t>4/22/2021</a:t>
+              <a:t>4/26/2021</a:t>
             </a:fld>
             <a:endParaRPr lang="en-US"/>
           </a:p>
@@ -462,7 +465,7 @@
           <a:p>
             <a:fld id="{4BB03E3C-822E-4593-9A6A-EC9CF8479CCC}" type="datetimeFigureOut">
               <a:rPr lang="en-US" smtClean="0"/>
-              <a:t>4/22/2021</a:t>
+              <a:t>4/26/2021</a:t>
             </a:fld>
             <a:endParaRPr lang="en-US"/>
           </a:p>
@@ -670,7 +673,7 @@
           <a:p>
             <a:fld id="{4BB03E3C-822E-4593-9A6A-EC9CF8479CCC}" type="datetimeFigureOut">
               <a:rPr lang="en-US" smtClean="0"/>
-              <a:t>4/22/2021</a:t>
+              <a:t>4/26/2021</a:t>
             </a:fld>
             <a:endParaRPr lang="en-US"/>
           </a:p>
@@ -868,7 +871,7 @@
           <a:p>
             <a:fld id="{4BB03E3C-822E-4593-9A6A-EC9CF8479CCC}" type="datetimeFigureOut">
               <a:rPr lang="en-US" smtClean="0"/>
-              <a:t>4/22/2021</a:t>
+              <a:t>4/26/2021</a:t>
             </a:fld>
             <a:endParaRPr lang="en-US"/>
           </a:p>
@@ -1143,7 +1146,7 @@
           <a:p>
             <a:fld id="{4BB03E3C-822E-4593-9A6A-EC9CF8479CCC}" type="datetimeFigureOut">
               <a:rPr lang="en-US" smtClean="0"/>
-              <a:t>4/22/2021</a:t>
+              <a:t>4/26/2021</a:t>
             </a:fld>
             <a:endParaRPr lang="en-US"/>
           </a:p>
@@ -1408,7 +1411,7 @@
           <a:p>
             <a:fld id="{4BB03E3C-822E-4593-9A6A-EC9CF8479CCC}" type="datetimeFigureOut">
               <a:rPr lang="en-US" smtClean="0"/>
-              <a:t>4/22/2021</a:t>
+              <a:t>4/26/2021</a:t>
             </a:fld>
             <a:endParaRPr lang="en-US"/>
           </a:p>
@@ -1820,7 +1823,7 @@
           <a:p>
             <a:fld id="{4BB03E3C-822E-4593-9A6A-EC9CF8479CCC}" type="datetimeFigureOut">
               <a:rPr lang="en-US" smtClean="0"/>
-              <a:t>4/22/2021</a:t>
+              <a:t>4/26/2021</a:t>
             </a:fld>
             <a:endParaRPr lang="en-US"/>
           </a:p>
@@ -1961,7 +1964,7 @@
           <a:p>
             <a:fld id="{4BB03E3C-822E-4593-9A6A-EC9CF8479CCC}" type="datetimeFigureOut">
               <a:rPr lang="en-US" smtClean="0"/>
-              <a:t>4/22/2021</a:t>
+              <a:t>4/26/2021</a:t>
             </a:fld>
             <a:endParaRPr lang="en-US"/>
           </a:p>
@@ -2074,7 +2077,7 @@
           <a:p>
             <a:fld id="{4BB03E3C-822E-4593-9A6A-EC9CF8479CCC}" type="datetimeFigureOut">
               <a:rPr lang="en-US" smtClean="0"/>
-              <a:t>4/22/2021</a:t>
+              <a:t>4/26/2021</a:t>
             </a:fld>
             <a:endParaRPr lang="en-US"/>
           </a:p>
@@ -2385,7 +2388,7 @@
           <a:p>
             <a:fld id="{4BB03E3C-822E-4593-9A6A-EC9CF8479CCC}" type="datetimeFigureOut">
               <a:rPr lang="en-US" smtClean="0"/>
-              <a:t>4/22/2021</a:t>
+              <a:t>4/26/2021</a:t>
             </a:fld>
             <a:endParaRPr lang="en-US"/>
           </a:p>
@@ -2673,7 +2676,7 @@
           <a:p>
             <a:fld id="{4BB03E3C-822E-4593-9A6A-EC9CF8479CCC}" type="datetimeFigureOut">
               <a:rPr lang="en-US" smtClean="0"/>
-              <a:t>4/22/2021</a:t>
+              <a:t>4/26/2021</a:t>
             </a:fld>
             <a:endParaRPr lang="en-US"/>
           </a:p>
@@ -2914,7 +2917,7 @@
           <a:p>
             <a:fld id="{4BB03E3C-822E-4593-9A6A-EC9CF8479CCC}" type="datetimeFigureOut">
               <a:rPr lang="en-US" smtClean="0"/>
-              <a:t>4/22/2021</a:t>
+              <a:t>4/26/2021</a:t>
             </a:fld>
             <a:endParaRPr lang="en-US"/>
           </a:p>
@@ -10745,6 +10748,1722 @@
 </p:sld>
 </file>
 
+<file path=ppt/slides/slide7.xml><?xml version="1.0" encoding="utf-8"?>
+<p:sld xmlns:a="http://schemas.openxmlformats.org/drawingml/2006/main" xmlns:r="http://schemas.openxmlformats.org/officeDocument/2006/relationships" xmlns:p="http://schemas.openxmlformats.org/presentationml/2006/main">
+  <p:cSld>
+    <p:spTree>
+      <p:nvGrpSpPr>
+        <p:cNvPr id="1" name=""/>
+        <p:cNvGrpSpPr/>
+        <p:nvPr/>
+      </p:nvGrpSpPr>
+      <p:grpSpPr>
+        <a:xfrm>
+          <a:off x="0" y="0"/>
+          <a:ext cx="0" cy="0"/>
+          <a:chOff x="0" y="0"/>
+          <a:chExt cx="0" cy="0"/>
+        </a:xfrm>
+      </p:grpSpPr>
+      <p:sp>
+        <p:nvSpPr>
+          <p:cNvPr id="7" name="TekstSylinder 6">
+            <a:extLst>
+              <a:ext uri="{FF2B5EF4-FFF2-40B4-BE49-F238E27FC236}">
+                <a16:creationId xmlns:a16="http://schemas.microsoft.com/office/drawing/2014/main" id="{7B8D8EBD-3C85-4985-8F00-55141D4D368B}"/>
+              </a:ext>
+            </a:extLst>
+          </p:cNvPr>
+          <p:cNvSpPr txBox="1"/>
+          <p:nvPr/>
+        </p:nvSpPr>
+        <p:spPr>
+          <a:xfrm rot="16200000">
+            <a:off x="689866" y="3493380"/>
+            <a:ext cx="1180730" cy="523220"/>
+          </a:xfrm>
+          <a:prstGeom prst="rect">
+            <a:avLst/>
+          </a:prstGeom>
+          <a:noFill/>
+        </p:spPr>
+        <p:txBody>
+          <a:bodyPr wrap="square" rtlCol="0">
+            <a:spAutoFit/>
+          </a:bodyPr>
+          <a:lstStyle/>
+          <a:p>
+            <a:pPr algn="ctr"/>
+            <a:r>
+              <a:rPr lang="en-GB" sz="1400" dirty="0"/>
+              <a:t>Incoming command</a:t>
+            </a:r>
+          </a:p>
+        </p:txBody>
+      </p:sp>
+      <p:sp>
+        <p:nvSpPr>
+          <p:cNvPr id="14" name="Rektangel: avrundede hjørner 13">
+            <a:extLst>
+              <a:ext uri="{FF2B5EF4-FFF2-40B4-BE49-F238E27FC236}">
+                <a16:creationId xmlns:a16="http://schemas.microsoft.com/office/drawing/2014/main" id="{BD97C888-8752-416E-B4F5-9F345EBFDC90}"/>
+              </a:ext>
+            </a:extLst>
+          </p:cNvPr>
+          <p:cNvSpPr/>
+          <p:nvPr/>
+        </p:nvSpPr>
+        <p:spPr>
+          <a:xfrm rot="16200000">
+            <a:off x="1257768" y="2756252"/>
+            <a:ext cx="1722268" cy="816746"/>
+          </a:xfrm>
+          <a:prstGeom prst="roundRect">
+            <a:avLst/>
+          </a:prstGeom>
+          <a:ln w="28575"/>
+        </p:spPr>
+        <p:style>
+          <a:lnRef idx="2">
+            <a:schemeClr val="accent5"/>
+          </a:lnRef>
+          <a:fillRef idx="1">
+            <a:schemeClr val="lt1"/>
+          </a:fillRef>
+          <a:effectRef idx="0">
+            <a:schemeClr val="accent5"/>
+          </a:effectRef>
+          <a:fontRef idx="minor">
+            <a:schemeClr val="dk1"/>
+          </a:fontRef>
+        </p:style>
+        <p:txBody>
+          <a:bodyPr rtlCol="0" anchor="ctr"/>
+          <a:lstStyle/>
+          <a:p>
+            <a:pPr algn="ctr"/>
+            <a:r>
+              <a:rPr lang="en-GB" dirty="0"/>
+              <a:t>Add tag “Command:”</a:t>
+            </a:r>
+          </a:p>
+          <a:p>
+            <a:pPr algn="ctr"/>
+            <a:r>
+              <a:rPr lang="en-GB" dirty="0"/>
+              <a:t>to command</a:t>
+            </a:r>
+          </a:p>
+        </p:txBody>
+      </p:sp>
+      <p:cxnSp>
+        <p:nvCxnSpPr>
+          <p:cNvPr id="15" name="Rett pilkobling 14">
+            <a:extLst>
+              <a:ext uri="{FF2B5EF4-FFF2-40B4-BE49-F238E27FC236}">
+                <a16:creationId xmlns:a16="http://schemas.microsoft.com/office/drawing/2014/main" id="{6C166746-DA37-4628-AFB7-1103BE2B7AF8}"/>
+              </a:ext>
+            </a:extLst>
+          </p:cNvPr>
+          <p:cNvCxnSpPr>
+            <a:cxnSpLocks/>
+          </p:cNvCxnSpPr>
+          <p:nvPr/>
+        </p:nvCxnSpPr>
+        <p:spPr>
+          <a:xfrm rot="16200000" flipH="1">
+            <a:off x="1313247" y="2758471"/>
+            <a:ext cx="2" cy="812310"/>
+          </a:xfrm>
+          <a:prstGeom prst="straightConnector1">
+            <a:avLst/>
+          </a:prstGeom>
+          <a:ln>
+            <a:tailEnd type="triangle"/>
+          </a:ln>
+        </p:spPr>
+        <p:style>
+          <a:lnRef idx="3">
+            <a:schemeClr val="accent5"/>
+          </a:lnRef>
+          <a:fillRef idx="0">
+            <a:schemeClr val="accent5"/>
+          </a:fillRef>
+          <a:effectRef idx="2">
+            <a:schemeClr val="accent5"/>
+          </a:effectRef>
+          <a:fontRef idx="minor">
+            <a:schemeClr val="tx1"/>
+          </a:fontRef>
+        </p:style>
+      </p:cxnSp>
+      <p:cxnSp>
+        <p:nvCxnSpPr>
+          <p:cNvPr id="20" name="Rett pilkobling 19">
+            <a:extLst>
+              <a:ext uri="{FF2B5EF4-FFF2-40B4-BE49-F238E27FC236}">
+                <a16:creationId xmlns:a16="http://schemas.microsoft.com/office/drawing/2014/main" id="{1528B855-0436-4D55-BEB4-8548EEC4A7FD}"/>
+              </a:ext>
+            </a:extLst>
+          </p:cNvPr>
+          <p:cNvCxnSpPr>
+            <a:cxnSpLocks/>
+          </p:cNvCxnSpPr>
+          <p:nvPr/>
+        </p:nvCxnSpPr>
+        <p:spPr>
+          <a:xfrm rot="16200000" flipH="1">
+            <a:off x="2937865" y="2758470"/>
+            <a:ext cx="2" cy="812310"/>
+          </a:xfrm>
+          <a:prstGeom prst="straightConnector1">
+            <a:avLst/>
+          </a:prstGeom>
+          <a:ln>
+            <a:tailEnd type="triangle"/>
+          </a:ln>
+        </p:spPr>
+        <p:style>
+          <a:lnRef idx="3">
+            <a:schemeClr val="accent5"/>
+          </a:lnRef>
+          <a:fillRef idx="0">
+            <a:schemeClr val="accent5"/>
+          </a:fillRef>
+          <a:effectRef idx="2">
+            <a:schemeClr val="accent5"/>
+          </a:effectRef>
+          <a:fontRef idx="minor">
+            <a:schemeClr val="tx1"/>
+          </a:fontRef>
+        </p:style>
+      </p:cxnSp>
+      <p:sp>
+        <p:nvSpPr>
+          <p:cNvPr id="21" name="TekstSylinder 20">
+            <a:extLst>
+              <a:ext uri="{FF2B5EF4-FFF2-40B4-BE49-F238E27FC236}">
+                <a16:creationId xmlns:a16="http://schemas.microsoft.com/office/drawing/2014/main" id="{7CB4D441-01D9-42B2-B6C6-CCA879045036}"/>
+              </a:ext>
+            </a:extLst>
+          </p:cNvPr>
+          <p:cNvSpPr txBox="1"/>
+          <p:nvPr/>
+        </p:nvSpPr>
+        <p:spPr>
+          <a:xfrm rot="16200000">
+            <a:off x="2389383" y="3385656"/>
+            <a:ext cx="1180730" cy="738664"/>
+          </a:xfrm>
+          <a:prstGeom prst="rect">
+            <a:avLst/>
+          </a:prstGeom>
+          <a:noFill/>
+        </p:spPr>
+        <p:txBody>
+          <a:bodyPr wrap="square" rtlCol="0">
+            <a:spAutoFit/>
+          </a:bodyPr>
+          <a:lstStyle/>
+          <a:p>
+            <a:pPr algn="ctr"/>
+            <a:r>
+              <a:rPr lang="en-GB" sz="1400" dirty="0"/>
+              <a:t>Sending message</a:t>
+            </a:r>
+            <a:br>
+              <a:rPr lang="en-GB" sz="1400" dirty="0"/>
+            </a:br>
+            <a:r>
+              <a:rPr lang="en-GB" sz="1400" dirty="0"/>
+              <a:t>to leader</a:t>
+            </a:r>
+          </a:p>
+        </p:txBody>
+      </p:sp>
+    </p:spTree>
+    <p:extLst>
+      <p:ext uri="{BB962C8B-B14F-4D97-AF65-F5344CB8AC3E}">
+        <p14:creationId xmlns:p14="http://schemas.microsoft.com/office/powerpoint/2010/main" val="2516637974"/>
+      </p:ext>
+    </p:extLst>
+  </p:cSld>
+  <p:clrMapOvr>
+    <a:masterClrMapping/>
+  </p:clrMapOvr>
+</p:sld>
+</file>
+
+<file path=ppt/slides/slide8.xml><?xml version="1.0" encoding="utf-8"?>
+<p:sld xmlns:a="http://schemas.openxmlformats.org/drawingml/2006/main" xmlns:r="http://schemas.openxmlformats.org/officeDocument/2006/relationships" xmlns:p="http://schemas.openxmlformats.org/presentationml/2006/main">
+  <p:cSld>
+    <p:spTree>
+      <p:nvGrpSpPr>
+        <p:cNvPr id="1" name=""/>
+        <p:cNvGrpSpPr/>
+        <p:nvPr/>
+      </p:nvGrpSpPr>
+      <p:grpSpPr>
+        <a:xfrm>
+          <a:off x="0" y="0"/>
+          <a:ext cx="0" cy="0"/>
+          <a:chOff x="0" y="0"/>
+          <a:chExt cx="0" cy="0"/>
+        </a:xfrm>
+      </p:grpSpPr>
+      <p:sp>
+        <p:nvSpPr>
+          <p:cNvPr id="6" name="TekstSylinder 5">
+            <a:extLst>
+              <a:ext uri="{FF2B5EF4-FFF2-40B4-BE49-F238E27FC236}">
+                <a16:creationId xmlns:a16="http://schemas.microsoft.com/office/drawing/2014/main" id="{4A7A06B0-582B-4B8F-8850-26041588B56C}"/>
+              </a:ext>
+            </a:extLst>
+          </p:cNvPr>
+          <p:cNvSpPr txBox="1"/>
+          <p:nvPr/>
+        </p:nvSpPr>
+        <p:spPr>
+          <a:xfrm rot="16200000">
+            <a:off x="-176087" y="3241766"/>
+            <a:ext cx="1180730" cy="523220"/>
+          </a:xfrm>
+          <a:prstGeom prst="rect">
+            <a:avLst/>
+          </a:prstGeom>
+          <a:noFill/>
+        </p:spPr>
+        <p:txBody>
+          <a:bodyPr wrap="square" rtlCol="0">
+            <a:spAutoFit/>
+          </a:bodyPr>
+          <a:lstStyle/>
+          <a:p>
+            <a:pPr algn="ctr"/>
+            <a:r>
+              <a:rPr lang="en-GB" sz="1400" dirty="0"/>
+              <a:t>Incoming message</a:t>
+            </a:r>
+          </a:p>
+        </p:txBody>
+      </p:sp>
+      <p:sp>
+        <p:nvSpPr>
+          <p:cNvPr id="14" name="Rektangel: avrundede hjørner 13">
+            <a:extLst>
+              <a:ext uri="{FF2B5EF4-FFF2-40B4-BE49-F238E27FC236}">
+                <a16:creationId xmlns:a16="http://schemas.microsoft.com/office/drawing/2014/main" id="{052B916A-AAD2-4064-9695-32587F12B341}"/>
+              </a:ext>
+            </a:extLst>
+          </p:cNvPr>
+          <p:cNvSpPr/>
+          <p:nvPr/>
+        </p:nvSpPr>
+        <p:spPr>
+          <a:xfrm rot="16200000">
+            <a:off x="1375590" y="4652940"/>
+            <a:ext cx="2125601" cy="816746"/>
+          </a:xfrm>
+          <a:prstGeom prst="roundRect">
+            <a:avLst/>
+          </a:prstGeom>
+          <a:ln w="28575"/>
+        </p:spPr>
+        <p:style>
+          <a:lnRef idx="2">
+            <a:schemeClr val="accent5"/>
+          </a:lnRef>
+          <a:fillRef idx="1">
+            <a:schemeClr val="lt1"/>
+          </a:fillRef>
+          <a:effectRef idx="0">
+            <a:schemeClr val="accent5"/>
+          </a:effectRef>
+          <a:fontRef idx="minor">
+            <a:schemeClr val="dk1"/>
+          </a:fontRef>
+        </p:style>
+        <p:txBody>
+          <a:bodyPr rtlCol="0" anchor="ctr"/>
+          <a:lstStyle/>
+          <a:p>
+            <a:pPr algn="ctr"/>
+            <a:r>
+              <a:rPr lang="en-GB" dirty="0" err="1"/>
+              <a:t>StringToNewView</a:t>
+            </a:r>
+            <a:r>
+              <a:rPr lang="en-GB" dirty="0"/>
+              <a:t>( )</a:t>
+            </a:r>
+          </a:p>
+        </p:txBody>
+      </p:sp>
+      <p:cxnSp>
+        <p:nvCxnSpPr>
+          <p:cNvPr id="16" name="Rett pilkobling 15">
+            <a:extLst>
+              <a:ext uri="{FF2B5EF4-FFF2-40B4-BE49-F238E27FC236}">
+                <a16:creationId xmlns:a16="http://schemas.microsoft.com/office/drawing/2014/main" id="{11F6C7ED-7414-467F-BD8E-5E1FE8E20085}"/>
+              </a:ext>
+            </a:extLst>
+          </p:cNvPr>
+          <p:cNvCxnSpPr>
+            <a:cxnSpLocks/>
+            <a:stCxn id="6" idx="2"/>
+            <a:endCxn id="14" idx="0"/>
+          </p:cNvCxnSpPr>
+          <p:nvPr/>
+        </p:nvCxnSpPr>
+        <p:spPr>
+          <a:xfrm>
+            <a:off x="675888" y="3503376"/>
+            <a:ext cx="1354130" cy="1557937"/>
+          </a:xfrm>
+          <a:prstGeom prst="straightConnector1">
+            <a:avLst/>
+          </a:prstGeom>
+          <a:ln>
+            <a:tailEnd type="triangle"/>
+          </a:ln>
+        </p:spPr>
+        <p:style>
+          <a:lnRef idx="3">
+            <a:schemeClr val="accent5"/>
+          </a:lnRef>
+          <a:fillRef idx="0">
+            <a:schemeClr val="accent5"/>
+          </a:fillRef>
+          <a:effectRef idx="2">
+            <a:schemeClr val="accent5"/>
+          </a:effectRef>
+          <a:fontRef idx="minor">
+            <a:schemeClr val="tx1"/>
+          </a:fontRef>
+        </p:style>
+      </p:cxnSp>
+      <p:cxnSp>
+        <p:nvCxnSpPr>
+          <p:cNvPr id="19" name="Rett pilkobling 18">
+            <a:extLst>
+              <a:ext uri="{FF2B5EF4-FFF2-40B4-BE49-F238E27FC236}">
+                <a16:creationId xmlns:a16="http://schemas.microsoft.com/office/drawing/2014/main" id="{7BDEA544-977A-439E-B6FC-A616505B0E95}"/>
+              </a:ext>
+            </a:extLst>
+          </p:cNvPr>
+          <p:cNvCxnSpPr>
+            <a:cxnSpLocks/>
+            <a:stCxn id="6" idx="2"/>
+            <a:endCxn id="43" idx="0"/>
+          </p:cNvCxnSpPr>
+          <p:nvPr/>
+        </p:nvCxnSpPr>
+        <p:spPr>
+          <a:xfrm flipV="1">
+            <a:off x="675888" y="1678760"/>
+            <a:ext cx="1354131" cy="1824616"/>
+          </a:xfrm>
+          <a:prstGeom prst="straightConnector1">
+            <a:avLst/>
+          </a:prstGeom>
+          <a:ln>
+            <a:tailEnd type="triangle"/>
+          </a:ln>
+        </p:spPr>
+        <p:style>
+          <a:lnRef idx="3">
+            <a:schemeClr val="accent5"/>
+          </a:lnRef>
+          <a:fillRef idx="0">
+            <a:schemeClr val="accent5"/>
+          </a:fillRef>
+          <a:effectRef idx="2">
+            <a:schemeClr val="accent5"/>
+          </a:effectRef>
+          <a:fontRef idx="minor">
+            <a:schemeClr val="tx1"/>
+          </a:fontRef>
+        </p:style>
+      </p:cxnSp>
+      <p:sp>
+        <p:nvSpPr>
+          <p:cNvPr id="23" name="TekstSylinder 22">
+            <a:extLst>
+              <a:ext uri="{FF2B5EF4-FFF2-40B4-BE49-F238E27FC236}">
+                <a16:creationId xmlns:a16="http://schemas.microsoft.com/office/drawing/2014/main" id="{F578D591-FA24-470A-94EF-857755DBCE8E}"/>
+              </a:ext>
+            </a:extLst>
+          </p:cNvPr>
+          <p:cNvSpPr txBox="1"/>
+          <p:nvPr/>
+        </p:nvSpPr>
+        <p:spPr>
+          <a:xfrm rot="13766076">
+            <a:off x="453333" y="4111423"/>
+            <a:ext cx="1180730" cy="646331"/>
+          </a:xfrm>
+          <a:prstGeom prst="rect">
+            <a:avLst/>
+          </a:prstGeom>
+          <a:noFill/>
+        </p:spPr>
+        <p:txBody>
+          <a:bodyPr wrap="square" rtlCol="0">
+            <a:spAutoFit/>
+          </a:bodyPr>
+          <a:lstStyle/>
+          <a:p>
+            <a:pPr algn="ctr"/>
+            <a:r>
+              <a:rPr lang="en-GB" dirty="0">
+                <a:solidFill>
+                  <a:schemeClr val="accent6"/>
+                </a:solidFill>
+              </a:rPr>
+              <a:t>NewView string</a:t>
+            </a:r>
+          </a:p>
+        </p:txBody>
+      </p:sp>
+      <p:sp>
+        <p:nvSpPr>
+          <p:cNvPr id="24" name="TekstSylinder 23">
+            <a:extLst>
+              <a:ext uri="{FF2B5EF4-FFF2-40B4-BE49-F238E27FC236}">
+                <a16:creationId xmlns:a16="http://schemas.microsoft.com/office/drawing/2014/main" id="{62658CA3-38F5-47B0-AC44-556D82DBA6BB}"/>
+              </a:ext>
+            </a:extLst>
+          </p:cNvPr>
+          <p:cNvSpPr txBox="1"/>
+          <p:nvPr/>
+        </p:nvSpPr>
+        <p:spPr>
+          <a:xfrm rot="18411140">
+            <a:off x="489460" y="2094488"/>
+            <a:ext cx="1180730" cy="646331"/>
+          </a:xfrm>
+          <a:prstGeom prst="rect">
+            <a:avLst/>
+          </a:prstGeom>
+          <a:noFill/>
+        </p:spPr>
+        <p:txBody>
+          <a:bodyPr wrap="square" rtlCol="0">
+            <a:spAutoFit/>
+          </a:bodyPr>
+          <a:lstStyle/>
+          <a:p>
+            <a:pPr algn="ctr"/>
+            <a:r>
+              <a:rPr lang="en-GB" dirty="0">
+                <a:solidFill>
+                  <a:schemeClr val="accent6"/>
+                </a:solidFill>
+              </a:rPr>
+              <a:t>Proposal string</a:t>
+            </a:r>
+          </a:p>
+        </p:txBody>
+      </p:sp>
+      <p:sp>
+        <p:nvSpPr>
+          <p:cNvPr id="32" name="Rektangel: avrundede hjørner 31">
+            <a:extLst>
+              <a:ext uri="{FF2B5EF4-FFF2-40B4-BE49-F238E27FC236}">
+                <a16:creationId xmlns:a16="http://schemas.microsoft.com/office/drawing/2014/main" id="{0D16BEF9-9219-4886-A590-0366952918C6}"/>
+              </a:ext>
+            </a:extLst>
+          </p:cNvPr>
+          <p:cNvSpPr/>
+          <p:nvPr/>
+        </p:nvSpPr>
+        <p:spPr>
+          <a:xfrm rot="16200000">
+            <a:off x="3610249" y="4652940"/>
+            <a:ext cx="1722268" cy="816746"/>
+          </a:xfrm>
+          <a:prstGeom prst="roundRect">
+            <a:avLst/>
+          </a:prstGeom>
+          <a:ln w="28575"/>
+        </p:spPr>
+        <p:style>
+          <a:lnRef idx="2">
+            <a:schemeClr val="accent5"/>
+          </a:lnRef>
+          <a:fillRef idx="1">
+            <a:schemeClr val="lt1"/>
+          </a:fillRef>
+          <a:effectRef idx="0">
+            <a:schemeClr val="accent5"/>
+          </a:effectRef>
+          <a:fontRef idx="minor">
+            <a:schemeClr val="dk1"/>
+          </a:fontRef>
+        </p:style>
+        <p:txBody>
+          <a:bodyPr rtlCol="0" anchor="ctr"/>
+          <a:lstStyle/>
+          <a:p>
+            <a:pPr algn="ctr"/>
+            <a:r>
+              <a:rPr lang="en-GB" dirty="0" err="1"/>
+              <a:t>OnNewView</a:t>
+            </a:r>
+            <a:r>
+              <a:rPr lang="en-GB" dirty="0"/>
+              <a:t>( )</a:t>
+            </a:r>
+          </a:p>
+        </p:txBody>
+      </p:sp>
+      <p:cxnSp>
+        <p:nvCxnSpPr>
+          <p:cNvPr id="34" name="Rett pilkobling 33">
+            <a:extLst>
+              <a:ext uri="{FF2B5EF4-FFF2-40B4-BE49-F238E27FC236}">
+                <a16:creationId xmlns:a16="http://schemas.microsoft.com/office/drawing/2014/main" id="{A097FC38-14B1-494C-BE7B-9A97219BE6C5}"/>
+              </a:ext>
+            </a:extLst>
+          </p:cNvPr>
+          <p:cNvCxnSpPr>
+            <a:cxnSpLocks/>
+            <a:endCxn id="32" idx="0"/>
+          </p:cNvCxnSpPr>
+          <p:nvPr/>
+        </p:nvCxnSpPr>
+        <p:spPr>
+          <a:xfrm>
+            <a:off x="2854370" y="5061313"/>
+            <a:ext cx="1208640" cy="0"/>
+          </a:xfrm>
+          <a:prstGeom prst="straightConnector1">
+            <a:avLst/>
+          </a:prstGeom>
+          <a:ln>
+            <a:tailEnd type="triangle"/>
+          </a:ln>
+        </p:spPr>
+        <p:style>
+          <a:lnRef idx="3">
+            <a:schemeClr val="accent5"/>
+          </a:lnRef>
+          <a:fillRef idx="0">
+            <a:schemeClr val="accent5"/>
+          </a:fillRef>
+          <a:effectRef idx="2">
+            <a:schemeClr val="accent5"/>
+          </a:effectRef>
+          <a:fontRef idx="minor">
+            <a:schemeClr val="tx1"/>
+          </a:fontRef>
+        </p:style>
+      </p:cxnSp>
+      <p:sp>
+        <p:nvSpPr>
+          <p:cNvPr id="36" name="TekstSylinder 35">
+            <a:extLst>
+              <a:ext uri="{FF2B5EF4-FFF2-40B4-BE49-F238E27FC236}">
+                <a16:creationId xmlns:a16="http://schemas.microsoft.com/office/drawing/2014/main" id="{A4844A29-C5EF-45CE-A220-376BD22060BD}"/>
+              </a:ext>
+            </a:extLst>
+          </p:cNvPr>
+          <p:cNvSpPr txBox="1"/>
+          <p:nvPr/>
+        </p:nvSpPr>
+        <p:spPr>
+          <a:xfrm>
+            <a:off x="2868325" y="4604563"/>
+            <a:ext cx="1180730" cy="369332"/>
+          </a:xfrm>
+          <a:prstGeom prst="rect">
+            <a:avLst/>
+          </a:prstGeom>
+          <a:noFill/>
+        </p:spPr>
+        <p:txBody>
+          <a:bodyPr wrap="square" rtlCol="0">
+            <a:spAutoFit/>
+          </a:bodyPr>
+          <a:lstStyle/>
+          <a:p>
+            <a:pPr algn="ctr"/>
+            <a:r>
+              <a:rPr lang="en-GB" dirty="0">
+                <a:solidFill>
+                  <a:schemeClr val="accent6"/>
+                </a:solidFill>
+              </a:rPr>
+              <a:t>NewView</a:t>
+            </a:r>
+          </a:p>
+        </p:txBody>
+      </p:sp>
+      <p:sp>
+        <p:nvSpPr>
+          <p:cNvPr id="43" name="Rektangel: avrundede hjørner 42">
+            <a:extLst>
+              <a:ext uri="{FF2B5EF4-FFF2-40B4-BE49-F238E27FC236}">
+                <a16:creationId xmlns:a16="http://schemas.microsoft.com/office/drawing/2014/main" id="{B69BF95A-B226-49B5-B8EB-CDC0DF519744}"/>
+              </a:ext>
+            </a:extLst>
+          </p:cNvPr>
+          <p:cNvSpPr/>
+          <p:nvPr/>
+        </p:nvSpPr>
+        <p:spPr>
+          <a:xfrm rot="16200000">
+            <a:off x="1577258" y="1270387"/>
+            <a:ext cx="1722268" cy="816746"/>
+          </a:xfrm>
+          <a:prstGeom prst="roundRect">
+            <a:avLst/>
+          </a:prstGeom>
+          <a:ln w="28575"/>
+        </p:spPr>
+        <p:style>
+          <a:lnRef idx="2">
+            <a:schemeClr val="accent5"/>
+          </a:lnRef>
+          <a:fillRef idx="1">
+            <a:schemeClr val="lt1"/>
+          </a:fillRef>
+          <a:effectRef idx="0">
+            <a:schemeClr val="accent5"/>
+          </a:effectRef>
+          <a:fontRef idx="minor">
+            <a:schemeClr val="dk1"/>
+          </a:fontRef>
+        </p:style>
+        <p:txBody>
+          <a:bodyPr rtlCol="0" anchor="ctr"/>
+          <a:lstStyle/>
+          <a:p>
+            <a:pPr algn="ctr"/>
+            <a:r>
+              <a:rPr lang="en-GB" dirty="0"/>
+              <a:t>Format string to block</a:t>
+            </a:r>
+          </a:p>
+        </p:txBody>
+      </p:sp>
+      <p:sp>
+        <p:nvSpPr>
+          <p:cNvPr id="44" name="Rektangel: avrundede hjørner 43">
+            <a:extLst>
+              <a:ext uri="{FF2B5EF4-FFF2-40B4-BE49-F238E27FC236}">
+                <a16:creationId xmlns:a16="http://schemas.microsoft.com/office/drawing/2014/main" id="{2D197A83-BCDE-4BAC-842D-047AC9D0FEE5}"/>
+              </a:ext>
+            </a:extLst>
+          </p:cNvPr>
+          <p:cNvSpPr/>
+          <p:nvPr/>
+        </p:nvSpPr>
+        <p:spPr>
+          <a:xfrm rot="16200000">
+            <a:off x="3201876" y="1270387"/>
+            <a:ext cx="1722268" cy="816746"/>
+          </a:xfrm>
+          <a:prstGeom prst="roundRect">
+            <a:avLst/>
+          </a:prstGeom>
+          <a:ln w="28575"/>
+        </p:spPr>
+        <p:style>
+          <a:lnRef idx="2">
+            <a:schemeClr val="accent5"/>
+          </a:lnRef>
+          <a:fillRef idx="1">
+            <a:schemeClr val="lt1"/>
+          </a:fillRef>
+          <a:effectRef idx="0">
+            <a:schemeClr val="accent5"/>
+          </a:effectRef>
+          <a:fontRef idx="minor">
+            <a:schemeClr val="dk1"/>
+          </a:fontRef>
+        </p:style>
+        <p:txBody>
+          <a:bodyPr rtlCol="0" anchor="ctr"/>
+          <a:lstStyle/>
+          <a:p>
+            <a:pPr algn="ctr"/>
+            <a:r>
+              <a:rPr lang="en-GB" dirty="0" err="1"/>
+              <a:t>OnPropose</a:t>
+            </a:r>
+            <a:r>
+              <a:rPr lang="en-GB" dirty="0"/>
+              <a:t>( )</a:t>
+            </a:r>
+          </a:p>
+        </p:txBody>
+      </p:sp>
+      <p:sp>
+        <p:nvSpPr>
+          <p:cNvPr id="45" name="TekstSylinder 44">
+            <a:extLst>
+              <a:ext uri="{FF2B5EF4-FFF2-40B4-BE49-F238E27FC236}">
+                <a16:creationId xmlns:a16="http://schemas.microsoft.com/office/drawing/2014/main" id="{AAB2E734-C34A-4857-8820-67B1EFEC3453}"/>
+              </a:ext>
+            </a:extLst>
+          </p:cNvPr>
+          <p:cNvSpPr txBox="1"/>
+          <p:nvPr/>
+        </p:nvSpPr>
+        <p:spPr>
+          <a:xfrm>
+            <a:off x="2660335" y="1309429"/>
+            <a:ext cx="1180730" cy="369332"/>
+          </a:xfrm>
+          <a:prstGeom prst="rect">
+            <a:avLst/>
+          </a:prstGeom>
+          <a:noFill/>
+        </p:spPr>
+        <p:txBody>
+          <a:bodyPr wrap="square" rtlCol="0">
+            <a:spAutoFit/>
+          </a:bodyPr>
+          <a:lstStyle/>
+          <a:p>
+            <a:pPr algn="ctr"/>
+            <a:r>
+              <a:rPr lang="en-GB" dirty="0">
+                <a:solidFill>
+                  <a:schemeClr val="accent6"/>
+                </a:solidFill>
+              </a:rPr>
+              <a:t>block</a:t>
+            </a:r>
+          </a:p>
+        </p:txBody>
+      </p:sp>
+      <p:cxnSp>
+        <p:nvCxnSpPr>
+          <p:cNvPr id="46" name="Rett pilkobling 45">
+            <a:extLst>
+              <a:ext uri="{FF2B5EF4-FFF2-40B4-BE49-F238E27FC236}">
+                <a16:creationId xmlns:a16="http://schemas.microsoft.com/office/drawing/2014/main" id="{F340C16A-D0BE-454A-9CA9-C19ABB717A11}"/>
+              </a:ext>
+            </a:extLst>
+          </p:cNvPr>
+          <p:cNvCxnSpPr>
+            <a:stCxn id="43" idx="2"/>
+            <a:endCxn id="44" idx="0"/>
+          </p:cNvCxnSpPr>
+          <p:nvPr/>
+        </p:nvCxnSpPr>
+        <p:spPr>
+          <a:xfrm rot="16200000" flipH="1">
+            <a:off x="3250700" y="1274824"/>
+            <a:ext cx="1" cy="807872"/>
+          </a:xfrm>
+          <a:prstGeom prst="straightConnector1">
+            <a:avLst/>
+          </a:prstGeom>
+          <a:ln>
+            <a:tailEnd type="triangle"/>
+          </a:ln>
+        </p:spPr>
+        <p:style>
+          <a:lnRef idx="3">
+            <a:schemeClr val="accent5"/>
+          </a:lnRef>
+          <a:fillRef idx="0">
+            <a:schemeClr val="accent5"/>
+          </a:fillRef>
+          <a:effectRef idx="2">
+            <a:schemeClr val="accent5"/>
+          </a:effectRef>
+          <a:fontRef idx="minor">
+            <a:schemeClr val="tx1"/>
+          </a:fontRef>
+        </p:style>
+      </p:cxnSp>
+      <p:sp>
+        <p:nvSpPr>
+          <p:cNvPr id="47" name="Rektangel: avrundede hjørner 46">
+            <a:extLst>
+              <a:ext uri="{FF2B5EF4-FFF2-40B4-BE49-F238E27FC236}">
+                <a16:creationId xmlns:a16="http://schemas.microsoft.com/office/drawing/2014/main" id="{22648DEF-D313-4F4F-85BE-21A66811C5B8}"/>
+              </a:ext>
+            </a:extLst>
+          </p:cNvPr>
+          <p:cNvSpPr/>
+          <p:nvPr/>
+        </p:nvSpPr>
+        <p:spPr>
+          <a:xfrm rot="16200000">
+            <a:off x="4540190" y="1299239"/>
+            <a:ext cx="2303751" cy="816746"/>
+          </a:xfrm>
+          <a:prstGeom prst="roundRect">
+            <a:avLst/>
+          </a:prstGeom>
+          <a:ln w="28575"/>
+        </p:spPr>
+        <p:style>
+          <a:lnRef idx="2">
+            <a:schemeClr val="accent5"/>
+          </a:lnRef>
+          <a:fillRef idx="1">
+            <a:schemeClr val="lt1"/>
+          </a:fillRef>
+          <a:effectRef idx="0">
+            <a:schemeClr val="accent5"/>
+          </a:effectRef>
+          <a:fontRef idx="minor">
+            <a:schemeClr val="dk1"/>
+          </a:fontRef>
+        </p:style>
+        <p:txBody>
+          <a:bodyPr rtlCol="0" anchor="ctr"/>
+          <a:lstStyle/>
+          <a:p>
+            <a:pPr algn="ctr"/>
+            <a:r>
+              <a:rPr lang="en-GB" dirty="0" err="1"/>
+              <a:t>StringToPartialCert</a:t>
+            </a:r>
+            <a:r>
+              <a:rPr lang="en-GB" dirty="0"/>
+              <a:t>( )</a:t>
+            </a:r>
+          </a:p>
+        </p:txBody>
+      </p:sp>
+      <p:sp>
+        <p:nvSpPr>
+          <p:cNvPr id="48" name="TekstSylinder 47">
+            <a:extLst>
+              <a:ext uri="{FF2B5EF4-FFF2-40B4-BE49-F238E27FC236}">
+                <a16:creationId xmlns:a16="http://schemas.microsoft.com/office/drawing/2014/main" id="{80323FAF-DD3C-42E5-BD44-7D920E30A779}"/>
+              </a:ext>
+            </a:extLst>
+          </p:cNvPr>
+          <p:cNvSpPr txBox="1"/>
+          <p:nvPr/>
+        </p:nvSpPr>
+        <p:spPr>
+          <a:xfrm>
+            <a:off x="4284954" y="1032431"/>
+            <a:ext cx="1180730" cy="646331"/>
+          </a:xfrm>
+          <a:prstGeom prst="rect">
+            <a:avLst/>
+          </a:prstGeom>
+          <a:noFill/>
+        </p:spPr>
+        <p:txBody>
+          <a:bodyPr wrap="square" rtlCol="0">
+            <a:spAutoFit/>
+          </a:bodyPr>
+          <a:lstStyle/>
+          <a:p>
+            <a:pPr algn="ctr"/>
+            <a:r>
+              <a:rPr lang="en-GB" dirty="0">
+                <a:solidFill>
+                  <a:schemeClr val="accent6"/>
+                </a:solidFill>
+              </a:rPr>
+              <a:t>PC</a:t>
+            </a:r>
+            <a:br>
+              <a:rPr lang="en-GB" dirty="0">
+                <a:solidFill>
+                  <a:schemeClr val="accent6"/>
+                </a:solidFill>
+              </a:rPr>
+            </a:br>
+            <a:r>
+              <a:rPr lang="en-GB" dirty="0">
+                <a:solidFill>
+                  <a:schemeClr val="accent6"/>
+                </a:solidFill>
+              </a:rPr>
+              <a:t>string</a:t>
+            </a:r>
+          </a:p>
+        </p:txBody>
+      </p:sp>
+      <p:cxnSp>
+        <p:nvCxnSpPr>
+          <p:cNvPr id="49" name="Rett pilkobling 48">
+            <a:extLst>
+              <a:ext uri="{FF2B5EF4-FFF2-40B4-BE49-F238E27FC236}">
+                <a16:creationId xmlns:a16="http://schemas.microsoft.com/office/drawing/2014/main" id="{681A934A-B23F-4DD9-84B7-DFAD6E3534E0}"/>
+              </a:ext>
+            </a:extLst>
+          </p:cNvPr>
+          <p:cNvCxnSpPr>
+            <a:cxnSpLocks/>
+            <a:stCxn id="44" idx="2"/>
+            <a:endCxn id="47" idx="0"/>
+          </p:cNvCxnSpPr>
+          <p:nvPr/>
+        </p:nvCxnSpPr>
+        <p:spPr>
+          <a:xfrm>
+            <a:off x="4471383" y="1678760"/>
+            <a:ext cx="812310" cy="28852"/>
+          </a:xfrm>
+          <a:prstGeom prst="straightConnector1">
+            <a:avLst/>
+          </a:prstGeom>
+          <a:ln>
+            <a:tailEnd type="triangle"/>
+          </a:ln>
+        </p:spPr>
+        <p:style>
+          <a:lnRef idx="3">
+            <a:schemeClr val="accent5"/>
+          </a:lnRef>
+          <a:fillRef idx="0">
+            <a:schemeClr val="accent5"/>
+          </a:fillRef>
+          <a:effectRef idx="2">
+            <a:schemeClr val="accent5"/>
+          </a:effectRef>
+          <a:fontRef idx="minor">
+            <a:schemeClr val="tx1"/>
+          </a:fontRef>
+        </p:style>
+      </p:cxnSp>
+      <p:sp>
+        <p:nvSpPr>
+          <p:cNvPr id="50" name="Rektangel: avrundede hjørner 49">
+            <a:extLst>
+              <a:ext uri="{FF2B5EF4-FFF2-40B4-BE49-F238E27FC236}">
+                <a16:creationId xmlns:a16="http://schemas.microsoft.com/office/drawing/2014/main" id="{7476F49B-CF60-4016-9380-51AC197D15B5}"/>
+              </a:ext>
+            </a:extLst>
+          </p:cNvPr>
+          <p:cNvSpPr/>
+          <p:nvPr/>
+        </p:nvSpPr>
+        <p:spPr>
+          <a:xfrm rot="16200000">
+            <a:off x="6451114" y="1270387"/>
+            <a:ext cx="1722268" cy="816746"/>
+          </a:xfrm>
+          <a:prstGeom prst="roundRect">
+            <a:avLst/>
+          </a:prstGeom>
+          <a:ln w="28575"/>
+        </p:spPr>
+        <p:style>
+          <a:lnRef idx="2">
+            <a:schemeClr val="accent5"/>
+          </a:lnRef>
+          <a:fillRef idx="1">
+            <a:schemeClr val="lt1"/>
+          </a:fillRef>
+          <a:effectRef idx="0">
+            <a:schemeClr val="accent5"/>
+          </a:effectRef>
+          <a:fontRef idx="minor">
+            <a:schemeClr val="dk1"/>
+          </a:fontRef>
+        </p:style>
+        <p:txBody>
+          <a:bodyPr rtlCol="0" anchor="ctr"/>
+          <a:lstStyle/>
+          <a:p>
+            <a:pPr algn="ctr"/>
+            <a:r>
+              <a:rPr lang="en-GB" dirty="0" err="1"/>
+              <a:t>OnVote</a:t>
+            </a:r>
+            <a:r>
+              <a:rPr lang="en-GB" dirty="0"/>
+              <a:t>( )</a:t>
+            </a:r>
+          </a:p>
+        </p:txBody>
+      </p:sp>
+      <p:cxnSp>
+        <p:nvCxnSpPr>
+          <p:cNvPr id="51" name="Rett pilkobling 50">
+            <a:extLst>
+              <a:ext uri="{FF2B5EF4-FFF2-40B4-BE49-F238E27FC236}">
+                <a16:creationId xmlns:a16="http://schemas.microsoft.com/office/drawing/2014/main" id="{21FF18B9-FCC6-4319-BEB9-EEA8F3D97D23}"/>
+              </a:ext>
+            </a:extLst>
+          </p:cNvPr>
+          <p:cNvCxnSpPr>
+            <a:cxnSpLocks/>
+          </p:cNvCxnSpPr>
+          <p:nvPr/>
+        </p:nvCxnSpPr>
+        <p:spPr>
+          <a:xfrm rot="16200000" flipH="1">
+            <a:off x="6506593" y="1272606"/>
+            <a:ext cx="2" cy="812310"/>
+          </a:xfrm>
+          <a:prstGeom prst="straightConnector1">
+            <a:avLst/>
+          </a:prstGeom>
+          <a:ln>
+            <a:tailEnd type="triangle"/>
+          </a:ln>
+        </p:spPr>
+        <p:style>
+          <a:lnRef idx="3">
+            <a:schemeClr val="accent5"/>
+          </a:lnRef>
+          <a:fillRef idx="0">
+            <a:schemeClr val="accent5"/>
+          </a:fillRef>
+          <a:effectRef idx="2">
+            <a:schemeClr val="accent5"/>
+          </a:effectRef>
+          <a:fontRef idx="minor">
+            <a:schemeClr val="tx1"/>
+          </a:fontRef>
+        </p:style>
+      </p:cxnSp>
+      <p:sp>
+        <p:nvSpPr>
+          <p:cNvPr id="52" name="TekstSylinder 51">
+            <a:extLst>
+              <a:ext uri="{FF2B5EF4-FFF2-40B4-BE49-F238E27FC236}">
+                <a16:creationId xmlns:a16="http://schemas.microsoft.com/office/drawing/2014/main" id="{21A32F60-4FF8-4312-8D88-653B17066E6A}"/>
+              </a:ext>
+            </a:extLst>
+          </p:cNvPr>
+          <p:cNvSpPr txBox="1"/>
+          <p:nvPr/>
+        </p:nvSpPr>
+        <p:spPr>
+          <a:xfrm>
+            <a:off x="5916229" y="1309430"/>
+            <a:ext cx="1180730" cy="369332"/>
+          </a:xfrm>
+          <a:prstGeom prst="rect">
+            <a:avLst/>
+          </a:prstGeom>
+          <a:noFill/>
+        </p:spPr>
+        <p:txBody>
+          <a:bodyPr wrap="square" rtlCol="0">
+            <a:spAutoFit/>
+          </a:bodyPr>
+          <a:lstStyle/>
+          <a:p>
+            <a:pPr algn="ctr"/>
+            <a:r>
+              <a:rPr lang="en-GB" dirty="0">
+                <a:solidFill>
+                  <a:schemeClr val="accent6"/>
+                </a:solidFill>
+              </a:rPr>
+              <a:t>PC</a:t>
+            </a:r>
+          </a:p>
+        </p:txBody>
+      </p:sp>
+      <p:cxnSp>
+        <p:nvCxnSpPr>
+          <p:cNvPr id="53" name="Rett pilkobling 52">
+            <a:extLst>
+              <a:ext uri="{FF2B5EF4-FFF2-40B4-BE49-F238E27FC236}">
+                <a16:creationId xmlns:a16="http://schemas.microsoft.com/office/drawing/2014/main" id="{3ED4985B-DE56-4A58-9B75-1E68A23D8F1C}"/>
+              </a:ext>
+            </a:extLst>
+          </p:cNvPr>
+          <p:cNvCxnSpPr>
+            <a:cxnSpLocks/>
+          </p:cNvCxnSpPr>
+          <p:nvPr/>
+        </p:nvCxnSpPr>
+        <p:spPr>
+          <a:xfrm rot="16200000" flipH="1">
+            <a:off x="8131211" y="1272605"/>
+            <a:ext cx="2" cy="812310"/>
+          </a:xfrm>
+          <a:prstGeom prst="straightConnector1">
+            <a:avLst/>
+          </a:prstGeom>
+          <a:ln>
+            <a:tailEnd type="triangle"/>
+          </a:ln>
+        </p:spPr>
+        <p:style>
+          <a:lnRef idx="3">
+            <a:schemeClr val="accent5"/>
+          </a:lnRef>
+          <a:fillRef idx="0">
+            <a:schemeClr val="accent5"/>
+          </a:fillRef>
+          <a:effectRef idx="2">
+            <a:schemeClr val="accent5"/>
+          </a:effectRef>
+          <a:fontRef idx="minor">
+            <a:schemeClr val="tx1"/>
+          </a:fontRef>
+        </p:style>
+      </p:cxnSp>
+      <p:sp>
+        <p:nvSpPr>
+          <p:cNvPr id="54" name="TekstSylinder 53">
+            <a:extLst>
+              <a:ext uri="{FF2B5EF4-FFF2-40B4-BE49-F238E27FC236}">
+                <a16:creationId xmlns:a16="http://schemas.microsoft.com/office/drawing/2014/main" id="{A830F8FA-A317-46C4-880F-E2AE71BEB531}"/>
+              </a:ext>
+            </a:extLst>
+          </p:cNvPr>
+          <p:cNvSpPr txBox="1"/>
+          <p:nvPr/>
+        </p:nvSpPr>
+        <p:spPr>
+          <a:xfrm rot="16200000">
+            <a:off x="7582729" y="1899791"/>
+            <a:ext cx="1180730" cy="738664"/>
+          </a:xfrm>
+          <a:prstGeom prst="rect">
+            <a:avLst/>
+          </a:prstGeom>
+          <a:noFill/>
+        </p:spPr>
+        <p:txBody>
+          <a:bodyPr wrap="square" rtlCol="0">
+            <a:spAutoFit/>
+          </a:bodyPr>
+          <a:lstStyle/>
+          <a:p>
+            <a:pPr algn="ctr"/>
+            <a:r>
+              <a:rPr lang="en-GB" sz="1400" dirty="0"/>
+              <a:t>Sending message</a:t>
+            </a:r>
+            <a:br>
+              <a:rPr lang="en-GB" sz="1400" dirty="0"/>
+            </a:br>
+            <a:r>
+              <a:rPr lang="en-GB" sz="1400" dirty="0"/>
+              <a:t>to leader</a:t>
+            </a:r>
+          </a:p>
+        </p:txBody>
+      </p:sp>
+    </p:spTree>
+    <p:extLst>
+      <p:ext uri="{BB962C8B-B14F-4D97-AF65-F5344CB8AC3E}">
+        <p14:creationId xmlns:p14="http://schemas.microsoft.com/office/powerpoint/2010/main" val="3303132452"/>
+      </p:ext>
+    </p:extLst>
+  </p:cSld>
+  <p:clrMapOvr>
+    <a:masterClrMapping/>
+  </p:clrMapOvr>
+</p:sld>
+</file>
+
+<file path=ppt/slides/slide9.xml><?xml version="1.0" encoding="utf-8"?>
+<p:sld xmlns:a="http://schemas.openxmlformats.org/drawingml/2006/main" xmlns:r="http://schemas.openxmlformats.org/officeDocument/2006/relationships" xmlns:p="http://schemas.openxmlformats.org/presentationml/2006/main">
+  <p:cSld>
+    <p:spTree>
+      <p:nvGrpSpPr>
+        <p:cNvPr id="1" name=""/>
+        <p:cNvGrpSpPr/>
+        <p:nvPr/>
+      </p:nvGrpSpPr>
+      <p:grpSpPr>
+        <a:xfrm>
+          <a:off x="0" y="0"/>
+          <a:ext cx="0" cy="0"/>
+          <a:chOff x="0" y="0"/>
+          <a:chExt cx="0" cy="0"/>
+        </a:xfrm>
+      </p:grpSpPr>
+      <p:sp>
+        <p:nvSpPr>
+          <p:cNvPr id="4" name="Rektangel: avrundede hjørner 3">
+            <a:extLst>
+              <a:ext uri="{FF2B5EF4-FFF2-40B4-BE49-F238E27FC236}">
+                <a16:creationId xmlns:a16="http://schemas.microsoft.com/office/drawing/2014/main" id="{4161D280-1C53-4638-B4B7-19569939165C}"/>
+              </a:ext>
+            </a:extLst>
+          </p:cNvPr>
+          <p:cNvSpPr/>
+          <p:nvPr/>
+        </p:nvSpPr>
+        <p:spPr>
+          <a:xfrm rot="16200000">
+            <a:off x="1198406" y="2860827"/>
+            <a:ext cx="1722268" cy="816746"/>
+          </a:xfrm>
+          <a:prstGeom prst="roundRect">
+            <a:avLst/>
+          </a:prstGeom>
+          <a:ln w="28575"/>
+        </p:spPr>
+        <p:style>
+          <a:lnRef idx="2">
+            <a:schemeClr val="accent5"/>
+          </a:lnRef>
+          <a:fillRef idx="1">
+            <a:schemeClr val="lt1"/>
+          </a:fillRef>
+          <a:effectRef idx="0">
+            <a:schemeClr val="accent5"/>
+          </a:effectRef>
+          <a:fontRef idx="minor">
+            <a:schemeClr val="dk1"/>
+          </a:fontRef>
+        </p:style>
+        <p:txBody>
+          <a:bodyPr rtlCol="0" anchor="ctr"/>
+          <a:lstStyle/>
+          <a:p>
+            <a:pPr algn="ctr"/>
+            <a:r>
+              <a:rPr lang="en-GB" dirty="0"/>
+              <a:t>NewView( )</a:t>
+            </a:r>
+          </a:p>
+        </p:txBody>
+      </p:sp>
+      <p:cxnSp>
+        <p:nvCxnSpPr>
+          <p:cNvPr id="5" name="Rett pilkobling 4">
+            <a:extLst>
+              <a:ext uri="{FF2B5EF4-FFF2-40B4-BE49-F238E27FC236}">
+                <a16:creationId xmlns:a16="http://schemas.microsoft.com/office/drawing/2014/main" id="{285962F7-E58F-4C75-BA23-AAC0492A250E}"/>
+              </a:ext>
+            </a:extLst>
+          </p:cNvPr>
+          <p:cNvCxnSpPr>
+            <a:cxnSpLocks/>
+            <a:endCxn id="4" idx="0"/>
+          </p:cNvCxnSpPr>
+          <p:nvPr/>
+        </p:nvCxnSpPr>
+        <p:spPr>
+          <a:xfrm rot="16200000">
+            <a:off x="1247234" y="2865267"/>
+            <a:ext cx="0" cy="807867"/>
+          </a:xfrm>
+          <a:prstGeom prst="straightConnector1">
+            <a:avLst/>
+          </a:prstGeom>
+          <a:ln>
+            <a:tailEnd type="triangle"/>
+          </a:ln>
+        </p:spPr>
+        <p:style>
+          <a:lnRef idx="3">
+            <a:schemeClr val="accent5"/>
+          </a:lnRef>
+          <a:fillRef idx="0">
+            <a:schemeClr val="accent5"/>
+          </a:fillRef>
+          <a:effectRef idx="2">
+            <a:schemeClr val="accent5"/>
+          </a:effectRef>
+          <a:fontRef idx="minor">
+            <a:schemeClr val="tx1"/>
+          </a:fontRef>
+        </p:style>
+      </p:cxnSp>
+      <p:sp>
+        <p:nvSpPr>
+          <p:cNvPr id="6" name="TekstSylinder 5">
+            <a:extLst>
+              <a:ext uri="{FF2B5EF4-FFF2-40B4-BE49-F238E27FC236}">
+                <a16:creationId xmlns:a16="http://schemas.microsoft.com/office/drawing/2014/main" id="{F95A6CE0-1E9F-4EB8-AC17-7848B976072C}"/>
+              </a:ext>
+            </a:extLst>
+          </p:cNvPr>
+          <p:cNvSpPr txBox="1"/>
+          <p:nvPr/>
+        </p:nvSpPr>
+        <p:spPr>
+          <a:xfrm rot="16200000">
+            <a:off x="612764" y="3597958"/>
+            <a:ext cx="1180730" cy="523220"/>
+          </a:xfrm>
+          <a:prstGeom prst="rect">
+            <a:avLst/>
+          </a:prstGeom>
+          <a:noFill/>
+        </p:spPr>
+        <p:txBody>
+          <a:bodyPr wrap="square" rtlCol="0">
+            <a:spAutoFit/>
+          </a:bodyPr>
+          <a:lstStyle/>
+          <a:p>
+            <a:pPr algn="ctr"/>
+            <a:r>
+              <a:rPr lang="en-GB" sz="1400" dirty="0"/>
+              <a:t>NewView timeout</a:t>
+            </a:r>
+          </a:p>
+        </p:txBody>
+      </p:sp>
+      <p:sp>
+        <p:nvSpPr>
+          <p:cNvPr id="7" name="Rektangel: avrundede hjørner 6">
+            <a:extLst>
+              <a:ext uri="{FF2B5EF4-FFF2-40B4-BE49-F238E27FC236}">
+                <a16:creationId xmlns:a16="http://schemas.microsoft.com/office/drawing/2014/main" id="{AFE62CAE-C6FC-4BEC-B8A9-A1834A985A2D}"/>
+              </a:ext>
+            </a:extLst>
+          </p:cNvPr>
+          <p:cNvSpPr/>
+          <p:nvPr/>
+        </p:nvSpPr>
+        <p:spPr>
+          <a:xfrm rot="16200000">
+            <a:off x="4004572" y="1338810"/>
+            <a:ext cx="2294216" cy="816746"/>
+          </a:xfrm>
+          <a:prstGeom prst="roundRect">
+            <a:avLst/>
+          </a:prstGeom>
+          <a:ln w="28575"/>
+        </p:spPr>
+        <p:style>
+          <a:lnRef idx="2">
+            <a:schemeClr val="accent5"/>
+          </a:lnRef>
+          <a:fillRef idx="1">
+            <a:schemeClr val="lt1"/>
+          </a:fillRef>
+          <a:effectRef idx="0">
+            <a:schemeClr val="accent5"/>
+          </a:effectRef>
+          <a:fontRef idx="minor">
+            <a:schemeClr val="dk1"/>
+          </a:fontRef>
+        </p:style>
+        <p:txBody>
+          <a:bodyPr rtlCol="0" anchor="ctr"/>
+          <a:lstStyle/>
+          <a:p>
+            <a:pPr algn="ctr"/>
+            <a:r>
+              <a:rPr lang="en-GB" dirty="0"/>
+              <a:t>NewViewToString( )</a:t>
+            </a:r>
+          </a:p>
+        </p:txBody>
+      </p:sp>
+      <p:sp>
+        <p:nvSpPr>
+          <p:cNvPr id="8" name="TekstSylinder 7">
+            <a:extLst>
+              <a:ext uri="{FF2B5EF4-FFF2-40B4-BE49-F238E27FC236}">
+                <a16:creationId xmlns:a16="http://schemas.microsoft.com/office/drawing/2014/main" id="{C5CF5795-BB47-40E8-AD55-E7F1E1F43A21}"/>
+              </a:ext>
+            </a:extLst>
+          </p:cNvPr>
+          <p:cNvSpPr txBox="1"/>
+          <p:nvPr/>
+        </p:nvSpPr>
+        <p:spPr>
+          <a:xfrm>
+            <a:off x="2559401" y="2894291"/>
+            <a:ext cx="1180730" cy="369332"/>
+          </a:xfrm>
+          <a:prstGeom prst="rect">
+            <a:avLst/>
+          </a:prstGeom>
+          <a:noFill/>
+        </p:spPr>
+        <p:txBody>
+          <a:bodyPr wrap="square" rtlCol="0">
+            <a:spAutoFit/>
+          </a:bodyPr>
+          <a:lstStyle/>
+          <a:p>
+            <a:pPr algn="ctr"/>
+            <a:r>
+              <a:rPr lang="en-GB" dirty="0">
+                <a:solidFill>
+                  <a:schemeClr val="accent6"/>
+                </a:solidFill>
+              </a:rPr>
+              <a:t>NewView</a:t>
+            </a:r>
+          </a:p>
+        </p:txBody>
+      </p:sp>
+      <p:sp>
+        <p:nvSpPr>
+          <p:cNvPr id="10" name="Rektangel: avrundede hjørner 9">
+            <a:extLst>
+              <a:ext uri="{FF2B5EF4-FFF2-40B4-BE49-F238E27FC236}">
+                <a16:creationId xmlns:a16="http://schemas.microsoft.com/office/drawing/2014/main" id="{5A3DE403-9047-4782-95B8-F73F91450E56}"/>
+              </a:ext>
+            </a:extLst>
+          </p:cNvPr>
+          <p:cNvSpPr/>
+          <p:nvPr/>
+        </p:nvSpPr>
+        <p:spPr>
+          <a:xfrm rot="16200000">
+            <a:off x="4290546" y="4047138"/>
+            <a:ext cx="1722268" cy="816746"/>
+          </a:xfrm>
+          <a:prstGeom prst="roundRect">
+            <a:avLst/>
+          </a:prstGeom>
+          <a:ln w="28575"/>
+        </p:spPr>
+        <p:style>
+          <a:lnRef idx="2">
+            <a:schemeClr val="accent5"/>
+          </a:lnRef>
+          <a:fillRef idx="1">
+            <a:schemeClr val="lt1"/>
+          </a:fillRef>
+          <a:effectRef idx="0">
+            <a:schemeClr val="accent5"/>
+          </a:effectRef>
+          <a:fontRef idx="minor">
+            <a:schemeClr val="dk1"/>
+          </a:fontRef>
+        </p:style>
+        <p:txBody>
+          <a:bodyPr rtlCol="0" anchor="ctr"/>
+          <a:lstStyle/>
+          <a:p>
+            <a:pPr algn="ctr"/>
+            <a:r>
+              <a:rPr lang="en-GB"/>
+              <a:t>OnNewView( )</a:t>
+            </a:r>
+            <a:endParaRPr lang="en-GB" dirty="0"/>
+          </a:p>
+        </p:txBody>
+      </p:sp>
+      <p:cxnSp>
+        <p:nvCxnSpPr>
+          <p:cNvPr id="14" name="Rett pilkobling 13">
+            <a:extLst>
+              <a:ext uri="{FF2B5EF4-FFF2-40B4-BE49-F238E27FC236}">
+                <a16:creationId xmlns:a16="http://schemas.microsoft.com/office/drawing/2014/main" id="{93DC94C3-78F9-486F-9232-9B5C2C90143A}"/>
+              </a:ext>
+            </a:extLst>
+          </p:cNvPr>
+          <p:cNvCxnSpPr>
+            <a:cxnSpLocks/>
+            <a:endCxn id="7" idx="0"/>
+          </p:cNvCxnSpPr>
+          <p:nvPr/>
+        </p:nvCxnSpPr>
+        <p:spPr>
+          <a:xfrm flipV="1">
+            <a:off x="3847171" y="1747183"/>
+            <a:ext cx="896136" cy="1516442"/>
+          </a:xfrm>
+          <a:prstGeom prst="straightConnector1">
+            <a:avLst/>
+          </a:prstGeom>
+          <a:ln>
+            <a:tailEnd type="triangle"/>
+          </a:ln>
+        </p:spPr>
+        <p:style>
+          <a:lnRef idx="3">
+            <a:schemeClr val="accent5"/>
+          </a:lnRef>
+          <a:fillRef idx="0">
+            <a:schemeClr val="accent5"/>
+          </a:fillRef>
+          <a:effectRef idx="2">
+            <a:schemeClr val="accent5"/>
+          </a:effectRef>
+          <a:fontRef idx="minor">
+            <a:schemeClr val="tx1"/>
+          </a:fontRef>
+        </p:style>
+      </p:cxnSp>
+      <p:cxnSp>
+        <p:nvCxnSpPr>
+          <p:cNvPr id="18" name="Rett linje 17">
+            <a:extLst>
+              <a:ext uri="{FF2B5EF4-FFF2-40B4-BE49-F238E27FC236}">
+                <a16:creationId xmlns:a16="http://schemas.microsoft.com/office/drawing/2014/main" id="{4006FE92-C976-4B72-AA63-F13CB898F8DB}"/>
+              </a:ext>
+            </a:extLst>
+          </p:cNvPr>
+          <p:cNvCxnSpPr>
+            <a:stCxn id="4" idx="2"/>
+          </p:cNvCxnSpPr>
+          <p:nvPr/>
+        </p:nvCxnSpPr>
+        <p:spPr>
+          <a:xfrm flipV="1">
+            <a:off x="2467913" y="3263623"/>
+            <a:ext cx="1379258" cy="5577"/>
+          </a:xfrm>
+          <a:prstGeom prst="line">
+            <a:avLst/>
+          </a:prstGeom>
+          <a:ln>
+            <a:tailEnd type="none"/>
+          </a:ln>
+        </p:spPr>
+        <p:style>
+          <a:lnRef idx="3">
+            <a:schemeClr val="accent5"/>
+          </a:lnRef>
+          <a:fillRef idx="0">
+            <a:schemeClr val="accent5"/>
+          </a:fillRef>
+          <a:effectRef idx="2">
+            <a:schemeClr val="accent5"/>
+          </a:effectRef>
+          <a:fontRef idx="minor">
+            <a:schemeClr val="tx1"/>
+          </a:fontRef>
+        </p:style>
+      </p:cxnSp>
+      <p:cxnSp>
+        <p:nvCxnSpPr>
+          <p:cNvPr id="29" name="Rett pilkobling 28">
+            <a:extLst>
+              <a:ext uri="{FF2B5EF4-FFF2-40B4-BE49-F238E27FC236}">
+                <a16:creationId xmlns:a16="http://schemas.microsoft.com/office/drawing/2014/main" id="{7CBA73C5-A3EF-483C-96D6-39E5843BAE9A}"/>
+              </a:ext>
+            </a:extLst>
+          </p:cNvPr>
+          <p:cNvCxnSpPr>
+            <a:cxnSpLocks/>
+            <a:endCxn id="10" idx="0"/>
+          </p:cNvCxnSpPr>
+          <p:nvPr/>
+        </p:nvCxnSpPr>
+        <p:spPr>
+          <a:xfrm>
+            <a:off x="3847171" y="3263623"/>
+            <a:ext cx="896136" cy="1191888"/>
+          </a:xfrm>
+          <a:prstGeom prst="straightConnector1">
+            <a:avLst/>
+          </a:prstGeom>
+          <a:ln>
+            <a:tailEnd type="triangle"/>
+          </a:ln>
+        </p:spPr>
+        <p:style>
+          <a:lnRef idx="3">
+            <a:schemeClr val="accent5"/>
+          </a:lnRef>
+          <a:fillRef idx="0">
+            <a:schemeClr val="accent5"/>
+          </a:fillRef>
+          <a:effectRef idx="2">
+            <a:schemeClr val="accent5"/>
+          </a:effectRef>
+          <a:fontRef idx="minor">
+            <a:schemeClr val="tx1"/>
+          </a:fontRef>
+        </p:style>
+      </p:cxnSp>
+      <p:cxnSp>
+        <p:nvCxnSpPr>
+          <p:cNvPr id="34" name="Rett pilkobling 33">
+            <a:extLst>
+              <a:ext uri="{FF2B5EF4-FFF2-40B4-BE49-F238E27FC236}">
+                <a16:creationId xmlns:a16="http://schemas.microsoft.com/office/drawing/2014/main" id="{8C11D656-1F83-4B20-95D0-AFF19C0CF8E0}"/>
+              </a:ext>
+            </a:extLst>
+          </p:cNvPr>
+          <p:cNvCxnSpPr>
+            <a:cxnSpLocks/>
+            <a:stCxn id="7" idx="2"/>
+          </p:cNvCxnSpPr>
+          <p:nvPr/>
+        </p:nvCxnSpPr>
+        <p:spPr>
+          <a:xfrm>
+            <a:off x="5560053" y="1747183"/>
+            <a:ext cx="1069347" cy="0"/>
+          </a:xfrm>
+          <a:prstGeom prst="straightConnector1">
+            <a:avLst/>
+          </a:prstGeom>
+          <a:ln>
+            <a:tailEnd type="triangle"/>
+          </a:ln>
+        </p:spPr>
+        <p:style>
+          <a:lnRef idx="3">
+            <a:schemeClr val="accent5"/>
+          </a:lnRef>
+          <a:fillRef idx="0">
+            <a:schemeClr val="accent5"/>
+          </a:fillRef>
+          <a:effectRef idx="2">
+            <a:schemeClr val="accent5"/>
+          </a:effectRef>
+          <a:fontRef idx="minor">
+            <a:schemeClr val="tx1"/>
+          </a:fontRef>
+        </p:style>
+      </p:cxnSp>
+      <p:sp>
+        <p:nvSpPr>
+          <p:cNvPr id="41" name="TekstSylinder 40">
+            <a:extLst>
+              <a:ext uri="{FF2B5EF4-FFF2-40B4-BE49-F238E27FC236}">
+                <a16:creationId xmlns:a16="http://schemas.microsoft.com/office/drawing/2014/main" id="{5818B6C7-FB16-428F-B75E-EBFEA043084E}"/>
+              </a:ext>
+            </a:extLst>
+          </p:cNvPr>
+          <p:cNvSpPr txBox="1"/>
+          <p:nvPr/>
+        </p:nvSpPr>
+        <p:spPr>
+          <a:xfrm rot="16200000">
+            <a:off x="5623264" y="1842606"/>
+            <a:ext cx="1180730" cy="738664"/>
+          </a:xfrm>
+          <a:prstGeom prst="rect">
+            <a:avLst/>
+          </a:prstGeom>
+          <a:noFill/>
+        </p:spPr>
+        <p:txBody>
+          <a:bodyPr wrap="square" rtlCol="0">
+            <a:spAutoFit/>
+          </a:bodyPr>
+          <a:lstStyle/>
+          <a:p>
+            <a:pPr algn="ctr"/>
+            <a:r>
+              <a:rPr lang="en-GB" sz="1400" dirty="0"/>
+              <a:t>Sending message</a:t>
+            </a:r>
+          </a:p>
+          <a:p>
+            <a:pPr algn="ctr"/>
+            <a:r>
+              <a:rPr lang="en-GB" sz="1400" dirty="0"/>
+              <a:t>to leader</a:t>
+            </a:r>
+          </a:p>
+        </p:txBody>
+      </p:sp>
+    </p:spTree>
+    <p:extLst>
+      <p:ext uri="{BB962C8B-B14F-4D97-AF65-F5344CB8AC3E}">
+        <p14:creationId xmlns:p14="http://schemas.microsoft.com/office/powerpoint/2010/main" val="1863253623"/>
+      </p:ext>
+    </p:extLst>
+  </p:cSld>
+  <p:clrMapOvr>
+    <a:masterClrMapping/>
+  </p:clrMapOvr>
+</p:sld>
+</file>
+
 <file path=ppt/theme/theme1.xml><?xml version="1.0" encoding="utf-8"?>
 <a:theme xmlns:a="http://schemas.openxmlformats.org/drawingml/2006/main" name="Office Theme">
   <a:themeElements>

--- a/WIP.pptx
+++ b/WIP.pptx
@@ -267,7 +267,7 @@
           <a:p>
             <a:fld id="{4BB03E3C-822E-4593-9A6A-EC9CF8479CCC}" type="datetimeFigureOut">
               <a:rPr lang="en-US" smtClean="0"/>
-              <a:t>4/26/2021</a:t>
+              <a:t>5/4/2021</a:t>
             </a:fld>
             <a:endParaRPr lang="en-US"/>
           </a:p>
@@ -465,7 +465,7 @@
           <a:p>
             <a:fld id="{4BB03E3C-822E-4593-9A6A-EC9CF8479CCC}" type="datetimeFigureOut">
               <a:rPr lang="en-US" smtClean="0"/>
-              <a:t>4/26/2021</a:t>
+              <a:t>5/4/2021</a:t>
             </a:fld>
             <a:endParaRPr lang="en-US"/>
           </a:p>
@@ -673,7 +673,7 @@
           <a:p>
             <a:fld id="{4BB03E3C-822E-4593-9A6A-EC9CF8479CCC}" type="datetimeFigureOut">
               <a:rPr lang="en-US" smtClean="0"/>
-              <a:t>4/26/2021</a:t>
+              <a:t>5/4/2021</a:t>
             </a:fld>
             <a:endParaRPr lang="en-US"/>
           </a:p>
@@ -871,7 +871,7 @@
           <a:p>
             <a:fld id="{4BB03E3C-822E-4593-9A6A-EC9CF8479CCC}" type="datetimeFigureOut">
               <a:rPr lang="en-US" smtClean="0"/>
-              <a:t>4/26/2021</a:t>
+              <a:t>5/4/2021</a:t>
             </a:fld>
             <a:endParaRPr lang="en-US"/>
           </a:p>
@@ -1146,7 +1146,7 @@
           <a:p>
             <a:fld id="{4BB03E3C-822E-4593-9A6A-EC9CF8479CCC}" type="datetimeFigureOut">
               <a:rPr lang="en-US" smtClean="0"/>
-              <a:t>4/26/2021</a:t>
+              <a:t>5/4/2021</a:t>
             </a:fld>
             <a:endParaRPr lang="en-US"/>
           </a:p>
@@ -1411,7 +1411,7 @@
           <a:p>
             <a:fld id="{4BB03E3C-822E-4593-9A6A-EC9CF8479CCC}" type="datetimeFigureOut">
               <a:rPr lang="en-US" smtClean="0"/>
-              <a:t>4/26/2021</a:t>
+              <a:t>5/4/2021</a:t>
             </a:fld>
             <a:endParaRPr lang="en-US"/>
           </a:p>
@@ -1823,7 +1823,7 @@
           <a:p>
             <a:fld id="{4BB03E3C-822E-4593-9A6A-EC9CF8479CCC}" type="datetimeFigureOut">
               <a:rPr lang="en-US" smtClean="0"/>
-              <a:t>4/26/2021</a:t>
+              <a:t>5/4/2021</a:t>
             </a:fld>
             <a:endParaRPr lang="en-US"/>
           </a:p>
@@ -1964,7 +1964,7 @@
           <a:p>
             <a:fld id="{4BB03E3C-822E-4593-9A6A-EC9CF8479CCC}" type="datetimeFigureOut">
               <a:rPr lang="en-US" smtClean="0"/>
-              <a:t>4/26/2021</a:t>
+              <a:t>5/4/2021</a:t>
             </a:fld>
             <a:endParaRPr lang="en-US"/>
           </a:p>
@@ -2077,7 +2077,7 @@
           <a:p>
             <a:fld id="{4BB03E3C-822E-4593-9A6A-EC9CF8479CCC}" type="datetimeFigureOut">
               <a:rPr lang="en-US" smtClean="0"/>
-              <a:t>4/26/2021</a:t>
+              <a:t>5/4/2021</a:t>
             </a:fld>
             <a:endParaRPr lang="en-US"/>
           </a:p>
@@ -2388,7 +2388,7 @@
           <a:p>
             <a:fld id="{4BB03E3C-822E-4593-9A6A-EC9CF8479CCC}" type="datetimeFigureOut">
               <a:rPr lang="en-US" smtClean="0"/>
-              <a:t>4/26/2021</a:t>
+              <a:t>5/4/2021</a:t>
             </a:fld>
             <a:endParaRPr lang="en-US"/>
           </a:p>
@@ -2676,7 +2676,7 @@
           <a:p>
             <a:fld id="{4BB03E3C-822E-4593-9A6A-EC9CF8479CCC}" type="datetimeFigureOut">
               <a:rPr lang="en-US" smtClean="0"/>
-              <a:t>4/26/2021</a:t>
+              <a:t>5/4/2021</a:t>
             </a:fld>
             <a:endParaRPr lang="en-US"/>
           </a:p>
@@ -2917,7 +2917,7 @@
           <a:p>
             <a:fld id="{4BB03E3C-822E-4593-9A6A-EC9CF8479CCC}" type="datetimeFigureOut">
               <a:rPr lang="en-US" smtClean="0"/>
-              <a:t>4/26/2021</a:t>
+              <a:t>5/4/2021</a:t>
             </a:fld>
             <a:endParaRPr lang="en-US"/>
           </a:p>
@@ -3354,21 +3354,20 @@
           <a:prstGeom prst="roundRect">
             <a:avLst/>
           </a:prstGeom>
+          <a:ln w="28575"/>
         </p:spPr>
         <p:style>
           <a:lnRef idx="2">
-            <a:schemeClr val="accent5">
-              <a:shade val="50000"/>
-            </a:schemeClr>
+            <a:schemeClr val="accent5"/>
           </a:lnRef>
           <a:fillRef idx="1">
-            <a:schemeClr val="accent5"/>
+            <a:schemeClr val="lt1"/>
           </a:fillRef>
           <a:effectRef idx="0">
             <a:schemeClr val="accent5"/>
           </a:effectRef>
           <a:fontRef idx="minor">
-            <a:schemeClr val="lt1"/>
+            <a:schemeClr val="dk1"/>
           </a:fontRef>
         </p:style>
         <p:txBody>
@@ -3394,7 +3393,7 @@
         </p:nvSpPr>
         <p:spPr>
           <a:xfrm>
-            <a:off x="2553678" y="2157897"/>
+            <a:off x="2553678" y="1470407"/>
             <a:ext cx="1914258" cy="369332"/>
           </a:xfrm>
           <a:prstGeom prst="rect">
@@ -3415,11 +3414,7 @@
           <a:p>
             <a:pPr algn="ctr"/>
             <a:r>
-              <a:rPr lang="en-US" dirty="0">
-                <a:solidFill>
-                  <a:schemeClr val="bg1"/>
-                </a:solidFill>
-              </a:rPr>
+              <a:rPr lang="en-US" dirty="0"/>
               <a:t>WASM Instance</a:t>
             </a:r>
           </a:p>
@@ -3549,21 +3544,20 @@
           <a:prstGeom prst="roundRect">
             <a:avLst/>
           </a:prstGeom>
+          <a:ln w="28575"/>
         </p:spPr>
         <p:style>
           <a:lnRef idx="2">
-            <a:schemeClr val="accent5">
-              <a:shade val="50000"/>
-            </a:schemeClr>
+            <a:schemeClr val="accent5"/>
           </a:lnRef>
           <a:fillRef idx="1">
-            <a:schemeClr val="accent5"/>
+            <a:schemeClr val="lt1"/>
           </a:fillRef>
           <a:effectRef idx="0">
             <a:schemeClr val="accent5"/>
           </a:effectRef>
           <a:fontRef idx="minor">
-            <a:schemeClr val="lt1"/>
+            <a:schemeClr val="dk1"/>
           </a:fontRef>
         </p:style>
         <p:txBody>
@@ -3589,7 +3583,7 @@
         </p:nvSpPr>
         <p:spPr>
           <a:xfrm>
-            <a:off x="7724064" y="2157897"/>
+            <a:off x="7660768" y="1471793"/>
             <a:ext cx="1914258" cy="369332"/>
           </a:xfrm>
           <a:prstGeom prst="rect">
@@ -3610,11 +3604,7 @@
           <a:p>
             <a:pPr algn="ctr"/>
             <a:r>
-              <a:rPr lang="en-US" dirty="0">
-                <a:solidFill>
-                  <a:schemeClr val="bg1"/>
-                </a:solidFill>
-              </a:rPr>
+              <a:rPr lang="en-US" dirty="0"/>
               <a:t>JavaScript</a:t>
             </a:r>
           </a:p>
@@ -4047,11 +4037,7 @@
           <a:p>
             <a:pPr algn="ctr"/>
             <a:r>
-              <a:rPr lang="en-US" dirty="0">
-                <a:solidFill>
-                  <a:schemeClr val="bg1"/>
-                </a:solidFill>
-              </a:rPr>
+              <a:rPr lang="en-US" dirty="0"/>
               <a:t>Send</a:t>
             </a:r>
           </a:p>
@@ -4090,11 +4076,7 @@
           <a:p>
             <a:pPr algn="ctr"/>
             <a:r>
-              <a:rPr lang="en-US" dirty="0">
-                <a:solidFill>
-                  <a:schemeClr val="bg1"/>
-                </a:solidFill>
-              </a:rPr>
+              <a:rPr lang="en-US" dirty="0"/>
               <a:t>Receive</a:t>
             </a:r>
           </a:p>
@@ -4547,11 +4529,7 @@
           <a:p>
             <a:pPr algn="ctr"/>
             <a:r>
-              <a:rPr lang="en-US" dirty="0">
-                <a:solidFill>
-                  <a:schemeClr val="bg1"/>
-                </a:solidFill>
-              </a:rPr>
+              <a:rPr lang="en-US" dirty="0"/>
               <a:t>Send</a:t>
             </a:r>
           </a:p>
@@ -4590,11 +4568,7 @@
           <a:p>
             <a:pPr algn="ctr"/>
             <a:r>
-              <a:rPr lang="en-US" dirty="0">
-                <a:solidFill>
-                  <a:schemeClr val="bg1"/>
-                </a:solidFill>
-              </a:rPr>
+              <a:rPr lang="en-US" dirty="0"/>
               <a:t>Receive</a:t>
             </a:r>
           </a:p>
@@ -4729,11 +4703,7 @@
           <a:p>
             <a:pPr algn="ctr"/>
             <a:r>
-              <a:rPr lang="en-US" sz="1400" dirty="0">
-                <a:solidFill>
-                  <a:schemeClr val="bg1"/>
-                </a:solidFill>
-              </a:rPr>
+              <a:rPr lang="en-US" sz="1400" dirty="0"/>
               <a:t>50ms</a:t>
             </a:r>
           </a:p>

--- a/WIP.pptx
+++ b/WIP.pptx
@@ -14,6 +14,7 @@
     <p:sldId id="262" r:id="rId8"/>
     <p:sldId id="264" r:id="rId9"/>
     <p:sldId id="263" r:id="rId10"/>
+    <p:sldId id="265" r:id="rId11"/>
   </p:sldIdLst>
   <p:sldSz cx="12192000" cy="6858000"/>
   <p:notesSz cx="6858000" cy="9144000"/>
@@ -114,7 +115,18 @@
   </p:defaultTextStyle>
   <p:extLst>
     <p:ext uri="{EFAFB233-063F-42B5-8137-9DF3F51BA10A}">
-      <p15:sldGuideLst xmlns:p15="http://schemas.microsoft.com/office/powerpoint/2012/main"/>
+      <p15:sldGuideLst xmlns:p15="http://schemas.microsoft.com/office/powerpoint/2012/main">
+        <p15:guide id="1" pos="3840" userDrawn="1">
+          <p15:clr>
+            <a:srgbClr val="A4A3A4"/>
+          </p15:clr>
+        </p15:guide>
+        <p15:guide id="2" orient="horz" pos="2160" userDrawn="1">
+          <p15:clr>
+            <a:srgbClr val="A4A3A4"/>
+          </p15:clr>
+        </p15:guide>
+      </p15:sldGuideLst>
     </p:ext>
   </p:extLst>
 </p:presentation>
@@ -155,7 +167,7 @@
         </p:nvSpPr>
         <p:spPr>
           <a:xfrm>
-            <a:off x="1524000" y="1122363"/>
+            <a:off x="1524001" y="1122363"/>
             <a:ext cx="9144000" cy="2387600"/>
           </a:xfrm>
         </p:spPr>
@@ -192,7 +204,7 @@
         </p:nvSpPr>
         <p:spPr>
           <a:xfrm>
-            <a:off x="1524000" y="3602038"/>
+            <a:off x="1524001" y="3602038"/>
             <a:ext cx="9144000" cy="1655762"/>
           </a:xfrm>
         </p:spPr>
@@ -203,35 +215,35 @@
               <a:buNone/>
               <a:defRPr sz="2400"/>
             </a:lvl1pPr>
-            <a:lvl2pPr marL="457200" indent="0" algn="ctr">
+            <a:lvl2pPr marL="457190" indent="0" algn="ctr">
               <a:buNone/>
               <a:defRPr sz="2000"/>
             </a:lvl2pPr>
-            <a:lvl3pPr marL="914400" indent="0" algn="ctr">
+            <a:lvl3pPr marL="914380" indent="0" algn="ctr">
               <a:buNone/>
-              <a:defRPr sz="1800"/>
+              <a:defRPr sz="1799"/>
             </a:lvl3pPr>
-            <a:lvl4pPr marL="1371600" indent="0" algn="ctr">
+            <a:lvl4pPr marL="1371569" indent="0" algn="ctr">
               <a:buNone/>
               <a:defRPr sz="1600"/>
             </a:lvl4pPr>
-            <a:lvl5pPr marL="1828800" indent="0" algn="ctr">
+            <a:lvl5pPr marL="1828758" indent="0" algn="ctr">
               <a:buNone/>
               <a:defRPr sz="1600"/>
             </a:lvl5pPr>
-            <a:lvl6pPr marL="2286000" indent="0" algn="ctr">
+            <a:lvl6pPr marL="2285949" indent="0" algn="ctr">
               <a:buNone/>
               <a:defRPr sz="1600"/>
             </a:lvl6pPr>
-            <a:lvl7pPr marL="2743200" indent="0" algn="ctr">
+            <a:lvl7pPr marL="2743138" indent="0" algn="ctr">
               <a:buNone/>
               <a:defRPr sz="1600"/>
             </a:lvl7pPr>
-            <a:lvl8pPr marL="3200400" indent="0" algn="ctr">
+            <a:lvl8pPr marL="3200329" indent="0" algn="ctr">
               <a:buNone/>
               <a:defRPr sz="1600"/>
             </a:lvl8pPr>
-            <a:lvl9pPr marL="3657600" indent="0" algn="ctr">
+            <a:lvl9pPr marL="3657517" indent="0" algn="ctr">
               <a:buNone/>
               <a:defRPr sz="1600"/>
             </a:lvl9pPr>
@@ -267,7 +279,7 @@
           <a:p>
             <a:fld id="{4BB03E3C-822E-4593-9A6A-EC9CF8479CCC}" type="datetimeFigureOut">
               <a:rPr lang="en-US" smtClean="0"/>
-              <a:t>5/4/2021</a:t>
+              <a:t>5/19/2021</a:t>
             </a:fld>
             <a:endParaRPr lang="en-US"/>
           </a:p>
@@ -465,7 +477,7 @@
           <a:p>
             <a:fld id="{4BB03E3C-822E-4593-9A6A-EC9CF8479CCC}" type="datetimeFigureOut">
               <a:rPr lang="en-US" smtClean="0"/>
-              <a:t>5/4/2021</a:t>
+              <a:t>5/19/2021</a:t>
             </a:fld>
             <a:endParaRPr lang="en-US"/>
           </a:p>
@@ -606,7 +618,7 @@
         </p:nvSpPr>
         <p:spPr>
           <a:xfrm>
-            <a:off x="838200" y="365125"/>
+            <a:off x="838201" y="365125"/>
             <a:ext cx="7734300" cy="5811838"/>
           </a:xfrm>
         </p:spPr>
@@ -673,7 +685,7 @@
           <a:p>
             <a:fld id="{4BB03E3C-822E-4593-9A6A-EC9CF8479CCC}" type="datetimeFigureOut">
               <a:rPr lang="en-US" smtClean="0"/>
-              <a:t>5/4/2021</a:t>
+              <a:t>5/19/2021</a:t>
             </a:fld>
             <a:endParaRPr lang="en-US"/>
           </a:p>
@@ -871,7 +883,7 @@
           <a:p>
             <a:fld id="{4BB03E3C-822E-4593-9A6A-EC9CF8479CCC}" type="datetimeFigureOut">
               <a:rPr lang="en-US" smtClean="0"/>
-              <a:t>5/4/2021</a:t>
+              <a:t>5/19/2021</a:t>
             </a:fld>
             <a:endParaRPr lang="en-US"/>
           </a:p>
@@ -979,7 +991,7 @@
         </p:nvSpPr>
         <p:spPr>
           <a:xfrm>
-            <a:off x="831850" y="1709738"/>
+            <a:off x="831850" y="1709740"/>
             <a:ext cx="10515600" cy="2852737"/>
           </a:xfrm>
         </p:spPr>
@@ -1016,7 +1028,7 @@
         </p:nvSpPr>
         <p:spPr>
           <a:xfrm>
-            <a:off x="831850" y="4589463"/>
+            <a:off x="831850" y="4589465"/>
             <a:ext cx="10515600" cy="1500187"/>
           </a:xfrm>
         </p:spPr>
@@ -1033,7 +1045,7 @@
                 </a:solidFill>
               </a:defRPr>
             </a:lvl1pPr>
-            <a:lvl2pPr marL="457200" indent="0">
+            <a:lvl2pPr marL="457190" indent="0">
               <a:buNone/>
               <a:defRPr sz="2000">
                 <a:solidFill>
@@ -1043,9 +1055,9 @@
                 </a:solidFill>
               </a:defRPr>
             </a:lvl2pPr>
-            <a:lvl3pPr marL="914400" indent="0">
+            <a:lvl3pPr marL="914380" indent="0">
               <a:buNone/>
-              <a:defRPr sz="1800">
+              <a:defRPr sz="1799">
                 <a:solidFill>
                   <a:schemeClr val="tx1">
                     <a:tint val="75000"/>
@@ -1053,7 +1065,7 @@
                 </a:solidFill>
               </a:defRPr>
             </a:lvl3pPr>
-            <a:lvl4pPr marL="1371600" indent="0">
+            <a:lvl4pPr marL="1371569" indent="0">
               <a:buNone/>
               <a:defRPr sz="1600">
                 <a:solidFill>
@@ -1063,7 +1075,7 @@
                 </a:solidFill>
               </a:defRPr>
             </a:lvl4pPr>
-            <a:lvl5pPr marL="1828800" indent="0">
+            <a:lvl5pPr marL="1828758" indent="0">
               <a:buNone/>
               <a:defRPr sz="1600">
                 <a:solidFill>
@@ -1073,7 +1085,7 @@
                 </a:solidFill>
               </a:defRPr>
             </a:lvl5pPr>
-            <a:lvl6pPr marL="2286000" indent="0">
+            <a:lvl6pPr marL="2285949" indent="0">
               <a:buNone/>
               <a:defRPr sz="1600">
                 <a:solidFill>
@@ -1083,7 +1095,7 @@
                 </a:solidFill>
               </a:defRPr>
             </a:lvl6pPr>
-            <a:lvl7pPr marL="2743200" indent="0">
+            <a:lvl7pPr marL="2743138" indent="0">
               <a:buNone/>
               <a:defRPr sz="1600">
                 <a:solidFill>
@@ -1093,7 +1105,7 @@
                 </a:solidFill>
               </a:defRPr>
             </a:lvl7pPr>
-            <a:lvl8pPr marL="3200400" indent="0">
+            <a:lvl8pPr marL="3200329" indent="0">
               <a:buNone/>
               <a:defRPr sz="1600">
                 <a:solidFill>
@@ -1103,7 +1115,7 @@
                 </a:solidFill>
               </a:defRPr>
             </a:lvl8pPr>
-            <a:lvl9pPr marL="3657600" indent="0">
+            <a:lvl9pPr marL="3657517" indent="0">
               <a:buNone/>
               <a:defRPr sz="1600">
                 <a:solidFill>
@@ -1146,7 +1158,7 @@
           <a:p>
             <a:fld id="{4BB03E3C-822E-4593-9A6A-EC9CF8479CCC}" type="datetimeFigureOut">
               <a:rPr lang="en-US" smtClean="0"/>
-              <a:t>5/4/2021</a:t>
+              <a:t>5/19/2021</a:t>
             </a:fld>
             <a:endParaRPr lang="en-US"/>
           </a:p>
@@ -1282,7 +1294,7 @@
         </p:nvSpPr>
         <p:spPr>
           <a:xfrm>
-            <a:off x="838200" y="1825625"/>
+            <a:off x="838202" y="1825625"/>
             <a:ext cx="5181600" cy="4351338"/>
           </a:xfrm>
         </p:spPr>
@@ -1411,7 +1423,7 @@
           <a:p>
             <a:fld id="{4BB03E3C-822E-4593-9A6A-EC9CF8479CCC}" type="datetimeFigureOut">
               <a:rPr lang="en-US" smtClean="0"/>
-              <a:t>5/4/2021</a:t>
+              <a:t>5/19/2021</a:t>
             </a:fld>
             <a:endParaRPr lang="en-US"/>
           </a:p>
@@ -1519,7 +1531,7 @@
         </p:nvSpPr>
         <p:spPr>
           <a:xfrm>
-            <a:off x="839788" y="365125"/>
+            <a:off x="839788" y="365127"/>
             <a:ext cx="10515600" cy="1325563"/>
           </a:xfrm>
         </p:spPr>
@@ -1552,8 +1564,8 @@
         </p:nvSpPr>
         <p:spPr>
           <a:xfrm>
-            <a:off x="839788" y="1681163"/>
-            <a:ext cx="5157787" cy="823912"/>
+            <a:off x="839788" y="1681164"/>
+            <a:ext cx="5157788" cy="823912"/>
           </a:xfrm>
         </p:spPr>
         <p:txBody>
@@ -1563,35 +1575,35 @@
               <a:buNone/>
               <a:defRPr sz="2400" b="1"/>
             </a:lvl1pPr>
-            <a:lvl2pPr marL="457200" indent="0">
+            <a:lvl2pPr marL="457190" indent="0">
               <a:buNone/>
               <a:defRPr sz="2000" b="1"/>
             </a:lvl2pPr>
-            <a:lvl3pPr marL="914400" indent="0">
+            <a:lvl3pPr marL="914380" indent="0">
               <a:buNone/>
-              <a:defRPr sz="1800" b="1"/>
+              <a:defRPr sz="1799" b="1"/>
             </a:lvl3pPr>
-            <a:lvl4pPr marL="1371600" indent="0">
+            <a:lvl4pPr marL="1371569" indent="0">
               <a:buNone/>
               <a:defRPr sz="1600" b="1"/>
             </a:lvl4pPr>
-            <a:lvl5pPr marL="1828800" indent="0">
+            <a:lvl5pPr marL="1828758" indent="0">
               <a:buNone/>
               <a:defRPr sz="1600" b="1"/>
             </a:lvl5pPr>
-            <a:lvl6pPr marL="2286000" indent="0">
+            <a:lvl6pPr marL="2285949" indent="0">
               <a:buNone/>
               <a:defRPr sz="1600" b="1"/>
             </a:lvl6pPr>
-            <a:lvl7pPr marL="2743200" indent="0">
+            <a:lvl7pPr marL="2743138" indent="0">
               <a:buNone/>
               <a:defRPr sz="1600" b="1"/>
             </a:lvl7pPr>
-            <a:lvl8pPr marL="3200400" indent="0">
+            <a:lvl8pPr marL="3200329" indent="0">
               <a:buNone/>
               <a:defRPr sz="1600" b="1"/>
             </a:lvl8pPr>
-            <a:lvl9pPr marL="3657600" indent="0">
+            <a:lvl9pPr marL="3657517" indent="0">
               <a:buNone/>
               <a:defRPr sz="1600" b="1"/>
             </a:lvl9pPr>
@@ -1623,8 +1635,8 @@
         </p:nvSpPr>
         <p:spPr>
           <a:xfrm>
-            <a:off x="839788" y="2505075"/>
-            <a:ext cx="5157787" cy="3684588"/>
+            <a:off x="839788" y="2505076"/>
+            <a:ext cx="5157788" cy="3684588"/>
           </a:xfrm>
         </p:spPr>
         <p:txBody>
@@ -1685,7 +1697,7 @@
         </p:nvSpPr>
         <p:spPr>
           <a:xfrm>
-            <a:off x="6172200" y="1681163"/>
+            <a:off x="6172200" y="1681164"/>
             <a:ext cx="5183188" cy="823912"/>
           </a:xfrm>
         </p:spPr>
@@ -1696,35 +1708,35 @@
               <a:buNone/>
               <a:defRPr sz="2400" b="1"/>
             </a:lvl1pPr>
-            <a:lvl2pPr marL="457200" indent="0">
+            <a:lvl2pPr marL="457190" indent="0">
               <a:buNone/>
               <a:defRPr sz="2000" b="1"/>
             </a:lvl2pPr>
-            <a:lvl3pPr marL="914400" indent="0">
+            <a:lvl3pPr marL="914380" indent="0">
               <a:buNone/>
-              <a:defRPr sz="1800" b="1"/>
+              <a:defRPr sz="1799" b="1"/>
             </a:lvl3pPr>
-            <a:lvl4pPr marL="1371600" indent="0">
+            <a:lvl4pPr marL="1371569" indent="0">
               <a:buNone/>
               <a:defRPr sz="1600" b="1"/>
             </a:lvl4pPr>
-            <a:lvl5pPr marL="1828800" indent="0">
+            <a:lvl5pPr marL="1828758" indent="0">
               <a:buNone/>
               <a:defRPr sz="1600" b="1"/>
             </a:lvl5pPr>
-            <a:lvl6pPr marL="2286000" indent="0">
+            <a:lvl6pPr marL="2285949" indent="0">
               <a:buNone/>
               <a:defRPr sz="1600" b="1"/>
             </a:lvl6pPr>
-            <a:lvl7pPr marL="2743200" indent="0">
+            <a:lvl7pPr marL="2743138" indent="0">
               <a:buNone/>
               <a:defRPr sz="1600" b="1"/>
             </a:lvl7pPr>
-            <a:lvl8pPr marL="3200400" indent="0">
+            <a:lvl8pPr marL="3200329" indent="0">
               <a:buNone/>
               <a:defRPr sz="1600" b="1"/>
             </a:lvl8pPr>
-            <a:lvl9pPr marL="3657600" indent="0">
+            <a:lvl9pPr marL="3657517" indent="0">
               <a:buNone/>
               <a:defRPr sz="1600" b="1"/>
             </a:lvl9pPr>
@@ -1756,7 +1768,7 @@
         </p:nvSpPr>
         <p:spPr>
           <a:xfrm>
-            <a:off x="6172200" y="2505075"/>
+            <a:off x="6172200" y="2505076"/>
             <a:ext cx="5183188" cy="3684588"/>
           </a:xfrm>
         </p:spPr>
@@ -1823,7 +1835,7 @@
           <a:p>
             <a:fld id="{4BB03E3C-822E-4593-9A6A-EC9CF8479CCC}" type="datetimeFigureOut">
               <a:rPr lang="en-US" smtClean="0"/>
-              <a:t>5/4/2021</a:t>
+              <a:t>5/19/2021</a:t>
             </a:fld>
             <a:endParaRPr lang="en-US"/>
           </a:p>
@@ -1964,7 +1976,7 @@
           <a:p>
             <a:fld id="{4BB03E3C-822E-4593-9A6A-EC9CF8479CCC}" type="datetimeFigureOut">
               <a:rPr lang="en-US" smtClean="0"/>
-              <a:t>5/4/2021</a:t>
+              <a:t>5/19/2021</a:t>
             </a:fld>
             <a:endParaRPr lang="en-US"/>
           </a:p>
@@ -2077,7 +2089,7 @@
           <a:p>
             <a:fld id="{4BB03E3C-822E-4593-9A6A-EC9CF8479CCC}" type="datetimeFigureOut">
               <a:rPr lang="en-US" smtClean="0"/>
-              <a:t>5/4/2021</a:t>
+              <a:t>5/19/2021</a:t>
             </a:fld>
             <a:endParaRPr lang="en-US"/>
           </a:p>
@@ -2185,7 +2197,7 @@
         </p:nvSpPr>
         <p:spPr>
           <a:xfrm>
-            <a:off x="839788" y="457200"/>
+            <a:off x="839790" y="457200"/>
             <a:ext cx="3932237" cy="1600200"/>
           </a:xfrm>
         </p:spPr>
@@ -2312,7 +2324,7 @@
         </p:nvSpPr>
         <p:spPr>
           <a:xfrm>
-            <a:off x="839788" y="2057400"/>
+            <a:off x="839790" y="2057400"/>
             <a:ext cx="3932237" cy="3811588"/>
           </a:xfrm>
         </p:spPr>
@@ -2323,35 +2335,35 @@
               <a:buNone/>
               <a:defRPr sz="1600"/>
             </a:lvl1pPr>
-            <a:lvl2pPr marL="457200" indent="0">
+            <a:lvl2pPr marL="457190" indent="0">
               <a:buNone/>
               <a:defRPr sz="1400"/>
             </a:lvl2pPr>
-            <a:lvl3pPr marL="914400" indent="0">
+            <a:lvl3pPr marL="914380" indent="0">
               <a:buNone/>
               <a:defRPr sz="1200"/>
             </a:lvl3pPr>
-            <a:lvl4pPr marL="1371600" indent="0">
+            <a:lvl4pPr marL="1371569" indent="0">
               <a:buNone/>
               <a:defRPr sz="1000"/>
             </a:lvl4pPr>
-            <a:lvl5pPr marL="1828800" indent="0">
+            <a:lvl5pPr marL="1828758" indent="0">
               <a:buNone/>
               <a:defRPr sz="1000"/>
             </a:lvl5pPr>
-            <a:lvl6pPr marL="2286000" indent="0">
+            <a:lvl6pPr marL="2285949" indent="0">
               <a:buNone/>
               <a:defRPr sz="1000"/>
             </a:lvl6pPr>
-            <a:lvl7pPr marL="2743200" indent="0">
+            <a:lvl7pPr marL="2743138" indent="0">
               <a:buNone/>
               <a:defRPr sz="1000"/>
             </a:lvl7pPr>
-            <a:lvl8pPr marL="3200400" indent="0">
+            <a:lvl8pPr marL="3200329" indent="0">
               <a:buNone/>
               <a:defRPr sz="1000"/>
             </a:lvl8pPr>
-            <a:lvl9pPr marL="3657600" indent="0">
+            <a:lvl9pPr marL="3657517" indent="0">
               <a:buNone/>
               <a:defRPr sz="1000"/>
             </a:lvl9pPr>
@@ -2388,7 +2400,7 @@
           <a:p>
             <a:fld id="{4BB03E3C-822E-4593-9A6A-EC9CF8479CCC}" type="datetimeFigureOut">
               <a:rPr lang="en-US" smtClean="0"/>
-              <a:t>5/4/2021</a:t>
+              <a:t>5/19/2021</a:t>
             </a:fld>
             <a:endParaRPr lang="en-US"/>
           </a:p>
@@ -2496,7 +2508,7 @@
         </p:nvSpPr>
         <p:spPr>
           <a:xfrm>
-            <a:off x="839788" y="457200"/>
+            <a:off x="839790" y="457200"/>
             <a:ext cx="3932237" cy="1600200"/>
           </a:xfrm>
         </p:spPr>
@@ -2544,35 +2556,35 @@
               <a:buNone/>
               <a:defRPr sz="3200"/>
             </a:lvl1pPr>
-            <a:lvl2pPr marL="457200" indent="0">
+            <a:lvl2pPr marL="457190" indent="0">
               <a:buNone/>
               <a:defRPr sz="2800"/>
             </a:lvl2pPr>
-            <a:lvl3pPr marL="914400" indent="0">
+            <a:lvl3pPr marL="914380" indent="0">
               <a:buNone/>
               <a:defRPr sz="2400"/>
             </a:lvl3pPr>
-            <a:lvl4pPr marL="1371600" indent="0">
+            <a:lvl4pPr marL="1371569" indent="0">
               <a:buNone/>
               <a:defRPr sz="2000"/>
             </a:lvl4pPr>
-            <a:lvl5pPr marL="1828800" indent="0">
+            <a:lvl5pPr marL="1828758" indent="0">
               <a:buNone/>
               <a:defRPr sz="2000"/>
             </a:lvl5pPr>
-            <a:lvl6pPr marL="2286000" indent="0">
+            <a:lvl6pPr marL="2285949" indent="0">
               <a:buNone/>
               <a:defRPr sz="2000"/>
             </a:lvl6pPr>
-            <a:lvl7pPr marL="2743200" indent="0">
+            <a:lvl7pPr marL="2743138" indent="0">
               <a:buNone/>
               <a:defRPr sz="2000"/>
             </a:lvl7pPr>
-            <a:lvl8pPr marL="3200400" indent="0">
+            <a:lvl8pPr marL="3200329" indent="0">
               <a:buNone/>
               <a:defRPr sz="2000"/>
             </a:lvl8pPr>
-            <a:lvl9pPr marL="3657600" indent="0">
+            <a:lvl9pPr marL="3657517" indent="0">
               <a:buNone/>
               <a:defRPr sz="2000"/>
             </a:lvl9pPr>
@@ -2600,7 +2612,7 @@
         </p:nvSpPr>
         <p:spPr>
           <a:xfrm>
-            <a:off x="839788" y="2057400"/>
+            <a:off x="839790" y="2057400"/>
             <a:ext cx="3932237" cy="3811588"/>
           </a:xfrm>
         </p:spPr>
@@ -2611,35 +2623,35 @@
               <a:buNone/>
               <a:defRPr sz="1600"/>
             </a:lvl1pPr>
-            <a:lvl2pPr marL="457200" indent="0">
+            <a:lvl2pPr marL="457190" indent="0">
               <a:buNone/>
               <a:defRPr sz="1400"/>
             </a:lvl2pPr>
-            <a:lvl3pPr marL="914400" indent="0">
+            <a:lvl3pPr marL="914380" indent="0">
               <a:buNone/>
               <a:defRPr sz="1200"/>
             </a:lvl3pPr>
-            <a:lvl4pPr marL="1371600" indent="0">
+            <a:lvl4pPr marL="1371569" indent="0">
               <a:buNone/>
               <a:defRPr sz="1000"/>
             </a:lvl4pPr>
-            <a:lvl5pPr marL="1828800" indent="0">
+            <a:lvl5pPr marL="1828758" indent="0">
               <a:buNone/>
               <a:defRPr sz="1000"/>
             </a:lvl5pPr>
-            <a:lvl6pPr marL="2286000" indent="0">
+            <a:lvl6pPr marL="2285949" indent="0">
               <a:buNone/>
               <a:defRPr sz="1000"/>
             </a:lvl6pPr>
-            <a:lvl7pPr marL="2743200" indent="0">
+            <a:lvl7pPr marL="2743138" indent="0">
               <a:buNone/>
               <a:defRPr sz="1000"/>
             </a:lvl7pPr>
-            <a:lvl8pPr marL="3200400" indent="0">
+            <a:lvl8pPr marL="3200329" indent="0">
               <a:buNone/>
               <a:defRPr sz="1000"/>
             </a:lvl8pPr>
-            <a:lvl9pPr marL="3657600" indent="0">
+            <a:lvl9pPr marL="3657517" indent="0">
               <a:buNone/>
               <a:defRPr sz="1000"/>
             </a:lvl9pPr>
@@ -2676,7 +2688,7 @@
           <a:p>
             <a:fld id="{4BB03E3C-822E-4593-9A6A-EC9CF8479CCC}" type="datetimeFigureOut">
               <a:rPr lang="en-US" smtClean="0"/>
-              <a:t>5/4/2021</a:t>
+              <a:t>5/19/2021</a:t>
             </a:fld>
             <a:endParaRPr lang="en-US"/>
           </a:p>
@@ -2789,7 +2801,7 @@
         </p:nvSpPr>
         <p:spPr>
           <a:xfrm>
-            <a:off x="838200" y="365125"/>
+            <a:off x="838201" y="365127"/>
             <a:ext cx="10515600" cy="1325563"/>
           </a:xfrm>
           <a:prstGeom prst="rect">
@@ -2827,7 +2839,7 @@
         </p:nvSpPr>
         <p:spPr>
           <a:xfrm>
-            <a:off x="838200" y="1825625"/>
+            <a:off x="838201" y="1825625"/>
             <a:ext cx="10515600" cy="4351338"/>
           </a:xfrm>
           <a:prstGeom prst="rect">
@@ -2894,7 +2906,7 @@
         </p:nvSpPr>
         <p:spPr>
           <a:xfrm>
-            <a:off x="838200" y="6356350"/>
+            <a:off x="838201" y="6356352"/>
             <a:ext cx="2743200" cy="365125"/>
           </a:xfrm>
           <a:prstGeom prst="rect">
@@ -2917,7 +2929,7 @@
           <a:p>
             <a:fld id="{4BB03E3C-822E-4593-9A6A-EC9CF8479CCC}" type="datetimeFigureOut">
               <a:rPr lang="en-US" smtClean="0"/>
-              <a:t>5/4/2021</a:t>
+              <a:t>5/19/2021</a:t>
             </a:fld>
             <a:endParaRPr lang="en-US"/>
           </a:p>
@@ -2941,7 +2953,7 @@
         </p:nvSpPr>
         <p:spPr>
           <a:xfrm>
-            <a:off x="4038600" y="6356350"/>
+            <a:off x="4038601" y="6356352"/>
             <a:ext cx="4114800" cy="365125"/>
           </a:xfrm>
           <a:prstGeom prst="rect">
@@ -2984,7 +2996,7 @@
         </p:nvSpPr>
         <p:spPr>
           <a:xfrm>
-            <a:off x="8610600" y="6356350"/>
+            <a:off x="8610600" y="6356352"/>
             <a:ext cx="2743200" cy="365125"/>
           </a:xfrm>
           <a:prstGeom prst="rect">
@@ -3036,7 +3048,7 @@
   </p:sldLayoutIdLst>
   <p:txStyles>
     <p:titleStyle>
-      <a:lvl1pPr algn="l" defTabSz="914400" rtl="0" eaLnBrk="1" latinLnBrk="0" hangingPunct="1">
+      <a:lvl1pPr algn="l" defTabSz="914380" rtl="0" eaLnBrk="1" latinLnBrk="0" hangingPunct="1">
         <a:lnSpc>
           <a:spcPct val="90000"/>
         </a:lnSpc>
@@ -3055,7 +3067,7 @@
       </a:lvl1pPr>
     </p:titleStyle>
     <p:bodyStyle>
-      <a:lvl1pPr marL="228600" indent="-228600" algn="l" defTabSz="914400" rtl="0" eaLnBrk="1" latinLnBrk="0" hangingPunct="1">
+      <a:lvl1pPr marL="228594" indent="-228594" algn="l" defTabSz="914380" rtl="0" eaLnBrk="1" latinLnBrk="0" hangingPunct="1">
         <a:lnSpc>
           <a:spcPct val="90000"/>
         </a:lnSpc>
@@ -3073,7 +3085,7 @@
           <a:cs typeface="+mn-cs"/>
         </a:defRPr>
       </a:lvl1pPr>
-      <a:lvl2pPr marL="685800" indent="-228600" algn="l" defTabSz="914400" rtl="0" eaLnBrk="1" latinLnBrk="0" hangingPunct="1">
+      <a:lvl2pPr marL="685785" indent="-228594" algn="l" defTabSz="914380" rtl="0" eaLnBrk="1" latinLnBrk="0" hangingPunct="1">
         <a:lnSpc>
           <a:spcPct val="90000"/>
         </a:lnSpc>
@@ -3091,7 +3103,7 @@
           <a:cs typeface="+mn-cs"/>
         </a:defRPr>
       </a:lvl2pPr>
-      <a:lvl3pPr marL="1143000" indent="-228600" algn="l" defTabSz="914400" rtl="0" eaLnBrk="1" latinLnBrk="0" hangingPunct="1">
+      <a:lvl3pPr marL="1142974" indent="-228594" algn="l" defTabSz="914380" rtl="0" eaLnBrk="1" latinLnBrk="0" hangingPunct="1">
         <a:lnSpc>
           <a:spcPct val="90000"/>
         </a:lnSpc>
@@ -3109,7 +3121,7 @@
           <a:cs typeface="+mn-cs"/>
         </a:defRPr>
       </a:lvl3pPr>
-      <a:lvl4pPr marL="1600200" indent="-228600" algn="l" defTabSz="914400" rtl="0" eaLnBrk="1" latinLnBrk="0" hangingPunct="1">
+      <a:lvl4pPr marL="1600165" indent="-228594" algn="l" defTabSz="914380" rtl="0" eaLnBrk="1" latinLnBrk="0" hangingPunct="1">
         <a:lnSpc>
           <a:spcPct val="90000"/>
         </a:lnSpc>
@@ -3118,7 +3130,7 @@
         </a:spcBef>
         <a:buFont typeface="Arial" panose="020B0604020202020204" pitchFamily="34" charset="0"/>
         <a:buChar char="•"/>
-        <a:defRPr sz="1800" kern="1200">
+        <a:defRPr sz="1799" kern="1200">
           <a:solidFill>
             <a:schemeClr val="tx1"/>
           </a:solidFill>
@@ -3127,7 +3139,7 @@
           <a:cs typeface="+mn-cs"/>
         </a:defRPr>
       </a:lvl4pPr>
-      <a:lvl5pPr marL="2057400" indent="-228600" algn="l" defTabSz="914400" rtl="0" eaLnBrk="1" latinLnBrk="0" hangingPunct="1">
+      <a:lvl5pPr marL="2057354" indent="-228594" algn="l" defTabSz="914380" rtl="0" eaLnBrk="1" latinLnBrk="0" hangingPunct="1">
         <a:lnSpc>
           <a:spcPct val="90000"/>
         </a:lnSpc>
@@ -3136,7 +3148,7 @@
         </a:spcBef>
         <a:buFont typeface="Arial" panose="020B0604020202020204" pitchFamily="34" charset="0"/>
         <a:buChar char="•"/>
-        <a:defRPr sz="1800" kern="1200">
+        <a:defRPr sz="1799" kern="1200">
           <a:solidFill>
             <a:schemeClr val="tx1"/>
           </a:solidFill>
@@ -3145,7 +3157,7 @@
           <a:cs typeface="+mn-cs"/>
         </a:defRPr>
       </a:lvl5pPr>
-      <a:lvl6pPr marL="2514600" indent="-228600" algn="l" defTabSz="914400" rtl="0" eaLnBrk="1" latinLnBrk="0" hangingPunct="1">
+      <a:lvl6pPr marL="2514543" indent="-228594" algn="l" defTabSz="914380" rtl="0" eaLnBrk="1" latinLnBrk="0" hangingPunct="1">
         <a:lnSpc>
           <a:spcPct val="90000"/>
         </a:lnSpc>
@@ -3154,7 +3166,7 @@
         </a:spcBef>
         <a:buFont typeface="Arial" panose="020B0604020202020204" pitchFamily="34" charset="0"/>
         <a:buChar char="•"/>
-        <a:defRPr sz="1800" kern="1200">
+        <a:defRPr sz="1799" kern="1200">
           <a:solidFill>
             <a:schemeClr val="tx1"/>
           </a:solidFill>
@@ -3163,7 +3175,7 @@
           <a:cs typeface="+mn-cs"/>
         </a:defRPr>
       </a:lvl6pPr>
-      <a:lvl7pPr marL="2971800" indent="-228600" algn="l" defTabSz="914400" rtl="0" eaLnBrk="1" latinLnBrk="0" hangingPunct="1">
+      <a:lvl7pPr marL="2971733" indent="-228594" algn="l" defTabSz="914380" rtl="0" eaLnBrk="1" latinLnBrk="0" hangingPunct="1">
         <a:lnSpc>
           <a:spcPct val="90000"/>
         </a:lnSpc>
@@ -3172,7 +3184,7 @@
         </a:spcBef>
         <a:buFont typeface="Arial" panose="020B0604020202020204" pitchFamily="34" charset="0"/>
         <a:buChar char="•"/>
-        <a:defRPr sz="1800" kern="1200">
+        <a:defRPr sz="1799" kern="1200">
           <a:solidFill>
             <a:schemeClr val="tx1"/>
           </a:solidFill>
@@ -3181,7 +3193,7 @@
           <a:cs typeface="+mn-cs"/>
         </a:defRPr>
       </a:lvl7pPr>
-      <a:lvl8pPr marL="3429000" indent="-228600" algn="l" defTabSz="914400" rtl="0" eaLnBrk="1" latinLnBrk="0" hangingPunct="1">
+      <a:lvl8pPr marL="3428923" indent="-228594" algn="l" defTabSz="914380" rtl="0" eaLnBrk="1" latinLnBrk="0" hangingPunct="1">
         <a:lnSpc>
           <a:spcPct val="90000"/>
         </a:lnSpc>
@@ -3190,7 +3202,7 @@
         </a:spcBef>
         <a:buFont typeface="Arial" panose="020B0604020202020204" pitchFamily="34" charset="0"/>
         <a:buChar char="•"/>
-        <a:defRPr sz="1800" kern="1200">
+        <a:defRPr sz="1799" kern="1200">
           <a:solidFill>
             <a:schemeClr val="tx1"/>
           </a:solidFill>
@@ -3199,7 +3211,7 @@
           <a:cs typeface="+mn-cs"/>
         </a:defRPr>
       </a:lvl8pPr>
-      <a:lvl9pPr marL="3886200" indent="-228600" algn="l" defTabSz="914400" rtl="0" eaLnBrk="1" latinLnBrk="0" hangingPunct="1">
+      <a:lvl9pPr marL="3886113" indent="-228594" algn="l" defTabSz="914380" rtl="0" eaLnBrk="1" latinLnBrk="0" hangingPunct="1">
         <a:lnSpc>
           <a:spcPct val="90000"/>
         </a:lnSpc>
@@ -3208,7 +3220,7 @@
         </a:spcBef>
         <a:buFont typeface="Arial" panose="020B0604020202020204" pitchFamily="34" charset="0"/>
         <a:buChar char="•"/>
-        <a:defRPr sz="1800" kern="1200">
+        <a:defRPr sz="1799" kern="1200">
           <a:solidFill>
             <a:schemeClr val="tx1"/>
           </a:solidFill>
@@ -3222,8 +3234,8 @@
       <a:defPPr>
         <a:defRPr lang="en-US"/>
       </a:defPPr>
-      <a:lvl1pPr marL="0" algn="l" defTabSz="914400" rtl="0" eaLnBrk="1" latinLnBrk="0" hangingPunct="1">
-        <a:defRPr sz="1800" kern="1200">
+      <a:lvl1pPr marL="0" algn="l" defTabSz="914380" rtl="0" eaLnBrk="1" latinLnBrk="0" hangingPunct="1">
+        <a:defRPr sz="1799" kern="1200">
           <a:solidFill>
             <a:schemeClr val="tx1"/>
           </a:solidFill>
@@ -3232,8 +3244,8 @@
           <a:cs typeface="+mn-cs"/>
         </a:defRPr>
       </a:lvl1pPr>
-      <a:lvl2pPr marL="457200" algn="l" defTabSz="914400" rtl="0" eaLnBrk="1" latinLnBrk="0" hangingPunct="1">
-        <a:defRPr sz="1800" kern="1200">
+      <a:lvl2pPr marL="457190" algn="l" defTabSz="914380" rtl="0" eaLnBrk="1" latinLnBrk="0" hangingPunct="1">
+        <a:defRPr sz="1799" kern="1200">
           <a:solidFill>
             <a:schemeClr val="tx1"/>
           </a:solidFill>
@@ -3242,8 +3254,8 @@
           <a:cs typeface="+mn-cs"/>
         </a:defRPr>
       </a:lvl2pPr>
-      <a:lvl3pPr marL="914400" algn="l" defTabSz="914400" rtl="0" eaLnBrk="1" latinLnBrk="0" hangingPunct="1">
-        <a:defRPr sz="1800" kern="1200">
+      <a:lvl3pPr marL="914380" algn="l" defTabSz="914380" rtl="0" eaLnBrk="1" latinLnBrk="0" hangingPunct="1">
+        <a:defRPr sz="1799" kern="1200">
           <a:solidFill>
             <a:schemeClr val="tx1"/>
           </a:solidFill>
@@ -3252,8 +3264,8 @@
           <a:cs typeface="+mn-cs"/>
         </a:defRPr>
       </a:lvl3pPr>
-      <a:lvl4pPr marL="1371600" algn="l" defTabSz="914400" rtl="0" eaLnBrk="1" latinLnBrk="0" hangingPunct="1">
-        <a:defRPr sz="1800" kern="1200">
+      <a:lvl4pPr marL="1371569" algn="l" defTabSz="914380" rtl="0" eaLnBrk="1" latinLnBrk="0" hangingPunct="1">
+        <a:defRPr sz="1799" kern="1200">
           <a:solidFill>
             <a:schemeClr val="tx1"/>
           </a:solidFill>
@@ -3262,8 +3274,8 @@
           <a:cs typeface="+mn-cs"/>
         </a:defRPr>
       </a:lvl4pPr>
-      <a:lvl5pPr marL="1828800" algn="l" defTabSz="914400" rtl="0" eaLnBrk="1" latinLnBrk="0" hangingPunct="1">
-        <a:defRPr sz="1800" kern="1200">
+      <a:lvl5pPr marL="1828758" algn="l" defTabSz="914380" rtl="0" eaLnBrk="1" latinLnBrk="0" hangingPunct="1">
+        <a:defRPr sz="1799" kern="1200">
           <a:solidFill>
             <a:schemeClr val="tx1"/>
           </a:solidFill>
@@ -3272,8 +3284,8 @@
           <a:cs typeface="+mn-cs"/>
         </a:defRPr>
       </a:lvl5pPr>
-      <a:lvl6pPr marL="2286000" algn="l" defTabSz="914400" rtl="0" eaLnBrk="1" latinLnBrk="0" hangingPunct="1">
-        <a:defRPr sz="1800" kern="1200">
+      <a:lvl6pPr marL="2285949" algn="l" defTabSz="914380" rtl="0" eaLnBrk="1" latinLnBrk="0" hangingPunct="1">
+        <a:defRPr sz="1799" kern="1200">
           <a:solidFill>
             <a:schemeClr val="tx1"/>
           </a:solidFill>
@@ -3282,8 +3294,8 @@
           <a:cs typeface="+mn-cs"/>
         </a:defRPr>
       </a:lvl6pPr>
-      <a:lvl7pPr marL="2743200" algn="l" defTabSz="914400" rtl="0" eaLnBrk="1" latinLnBrk="0" hangingPunct="1">
-        <a:defRPr sz="1800" kern="1200">
+      <a:lvl7pPr marL="2743138" algn="l" defTabSz="914380" rtl="0" eaLnBrk="1" latinLnBrk="0" hangingPunct="1">
+        <a:defRPr sz="1799" kern="1200">
           <a:solidFill>
             <a:schemeClr val="tx1"/>
           </a:solidFill>
@@ -3292,8 +3304,8 @@
           <a:cs typeface="+mn-cs"/>
         </a:defRPr>
       </a:lvl7pPr>
-      <a:lvl8pPr marL="3200400" algn="l" defTabSz="914400" rtl="0" eaLnBrk="1" latinLnBrk="0" hangingPunct="1">
-        <a:defRPr sz="1800" kern="1200">
+      <a:lvl8pPr marL="3200329" algn="l" defTabSz="914380" rtl="0" eaLnBrk="1" latinLnBrk="0" hangingPunct="1">
+        <a:defRPr sz="1799" kern="1200">
           <a:solidFill>
             <a:schemeClr val="tx1"/>
           </a:solidFill>
@@ -3302,8 +3314,8 @@
           <a:cs typeface="+mn-cs"/>
         </a:defRPr>
       </a:lvl8pPr>
-      <a:lvl9pPr marL="3657600" algn="l" defTabSz="914400" rtl="0" eaLnBrk="1" latinLnBrk="0" hangingPunct="1">
-        <a:defRPr sz="1800" kern="1200">
+      <a:lvl9pPr marL="3657517" algn="l" defTabSz="914380" rtl="0" eaLnBrk="1" latinLnBrk="0" hangingPunct="1">
+        <a:defRPr sz="1799" kern="1200">
           <a:solidFill>
             <a:schemeClr val="tx1"/>
           </a:solidFill>
@@ -3348,7 +3360,7 @@
         </p:nvSpPr>
         <p:spPr>
           <a:xfrm>
-            <a:off x="1811707" y="1954848"/>
+            <a:off x="1811709" y="1954849"/>
             <a:ext cx="3398201" cy="3398201"/>
           </a:xfrm>
           <a:prstGeom prst="roundRect">
@@ -3375,7 +3387,7 @@
           <a:lstStyle/>
           <a:p>
             <a:pPr algn="ctr"/>
-            <a:endParaRPr lang="en-US" dirty="0"/>
+            <a:endParaRPr lang="en-US" sz="1799" dirty="0"/>
           </a:p>
         </p:txBody>
       </p:sp>
@@ -3394,7 +3406,7 @@
         <p:spPr>
           <a:xfrm>
             <a:off x="2553678" y="1470407"/>
-            <a:ext cx="1914258" cy="369332"/>
+            <a:ext cx="1914258" cy="369204"/>
           </a:xfrm>
           <a:prstGeom prst="rect">
             <a:avLst/>
@@ -3414,7 +3426,7 @@
           <a:p>
             <a:pPr algn="ctr"/>
             <a:r>
-              <a:rPr lang="en-US" dirty="0"/>
+              <a:rPr lang="en-US" sz="1799" dirty="0"/>
               <a:t>WASM Instance</a:t>
             </a:r>
           </a:p>
@@ -3434,8 +3446,8 @@
         </p:nvSpPr>
         <p:spPr>
           <a:xfrm>
-            <a:off x="2050634" y="3967110"/>
-            <a:ext cx="2920347" cy="369332"/>
+            <a:off x="2050636" y="3967110"/>
+            <a:ext cx="2920347" cy="369204"/>
           </a:xfrm>
           <a:prstGeom prst="rect">
             <a:avLst/>
@@ -3462,11 +3474,11 @@
           <a:lstStyle/>
           <a:p>
             <a:r>
-              <a:rPr lang="en-US" dirty="0" err="1"/>
+              <a:rPr lang="en-US" sz="1799" dirty="0" err="1"/>
               <a:t>SendBytesToJS</a:t>
             </a:r>
             <a:r>
-              <a:rPr lang="en-US" dirty="0"/>
+              <a:rPr lang="en-US" sz="1799" dirty="0"/>
               <a:t>(Send)</a:t>
             </a:r>
           </a:p>
@@ -3486,8 +3498,8 @@
         </p:nvSpPr>
         <p:spPr>
           <a:xfrm>
-            <a:off x="2050634" y="4376105"/>
-            <a:ext cx="2920347" cy="369332"/>
+            <a:off x="2050636" y="4376105"/>
+            <a:ext cx="2920347" cy="369204"/>
           </a:xfrm>
           <a:prstGeom prst="rect">
             <a:avLst/>
@@ -3514,11 +3526,11 @@
           <a:lstStyle/>
           <a:p>
             <a:r>
-              <a:rPr lang="en-US" dirty="0" err="1"/>
+              <a:rPr lang="en-US" sz="1799" dirty="0" err="1"/>
               <a:t>ReceiveBytesFromJS</a:t>
             </a:r>
             <a:r>
-              <a:rPr lang="en-US" dirty="0"/>
+              <a:rPr lang="en-US" sz="1799" dirty="0"/>
               <a:t>(Receive)</a:t>
             </a:r>
           </a:p>
@@ -3538,7 +3550,7 @@
         </p:nvSpPr>
         <p:spPr>
           <a:xfrm>
-            <a:off x="6982093" y="1954849"/>
+            <a:off x="6982094" y="1954850"/>
             <a:ext cx="3398201" cy="3398201"/>
           </a:xfrm>
           <a:prstGeom prst="roundRect">
@@ -3565,7 +3577,7 @@
           <a:lstStyle/>
           <a:p>
             <a:pPr algn="ctr"/>
-            <a:endParaRPr lang="en-US" dirty="0"/>
+            <a:endParaRPr lang="en-US" sz="1799" dirty="0"/>
           </a:p>
         </p:txBody>
       </p:sp>
@@ -3583,8 +3595,8 @@
         </p:nvSpPr>
         <p:spPr>
           <a:xfrm>
-            <a:off x="7660768" y="1471793"/>
-            <a:ext cx="1914258" cy="369332"/>
+            <a:off x="7660769" y="1471793"/>
+            <a:ext cx="1914258" cy="369204"/>
           </a:xfrm>
           <a:prstGeom prst="rect">
             <a:avLst/>
@@ -3604,7 +3616,7 @@
           <a:p>
             <a:pPr algn="ctr"/>
             <a:r>
-              <a:rPr lang="en-US" dirty="0"/>
+              <a:rPr lang="en-US" sz="1799" dirty="0"/>
               <a:t>JavaScript</a:t>
             </a:r>
           </a:p>
@@ -3624,8 +3636,8 @@
         </p:nvSpPr>
         <p:spPr>
           <a:xfrm>
-            <a:off x="7221020" y="3967110"/>
-            <a:ext cx="3046930" cy="369332"/>
+            <a:off x="7221021" y="3967110"/>
+            <a:ext cx="3046930" cy="369204"/>
           </a:xfrm>
           <a:prstGeom prst="rect">
             <a:avLst/>
@@ -3678,11 +3690,11 @@
           <a:lstStyle/>
           <a:p>
             <a:r>
-              <a:rPr lang="en-US" dirty="0" err="1"/>
+              <a:rPr lang="en-US" sz="1799" dirty="0" err="1"/>
               <a:t>Wasm:SendBytesToJS</a:t>
             </a:r>
             <a:r>
-              <a:rPr lang="en-US" dirty="0"/>
+              <a:rPr lang="en-US" sz="1799" dirty="0"/>
               <a:t>(Receive)</a:t>
             </a:r>
           </a:p>
@@ -3702,8 +3714,8 @@
         </p:nvSpPr>
         <p:spPr>
           <a:xfrm>
-            <a:off x="7221020" y="4376106"/>
-            <a:ext cx="3304105" cy="369332"/>
+            <a:off x="7221021" y="4376107"/>
+            <a:ext cx="3304105" cy="369204"/>
           </a:xfrm>
           <a:prstGeom prst="rect">
             <a:avLst/>
@@ -3730,11 +3742,11 @@
           <a:lstStyle/>
           <a:p>
             <a:r>
-              <a:rPr lang="en-US" dirty="0" err="1"/>
+              <a:rPr lang="en-US" sz="1799" dirty="0" err="1"/>
               <a:t>Wasm:ReceiveBytesFromJS</a:t>
             </a:r>
             <a:r>
-              <a:rPr lang="en-US" dirty="0"/>
+              <a:rPr lang="en-US" sz="1799" dirty="0"/>
               <a:t>(Send)</a:t>
             </a:r>
           </a:p>
@@ -3754,8 +3766,8 @@
         </p:nvSpPr>
         <p:spPr>
           <a:xfrm>
-            <a:off x="2553678" y="3439213"/>
-            <a:ext cx="466352" cy="184666"/>
+            <a:off x="2553678" y="3439214"/>
+            <a:ext cx="466352" cy="184665"/>
           </a:xfrm>
           <a:prstGeom prst="flowChartMagneticDisk">
             <a:avLst/>
@@ -3780,7 +3792,7 @@
           <a:lstStyle/>
           <a:p>
             <a:pPr algn="ctr"/>
-            <a:endParaRPr lang="en-US" dirty="0"/>
+            <a:endParaRPr lang="en-US" sz="1799" dirty="0"/>
           </a:p>
         </p:txBody>
       </p:sp>
@@ -3799,7 +3811,7 @@
         <p:spPr>
           <a:xfrm>
             <a:off x="2553678" y="3283701"/>
-            <a:ext cx="466352" cy="184666"/>
+            <a:ext cx="466352" cy="184665"/>
           </a:xfrm>
           <a:prstGeom prst="flowChartMagneticDisk">
             <a:avLst/>
@@ -3824,7 +3836,7 @@
           <a:lstStyle/>
           <a:p>
             <a:pPr algn="ctr"/>
-            <a:endParaRPr lang="en-US" dirty="0"/>
+            <a:endParaRPr lang="en-US" sz="1799" dirty="0"/>
           </a:p>
         </p:txBody>
       </p:sp>
@@ -3842,8 +3854,8 @@
         </p:nvSpPr>
         <p:spPr>
           <a:xfrm>
-            <a:off x="2553678" y="3124746"/>
-            <a:ext cx="466352" cy="184666"/>
+            <a:off x="2553678" y="3124747"/>
+            <a:ext cx="466352" cy="184665"/>
           </a:xfrm>
           <a:prstGeom prst="flowChartMagneticDisk">
             <a:avLst/>
@@ -3868,7 +3880,7 @@
           <a:lstStyle/>
           <a:p>
             <a:pPr algn="ctr"/>
-            <a:endParaRPr lang="en-US" dirty="0"/>
+            <a:endParaRPr lang="en-US" sz="1799" dirty="0"/>
           </a:p>
         </p:txBody>
       </p:sp>
@@ -3886,8 +3898,8 @@
         </p:nvSpPr>
         <p:spPr>
           <a:xfrm>
-            <a:off x="4001584" y="3439213"/>
-            <a:ext cx="466352" cy="184666"/>
+            <a:off x="4001584" y="3439214"/>
+            <a:ext cx="466352" cy="184665"/>
           </a:xfrm>
           <a:prstGeom prst="flowChartMagneticDisk">
             <a:avLst/>
@@ -3912,7 +3924,7 @@
           <a:lstStyle/>
           <a:p>
             <a:pPr algn="ctr"/>
-            <a:endParaRPr lang="en-US" dirty="0"/>
+            <a:endParaRPr lang="en-US" sz="1799" dirty="0"/>
           </a:p>
         </p:txBody>
       </p:sp>
@@ -3931,7 +3943,7 @@
         <p:spPr>
           <a:xfrm>
             <a:off x="4001584" y="3283701"/>
-            <a:ext cx="466352" cy="184666"/>
+            <a:ext cx="466352" cy="184665"/>
           </a:xfrm>
           <a:prstGeom prst="flowChartMagneticDisk">
             <a:avLst/>
@@ -3956,7 +3968,7 @@
           <a:lstStyle/>
           <a:p>
             <a:pPr algn="ctr"/>
-            <a:endParaRPr lang="en-US" dirty="0"/>
+            <a:endParaRPr lang="en-US" sz="1799" dirty="0"/>
           </a:p>
         </p:txBody>
       </p:sp>
@@ -3974,8 +3986,8 @@
         </p:nvSpPr>
         <p:spPr>
           <a:xfrm>
-            <a:off x="4001584" y="3124746"/>
-            <a:ext cx="466352" cy="184666"/>
+            <a:off x="4001584" y="3124747"/>
+            <a:ext cx="466352" cy="184665"/>
           </a:xfrm>
           <a:prstGeom prst="flowChartMagneticDisk">
             <a:avLst/>
@@ -4000,7 +4012,7 @@
           <a:lstStyle/>
           <a:p>
             <a:pPr algn="ctr"/>
-            <a:endParaRPr lang="en-US" dirty="0"/>
+            <a:endParaRPr lang="en-US" sz="1799" dirty="0"/>
           </a:p>
         </p:txBody>
       </p:sp>
@@ -4018,8 +4030,8 @@
         </p:nvSpPr>
         <p:spPr>
           <a:xfrm>
-            <a:off x="2438932" y="2683304"/>
-            <a:ext cx="705934" cy="369332"/>
+            <a:off x="2438933" y="2683305"/>
+            <a:ext cx="705933" cy="369204"/>
           </a:xfrm>
           <a:prstGeom prst="rect">
             <a:avLst/>
@@ -4037,7 +4049,7 @@
           <a:p>
             <a:pPr algn="ctr"/>
             <a:r>
-              <a:rPr lang="en-US" dirty="0"/>
+              <a:rPr lang="en-US" sz="1799" dirty="0"/>
               <a:t>Send</a:t>
             </a:r>
           </a:p>
@@ -4057,8 +4069,8 @@
         </p:nvSpPr>
         <p:spPr>
           <a:xfrm>
-            <a:off x="3772091" y="2678127"/>
-            <a:ext cx="925338" cy="369332"/>
+            <a:off x="3772092" y="2678128"/>
+            <a:ext cx="925338" cy="369204"/>
           </a:xfrm>
           <a:prstGeom prst="rect">
             <a:avLst/>
@@ -4076,7 +4088,7 @@
           <a:p>
             <a:pPr algn="ctr"/>
             <a:r>
-              <a:rPr lang="en-US" dirty="0"/>
+              <a:rPr lang="en-US" sz="1799" dirty="0"/>
               <a:t>Receive</a:t>
             </a:r>
           </a:p>
@@ -4144,7 +4156,7 @@
         </p:nvCxnSpPr>
         <p:spPr>
           <a:xfrm flipV="1">
-            <a:off x="4970981" y="4151776"/>
+            <a:off x="4970983" y="4151777"/>
             <a:ext cx="2250039" cy="1"/>
           </a:xfrm>
           <a:prstGeom prst="straightConnector1">
@@ -4197,8 +4209,8 @@
         </p:nvCxnSpPr>
         <p:spPr>
           <a:xfrm flipH="1" flipV="1">
-            <a:off x="4970981" y="4560771"/>
-            <a:ext cx="2250039" cy="1"/>
+            <a:off x="4970983" y="4560707"/>
+            <a:ext cx="2250038" cy="2"/>
           </a:xfrm>
           <a:prstGeom prst="straightConnector1">
             <a:avLst/>
@@ -4247,7 +4259,7 @@
         <p:spPr>
           <a:xfrm>
             <a:off x="7459238" y="3435999"/>
-            <a:ext cx="466352" cy="184666"/>
+            <a:ext cx="466352" cy="184665"/>
           </a:xfrm>
           <a:prstGeom prst="flowChartMagneticDisk">
             <a:avLst/>
@@ -4272,7 +4284,7 @@
           <a:lstStyle/>
           <a:p>
             <a:pPr algn="ctr"/>
-            <a:endParaRPr lang="en-US" dirty="0"/>
+            <a:endParaRPr lang="en-US" sz="1799" dirty="0"/>
           </a:p>
         </p:txBody>
       </p:sp>
@@ -4291,7 +4303,7 @@
         <p:spPr>
           <a:xfrm>
             <a:off x="7459238" y="3280487"/>
-            <a:ext cx="466352" cy="184666"/>
+            <a:ext cx="466352" cy="184665"/>
           </a:xfrm>
           <a:prstGeom prst="flowChartMagneticDisk">
             <a:avLst/>
@@ -4316,7 +4328,7 @@
           <a:lstStyle/>
           <a:p>
             <a:pPr algn="ctr"/>
-            <a:endParaRPr lang="en-US" dirty="0"/>
+            <a:endParaRPr lang="en-US" sz="1799" dirty="0"/>
           </a:p>
         </p:txBody>
       </p:sp>
@@ -4334,8 +4346,8 @@
         </p:nvSpPr>
         <p:spPr>
           <a:xfrm>
-            <a:off x="7459238" y="3121532"/>
-            <a:ext cx="466352" cy="184666"/>
+            <a:off x="7459238" y="3121533"/>
+            <a:ext cx="466352" cy="184665"/>
           </a:xfrm>
           <a:prstGeom prst="flowChartMagneticDisk">
             <a:avLst/>
@@ -4360,7 +4372,7 @@
           <a:lstStyle/>
           <a:p>
             <a:pPr algn="ctr"/>
-            <a:endParaRPr lang="en-US" dirty="0"/>
+            <a:endParaRPr lang="en-US" sz="1799" dirty="0"/>
           </a:p>
         </p:txBody>
       </p:sp>
@@ -4378,8 +4390,8 @@
         </p:nvSpPr>
         <p:spPr>
           <a:xfrm>
-            <a:off x="8491258" y="3439213"/>
-            <a:ext cx="466352" cy="184666"/>
+            <a:off x="8491258" y="3439214"/>
+            <a:ext cx="466352" cy="184665"/>
           </a:xfrm>
           <a:prstGeom prst="flowChartMagneticDisk">
             <a:avLst/>
@@ -4404,7 +4416,7 @@
           <a:lstStyle/>
           <a:p>
             <a:pPr algn="ctr"/>
-            <a:endParaRPr lang="en-US" dirty="0"/>
+            <a:endParaRPr lang="en-US" sz="1799" dirty="0"/>
           </a:p>
         </p:txBody>
       </p:sp>
@@ -4423,7 +4435,7 @@
         <p:spPr>
           <a:xfrm>
             <a:off x="8491258" y="3283701"/>
-            <a:ext cx="466352" cy="184666"/>
+            <a:ext cx="466352" cy="184665"/>
           </a:xfrm>
           <a:prstGeom prst="flowChartMagneticDisk">
             <a:avLst/>
@@ -4448,7 +4460,7 @@
           <a:lstStyle/>
           <a:p>
             <a:pPr algn="ctr"/>
-            <a:endParaRPr lang="en-US" dirty="0"/>
+            <a:endParaRPr lang="en-US" sz="1799" dirty="0"/>
           </a:p>
         </p:txBody>
       </p:sp>
@@ -4466,8 +4478,8 @@
         </p:nvSpPr>
         <p:spPr>
           <a:xfrm>
-            <a:off x="8491258" y="3124746"/>
-            <a:ext cx="466352" cy="184666"/>
+            <a:off x="8491258" y="3124747"/>
+            <a:ext cx="466352" cy="184665"/>
           </a:xfrm>
           <a:prstGeom prst="flowChartMagneticDisk">
             <a:avLst/>
@@ -4492,7 +4504,7 @@
           <a:lstStyle/>
           <a:p>
             <a:pPr algn="ctr"/>
-            <a:endParaRPr lang="en-US" dirty="0"/>
+            <a:endParaRPr lang="en-US" sz="1799" dirty="0"/>
           </a:p>
         </p:txBody>
       </p:sp>
@@ -4510,8 +4522,8 @@
         </p:nvSpPr>
         <p:spPr>
           <a:xfrm>
-            <a:off x="7344492" y="2682580"/>
-            <a:ext cx="705934" cy="369332"/>
+            <a:off x="7344494" y="2682580"/>
+            <a:ext cx="705933" cy="369204"/>
           </a:xfrm>
           <a:prstGeom prst="rect">
             <a:avLst/>
@@ -4529,7 +4541,7 @@
           <a:p>
             <a:pPr algn="ctr"/>
             <a:r>
-              <a:rPr lang="en-US" dirty="0"/>
+              <a:rPr lang="en-US" sz="1799" dirty="0"/>
               <a:t>Send</a:t>
             </a:r>
           </a:p>
@@ -4549,8 +4561,8 @@
         </p:nvSpPr>
         <p:spPr>
           <a:xfrm>
-            <a:off x="8261765" y="2682580"/>
-            <a:ext cx="925338" cy="369332"/>
+            <a:off x="8261766" y="2682580"/>
+            <a:ext cx="925338" cy="369204"/>
           </a:xfrm>
           <a:prstGeom prst="rect">
             <a:avLst/>
@@ -4568,7 +4580,7 @@
           <a:p>
             <a:pPr algn="ctr"/>
             <a:r>
-              <a:rPr lang="en-US" dirty="0"/>
+              <a:rPr lang="en-US" sz="1799" dirty="0"/>
               <a:t>Receive</a:t>
             </a:r>
           </a:p>
@@ -4590,7 +4602,7 @@
         </p:nvCxnSpPr>
         <p:spPr>
           <a:xfrm>
-            <a:off x="9638322" y="3465153"/>
+            <a:off x="9638322" y="3465154"/>
             <a:ext cx="0" cy="501957"/>
           </a:xfrm>
           <a:prstGeom prst="straightConnector1">
@@ -4638,7 +4650,7 @@
         </p:nvCxnSpPr>
         <p:spPr>
           <a:xfrm>
-            <a:off x="9638322" y="3465153"/>
+            <a:off x="9638323" y="3465154"/>
             <a:ext cx="373380" cy="910952"/>
           </a:xfrm>
           <a:prstGeom prst="straightConnector1">
@@ -4687,7 +4699,7 @@
         </p:nvSpPr>
         <p:spPr>
           <a:xfrm>
-            <a:off x="9274467" y="3112916"/>
+            <a:off x="9274469" y="3112916"/>
             <a:ext cx="727709" cy="307777"/>
           </a:xfrm>
           <a:prstGeom prst="rect">
@@ -4713,6 +4725,2750 @@
     <p:extLst>
       <p:ext uri="{BB962C8B-B14F-4D97-AF65-F5344CB8AC3E}">
         <p14:creationId xmlns:p14="http://schemas.microsoft.com/office/powerpoint/2010/main" val="1937672866"/>
+      </p:ext>
+    </p:extLst>
+  </p:cSld>
+  <p:clrMapOvr>
+    <a:masterClrMapping/>
+  </p:clrMapOvr>
+</p:sld>
+</file>
+
+<file path=ppt/slides/slide10.xml><?xml version="1.0" encoding="utf-8"?>
+<p:sld xmlns:a="http://schemas.openxmlformats.org/drawingml/2006/main" xmlns:r="http://schemas.openxmlformats.org/officeDocument/2006/relationships" xmlns:p="http://schemas.openxmlformats.org/presentationml/2006/main">
+  <p:cSld>
+    <p:spTree>
+      <p:nvGrpSpPr>
+        <p:cNvPr id="1" name=""/>
+        <p:cNvGrpSpPr/>
+        <p:nvPr/>
+      </p:nvGrpSpPr>
+      <p:grpSpPr>
+        <a:xfrm>
+          <a:off x="0" y="0"/>
+          <a:ext cx="0" cy="0"/>
+          <a:chOff x="0" y="0"/>
+          <a:chExt cx="0" cy="0"/>
+        </a:xfrm>
+      </p:grpSpPr>
+      <p:sp>
+        <p:nvSpPr>
+          <p:cNvPr id="6" name="Rectangle: Rounded Corners 5">
+            <a:extLst>
+              <a:ext uri="{FF2B5EF4-FFF2-40B4-BE49-F238E27FC236}">
+                <a16:creationId xmlns:a16="http://schemas.microsoft.com/office/drawing/2014/main" id="{355B6EB2-3A74-448B-9DF4-A2F087106AF4}"/>
+              </a:ext>
+            </a:extLst>
+          </p:cNvPr>
+          <p:cNvSpPr/>
+          <p:nvPr/>
+        </p:nvSpPr>
+        <p:spPr>
+          <a:xfrm>
+            <a:off x="210553" y="240629"/>
+            <a:ext cx="2149642" cy="1058779"/>
+          </a:xfrm>
+          <a:prstGeom prst="roundRect">
+            <a:avLst/>
+          </a:prstGeom>
+        </p:spPr>
+        <p:style>
+          <a:lnRef idx="2">
+            <a:schemeClr val="accent6"/>
+          </a:lnRef>
+          <a:fillRef idx="1">
+            <a:schemeClr val="lt1"/>
+          </a:fillRef>
+          <a:effectRef idx="0">
+            <a:schemeClr val="accent6"/>
+          </a:effectRef>
+          <a:fontRef idx="minor">
+            <a:schemeClr val="dk1"/>
+          </a:fontRef>
+        </p:style>
+        <p:txBody>
+          <a:bodyPr rtlCol="0" anchor="ctr"/>
+          <a:lstStyle/>
+          <a:p>
+            <a:pPr algn="ctr"/>
+            <a:r>
+              <a:rPr lang="en-US" dirty="0"/>
+              <a:t>Replica 1</a:t>
+            </a:r>
+          </a:p>
+        </p:txBody>
+      </p:sp>
+      <p:sp>
+        <p:nvSpPr>
+          <p:cNvPr id="7" name="Rectangle: Rounded Corners 6">
+            <a:extLst>
+              <a:ext uri="{FF2B5EF4-FFF2-40B4-BE49-F238E27FC236}">
+                <a16:creationId xmlns:a16="http://schemas.microsoft.com/office/drawing/2014/main" id="{887C0E90-8790-4013-8766-7C3125698B81}"/>
+              </a:ext>
+            </a:extLst>
+          </p:cNvPr>
+          <p:cNvSpPr/>
+          <p:nvPr/>
+        </p:nvSpPr>
+        <p:spPr>
+          <a:xfrm>
+            <a:off x="2615866" y="240629"/>
+            <a:ext cx="2149642" cy="1058779"/>
+          </a:xfrm>
+          <a:prstGeom prst="roundRect">
+            <a:avLst/>
+          </a:prstGeom>
+        </p:spPr>
+        <p:style>
+          <a:lnRef idx="2">
+            <a:schemeClr val="accent2"/>
+          </a:lnRef>
+          <a:fillRef idx="1">
+            <a:schemeClr val="lt1"/>
+          </a:fillRef>
+          <a:effectRef idx="0">
+            <a:schemeClr val="accent2"/>
+          </a:effectRef>
+          <a:fontRef idx="minor">
+            <a:schemeClr val="dk1"/>
+          </a:fontRef>
+        </p:style>
+        <p:txBody>
+          <a:bodyPr rtlCol="0" anchor="ctr"/>
+          <a:lstStyle/>
+          <a:p>
+            <a:pPr algn="ctr"/>
+            <a:r>
+              <a:rPr lang="en-US" dirty="0"/>
+              <a:t>STUN</a:t>
+            </a:r>
+          </a:p>
+        </p:txBody>
+      </p:sp>
+      <p:sp>
+        <p:nvSpPr>
+          <p:cNvPr id="8" name="Rectangle: Rounded Corners 7">
+            <a:extLst>
+              <a:ext uri="{FF2B5EF4-FFF2-40B4-BE49-F238E27FC236}">
+                <a16:creationId xmlns:a16="http://schemas.microsoft.com/office/drawing/2014/main" id="{E5C2C76A-D8D8-42C2-B564-7AB1CD8FA32F}"/>
+              </a:ext>
+            </a:extLst>
+          </p:cNvPr>
+          <p:cNvSpPr/>
+          <p:nvPr/>
+        </p:nvSpPr>
+        <p:spPr>
+          <a:xfrm>
+            <a:off x="5021179" y="240629"/>
+            <a:ext cx="2149642" cy="1058779"/>
+          </a:xfrm>
+          <a:prstGeom prst="roundRect">
+            <a:avLst/>
+          </a:prstGeom>
+        </p:spPr>
+        <p:style>
+          <a:lnRef idx="2">
+            <a:schemeClr val="accent4"/>
+          </a:lnRef>
+          <a:fillRef idx="1">
+            <a:schemeClr val="lt1"/>
+          </a:fillRef>
+          <a:effectRef idx="0">
+            <a:schemeClr val="accent4"/>
+          </a:effectRef>
+          <a:fontRef idx="minor">
+            <a:schemeClr val="dk1"/>
+          </a:fontRef>
+        </p:style>
+        <p:txBody>
+          <a:bodyPr rtlCol="0" anchor="ctr"/>
+          <a:lstStyle/>
+          <a:p>
+            <a:pPr algn="ctr"/>
+            <a:r>
+              <a:rPr lang="en-US" dirty="0"/>
+              <a:t>TURN</a:t>
+            </a:r>
+          </a:p>
+        </p:txBody>
+      </p:sp>
+      <p:sp>
+        <p:nvSpPr>
+          <p:cNvPr id="9" name="Rectangle: Rounded Corners 8">
+            <a:extLst>
+              <a:ext uri="{FF2B5EF4-FFF2-40B4-BE49-F238E27FC236}">
+                <a16:creationId xmlns:a16="http://schemas.microsoft.com/office/drawing/2014/main" id="{D6C865C0-9C0E-4D1D-BF19-9E6936ADECF1}"/>
+              </a:ext>
+            </a:extLst>
+          </p:cNvPr>
+          <p:cNvSpPr/>
+          <p:nvPr/>
+        </p:nvSpPr>
+        <p:spPr>
+          <a:xfrm>
+            <a:off x="7426492" y="240628"/>
+            <a:ext cx="2149642" cy="1058779"/>
+          </a:xfrm>
+          <a:prstGeom prst="roundRect">
+            <a:avLst/>
+          </a:prstGeom>
+          <a:ln/>
+        </p:spPr>
+        <p:style>
+          <a:lnRef idx="2">
+            <a:schemeClr val="accent5"/>
+          </a:lnRef>
+          <a:fillRef idx="1">
+            <a:schemeClr val="lt1"/>
+          </a:fillRef>
+          <a:effectRef idx="0">
+            <a:schemeClr val="accent5"/>
+          </a:effectRef>
+          <a:fontRef idx="minor">
+            <a:schemeClr val="dk1"/>
+          </a:fontRef>
+        </p:style>
+        <p:txBody>
+          <a:bodyPr rtlCol="0" anchor="ctr"/>
+          <a:lstStyle/>
+          <a:p>
+            <a:pPr algn="ctr"/>
+            <a:r>
+              <a:rPr lang="en-US" dirty="0" err="1"/>
+              <a:t>Websocket</a:t>
+            </a:r>
+            <a:r>
+              <a:rPr lang="en-US" dirty="0"/>
+              <a:t> Server</a:t>
+            </a:r>
+          </a:p>
+        </p:txBody>
+      </p:sp>
+      <p:sp>
+        <p:nvSpPr>
+          <p:cNvPr id="10" name="Rectangle: Rounded Corners 9">
+            <a:extLst>
+              <a:ext uri="{FF2B5EF4-FFF2-40B4-BE49-F238E27FC236}">
+                <a16:creationId xmlns:a16="http://schemas.microsoft.com/office/drawing/2014/main" id="{1CFC2779-F491-454D-A313-29CDE64ABF00}"/>
+              </a:ext>
+            </a:extLst>
+          </p:cNvPr>
+          <p:cNvSpPr/>
+          <p:nvPr/>
+        </p:nvSpPr>
+        <p:spPr>
+          <a:xfrm>
+            <a:off x="9831805" y="240628"/>
+            <a:ext cx="2149642" cy="1058779"/>
+          </a:xfrm>
+          <a:prstGeom prst="roundRect">
+            <a:avLst/>
+          </a:prstGeom>
+        </p:spPr>
+        <p:style>
+          <a:lnRef idx="2">
+            <a:schemeClr val="accent6"/>
+          </a:lnRef>
+          <a:fillRef idx="1">
+            <a:schemeClr val="lt1"/>
+          </a:fillRef>
+          <a:effectRef idx="0">
+            <a:schemeClr val="accent6"/>
+          </a:effectRef>
+          <a:fontRef idx="minor">
+            <a:schemeClr val="dk1"/>
+          </a:fontRef>
+        </p:style>
+        <p:txBody>
+          <a:bodyPr rtlCol="0" anchor="ctr"/>
+          <a:lstStyle/>
+          <a:p>
+            <a:pPr algn="ctr"/>
+            <a:r>
+              <a:rPr lang="en-US" dirty="0"/>
+              <a:t>Replica 2</a:t>
+            </a:r>
+          </a:p>
+        </p:txBody>
+      </p:sp>
+      <p:cxnSp>
+        <p:nvCxnSpPr>
+          <p:cNvPr id="12" name="Straight Connector 11">
+            <a:extLst>
+              <a:ext uri="{FF2B5EF4-FFF2-40B4-BE49-F238E27FC236}">
+                <a16:creationId xmlns:a16="http://schemas.microsoft.com/office/drawing/2014/main" id="{AA507EA9-8A18-4C3A-898A-F5D18881C6E9}"/>
+              </a:ext>
+            </a:extLst>
+          </p:cNvPr>
+          <p:cNvCxnSpPr>
+            <a:cxnSpLocks/>
+            <a:stCxn id="6" idx="2"/>
+          </p:cNvCxnSpPr>
+          <p:nvPr/>
+        </p:nvCxnSpPr>
+        <p:spPr>
+          <a:xfrm>
+            <a:off x="1285374" y="1299408"/>
+            <a:ext cx="0" cy="5558592"/>
+          </a:xfrm>
+          <a:prstGeom prst="line">
+            <a:avLst/>
+          </a:prstGeom>
+          <a:ln>
+            <a:tailEnd type="triangle"/>
+          </a:ln>
+        </p:spPr>
+        <p:style>
+          <a:lnRef idx="1">
+            <a:schemeClr val="dk1"/>
+          </a:lnRef>
+          <a:fillRef idx="0">
+            <a:schemeClr val="dk1"/>
+          </a:fillRef>
+          <a:effectRef idx="0">
+            <a:schemeClr val="dk1"/>
+          </a:effectRef>
+          <a:fontRef idx="minor">
+            <a:schemeClr val="tx1"/>
+          </a:fontRef>
+        </p:style>
+      </p:cxnSp>
+      <p:cxnSp>
+        <p:nvCxnSpPr>
+          <p:cNvPr id="14" name="Straight Connector 13">
+            <a:extLst>
+              <a:ext uri="{FF2B5EF4-FFF2-40B4-BE49-F238E27FC236}">
+                <a16:creationId xmlns:a16="http://schemas.microsoft.com/office/drawing/2014/main" id="{89A31987-F7D0-4F26-A67E-BA76085D9290}"/>
+              </a:ext>
+            </a:extLst>
+          </p:cNvPr>
+          <p:cNvCxnSpPr>
+            <a:stCxn id="7" idx="2"/>
+          </p:cNvCxnSpPr>
+          <p:nvPr/>
+        </p:nvCxnSpPr>
+        <p:spPr>
+          <a:xfrm flipH="1">
+            <a:off x="3689684" y="1299408"/>
+            <a:ext cx="1003" cy="5438276"/>
+          </a:xfrm>
+          <a:prstGeom prst="line">
+            <a:avLst/>
+          </a:prstGeom>
+          <a:ln>
+            <a:tailEnd type="triangle"/>
+          </a:ln>
+        </p:spPr>
+        <p:style>
+          <a:lnRef idx="1">
+            <a:schemeClr val="dk1"/>
+          </a:lnRef>
+          <a:fillRef idx="0">
+            <a:schemeClr val="dk1"/>
+          </a:fillRef>
+          <a:effectRef idx="0">
+            <a:schemeClr val="dk1"/>
+          </a:effectRef>
+          <a:fontRef idx="minor">
+            <a:schemeClr val="tx1"/>
+          </a:fontRef>
+        </p:style>
+      </p:cxnSp>
+      <p:cxnSp>
+        <p:nvCxnSpPr>
+          <p:cNvPr id="16" name="Straight Connector 15">
+            <a:extLst>
+              <a:ext uri="{FF2B5EF4-FFF2-40B4-BE49-F238E27FC236}">
+                <a16:creationId xmlns:a16="http://schemas.microsoft.com/office/drawing/2014/main" id="{AF4E3A17-5305-42FC-98B4-3685492E39BC}"/>
+              </a:ext>
+            </a:extLst>
+          </p:cNvPr>
+          <p:cNvCxnSpPr>
+            <a:stCxn id="8" idx="2"/>
+          </p:cNvCxnSpPr>
+          <p:nvPr/>
+        </p:nvCxnSpPr>
+        <p:spPr>
+          <a:xfrm flipH="1">
+            <a:off x="6095498" y="1299408"/>
+            <a:ext cx="502" cy="5317963"/>
+          </a:xfrm>
+          <a:prstGeom prst="line">
+            <a:avLst/>
+          </a:prstGeom>
+          <a:ln>
+            <a:tailEnd type="triangle"/>
+          </a:ln>
+        </p:spPr>
+        <p:style>
+          <a:lnRef idx="1">
+            <a:schemeClr val="dk1"/>
+          </a:lnRef>
+          <a:fillRef idx="0">
+            <a:schemeClr val="dk1"/>
+          </a:fillRef>
+          <a:effectRef idx="0">
+            <a:schemeClr val="dk1"/>
+          </a:effectRef>
+          <a:fontRef idx="minor">
+            <a:schemeClr val="tx1"/>
+          </a:fontRef>
+        </p:style>
+      </p:cxnSp>
+      <p:cxnSp>
+        <p:nvCxnSpPr>
+          <p:cNvPr id="18" name="Straight Connector 17">
+            <a:extLst>
+              <a:ext uri="{FF2B5EF4-FFF2-40B4-BE49-F238E27FC236}">
+                <a16:creationId xmlns:a16="http://schemas.microsoft.com/office/drawing/2014/main" id="{F4E53E09-756C-438B-BB2E-D7342D3242CC}"/>
+              </a:ext>
+            </a:extLst>
+          </p:cNvPr>
+          <p:cNvCxnSpPr>
+            <a:stCxn id="9" idx="2"/>
+          </p:cNvCxnSpPr>
+          <p:nvPr/>
+        </p:nvCxnSpPr>
+        <p:spPr>
+          <a:xfrm flipH="1">
+            <a:off x="8501062" y="1299407"/>
+            <a:ext cx="251" cy="5317964"/>
+          </a:xfrm>
+          <a:prstGeom prst="line">
+            <a:avLst/>
+          </a:prstGeom>
+          <a:ln>
+            <a:tailEnd type="triangle"/>
+          </a:ln>
+        </p:spPr>
+        <p:style>
+          <a:lnRef idx="1">
+            <a:schemeClr val="dk1"/>
+          </a:lnRef>
+          <a:fillRef idx="0">
+            <a:schemeClr val="dk1"/>
+          </a:fillRef>
+          <a:effectRef idx="0">
+            <a:schemeClr val="dk1"/>
+          </a:effectRef>
+          <a:fontRef idx="minor">
+            <a:schemeClr val="tx1"/>
+          </a:fontRef>
+        </p:style>
+      </p:cxnSp>
+      <p:cxnSp>
+        <p:nvCxnSpPr>
+          <p:cNvPr id="22" name="Straight Connector 21">
+            <a:extLst>
+              <a:ext uri="{FF2B5EF4-FFF2-40B4-BE49-F238E27FC236}">
+                <a16:creationId xmlns:a16="http://schemas.microsoft.com/office/drawing/2014/main" id="{BB553182-9D82-495A-B17E-CE1F10CC02A1}"/>
+              </a:ext>
+            </a:extLst>
+          </p:cNvPr>
+          <p:cNvCxnSpPr>
+            <a:stCxn id="10" idx="2"/>
+          </p:cNvCxnSpPr>
+          <p:nvPr/>
+        </p:nvCxnSpPr>
+        <p:spPr>
+          <a:xfrm>
+            <a:off x="10906626" y="1299407"/>
+            <a:ext cx="0" cy="5422235"/>
+          </a:xfrm>
+          <a:prstGeom prst="line">
+            <a:avLst/>
+          </a:prstGeom>
+          <a:ln>
+            <a:tailEnd type="triangle"/>
+          </a:ln>
+        </p:spPr>
+        <p:style>
+          <a:lnRef idx="1">
+            <a:schemeClr val="dk1"/>
+          </a:lnRef>
+          <a:fillRef idx="0">
+            <a:schemeClr val="dk1"/>
+          </a:fillRef>
+          <a:effectRef idx="0">
+            <a:schemeClr val="dk1"/>
+          </a:effectRef>
+          <a:fontRef idx="minor">
+            <a:schemeClr val="tx1"/>
+          </a:fontRef>
+        </p:style>
+      </p:cxnSp>
+      <p:grpSp>
+        <p:nvGrpSpPr>
+          <p:cNvPr id="78" name="Group 77">
+            <a:extLst>
+              <a:ext uri="{FF2B5EF4-FFF2-40B4-BE49-F238E27FC236}">
+                <a16:creationId xmlns:a16="http://schemas.microsoft.com/office/drawing/2014/main" id="{748E1AEF-54B1-4A5A-AFC7-5031E728890D}"/>
+              </a:ext>
+            </a:extLst>
+          </p:cNvPr>
+          <p:cNvGrpSpPr/>
+          <p:nvPr/>
+        </p:nvGrpSpPr>
+        <p:grpSpPr>
+          <a:xfrm>
+            <a:off x="1285374" y="1464000"/>
+            <a:ext cx="2404310" cy="524482"/>
+            <a:chOff x="1285374" y="1464000"/>
+            <a:chExt cx="2404310" cy="524482"/>
+          </a:xfrm>
+        </p:grpSpPr>
+        <p:grpSp>
+          <p:nvGrpSpPr>
+            <p:cNvPr id="76" name="Group 75">
+              <a:extLst>
+                <a:ext uri="{FF2B5EF4-FFF2-40B4-BE49-F238E27FC236}">
+                  <a16:creationId xmlns:a16="http://schemas.microsoft.com/office/drawing/2014/main" id="{5F6D1D62-792F-4609-9C9E-1DE3AABB2041}"/>
+                </a:ext>
+              </a:extLst>
+            </p:cNvPr>
+            <p:cNvGrpSpPr/>
+            <p:nvPr/>
+          </p:nvGrpSpPr>
+          <p:grpSpPr>
+            <a:xfrm>
+              <a:off x="1285374" y="1664482"/>
+              <a:ext cx="2404310" cy="324000"/>
+              <a:chOff x="1285374" y="1538463"/>
+              <a:chExt cx="2404310" cy="324000"/>
+            </a:xfrm>
+          </p:grpSpPr>
+          <p:cxnSp>
+            <p:nvCxnSpPr>
+              <p:cNvPr id="27" name="Straight Arrow Connector 26">
+                <a:extLst>
+                  <a:ext uri="{FF2B5EF4-FFF2-40B4-BE49-F238E27FC236}">
+                    <a16:creationId xmlns:a16="http://schemas.microsoft.com/office/drawing/2014/main" id="{514BFA27-30DE-45CC-BD8A-2C534B56D1AD}"/>
+                  </a:ext>
+                </a:extLst>
+              </p:cNvPr>
+              <p:cNvCxnSpPr/>
+              <p:nvPr/>
+            </p:nvCxnSpPr>
+            <p:spPr>
+              <a:xfrm>
+                <a:off x="1285374" y="1700463"/>
+                <a:ext cx="2404310" cy="0"/>
+              </a:xfrm>
+              <a:prstGeom prst="straightConnector1">
+                <a:avLst/>
+              </a:prstGeom>
+              <a:ln w="19050">
+                <a:headEnd type="none" w="med" len="med"/>
+                <a:tailEnd type="triangle" w="lg" len="lg"/>
+              </a:ln>
+            </p:spPr>
+            <p:style>
+              <a:lnRef idx="2">
+                <a:schemeClr val="accent6">
+                  <a:shade val="50000"/>
+                </a:schemeClr>
+              </a:lnRef>
+              <a:fillRef idx="1">
+                <a:schemeClr val="accent6"/>
+              </a:fillRef>
+              <a:effectRef idx="0">
+                <a:schemeClr val="accent6"/>
+              </a:effectRef>
+              <a:fontRef idx="minor">
+                <a:schemeClr val="lt1"/>
+              </a:fontRef>
+            </p:style>
+          </p:cxnSp>
+          <p:sp>
+            <p:nvSpPr>
+              <p:cNvPr id="28" name="Isosceles Triangle 27">
+                <a:extLst>
+                  <a:ext uri="{FF2B5EF4-FFF2-40B4-BE49-F238E27FC236}">
+                    <a16:creationId xmlns:a16="http://schemas.microsoft.com/office/drawing/2014/main" id="{77A9AD20-E991-442E-AEA6-812EA4D2CFC5}"/>
+                  </a:ext>
+                </a:extLst>
+              </p:cNvPr>
+              <p:cNvSpPr/>
+              <p:nvPr/>
+            </p:nvSpPr>
+            <p:spPr>
+              <a:xfrm rot="5400000">
+                <a:off x="3418681" y="1592463"/>
+                <a:ext cx="324000" cy="216000"/>
+              </a:xfrm>
+              <a:prstGeom prst="triangle">
+                <a:avLst/>
+              </a:prstGeom>
+            </p:spPr>
+            <p:style>
+              <a:lnRef idx="2">
+                <a:schemeClr val="accent6">
+                  <a:shade val="50000"/>
+                </a:schemeClr>
+              </a:lnRef>
+              <a:fillRef idx="1">
+                <a:schemeClr val="accent6"/>
+              </a:fillRef>
+              <a:effectRef idx="0">
+                <a:schemeClr val="accent6"/>
+              </a:effectRef>
+              <a:fontRef idx="minor">
+                <a:schemeClr val="lt1"/>
+              </a:fontRef>
+            </p:style>
+            <p:txBody>
+              <a:bodyPr rtlCol="0" anchor="ctr"/>
+              <a:lstStyle/>
+              <a:p>
+                <a:pPr algn="ctr"/>
+                <a:endParaRPr lang="en-US"/>
+              </a:p>
+            </p:txBody>
+          </p:sp>
+        </p:grpSp>
+        <p:sp>
+          <p:nvSpPr>
+            <p:cNvPr id="77" name="TextBox 76">
+              <a:extLst>
+                <a:ext uri="{FF2B5EF4-FFF2-40B4-BE49-F238E27FC236}">
+                  <a16:creationId xmlns:a16="http://schemas.microsoft.com/office/drawing/2014/main" id="{EFCA1376-D181-4F26-B2BF-F556D12ED583}"/>
+                </a:ext>
+              </a:extLst>
+            </p:cNvPr>
+            <p:cNvSpPr txBox="1"/>
+            <p:nvPr/>
+          </p:nvSpPr>
+          <p:spPr>
+            <a:xfrm>
+              <a:off x="1515993" y="1464000"/>
+              <a:ext cx="1940064" cy="360000"/>
+            </a:xfrm>
+            <a:prstGeom prst="rect">
+              <a:avLst/>
+            </a:prstGeom>
+            <a:noFill/>
+          </p:spPr>
+          <p:txBody>
+            <a:bodyPr wrap="square" rtlCol="0">
+              <a:spAutoFit/>
+            </a:bodyPr>
+            <a:lstStyle/>
+            <a:p>
+              <a:pPr algn="ctr"/>
+              <a:r>
+                <a:rPr lang="en-US" dirty="0"/>
+                <a:t>Who am I ?</a:t>
+              </a:r>
+            </a:p>
+          </p:txBody>
+        </p:sp>
+      </p:grpSp>
+      <p:grpSp>
+        <p:nvGrpSpPr>
+          <p:cNvPr id="81" name="Group 80">
+            <a:extLst>
+              <a:ext uri="{FF2B5EF4-FFF2-40B4-BE49-F238E27FC236}">
+                <a16:creationId xmlns:a16="http://schemas.microsoft.com/office/drawing/2014/main" id="{8B381863-7AEE-49A9-9B06-EA0DB364E23D}"/>
+              </a:ext>
+            </a:extLst>
+          </p:cNvPr>
+          <p:cNvGrpSpPr/>
+          <p:nvPr/>
+        </p:nvGrpSpPr>
+        <p:grpSpPr>
+          <a:xfrm>
+            <a:off x="1284371" y="1993236"/>
+            <a:ext cx="2404310" cy="518190"/>
+            <a:chOff x="1284371" y="1993236"/>
+            <a:chExt cx="2404310" cy="518190"/>
+          </a:xfrm>
+        </p:grpSpPr>
+        <p:grpSp>
+          <p:nvGrpSpPr>
+            <p:cNvPr id="32" name="Group 31">
+              <a:extLst>
+                <a:ext uri="{FF2B5EF4-FFF2-40B4-BE49-F238E27FC236}">
+                  <a16:creationId xmlns:a16="http://schemas.microsoft.com/office/drawing/2014/main" id="{F5B6F295-A774-4199-A0E7-AB31C4A4400B}"/>
+                </a:ext>
+              </a:extLst>
+            </p:cNvPr>
+            <p:cNvGrpSpPr/>
+            <p:nvPr/>
+          </p:nvGrpSpPr>
+          <p:grpSpPr>
+            <a:xfrm flipH="1">
+              <a:off x="1284371" y="2187426"/>
+              <a:ext cx="2404310" cy="324000"/>
+              <a:chOff x="1176873" y="2281139"/>
+              <a:chExt cx="2404310" cy="324000"/>
+            </a:xfrm>
+          </p:grpSpPr>
+          <p:cxnSp>
+            <p:nvCxnSpPr>
+              <p:cNvPr id="29" name="Straight Arrow Connector 28">
+                <a:extLst>
+                  <a:ext uri="{FF2B5EF4-FFF2-40B4-BE49-F238E27FC236}">
+                    <a16:creationId xmlns:a16="http://schemas.microsoft.com/office/drawing/2014/main" id="{DB048C23-722D-45F7-BBB1-83B2CBB2EF86}"/>
+                  </a:ext>
+                </a:extLst>
+              </p:cNvPr>
+              <p:cNvCxnSpPr>
+                <a:cxnSpLocks/>
+              </p:cNvCxnSpPr>
+              <p:nvPr/>
+            </p:nvCxnSpPr>
+            <p:spPr>
+              <a:xfrm>
+                <a:off x="1176873" y="2443139"/>
+                <a:ext cx="2404310" cy="0"/>
+              </a:xfrm>
+              <a:prstGeom prst="straightConnector1">
+                <a:avLst/>
+              </a:prstGeom>
+              <a:ln w="19050">
+                <a:headEnd type="none" w="med" len="med"/>
+                <a:tailEnd type="triangle" w="lg" len="lg"/>
+              </a:ln>
+            </p:spPr>
+            <p:style>
+              <a:lnRef idx="2">
+                <a:schemeClr val="accent2">
+                  <a:shade val="50000"/>
+                </a:schemeClr>
+              </a:lnRef>
+              <a:fillRef idx="1">
+                <a:schemeClr val="accent2"/>
+              </a:fillRef>
+              <a:effectRef idx="0">
+                <a:schemeClr val="accent2"/>
+              </a:effectRef>
+              <a:fontRef idx="minor">
+                <a:schemeClr val="lt1"/>
+              </a:fontRef>
+            </p:style>
+          </p:cxnSp>
+          <p:sp>
+            <p:nvSpPr>
+              <p:cNvPr id="30" name="Isosceles Triangle 29">
+                <a:extLst>
+                  <a:ext uri="{FF2B5EF4-FFF2-40B4-BE49-F238E27FC236}">
+                    <a16:creationId xmlns:a16="http://schemas.microsoft.com/office/drawing/2014/main" id="{0127C069-C667-4A55-ADA1-F4E62DA02893}"/>
+                  </a:ext>
+                </a:extLst>
+              </p:cNvPr>
+              <p:cNvSpPr/>
+              <p:nvPr/>
+            </p:nvSpPr>
+            <p:spPr>
+              <a:xfrm rot="5400000">
+                <a:off x="3310180" y="2335139"/>
+                <a:ext cx="324000" cy="216000"/>
+              </a:xfrm>
+              <a:prstGeom prst="triangle">
+                <a:avLst/>
+              </a:prstGeom>
+              <a:ln w="19050"/>
+            </p:spPr>
+            <p:style>
+              <a:lnRef idx="2">
+                <a:schemeClr val="accent2">
+                  <a:shade val="50000"/>
+                </a:schemeClr>
+              </a:lnRef>
+              <a:fillRef idx="1">
+                <a:schemeClr val="accent2"/>
+              </a:fillRef>
+              <a:effectRef idx="0">
+                <a:schemeClr val="accent2"/>
+              </a:effectRef>
+              <a:fontRef idx="minor">
+                <a:schemeClr val="lt1"/>
+              </a:fontRef>
+            </p:style>
+            <p:txBody>
+              <a:bodyPr rtlCol="0" anchor="ctr"/>
+              <a:lstStyle/>
+              <a:p>
+                <a:pPr algn="ctr"/>
+                <a:endParaRPr lang="en-US"/>
+              </a:p>
+            </p:txBody>
+          </p:sp>
+        </p:grpSp>
+        <p:sp>
+          <p:nvSpPr>
+            <p:cNvPr id="79" name="TextBox 78">
+              <a:extLst>
+                <a:ext uri="{FF2B5EF4-FFF2-40B4-BE49-F238E27FC236}">
+                  <a16:creationId xmlns:a16="http://schemas.microsoft.com/office/drawing/2014/main" id="{9FF74D6E-474B-4355-B201-69AF3715DE7C}"/>
+                </a:ext>
+              </a:extLst>
+            </p:cNvPr>
+            <p:cNvSpPr txBox="1"/>
+            <p:nvPr/>
+          </p:nvSpPr>
+          <p:spPr>
+            <a:xfrm>
+              <a:off x="1507753" y="1993236"/>
+              <a:ext cx="1940064" cy="360000"/>
+            </a:xfrm>
+            <a:prstGeom prst="rect">
+              <a:avLst/>
+            </a:prstGeom>
+            <a:noFill/>
+          </p:spPr>
+          <p:txBody>
+            <a:bodyPr wrap="square" rtlCol="0">
+              <a:spAutoFit/>
+            </a:bodyPr>
+            <a:lstStyle/>
+            <a:p>
+              <a:pPr algn="ctr"/>
+              <a:r>
+                <a:rPr lang="en-US" dirty="0"/>
+                <a:t>Symmetric NAT</a:t>
+              </a:r>
+            </a:p>
+          </p:txBody>
+        </p:sp>
+      </p:grpSp>
+      <p:grpSp>
+        <p:nvGrpSpPr>
+          <p:cNvPr id="82" name="Group 81">
+            <a:extLst>
+              <a:ext uri="{FF2B5EF4-FFF2-40B4-BE49-F238E27FC236}">
+                <a16:creationId xmlns:a16="http://schemas.microsoft.com/office/drawing/2014/main" id="{9BB2C6EE-7FFE-40C1-A754-9C3A83458BFF}"/>
+              </a:ext>
+            </a:extLst>
+          </p:cNvPr>
+          <p:cNvGrpSpPr/>
+          <p:nvPr/>
+        </p:nvGrpSpPr>
+        <p:grpSpPr>
+          <a:xfrm>
+            <a:off x="1284371" y="2549081"/>
+            <a:ext cx="4808620" cy="540666"/>
+            <a:chOff x="1284371" y="2549081"/>
+            <a:chExt cx="4808620" cy="540666"/>
+          </a:xfrm>
+        </p:grpSpPr>
+        <p:grpSp>
+          <p:nvGrpSpPr>
+            <p:cNvPr id="75" name="Group 74">
+              <a:extLst>
+                <a:ext uri="{FF2B5EF4-FFF2-40B4-BE49-F238E27FC236}">
+                  <a16:creationId xmlns:a16="http://schemas.microsoft.com/office/drawing/2014/main" id="{6F801725-D9B3-429D-8E7B-1AD453353153}"/>
+                </a:ext>
+              </a:extLst>
+            </p:cNvPr>
+            <p:cNvGrpSpPr/>
+            <p:nvPr/>
+          </p:nvGrpSpPr>
+          <p:grpSpPr>
+            <a:xfrm>
+              <a:off x="1284371" y="2765747"/>
+              <a:ext cx="4808620" cy="324000"/>
+              <a:chOff x="1284371" y="2765747"/>
+              <a:chExt cx="4808620" cy="324000"/>
+            </a:xfrm>
+          </p:grpSpPr>
+          <p:cxnSp>
+            <p:nvCxnSpPr>
+              <p:cNvPr id="47" name="Straight Arrow Connector 46">
+                <a:extLst>
+                  <a:ext uri="{FF2B5EF4-FFF2-40B4-BE49-F238E27FC236}">
+                    <a16:creationId xmlns:a16="http://schemas.microsoft.com/office/drawing/2014/main" id="{19AD1866-4D4B-45E2-BF85-D18B44EBCAAE}"/>
+                  </a:ext>
+                </a:extLst>
+              </p:cNvPr>
+              <p:cNvCxnSpPr>
+                <a:cxnSpLocks/>
+              </p:cNvCxnSpPr>
+              <p:nvPr/>
+            </p:nvCxnSpPr>
+            <p:spPr>
+              <a:xfrm>
+                <a:off x="1284371" y="2927747"/>
+                <a:ext cx="4808620" cy="0"/>
+              </a:xfrm>
+              <a:prstGeom prst="straightConnector1">
+                <a:avLst/>
+              </a:prstGeom>
+              <a:ln w="19050">
+                <a:headEnd type="none" w="med" len="med"/>
+                <a:tailEnd type="triangle" w="lg" len="lg"/>
+              </a:ln>
+            </p:spPr>
+            <p:style>
+              <a:lnRef idx="2">
+                <a:schemeClr val="accent6">
+                  <a:shade val="50000"/>
+                </a:schemeClr>
+              </a:lnRef>
+              <a:fillRef idx="1">
+                <a:schemeClr val="accent6"/>
+              </a:fillRef>
+              <a:effectRef idx="0">
+                <a:schemeClr val="accent6"/>
+              </a:effectRef>
+              <a:fontRef idx="minor">
+                <a:schemeClr val="lt1"/>
+              </a:fontRef>
+            </p:style>
+          </p:cxnSp>
+          <p:sp>
+            <p:nvSpPr>
+              <p:cNvPr id="48" name="Isosceles Triangle 47">
+                <a:extLst>
+                  <a:ext uri="{FF2B5EF4-FFF2-40B4-BE49-F238E27FC236}">
+                    <a16:creationId xmlns:a16="http://schemas.microsoft.com/office/drawing/2014/main" id="{A4A16816-4AD2-4B18-BB9F-F6AE14A1B5FC}"/>
+                  </a:ext>
+                </a:extLst>
+              </p:cNvPr>
+              <p:cNvSpPr/>
+              <p:nvPr/>
+            </p:nvSpPr>
+            <p:spPr>
+              <a:xfrm rot="5400000">
+                <a:off x="5821988" y="2819747"/>
+                <a:ext cx="324000" cy="216000"/>
+              </a:xfrm>
+              <a:prstGeom prst="triangle">
+                <a:avLst/>
+              </a:prstGeom>
+              <a:ln w="19050"/>
+            </p:spPr>
+            <p:style>
+              <a:lnRef idx="2">
+                <a:schemeClr val="accent6">
+                  <a:shade val="50000"/>
+                </a:schemeClr>
+              </a:lnRef>
+              <a:fillRef idx="1">
+                <a:schemeClr val="accent6"/>
+              </a:fillRef>
+              <a:effectRef idx="0">
+                <a:schemeClr val="accent6"/>
+              </a:effectRef>
+              <a:fontRef idx="minor">
+                <a:schemeClr val="lt1"/>
+              </a:fontRef>
+            </p:style>
+            <p:txBody>
+              <a:bodyPr rtlCol="0" anchor="ctr"/>
+              <a:lstStyle/>
+              <a:p>
+                <a:pPr algn="ctr"/>
+                <a:endParaRPr lang="en-US"/>
+              </a:p>
+            </p:txBody>
+          </p:sp>
+        </p:grpSp>
+        <p:sp>
+          <p:nvSpPr>
+            <p:cNvPr id="80" name="TextBox 79">
+              <a:extLst>
+                <a:ext uri="{FF2B5EF4-FFF2-40B4-BE49-F238E27FC236}">
+                  <a16:creationId xmlns:a16="http://schemas.microsoft.com/office/drawing/2014/main" id="{44FEC7ED-F271-4666-B3FD-8A9BD2EA9952}"/>
+                </a:ext>
+              </a:extLst>
+            </p:cNvPr>
+            <p:cNvSpPr txBox="1"/>
+            <p:nvPr/>
+          </p:nvSpPr>
+          <p:spPr>
+            <a:xfrm>
+              <a:off x="1515993" y="2549081"/>
+              <a:ext cx="4345124" cy="369332"/>
+            </a:xfrm>
+            <a:prstGeom prst="rect">
+              <a:avLst/>
+            </a:prstGeom>
+            <a:solidFill>
+              <a:schemeClr val="bg1"/>
+            </a:solidFill>
+          </p:spPr>
+          <p:txBody>
+            <a:bodyPr wrap="square" rtlCol="0">
+              <a:spAutoFit/>
+            </a:bodyPr>
+            <a:lstStyle/>
+            <a:p>
+              <a:pPr algn="ctr"/>
+              <a:r>
+                <a:rPr lang="en-US" dirty="0"/>
+                <a:t>Channel request</a:t>
+              </a:r>
+            </a:p>
+          </p:txBody>
+        </p:sp>
+      </p:grpSp>
+      <p:grpSp>
+        <p:nvGrpSpPr>
+          <p:cNvPr id="98" name="Group 97">
+            <a:extLst>
+              <a:ext uri="{FF2B5EF4-FFF2-40B4-BE49-F238E27FC236}">
+                <a16:creationId xmlns:a16="http://schemas.microsoft.com/office/drawing/2014/main" id="{61775980-1DE0-4B17-9C21-21ECE96CF9AD}"/>
+              </a:ext>
+            </a:extLst>
+          </p:cNvPr>
+          <p:cNvGrpSpPr/>
+          <p:nvPr/>
+        </p:nvGrpSpPr>
+        <p:grpSpPr>
+          <a:xfrm>
+            <a:off x="1298989" y="3755751"/>
+            <a:ext cx="9612852" cy="544163"/>
+            <a:chOff x="1298989" y="3755751"/>
+            <a:chExt cx="9612852" cy="544163"/>
+          </a:xfrm>
+        </p:grpSpPr>
+        <p:grpSp>
+          <p:nvGrpSpPr>
+            <p:cNvPr id="73" name="Group 72">
+              <a:extLst>
+                <a:ext uri="{FF2B5EF4-FFF2-40B4-BE49-F238E27FC236}">
+                  <a16:creationId xmlns:a16="http://schemas.microsoft.com/office/drawing/2014/main" id="{4705FD27-3C13-4370-870C-262B558029DA}"/>
+                </a:ext>
+              </a:extLst>
+            </p:cNvPr>
+            <p:cNvGrpSpPr/>
+            <p:nvPr/>
+          </p:nvGrpSpPr>
+          <p:grpSpPr>
+            <a:xfrm>
+              <a:off x="1298989" y="3975914"/>
+              <a:ext cx="9612852" cy="324000"/>
+              <a:chOff x="1298989" y="3975914"/>
+              <a:chExt cx="9612852" cy="324000"/>
+            </a:xfrm>
+          </p:grpSpPr>
+          <p:grpSp>
+            <p:nvGrpSpPr>
+              <p:cNvPr id="35" name="Group 34">
+                <a:extLst>
+                  <a:ext uri="{FF2B5EF4-FFF2-40B4-BE49-F238E27FC236}">
+                    <a16:creationId xmlns:a16="http://schemas.microsoft.com/office/drawing/2014/main" id="{856EEFBE-5996-4BAA-9936-059AB05873D2}"/>
+                  </a:ext>
+                </a:extLst>
+              </p:cNvPr>
+              <p:cNvGrpSpPr/>
+              <p:nvPr/>
+            </p:nvGrpSpPr>
+            <p:grpSpPr>
+              <a:xfrm flipH="1">
+                <a:off x="8507531" y="3975914"/>
+                <a:ext cx="2404310" cy="324000"/>
+                <a:chOff x="1176873" y="2281139"/>
+                <a:chExt cx="2404310" cy="324000"/>
+              </a:xfrm>
+            </p:grpSpPr>
+            <p:cxnSp>
+              <p:nvCxnSpPr>
+                <p:cNvPr id="36" name="Straight Arrow Connector 35">
+                  <a:extLst>
+                    <a:ext uri="{FF2B5EF4-FFF2-40B4-BE49-F238E27FC236}">
+                      <a16:creationId xmlns:a16="http://schemas.microsoft.com/office/drawing/2014/main" id="{CDDC12AB-7D8F-42D6-95E2-AB4ACABA54C6}"/>
+                    </a:ext>
+                  </a:extLst>
+                </p:cNvPr>
+                <p:cNvCxnSpPr>
+                  <a:cxnSpLocks/>
+                </p:cNvCxnSpPr>
+                <p:nvPr/>
+              </p:nvCxnSpPr>
+              <p:spPr>
+                <a:xfrm>
+                  <a:off x="1176873" y="2443139"/>
+                  <a:ext cx="2404310" cy="0"/>
+                </a:xfrm>
+                <a:prstGeom prst="straightConnector1">
+                  <a:avLst/>
+                </a:prstGeom>
+                <a:ln w="19050">
+                  <a:headEnd type="none" w="med" len="med"/>
+                  <a:tailEnd type="triangle" w="lg" len="lg"/>
+                </a:ln>
+              </p:spPr>
+              <p:style>
+                <a:lnRef idx="2">
+                  <a:schemeClr val="accent6">
+                    <a:shade val="50000"/>
+                  </a:schemeClr>
+                </a:lnRef>
+                <a:fillRef idx="1">
+                  <a:schemeClr val="accent6"/>
+                </a:fillRef>
+                <a:effectRef idx="0">
+                  <a:schemeClr val="accent6"/>
+                </a:effectRef>
+                <a:fontRef idx="minor">
+                  <a:schemeClr val="lt1"/>
+                </a:fontRef>
+              </p:style>
+            </p:cxnSp>
+            <p:sp>
+              <p:nvSpPr>
+                <p:cNvPr id="37" name="Isosceles Triangle 36">
+                  <a:extLst>
+                    <a:ext uri="{FF2B5EF4-FFF2-40B4-BE49-F238E27FC236}">
+                      <a16:creationId xmlns:a16="http://schemas.microsoft.com/office/drawing/2014/main" id="{AE1779D2-A25F-400C-A0EB-7BAC54E2A688}"/>
+                    </a:ext>
+                  </a:extLst>
+                </p:cNvPr>
+                <p:cNvSpPr/>
+                <p:nvPr/>
+              </p:nvSpPr>
+              <p:spPr>
+                <a:xfrm rot="5400000">
+                  <a:off x="3310180" y="2335139"/>
+                  <a:ext cx="324000" cy="216000"/>
+                </a:xfrm>
+                <a:prstGeom prst="triangle">
+                  <a:avLst/>
+                </a:prstGeom>
+                <a:ln w="19050"/>
+              </p:spPr>
+              <p:style>
+                <a:lnRef idx="2">
+                  <a:schemeClr val="accent6">
+                    <a:shade val="50000"/>
+                  </a:schemeClr>
+                </a:lnRef>
+                <a:fillRef idx="1">
+                  <a:schemeClr val="accent6"/>
+                </a:fillRef>
+                <a:effectRef idx="0">
+                  <a:schemeClr val="accent6"/>
+                </a:effectRef>
+                <a:fontRef idx="minor">
+                  <a:schemeClr val="lt1"/>
+                </a:fontRef>
+              </p:style>
+              <p:txBody>
+                <a:bodyPr rtlCol="0" anchor="ctr"/>
+                <a:lstStyle/>
+                <a:p>
+                  <a:pPr algn="ctr"/>
+                  <a:endParaRPr lang="en-US"/>
+                </a:p>
+              </p:txBody>
+            </p:sp>
+          </p:grpSp>
+          <p:grpSp>
+            <p:nvGrpSpPr>
+              <p:cNvPr id="62" name="Group 61">
+                <a:extLst>
+                  <a:ext uri="{FF2B5EF4-FFF2-40B4-BE49-F238E27FC236}">
+                    <a16:creationId xmlns:a16="http://schemas.microsoft.com/office/drawing/2014/main" id="{9471E0FF-DFE3-4F75-8124-09B85DFB303A}"/>
+                  </a:ext>
+                </a:extLst>
+              </p:cNvPr>
+              <p:cNvGrpSpPr/>
+              <p:nvPr/>
+            </p:nvGrpSpPr>
+            <p:grpSpPr>
+              <a:xfrm flipH="1">
+                <a:off x="1298989" y="3975914"/>
+                <a:ext cx="7250531" cy="324000"/>
+                <a:chOff x="1435016" y="3419400"/>
+                <a:chExt cx="7250531" cy="324000"/>
+              </a:xfrm>
+            </p:grpSpPr>
+            <p:cxnSp>
+              <p:nvCxnSpPr>
+                <p:cNvPr id="63" name="Straight Arrow Connector 62">
+                  <a:extLst>
+                    <a:ext uri="{FF2B5EF4-FFF2-40B4-BE49-F238E27FC236}">
+                      <a16:creationId xmlns:a16="http://schemas.microsoft.com/office/drawing/2014/main" id="{3EFAD31D-D849-42BE-BC51-A86E67E543CC}"/>
+                    </a:ext>
+                  </a:extLst>
+                </p:cNvPr>
+                <p:cNvCxnSpPr>
+                  <a:cxnSpLocks/>
+                </p:cNvCxnSpPr>
+                <p:nvPr/>
+              </p:nvCxnSpPr>
+              <p:spPr>
+                <a:xfrm>
+                  <a:off x="1435016" y="3581400"/>
+                  <a:ext cx="7250531" cy="0"/>
+                </a:xfrm>
+                <a:prstGeom prst="straightConnector1">
+                  <a:avLst/>
+                </a:prstGeom>
+                <a:ln w="19050">
+                  <a:headEnd type="none" w="med" len="med"/>
+                  <a:tailEnd type="triangle" w="lg" len="lg"/>
+                </a:ln>
+              </p:spPr>
+              <p:style>
+                <a:lnRef idx="3">
+                  <a:schemeClr val="accent5"/>
+                </a:lnRef>
+                <a:fillRef idx="0">
+                  <a:schemeClr val="accent5"/>
+                </a:fillRef>
+                <a:effectRef idx="2">
+                  <a:schemeClr val="accent5"/>
+                </a:effectRef>
+                <a:fontRef idx="minor">
+                  <a:schemeClr val="tx1"/>
+                </a:fontRef>
+              </p:style>
+            </p:cxnSp>
+            <p:sp>
+              <p:nvSpPr>
+                <p:cNvPr id="64" name="Isosceles Triangle 63">
+                  <a:extLst>
+                    <a:ext uri="{FF2B5EF4-FFF2-40B4-BE49-F238E27FC236}">
+                      <a16:creationId xmlns:a16="http://schemas.microsoft.com/office/drawing/2014/main" id="{4D8DA5B3-EE5F-4F6D-9DC4-BC28BD091926}"/>
+                    </a:ext>
+                  </a:extLst>
+                </p:cNvPr>
+                <p:cNvSpPr/>
+                <p:nvPr/>
+              </p:nvSpPr>
+              <p:spPr>
+                <a:xfrm rot="5400000">
+                  <a:off x="8414544" y="3473400"/>
+                  <a:ext cx="324000" cy="216000"/>
+                </a:xfrm>
+                <a:prstGeom prst="triangle">
+                  <a:avLst/>
+                </a:prstGeom>
+              </p:spPr>
+              <p:style>
+                <a:lnRef idx="2">
+                  <a:schemeClr val="accent5">
+                    <a:shade val="50000"/>
+                  </a:schemeClr>
+                </a:lnRef>
+                <a:fillRef idx="1">
+                  <a:schemeClr val="accent5"/>
+                </a:fillRef>
+                <a:effectRef idx="0">
+                  <a:schemeClr val="accent5"/>
+                </a:effectRef>
+                <a:fontRef idx="minor">
+                  <a:schemeClr val="lt1"/>
+                </a:fontRef>
+              </p:style>
+              <p:txBody>
+                <a:bodyPr rtlCol="0" anchor="ctr"/>
+                <a:lstStyle/>
+                <a:p>
+                  <a:pPr algn="ctr"/>
+                  <a:endParaRPr lang="en-US"/>
+                </a:p>
+              </p:txBody>
+            </p:sp>
+          </p:grpSp>
+        </p:grpSp>
+        <p:sp>
+          <p:nvSpPr>
+            <p:cNvPr id="87" name="TextBox 86">
+              <a:extLst>
+                <a:ext uri="{FF2B5EF4-FFF2-40B4-BE49-F238E27FC236}">
+                  <a16:creationId xmlns:a16="http://schemas.microsoft.com/office/drawing/2014/main" id="{F386C0CE-DC24-4D58-BB26-AF6D835EFA69}"/>
+                </a:ext>
+              </a:extLst>
+            </p:cNvPr>
+            <p:cNvSpPr txBox="1"/>
+            <p:nvPr/>
+          </p:nvSpPr>
+          <p:spPr>
+            <a:xfrm>
+              <a:off x="8723158" y="3771644"/>
+              <a:ext cx="1940064" cy="369332"/>
+            </a:xfrm>
+            <a:prstGeom prst="rect">
+              <a:avLst/>
+            </a:prstGeom>
+            <a:noFill/>
+          </p:spPr>
+          <p:txBody>
+            <a:bodyPr wrap="square" rtlCol="0">
+              <a:spAutoFit/>
+            </a:bodyPr>
+            <a:lstStyle/>
+            <a:p>
+              <a:pPr algn="ctr"/>
+              <a:r>
+                <a:rPr lang="en-US" dirty="0"/>
+                <a:t>Answer SDP</a:t>
+              </a:r>
+            </a:p>
+          </p:txBody>
+        </p:sp>
+        <p:sp>
+          <p:nvSpPr>
+            <p:cNvPr id="88" name="TextBox 87">
+              <a:extLst>
+                <a:ext uri="{FF2B5EF4-FFF2-40B4-BE49-F238E27FC236}">
+                  <a16:creationId xmlns:a16="http://schemas.microsoft.com/office/drawing/2014/main" id="{5FCD98BD-B305-4AC2-895F-BC6ED33AAA37}"/>
+                </a:ext>
+              </a:extLst>
+            </p:cNvPr>
+            <p:cNvSpPr txBox="1"/>
+            <p:nvPr/>
+          </p:nvSpPr>
+          <p:spPr>
+            <a:xfrm>
+              <a:off x="1507753" y="3755751"/>
+              <a:ext cx="6750455" cy="369332"/>
+            </a:xfrm>
+            <a:prstGeom prst="rect">
+              <a:avLst/>
+            </a:prstGeom>
+            <a:noFill/>
+          </p:spPr>
+          <p:txBody>
+            <a:bodyPr wrap="square" rtlCol="0">
+              <a:spAutoFit/>
+            </a:bodyPr>
+            <a:lstStyle/>
+            <a:p>
+              <a:pPr algn="ctr"/>
+              <a:r>
+                <a:rPr lang="en-US" dirty="0"/>
+                <a:t>Answer SDP</a:t>
+              </a:r>
+            </a:p>
+          </p:txBody>
+        </p:sp>
+      </p:grpSp>
+      <p:grpSp>
+        <p:nvGrpSpPr>
+          <p:cNvPr id="99" name="Group 98">
+            <a:extLst>
+              <a:ext uri="{FF2B5EF4-FFF2-40B4-BE49-F238E27FC236}">
+                <a16:creationId xmlns:a16="http://schemas.microsoft.com/office/drawing/2014/main" id="{FDD5D48D-2534-4560-9578-0308045844C7}"/>
+              </a:ext>
+            </a:extLst>
+          </p:cNvPr>
+          <p:cNvGrpSpPr/>
+          <p:nvPr/>
+        </p:nvGrpSpPr>
+        <p:grpSpPr>
+          <a:xfrm>
+            <a:off x="1244398" y="4350111"/>
+            <a:ext cx="9652751" cy="550553"/>
+            <a:chOff x="1244398" y="4350111"/>
+            <a:chExt cx="9652751" cy="550553"/>
+          </a:xfrm>
+        </p:grpSpPr>
+        <p:grpSp>
+          <p:nvGrpSpPr>
+            <p:cNvPr id="72" name="Group 71">
+              <a:extLst>
+                <a:ext uri="{FF2B5EF4-FFF2-40B4-BE49-F238E27FC236}">
+                  <a16:creationId xmlns:a16="http://schemas.microsoft.com/office/drawing/2014/main" id="{1BA1E400-0D89-4D48-93BF-F18B53A130EF}"/>
+                </a:ext>
+              </a:extLst>
+            </p:cNvPr>
+            <p:cNvGrpSpPr/>
+            <p:nvPr/>
+          </p:nvGrpSpPr>
+          <p:grpSpPr>
+            <a:xfrm>
+              <a:off x="1244398" y="4567139"/>
+              <a:ext cx="9652751" cy="333525"/>
+              <a:chOff x="1244398" y="4567139"/>
+              <a:chExt cx="9652751" cy="333525"/>
+            </a:xfrm>
+          </p:grpSpPr>
+          <p:grpSp>
+            <p:nvGrpSpPr>
+              <p:cNvPr id="44" name="Group 43">
+                <a:extLst>
+                  <a:ext uri="{FF2B5EF4-FFF2-40B4-BE49-F238E27FC236}">
+                    <a16:creationId xmlns:a16="http://schemas.microsoft.com/office/drawing/2014/main" id="{A1D2C000-8112-4AE8-9787-91379EF3BB97}"/>
+                  </a:ext>
+                </a:extLst>
+              </p:cNvPr>
+              <p:cNvGrpSpPr/>
+              <p:nvPr/>
+            </p:nvGrpSpPr>
+            <p:grpSpPr>
+              <a:xfrm>
+                <a:off x="8492839" y="4576664"/>
+                <a:ext cx="2404310" cy="324000"/>
+                <a:chOff x="1176873" y="2281139"/>
+                <a:chExt cx="2404310" cy="324000"/>
+              </a:xfrm>
+            </p:grpSpPr>
+            <p:cxnSp>
+              <p:nvCxnSpPr>
+                <p:cNvPr id="45" name="Straight Arrow Connector 44">
+                  <a:extLst>
+                    <a:ext uri="{FF2B5EF4-FFF2-40B4-BE49-F238E27FC236}">
+                      <a16:creationId xmlns:a16="http://schemas.microsoft.com/office/drawing/2014/main" id="{9057A522-623A-4073-9005-F41EC1299BCE}"/>
+                    </a:ext>
+                  </a:extLst>
+                </p:cNvPr>
+                <p:cNvCxnSpPr>
+                  <a:cxnSpLocks/>
+                </p:cNvCxnSpPr>
+                <p:nvPr/>
+              </p:nvCxnSpPr>
+              <p:spPr>
+                <a:xfrm>
+                  <a:off x="1176873" y="2443139"/>
+                  <a:ext cx="2404310" cy="0"/>
+                </a:xfrm>
+                <a:prstGeom prst="straightConnector1">
+                  <a:avLst/>
+                </a:prstGeom>
+                <a:ln w="19050">
+                  <a:headEnd type="none" w="med" len="med"/>
+                  <a:tailEnd type="triangle" w="lg" len="lg"/>
+                </a:ln>
+              </p:spPr>
+              <p:style>
+                <a:lnRef idx="3">
+                  <a:schemeClr val="accent5"/>
+                </a:lnRef>
+                <a:fillRef idx="0">
+                  <a:schemeClr val="accent5"/>
+                </a:fillRef>
+                <a:effectRef idx="2">
+                  <a:schemeClr val="accent5"/>
+                </a:effectRef>
+                <a:fontRef idx="minor">
+                  <a:schemeClr val="tx1"/>
+                </a:fontRef>
+              </p:style>
+            </p:cxnSp>
+            <p:sp>
+              <p:nvSpPr>
+                <p:cNvPr id="46" name="Isosceles Triangle 45">
+                  <a:extLst>
+                    <a:ext uri="{FF2B5EF4-FFF2-40B4-BE49-F238E27FC236}">
+                      <a16:creationId xmlns:a16="http://schemas.microsoft.com/office/drawing/2014/main" id="{EB51421A-8DDB-4A14-AF2A-33B9CAEDEAED}"/>
+                    </a:ext>
+                  </a:extLst>
+                </p:cNvPr>
+                <p:cNvSpPr/>
+                <p:nvPr/>
+              </p:nvSpPr>
+              <p:spPr>
+                <a:xfrm rot="5400000">
+                  <a:off x="3310180" y="2335139"/>
+                  <a:ext cx="324000" cy="216000"/>
+                </a:xfrm>
+                <a:prstGeom prst="triangle">
+                  <a:avLst/>
+                </a:prstGeom>
+              </p:spPr>
+              <p:style>
+                <a:lnRef idx="2">
+                  <a:schemeClr val="accent5">
+                    <a:shade val="50000"/>
+                  </a:schemeClr>
+                </a:lnRef>
+                <a:fillRef idx="1">
+                  <a:schemeClr val="accent5"/>
+                </a:fillRef>
+                <a:effectRef idx="0">
+                  <a:schemeClr val="accent5"/>
+                </a:effectRef>
+                <a:fontRef idx="minor">
+                  <a:schemeClr val="lt1"/>
+                </a:fontRef>
+              </p:style>
+              <p:txBody>
+                <a:bodyPr rtlCol="0" anchor="ctr"/>
+                <a:lstStyle/>
+                <a:p>
+                  <a:pPr algn="ctr"/>
+                  <a:endParaRPr lang="en-US"/>
+                </a:p>
+              </p:txBody>
+            </p:sp>
+          </p:grpSp>
+          <p:grpSp>
+            <p:nvGrpSpPr>
+              <p:cNvPr id="56" name="Group 55">
+                <a:extLst>
+                  <a:ext uri="{FF2B5EF4-FFF2-40B4-BE49-F238E27FC236}">
+                    <a16:creationId xmlns:a16="http://schemas.microsoft.com/office/drawing/2014/main" id="{C2543E65-DCFA-4A7A-AAE9-0581BB21D4B7}"/>
+                  </a:ext>
+                </a:extLst>
+              </p:cNvPr>
+              <p:cNvGrpSpPr/>
+              <p:nvPr/>
+            </p:nvGrpSpPr>
+            <p:grpSpPr>
+              <a:xfrm>
+                <a:off x="1244398" y="4567139"/>
+                <a:ext cx="7250531" cy="324000"/>
+                <a:chOff x="1435016" y="3419400"/>
+                <a:chExt cx="7250531" cy="324000"/>
+              </a:xfrm>
+            </p:grpSpPr>
+            <p:cxnSp>
+              <p:nvCxnSpPr>
+                <p:cNvPr id="57" name="Straight Arrow Connector 56">
+                  <a:extLst>
+                    <a:ext uri="{FF2B5EF4-FFF2-40B4-BE49-F238E27FC236}">
+                      <a16:creationId xmlns:a16="http://schemas.microsoft.com/office/drawing/2014/main" id="{A7AF6DAD-4065-4CD0-9DE1-E4043443CBEA}"/>
+                    </a:ext>
+                  </a:extLst>
+                </p:cNvPr>
+                <p:cNvCxnSpPr>
+                  <a:cxnSpLocks/>
+                </p:cNvCxnSpPr>
+                <p:nvPr/>
+              </p:nvCxnSpPr>
+              <p:spPr>
+                <a:xfrm>
+                  <a:off x="1435016" y="3581400"/>
+                  <a:ext cx="7250531" cy="0"/>
+                </a:xfrm>
+                <a:prstGeom prst="straightConnector1">
+                  <a:avLst/>
+                </a:prstGeom>
+                <a:ln w="19050">
+                  <a:headEnd type="none" w="med" len="med"/>
+                  <a:tailEnd type="triangle" w="lg" len="lg"/>
+                </a:ln>
+              </p:spPr>
+              <p:style>
+                <a:lnRef idx="2">
+                  <a:schemeClr val="accent6">
+                    <a:shade val="50000"/>
+                  </a:schemeClr>
+                </a:lnRef>
+                <a:fillRef idx="1">
+                  <a:schemeClr val="accent6"/>
+                </a:fillRef>
+                <a:effectRef idx="0">
+                  <a:schemeClr val="accent6"/>
+                </a:effectRef>
+                <a:fontRef idx="minor">
+                  <a:schemeClr val="lt1"/>
+                </a:fontRef>
+              </p:style>
+            </p:cxnSp>
+            <p:sp>
+              <p:nvSpPr>
+                <p:cNvPr id="58" name="Isosceles Triangle 57">
+                  <a:extLst>
+                    <a:ext uri="{FF2B5EF4-FFF2-40B4-BE49-F238E27FC236}">
+                      <a16:creationId xmlns:a16="http://schemas.microsoft.com/office/drawing/2014/main" id="{6F3D09BA-B48F-4901-90AD-851E0E4BE7FE}"/>
+                    </a:ext>
+                  </a:extLst>
+                </p:cNvPr>
+                <p:cNvSpPr/>
+                <p:nvPr/>
+              </p:nvSpPr>
+              <p:spPr>
+                <a:xfrm rot="5400000">
+                  <a:off x="8414544" y="3473400"/>
+                  <a:ext cx="324000" cy="216000"/>
+                </a:xfrm>
+                <a:prstGeom prst="triangle">
+                  <a:avLst/>
+                </a:prstGeom>
+                <a:ln w="19050"/>
+              </p:spPr>
+              <p:style>
+                <a:lnRef idx="2">
+                  <a:schemeClr val="accent6">
+                    <a:shade val="50000"/>
+                  </a:schemeClr>
+                </a:lnRef>
+                <a:fillRef idx="1">
+                  <a:schemeClr val="accent6"/>
+                </a:fillRef>
+                <a:effectRef idx="0">
+                  <a:schemeClr val="accent6"/>
+                </a:effectRef>
+                <a:fontRef idx="minor">
+                  <a:schemeClr val="lt1"/>
+                </a:fontRef>
+              </p:style>
+              <p:txBody>
+                <a:bodyPr rtlCol="0" anchor="ctr"/>
+                <a:lstStyle/>
+                <a:p>
+                  <a:pPr algn="ctr"/>
+                  <a:endParaRPr lang="en-US"/>
+                </a:p>
+              </p:txBody>
+            </p:sp>
+          </p:grpSp>
+        </p:grpSp>
+        <p:sp>
+          <p:nvSpPr>
+            <p:cNvPr id="89" name="TextBox 88">
+              <a:extLst>
+                <a:ext uri="{FF2B5EF4-FFF2-40B4-BE49-F238E27FC236}">
+                  <a16:creationId xmlns:a16="http://schemas.microsoft.com/office/drawing/2014/main" id="{E4EF32FF-2F05-440D-AE0F-9B6668EC6221}"/>
+                </a:ext>
+              </a:extLst>
+            </p:cNvPr>
+            <p:cNvSpPr txBox="1"/>
+            <p:nvPr/>
+          </p:nvSpPr>
+          <p:spPr>
+            <a:xfrm>
+              <a:off x="8723158" y="4366004"/>
+              <a:ext cx="1940064" cy="369332"/>
+            </a:xfrm>
+            <a:prstGeom prst="rect">
+              <a:avLst/>
+            </a:prstGeom>
+            <a:noFill/>
+          </p:spPr>
+          <p:txBody>
+            <a:bodyPr wrap="square" rtlCol="0">
+              <a:spAutoFit/>
+            </a:bodyPr>
+            <a:lstStyle/>
+            <a:p>
+              <a:pPr algn="ctr"/>
+              <a:r>
+                <a:rPr lang="en-US" dirty="0"/>
+                <a:t>ICE candidate (1)</a:t>
+              </a:r>
+            </a:p>
+          </p:txBody>
+        </p:sp>
+        <p:sp>
+          <p:nvSpPr>
+            <p:cNvPr id="90" name="TextBox 89">
+              <a:extLst>
+                <a:ext uri="{FF2B5EF4-FFF2-40B4-BE49-F238E27FC236}">
+                  <a16:creationId xmlns:a16="http://schemas.microsoft.com/office/drawing/2014/main" id="{8B21B7C0-6C04-4C90-9013-99A6638F71FC}"/>
+                </a:ext>
+              </a:extLst>
+            </p:cNvPr>
+            <p:cNvSpPr txBox="1"/>
+            <p:nvPr/>
+          </p:nvSpPr>
+          <p:spPr>
+            <a:xfrm>
+              <a:off x="1507753" y="4350111"/>
+              <a:ext cx="6750455" cy="369332"/>
+            </a:xfrm>
+            <a:prstGeom prst="rect">
+              <a:avLst/>
+            </a:prstGeom>
+            <a:noFill/>
+          </p:spPr>
+          <p:txBody>
+            <a:bodyPr wrap="square" rtlCol="0">
+              <a:spAutoFit/>
+            </a:bodyPr>
+            <a:lstStyle/>
+            <a:p>
+              <a:pPr algn="ctr"/>
+              <a:r>
+                <a:rPr lang="en-US" dirty="0"/>
+                <a:t>ICE candidate (1)</a:t>
+              </a:r>
+            </a:p>
+          </p:txBody>
+        </p:sp>
+      </p:grpSp>
+      <p:grpSp>
+        <p:nvGrpSpPr>
+          <p:cNvPr id="100" name="Group 99">
+            <a:extLst>
+              <a:ext uri="{FF2B5EF4-FFF2-40B4-BE49-F238E27FC236}">
+                <a16:creationId xmlns:a16="http://schemas.microsoft.com/office/drawing/2014/main" id="{948F51F3-D316-4520-B8BB-D029184C70CF}"/>
+              </a:ext>
+            </a:extLst>
+          </p:cNvPr>
+          <p:cNvGrpSpPr/>
+          <p:nvPr/>
+        </p:nvGrpSpPr>
+        <p:grpSpPr>
+          <a:xfrm>
+            <a:off x="1294317" y="5074011"/>
+            <a:ext cx="9617524" cy="543433"/>
+            <a:chOff x="1294317" y="5074011"/>
+            <a:chExt cx="9617524" cy="543433"/>
+          </a:xfrm>
+        </p:grpSpPr>
+        <p:grpSp>
+          <p:nvGrpSpPr>
+            <p:cNvPr id="71" name="Group 70">
+              <a:extLst>
+                <a:ext uri="{FF2B5EF4-FFF2-40B4-BE49-F238E27FC236}">
+                  <a16:creationId xmlns:a16="http://schemas.microsoft.com/office/drawing/2014/main" id="{827A0342-B78D-42FE-8A8E-62DA5737E49D}"/>
+                </a:ext>
+              </a:extLst>
+            </p:cNvPr>
+            <p:cNvGrpSpPr/>
+            <p:nvPr/>
+          </p:nvGrpSpPr>
+          <p:grpSpPr>
+            <a:xfrm>
+              <a:off x="1294317" y="5293444"/>
+              <a:ext cx="9617524" cy="324000"/>
+              <a:chOff x="1294317" y="5293444"/>
+              <a:chExt cx="9617524" cy="324000"/>
+            </a:xfrm>
+          </p:grpSpPr>
+          <p:grpSp>
+            <p:nvGrpSpPr>
+              <p:cNvPr id="38" name="Group 37">
+                <a:extLst>
+                  <a:ext uri="{FF2B5EF4-FFF2-40B4-BE49-F238E27FC236}">
+                    <a16:creationId xmlns:a16="http://schemas.microsoft.com/office/drawing/2014/main" id="{940AA6C9-1BCF-4D02-9E7D-27FEB75F245D}"/>
+                  </a:ext>
+                </a:extLst>
+              </p:cNvPr>
+              <p:cNvGrpSpPr/>
+              <p:nvPr/>
+            </p:nvGrpSpPr>
+            <p:grpSpPr>
+              <a:xfrm flipH="1">
+                <a:off x="8507531" y="5293444"/>
+                <a:ext cx="2404310" cy="324000"/>
+                <a:chOff x="1176873" y="2281139"/>
+                <a:chExt cx="2404310" cy="324000"/>
+              </a:xfrm>
+            </p:grpSpPr>
+            <p:cxnSp>
+              <p:nvCxnSpPr>
+                <p:cNvPr id="39" name="Straight Arrow Connector 38">
+                  <a:extLst>
+                    <a:ext uri="{FF2B5EF4-FFF2-40B4-BE49-F238E27FC236}">
+                      <a16:creationId xmlns:a16="http://schemas.microsoft.com/office/drawing/2014/main" id="{32844675-D784-4F60-A402-4A72927B039E}"/>
+                    </a:ext>
+                  </a:extLst>
+                </p:cNvPr>
+                <p:cNvCxnSpPr>
+                  <a:cxnSpLocks/>
+                </p:cNvCxnSpPr>
+                <p:nvPr/>
+              </p:nvCxnSpPr>
+              <p:spPr>
+                <a:xfrm>
+                  <a:off x="1176873" y="2443139"/>
+                  <a:ext cx="2404310" cy="0"/>
+                </a:xfrm>
+                <a:prstGeom prst="straightConnector1">
+                  <a:avLst/>
+                </a:prstGeom>
+                <a:ln w="19050">
+                  <a:headEnd type="none" w="med" len="med"/>
+                  <a:tailEnd type="triangle" w="lg" len="lg"/>
+                </a:ln>
+              </p:spPr>
+              <p:style>
+                <a:lnRef idx="2">
+                  <a:schemeClr val="accent6">
+                    <a:shade val="50000"/>
+                  </a:schemeClr>
+                </a:lnRef>
+                <a:fillRef idx="1">
+                  <a:schemeClr val="accent6"/>
+                </a:fillRef>
+                <a:effectRef idx="0">
+                  <a:schemeClr val="accent6"/>
+                </a:effectRef>
+                <a:fontRef idx="minor">
+                  <a:schemeClr val="lt1"/>
+                </a:fontRef>
+              </p:style>
+            </p:cxnSp>
+            <p:sp>
+              <p:nvSpPr>
+                <p:cNvPr id="40" name="Isosceles Triangle 39">
+                  <a:extLst>
+                    <a:ext uri="{FF2B5EF4-FFF2-40B4-BE49-F238E27FC236}">
+                      <a16:creationId xmlns:a16="http://schemas.microsoft.com/office/drawing/2014/main" id="{EC441F49-7F12-4332-9B36-279326BC2B6F}"/>
+                    </a:ext>
+                  </a:extLst>
+                </p:cNvPr>
+                <p:cNvSpPr/>
+                <p:nvPr/>
+              </p:nvSpPr>
+              <p:spPr>
+                <a:xfrm rot="5400000">
+                  <a:off x="3310180" y="2335139"/>
+                  <a:ext cx="324000" cy="216000"/>
+                </a:xfrm>
+                <a:prstGeom prst="triangle">
+                  <a:avLst/>
+                </a:prstGeom>
+                <a:ln w="19050"/>
+              </p:spPr>
+              <p:style>
+                <a:lnRef idx="2">
+                  <a:schemeClr val="accent6">
+                    <a:shade val="50000"/>
+                  </a:schemeClr>
+                </a:lnRef>
+                <a:fillRef idx="1">
+                  <a:schemeClr val="accent6"/>
+                </a:fillRef>
+                <a:effectRef idx="0">
+                  <a:schemeClr val="accent6"/>
+                </a:effectRef>
+                <a:fontRef idx="minor">
+                  <a:schemeClr val="lt1"/>
+                </a:fontRef>
+              </p:style>
+              <p:txBody>
+                <a:bodyPr rtlCol="0" anchor="ctr"/>
+                <a:lstStyle/>
+                <a:p>
+                  <a:pPr algn="ctr"/>
+                  <a:endParaRPr lang="en-US"/>
+                </a:p>
+              </p:txBody>
+            </p:sp>
+          </p:grpSp>
+          <p:grpSp>
+            <p:nvGrpSpPr>
+              <p:cNvPr id="59" name="Group 58">
+                <a:extLst>
+                  <a:ext uri="{FF2B5EF4-FFF2-40B4-BE49-F238E27FC236}">
+                    <a16:creationId xmlns:a16="http://schemas.microsoft.com/office/drawing/2014/main" id="{61A4B142-192A-49CA-B8D0-787DC5BD3DD1}"/>
+                  </a:ext>
+                </a:extLst>
+              </p:cNvPr>
+              <p:cNvGrpSpPr/>
+              <p:nvPr/>
+            </p:nvGrpSpPr>
+            <p:grpSpPr>
+              <a:xfrm flipH="1">
+                <a:off x="1294317" y="5293444"/>
+                <a:ext cx="7250531" cy="324000"/>
+                <a:chOff x="1435016" y="3419400"/>
+                <a:chExt cx="7250531" cy="324000"/>
+              </a:xfrm>
+            </p:grpSpPr>
+            <p:cxnSp>
+              <p:nvCxnSpPr>
+                <p:cNvPr id="60" name="Straight Arrow Connector 59">
+                  <a:extLst>
+                    <a:ext uri="{FF2B5EF4-FFF2-40B4-BE49-F238E27FC236}">
+                      <a16:creationId xmlns:a16="http://schemas.microsoft.com/office/drawing/2014/main" id="{7B638897-8D41-4ED5-90A9-B543C3081381}"/>
+                    </a:ext>
+                  </a:extLst>
+                </p:cNvPr>
+                <p:cNvCxnSpPr>
+                  <a:cxnSpLocks/>
+                </p:cNvCxnSpPr>
+                <p:nvPr/>
+              </p:nvCxnSpPr>
+              <p:spPr>
+                <a:xfrm>
+                  <a:off x="1435016" y="3581400"/>
+                  <a:ext cx="7250531" cy="0"/>
+                </a:xfrm>
+                <a:prstGeom prst="straightConnector1">
+                  <a:avLst/>
+                </a:prstGeom>
+                <a:ln w="19050">
+                  <a:headEnd type="none" w="med" len="med"/>
+                  <a:tailEnd type="triangle" w="lg" len="lg"/>
+                </a:ln>
+              </p:spPr>
+              <p:style>
+                <a:lnRef idx="3">
+                  <a:schemeClr val="accent5"/>
+                </a:lnRef>
+                <a:fillRef idx="0">
+                  <a:schemeClr val="accent5"/>
+                </a:fillRef>
+                <a:effectRef idx="2">
+                  <a:schemeClr val="accent5"/>
+                </a:effectRef>
+                <a:fontRef idx="minor">
+                  <a:schemeClr val="tx1"/>
+                </a:fontRef>
+              </p:style>
+            </p:cxnSp>
+            <p:sp>
+              <p:nvSpPr>
+                <p:cNvPr id="61" name="Isosceles Triangle 60">
+                  <a:extLst>
+                    <a:ext uri="{FF2B5EF4-FFF2-40B4-BE49-F238E27FC236}">
+                      <a16:creationId xmlns:a16="http://schemas.microsoft.com/office/drawing/2014/main" id="{2E0D8909-8F12-421D-A50B-8207E3835069}"/>
+                    </a:ext>
+                  </a:extLst>
+                </p:cNvPr>
+                <p:cNvSpPr/>
+                <p:nvPr/>
+              </p:nvSpPr>
+              <p:spPr>
+                <a:xfrm rot="5400000">
+                  <a:off x="8414544" y="3473400"/>
+                  <a:ext cx="324000" cy="216000"/>
+                </a:xfrm>
+                <a:prstGeom prst="triangle">
+                  <a:avLst/>
+                </a:prstGeom>
+              </p:spPr>
+              <p:style>
+                <a:lnRef idx="2">
+                  <a:schemeClr val="accent5">
+                    <a:shade val="50000"/>
+                  </a:schemeClr>
+                </a:lnRef>
+                <a:fillRef idx="1">
+                  <a:schemeClr val="accent5"/>
+                </a:fillRef>
+                <a:effectRef idx="0">
+                  <a:schemeClr val="accent5"/>
+                </a:effectRef>
+                <a:fontRef idx="minor">
+                  <a:schemeClr val="lt1"/>
+                </a:fontRef>
+              </p:style>
+              <p:txBody>
+                <a:bodyPr rtlCol="0" anchor="ctr"/>
+                <a:lstStyle/>
+                <a:p>
+                  <a:pPr algn="ctr"/>
+                  <a:endParaRPr lang="en-US"/>
+                </a:p>
+              </p:txBody>
+            </p:sp>
+          </p:grpSp>
+        </p:grpSp>
+        <p:sp>
+          <p:nvSpPr>
+            <p:cNvPr id="91" name="TextBox 90">
+              <a:extLst>
+                <a:ext uri="{FF2B5EF4-FFF2-40B4-BE49-F238E27FC236}">
+                  <a16:creationId xmlns:a16="http://schemas.microsoft.com/office/drawing/2014/main" id="{F808EA79-31CA-4650-9F8D-F096661DE92B}"/>
+                </a:ext>
+              </a:extLst>
+            </p:cNvPr>
+            <p:cNvSpPr txBox="1"/>
+            <p:nvPr/>
+          </p:nvSpPr>
+          <p:spPr>
+            <a:xfrm>
+              <a:off x="8723158" y="5089904"/>
+              <a:ext cx="1940064" cy="369332"/>
+            </a:xfrm>
+            <a:prstGeom prst="rect">
+              <a:avLst/>
+            </a:prstGeom>
+            <a:noFill/>
+          </p:spPr>
+          <p:txBody>
+            <a:bodyPr wrap="square" rtlCol="0">
+              <a:spAutoFit/>
+            </a:bodyPr>
+            <a:lstStyle/>
+            <a:p>
+              <a:pPr algn="ctr"/>
+              <a:r>
+                <a:rPr lang="en-US" dirty="0"/>
+                <a:t>ICE candidate (2)</a:t>
+              </a:r>
+            </a:p>
+          </p:txBody>
+        </p:sp>
+        <p:sp>
+          <p:nvSpPr>
+            <p:cNvPr id="92" name="TextBox 91">
+              <a:extLst>
+                <a:ext uri="{FF2B5EF4-FFF2-40B4-BE49-F238E27FC236}">
+                  <a16:creationId xmlns:a16="http://schemas.microsoft.com/office/drawing/2014/main" id="{4F5123BE-40D7-4633-BCCF-5ED7D9FD59DB}"/>
+                </a:ext>
+              </a:extLst>
+            </p:cNvPr>
+            <p:cNvSpPr txBox="1"/>
+            <p:nvPr/>
+          </p:nvSpPr>
+          <p:spPr>
+            <a:xfrm>
+              <a:off x="1507753" y="5074011"/>
+              <a:ext cx="6750455" cy="369332"/>
+            </a:xfrm>
+            <a:prstGeom prst="rect">
+              <a:avLst/>
+            </a:prstGeom>
+            <a:noFill/>
+          </p:spPr>
+          <p:txBody>
+            <a:bodyPr wrap="square" rtlCol="0">
+              <a:spAutoFit/>
+            </a:bodyPr>
+            <a:lstStyle/>
+            <a:p>
+              <a:pPr algn="ctr"/>
+              <a:r>
+                <a:rPr lang="en-US" dirty="0"/>
+                <a:t>ICE candidate (2)</a:t>
+              </a:r>
+            </a:p>
+          </p:txBody>
+        </p:sp>
+      </p:grpSp>
+      <p:grpSp>
+        <p:nvGrpSpPr>
+          <p:cNvPr id="101" name="Group 100">
+            <a:extLst>
+              <a:ext uri="{FF2B5EF4-FFF2-40B4-BE49-F238E27FC236}">
+                <a16:creationId xmlns:a16="http://schemas.microsoft.com/office/drawing/2014/main" id="{20359214-6E34-4B0F-9A1D-CBFFD2F56417}"/>
+              </a:ext>
+            </a:extLst>
+          </p:cNvPr>
+          <p:cNvGrpSpPr/>
+          <p:nvPr/>
+        </p:nvGrpSpPr>
+        <p:grpSpPr>
+          <a:xfrm>
+            <a:off x="3688681" y="5653131"/>
+            <a:ext cx="7250531" cy="542635"/>
+            <a:chOff x="3688681" y="5653131"/>
+            <a:chExt cx="7250531" cy="542635"/>
+          </a:xfrm>
+        </p:grpSpPr>
+        <p:grpSp>
+          <p:nvGrpSpPr>
+            <p:cNvPr id="65" name="Group 64">
+              <a:extLst>
+                <a:ext uri="{FF2B5EF4-FFF2-40B4-BE49-F238E27FC236}">
+                  <a16:creationId xmlns:a16="http://schemas.microsoft.com/office/drawing/2014/main" id="{AEFF9B31-C82A-4B0E-8695-36C4D8468BC4}"/>
+                </a:ext>
+              </a:extLst>
+            </p:cNvPr>
+            <p:cNvGrpSpPr/>
+            <p:nvPr/>
+          </p:nvGrpSpPr>
+          <p:grpSpPr>
+            <a:xfrm flipH="1">
+              <a:off x="3688681" y="5871766"/>
+              <a:ext cx="7250531" cy="324000"/>
+              <a:chOff x="1435016" y="3419400"/>
+              <a:chExt cx="7250531" cy="324000"/>
+            </a:xfrm>
+          </p:grpSpPr>
+          <p:cxnSp>
+            <p:nvCxnSpPr>
+              <p:cNvPr id="66" name="Straight Arrow Connector 65">
+                <a:extLst>
+                  <a:ext uri="{FF2B5EF4-FFF2-40B4-BE49-F238E27FC236}">
+                    <a16:creationId xmlns:a16="http://schemas.microsoft.com/office/drawing/2014/main" id="{2DCACF7A-AAD6-41CC-9636-A342EB71BD3B}"/>
+                  </a:ext>
+                </a:extLst>
+              </p:cNvPr>
+              <p:cNvCxnSpPr>
+                <a:cxnSpLocks/>
+              </p:cNvCxnSpPr>
+              <p:nvPr/>
+            </p:nvCxnSpPr>
+            <p:spPr>
+              <a:xfrm>
+                <a:off x="1435016" y="3581400"/>
+                <a:ext cx="7250531" cy="0"/>
+              </a:xfrm>
+              <a:prstGeom prst="straightConnector1">
+                <a:avLst/>
+              </a:prstGeom>
+              <a:ln w="19050">
+                <a:headEnd type="none" w="med" len="med"/>
+                <a:tailEnd type="triangle" w="lg" len="lg"/>
+              </a:ln>
+            </p:spPr>
+            <p:style>
+              <a:lnRef idx="2">
+                <a:schemeClr val="accent6">
+                  <a:shade val="50000"/>
+                </a:schemeClr>
+              </a:lnRef>
+              <a:fillRef idx="1">
+                <a:schemeClr val="accent6"/>
+              </a:fillRef>
+              <a:effectRef idx="0">
+                <a:schemeClr val="accent6"/>
+              </a:effectRef>
+              <a:fontRef idx="minor">
+                <a:schemeClr val="lt1"/>
+              </a:fontRef>
+            </p:style>
+          </p:cxnSp>
+          <p:sp>
+            <p:nvSpPr>
+              <p:cNvPr id="67" name="Isosceles Triangle 66">
+                <a:extLst>
+                  <a:ext uri="{FF2B5EF4-FFF2-40B4-BE49-F238E27FC236}">
+                    <a16:creationId xmlns:a16="http://schemas.microsoft.com/office/drawing/2014/main" id="{4F0A63AA-1ADA-49DF-AE5D-F6FCD8CD90A7}"/>
+                  </a:ext>
+                </a:extLst>
+              </p:cNvPr>
+              <p:cNvSpPr/>
+              <p:nvPr/>
+            </p:nvSpPr>
+            <p:spPr>
+              <a:xfrm rot="5400000">
+                <a:off x="8414544" y="3473400"/>
+                <a:ext cx="324000" cy="216000"/>
+              </a:xfrm>
+              <a:prstGeom prst="triangle">
+                <a:avLst/>
+              </a:prstGeom>
+              <a:ln w="19050"/>
+            </p:spPr>
+            <p:style>
+              <a:lnRef idx="2">
+                <a:schemeClr val="accent6">
+                  <a:shade val="50000"/>
+                </a:schemeClr>
+              </a:lnRef>
+              <a:fillRef idx="1">
+                <a:schemeClr val="accent6"/>
+              </a:fillRef>
+              <a:effectRef idx="0">
+                <a:schemeClr val="accent6"/>
+              </a:effectRef>
+              <a:fontRef idx="minor">
+                <a:schemeClr val="lt1"/>
+              </a:fontRef>
+            </p:style>
+            <p:txBody>
+              <a:bodyPr rtlCol="0" anchor="ctr"/>
+              <a:lstStyle/>
+              <a:p>
+                <a:pPr algn="ctr"/>
+                <a:endParaRPr lang="en-US"/>
+              </a:p>
+            </p:txBody>
+          </p:sp>
+        </p:grpSp>
+        <p:sp>
+          <p:nvSpPr>
+            <p:cNvPr id="95" name="TextBox 94">
+              <a:extLst>
+                <a:ext uri="{FF2B5EF4-FFF2-40B4-BE49-F238E27FC236}">
+                  <a16:creationId xmlns:a16="http://schemas.microsoft.com/office/drawing/2014/main" id="{128B291C-B9FB-4C22-B045-F8A85B7253A1}"/>
+                </a:ext>
+              </a:extLst>
+            </p:cNvPr>
+            <p:cNvSpPr txBox="1"/>
+            <p:nvPr/>
+          </p:nvSpPr>
+          <p:spPr>
+            <a:xfrm>
+              <a:off x="3923293" y="5653131"/>
+              <a:ext cx="6750455" cy="369332"/>
+            </a:xfrm>
+            <a:prstGeom prst="rect">
+              <a:avLst/>
+            </a:prstGeom>
+            <a:noFill/>
+          </p:spPr>
+          <p:txBody>
+            <a:bodyPr wrap="square" rtlCol="0">
+              <a:spAutoFit/>
+            </a:bodyPr>
+            <a:lstStyle/>
+            <a:p>
+              <a:pPr algn="ctr"/>
+              <a:r>
+                <a:rPr lang="en-US" dirty="0"/>
+                <a:t>Who am I?</a:t>
+              </a:r>
+            </a:p>
+          </p:txBody>
+        </p:sp>
+      </p:grpSp>
+      <p:grpSp>
+        <p:nvGrpSpPr>
+          <p:cNvPr id="102" name="Group 101">
+            <a:extLst>
+              <a:ext uri="{FF2B5EF4-FFF2-40B4-BE49-F238E27FC236}">
+                <a16:creationId xmlns:a16="http://schemas.microsoft.com/office/drawing/2014/main" id="{3FC18AC7-14F7-4755-ACE7-408A0F047644}"/>
+              </a:ext>
+            </a:extLst>
+          </p:cNvPr>
+          <p:cNvGrpSpPr/>
+          <p:nvPr/>
+        </p:nvGrpSpPr>
+        <p:grpSpPr>
+          <a:xfrm>
+            <a:off x="3647671" y="6133191"/>
+            <a:ext cx="7250531" cy="536064"/>
+            <a:chOff x="3647671" y="6133191"/>
+            <a:chExt cx="7250531" cy="536064"/>
+          </a:xfrm>
+        </p:grpSpPr>
+        <p:grpSp>
+          <p:nvGrpSpPr>
+            <p:cNvPr id="55" name="Group 54">
+              <a:extLst>
+                <a:ext uri="{FF2B5EF4-FFF2-40B4-BE49-F238E27FC236}">
+                  <a16:creationId xmlns:a16="http://schemas.microsoft.com/office/drawing/2014/main" id="{57637674-899C-4387-8EA8-CE0E89AD30A1}"/>
+                </a:ext>
+              </a:extLst>
+            </p:cNvPr>
+            <p:cNvGrpSpPr/>
+            <p:nvPr/>
+          </p:nvGrpSpPr>
+          <p:grpSpPr>
+            <a:xfrm>
+              <a:off x="3647671" y="6345255"/>
+              <a:ext cx="7250531" cy="324000"/>
+              <a:chOff x="1435016" y="3419400"/>
+              <a:chExt cx="7250531" cy="324000"/>
+            </a:xfrm>
+          </p:grpSpPr>
+          <p:cxnSp>
+            <p:nvCxnSpPr>
+              <p:cNvPr id="53" name="Straight Arrow Connector 52">
+                <a:extLst>
+                  <a:ext uri="{FF2B5EF4-FFF2-40B4-BE49-F238E27FC236}">
+                    <a16:creationId xmlns:a16="http://schemas.microsoft.com/office/drawing/2014/main" id="{2E4AD548-1523-4D24-A635-27DD9FB696CB}"/>
+                  </a:ext>
+                </a:extLst>
+              </p:cNvPr>
+              <p:cNvCxnSpPr>
+                <a:cxnSpLocks/>
+              </p:cNvCxnSpPr>
+              <p:nvPr/>
+            </p:nvCxnSpPr>
+            <p:spPr>
+              <a:xfrm>
+                <a:off x="1435016" y="3581400"/>
+                <a:ext cx="7250531" cy="0"/>
+              </a:xfrm>
+              <a:prstGeom prst="straightConnector1">
+                <a:avLst/>
+              </a:prstGeom>
+              <a:ln w="19050">
+                <a:headEnd type="none" w="med" len="med"/>
+                <a:tailEnd type="triangle" w="lg" len="lg"/>
+              </a:ln>
+            </p:spPr>
+            <p:style>
+              <a:lnRef idx="2">
+                <a:schemeClr val="accent2">
+                  <a:shade val="50000"/>
+                </a:schemeClr>
+              </a:lnRef>
+              <a:fillRef idx="1">
+                <a:schemeClr val="accent2"/>
+              </a:fillRef>
+              <a:effectRef idx="0">
+                <a:schemeClr val="accent2"/>
+              </a:effectRef>
+              <a:fontRef idx="minor">
+                <a:schemeClr val="lt1"/>
+              </a:fontRef>
+            </p:style>
+          </p:cxnSp>
+          <p:sp>
+            <p:nvSpPr>
+              <p:cNvPr id="54" name="Isosceles Triangle 53">
+                <a:extLst>
+                  <a:ext uri="{FF2B5EF4-FFF2-40B4-BE49-F238E27FC236}">
+                    <a16:creationId xmlns:a16="http://schemas.microsoft.com/office/drawing/2014/main" id="{E6D6AFF1-E6D7-4DD9-A078-80CADB7BA272}"/>
+                  </a:ext>
+                </a:extLst>
+              </p:cNvPr>
+              <p:cNvSpPr/>
+              <p:nvPr/>
+            </p:nvSpPr>
+            <p:spPr>
+              <a:xfrm rot="5400000">
+                <a:off x="8414544" y="3473400"/>
+                <a:ext cx="324000" cy="216000"/>
+              </a:xfrm>
+              <a:prstGeom prst="triangle">
+                <a:avLst/>
+              </a:prstGeom>
+              <a:ln w="19050"/>
+            </p:spPr>
+            <p:style>
+              <a:lnRef idx="2">
+                <a:schemeClr val="accent2">
+                  <a:shade val="50000"/>
+                </a:schemeClr>
+              </a:lnRef>
+              <a:fillRef idx="1">
+                <a:schemeClr val="accent2"/>
+              </a:fillRef>
+              <a:effectRef idx="0">
+                <a:schemeClr val="accent2"/>
+              </a:effectRef>
+              <a:fontRef idx="minor">
+                <a:schemeClr val="lt1"/>
+              </a:fontRef>
+            </p:style>
+            <p:txBody>
+              <a:bodyPr rtlCol="0" anchor="ctr"/>
+              <a:lstStyle/>
+              <a:p>
+                <a:pPr algn="ctr"/>
+                <a:endParaRPr lang="en-US"/>
+              </a:p>
+            </p:txBody>
+          </p:sp>
+        </p:grpSp>
+        <p:sp>
+          <p:nvSpPr>
+            <p:cNvPr id="96" name="TextBox 95">
+              <a:extLst>
+                <a:ext uri="{FF2B5EF4-FFF2-40B4-BE49-F238E27FC236}">
+                  <a16:creationId xmlns:a16="http://schemas.microsoft.com/office/drawing/2014/main" id="{A151D6B9-4C00-4D55-B92E-24B84FD5CBB9}"/>
+                </a:ext>
+              </a:extLst>
+            </p:cNvPr>
+            <p:cNvSpPr txBox="1"/>
+            <p:nvPr/>
+          </p:nvSpPr>
+          <p:spPr>
+            <a:xfrm>
+              <a:off x="3923293" y="6133191"/>
+              <a:ext cx="6750455" cy="369332"/>
+            </a:xfrm>
+            <a:prstGeom prst="rect">
+              <a:avLst/>
+            </a:prstGeom>
+            <a:noFill/>
+          </p:spPr>
+          <p:txBody>
+            <a:bodyPr wrap="square" rtlCol="0">
+              <a:spAutoFit/>
+            </a:bodyPr>
+            <a:lstStyle/>
+            <a:p>
+              <a:pPr algn="ctr"/>
+              <a:r>
+                <a:rPr lang="en-US" dirty="0"/>
+                <a:t>92.221.17.196:1337</a:t>
+              </a:r>
+            </a:p>
+          </p:txBody>
+        </p:sp>
+      </p:grpSp>
+      <p:sp>
+        <p:nvSpPr>
+          <p:cNvPr id="68" name="Rectangle 67">
+            <a:extLst>
+              <a:ext uri="{FF2B5EF4-FFF2-40B4-BE49-F238E27FC236}">
+                <a16:creationId xmlns:a16="http://schemas.microsoft.com/office/drawing/2014/main" id="{63B3F0CB-0B4D-4D33-B9D4-1CE075496835}"/>
+              </a:ext>
+            </a:extLst>
+          </p:cNvPr>
+          <p:cNvSpPr/>
+          <p:nvPr/>
+        </p:nvSpPr>
+        <p:spPr>
+          <a:xfrm>
+            <a:off x="696913" y="2984500"/>
+            <a:ext cx="580940" cy="2159000"/>
+          </a:xfrm>
+          <a:prstGeom prst="rect">
+            <a:avLst/>
+          </a:prstGeom>
+          <a:ln>
+            <a:solidFill>
+              <a:schemeClr val="bg1"/>
+            </a:solidFill>
+          </a:ln>
+        </p:spPr>
+        <p:style>
+          <a:lnRef idx="2">
+            <a:schemeClr val="dk1"/>
+          </a:lnRef>
+          <a:fillRef idx="1">
+            <a:schemeClr val="lt1"/>
+          </a:fillRef>
+          <a:effectRef idx="0">
+            <a:schemeClr val="dk1"/>
+          </a:effectRef>
+          <a:fontRef idx="minor">
+            <a:schemeClr val="dk1"/>
+          </a:fontRef>
+        </p:style>
+        <p:txBody>
+          <a:bodyPr rtlCol="0" anchor="ctr"/>
+          <a:lstStyle/>
+          <a:p>
+            <a:pPr algn="ctr"/>
+            <a:endParaRPr lang="en-US"/>
+          </a:p>
+        </p:txBody>
+      </p:sp>
+      <p:sp>
+        <p:nvSpPr>
+          <p:cNvPr id="69" name="Rectangle 68">
+            <a:extLst>
+              <a:ext uri="{FF2B5EF4-FFF2-40B4-BE49-F238E27FC236}">
+                <a16:creationId xmlns:a16="http://schemas.microsoft.com/office/drawing/2014/main" id="{9E1676EC-1916-4A5A-8765-9D177BCBE869}"/>
+              </a:ext>
+            </a:extLst>
+          </p:cNvPr>
+          <p:cNvSpPr/>
+          <p:nvPr/>
+        </p:nvSpPr>
+        <p:spPr>
+          <a:xfrm>
+            <a:off x="3105151" y="6195766"/>
+            <a:ext cx="580940" cy="411826"/>
+          </a:xfrm>
+          <a:prstGeom prst="rect">
+            <a:avLst/>
+          </a:prstGeom>
+          <a:ln>
+            <a:solidFill>
+              <a:schemeClr val="bg1"/>
+            </a:solidFill>
+          </a:ln>
+        </p:spPr>
+        <p:style>
+          <a:lnRef idx="2">
+            <a:schemeClr val="dk1"/>
+          </a:lnRef>
+          <a:fillRef idx="1">
+            <a:schemeClr val="lt1"/>
+          </a:fillRef>
+          <a:effectRef idx="0">
+            <a:schemeClr val="dk1"/>
+          </a:effectRef>
+          <a:fontRef idx="minor">
+            <a:schemeClr val="dk1"/>
+          </a:fontRef>
+        </p:style>
+        <p:txBody>
+          <a:bodyPr rtlCol="0" anchor="ctr"/>
+          <a:lstStyle/>
+          <a:p>
+            <a:pPr algn="ctr"/>
+            <a:endParaRPr lang="en-US"/>
+          </a:p>
+        </p:txBody>
+      </p:sp>
+      <p:sp>
+        <p:nvSpPr>
+          <p:cNvPr id="70" name="Rectangle 69">
+            <a:extLst>
+              <a:ext uri="{FF2B5EF4-FFF2-40B4-BE49-F238E27FC236}">
+                <a16:creationId xmlns:a16="http://schemas.microsoft.com/office/drawing/2014/main" id="{E878AA78-0C1E-4437-9879-90F66AEB4619}"/>
+              </a:ext>
+            </a:extLst>
+          </p:cNvPr>
+          <p:cNvSpPr/>
+          <p:nvPr/>
+        </p:nvSpPr>
+        <p:spPr>
+          <a:xfrm>
+            <a:off x="10920495" y="5707379"/>
+            <a:ext cx="580940" cy="633485"/>
+          </a:xfrm>
+          <a:prstGeom prst="rect">
+            <a:avLst/>
+          </a:prstGeom>
+          <a:ln>
+            <a:solidFill>
+              <a:schemeClr val="bg1"/>
+            </a:solidFill>
+          </a:ln>
+        </p:spPr>
+        <p:style>
+          <a:lnRef idx="2">
+            <a:schemeClr val="dk1"/>
+          </a:lnRef>
+          <a:fillRef idx="1">
+            <a:schemeClr val="lt1"/>
+          </a:fillRef>
+          <a:effectRef idx="0">
+            <a:schemeClr val="dk1"/>
+          </a:effectRef>
+          <a:fontRef idx="minor">
+            <a:schemeClr val="dk1"/>
+          </a:fontRef>
+        </p:style>
+        <p:txBody>
+          <a:bodyPr rtlCol="0" anchor="ctr"/>
+          <a:lstStyle/>
+          <a:p>
+            <a:pPr algn="ctr"/>
+            <a:endParaRPr lang="en-US"/>
+          </a:p>
+        </p:txBody>
+      </p:sp>
+      <p:grpSp>
+        <p:nvGrpSpPr>
+          <p:cNvPr id="41" name="Group 40">
+            <a:extLst>
+              <a:ext uri="{FF2B5EF4-FFF2-40B4-BE49-F238E27FC236}">
+                <a16:creationId xmlns:a16="http://schemas.microsoft.com/office/drawing/2014/main" id="{A3B6D372-F426-4E41-98AA-3C784EC02285}"/>
+              </a:ext>
+            </a:extLst>
+          </p:cNvPr>
+          <p:cNvGrpSpPr/>
+          <p:nvPr/>
+        </p:nvGrpSpPr>
+        <p:grpSpPr>
+          <a:xfrm>
+            <a:off x="8491035" y="3266934"/>
+            <a:ext cx="2404310" cy="324000"/>
+            <a:chOff x="1176873" y="2281139"/>
+            <a:chExt cx="2404310" cy="324000"/>
+          </a:xfrm>
+        </p:grpSpPr>
+        <p:cxnSp>
+          <p:nvCxnSpPr>
+            <p:cNvPr id="42" name="Straight Arrow Connector 41">
+              <a:extLst>
+                <a:ext uri="{FF2B5EF4-FFF2-40B4-BE49-F238E27FC236}">
+                  <a16:creationId xmlns:a16="http://schemas.microsoft.com/office/drawing/2014/main" id="{E1FA27A5-EBE1-438E-B7EA-11DB5C875716}"/>
+                </a:ext>
+              </a:extLst>
+            </p:cNvPr>
+            <p:cNvCxnSpPr>
+              <a:cxnSpLocks/>
+            </p:cNvCxnSpPr>
+            <p:nvPr/>
+          </p:nvCxnSpPr>
+          <p:spPr>
+            <a:xfrm>
+              <a:off x="1176873" y="2443139"/>
+              <a:ext cx="2404310" cy="0"/>
+            </a:xfrm>
+            <a:prstGeom prst="straightConnector1">
+              <a:avLst/>
+            </a:prstGeom>
+            <a:ln w="19050">
+              <a:headEnd type="none" w="med" len="med"/>
+              <a:tailEnd type="triangle" w="lg" len="lg"/>
+            </a:ln>
+          </p:spPr>
+          <p:style>
+            <a:lnRef idx="3">
+              <a:schemeClr val="accent5"/>
+            </a:lnRef>
+            <a:fillRef idx="0">
+              <a:schemeClr val="accent5"/>
+            </a:fillRef>
+            <a:effectRef idx="2">
+              <a:schemeClr val="accent5"/>
+            </a:effectRef>
+            <a:fontRef idx="minor">
+              <a:schemeClr val="tx1"/>
+            </a:fontRef>
+          </p:style>
+        </p:cxnSp>
+        <p:sp>
+          <p:nvSpPr>
+            <p:cNvPr id="43" name="Isosceles Triangle 42">
+              <a:extLst>
+                <a:ext uri="{FF2B5EF4-FFF2-40B4-BE49-F238E27FC236}">
+                  <a16:creationId xmlns:a16="http://schemas.microsoft.com/office/drawing/2014/main" id="{8C73CEF5-BDCC-4BE0-9658-4D6F6CB28610}"/>
+                </a:ext>
+              </a:extLst>
+            </p:cNvPr>
+            <p:cNvSpPr/>
+            <p:nvPr/>
+          </p:nvSpPr>
+          <p:spPr>
+            <a:xfrm rot="5400000">
+              <a:off x="3310180" y="2335139"/>
+              <a:ext cx="324000" cy="216000"/>
+            </a:xfrm>
+            <a:prstGeom prst="triangle">
+              <a:avLst/>
+            </a:prstGeom>
+          </p:spPr>
+          <p:style>
+            <a:lnRef idx="2">
+              <a:schemeClr val="accent5">
+                <a:shade val="50000"/>
+              </a:schemeClr>
+            </a:lnRef>
+            <a:fillRef idx="1">
+              <a:schemeClr val="accent5"/>
+            </a:fillRef>
+            <a:effectRef idx="0">
+              <a:schemeClr val="accent5"/>
+            </a:effectRef>
+            <a:fontRef idx="minor">
+              <a:schemeClr val="lt1"/>
+            </a:fontRef>
+          </p:style>
+          <p:txBody>
+            <a:bodyPr rtlCol="0" anchor="ctr"/>
+            <a:lstStyle/>
+            <a:p>
+              <a:pPr algn="ctr"/>
+              <a:endParaRPr lang="en-US"/>
+            </a:p>
+          </p:txBody>
+        </p:sp>
+      </p:grpSp>
+      <p:cxnSp>
+        <p:nvCxnSpPr>
+          <p:cNvPr id="50" name="Straight Arrow Connector 49">
+            <a:extLst>
+              <a:ext uri="{FF2B5EF4-FFF2-40B4-BE49-F238E27FC236}">
+                <a16:creationId xmlns:a16="http://schemas.microsoft.com/office/drawing/2014/main" id="{6C54735B-1F9D-4B8E-B1A9-DFFB784B7E76}"/>
+              </a:ext>
+            </a:extLst>
+          </p:cNvPr>
+          <p:cNvCxnSpPr>
+            <a:cxnSpLocks/>
+          </p:cNvCxnSpPr>
+          <p:nvPr/>
+        </p:nvCxnSpPr>
+        <p:spPr>
+          <a:xfrm>
+            <a:off x="1242809" y="3429000"/>
+            <a:ext cx="7250531" cy="0"/>
+          </a:xfrm>
+          <a:prstGeom prst="straightConnector1">
+            <a:avLst/>
+          </a:prstGeom>
+          <a:ln w="19050">
+            <a:headEnd type="none" w="med" len="med"/>
+            <a:tailEnd type="triangle" w="lg" len="lg"/>
+          </a:ln>
+        </p:spPr>
+        <p:style>
+          <a:lnRef idx="2">
+            <a:schemeClr val="accent6">
+              <a:shade val="50000"/>
+            </a:schemeClr>
+          </a:lnRef>
+          <a:fillRef idx="1">
+            <a:schemeClr val="accent6"/>
+          </a:fillRef>
+          <a:effectRef idx="0">
+            <a:schemeClr val="accent6"/>
+          </a:effectRef>
+          <a:fontRef idx="minor">
+            <a:schemeClr val="lt1"/>
+          </a:fontRef>
+        </p:style>
+      </p:cxnSp>
+      <p:sp>
+        <p:nvSpPr>
+          <p:cNvPr id="83" name="TextBox 82">
+            <a:extLst>
+              <a:ext uri="{FF2B5EF4-FFF2-40B4-BE49-F238E27FC236}">
+                <a16:creationId xmlns:a16="http://schemas.microsoft.com/office/drawing/2014/main" id="{13059746-A700-47AA-9435-08C2CA7741D3}"/>
+              </a:ext>
+            </a:extLst>
+          </p:cNvPr>
+          <p:cNvSpPr txBox="1"/>
+          <p:nvPr/>
+        </p:nvSpPr>
+        <p:spPr>
+          <a:xfrm>
+            <a:off x="8723158" y="3062984"/>
+            <a:ext cx="1940064" cy="369332"/>
+          </a:xfrm>
+          <a:prstGeom prst="rect">
+            <a:avLst/>
+          </a:prstGeom>
+          <a:noFill/>
+        </p:spPr>
+        <p:txBody>
+          <a:bodyPr wrap="square" rtlCol="0">
+            <a:spAutoFit/>
+          </a:bodyPr>
+          <a:lstStyle/>
+          <a:p>
+            <a:pPr algn="ctr"/>
+            <a:r>
+              <a:rPr lang="en-US" dirty="0"/>
+              <a:t>Offer SDP</a:t>
+            </a:r>
+          </a:p>
+        </p:txBody>
+      </p:sp>
+      <p:sp>
+        <p:nvSpPr>
+          <p:cNvPr id="85" name="TextBox 84">
+            <a:extLst>
+              <a:ext uri="{FF2B5EF4-FFF2-40B4-BE49-F238E27FC236}">
+                <a16:creationId xmlns:a16="http://schemas.microsoft.com/office/drawing/2014/main" id="{AA1F4CBF-E2F6-42D9-AEB1-9B88A9550336}"/>
+              </a:ext>
+            </a:extLst>
+          </p:cNvPr>
+          <p:cNvSpPr txBox="1"/>
+          <p:nvPr/>
+        </p:nvSpPr>
+        <p:spPr>
+          <a:xfrm>
+            <a:off x="1507753" y="3047091"/>
+            <a:ext cx="6750455" cy="369332"/>
+          </a:xfrm>
+          <a:prstGeom prst="rect">
+            <a:avLst/>
+          </a:prstGeom>
+          <a:noFill/>
+        </p:spPr>
+        <p:txBody>
+          <a:bodyPr wrap="square" rtlCol="0">
+            <a:spAutoFit/>
+          </a:bodyPr>
+          <a:lstStyle/>
+          <a:p>
+            <a:pPr algn="ctr"/>
+            <a:r>
+              <a:rPr lang="en-US" dirty="0"/>
+              <a:t>Offer SDP</a:t>
+            </a:r>
+          </a:p>
+        </p:txBody>
+      </p:sp>
+      <p:sp>
+        <p:nvSpPr>
+          <p:cNvPr id="51" name="Isosceles Triangle 50">
+            <a:extLst>
+              <a:ext uri="{FF2B5EF4-FFF2-40B4-BE49-F238E27FC236}">
+                <a16:creationId xmlns:a16="http://schemas.microsoft.com/office/drawing/2014/main" id="{D75BB5BD-2950-40F5-9232-E5F916278913}"/>
+              </a:ext>
+            </a:extLst>
+          </p:cNvPr>
+          <p:cNvSpPr/>
+          <p:nvPr/>
+        </p:nvSpPr>
+        <p:spPr>
+          <a:xfrm rot="5400000">
+            <a:off x="8222839" y="3321000"/>
+            <a:ext cx="324000" cy="216000"/>
+          </a:xfrm>
+          <a:prstGeom prst="triangle">
+            <a:avLst/>
+          </a:prstGeom>
+          <a:ln w="19050"/>
+        </p:spPr>
+        <p:style>
+          <a:lnRef idx="2">
+            <a:schemeClr val="accent6">
+              <a:shade val="50000"/>
+            </a:schemeClr>
+          </a:lnRef>
+          <a:fillRef idx="1">
+            <a:schemeClr val="accent6"/>
+          </a:fillRef>
+          <a:effectRef idx="0">
+            <a:schemeClr val="accent6"/>
+          </a:effectRef>
+          <a:fontRef idx="minor">
+            <a:schemeClr val="lt1"/>
+          </a:fontRef>
+        </p:style>
+        <p:txBody>
+          <a:bodyPr rtlCol="0" anchor="ctr"/>
+          <a:lstStyle/>
+          <a:p>
+            <a:pPr algn="ctr"/>
+            <a:endParaRPr lang="en-US"/>
+          </a:p>
+        </p:txBody>
+      </p:sp>
+    </p:spTree>
+    <p:extLst>
+      <p:ext uri="{BB962C8B-B14F-4D97-AF65-F5344CB8AC3E}">
+        <p14:creationId xmlns:p14="http://schemas.microsoft.com/office/powerpoint/2010/main" val="545937651"/>
       </p:ext>
     </p:extLst>
   </p:cSld>
@@ -4753,7 +7509,7 @@
         </p:nvSpPr>
         <p:spPr>
           <a:xfrm>
-            <a:off x="1282360" y="1489322"/>
+            <a:off x="1282361" y="1489322"/>
             <a:ext cx="1354307" cy="401622"/>
           </a:xfrm>
           <a:prstGeom prst="roundRect">
@@ -4780,7 +7536,7 @@
           <a:lstStyle/>
           <a:p>
             <a:pPr algn="ctr"/>
-            <a:endParaRPr lang="en-GB"/>
+            <a:endParaRPr lang="en-GB" sz="1799"/>
           </a:p>
         </p:txBody>
       </p:sp>
@@ -4798,7 +7554,7 @@
         </p:nvSpPr>
         <p:spPr>
           <a:xfrm>
-            <a:off x="3159711" y="1489322"/>
+            <a:off x="3159712" y="1489322"/>
             <a:ext cx="1354307" cy="401622"/>
           </a:xfrm>
           <a:prstGeom prst="roundRect">
@@ -4825,7 +7581,7 @@
           <a:lstStyle/>
           <a:p>
             <a:pPr algn="ctr"/>
-            <a:endParaRPr lang="en-GB"/>
+            <a:endParaRPr lang="en-GB" sz="1799"/>
           </a:p>
         </p:txBody>
       </p:sp>
@@ -4843,7 +7599,7 @@
         </p:nvSpPr>
         <p:spPr>
           <a:xfrm>
-            <a:off x="5037062" y="1489322"/>
+            <a:off x="5037064" y="1489322"/>
             <a:ext cx="1354307" cy="401622"/>
           </a:xfrm>
           <a:prstGeom prst="roundRect">
@@ -4870,7 +7626,7 @@
           <a:lstStyle/>
           <a:p>
             <a:pPr algn="ctr"/>
-            <a:endParaRPr lang="en-GB"/>
+            <a:endParaRPr lang="en-GB" sz="1799"/>
           </a:p>
         </p:txBody>
       </p:sp>
@@ -4888,7 +7644,7 @@
         </p:nvSpPr>
         <p:spPr>
           <a:xfrm>
-            <a:off x="6914413" y="1489322"/>
+            <a:off x="6914416" y="1489322"/>
             <a:ext cx="1354307" cy="401622"/>
           </a:xfrm>
           <a:prstGeom prst="roundRect">
@@ -4915,7 +7671,7 @@
           <a:lstStyle/>
           <a:p>
             <a:pPr algn="ctr"/>
-            <a:endParaRPr lang="en-GB"/>
+            <a:endParaRPr lang="en-GB" sz="1799"/>
           </a:p>
         </p:txBody>
       </p:sp>
@@ -4933,7 +7689,7 @@
         </p:nvSpPr>
         <p:spPr>
           <a:xfrm>
-            <a:off x="8791764" y="1489322"/>
+            <a:off x="8791765" y="1489322"/>
             <a:ext cx="1354307" cy="401622"/>
           </a:xfrm>
           <a:prstGeom prst="roundRect">
@@ -4960,7 +7716,7 @@
           <a:lstStyle/>
           <a:p>
             <a:pPr algn="ctr"/>
-            <a:endParaRPr lang="en-GB"/>
+            <a:endParaRPr lang="en-GB" sz="1799"/>
           </a:p>
         </p:txBody>
       </p:sp>
@@ -4981,7 +7737,7 @@
         </p:nvCxnSpPr>
         <p:spPr>
           <a:xfrm>
-            <a:off x="1959514" y="1489322"/>
+            <a:off x="1959515" y="1489322"/>
             <a:ext cx="0" cy="401622"/>
           </a:xfrm>
           <a:prstGeom prst="line">
@@ -5219,7 +7975,7 @@
         </p:nvCxnSpPr>
         <p:spPr>
           <a:xfrm flipH="1">
-            <a:off x="4514018" y="1690133"/>
+            <a:off x="4514019" y="1690133"/>
             <a:ext cx="523044" cy="0"/>
           </a:xfrm>
           <a:prstGeom prst="straightConnector1">
@@ -5360,7 +8116,7 @@
               <a:rPr lang="en-GB" sz="2000" dirty="0"/>
               <a:t>…</a:t>
             </a:r>
-            <a:endParaRPr lang="en-GB" dirty="0"/>
+            <a:endParaRPr lang="en-GB" sz="1799" dirty="0"/>
           </a:p>
         </p:txBody>
       </p:sp>
@@ -5378,7 +8134,7 @@
         </p:nvSpPr>
         <p:spPr>
           <a:xfrm>
-            <a:off x="10669115" y="1416357"/>
+            <a:off x="10669114" y="1416357"/>
             <a:ext cx="360996" cy="400110"/>
           </a:xfrm>
           <a:prstGeom prst="rect">
@@ -5396,7 +8152,7 @@
               <a:rPr lang="en-GB" sz="2000" dirty="0"/>
               <a:t>…</a:t>
             </a:r>
-            <a:endParaRPr lang="en-GB" dirty="0"/>
+            <a:endParaRPr lang="en-GB" sz="1799" dirty="0"/>
           </a:p>
         </p:txBody>
       </p:sp>
@@ -5416,7 +8172,7 @@
         </p:nvCxnSpPr>
         <p:spPr>
           <a:xfrm flipH="1">
-            <a:off x="759316" y="1690133"/>
+            <a:off x="759315" y="1690133"/>
             <a:ext cx="523044" cy="0"/>
           </a:xfrm>
           <a:prstGeom prst="straightConnector1">
@@ -5457,7 +8213,7 @@
         </p:nvCxnSpPr>
         <p:spPr>
           <a:xfrm flipH="1">
-            <a:off x="10146071" y="1690133"/>
+            <a:off x="10146072" y="1690133"/>
             <a:ext cx="523044" cy="0"/>
           </a:xfrm>
           <a:prstGeom prst="straightConnector1">
@@ -5496,7 +8252,7 @@
         </p:nvSpPr>
         <p:spPr>
           <a:xfrm>
-            <a:off x="1282360" y="2467992"/>
+            <a:off x="1282360" y="2467993"/>
             <a:ext cx="6986324" cy="337349"/>
           </a:xfrm>
           <a:prstGeom prst="rect">
@@ -5523,7 +8279,7 @@
           <a:lstStyle/>
           <a:p>
             <a:pPr algn="ctr"/>
-            <a:endParaRPr lang="en-GB" dirty="0"/>
+            <a:endParaRPr lang="en-GB" sz="1799" dirty="0"/>
           </a:p>
         </p:txBody>
       </p:sp>
@@ -5541,7 +8297,7 @@
         </p:nvSpPr>
         <p:spPr>
           <a:xfrm>
-            <a:off x="5037397" y="2473730"/>
+            <a:off x="5037398" y="2473730"/>
             <a:ext cx="1353600" cy="338554"/>
           </a:xfrm>
           <a:prstGeom prst="rect">
@@ -5619,7 +8375,7 @@
         </p:nvSpPr>
         <p:spPr>
           <a:xfrm>
-            <a:off x="3159711" y="2473730"/>
+            <a:off x="3159712" y="2473730"/>
             <a:ext cx="1353600" cy="338554"/>
           </a:xfrm>
           <a:prstGeom prst="rect">
@@ -5658,7 +8414,7 @@
         </p:nvSpPr>
         <p:spPr>
           <a:xfrm>
-            <a:off x="6915084" y="2467992"/>
+            <a:off x="6915085" y="2467992"/>
             <a:ext cx="1353600" cy="338554"/>
           </a:xfrm>
           <a:prstGeom prst="rect">
@@ -5697,7 +8453,7 @@
         </p:nvSpPr>
         <p:spPr>
           <a:xfrm>
-            <a:off x="3159747" y="3238907"/>
+            <a:off x="3159748" y="3238909"/>
             <a:ext cx="6986324" cy="337349"/>
           </a:xfrm>
           <a:prstGeom prst="rect">
@@ -5724,7 +8480,7 @@
           <a:lstStyle/>
           <a:p>
             <a:pPr algn="ctr"/>
-            <a:endParaRPr lang="en-GB" dirty="0"/>
+            <a:endParaRPr lang="en-GB" sz="1799" dirty="0"/>
           </a:p>
         </p:txBody>
       </p:sp>
@@ -5742,7 +8498,7 @@
         </p:nvSpPr>
         <p:spPr>
           <a:xfrm>
-            <a:off x="6914784" y="3244645"/>
+            <a:off x="6914785" y="3244645"/>
             <a:ext cx="1353600" cy="338554"/>
           </a:xfrm>
           <a:prstGeom prst="rect">
@@ -5820,7 +8576,7 @@
         </p:nvSpPr>
         <p:spPr>
           <a:xfrm>
-            <a:off x="5037098" y="3244645"/>
+            <a:off x="5037099" y="3244644"/>
             <a:ext cx="1353600" cy="338554"/>
           </a:xfrm>
           <a:prstGeom prst="rect">
@@ -5859,7 +8615,7 @@
         </p:nvSpPr>
         <p:spPr>
           <a:xfrm>
-            <a:off x="8792471" y="3238907"/>
+            <a:off x="8792472" y="3238907"/>
             <a:ext cx="1353600" cy="338554"/>
           </a:xfrm>
           <a:prstGeom prst="rect">
@@ -5898,7 +8654,7 @@
         </p:nvSpPr>
         <p:spPr>
           <a:xfrm>
-            <a:off x="5037062" y="4023708"/>
+            <a:off x="5037063" y="4023709"/>
             <a:ext cx="5108637" cy="337349"/>
           </a:xfrm>
           <a:prstGeom prst="rect">
@@ -5930,7 +8686,7 @@
           <a:lstStyle/>
           <a:p>
             <a:pPr algn="ctr"/>
-            <a:endParaRPr lang="en-GB" dirty="0"/>
+            <a:endParaRPr lang="en-GB" sz="1799" dirty="0"/>
           </a:p>
         </p:txBody>
       </p:sp>
@@ -5948,7 +8704,7 @@
         </p:nvSpPr>
         <p:spPr>
           <a:xfrm>
-            <a:off x="8792099" y="4029446"/>
+            <a:off x="8792101" y="4029446"/>
             <a:ext cx="1353600" cy="338554"/>
           </a:xfrm>
           <a:prstGeom prst="rect">
@@ -5987,7 +8743,7 @@
         </p:nvSpPr>
         <p:spPr>
           <a:xfrm>
-            <a:off x="5040874" y="4022503"/>
+            <a:off x="5040875" y="4022503"/>
             <a:ext cx="1353600" cy="338554"/>
           </a:xfrm>
           <a:prstGeom prst="rect">
@@ -6065,7 +8821,7 @@
         </p:nvSpPr>
         <p:spPr>
           <a:xfrm>
-            <a:off x="6914413" y="4802771"/>
+            <a:off x="6914415" y="4802773"/>
             <a:ext cx="3230951" cy="337349"/>
           </a:xfrm>
           <a:prstGeom prst="rect">
@@ -6097,7 +8853,7 @@
           <a:lstStyle/>
           <a:p>
             <a:pPr algn="ctr"/>
-            <a:endParaRPr lang="en-GB" dirty="0"/>
+            <a:endParaRPr lang="en-GB" sz="1799" dirty="0"/>
           </a:p>
         </p:txBody>
       </p:sp>
@@ -6115,7 +8871,7 @@
         </p:nvSpPr>
         <p:spPr>
           <a:xfrm>
-            <a:off x="6918225" y="4801566"/>
+            <a:off x="6918226" y="4801567"/>
             <a:ext cx="1353600" cy="338554"/>
           </a:xfrm>
           <a:prstGeom prst="rect">
@@ -6193,7 +8949,7 @@
         </p:nvSpPr>
         <p:spPr>
           <a:xfrm>
-            <a:off x="8788959" y="2459844"/>
+            <a:off x="8788960" y="2459846"/>
             <a:ext cx="1353600" cy="337349"/>
           </a:xfrm>
           <a:prstGeom prst="rect">
@@ -6225,7 +8981,7 @@
           <a:lstStyle/>
           <a:p>
             <a:pPr algn="ctr"/>
-            <a:endParaRPr lang="en-GB" dirty="0"/>
+            <a:endParaRPr lang="en-GB" sz="1799" dirty="0"/>
           </a:p>
         </p:txBody>
       </p:sp>
@@ -6283,7 +9039,7 @@
         <p:spPr>
           <a:xfrm>
             <a:off x="892902" y="2451398"/>
-            <a:ext cx="381836" cy="369332"/>
+            <a:ext cx="381836" cy="369204"/>
           </a:xfrm>
           <a:prstGeom prst="rect">
             <a:avLst/>
@@ -6297,11 +9053,11 @@
           <a:lstStyle/>
           <a:p>
             <a:r>
-              <a:rPr lang="en-GB" dirty="0"/>
+              <a:rPr lang="en-GB" sz="1799" dirty="0"/>
               <a:t>P</a:t>
             </a:r>
             <a:r>
-              <a:rPr lang="en-GB" baseline="-25000" dirty="0"/>
+              <a:rPr lang="en-GB" sz="1799" baseline="-25000" dirty="0"/>
               <a:t>1</a:t>
             </a:r>
           </a:p>
@@ -6321,8 +9077,8 @@
         </p:nvSpPr>
         <p:spPr>
           <a:xfrm>
-            <a:off x="2776005" y="3229256"/>
-            <a:ext cx="381836" cy="369332"/>
+            <a:off x="2776005" y="3229257"/>
+            <a:ext cx="381836" cy="369204"/>
           </a:xfrm>
           <a:prstGeom prst="rect">
             <a:avLst/>
@@ -6336,11 +9092,11 @@
           <a:lstStyle/>
           <a:p>
             <a:r>
-              <a:rPr lang="en-GB" dirty="0"/>
+              <a:rPr lang="en-GB" sz="1799" dirty="0"/>
               <a:t>P</a:t>
             </a:r>
             <a:r>
-              <a:rPr lang="en-GB" baseline="-25000" dirty="0"/>
+              <a:rPr lang="en-GB" sz="1799" baseline="-25000" dirty="0"/>
               <a:t>2</a:t>
             </a:r>
           </a:p>
@@ -6360,8 +9116,8 @@
         </p:nvSpPr>
         <p:spPr>
           <a:xfrm>
-            <a:off x="4653320" y="4009822"/>
-            <a:ext cx="381836" cy="369332"/>
+            <a:off x="4653320" y="4009823"/>
+            <a:ext cx="381836" cy="369204"/>
           </a:xfrm>
           <a:prstGeom prst="rect">
             <a:avLst/>
@@ -6375,11 +9131,11 @@
           <a:lstStyle/>
           <a:p>
             <a:r>
-              <a:rPr lang="en-GB" dirty="0"/>
+              <a:rPr lang="en-GB" sz="1799" dirty="0"/>
               <a:t>P</a:t>
             </a:r>
             <a:r>
-              <a:rPr lang="en-GB" baseline="-25000" dirty="0"/>
+              <a:rPr lang="en-GB" sz="1799" baseline="-25000" dirty="0"/>
               <a:t>3</a:t>
             </a:r>
           </a:p>
@@ -6399,8 +9155,8 @@
         </p:nvSpPr>
         <p:spPr>
           <a:xfrm>
-            <a:off x="6534483" y="4786177"/>
-            <a:ext cx="381836" cy="369332"/>
+            <a:off x="6534484" y="4786178"/>
+            <a:ext cx="381836" cy="369204"/>
           </a:xfrm>
           <a:prstGeom prst="rect">
             <a:avLst/>
@@ -6414,11 +9170,11 @@
           <a:lstStyle/>
           <a:p>
             <a:r>
-              <a:rPr lang="en-GB" dirty="0"/>
+              <a:rPr lang="en-GB" sz="1799" dirty="0"/>
               <a:t>P</a:t>
             </a:r>
             <a:r>
-              <a:rPr lang="en-GB" baseline="-25000" dirty="0"/>
+              <a:rPr lang="en-GB" sz="1799" baseline="-25000" dirty="0"/>
               <a:t>4</a:t>
             </a:r>
           </a:p>
@@ -6438,8 +9194,8 @@
         </p:nvSpPr>
         <p:spPr>
           <a:xfrm>
-            <a:off x="8403312" y="2451398"/>
-            <a:ext cx="381836" cy="369332"/>
+            <a:off x="8403313" y="2451398"/>
+            <a:ext cx="381836" cy="369204"/>
           </a:xfrm>
           <a:prstGeom prst="rect">
             <a:avLst/>
@@ -6453,11 +9209,11 @@
           <a:lstStyle/>
           <a:p>
             <a:r>
-              <a:rPr lang="en-GB" dirty="0"/>
+              <a:rPr lang="en-GB" sz="1799" dirty="0"/>
               <a:t>P</a:t>
             </a:r>
             <a:r>
-              <a:rPr lang="en-GB" baseline="-25000" dirty="0"/>
+              <a:rPr lang="en-GB" sz="1799" baseline="-25000" dirty="0"/>
               <a:t>5</a:t>
             </a:r>
           </a:p>
@@ -6477,8 +9233,8 @@
         </p:nvSpPr>
         <p:spPr>
           <a:xfrm>
-            <a:off x="9610124" y="1489322"/>
-            <a:ext cx="381836" cy="369332"/>
+            <a:off x="9610124" y="1489323"/>
+            <a:ext cx="381836" cy="369204"/>
           </a:xfrm>
           <a:prstGeom prst="rect">
             <a:avLst/>
@@ -6492,11 +9248,11 @@
           <a:lstStyle/>
           <a:p>
             <a:r>
-              <a:rPr lang="en-GB" dirty="0"/>
+              <a:rPr lang="en-GB" sz="1799" dirty="0"/>
               <a:t>P</a:t>
             </a:r>
             <a:r>
-              <a:rPr lang="en-GB" baseline="-25000" dirty="0"/>
+              <a:rPr lang="en-GB" sz="1799" baseline="-25000" dirty="0"/>
               <a:t>5</a:t>
             </a:r>
           </a:p>
@@ -6516,8 +9272,8 @@
         </p:nvSpPr>
         <p:spPr>
           <a:xfrm>
-            <a:off x="7732773" y="1494639"/>
-            <a:ext cx="381836" cy="369332"/>
+            <a:off x="7732774" y="1494639"/>
+            <a:ext cx="381836" cy="369204"/>
           </a:xfrm>
           <a:prstGeom prst="rect">
             <a:avLst/>
@@ -6531,11 +9287,11 @@
           <a:lstStyle/>
           <a:p>
             <a:r>
-              <a:rPr lang="en-GB" dirty="0"/>
+              <a:rPr lang="en-GB" sz="1799" dirty="0"/>
               <a:t>P</a:t>
             </a:r>
             <a:r>
-              <a:rPr lang="en-GB" baseline="-25000" dirty="0"/>
+              <a:rPr lang="en-GB" sz="1799" baseline="-25000" dirty="0"/>
               <a:t>4</a:t>
             </a:r>
           </a:p>
@@ -6555,8 +9311,8 @@
         </p:nvSpPr>
         <p:spPr>
           <a:xfrm>
-            <a:off x="5857085" y="1494639"/>
-            <a:ext cx="381836" cy="369332"/>
+            <a:off x="5857086" y="1494639"/>
+            <a:ext cx="381836" cy="369204"/>
           </a:xfrm>
           <a:prstGeom prst="rect">
             <a:avLst/>
@@ -6570,11 +9326,11 @@
           <a:lstStyle/>
           <a:p>
             <a:r>
-              <a:rPr lang="en-GB" dirty="0"/>
+              <a:rPr lang="en-GB" sz="1799" dirty="0"/>
               <a:t>P</a:t>
             </a:r>
             <a:r>
-              <a:rPr lang="en-GB" baseline="-25000" dirty="0"/>
+              <a:rPr lang="en-GB" sz="1799" baseline="-25000" dirty="0"/>
               <a:t>3</a:t>
             </a:r>
           </a:p>
@@ -6594,8 +9350,8 @@
         </p:nvSpPr>
         <p:spPr>
           <a:xfrm>
-            <a:off x="3984523" y="1494639"/>
-            <a:ext cx="381836" cy="369332"/>
+            <a:off x="3984524" y="1494639"/>
+            <a:ext cx="381836" cy="369204"/>
           </a:xfrm>
           <a:prstGeom prst="rect">
             <a:avLst/>
@@ -6609,11 +9365,11 @@
           <a:lstStyle/>
           <a:p>
             <a:r>
-              <a:rPr lang="en-GB" dirty="0"/>
+              <a:rPr lang="en-GB" sz="1799" dirty="0"/>
               <a:t>P</a:t>
             </a:r>
             <a:r>
-              <a:rPr lang="en-GB" baseline="-25000" dirty="0"/>
+              <a:rPr lang="en-GB" sz="1799" baseline="-25000" dirty="0"/>
               <a:t>2</a:t>
             </a:r>
           </a:p>
@@ -6633,8 +9389,8 @@
         </p:nvSpPr>
         <p:spPr>
           <a:xfrm>
-            <a:off x="2100720" y="1498233"/>
-            <a:ext cx="381836" cy="369332"/>
+            <a:off x="2100720" y="1498234"/>
+            <a:ext cx="381836" cy="369204"/>
           </a:xfrm>
           <a:prstGeom prst="rect">
             <a:avLst/>
@@ -6648,11 +9404,11 @@
           <a:lstStyle/>
           <a:p>
             <a:r>
-              <a:rPr lang="en-GB" dirty="0"/>
+              <a:rPr lang="en-GB" sz="1799" dirty="0"/>
               <a:t>P</a:t>
             </a:r>
             <a:r>
-              <a:rPr lang="en-GB" baseline="-25000" dirty="0"/>
+              <a:rPr lang="en-GB" sz="1799" baseline="-25000" dirty="0"/>
               <a:t>1</a:t>
             </a:r>
           </a:p>
@@ -6672,8 +9428,8 @@
         </p:nvSpPr>
         <p:spPr>
           <a:xfrm>
-            <a:off x="8809098" y="1489322"/>
-            <a:ext cx="622286" cy="369332"/>
+            <a:off x="8809099" y="1489323"/>
+            <a:ext cx="622286" cy="369204"/>
           </a:xfrm>
           <a:prstGeom prst="rect">
             <a:avLst/>
@@ -6687,7 +9443,7 @@
           <a:lstStyle/>
           <a:p>
             <a:r>
-              <a:rPr lang="en-GB" dirty="0">
+              <a:rPr lang="en-GB" sz="1799" dirty="0">
                 <a:solidFill>
                   <a:schemeClr val="accent5"/>
                 </a:solidFill>
@@ -6695,7 +9451,7 @@
               <a:t>QC</a:t>
             </a:r>
             <a:r>
-              <a:rPr lang="en-GB" baseline="-25000" dirty="0">
+              <a:rPr lang="en-GB" sz="1799" baseline="-25000" dirty="0">
                 <a:solidFill>
                   <a:schemeClr val="accent5"/>
                 </a:solidFill>
@@ -6719,8 +9475,8 @@
         </p:nvSpPr>
         <p:spPr>
           <a:xfrm>
-            <a:off x="6934340" y="1489322"/>
-            <a:ext cx="622286" cy="369332"/>
+            <a:off x="6934342" y="1489323"/>
+            <a:ext cx="622286" cy="369204"/>
           </a:xfrm>
           <a:prstGeom prst="rect">
             <a:avLst/>
@@ -6734,7 +9490,7 @@
           <a:lstStyle/>
           <a:p>
             <a:r>
-              <a:rPr lang="en-GB" dirty="0">
+              <a:rPr lang="en-GB" sz="1799" dirty="0">
                 <a:solidFill>
                   <a:schemeClr val="accent5"/>
                 </a:solidFill>
@@ -6742,7 +9498,7 @@
               <a:t>QC</a:t>
             </a:r>
             <a:r>
-              <a:rPr lang="en-GB" baseline="-25000" dirty="0">
+              <a:rPr lang="en-GB" sz="1799" baseline="-25000" dirty="0">
                 <a:solidFill>
                   <a:schemeClr val="accent5"/>
                 </a:solidFill>
@@ -6766,8 +9522,8 @@
         </p:nvSpPr>
         <p:spPr>
           <a:xfrm>
-            <a:off x="5064495" y="1496704"/>
-            <a:ext cx="622286" cy="369332"/>
+            <a:off x="5064496" y="1496705"/>
+            <a:ext cx="622286" cy="369204"/>
           </a:xfrm>
           <a:prstGeom prst="rect">
             <a:avLst/>
@@ -6781,7 +9537,7 @@
           <a:lstStyle/>
           <a:p>
             <a:r>
-              <a:rPr lang="en-GB" dirty="0">
+              <a:rPr lang="en-GB" sz="1799" dirty="0">
                 <a:solidFill>
                   <a:schemeClr val="accent5"/>
                 </a:solidFill>
@@ -6789,7 +9545,7 @@
               <a:t>QC</a:t>
             </a:r>
             <a:r>
-              <a:rPr lang="en-GB" baseline="-25000" dirty="0">
+              <a:rPr lang="en-GB" sz="1799" baseline="-25000" dirty="0">
                 <a:solidFill>
                   <a:schemeClr val="accent5"/>
                 </a:solidFill>
@@ -6813,8 +9569,8 @@
         </p:nvSpPr>
         <p:spPr>
           <a:xfrm>
-            <a:off x="3187144" y="1496704"/>
-            <a:ext cx="622286" cy="369332"/>
+            <a:off x="3187145" y="1496705"/>
+            <a:ext cx="622286" cy="369204"/>
           </a:xfrm>
           <a:prstGeom prst="rect">
             <a:avLst/>
@@ -6828,7 +9584,7 @@
           <a:lstStyle/>
           <a:p>
             <a:r>
-              <a:rPr lang="en-GB" dirty="0">
+              <a:rPr lang="en-GB" sz="1799" dirty="0">
                 <a:solidFill>
                   <a:schemeClr val="accent5"/>
                 </a:solidFill>
@@ -6836,7 +9592,7 @@
               <a:t>QC</a:t>
             </a:r>
             <a:r>
-              <a:rPr lang="en-GB" baseline="-25000" dirty="0">
+              <a:rPr lang="en-GB" sz="1799" baseline="-25000" dirty="0">
                 <a:solidFill>
                   <a:schemeClr val="accent5"/>
                 </a:solidFill>
@@ -6860,8 +9616,8 @@
         </p:nvSpPr>
         <p:spPr>
           <a:xfrm>
-            <a:off x="1389142" y="1489322"/>
-            <a:ext cx="463588" cy="369332"/>
+            <a:off x="1389142" y="1489323"/>
+            <a:ext cx="463588" cy="369204"/>
           </a:xfrm>
           <a:prstGeom prst="rect">
             <a:avLst/>
@@ -6875,14 +9631,14 @@
           <a:lstStyle/>
           <a:p>
             <a:r>
-              <a:rPr lang="en-GB" dirty="0">
+              <a:rPr lang="en-GB" sz="1799" dirty="0">
                 <a:solidFill>
                   <a:schemeClr val="accent5"/>
                 </a:solidFill>
               </a:rPr>
               <a:t>QC</a:t>
             </a:r>
-            <a:endParaRPr lang="en-GB" baseline="-25000" dirty="0">
+            <a:endParaRPr lang="en-GB" sz="1799" baseline="-25000" dirty="0">
               <a:solidFill>
                 <a:schemeClr val="accent5"/>
               </a:solidFill>
@@ -6908,12 +9664,12 @@
         </p:nvCxnSpPr>
         <p:spPr>
           <a:xfrm rot="16200000" flipV="1">
-            <a:off x="1065321" y="933707"/>
-            <a:ext cx="81843" cy="1029388"/>
+            <a:off x="1065320" y="933707"/>
+            <a:ext cx="81844" cy="1029388"/>
           </a:xfrm>
           <a:prstGeom prst="curvedConnector3">
             <a:avLst>
-              <a:gd name="adj1" fmla="val 552865"/>
+              <a:gd name="adj1" fmla="val 379312"/>
             </a:avLst>
           </a:prstGeom>
           <a:ln>
@@ -6952,12 +9708,12 @@
         </p:nvCxnSpPr>
         <p:spPr>
           <a:xfrm rot="16200000" flipH="1" flipV="1">
-            <a:off x="2893162" y="893108"/>
-            <a:ext cx="3600" cy="1206649"/>
+            <a:off x="2894198" y="894144"/>
+            <a:ext cx="1529" cy="1206650"/>
           </a:xfrm>
           <a:prstGeom prst="curvedConnector3">
             <a:avLst>
-              <a:gd name="adj1" fmla="val -12462361"/>
+              <a:gd name="adj1" fmla="val -14950948"/>
             </a:avLst>
           </a:prstGeom>
           <a:ln>
@@ -6997,11 +9753,11 @@
         <p:spPr>
           <a:xfrm rot="16200000" flipV="1">
             <a:off x="4774508" y="895573"/>
-            <a:ext cx="2065" cy="1200197"/>
+            <a:ext cx="2066" cy="1200197"/>
           </a:xfrm>
           <a:prstGeom prst="curvedConnector3">
             <a:avLst>
-              <a:gd name="adj1" fmla="val 21918015"/>
+              <a:gd name="adj1" fmla="val 11164860"/>
             </a:avLst>
           </a:prstGeom>
           <a:ln>
@@ -7040,12 +9796,12 @@
         </p:nvCxnSpPr>
         <p:spPr>
           <a:xfrm rot="16200000" flipH="1" flipV="1">
-            <a:off x="6644084" y="893240"/>
-            <a:ext cx="5317" cy="1197480"/>
+            <a:off x="6644087" y="893240"/>
+            <a:ext cx="5316" cy="1197481"/>
           </a:xfrm>
           <a:prstGeom prst="curvedConnector3">
             <a:avLst>
-              <a:gd name="adj1" fmla="val -8473632"/>
+              <a:gd name="adj1" fmla="val -4300226"/>
             </a:avLst>
           </a:prstGeom>
           <a:ln>
@@ -7084,12 +9840,12 @@
         </p:nvCxnSpPr>
         <p:spPr>
           <a:xfrm rot="16200000" flipH="1" flipV="1">
-            <a:off x="8519307" y="893705"/>
-            <a:ext cx="5317" cy="1196550"/>
+            <a:off x="8519309" y="893706"/>
+            <a:ext cx="5316" cy="1196550"/>
           </a:xfrm>
           <a:prstGeom prst="curvedConnector3">
             <a:avLst>
-              <a:gd name="adj1" fmla="val -8473651"/>
+              <a:gd name="adj1" fmla="val -4300226"/>
             </a:avLst>
           </a:prstGeom>
           <a:ln>
@@ -7128,12 +9884,12 @@
         </p:nvCxnSpPr>
         <p:spPr>
           <a:xfrm rot="16200000" flipH="1" flipV="1">
-            <a:off x="10288845" y="928553"/>
-            <a:ext cx="72965" cy="1048571"/>
+            <a:off x="10288844" y="928555"/>
+            <a:ext cx="72966" cy="1048570"/>
           </a:xfrm>
           <a:prstGeom prst="curvedConnector3">
             <a:avLst>
-              <a:gd name="adj1" fmla="val -520141"/>
+              <a:gd name="adj1" fmla="val -313297"/>
             </a:avLst>
           </a:prstGeom>
           <a:ln>
@@ -7169,8 +9925,8 @@
         </p:nvSpPr>
         <p:spPr>
           <a:xfrm>
-            <a:off x="9284451" y="1127101"/>
-            <a:ext cx="394660" cy="369332"/>
+            <a:off x="9284451" y="1127102"/>
+            <a:ext cx="394660" cy="369204"/>
           </a:xfrm>
           <a:prstGeom prst="rect">
             <a:avLst/>
@@ -7184,11 +9940,11 @@
           <a:lstStyle/>
           <a:p>
             <a:r>
-              <a:rPr lang="en-GB" dirty="0"/>
+              <a:rPr lang="en-GB" sz="1799" dirty="0"/>
               <a:t>V</a:t>
             </a:r>
             <a:r>
-              <a:rPr lang="en-GB" baseline="-25000" dirty="0"/>
+              <a:rPr lang="en-GB" sz="1799" baseline="-25000" dirty="0"/>
               <a:t>5</a:t>
             </a:r>
           </a:p>
@@ -7208,8 +9964,8 @@
         </p:nvSpPr>
         <p:spPr>
           <a:xfrm>
-            <a:off x="7400688" y="1127101"/>
-            <a:ext cx="394660" cy="369332"/>
+            <a:off x="7400688" y="1127102"/>
+            <a:ext cx="394660" cy="369204"/>
           </a:xfrm>
           <a:prstGeom prst="rect">
             <a:avLst/>
@@ -7223,11 +9979,11 @@
           <a:lstStyle/>
           <a:p>
             <a:r>
-              <a:rPr lang="en-GB" dirty="0"/>
+              <a:rPr lang="en-GB" sz="1799" dirty="0"/>
               <a:t>V</a:t>
             </a:r>
             <a:r>
-              <a:rPr lang="en-GB" baseline="-25000" dirty="0"/>
+              <a:rPr lang="en-GB" sz="1799" baseline="-25000" dirty="0"/>
               <a:t>4</a:t>
             </a:r>
           </a:p>
@@ -7247,8 +10003,8 @@
         </p:nvSpPr>
         <p:spPr>
           <a:xfrm>
-            <a:off x="5524392" y="1127101"/>
-            <a:ext cx="394660" cy="369332"/>
+            <a:off x="5524392" y="1127102"/>
+            <a:ext cx="394660" cy="369204"/>
           </a:xfrm>
           <a:prstGeom prst="rect">
             <a:avLst/>
@@ -7262,11 +10018,11 @@
           <a:lstStyle/>
           <a:p>
             <a:r>
-              <a:rPr lang="en-GB" dirty="0"/>
+              <a:rPr lang="en-GB" sz="1799" dirty="0"/>
               <a:t>V</a:t>
             </a:r>
             <a:r>
-              <a:rPr lang="en-GB" baseline="-25000" dirty="0"/>
+              <a:rPr lang="en-GB" sz="1799" baseline="-25000" dirty="0"/>
               <a:t>3</a:t>
             </a:r>
           </a:p>
@@ -7286,8 +10042,8 @@
         </p:nvSpPr>
         <p:spPr>
           <a:xfrm>
-            <a:off x="3633123" y="1127101"/>
-            <a:ext cx="394660" cy="369332"/>
+            <a:off x="3633122" y="1127102"/>
+            <a:ext cx="394660" cy="369204"/>
           </a:xfrm>
           <a:prstGeom prst="rect">
             <a:avLst/>
@@ -7301,11 +10057,11 @@
           <a:lstStyle/>
           <a:p>
             <a:r>
-              <a:rPr lang="en-GB" dirty="0"/>
+              <a:rPr lang="en-GB" sz="1799" dirty="0"/>
               <a:t>V</a:t>
             </a:r>
             <a:r>
-              <a:rPr lang="en-GB" baseline="-25000" dirty="0"/>
+              <a:rPr lang="en-GB" sz="1799" baseline="-25000" dirty="0"/>
               <a:t>2</a:t>
             </a:r>
           </a:p>
@@ -7325,8 +10081,8 @@
         </p:nvSpPr>
         <p:spPr>
           <a:xfrm>
-            <a:off x="1768502" y="1127101"/>
-            <a:ext cx="394660" cy="369332"/>
+            <a:off x="1768501" y="1127102"/>
+            <a:ext cx="394660" cy="369204"/>
           </a:xfrm>
           <a:prstGeom prst="rect">
             <a:avLst/>
@@ -7340,11 +10096,11 @@
           <a:lstStyle/>
           <a:p>
             <a:r>
-              <a:rPr lang="en-GB" dirty="0"/>
+              <a:rPr lang="en-GB" sz="1799" dirty="0"/>
               <a:t>V</a:t>
             </a:r>
             <a:r>
-              <a:rPr lang="en-GB" baseline="-25000" dirty="0"/>
+              <a:rPr lang="en-GB" sz="1799" baseline="-25000" dirty="0"/>
               <a:t>1</a:t>
             </a:r>
           </a:p>
@@ -7364,7 +10120,7 @@
         </p:nvSpPr>
         <p:spPr>
           <a:xfrm>
-            <a:off x="591547" y="4977786"/>
+            <a:off x="591548" y="4977787"/>
             <a:ext cx="4472947" cy="1200329"/>
           </a:xfrm>
           <a:prstGeom prst="rect">
@@ -7392,7 +10148,7 @@
           <a:lstStyle/>
           <a:p>
             <a:r>
-              <a:rPr lang="en-GB" dirty="0"/>
+              <a:rPr lang="en-GB" sz="1799" dirty="0"/>
               <a:t>V</a:t>
             </a:r>
             <a:r>
@@ -7403,7 +10159,7 @@
               <a:t>i</a:t>
             </a:r>
             <a:r>
-              <a:rPr lang="en-GB" dirty="0"/>
+              <a:rPr lang="en-GB" sz="1799" dirty="0"/>
               <a:t> :	View number </a:t>
             </a:r>
             <a:r>
@@ -7413,14 +10169,14 @@
               </a:rPr>
               <a:t>i</a:t>
             </a:r>
-            <a:endParaRPr lang="en-GB" dirty="0">
+            <a:endParaRPr lang="en-GB" sz="1799" dirty="0">
               <a:latin typeface="Vijaya" panose="020B0502040204020203" pitchFamily="18" charset="0"/>
               <a:cs typeface="Vijaya" panose="020B0502040204020203" pitchFamily="18" charset="0"/>
             </a:endParaRPr>
           </a:p>
           <a:p>
             <a:r>
-              <a:rPr lang="en-GB" dirty="0"/>
+              <a:rPr lang="en-GB" sz="1799" dirty="0"/>
               <a:t>P</a:t>
             </a:r>
             <a:r>
@@ -7431,7 +10187,7 @@
               <a:t>i</a:t>
             </a:r>
             <a:r>
-              <a:rPr lang="en-GB" dirty="0"/>
+              <a:rPr lang="en-GB" sz="1799" dirty="0"/>
               <a:t> : 	Proposal number </a:t>
             </a:r>
             <a:r>
@@ -7441,14 +10197,14 @@
               </a:rPr>
               <a:t>i</a:t>
             </a:r>
-            <a:endParaRPr lang="en-GB" dirty="0">
+            <a:endParaRPr lang="en-GB" sz="1799" dirty="0">
               <a:latin typeface="Vijaya" panose="020B0502040204020203" pitchFamily="18" charset="0"/>
               <a:cs typeface="Vijaya" panose="020B0502040204020203" pitchFamily="18" charset="0"/>
             </a:endParaRPr>
           </a:p>
           <a:p>
             <a:r>
-              <a:rPr lang="en-GB" dirty="0"/>
+              <a:rPr lang="en-GB" sz="1799" dirty="0"/>
               <a:t>QC</a:t>
             </a:r>
             <a:r>
@@ -7459,7 +10215,7 @@
               <a:t>Pi</a:t>
             </a:r>
             <a:r>
-              <a:rPr lang="en-GB" dirty="0"/>
+              <a:rPr lang="en-GB" sz="1799" dirty="0"/>
               <a:t> : 	Quorum Certificate for Proposal </a:t>
             </a:r>
             <a:r>
@@ -7469,7 +10225,7 @@
               </a:rPr>
               <a:t>i</a:t>
             </a:r>
-            <a:endParaRPr lang="en-GB" dirty="0">
+            <a:endParaRPr lang="en-GB" sz="1799" dirty="0">
               <a:latin typeface="Vijaya" panose="020B0502040204020203" pitchFamily="18" charset="0"/>
               <a:cs typeface="Vijaya" panose="020B0502040204020203" pitchFamily="18" charset="0"/>
             </a:endParaRPr>
@@ -7528,8 +10284,8 @@
         </p:nvSpPr>
         <p:spPr>
           <a:xfrm>
-            <a:off x="5394664" y="807867"/>
-            <a:ext cx="1722268" cy="816746"/>
+            <a:off x="5394663" y="807867"/>
+            <a:ext cx="1722269" cy="816746"/>
           </a:xfrm>
           <a:prstGeom prst="roundRect">
             <a:avLst/>
@@ -7555,7 +10311,7 @@
           <a:lstStyle/>
           <a:p>
             <a:pPr algn="ctr"/>
-            <a:endParaRPr lang="en-GB"/>
+            <a:endParaRPr lang="en-GB" sz="1799"/>
           </a:p>
         </p:txBody>
       </p:sp>
@@ -7577,7 +10333,7 @@
         <p:spPr>
           <a:xfrm>
             <a:off x="6255798" y="0"/>
-            <a:ext cx="0" cy="807867"/>
+            <a:ext cx="0" cy="807866"/>
           </a:xfrm>
           <a:prstGeom prst="straightConnector1">
             <a:avLst/>
@@ -7615,8 +10371,8 @@
         </p:nvSpPr>
         <p:spPr>
           <a:xfrm>
-            <a:off x="8689759" y="807867"/>
-            <a:ext cx="1722268" cy="816746"/>
+            <a:off x="8689758" y="807867"/>
+            <a:ext cx="1722269" cy="816746"/>
           </a:xfrm>
           <a:prstGeom prst="roundRect">
             <a:avLst/>
@@ -7642,7 +10398,7 @@
           <a:lstStyle/>
           <a:p>
             <a:pPr algn="ctr"/>
-            <a:endParaRPr lang="en-GB"/>
+            <a:endParaRPr lang="en-GB" sz="1799"/>
           </a:p>
         </p:txBody>
       </p:sp>
@@ -7664,7 +10420,7 @@
         <p:spPr>
           <a:xfrm>
             <a:off x="9550893" y="0"/>
-            <a:ext cx="0" cy="807867"/>
+            <a:ext cx="0" cy="807866"/>
           </a:xfrm>
           <a:prstGeom prst="straightConnector1">
             <a:avLst/>
@@ -7738,7 +10494,7 @@
         </p:nvSpPr>
         <p:spPr>
           <a:xfrm>
-            <a:off x="8370160" y="98219"/>
+            <a:off x="8370161" y="98219"/>
             <a:ext cx="1180730" cy="523220"/>
           </a:xfrm>
           <a:prstGeom prst="rect">
@@ -7774,8 +10530,8 @@
         </p:nvSpPr>
         <p:spPr>
           <a:xfrm>
-            <a:off x="5394663" y="2432485"/>
-            <a:ext cx="1722268" cy="816746"/>
+            <a:off x="5394662" y="2432486"/>
+            <a:ext cx="1722269" cy="816746"/>
           </a:xfrm>
           <a:prstGeom prst="roundRect">
             <a:avLst/>
@@ -7801,7 +10557,7 @@
           <a:lstStyle/>
           <a:p>
             <a:pPr algn="ctr"/>
-            <a:endParaRPr lang="en-GB"/>
+            <a:endParaRPr lang="en-GB" sz="1799"/>
           </a:p>
         </p:txBody>
       </p:sp>
@@ -7819,8 +10575,8 @@
         </p:nvSpPr>
         <p:spPr>
           <a:xfrm>
-            <a:off x="8689758" y="2432485"/>
-            <a:ext cx="1722268" cy="816746"/>
+            <a:off x="8689758" y="2432486"/>
+            <a:ext cx="1722269" cy="816746"/>
           </a:xfrm>
           <a:prstGeom prst="roundRect">
             <a:avLst/>
@@ -7846,7 +10602,7 @@
           <a:lstStyle/>
           <a:p>
             <a:pPr algn="ctr"/>
-            <a:endParaRPr lang="en-GB"/>
+            <a:endParaRPr lang="en-GB" sz="1799"/>
           </a:p>
         </p:txBody>
       </p:sp>
@@ -7864,8 +10620,8 @@
         </p:nvSpPr>
         <p:spPr>
           <a:xfrm>
-            <a:off x="5075066" y="1705384"/>
-            <a:ext cx="1180730" cy="646331"/>
+            <a:off x="5075066" y="1705385"/>
+            <a:ext cx="1180730" cy="646074"/>
           </a:xfrm>
           <a:prstGeom prst="rect">
             <a:avLst/>
@@ -7880,7 +10636,7 @@
           <a:p>
             <a:pPr algn="ctr"/>
             <a:r>
-              <a:rPr lang="en-GB" dirty="0"/>
+              <a:rPr lang="en-GB" sz="1799" dirty="0"/>
               <a:t>Incoming message</a:t>
             </a:r>
           </a:p>
@@ -7900,8 +10656,8 @@
         </p:nvSpPr>
         <p:spPr>
           <a:xfrm>
-            <a:off x="8370160" y="1705383"/>
-            <a:ext cx="1180730" cy="646331"/>
+            <a:off x="8370161" y="1705383"/>
+            <a:ext cx="1180730" cy="646074"/>
           </a:xfrm>
           <a:prstGeom prst="rect">
             <a:avLst/>
@@ -7916,7 +10672,7 @@
           <a:p>
             <a:pPr algn="ctr"/>
             <a:r>
-              <a:rPr lang="en-GB" dirty="0"/>
+              <a:rPr lang="en-GB" sz="1799" dirty="0"/>
               <a:t>NewView timeout</a:t>
             </a:r>
           </a:p>
@@ -7936,7 +10692,7 @@
         </p:nvCxnSpPr>
         <p:spPr>
           <a:xfrm flipH="1">
-            <a:off x="6255796" y="1624613"/>
+            <a:off x="6255797" y="1624614"/>
             <a:ext cx="1" cy="807872"/>
           </a:xfrm>
           <a:prstGeom prst="straightConnector1">
@@ -7975,7 +10731,7 @@
         </p:nvCxnSpPr>
         <p:spPr>
           <a:xfrm flipH="1">
-            <a:off x="9550888" y="1624613"/>
+            <a:off x="9550889" y="1624614"/>
             <a:ext cx="1" cy="807872"/>
           </a:xfrm>
           <a:prstGeom prst="straightConnector1">
@@ -8014,8 +10770,8 @@
         </p:nvSpPr>
         <p:spPr>
           <a:xfrm>
-            <a:off x="5394663" y="4057103"/>
-            <a:ext cx="1722268" cy="816746"/>
+            <a:off x="5394662" y="4057103"/>
+            <a:ext cx="1722269" cy="816746"/>
           </a:xfrm>
           <a:prstGeom prst="roundRect">
             <a:avLst/>
@@ -8041,7 +10797,7 @@
           <a:lstStyle/>
           <a:p>
             <a:pPr algn="ctr"/>
-            <a:endParaRPr lang="en-GB"/>
+            <a:endParaRPr lang="en-GB" sz="1799"/>
           </a:p>
         </p:txBody>
       </p:sp>
@@ -8060,7 +10816,7 @@
         <p:spPr>
           <a:xfrm>
             <a:off x="8689758" y="4057103"/>
-            <a:ext cx="1722268" cy="816746"/>
+            <a:ext cx="1722269" cy="816746"/>
           </a:xfrm>
           <a:prstGeom prst="roundRect">
             <a:avLst/>
@@ -8086,7 +10842,7 @@
           <a:lstStyle/>
           <a:p>
             <a:pPr algn="ctr"/>
-            <a:endParaRPr lang="en-GB"/>
+            <a:endParaRPr lang="en-GB" sz="1799"/>
           </a:p>
         </p:txBody>
       </p:sp>
@@ -8105,7 +10861,7 @@
         <p:spPr>
           <a:xfrm>
             <a:off x="5075066" y="3330002"/>
-            <a:ext cx="1180730" cy="646331"/>
+            <a:ext cx="1180730" cy="646074"/>
           </a:xfrm>
           <a:prstGeom prst="rect">
             <a:avLst/>
@@ -8120,7 +10876,7 @@
           <a:p>
             <a:pPr algn="ctr"/>
             <a:r>
-              <a:rPr lang="en-GB" dirty="0"/>
+              <a:rPr lang="en-GB" sz="1799" dirty="0"/>
               <a:t>Incoming message</a:t>
             </a:r>
           </a:p>
@@ -8140,8 +10896,8 @@
         </p:nvSpPr>
         <p:spPr>
           <a:xfrm>
-            <a:off x="8370160" y="3330001"/>
-            <a:ext cx="1180730" cy="646331"/>
+            <a:off x="8370161" y="3330002"/>
+            <a:ext cx="1180730" cy="646074"/>
           </a:xfrm>
           <a:prstGeom prst="rect">
             <a:avLst/>
@@ -8156,7 +10912,7 @@
           <a:p>
             <a:pPr algn="ctr"/>
             <a:r>
-              <a:rPr lang="en-GB" dirty="0"/>
+              <a:rPr lang="en-GB" sz="1799" dirty="0"/>
               <a:t>NewView timeout</a:t>
             </a:r>
           </a:p>
@@ -8176,7 +10932,7 @@
         </p:nvGrpSpPr>
         <p:grpSpPr>
           <a:xfrm>
-            <a:off x="1779973" y="0"/>
+            <a:off x="1779973" y="1"/>
             <a:ext cx="2303752" cy="6498469"/>
             <a:chOff x="1779973" y="0"/>
             <a:chExt cx="2303752" cy="6498469"/>
@@ -8224,7 +10980,7 @@
             <a:p>
               <a:pPr algn="ctr"/>
               <a:r>
-                <a:rPr lang="en-GB" dirty="0"/>
+                <a:rPr lang="en-GB" sz="1799" dirty="0"/>
                 <a:t>Format string to block</a:t>
               </a:r>
             </a:p>
@@ -8350,11 +11106,11 @@
             <a:p>
               <a:pPr algn="ctr"/>
               <a:r>
-                <a:rPr lang="en-GB" dirty="0" err="1"/>
+                <a:rPr lang="en-GB" sz="1799" dirty="0" err="1"/>
                 <a:t>OnPropose</a:t>
               </a:r>
               <a:r>
-                <a:rPr lang="en-GB" dirty="0"/>
+                <a:rPr lang="en-GB" sz="1799" dirty="0"/>
                 <a:t>( )</a:t>
               </a:r>
             </a:p>
@@ -8374,8 +11130,8 @@
           </p:nvSpPr>
           <p:spPr>
             <a:xfrm rot="5400000">
-              <a:off x="2555002" y="1843882"/>
-              <a:ext cx="1180730" cy="369332"/>
+              <a:off x="2555002" y="1843947"/>
+              <a:ext cx="1180730" cy="369204"/>
             </a:xfrm>
             <a:prstGeom prst="rect">
               <a:avLst/>
@@ -8390,7 +11146,7 @@
             <a:p>
               <a:pPr algn="ctr"/>
               <a:r>
-                <a:rPr lang="en-GB" dirty="0">
+                <a:rPr lang="en-GB" sz="1799" dirty="0">
                   <a:solidFill>
                     <a:schemeClr val="accent6"/>
                   </a:solidFill>
@@ -8484,11 +11240,11 @@
             <a:p>
               <a:pPr algn="ctr"/>
               <a:r>
-                <a:rPr lang="en-GB" dirty="0" err="1"/>
+                <a:rPr lang="en-GB" sz="1799" dirty="0" err="1"/>
                 <a:t>StringToPartialCert</a:t>
               </a:r>
               <a:r>
-                <a:rPr lang="en-GB" dirty="0"/>
+                <a:rPr lang="en-GB" sz="1799" dirty="0"/>
                 <a:t>( )</a:t>
               </a:r>
             </a:p>
@@ -8508,8 +11264,8 @@
           </p:nvSpPr>
           <p:spPr>
             <a:xfrm rot="5400000">
-              <a:off x="2693501" y="3330002"/>
-              <a:ext cx="1180730" cy="646331"/>
+              <a:off x="2693501" y="3330129"/>
+              <a:ext cx="1180730" cy="646074"/>
             </a:xfrm>
             <a:prstGeom prst="rect">
               <a:avLst/>
@@ -8524,7 +11280,7 @@
             <a:p>
               <a:pPr algn="ctr"/>
               <a:r>
-                <a:rPr lang="en-GB" dirty="0">
+                <a:rPr lang="en-GB" sz="1799" dirty="0">
                   <a:solidFill>
                     <a:schemeClr val="accent6"/>
                   </a:solidFill>
@@ -8532,14 +11288,14 @@
                 <a:t>PC</a:t>
               </a:r>
               <a:br>
-                <a:rPr lang="en-GB" dirty="0">
+                <a:rPr lang="en-GB" sz="1799" dirty="0">
                   <a:solidFill>
                     <a:schemeClr val="accent6"/>
                   </a:solidFill>
                 </a:rPr>
               </a:br>
               <a:r>
-                <a:rPr lang="en-GB" dirty="0">
+                <a:rPr lang="en-GB" sz="1799" dirty="0">
                   <a:solidFill>
                     <a:schemeClr val="accent6"/>
                   </a:solidFill>
@@ -8634,11 +11390,11 @@
             <a:p>
               <a:pPr algn="ctr"/>
               <a:r>
-                <a:rPr lang="en-GB" dirty="0" err="1"/>
+                <a:rPr lang="en-GB" sz="1799" dirty="0" err="1"/>
                 <a:t>OnVote</a:t>
               </a:r>
               <a:r>
-                <a:rPr lang="en-GB" dirty="0"/>
+                <a:rPr lang="en-GB" sz="1799" dirty="0"/>
                 <a:t>( )</a:t>
               </a:r>
             </a:p>
@@ -8699,8 +11455,8 @@
           </p:nvSpPr>
           <p:spPr>
             <a:xfrm rot="5400000">
-              <a:off x="2555001" y="5099776"/>
-              <a:ext cx="1180730" cy="369332"/>
+              <a:off x="2555001" y="5099841"/>
+              <a:ext cx="1180730" cy="369204"/>
             </a:xfrm>
             <a:prstGeom prst="rect">
               <a:avLst/>
@@ -8715,7 +11471,7 @@
             <a:p>
               <a:pPr algn="ctr"/>
               <a:r>
-                <a:rPr lang="en-GB" dirty="0">
+                <a:rPr lang="en-GB" sz="1799" dirty="0">
                   <a:solidFill>
                     <a:schemeClr val="accent6"/>
                   </a:solidFill>
@@ -8771,7 +11527,7 @@
         <p:spPr>
           <a:xfrm rot="16200000">
             <a:off x="1275508" y="2756252"/>
-            <a:ext cx="1722268" cy="816746"/>
+            <a:ext cx="1722269" cy="816746"/>
           </a:xfrm>
           <a:prstGeom prst="roundRect">
             <a:avLst/>
@@ -8798,7 +11554,7 @@
           <a:p>
             <a:pPr algn="ctr"/>
             <a:r>
-              <a:rPr lang="en-GB" dirty="0"/>
+              <a:rPr lang="en-GB" sz="1799" dirty="0"/>
               <a:t>Format string to block</a:t>
             </a:r>
           </a:p>
@@ -8821,8 +11577,8 @@
         </p:nvCxnSpPr>
         <p:spPr>
           <a:xfrm rot="16200000">
-            <a:off x="1324335" y="2760691"/>
-            <a:ext cx="0" cy="807867"/>
+            <a:off x="1324335" y="2760692"/>
+            <a:ext cx="0" cy="807866"/>
           </a:xfrm>
           <a:prstGeom prst="straightConnector1">
             <a:avLst/>
@@ -8860,7 +11616,7 @@
         </p:nvSpPr>
         <p:spPr>
           <a:xfrm rot="16200000">
-            <a:off x="689866" y="3493380"/>
+            <a:off x="689866" y="3493381"/>
             <a:ext cx="1180730" cy="523220"/>
           </a:xfrm>
           <a:prstGeom prst="rect">
@@ -8896,8 +11652,8 @@
         </p:nvSpPr>
         <p:spPr>
           <a:xfrm rot="16200000">
-            <a:off x="2900126" y="2756252"/>
-            <a:ext cx="1722268" cy="816746"/>
+            <a:off x="2900125" y="2756252"/>
+            <a:ext cx="1722269" cy="816746"/>
           </a:xfrm>
           <a:prstGeom prst="roundRect">
             <a:avLst/>
@@ -8924,11 +11680,11 @@
           <a:p>
             <a:pPr algn="ctr"/>
             <a:r>
-              <a:rPr lang="en-GB" dirty="0" err="1"/>
+              <a:rPr lang="en-GB" sz="1799" dirty="0" err="1"/>
               <a:t>OnPropose</a:t>
             </a:r>
             <a:r>
-              <a:rPr lang="en-GB" dirty="0"/>
+              <a:rPr lang="en-GB" sz="1799" dirty="0"/>
               <a:t>( )</a:t>
             </a:r>
           </a:p>
@@ -8948,8 +11704,8 @@
         </p:nvSpPr>
         <p:spPr>
           <a:xfrm>
-            <a:off x="2358585" y="2795294"/>
-            <a:ext cx="1180730" cy="369332"/>
+            <a:off x="2358586" y="2795295"/>
+            <a:ext cx="1180730" cy="369204"/>
           </a:xfrm>
           <a:prstGeom prst="rect">
             <a:avLst/>
@@ -8964,7 +11720,7 @@
           <a:p>
             <a:pPr algn="ctr"/>
             <a:r>
-              <a:rPr lang="en-GB" dirty="0">
+              <a:rPr lang="en-GB" sz="1799" dirty="0">
                 <a:solidFill>
                   <a:schemeClr val="accent6"/>
                 </a:solidFill>
@@ -8991,7 +11747,7 @@
         </p:nvCxnSpPr>
         <p:spPr>
           <a:xfrm rot="16200000" flipH="1">
-            <a:off x="2948950" y="2760689"/>
+            <a:off x="2948952" y="2760689"/>
             <a:ext cx="1" cy="807872"/>
           </a:xfrm>
           <a:prstGeom prst="straightConnector1">
@@ -9030,7 +11786,7 @@
         </p:nvSpPr>
         <p:spPr>
           <a:xfrm rot="16200000">
-            <a:off x="4238440" y="2785104"/>
+            <a:off x="4238442" y="2785104"/>
             <a:ext cx="2303751" cy="816746"/>
           </a:xfrm>
           <a:prstGeom prst="roundRect">
@@ -9058,11 +11814,11 @@
           <a:p>
             <a:pPr algn="ctr"/>
             <a:r>
-              <a:rPr lang="en-GB" dirty="0" err="1"/>
+              <a:rPr lang="en-GB" sz="1799" dirty="0" err="1"/>
               <a:t>StringToPartialCert</a:t>
             </a:r>
             <a:r>
-              <a:rPr lang="en-GB" dirty="0"/>
+              <a:rPr lang="en-GB" sz="1799" dirty="0"/>
               <a:t>( )</a:t>
             </a:r>
           </a:p>
@@ -9082,8 +11838,8 @@
         </p:nvSpPr>
         <p:spPr>
           <a:xfrm>
-            <a:off x="3983204" y="2518296"/>
-            <a:ext cx="1180730" cy="646331"/>
+            <a:off x="3983205" y="2518296"/>
+            <a:ext cx="1180730" cy="646074"/>
           </a:xfrm>
           <a:prstGeom prst="rect">
             <a:avLst/>
@@ -9098,7 +11854,7 @@
           <a:p>
             <a:pPr algn="ctr"/>
             <a:r>
-              <a:rPr lang="en-GB" dirty="0">
+              <a:rPr lang="en-GB" sz="1799" dirty="0">
                 <a:solidFill>
                   <a:schemeClr val="accent6"/>
                 </a:solidFill>
@@ -9106,14 +11862,14 @@
               <a:t>PC</a:t>
             </a:r>
             <a:br>
-              <a:rPr lang="en-GB" dirty="0">
+              <a:rPr lang="en-GB" sz="1799" dirty="0">
                 <a:solidFill>
                   <a:schemeClr val="accent6"/>
                 </a:solidFill>
               </a:rPr>
             </a:br>
             <a:r>
-              <a:rPr lang="en-GB" dirty="0">
+              <a:rPr lang="en-GB" sz="1799" dirty="0">
                 <a:solidFill>
                   <a:schemeClr val="accent6"/>
                 </a:solidFill>
@@ -9141,7 +11897,7 @@
         </p:nvCxnSpPr>
         <p:spPr>
           <a:xfrm>
-            <a:off x="4169633" y="3164625"/>
+            <a:off x="4169633" y="3164627"/>
             <a:ext cx="812310" cy="28852"/>
           </a:xfrm>
           <a:prstGeom prst="straightConnector1">
@@ -9181,7 +11937,7 @@
         <p:spPr>
           <a:xfrm rot="16200000">
             <a:off x="6149364" y="2756252"/>
-            <a:ext cx="1722268" cy="816746"/>
+            <a:ext cx="1722269" cy="816746"/>
           </a:xfrm>
           <a:prstGeom prst="roundRect">
             <a:avLst/>
@@ -9208,11 +11964,11 @@
           <a:p>
             <a:pPr algn="ctr"/>
             <a:r>
-              <a:rPr lang="en-GB" dirty="0" err="1"/>
+              <a:rPr lang="en-GB" sz="1799" dirty="0" err="1"/>
               <a:t>OnVote</a:t>
             </a:r>
             <a:r>
-              <a:rPr lang="en-GB" dirty="0"/>
+              <a:rPr lang="en-GB" sz="1799" dirty="0"/>
               <a:t>( )</a:t>
             </a:r>
           </a:p>
@@ -9234,7 +11990,7 @@
         </p:nvCxnSpPr>
         <p:spPr>
           <a:xfrm rot="16200000" flipH="1">
-            <a:off x="6204843" y="2758471"/>
+            <a:off x="6204844" y="2758471"/>
             <a:ext cx="2" cy="812310"/>
           </a:xfrm>
           <a:prstGeom prst="straightConnector1">
@@ -9273,8 +12029,8 @@
         </p:nvSpPr>
         <p:spPr>
           <a:xfrm>
-            <a:off x="5614479" y="2795295"/>
-            <a:ext cx="1180730" cy="369332"/>
+            <a:off x="5614479" y="2795296"/>
+            <a:ext cx="1180730" cy="369204"/>
           </a:xfrm>
           <a:prstGeom prst="rect">
             <a:avLst/>
@@ -9289,7 +12045,7 @@
           <a:p>
             <a:pPr algn="ctr"/>
             <a:r>
-              <a:rPr lang="en-GB" dirty="0">
+              <a:rPr lang="en-GB" sz="1799" dirty="0">
                 <a:solidFill>
                   <a:schemeClr val="accent6"/>
                 </a:solidFill>
@@ -9354,7 +12110,7 @@
         </p:nvSpPr>
         <p:spPr>
           <a:xfrm rot="16200000">
-            <a:off x="7280979" y="3493378"/>
+            <a:off x="7280979" y="3493379"/>
             <a:ext cx="1180730" cy="523220"/>
           </a:xfrm>
           <a:prstGeom prst="rect">
@@ -9420,8 +12176,8 @@
         </p:nvSpPr>
         <p:spPr>
           <a:xfrm rot="16200000">
-            <a:off x="1577257" y="3095004"/>
-            <a:ext cx="1722268" cy="816746"/>
+            <a:off x="1577256" y="3095004"/>
+            <a:ext cx="1722269" cy="816746"/>
           </a:xfrm>
           <a:prstGeom prst="roundRect">
             <a:avLst/>
@@ -9448,15 +12204,15 @@
           <a:p>
             <a:pPr algn="ctr"/>
             <a:r>
-              <a:rPr lang="en-GB" dirty="0"/>
+              <a:rPr lang="en-GB" sz="1799" dirty="0"/>
               <a:t>Add to </a:t>
             </a:r>
             <a:r>
-              <a:rPr lang="en-GB" dirty="0" err="1"/>
+              <a:rPr lang="en-GB" sz="1799" dirty="0" err="1"/>
               <a:t>cmd</a:t>
             </a:r>
             <a:r>
-              <a:rPr lang="en-GB" dirty="0"/>
+              <a:rPr lang="en-GB" sz="1799" dirty="0"/>
               <a:t> buffer</a:t>
             </a:r>
           </a:p>
@@ -9555,8 +12311,8 @@
         </p:nvSpPr>
         <p:spPr>
           <a:xfrm rot="16200000">
-            <a:off x="3609993" y="3095004"/>
-            <a:ext cx="1722268" cy="816746"/>
+            <a:off x="3609994" y="3095004"/>
+            <a:ext cx="1722269" cy="816746"/>
           </a:xfrm>
           <a:prstGeom prst="roundRect">
             <a:avLst/>
@@ -9583,7 +12339,7 @@
           <a:p>
             <a:pPr algn="ctr"/>
             <a:r>
-              <a:rPr lang="en-GB" dirty="0"/>
+              <a:rPr lang="en-GB" sz="1799" dirty="0"/>
               <a:t>Propose( )</a:t>
             </a:r>
           </a:p>
@@ -9606,7 +12362,7 @@
         </p:nvCxnSpPr>
         <p:spPr>
           <a:xfrm>
-            <a:off x="2846765" y="3503377"/>
+            <a:off x="2846766" y="3503377"/>
             <a:ext cx="1215989" cy="0"/>
           </a:xfrm>
           <a:prstGeom prst="straightConnector1">
@@ -9645,8 +12401,8 @@
         </p:nvSpPr>
         <p:spPr>
           <a:xfrm rot="16200000">
-            <a:off x="3609993" y="896512"/>
-            <a:ext cx="1722268" cy="816746"/>
+            <a:off x="3609994" y="896511"/>
+            <a:ext cx="1722269" cy="816746"/>
           </a:xfrm>
           <a:prstGeom prst="roundRect">
             <a:avLst/>
@@ -9673,11 +12429,11 @@
           <a:p>
             <a:pPr algn="ctr"/>
             <a:r>
-              <a:rPr lang="en-GB" dirty="0" err="1"/>
+              <a:rPr lang="en-GB" sz="1799" dirty="0" err="1"/>
               <a:t>OnVote</a:t>
             </a:r>
             <a:r>
-              <a:rPr lang="en-GB" dirty="0"/>
+              <a:rPr lang="en-GB" sz="1799" dirty="0"/>
               <a:t>( )</a:t>
             </a:r>
           </a:p>
@@ -9697,7 +12453,7 @@
         </p:nvSpPr>
         <p:spPr>
           <a:xfrm rot="16200000">
-            <a:off x="1314257" y="896512"/>
+            <a:off x="1314257" y="896511"/>
             <a:ext cx="2248268" cy="816746"/>
           </a:xfrm>
           <a:prstGeom prst="roundRect">
@@ -9725,11 +12481,11 @@
           <a:p>
             <a:pPr algn="ctr"/>
             <a:r>
-              <a:rPr lang="en-GB" dirty="0" err="1"/>
+              <a:rPr lang="en-GB" sz="1799" dirty="0" err="1"/>
               <a:t>StringToPartialCert</a:t>
             </a:r>
             <a:r>
-              <a:rPr lang="en-GB" dirty="0"/>
+              <a:rPr lang="en-GB" sz="1799" dirty="0"/>
               <a:t>( )</a:t>
             </a:r>
           </a:p>
@@ -9749,7 +12505,7 @@
         </p:nvSpPr>
         <p:spPr>
           <a:xfrm rot="16200000">
-            <a:off x="1375590" y="5232160"/>
+            <a:off x="1375591" y="5232160"/>
             <a:ext cx="2125601" cy="816746"/>
           </a:xfrm>
           <a:prstGeom prst="roundRect">
@@ -9777,11 +12533,11 @@
           <a:p>
             <a:pPr algn="ctr"/>
             <a:r>
-              <a:rPr lang="en-GB" dirty="0" err="1"/>
+              <a:rPr lang="en-GB" sz="1799" dirty="0" err="1"/>
               <a:t>StringToNewView</a:t>
             </a:r>
             <a:r>
-              <a:rPr lang="en-GB" dirty="0"/>
+              <a:rPr lang="en-GB" sz="1799" dirty="0"/>
               <a:t>( )</a:t>
             </a:r>
           </a:p>
@@ -9806,7 +12562,7 @@
         <p:spPr>
           <a:xfrm>
             <a:off x="675888" y="3503376"/>
-            <a:ext cx="1354130" cy="2137157"/>
+            <a:ext cx="1354131" cy="2137157"/>
           </a:xfrm>
           <a:prstGeom prst="straightConnector1">
             <a:avLst/>
@@ -9848,8 +12604,8 @@
         </p:nvCxnSpPr>
         <p:spPr>
           <a:xfrm flipV="1">
-            <a:off x="675888" y="1304885"/>
-            <a:ext cx="1354130" cy="2198491"/>
+            <a:off x="675888" y="1304884"/>
+            <a:ext cx="1354130" cy="2198492"/>
           </a:xfrm>
           <a:prstGeom prst="straightConnector1">
             <a:avLst/>
@@ -9887,8 +12643,8 @@
         </p:nvSpPr>
         <p:spPr>
           <a:xfrm rot="14198591">
-            <a:off x="473032" y="4493044"/>
-            <a:ext cx="1180730" cy="646331"/>
+            <a:off x="473032" y="4493172"/>
+            <a:ext cx="1180730" cy="646074"/>
           </a:xfrm>
           <a:prstGeom prst="rect">
             <a:avLst/>
@@ -9903,7 +12659,7 @@
           <a:p>
             <a:pPr algn="ctr"/>
             <a:r>
-              <a:rPr lang="en-GB" dirty="0">
+              <a:rPr lang="en-GB" sz="1799" dirty="0">
                 <a:solidFill>
                   <a:schemeClr val="accent6"/>
                 </a:solidFill>
@@ -9927,8 +12683,8 @@
         </p:nvSpPr>
         <p:spPr>
           <a:xfrm rot="17967712">
-            <a:off x="537347" y="2067181"/>
-            <a:ext cx="1180730" cy="369332"/>
+            <a:off x="537348" y="2067245"/>
+            <a:ext cx="1180730" cy="369204"/>
           </a:xfrm>
           <a:prstGeom prst="rect">
             <a:avLst/>
@@ -9943,7 +12699,7 @@
           <a:p>
             <a:pPr algn="ctr"/>
             <a:r>
-              <a:rPr lang="en-GB" dirty="0">
+              <a:rPr lang="en-GB" sz="1799" dirty="0">
                 <a:solidFill>
                   <a:schemeClr val="accent6"/>
                 </a:solidFill>
@@ -9967,8 +12723,8 @@
         </p:nvSpPr>
         <p:spPr>
           <a:xfrm>
-            <a:off x="768517" y="3151878"/>
-            <a:ext cx="1180730" cy="369332"/>
+            <a:off x="768518" y="3151879"/>
+            <a:ext cx="1180730" cy="369204"/>
           </a:xfrm>
           <a:prstGeom prst="rect">
             <a:avLst/>
@@ -9983,7 +12739,7 @@
           <a:p>
             <a:pPr algn="ctr"/>
             <a:r>
-              <a:rPr lang="en-GB" dirty="0">
+              <a:rPr lang="en-GB" sz="1799" dirty="0">
                 <a:solidFill>
                   <a:schemeClr val="accent6"/>
                 </a:solidFill>
@@ -10007,8 +12763,8 @@
         </p:nvSpPr>
         <p:spPr>
           <a:xfrm rot="16200000">
-            <a:off x="3610249" y="5232160"/>
-            <a:ext cx="1722268" cy="816746"/>
+            <a:off x="3610248" y="5232160"/>
+            <a:ext cx="1722269" cy="816746"/>
           </a:xfrm>
           <a:prstGeom prst="roundRect">
             <a:avLst/>
@@ -10035,11 +12791,11 @@
           <a:p>
             <a:pPr algn="ctr"/>
             <a:r>
-              <a:rPr lang="en-GB" dirty="0" err="1"/>
+              <a:rPr lang="en-GB" sz="1799" dirty="0" err="1"/>
               <a:t>OnNewView</a:t>
             </a:r>
             <a:r>
-              <a:rPr lang="en-GB" dirty="0"/>
+              <a:rPr lang="en-GB" sz="1799" dirty="0"/>
               <a:t>( )</a:t>
             </a:r>
           </a:p>
@@ -10062,7 +12818,7 @@
         </p:nvCxnSpPr>
         <p:spPr>
           <a:xfrm>
-            <a:off x="2837892" y="1304885"/>
+            <a:off x="2837892" y="1304884"/>
             <a:ext cx="1224862" cy="0"/>
           </a:xfrm>
           <a:prstGeom prst="straightConnector1">
@@ -10143,8 +12899,8 @@
         </p:nvSpPr>
         <p:spPr>
           <a:xfrm>
-            <a:off x="2882024" y="935553"/>
-            <a:ext cx="1180730" cy="369332"/>
+            <a:off x="2882025" y="935554"/>
+            <a:ext cx="1180730" cy="369204"/>
           </a:xfrm>
           <a:prstGeom prst="rect">
             <a:avLst/>
@@ -10159,7 +12915,7 @@
           <a:p>
             <a:pPr algn="ctr"/>
             <a:r>
-              <a:rPr lang="en-GB" dirty="0">
+              <a:rPr lang="en-GB" sz="1799" dirty="0">
                 <a:solidFill>
                   <a:schemeClr val="accent6"/>
                 </a:solidFill>
@@ -10184,7 +12940,7 @@
         <p:spPr>
           <a:xfrm>
             <a:off x="2868325" y="5183783"/>
-            <a:ext cx="1180730" cy="369332"/>
+            <a:ext cx="1180730" cy="369204"/>
           </a:xfrm>
           <a:prstGeom prst="rect">
             <a:avLst/>
@@ -10199,7 +12955,7 @@
           <a:p>
             <a:pPr algn="ctr"/>
             <a:r>
-              <a:rPr lang="en-GB" dirty="0">
+              <a:rPr lang="en-GB" sz="1799" dirty="0">
                 <a:solidFill>
                   <a:schemeClr val="accent6"/>
                 </a:solidFill>
@@ -10253,8 +13009,8 @@
         </p:nvSpPr>
         <p:spPr>
           <a:xfrm rot="16200000">
-            <a:off x="1198406" y="2860827"/>
-            <a:ext cx="1722268" cy="816746"/>
+            <a:off x="1198405" y="2860827"/>
+            <a:ext cx="1722269" cy="816746"/>
           </a:xfrm>
           <a:prstGeom prst="roundRect">
             <a:avLst/>
@@ -10281,7 +13037,7 @@
           <a:p>
             <a:pPr algn="ctr"/>
             <a:r>
-              <a:rPr lang="en-GB" dirty="0"/>
+              <a:rPr lang="en-GB" sz="1799" dirty="0"/>
               <a:t>NewView( )</a:t>
             </a:r>
           </a:p>
@@ -10304,8 +13060,8 @@
         </p:nvCxnSpPr>
         <p:spPr>
           <a:xfrm rot="16200000">
-            <a:off x="1247234" y="2865267"/>
-            <a:ext cx="0" cy="807867"/>
+            <a:off x="1247234" y="2865268"/>
+            <a:ext cx="0" cy="807866"/>
           </a:xfrm>
           <a:prstGeom prst="straightConnector1">
             <a:avLst/>
@@ -10343,7 +13099,7 @@
         </p:nvSpPr>
         <p:spPr>
           <a:xfrm rot="16200000">
-            <a:off x="612764" y="3597958"/>
+            <a:off x="612765" y="3597959"/>
             <a:ext cx="1180730" cy="523220"/>
           </a:xfrm>
           <a:prstGeom prst="rect">
@@ -10379,7 +13135,7 @@
         </p:nvSpPr>
         <p:spPr>
           <a:xfrm rot="16200000">
-            <a:off x="4004572" y="1338810"/>
+            <a:off x="4004573" y="1338810"/>
             <a:ext cx="2294216" cy="816746"/>
           </a:xfrm>
           <a:prstGeom prst="roundRect">
@@ -10407,7 +13163,7 @@
           <a:p>
             <a:pPr algn="ctr"/>
             <a:r>
-              <a:rPr lang="en-GB" dirty="0"/>
+              <a:rPr lang="en-GB" sz="1799" dirty="0"/>
               <a:t>NewViewToString( )</a:t>
             </a:r>
           </a:p>
@@ -10427,8 +13183,8 @@
         </p:nvSpPr>
         <p:spPr>
           <a:xfrm>
-            <a:off x="2559401" y="2894291"/>
-            <a:ext cx="1180730" cy="369332"/>
+            <a:off x="2559402" y="2894291"/>
+            <a:ext cx="1180730" cy="369204"/>
           </a:xfrm>
           <a:prstGeom prst="rect">
             <a:avLst/>
@@ -10443,7 +13199,7 @@
           <a:p>
             <a:pPr algn="ctr"/>
             <a:r>
-              <a:rPr lang="en-GB" dirty="0">
+              <a:rPr lang="en-GB" sz="1799" dirty="0">
                 <a:solidFill>
                   <a:schemeClr val="accent6"/>
                 </a:solidFill>
@@ -10467,8 +13223,8 @@
         </p:nvSpPr>
         <p:spPr>
           <a:xfrm rot="16200000">
-            <a:off x="4290546" y="4047138"/>
-            <a:ext cx="1722268" cy="816746"/>
+            <a:off x="4290545" y="4047138"/>
+            <a:ext cx="1722269" cy="816746"/>
           </a:xfrm>
           <a:prstGeom prst="roundRect">
             <a:avLst/>
@@ -10495,10 +13251,10 @@
           <a:p>
             <a:pPr algn="ctr"/>
             <a:r>
-              <a:rPr lang="en-GB"/>
+              <a:rPr lang="en-GB" sz="1799"/>
               <a:t>OnNewView( )</a:t>
             </a:r>
-            <a:endParaRPr lang="en-GB" dirty="0"/>
+            <a:endParaRPr lang="en-GB" sz="1799" dirty="0"/>
           </a:p>
         </p:txBody>
       </p:sp>
@@ -10519,7 +13275,7 @@
         </p:nvCxnSpPr>
         <p:spPr>
           <a:xfrm flipV="1">
-            <a:off x="3847171" y="1747183"/>
+            <a:off x="3847171" y="1747184"/>
             <a:ext cx="896136" cy="1516442"/>
           </a:xfrm>
           <a:prstGeom prst="straightConnector1">
@@ -10560,7 +13316,7 @@
         </p:nvCxnSpPr>
         <p:spPr>
           <a:xfrm flipV="1">
-            <a:off x="2467913" y="3263623"/>
+            <a:off x="2467914" y="3263623"/>
             <a:ext cx="1379258" cy="5577"/>
           </a:xfrm>
           <a:prstGeom prst="line">
@@ -10602,7 +13358,7 @@
         </p:nvCxnSpPr>
         <p:spPr>
           <a:xfrm>
-            <a:off x="3847171" y="3263623"/>
+            <a:off x="3847171" y="3263624"/>
             <a:ext cx="896136" cy="1191888"/>
           </a:xfrm>
           <a:prstGeom prst="straightConnector1">
@@ -10644,7 +13400,7 @@
         </p:nvCxnSpPr>
         <p:spPr>
           <a:xfrm>
-            <a:off x="5560053" y="1747183"/>
+            <a:off x="5560054" y="1747183"/>
             <a:ext cx="1069347" cy="0"/>
           </a:xfrm>
           <a:prstGeom prst="straightConnector1">
@@ -10749,7 +13505,7 @@
         </p:nvSpPr>
         <p:spPr>
           <a:xfrm rot="16200000">
-            <a:off x="689866" y="3493380"/>
+            <a:off x="689866" y="3493381"/>
             <a:ext cx="1180730" cy="523220"/>
           </a:xfrm>
           <a:prstGeom prst="rect">
@@ -10786,7 +13542,7 @@
         <p:spPr>
           <a:xfrm rot="16200000">
             <a:off x="1257768" y="2756252"/>
-            <a:ext cx="1722268" cy="816746"/>
+            <a:ext cx="1722269" cy="816746"/>
           </a:xfrm>
           <a:prstGeom prst="roundRect">
             <a:avLst/>
@@ -10813,14 +13569,14 @@
           <a:p>
             <a:pPr algn="ctr"/>
             <a:r>
-              <a:rPr lang="en-GB" dirty="0"/>
+              <a:rPr lang="en-GB" sz="1799" dirty="0"/>
               <a:t>Add tag “Command:”</a:t>
             </a:r>
           </a:p>
           <a:p>
             <a:pPr algn="ctr"/>
             <a:r>
-              <a:rPr lang="en-GB" dirty="0"/>
+              <a:rPr lang="en-GB" sz="1799" dirty="0"/>
               <a:t>to command</a:t>
             </a:r>
           </a:p>
@@ -10922,7 +13678,7 @@
         </p:nvSpPr>
         <p:spPr>
           <a:xfrm rot="16200000">
-            <a:off x="2389383" y="3385656"/>
+            <a:off x="2389384" y="3385658"/>
             <a:ext cx="1180730" cy="738664"/>
           </a:xfrm>
           <a:prstGeom prst="rect">
@@ -11031,7 +13787,7 @@
         </p:nvSpPr>
         <p:spPr>
           <a:xfrm rot="16200000">
-            <a:off x="1375590" y="4652940"/>
+            <a:off x="1375591" y="4652940"/>
             <a:ext cx="2125601" cy="816746"/>
           </a:xfrm>
           <a:prstGeom prst="roundRect">
@@ -11059,11 +13815,11 @@
           <a:p>
             <a:pPr algn="ctr"/>
             <a:r>
-              <a:rPr lang="en-GB" dirty="0" err="1"/>
+              <a:rPr lang="en-GB" sz="1799" dirty="0" err="1"/>
               <a:t>StringToNewView</a:t>
             </a:r>
             <a:r>
-              <a:rPr lang="en-GB" dirty="0"/>
+              <a:rPr lang="en-GB" sz="1799" dirty="0"/>
               <a:t>( )</a:t>
             </a:r>
           </a:p>
@@ -11088,7 +13844,7 @@
         <p:spPr>
           <a:xfrm>
             <a:off x="675888" y="3503376"/>
-            <a:ext cx="1354130" cy="1557937"/>
+            <a:ext cx="1354131" cy="1557937"/>
           </a:xfrm>
           <a:prstGeom prst="straightConnector1">
             <a:avLst/>
@@ -11169,8 +13925,8 @@
         </p:nvSpPr>
         <p:spPr>
           <a:xfrm rot="13766076">
-            <a:off x="453333" y="4111423"/>
-            <a:ext cx="1180730" cy="646331"/>
+            <a:off x="453334" y="4111551"/>
+            <a:ext cx="1180730" cy="646074"/>
           </a:xfrm>
           <a:prstGeom prst="rect">
             <a:avLst/>
@@ -11185,7 +13941,7 @@
           <a:p>
             <a:pPr algn="ctr"/>
             <a:r>
-              <a:rPr lang="en-GB" dirty="0">
+              <a:rPr lang="en-GB" sz="1799" dirty="0">
                 <a:solidFill>
                   <a:schemeClr val="accent6"/>
                 </a:solidFill>
@@ -11209,8 +13965,8 @@
         </p:nvSpPr>
         <p:spPr>
           <a:xfrm rot="18411140">
-            <a:off x="489460" y="2094488"/>
-            <a:ext cx="1180730" cy="646331"/>
+            <a:off x="489460" y="2094615"/>
+            <a:ext cx="1180730" cy="646074"/>
           </a:xfrm>
           <a:prstGeom prst="rect">
             <a:avLst/>
@@ -11225,7 +13981,7 @@
           <a:p>
             <a:pPr algn="ctr"/>
             <a:r>
-              <a:rPr lang="en-GB" dirty="0">
+              <a:rPr lang="en-GB" sz="1799" dirty="0">
                 <a:solidFill>
                   <a:schemeClr val="accent6"/>
                 </a:solidFill>
@@ -11249,8 +14005,8 @@
         </p:nvSpPr>
         <p:spPr>
           <a:xfrm rot="16200000">
-            <a:off x="3610249" y="4652940"/>
-            <a:ext cx="1722268" cy="816746"/>
+            <a:off x="3610248" y="4652940"/>
+            <a:ext cx="1722269" cy="816746"/>
           </a:xfrm>
           <a:prstGeom prst="roundRect">
             <a:avLst/>
@@ -11277,11 +14033,11 @@
           <a:p>
             <a:pPr algn="ctr"/>
             <a:r>
-              <a:rPr lang="en-GB" dirty="0" err="1"/>
+              <a:rPr lang="en-GB" sz="1799" dirty="0" err="1"/>
               <a:t>OnNewView</a:t>
             </a:r>
             <a:r>
-              <a:rPr lang="en-GB" dirty="0"/>
+              <a:rPr lang="en-GB" sz="1799" dirty="0"/>
               <a:t>( )</a:t>
             </a:r>
           </a:p>
@@ -11343,8 +14099,8 @@
         </p:nvSpPr>
         <p:spPr>
           <a:xfrm>
-            <a:off x="2868325" y="4604563"/>
-            <a:ext cx="1180730" cy="369332"/>
+            <a:off x="2868325" y="4604564"/>
+            <a:ext cx="1180730" cy="369204"/>
           </a:xfrm>
           <a:prstGeom prst="rect">
             <a:avLst/>
@@ -11359,7 +14115,7 @@
           <a:p>
             <a:pPr algn="ctr"/>
             <a:r>
-              <a:rPr lang="en-GB" dirty="0">
+              <a:rPr lang="en-GB" sz="1799" dirty="0">
                 <a:solidFill>
                   <a:schemeClr val="accent6"/>
                 </a:solidFill>
@@ -11383,8 +14139,8 @@
         </p:nvSpPr>
         <p:spPr>
           <a:xfrm rot="16200000">
-            <a:off x="1577258" y="1270387"/>
-            <a:ext cx="1722268" cy="816746"/>
+            <a:off x="1577257" y="1270387"/>
+            <a:ext cx="1722269" cy="816746"/>
           </a:xfrm>
           <a:prstGeom prst="roundRect">
             <a:avLst/>
@@ -11411,7 +14167,7 @@
           <a:p>
             <a:pPr algn="ctr"/>
             <a:r>
-              <a:rPr lang="en-GB" dirty="0"/>
+              <a:rPr lang="en-GB" sz="1799" dirty="0"/>
               <a:t>Format string to block</a:t>
             </a:r>
           </a:p>
@@ -11432,7 +14188,7 @@
         <p:spPr>
           <a:xfrm rot="16200000">
             <a:off x="3201876" y="1270387"/>
-            <a:ext cx="1722268" cy="816746"/>
+            <a:ext cx="1722269" cy="816746"/>
           </a:xfrm>
           <a:prstGeom prst="roundRect">
             <a:avLst/>
@@ -11459,11 +14215,11 @@
           <a:p>
             <a:pPr algn="ctr"/>
             <a:r>
-              <a:rPr lang="en-GB" dirty="0" err="1"/>
+              <a:rPr lang="en-GB" sz="1799" dirty="0" err="1"/>
               <a:t>OnPropose</a:t>
             </a:r>
             <a:r>
-              <a:rPr lang="en-GB" dirty="0"/>
+              <a:rPr lang="en-GB" sz="1799" dirty="0"/>
               <a:t>( )</a:t>
             </a:r>
           </a:p>
@@ -11483,8 +14239,8 @@
         </p:nvSpPr>
         <p:spPr>
           <a:xfrm>
-            <a:off x="2660335" y="1309429"/>
-            <a:ext cx="1180730" cy="369332"/>
+            <a:off x="2660336" y="1309430"/>
+            <a:ext cx="1180730" cy="369204"/>
           </a:xfrm>
           <a:prstGeom prst="rect">
             <a:avLst/>
@@ -11499,7 +14255,7 @@
           <a:p>
             <a:pPr algn="ctr"/>
             <a:r>
-              <a:rPr lang="en-GB" dirty="0">
+              <a:rPr lang="en-GB" sz="1799" dirty="0">
                 <a:solidFill>
                   <a:schemeClr val="accent6"/>
                 </a:solidFill>
@@ -11526,7 +14282,7 @@
         </p:nvCxnSpPr>
         <p:spPr>
           <a:xfrm rot="16200000" flipH="1">
-            <a:off x="3250700" y="1274824"/>
+            <a:off x="3250702" y="1274826"/>
             <a:ext cx="1" cy="807872"/>
           </a:xfrm>
           <a:prstGeom prst="straightConnector1">
@@ -11565,7 +14321,7 @@
         </p:nvSpPr>
         <p:spPr>
           <a:xfrm rot="16200000">
-            <a:off x="4540190" y="1299239"/>
+            <a:off x="4540192" y="1299239"/>
             <a:ext cx="2303751" cy="816746"/>
           </a:xfrm>
           <a:prstGeom prst="roundRect">
@@ -11593,11 +14349,11 @@
           <a:p>
             <a:pPr algn="ctr"/>
             <a:r>
-              <a:rPr lang="en-GB" dirty="0" err="1"/>
+              <a:rPr lang="en-GB" sz="1799" dirty="0" err="1"/>
               <a:t>StringToPartialCert</a:t>
             </a:r>
             <a:r>
-              <a:rPr lang="en-GB" dirty="0"/>
+              <a:rPr lang="en-GB" sz="1799" dirty="0"/>
               <a:t>( )</a:t>
             </a:r>
           </a:p>
@@ -11618,7 +14374,7 @@
         <p:spPr>
           <a:xfrm>
             <a:off x="4284954" y="1032431"/>
-            <a:ext cx="1180730" cy="646331"/>
+            <a:ext cx="1180730" cy="646074"/>
           </a:xfrm>
           <a:prstGeom prst="rect">
             <a:avLst/>
@@ -11633,7 +14389,7 @@
           <a:p>
             <a:pPr algn="ctr"/>
             <a:r>
-              <a:rPr lang="en-GB" dirty="0">
+              <a:rPr lang="en-GB" sz="1799" dirty="0">
                 <a:solidFill>
                   <a:schemeClr val="accent6"/>
                 </a:solidFill>
@@ -11641,14 +14397,14 @@
               <a:t>PC</a:t>
             </a:r>
             <a:br>
-              <a:rPr lang="en-GB" dirty="0">
+              <a:rPr lang="en-GB" sz="1799" dirty="0">
                 <a:solidFill>
                   <a:schemeClr val="accent6"/>
                 </a:solidFill>
               </a:rPr>
             </a:br>
             <a:r>
-              <a:rPr lang="en-GB" dirty="0">
+              <a:rPr lang="en-GB" sz="1799" dirty="0">
                 <a:solidFill>
                   <a:schemeClr val="accent6"/>
                 </a:solidFill>
@@ -11676,7 +14432,7 @@
         </p:nvCxnSpPr>
         <p:spPr>
           <a:xfrm>
-            <a:off x="4471383" y="1678760"/>
+            <a:off x="4471382" y="1678761"/>
             <a:ext cx="812310" cy="28852"/>
           </a:xfrm>
           <a:prstGeom prst="straightConnector1">
@@ -11716,7 +14472,7 @@
         <p:spPr>
           <a:xfrm rot="16200000">
             <a:off x="6451114" y="1270387"/>
-            <a:ext cx="1722268" cy="816746"/>
+            <a:ext cx="1722269" cy="816746"/>
           </a:xfrm>
           <a:prstGeom prst="roundRect">
             <a:avLst/>
@@ -11743,11 +14499,11 @@
           <a:p>
             <a:pPr algn="ctr"/>
             <a:r>
-              <a:rPr lang="en-GB" dirty="0" err="1"/>
+              <a:rPr lang="en-GB" sz="1799" dirty="0" err="1"/>
               <a:t>OnVote</a:t>
             </a:r>
             <a:r>
-              <a:rPr lang="en-GB" dirty="0"/>
+              <a:rPr lang="en-GB" sz="1799" dirty="0"/>
               <a:t>( )</a:t>
             </a:r>
           </a:p>
@@ -11769,7 +14525,7 @@
         </p:nvCxnSpPr>
         <p:spPr>
           <a:xfrm rot="16200000" flipH="1">
-            <a:off x="6506593" y="1272606"/>
+            <a:off x="6506593" y="1272607"/>
             <a:ext cx="2" cy="812310"/>
           </a:xfrm>
           <a:prstGeom prst="straightConnector1">
@@ -11808,8 +14564,8 @@
         </p:nvSpPr>
         <p:spPr>
           <a:xfrm>
-            <a:off x="5916229" y="1309430"/>
-            <a:ext cx="1180730" cy="369332"/>
+            <a:off x="5916230" y="1309431"/>
+            <a:ext cx="1180730" cy="369204"/>
           </a:xfrm>
           <a:prstGeom prst="rect">
             <a:avLst/>
@@ -11824,7 +14580,7 @@
           <a:p>
             <a:pPr algn="ctr"/>
             <a:r>
-              <a:rPr lang="en-GB" dirty="0">
+              <a:rPr lang="en-GB" sz="1799" dirty="0">
                 <a:solidFill>
                   <a:schemeClr val="accent6"/>
                 </a:solidFill>
@@ -11889,7 +14645,7 @@
         </p:nvSpPr>
         <p:spPr>
           <a:xfrm rot="16200000">
-            <a:off x="7582729" y="1899791"/>
+            <a:off x="7582730" y="1899792"/>
             <a:ext cx="1180730" cy="738664"/>
           </a:xfrm>
           <a:prstGeom prst="rect">
@@ -11962,8 +14718,8 @@
         </p:nvSpPr>
         <p:spPr>
           <a:xfrm rot="16200000">
-            <a:off x="1198406" y="2860827"/>
-            <a:ext cx="1722268" cy="816746"/>
+            <a:off x="1198405" y="2860827"/>
+            <a:ext cx="1722269" cy="816746"/>
           </a:xfrm>
           <a:prstGeom prst="roundRect">
             <a:avLst/>
@@ -11990,7 +14746,7 @@
           <a:p>
             <a:pPr algn="ctr"/>
             <a:r>
-              <a:rPr lang="en-GB" dirty="0"/>
+              <a:rPr lang="en-GB" sz="1799" dirty="0"/>
               <a:t>NewView( )</a:t>
             </a:r>
           </a:p>
@@ -12013,8 +14769,8 @@
         </p:nvCxnSpPr>
         <p:spPr>
           <a:xfrm rot="16200000">
-            <a:off x="1247234" y="2865267"/>
-            <a:ext cx="0" cy="807867"/>
+            <a:off x="1247234" y="2865268"/>
+            <a:ext cx="0" cy="807866"/>
           </a:xfrm>
           <a:prstGeom prst="straightConnector1">
             <a:avLst/>
@@ -12052,7 +14808,7 @@
         </p:nvSpPr>
         <p:spPr>
           <a:xfrm rot="16200000">
-            <a:off x="612764" y="3597958"/>
+            <a:off x="612765" y="3597959"/>
             <a:ext cx="1180730" cy="523220"/>
           </a:xfrm>
           <a:prstGeom prst="rect">
@@ -12088,7 +14844,7 @@
         </p:nvSpPr>
         <p:spPr>
           <a:xfrm rot="16200000">
-            <a:off x="4004572" y="1338810"/>
+            <a:off x="4004573" y="1338810"/>
             <a:ext cx="2294216" cy="816746"/>
           </a:xfrm>
           <a:prstGeom prst="roundRect">
@@ -12116,7 +14872,7 @@
           <a:p>
             <a:pPr algn="ctr"/>
             <a:r>
-              <a:rPr lang="en-GB" dirty="0"/>
+              <a:rPr lang="en-GB" sz="1799" dirty="0"/>
               <a:t>NewViewToString( )</a:t>
             </a:r>
           </a:p>
@@ -12136,8 +14892,8 @@
         </p:nvSpPr>
         <p:spPr>
           <a:xfrm>
-            <a:off x="2559401" y="2894291"/>
-            <a:ext cx="1180730" cy="369332"/>
+            <a:off x="2559402" y="2894291"/>
+            <a:ext cx="1180730" cy="369204"/>
           </a:xfrm>
           <a:prstGeom prst="rect">
             <a:avLst/>
@@ -12152,7 +14908,7 @@
           <a:p>
             <a:pPr algn="ctr"/>
             <a:r>
-              <a:rPr lang="en-GB" dirty="0">
+              <a:rPr lang="en-GB" sz="1799" dirty="0">
                 <a:solidFill>
                   <a:schemeClr val="accent6"/>
                 </a:solidFill>
@@ -12176,8 +14932,8 @@
         </p:nvSpPr>
         <p:spPr>
           <a:xfrm rot="16200000">
-            <a:off x="4290546" y="4047138"/>
-            <a:ext cx="1722268" cy="816746"/>
+            <a:off x="4290545" y="4047138"/>
+            <a:ext cx="1722269" cy="816746"/>
           </a:xfrm>
           <a:prstGeom prst="roundRect">
             <a:avLst/>
@@ -12204,10 +14960,10 @@
           <a:p>
             <a:pPr algn="ctr"/>
             <a:r>
-              <a:rPr lang="en-GB"/>
+              <a:rPr lang="en-GB" sz="1799"/>
               <a:t>OnNewView( )</a:t>
             </a:r>
-            <a:endParaRPr lang="en-GB" dirty="0"/>
+            <a:endParaRPr lang="en-GB" sz="1799" dirty="0"/>
           </a:p>
         </p:txBody>
       </p:sp>
@@ -12228,7 +14984,7 @@
         </p:nvCxnSpPr>
         <p:spPr>
           <a:xfrm flipV="1">
-            <a:off x="3847171" y="1747183"/>
+            <a:off x="3847171" y="1747184"/>
             <a:ext cx="896136" cy="1516442"/>
           </a:xfrm>
           <a:prstGeom prst="straightConnector1">
@@ -12269,7 +15025,7 @@
         </p:nvCxnSpPr>
         <p:spPr>
           <a:xfrm flipV="1">
-            <a:off x="2467913" y="3263623"/>
+            <a:off x="2467914" y="3263623"/>
             <a:ext cx="1379258" cy="5577"/>
           </a:xfrm>
           <a:prstGeom prst="line">
@@ -12311,7 +15067,7 @@
         </p:nvCxnSpPr>
         <p:spPr>
           <a:xfrm>
-            <a:off x="3847171" y="3263623"/>
+            <a:off x="3847171" y="3263624"/>
             <a:ext cx="896136" cy="1191888"/>
           </a:xfrm>
           <a:prstGeom prst="straightConnector1">
@@ -12353,7 +15109,7 @@
         </p:nvCxnSpPr>
         <p:spPr>
           <a:xfrm>
-            <a:off x="5560053" y="1747183"/>
+            <a:off x="5560054" y="1747183"/>
             <a:ext cx="1069347" cy="0"/>
           </a:xfrm>
           <a:prstGeom prst="straightConnector1">
@@ -12392,7 +15148,7 @@
         </p:nvSpPr>
         <p:spPr>
           <a:xfrm rot="16200000">
-            <a:off x="5623264" y="1842606"/>
+            <a:off x="5623264" y="1842608"/>
             <a:ext cx="1180730" cy="738664"/>
           </a:xfrm>
           <a:prstGeom prst="rect">

--- a/WIP.pptx
+++ b/WIP.pptx
@@ -279,7 +279,7 @@
           <a:p>
             <a:fld id="{4BB03E3C-822E-4593-9A6A-EC9CF8479CCC}" type="datetimeFigureOut">
               <a:rPr lang="en-US" smtClean="0"/>
-              <a:t>5/19/2021</a:t>
+              <a:t>5/20/2021</a:t>
             </a:fld>
             <a:endParaRPr lang="en-US"/>
           </a:p>
@@ -477,7 +477,7 @@
           <a:p>
             <a:fld id="{4BB03E3C-822E-4593-9A6A-EC9CF8479CCC}" type="datetimeFigureOut">
               <a:rPr lang="en-US" smtClean="0"/>
-              <a:t>5/19/2021</a:t>
+              <a:t>5/20/2021</a:t>
             </a:fld>
             <a:endParaRPr lang="en-US"/>
           </a:p>
@@ -685,7 +685,7 @@
           <a:p>
             <a:fld id="{4BB03E3C-822E-4593-9A6A-EC9CF8479CCC}" type="datetimeFigureOut">
               <a:rPr lang="en-US" smtClean="0"/>
-              <a:t>5/19/2021</a:t>
+              <a:t>5/20/2021</a:t>
             </a:fld>
             <a:endParaRPr lang="en-US"/>
           </a:p>
@@ -883,7 +883,7 @@
           <a:p>
             <a:fld id="{4BB03E3C-822E-4593-9A6A-EC9CF8479CCC}" type="datetimeFigureOut">
               <a:rPr lang="en-US" smtClean="0"/>
-              <a:t>5/19/2021</a:t>
+              <a:t>5/20/2021</a:t>
             </a:fld>
             <a:endParaRPr lang="en-US"/>
           </a:p>
@@ -1158,7 +1158,7 @@
           <a:p>
             <a:fld id="{4BB03E3C-822E-4593-9A6A-EC9CF8479CCC}" type="datetimeFigureOut">
               <a:rPr lang="en-US" smtClean="0"/>
-              <a:t>5/19/2021</a:t>
+              <a:t>5/20/2021</a:t>
             </a:fld>
             <a:endParaRPr lang="en-US"/>
           </a:p>
@@ -1423,7 +1423,7 @@
           <a:p>
             <a:fld id="{4BB03E3C-822E-4593-9A6A-EC9CF8479CCC}" type="datetimeFigureOut">
               <a:rPr lang="en-US" smtClean="0"/>
-              <a:t>5/19/2021</a:t>
+              <a:t>5/20/2021</a:t>
             </a:fld>
             <a:endParaRPr lang="en-US"/>
           </a:p>
@@ -1835,7 +1835,7 @@
           <a:p>
             <a:fld id="{4BB03E3C-822E-4593-9A6A-EC9CF8479CCC}" type="datetimeFigureOut">
               <a:rPr lang="en-US" smtClean="0"/>
-              <a:t>5/19/2021</a:t>
+              <a:t>5/20/2021</a:t>
             </a:fld>
             <a:endParaRPr lang="en-US"/>
           </a:p>
@@ -1976,7 +1976,7 @@
           <a:p>
             <a:fld id="{4BB03E3C-822E-4593-9A6A-EC9CF8479CCC}" type="datetimeFigureOut">
               <a:rPr lang="en-US" smtClean="0"/>
-              <a:t>5/19/2021</a:t>
+              <a:t>5/20/2021</a:t>
             </a:fld>
             <a:endParaRPr lang="en-US"/>
           </a:p>
@@ -2089,7 +2089,7 @@
           <a:p>
             <a:fld id="{4BB03E3C-822E-4593-9A6A-EC9CF8479CCC}" type="datetimeFigureOut">
               <a:rPr lang="en-US" smtClean="0"/>
-              <a:t>5/19/2021</a:t>
+              <a:t>5/20/2021</a:t>
             </a:fld>
             <a:endParaRPr lang="en-US"/>
           </a:p>
@@ -2400,7 +2400,7 @@
           <a:p>
             <a:fld id="{4BB03E3C-822E-4593-9A6A-EC9CF8479CCC}" type="datetimeFigureOut">
               <a:rPr lang="en-US" smtClean="0"/>
-              <a:t>5/19/2021</a:t>
+              <a:t>5/20/2021</a:t>
             </a:fld>
             <a:endParaRPr lang="en-US"/>
           </a:p>
@@ -2688,7 +2688,7 @@
           <a:p>
             <a:fld id="{4BB03E3C-822E-4593-9A6A-EC9CF8479CCC}" type="datetimeFigureOut">
               <a:rPr lang="en-US" smtClean="0"/>
-              <a:t>5/19/2021</a:t>
+              <a:t>5/20/2021</a:t>
             </a:fld>
             <a:endParaRPr lang="en-US"/>
           </a:p>
@@ -2929,7 +2929,7 @@
           <a:p>
             <a:fld id="{4BB03E3C-822E-4593-9A6A-EC9CF8479CCC}" type="datetimeFigureOut">
               <a:rPr lang="en-US" smtClean="0"/>
-              <a:t>5/19/2021</a:t>
+              <a:t>5/20/2021</a:t>
             </a:fld>
             <a:endParaRPr lang="en-US"/>
           </a:p>
@@ -4735,8 +4735,16 @@
 </file>
 
 <file path=ppt/slides/slide10.xml><?xml version="1.0" encoding="utf-8"?>
-<p:sld xmlns:a="http://schemas.openxmlformats.org/drawingml/2006/main" xmlns:r="http://schemas.openxmlformats.org/officeDocument/2006/relationships" xmlns:p="http://schemas.openxmlformats.org/presentationml/2006/main">
+<p:sld xmlns:a="http://schemas.openxmlformats.org/drawingml/2006/main" xmlns:r="http://schemas.openxmlformats.org/officeDocument/2006/relationships" xmlns:p="http://schemas.openxmlformats.org/presentationml/2006/main" showMasterSp="0">
   <p:cSld>
+    <p:bg>
+      <p:bgPr>
+        <a:solidFill>
+          <a:schemeClr val="bg1"/>
+        </a:solidFill>
+        <a:effectLst/>
+      </p:bgPr>
+    </p:bg>
     <p:spTree>
       <p:nvGrpSpPr>
         <p:cNvPr id="1" name=""/>
@@ -4751,458 +4759,12 @@
           <a:chExt cx="0" cy="0"/>
         </a:xfrm>
       </p:grpSpPr>
-      <p:sp>
-        <p:nvSpPr>
-          <p:cNvPr id="6" name="Rectangle: Rounded Corners 5">
-            <a:extLst>
-              <a:ext uri="{FF2B5EF4-FFF2-40B4-BE49-F238E27FC236}">
-                <a16:creationId xmlns:a16="http://schemas.microsoft.com/office/drawing/2014/main" id="{355B6EB2-3A74-448B-9DF4-A2F087106AF4}"/>
-              </a:ext>
-            </a:extLst>
-          </p:cNvPr>
-          <p:cNvSpPr/>
-          <p:nvPr/>
-        </p:nvSpPr>
-        <p:spPr>
-          <a:xfrm>
-            <a:off x="210553" y="240629"/>
-            <a:ext cx="2149642" cy="1058779"/>
-          </a:xfrm>
-          <a:prstGeom prst="roundRect">
-            <a:avLst/>
-          </a:prstGeom>
-        </p:spPr>
-        <p:style>
-          <a:lnRef idx="2">
-            <a:schemeClr val="accent6"/>
-          </a:lnRef>
-          <a:fillRef idx="1">
-            <a:schemeClr val="lt1"/>
-          </a:fillRef>
-          <a:effectRef idx="0">
-            <a:schemeClr val="accent6"/>
-          </a:effectRef>
-          <a:fontRef idx="minor">
-            <a:schemeClr val="dk1"/>
-          </a:fontRef>
-        </p:style>
-        <p:txBody>
-          <a:bodyPr rtlCol="0" anchor="ctr"/>
-          <a:lstStyle/>
-          <a:p>
-            <a:pPr algn="ctr"/>
-            <a:r>
-              <a:rPr lang="en-US" dirty="0"/>
-              <a:t>Replica 1</a:t>
-            </a:r>
-          </a:p>
-        </p:txBody>
-      </p:sp>
-      <p:sp>
-        <p:nvSpPr>
-          <p:cNvPr id="7" name="Rectangle: Rounded Corners 6">
-            <a:extLst>
-              <a:ext uri="{FF2B5EF4-FFF2-40B4-BE49-F238E27FC236}">
-                <a16:creationId xmlns:a16="http://schemas.microsoft.com/office/drawing/2014/main" id="{887C0E90-8790-4013-8766-7C3125698B81}"/>
-              </a:ext>
-            </a:extLst>
-          </p:cNvPr>
-          <p:cNvSpPr/>
-          <p:nvPr/>
-        </p:nvSpPr>
-        <p:spPr>
-          <a:xfrm>
-            <a:off x="2615866" y="240629"/>
-            <a:ext cx="2149642" cy="1058779"/>
-          </a:xfrm>
-          <a:prstGeom prst="roundRect">
-            <a:avLst/>
-          </a:prstGeom>
-        </p:spPr>
-        <p:style>
-          <a:lnRef idx="2">
-            <a:schemeClr val="accent2"/>
-          </a:lnRef>
-          <a:fillRef idx="1">
-            <a:schemeClr val="lt1"/>
-          </a:fillRef>
-          <a:effectRef idx="0">
-            <a:schemeClr val="accent2"/>
-          </a:effectRef>
-          <a:fontRef idx="minor">
-            <a:schemeClr val="dk1"/>
-          </a:fontRef>
-        </p:style>
-        <p:txBody>
-          <a:bodyPr rtlCol="0" anchor="ctr"/>
-          <a:lstStyle/>
-          <a:p>
-            <a:pPr algn="ctr"/>
-            <a:r>
-              <a:rPr lang="en-US" dirty="0"/>
-              <a:t>STUN</a:t>
-            </a:r>
-          </a:p>
-        </p:txBody>
-      </p:sp>
-      <p:sp>
-        <p:nvSpPr>
-          <p:cNvPr id="8" name="Rectangle: Rounded Corners 7">
-            <a:extLst>
-              <a:ext uri="{FF2B5EF4-FFF2-40B4-BE49-F238E27FC236}">
-                <a16:creationId xmlns:a16="http://schemas.microsoft.com/office/drawing/2014/main" id="{E5C2C76A-D8D8-42C2-B564-7AB1CD8FA32F}"/>
-              </a:ext>
-            </a:extLst>
-          </p:cNvPr>
-          <p:cNvSpPr/>
-          <p:nvPr/>
-        </p:nvSpPr>
-        <p:spPr>
-          <a:xfrm>
-            <a:off x="5021179" y="240629"/>
-            <a:ext cx="2149642" cy="1058779"/>
-          </a:xfrm>
-          <a:prstGeom prst="roundRect">
-            <a:avLst/>
-          </a:prstGeom>
-        </p:spPr>
-        <p:style>
-          <a:lnRef idx="2">
-            <a:schemeClr val="accent4"/>
-          </a:lnRef>
-          <a:fillRef idx="1">
-            <a:schemeClr val="lt1"/>
-          </a:fillRef>
-          <a:effectRef idx="0">
-            <a:schemeClr val="accent4"/>
-          </a:effectRef>
-          <a:fontRef idx="minor">
-            <a:schemeClr val="dk1"/>
-          </a:fontRef>
-        </p:style>
-        <p:txBody>
-          <a:bodyPr rtlCol="0" anchor="ctr"/>
-          <a:lstStyle/>
-          <a:p>
-            <a:pPr algn="ctr"/>
-            <a:r>
-              <a:rPr lang="en-US" dirty="0"/>
-              <a:t>TURN</a:t>
-            </a:r>
-          </a:p>
-        </p:txBody>
-      </p:sp>
-      <p:sp>
-        <p:nvSpPr>
-          <p:cNvPr id="9" name="Rectangle: Rounded Corners 8">
-            <a:extLst>
-              <a:ext uri="{FF2B5EF4-FFF2-40B4-BE49-F238E27FC236}">
-                <a16:creationId xmlns:a16="http://schemas.microsoft.com/office/drawing/2014/main" id="{D6C865C0-9C0E-4D1D-BF19-9E6936ADECF1}"/>
-              </a:ext>
-            </a:extLst>
-          </p:cNvPr>
-          <p:cNvSpPr/>
-          <p:nvPr/>
-        </p:nvSpPr>
-        <p:spPr>
-          <a:xfrm>
-            <a:off x="7426492" y="240628"/>
-            <a:ext cx="2149642" cy="1058779"/>
-          </a:xfrm>
-          <a:prstGeom prst="roundRect">
-            <a:avLst/>
-          </a:prstGeom>
-          <a:ln/>
-        </p:spPr>
-        <p:style>
-          <a:lnRef idx="2">
-            <a:schemeClr val="accent5"/>
-          </a:lnRef>
-          <a:fillRef idx="1">
-            <a:schemeClr val="lt1"/>
-          </a:fillRef>
-          <a:effectRef idx="0">
-            <a:schemeClr val="accent5"/>
-          </a:effectRef>
-          <a:fontRef idx="minor">
-            <a:schemeClr val="dk1"/>
-          </a:fontRef>
-        </p:style>
-        <p:txBody>
-          <a:bodyPr rtlCol="0" anchor="ctr"/>
-          <a:lstStyle/>
-          <a:p>
-            <a:pPr algn="ctr"/>
-            <a:r>
-              <a:rPr lang="en-US" dirty="0" err="1"/>
-              <a:t>Websocket</a:t>
-            </a:r>
-            <a:r>
-              <a:rPr lang="en-US" dirty="0"/>
-              <a:t> Server</a:t>
-            </a:r>
-          </a:p>
-        </p:txBody>
-      </p:sp>
-      <p:sp>
-        <p:nvSpPr>
-          <p:cNvPr id="10" name="Rectangle: Rounded Corners 9">
-            <a:extLst>
-              <a:ext uri="{FF2B5EF4-FFF2-40B4-BE49-F238E27FC236}">
-                <a16:creationId xmlns:a16="http://schemas.microsoft.com/office/drawing/2014/main" id="{1CFC2779-F491-454D-A313-29CDE64ABF00}"/>
-              </a:ext>
-            </a:extLst>
-          </p:cNvPr>
-          <p:cNvSpPr/>
-          <p:nvPr/>
-        </p:nvSpPr>
-        <p:spPr>
-          <a:xfrm>
-            <a:off x="9831805" y="240628"/>
-            <a:ext cx="2149642" cy="1058779"/>
-          </a:xfrm>
-          <a:prstGeom prst="roundRect">
-            <a:avLst/>
-          </a:prstGeom>
-        </p:spPr>
-        <p:style>
-          <a:lnRef idx="2">
-            <a:schemeClr val="accent6"/>
-          </a:lnRef>
-          <a:fillRef idx="1">
-            <a:schemeClr val="lt1"/>
-          </a:fillRef>
-          <a:effectRef idx="0">
-            <a:schemeClr val="accent6"/>
-          </a:effectRef>
-          <a:fontRef idx="minor">
-            <a:schemeClr val="dk1"/>
-          </a:fontRef>
-        </p:style>
-        <p:txBody>
-          <a:bodyPr rtlCol="0" anchor="ctr"/>
-          <a:lstStyle/>
-          <a:p>
-            <a:pPr algn="ctr"/>
-            <a:r>
-              <a:rPr lang="en-US" dirty="0"/>
-              <a:t>Replica 2</a:t>
-            </a:r>
-          </a:p>
-        </p:txBody>
-      </p:sp>
-      <p:cxnSp>
-        <p:nvCxnSpPr>
-          <p:cNvPr id="12" name="Straight Connector 11">
-            <a:extLst>
-              <a:ext uri="{FF2B5EF4-FFF2-40B4-BE49-F238E27FC236}">
-                <a16:creationId xmlns:a16="http://schemas.microsoft.com/office/drawing/2014/main" id="{AA507EA9-8A18-4C3A-898A-F5D18881C6E9}"/>
-              </a:ext>
-            </a:extLst>
-          </p:cNvPr>
-          <p:cNvCxnSpPr>
-            <a:cxnSpLocks/>
-            <a:stCxn id="6" idx="2"/>
-          </p:cNvCxnSpPr>
-          <p:nvPr/>
-        </p:nvCxnSpPr>
-        <p:spPr>
-          <a:xfrm>
-            <a:off x="1285374" y="1299408"/>
-            <a:ext cx="0" cy="5558592"/>
-          </a:xfrm>
-          <a:prstGeom prst="line">
-            <a:avLst/>
-          </a:prstGeom>
-          <a:ln>
-            <a:tailEnd type="triangle"/>
-          </a:ln>
-        </p:spPr>
-        <p:style>
-          <a:lnRef idx="1">
-            <a:schemeClr val="dk1"/>
-          </a:lnRef>
-          <a:fillRef idx="0">
-            <a:schemeClr val="dk1"/>
-          </a:fillRef>
-          <a:effectRef idx="0">
-            <a:schemeClr val="dk1"/>
-          </a:effectRef>
-          <a:fontRef idx="minor">
-            <a:schemeClr val="tx1"/>
-          </a:fontRef>
-        </p:style>
-      </p:cxnSp>
-      <p:cxnSp>
-        <p:nvCxnSpPr>
-          <p:cNvPr id="14" name="Straight Connector 13">
-            <a:extLst>
-              <a:ext uri="{FF2B5EF4-FFF2-40B4-BE49-F238E27FC236}">
-                <a16:creationId xmlns:a16="http://schemas.microsoft.com/office/drawing/2014/main" id="{89A31987-F7D0-4F26-A67E-BA76085D9290}"/>
-              </a:ext>
-            </a:extLst>
-          </p:cNvPr>
-          <p:cNvCxnSpPr>
-            <a:stCxn id="7" idx="2"/>
-          </p:cNvCxnSpPr>
-          <p:nvPr/>
-        </p:nvCxnSpPr>
-        <p:spPr>
-          <a:xfrm flipH="1">
-            <a:off x="3689684" y="1299408"/>
-            <a:ext cx="1003" cy="5438276"/>
-          </a:xfrm>
-          <a:prstGeom prst="line">
-            <a:avLst/>
-          </a:prstGeom>
-          <a:ln>
-            <a:tailEnd type="triangle"/>
-          </a:ln>
-        </p:spPr>
-        <p:style>
-          <a:lnRef idx="1">
-            <a:schemeClr val="dk1"/>
-          </a:lnRef>
-          <a:fillRef idx="0">
-            <a:schemeClr val="dk1"/>
-          </a:fillRef>
-          <a:effectRef idx="0">
-            <a:schemeClr val="dk1"/>
-          </a:effectRef>
-          <a:fontRef idx="minor">
-            <a:schemeClr val="tx1"/>
-          </a:fontRef>
-        </p:style>
-      </p:cxnSp>
-      <p:cxnSp>
-        <p:nvCxnSpPr>
-          <p:cNvPr id="16" name="Straight Connector 15">
-            <a:extLst>
-              <a:ext uri="{FF2B5EF4-FFF2-40B4-BE49-F238E27FC236}">
-                <a16:creationId xmlns:a16="http://schemas.microsoft.com/office/drawing/2014/main" id="{AF4E3A17-5305-42FC-98B4-3685492E39BC}"/>
-              </a:ext>
-            </a:extLst>
-          </p:cNvPr>
-          <p:cNvCxnSpPr>
-            <a:stCxn id="8" idx="2"/>
-          </p:cNvCxnSpPr>
-          <p:nvPr/>
-        </p:nvCxnSpPr>
-        <p:spPr>
-          <a:xfrm flipH="1">
-            <a:off x="6095498" y="1299408"/>
-            <a:ext cx="502" cy="5317963"/>
-          </a:xfrm>
-          <a:prstGeom prst="line">
-            <a:avLst/>
-          </a:prstGeom>
-          <a:ln>
-            <a:tailEnd type="triangle"/>
-          </a:ln>
-        </p:spPr>
-        <p:style>
-          <a:lnRef idx="1">
-            <a:schemeClr val="dk1"/>
-          </a:lnRef>
-          <a:fillRef idx="0">
-            <a:schemeClr val="dk1"/>
-          </a:fillRef>
-          <a:effectRef idx="0">
-            <a:schemeClr val="dk1"/>
-          </a:effectRef>
-          <a:fontRef idx="minor">
-            <a:schemeClr val="tx1"/>
-          </a:fontRef>
-        </p:style>
-      </p:cxnSp>
-      <p:cxnSp>
-        <p:nvCxnSpPr>
-          <p:cNvPr id="18" name="Straight Connector 17">
-            <a:extLst>
-              <a:ext uri="{FF2B5EF4-FFF2-40B4-BE49-F238E27FC236}">
-                <a16:creationId xmlns:a16="http://schemas.microsoft.com/office/drawing/2014/main" id="{F4E53E09-756C-438B-BB2E-D7342D3242CC}"/>
-              </a:ext>
-            </a:extLst>
-          </p:cNvPr>
-          <p:cNvCxnSpPr>
-            <a:stCxn id="9" idx="2"/>
-          </p:cNvCxnSpPr>
-          <p:nvPr/>
-        </p:nvCxnSpPr>
-        <p:spPr>
-          <a:xfrm flipH="1">
-            <a:off x="8501062" y="1299407"/>
-            <a:ext cx="251" cy="5317964"/>
-          </a:xfrm>
-          <a:prstGeom prst="line">
-            <a:avLst/>
-          </a:prstGeom>
-          <a:ln>
-            <a:tailEnd type="triangle"/>
-          </a:ln>
-        </p:spPr>
-        <p:style>
-          <a:lnRef idx="1">
-            <a:schemeClr val="dk1"/>
-          </a:lnRef>
-          <a:fillRef idx="0">
-            <a:schemeClr val="dk1"/>
-          </a:fillRef>
-          <a:effectRef idx="0">
-            <a:schemeClr val="dk1"/>
-          </a:effectRef>
-          <a:fontRef idx="minor">
-            <a:schemeClr val="tx1"/>
-          </a:fontRef>
-        </p:style>
-      </p:cxnSp>
-      <p:cxnSp>
-        <p:nvCxnSpPr>
-          <p:cNvPr id="22" name="Straight Connector 21">
-            <a:extLst>
-              <a:ext uri="{FF2B5EF4-FFF2-40B4-BE49-F238E27FC236}">
-                <a16:creationId xmlns:a16="http://schemas.microsoft.com/office/drawing/2014/main" id="{BB553182-9D82-495A-B17E-CE1F10CC02A1}"/>
-              </a:ext>
-            </a:extLst>
-          </p:cNvPr>
-          <p:cNvCxnSpPr>
-            <a:stCxn id="10" idx="2"/>
-          </p:cNvCxnSpPr>
-          <p:nvPr/>
-        </p:nvCxnSpPr>
-        <p:spPr>
-          <a:xfrm>
-            <a:off x="10906626" y="1299407"/>
-            <a:ext cx="0" cy="5422235"/>
-          </a:xfrm>
-          <a:prstGeom prst="line">
-            <a:avLst/>
-          </a:prstGeom>
-          <a:ln>
-            <a:tailEnd type="triangle"/>
-          </a:ln>
-        </p:spPr>
-        <p:style>
-          <a:lnRef idx="1">
-            <a:schemeClr val="dk1"/>
-          </a:lnRef>
-          <a:fillRef idx="0">
-            <a:schemeClr val="dk1"/>
-          </a:fillRef>
-          <a:effectRef idx="0">
-            <a:schemeClr val="dk1"/>
-          </a:effectRef>
-          <a:fontRef idx="minor">
-            <a:schemeClr val="tx1"/>
-          </a:fontRef>
-        </p:style>
-      </p:cxnSp>
       <p:grpSp>
         <p:nvGrpSpPr>
-          <p:cNvPr id="78" name="Group 77">
-            <a:extLst>
-              <a:ext uri="{FF2B5EF4-FFF2-40B4-BE49-F238E27FC236}">
-                <a16:creationId xmlns:a16="http://schemas.microsoft.com/office/drawing/2014/main" id="{748E1AEF-54B1-4A5A-AFC7-5031E728890D}"/>
+          <p:cNvPr id="104" name="Group 103">
+            <a:extLst>
+              <a:ext uri="{FF2B5EF4-FFF2-40B4-BE49-F238E27FC236}">
+                <a16:creationId xmlns:a16="http://schemas.microsoft.com/office/drawing/2014/main" id="{AA4A6022-5E5B-4275-B1FD-B75D7C32F7C2}"/>
               </a:ext>
             </a:extLst>
           </p:cNvPr>
@@ -5211,475 +4773,28 @@
         </p:nvGrpSpPr>
         <p:grpSpPr>
           <a:xfrm>
-            <a:off x="1285374" y="1464000"/>
-            <a:ext cx="2404310" cy="524482"/>
-            <a:chOff x="1285374" y="1464000"/>
-            <a:chExt cx="2404310" cy="524482"/>
+            <a:off x="0" y="0"/>
+            <a:ext cx="12192000" cy="6858000"/>
+            <a:chOff x="0" y="0"/>
+            <a:chExt cx="12192000" cy="6858000"/>
           </a:xfrm>
         </p:grpSpPr>
-        <p:grpSp>
-          <p:nvGrpSpPr>
-            <p:cNvPr id="76" name="Group 75">
+        <p:sp>
+          <p:nvSpPr>
+            <p:cNvPr id="97" name="Rectangle 96">
               <a:extLst>
                 <a:ext uri="{FF2B5EF4-FFF2-40B4-BE49-F238E27FC236}">
-                  <a16:creationId xmlns:a16="http://schemas.microsoft.com/office/drawing/2014/main" id="{5F6D1D62-792F-4609-9C9E-1DE3AABB2041}"/>
+                  <a16:creationId xmlns:a16="http://schemas.microsoft.com/office/drawing/2014/main" id="{C9EEA3C4-4BF9-40E2-927E-A0CCEFB98B47}"/>
                 </a:ext>
               </a:extLst>
             </p:cNvPr>
-            <p:cNvGrpSpPr/>
-            <p:nvPr/>
-          </p:nvGrpSpPr>
-          <p:grpSpPr>
-            <a:xfrm>
-              <a:off x="1285374" y="1664482"/>
-              <a:ext cx="2404310" cy="324000"/>
-              <a:chOff x="1285374" y="1538463"/>
-              <a:chExt cx="2404310" cy="324000"/>
-            </a:xfrm>
-          </p:grpSpPr>
-          <p:cxnSp>
-            <p:nvCxnSpPr>
-              <p:cNvPr id="27" name="Straight Arrow Connector 26">
-                <a:extLst>
-                  <a:ext uri="{FF2B5EF4-FFF2-40B4-BE49-F238E27FC236}">
-                    <a16:creationId xmlns:a16="http://schemas.microsoft.com/office/drawing/2014/main" id="{514BFA27-30DE-45CC-BD8A-2C534B56D1AD}"/>
-                  </a:ext>
-                </a:extLst>
-              </p:cNvPr>
-              <p:cNvCxnSpPr/>
-              <p:nvPr/>
-            </p:nvCxnSpPr>
-            <p:spPr>
-              <a:xfrm>
-                <a:off x="1285374" y="1700463"/>
-                <a:ext cx="2404310" cy="0"/>
-              </a:xfrm>
-              <a:prstGeom prst="straightConnector1">
-                <a:avLst/>
-              </a:prstGeom>
-              <a:ln w="19050">
-                <a:headEnd type="none" w="med" len="med"/>
-                <a:tailEnd type="triangle" w="lg" len="lg"/>
-              </a:ln>
-            </p:spPr>
-            <p:style>
-              <a:lnRef idx="2">
-                <a:schemeClr val="accent6">
-                  <a:shade val="50000"/>
-                </a:schemeClr>
-              </a:lnRef>
-              <a:fillRef idx="1">
-                <a:schemeClr val="accent6"/>
-              </a:fillRef>
-              <a:effectRef idx="0">
-                <a:schemeClr val="accent6"/>
-              </a:effectRef>
-              <a:fontRef idx="minor">
-                <a:schemeClr val="lt1"/>
-              </a:fontRef>
-            </p:style>
-          </p:cxnSp>
-          <p:sp>
-            <p:nvSpPr>
-              <p:cNvPr id="28" name="Isosceles Triangle 27">
-                <a:extLst>
-                  <a:ext uri="{FF2B5EF4-FFF2-40B4-BE49-F238E27FC236}">
-                    <a16:creationId xmlns:a16="http://schemas.microsoft.com/office/drawing/2014/main" id="{77A9AD20-E991-442E-AEA6-812EA4D2CFC5}"/>
-                  </a:ext>
-                </a:extLst>
-              </p:cNvPr>
-              <p:cNvSpPr/>
-              <p:nvPr/>
-            </p:nvSpPr>
-            <p:spPr>
-              <a:xfrm rot="5400000">
-                <a:off x="3418681" y="1592463"/>
-                <a:ext cx="324000" cy="216000"/>
-              </a:xfrm>
-              <a:prstGeom prst="triangle">
-                <a:avLst/>
-              </a:prstGeom>
-            </p:spPr>
-            <p:style>
-              <a:lnRef idx="2">
-                <a:schemeClr val="accent6">
-                  <a:shade val="50000"/>
-                </a:schemeClr>
-              </a:lnRef>
-              <a:fillRef idx="1">
-                <a:schemeClr val="accent6"/>
-              </a:fillRef>
-              <a:effectRef idx="0">
-                <a:schemeClr val="accent6"/>
-              </a:effectRef>
-              <a:fontRef idx="minor">
-                <a:schemeClr val="lt1"/>
-              </a:fontRef>
-            </p:style>
-            <p:txBody>
-              <a:bodyPr rtlCol="0" anchor="ctr"/>
-              <a:lstStyle/>
-              <a:p>
-                <a:pPr algn="ctr"/>
-                <a:endParaRPr lang="en-US"/>
-              </a:p>
-            </p:txBody>
-          </p:sp>
-        </p:grpSp>
-        <p:sp>
-          <p:nvSpPr>
-            <p:cNvPr id="77" name="TextBox 76">
-              <a:extLst>
-                <a:ext uri="{FF2B5EF4-FFF2-40B4-BE49-F238E27FC236}">
-                  <a16:creationId xmlns:a16="http://schemas.microsoft.com/office/drawing/2014/main" id="{EFCA1376-D181-4F26-B2BF-F556D12ED583}"/>
-                </a:ext>
-              </a:extLst>
-            </p:cNvPr>
-            <p:cNvSpPr txBox="1"/>
+            <p:cNvSpPr/>
             <p:nvPr/>
           </p:nvSpPr>
           <p:spPr>
             <a:xfrm>
-              <a:off x="1515993" y="1464000"/>
-              <a:ext cx="1940064" cy="360000"/>
-            </a:xfrm>
-            <a:prstGeom prst="rect">
-              <a:avLst/>
-            </a:prstGeom>
-            <a:noFill/>
-          </p:spPr>
-          <p:txBody>
-            <a:bodyPr wrap="square" rtlCol="0">
-              <a:spAutoFit/>
-            </a:bodyPr>
-            <a:lstStyle/>
-            <a:p>
-              <a:pPr algn="ctr"/>
-              <a:r>
-                <a:rPr lang="en-US" dirty="0"/>
-                <a:t>Who am I ?</a:t>
-              </a:r>
-            </a:p>
-          </p:txBody>
-        </p:sp>
-      </p:grpSp>
-      <p:grpSp>
-        <p:nvGrpSpPr>
-          <p:cNvPr id="81" name="Group 80">
-            <a:extLst>
-              <a:ext uri="{FF2B5EF4-FFF2-40B4-BE49-F238E27FC236}">
-                <a16:creationId xmlns:a16="http://schemas.microsoft.com/office/drawing/2014/main" id="{8B381863-7AEE-49A9-9B06-EA0DB364E23D}"/>
-              </a:ext>
-            </a:extLst>
-          </p:cNvPr>
-          <p:cNvGrpSpPr/>
-          <p:nvPr/>
-        </p:nvGrpSpPr>
-        <p:grpSpPr>
-          <a:xfrm>
-            <a:off x="1284371" y="1993236"/>
-            <a:ext cx="2404310" cy="518190"/>
-            <a:chOff x="1284371" y="1993236"/>
-            <a:chExt cx="2404310" cy="518190"/>
-          </a:xfrm>
-        </p:grpSpPr>
-        <p:grpSp>
-          <p:nvGrpSpPr>
-            <p:cNvPr id="32" name="Group 31">
-              <a:extLst>
-                <a:ext uri="{FF2B5EF4-FFF2-40B4-BE49-F238E27FC236}">
-                  <a16:creationId xmlns:a16="http://schemas.microsoft.com/office/drawing/2014/main" id="{F5B6F295-A774-4199-A0E7-AB31C4A4400B}"/>
-                </a:ext>
-              </a:extLst>
-            </p:cNvPr>
-            <p:cNvGrpSpPr/>
-            <p:nvPr/>
-          </p:nvGrpSpPr>
-          <p:grpSpPr>
-            <a:xfrm flipH="1">
-              <a:off x="1284371" y="2187426"/>
-              <a:ext cx="2404310" cy="324000"/>
-              <a:chOff x="1176873" y="2281139"/>
-              <a:chExt cx="2404310" cy="324000"/>
-            </a:xfrm>
-          </p:grpSpPr>
-          <p:cxnSp>
-            <p:nvCxnSpPr>
-              <p:cNvPr id="29" name="Straight Arrow Connector 28">
-                <a:extLst>
-                  <a:ext uri="{FF2B5EF4-FFF2-40B4-BE49-F238E27FC236}">
-                    <a16:creationId xmlns:a16="http://schemas.microsoft.com/office/drawing/2014/main" id="{DB048C23-722D-45F7-BBB1-83B2CBB2EF86}"/>
-                  </a:ext>
-                </a:extLst>
-              </p:cNvPr>
-              <p:cNvCxnSpPr>
-                <a:cxnSpLocks/>
-              </p:cNvCxnSpPr>
-              <p:nvPr/>
-            </p:nvCxnSpPr>
-            <p:spPr>
-              <a:xfrm>
-                <a:off x="1176873" y="2443139"/>
-                <a:ext cx="2404310" cy="0"/>
-              </a:xfrm>
-              <a:prstGeom prst="straightConnector1">
-                <a:avLst/>
-              </a:prstGeom>
-              <a:ln w="19050">
-                <a:headEnd type="none" w="med" len="med"/>
-                <a:tailEnd type="triangle" w="lg" len="lg"/>
-              </a:ln>
-            </p:spPr>
-            <p:style>
-              <a:lnRef idx="2">
-                <a:schemeClr val="accent2">
-                  <a:shade val="50000"/>
-                </a:schemeClr>
-              </a:lnRef>
-              <a:fillRef idx="1">
-                <a:schemeClr val="accent2"/>
-              </a:fillRef>
-              <a:effectRef idx="0">
-                <a:schemeClr val="accent2"/>
-              </a:effectRef>
-              <a:fontRef idx="minor">
-                <a:schemeClr val="lt1"/>
-              </a:fontRef>
-            </p:style>
-          </p:cxnSp>
-          <p:sp>
-            <p:nvSpPr>
-              <p:cNvPr id="30" name="Isosceles Triangle 29">
-                <a:extLst>
-                  <a:ext uri="{FF2B5EF4-FFF2-40B4-BE49-F238E27FC236}">
-                    <a16:creationId xmlns:a16="http://schemas.microsoft.com/office/drawing/2014/main" id="{0127C069-C667-4A55-ADA1-F4E62DA02893}"/>
-                  </a:ext>
-                </a:extLst>
-              </p:cNvPr>
-              <p:cNvSpPr/>
-              <p:nvPr/>
-            </p:nvSpPr>
-            <p:spPr>
-              <a:xfrm rot="5400000">
-                <a:off x="3310180" y="2335139"/>
-                <a:ext cx="324000" cy="216000"/>
-              </a:xfrm>
-              <a:prstGeom prst="triangle">
-                <a:avLst/>
-              </a:prstGeom>
-              <a:ln w="19050"/>
-            </p:spPr>
-            <p:style>
-              <a:lnRef idx="2">
-                <a:schemeClr val="accent2">
-                  <a:shade val="50000"/>
-                </a:schemeClr>
-              </a:lnRef>
-              <a:fillRef idx="1">
-                <a:schemeClr val="accent2"/>
-              </a:fillRef>
-              <a:effectRef idx="0">
-                <a:schemeClr val="accent2"/>
-              </a:effectRef>
-              <a:fontRef idx="minor">
-                <a:schemeClr val="lt1"/>
-              </a:fontRef>
-            </p:style>
-            <p:txBody>
-              <a:bodyPr rtlCol="0" anchor="ctr"/>
-              <a:lstStyle/>
-              <a:p>
-                <a:pPr algn="ctr"/>
-                <a:endParaRPr lang="en-US"/>
-              </a:p>
-            </p:txBody>
-          </p:sp>
-        </p:grpSp>
-        <p:sp>
-          <p:nvSpPr>
-            <p:cNvPr id="79" name="TextBox 78">
-              <a:extLst>
-                <a:ext uri="{FF2B5EF4-FFF2-40B4-BE49-F238E27FC236}">
-                  <a16:creationId xmlns:a16="http://schemas.microsoft.com/office/drawing/2014/main" id="{9FF74D6E-474B-4355-B201-69AF3715DE7C}"/>
-                </a:ext>
-              </a:extLst>
-            </p:cNvPr>
-            <p:cNvSpPr txBox="1"/>
-            <p:nvPr/>
-          </p:nvSpPr>
-          <p:spPr>
-            <a:xfrm>
-              <a:off x="1507753" y="1993236"/>
-              <a:ext cx="1940064" cy="360000"/>
-            </a:xfrm>
-            <a:prstGeom prst="rect">
-              <a:avLst/>
-            </a:prstGeom>
-            <a:noFill/>
-          </p:spPr>
-          <p:txBody>
-            <a:bodyPr wrap="square" rtlCol="0">
-              <a:spAutoFit/>
-            </a:bodyPr>
-            <a:lstStyle/>
-            <a:p>
-              <a:pPr algn="ctr"/>
-              <a:r>
-                <a:rPr lang="en-US" dirty="0"/>
-                <a:t>Symmetric NAT</a:t>
-              </a:r>
-            </a:p>
-          </p:txBody>
-        </p:sp>
-      </p:grpSp>
-      <p:grpSp>
-        <p:nvGrpSpPr>
-          <p:cNvPr id="82" name="Group 81">
-            <a:extLst>
-              <a:ext uri="{FF2B5EF4-FFF2-40B4-BE49-F238E27FC236}">
-                <a16:creationId xmlns:a16="http://schemas.microsoft.com/office/drawing/2014/main" id="{9BB2C6EE-7FFE-40C1-A754-9C3A83458BFF}"/>
-              </a:ext>
-            </a:extLst>
-          </p:cNvPr>
-          <p:cNvGrpSpPr/>
-          <p:nvPr/>
-        </p:nvGrpSpPr>
-        <p:grpSpPr>
-          <a:xfrm>
-            <a:off x="1284371" y="2549081"/>
-            <a:ext cx="4808620" cy="540666"/>
-            <a:chOff x="1284371" y="2549081"/>
-            <a:chExt cx="4808620" cy="540666"/>
-          </a:xfrm>
-        </p:grpSpPr>
-        <p:grpSp>
-          <p:nvGrpSpPr>
-            <p:cNvPr id="75" name="Group 74">
-              <a:extLst>
-                <a:ext uri="{FF2B5EF4-FFF2-40B4-BE49-F238E27FC236}">
-                  <a16:creationId xmlns:a16="http://schemas.microsoft.com/office/drawing/2014/main" id="{6F801725-D9B3-429D-8E7B-1AD453353153}"/>
-                </a:ext>
-              </a:extLst>
-            </p:cNvPr>
-            <p:cNvGrpSpPr/>
-            <p:nvPr/>
-          </p:nvGrpSpPr>
-          <p:grpSpPr>
-            <a:xfrm>
-              <a:off x="1284371" y="2765747"/>
-              <a:ext cx="4808620" cy="324000"/>
-              <a:chOff x="1284371" y="2765747"/>
-              <a:chExt cx="4808620" cy="324000"/>
-            </a:xfrm>
-          </p:grpSpPr>
-          <p:cxnSp>
-            <p:nvCxnSpPr>
-              <p:cNvPr id="47" name="Straight Arrow Connector 46">
-                <a:extLst>
-                  <a:ext uri="{FF2B5EF4-FFF2-40B4-BE49-F238E27FC236}">
-                    <a16:creationId xmlns:a16="http://schemas.microsoft.com/office/drawing/2014/main" id="{19AD1866-4D4B-45E2-BF85-D18B44EBCAAE}"/>
-                  </a:ext>
-                </a:extLst>
-              </p:cNvPr>
-              <p:cNvCxnSpPr>
-                <a:cxnSpLocks/>
-              </p:cNvCxnSpPr>
-              <p:nvPr/>
-            </p:nvCxnSpPr>
-            <p:spPr>
-              <a:xfrm>
-                <a:off x="1284371" y="2927747"/>
-                <a:ext cx="4808620" cy="0"/>
-              </a:xfrm>
-              <a:prstGeom prst="straightConnector1">
-                <a:avLst/>
-              </a:prstGeom>
-              <a:ln w="19050">
-                <a:headEnd type="none" w="med" len="med"/>
-                <a:tailEnd type="triangle" w="lg" len="lg"/>
-              </a:ln>
-            </p:spPr>
-            <p:style>
-              <a:lnRef idx="2">
-                <a:schemeClr val="accent6">
-                  <a:shade val="50000"/>
-                </a:schemeClr>
-              </a:lnRef>
-              <a:fillRef idx="1">
-                <a:schemeClr val="accent6"/>
-              </a:fillRef>
-              <a:effectRef idx="0">
-                <a:schemeClr val="accent6"/>
-              </a:effectRef>
-              <a:fontRef idx="minor">
-                <a:schemeClr val="lt1"/>
-              </a:fontRef>
-            </p:style>
-          </p:cxnSp>
-          <p:sp>
-            <p:nvSpPr>
-              <p:cNvPr id="48" name="Isosceles Triangle 47">
-                <a:extLst>
-                  <a:ext uri="{FF2B5EF4-FFF2-40B4-BE49-F238E27FC236}">
-                    <a16:creationId xmlns:a16="http://schemas.microsoft.com/office/drawing/2014/main" id="{A4A16816-4AD2-4B18-BB9F-F6AE14A1B5FC}"/>
-                  </a:ext>
-                </a:extLst>
-              </p:cNvPr>
-              <p:cNvSpPr/>
-              <p:nvPr/>
-            </p:nvSpPr>
-            <p:spPr>
-              <a:xfrm rot="5400000">
-                <a:off x="5821988" y="2819747"/>
-                <a:ext cx="324000" cy="216000"/>
-              </a:xfrm>
-              <a:prstGeom prst="triangle">
-                <a:avLst/>
-              </a:prstGeom>
-              <a:ln w="19050"/>
-            </p:spPr>
-            <p:style>
-              <a:lnRef idx="2">
-                <a:schemeClr val="accent6">
-                  <a:shade val="50000"/>
-                </a:schemeClr>
-              </a:lnRef>
-              <a:fillRef idx="1">
-                <a:schemeClr val="accent6"/>
-              </a:fillRef>
-              <a:effectRef idx="0">
-                <a:schemeClr val="accent6"/>
-              </a:effectRef>
-              <a:fontRef idx="minor">
-                <a:schemeClr val="lt1"/>
-              </a:fontRef>
-            </p:style>
-            <p:txBody>
-              <a:bodyPr rtlCol="0" anchor="ctr"/>
-              <a:lstStyle/>
-              <a:p>
-                <a:pPr algn="ctr"/>
-                <a:endParaRPr lang="en-US"/>
-              </a:p>
-            </p:txBody>
-          </p:sp>
-        </p:grpSp>
-        <p:sp>
-          <p:nvSpPr>
-            <p:cNvPr id="80" name="TextBox 79">
-              <a:extLst>
-                <a:ext uri="{FF2B5EF4-FFF2-40B4-BE49-F238E27FC236}">
-                  <a16:creationId xmlns:a16="http://schemas.microsoft.com/office/drawing/2014/main" id="{44FEC7ED-F271-4666-B3FD-8A9BD2EA9952}"/>
-                </a:ext>
-              </a:extLst>
-            </p:cNvPr>
-            <p:cNvSpPr txBox="1"/>
-            <p:nvPr/>
-          </p:nvSpPr>
-          <p:spPr>
-            <a:xfrm>
-              <a:off x="1515993" y="2549081"/>
-              <a:ext cx="4345124" cy="369332"/>
+              <a:off x="0" y="0"/>
+              <a:ext cx="12192000" cy="6858000"/>
             </a:xfrm>
             <a:prstGeom prst="rect">
               <a:avLst/>
@@ -5687,1606 +4802,21 @@
             <a:solidFill>
               <a:schemeClr val="bg1"/>
             </a:solidFill>
-          </p:spPr>
-          <p:txBody>
-            <a:bodyPr wrap="square" rtlCol="0">
-              <a:spAutoFit/>
-            </a:bodyPr>
-            <a:lstStyle/>
-            <a:p>
-              <a:pPr algn="ctr"/>
-              <a:r>
-                <a:rPr lang="en-US" dirty="0"/>
-                <a:t>Channel request</a:t>
-              </a:r>
-            </a:p>
-          </p:txBody>
-        </p:sp>
-      </p:grpSp>
-      <p:grpSp>
-        <p:nvGrpSpPr>
-          <p:cNvPr id="98" name="Group 97">
-            <a:extLst>
-              <a:ext uri="{FF2B5EF4-FFF2-40B4-BE49-F238E27FC236}">
-                <a16:creationId xmlns:a16="http://schemas.microsoft.com/office/drawing/2014/main" id="{61775980-1DE0-4B17-9C21-21ECE96CF9AD}"/>
-              </a:ext>
-            </a:extLst>
-          </p:cNvPr>
-          <p:cNvGrpSpPr/>
-          <p:nvPr/>
-        </p:nvGrpSpPr>
-        <p:grpSpPr>
-          <a:xfrm>
-            <a:off x="1298989" y="3755751"/>
-            <a:ext cx="9612852" cy="544163"/>
-            <a:chOff x="1298989" y="3755751"/>
-            <a:chExt cx="9612852" cy="544163"/>
-          </a:xfrm>
-        </p:grpSpPr>
-        <p:grpSp>
-          <p:nvGrpSpPr>
-            <p:cNvPr id="73" name="Group 72">
-              <a:extLst>
-                <a:ext uri="{FF2B5EF4-FFF2-40B4-BE49-F238E27FC236}">
-                  <a16:creationId xmlns:a16="http://schemas.microsoft.com/office/drawing/2014/main" id="{4705FD27-3C13-4370-870C-262B558029DA}"/>
-                </a:ext>
-              </a:extLst>
-            </p:cNvPr>
-            <p:cNvGrpSpPr/>
-            <p:nvPr/>
-          </p:nvGrpSpPr>
-          <p:grpSpPr>
-            <a:xfrm>
-              <a:off x="1298989" y="3975914"/>
-              <a:ext cx="9612852" cy="324000"/>
-              <a:chOff x="1298989" y="3975914"/>
-              <a:chExt cx="9612852" cy="324000"/>
-            </a:xfrm>
-          </p:grpSpPr>
-          <p:grpSp>
-            <p:nvGrpSpPr>
-              <p:cNvPr id="35" name="Group 34">
-                <a:extLst>
-                  <a:ext uri="{FF2B5EF4-FFF2-40B4-BE49-F238E27FC236}">
-                    <a16:creationId xmlns:a16="http://schemas.microsoft.com/office/drawing/2014/main" id="{856EEFBE-5996-4BAA-9936-059AB05873D2}"/>
-                  </a:ext>
-                </a:extLst>
-              </p:cNvPr>
-              <p:cNvGrpSpPr/>
-              <p:nvPr/>
-            </p:nvGrpSpPr>
-            <p:grpSpPr>
-              <a:xfrm flipH="1">
-                <a:off x="8507531" y="3975914"/>
-                <a:ext cx="2404310" cy="324000"/>
-                <a:chOff x="1176873" y="2281139"/>
-                <a:chExt cx="2404310" cy="324000"/>
-              </a:xfrm>
-            </p:grpSpPr>
-            <p:cxnSp>
-              <p:nvCxnSpPr>
-                <p:cNvPr id="36" name="Straight Arrow Connector 35">
-                  <a:extLst>
-                    <a:ext uri="{FF2B5EF4-FFF2-40B4-BE49-F238E27FC236}">
-                      <a16:creationId xmlns:a16="http://schemas.microsoft.com/office/drawing/2014/main" id="{CDDC12AB-7D8F-42D6-95E2-AB4ACABA54C6}"/>
-                    </a:ext>
-                  </a:extLst>
-                </p:cNvPr>
-                <p:cNvCxnSpPr>
-                  <a:cxnSpLocks/>
-                </p:cNvCxnSpPr>
-                <p:nvPr/>
-              </p:nvCxnSpPr>
-              <p:spPr>
-                <a:xfrm>
-                  <a:off x="1176873" y="2443139"/>
-                  <a:ext cx="2404310" cy="0"/>
-                </a:xfrm>
-                <a:prstGeom prst="straightConnector1">
-                  <a:avLst/>
-                </a:prstGeom>
-                <a:ln w="19050">
-                  <a:headEnd type="none" w="med" len="med"/>
-                  <a:tailEnd type="triangle" w="lg" len="lg"/>
-                </a:ln>
-              </p:spPr>
-              <p:style>
-                <a:lnRef idx="2">
-                  <a:schemeClr val="accent6">
-                    <a:shade val="50000"/>
-                  </a:schemeClr>
-                </a:lnRef>
-                <a:fillRef idx="1">
-                  <a:schemeClr val="accent6"/>
-                </a:fillRef>
-                <a:effectRef idx="0">
-                  <a:schemeClr val="accent6"/>
-                </a:effectRef>
-                <a:fontRef idx="minor">
-                  <a:schemeClr val="lt1"/>
-                </a:fontRef>
-              </p:style>
-            </p:cxnSp>
-            <p:sp>
-              <p:nvSpPr>
-                <p:cNvPr id="37" name="Isosceles Triangle 36">
-                  <a:extLst>
-                    <a:ext uri="{FF2B5EF4-FFF2-40B4-BE49-F238E27FC236}">
-                      <a16:creationId xmlns:a16="http://schemas.microsoft.com/office/drawing/2014/main" id="{AE1779D2-A25F-400C-A0EB-7BAC54E2A688}"/>
-                    </a:ext>
-                  </a:extLst>
-                </p:cNvPr>
-                <p:cNvSpPr/>
-                <p:nvPr/>
-              </p:nvSpPr>
-              <p:spPr>
-                <a:xfrm rot="5400000">
-                  <a:off x="3310180" y="2335139"/>
-                  <a:ext cx="324000" cy="216000"/>
-                </a:xfrm>
-                <a:prstGeom prst="triangle">
-                  <a:avLst/>
-                </a:prstGeom>
-                <a:ln w="19050"/>
-              </p:spPr>
-              <p:style>
-                <a:lnRef idx="2">
-                  <a:schemeClr val="accent6">
-                    <a:shade val="50000"/>
-                  </a:schemeClr>
-                </a:lnRef>
-                <a:fillRef idx="1">
-                  <a:schemeClr val="accent6"/>
-                </a:fillRef>
-                <a:effectRef idx="0">
-                  <a:schemeClr val="accent6"/>
-                </a:effectRef>
-                <a:fontRef idx="minor">
-                  <a:schemeClr val="lt1"/>
-                </a:fontRef>
-              </p:style>
-              <p:txBody>
-                <a:bodyPr rtlCol="0" anchor="ctr"/>
-                <a:lstStyle/>
-                <a:p>
-                  <a:pPr algn="ctr"/>
-                  <a:endParaRPr lang="en-US"/>
-                </a:p>
-              </p:txBody>
-            </p:sp>
-          </p:grpSp>
-          <p:grpSp>
-            <p:nvGrpSpPr>
-              <p:cNvPr id="62" name="Group 61">
-                <a:extLst>
-                  <a:ext uri="{FF2B5EF4-FFF2-40B4-BE49-F238E27FC236}">
-                    <a16:creationId xmlns:a16="http://schemas.microsoft.com/office/drawing/2014/main" id="{9471E0FF-DFE3-4F75-8124-09B85DFB303A}"/>
-                  </a:ext>
-                </a:extLst>
-              </p:cNvPr>
-              <p:cNvGrpSpPr/>
-              <p:nvPr/>
-            </p:nvGrpSpPr>
-            <p:grpSpPr>
-              <a:xfrm flipH="1">
-                <a:off x="1298989" y="3975914"/>
-                <a:ext cx="7250531" cy="324000"/>
-                <a:chOff x="1435016" y="3419400"/>
-                <a:chExt cx="7250531" cy="324000"/>
-              </a:xfrm>
-            </p:grpSpPr>
-            <p:cxnSp>
-              <p:nvCxnSpPr>
-                <p:cNvPr id="63" name="Straight Arrow Connector 62">
-                  <a:extLst>
-                    <a:ext uri="{FF2B5EF4-FFF2-40B4-BE49-F238E27FC236}">
-                      <a16:creationId xmlns:a16="http://schemas.microsoft.com/office/drawing/2014/main" id="{3EFAD31D-D849-42BE-BC51-A86E67E543CC}"/>
-                    </a:ext>
-                  </a:extLst>
-                </p:cNvPr>
-                <p:cNvCxnSpPr>
-                  <a:cxnSpLocks/>
-                </p:cNvCxnSpPr>
-                <p:nvPr/>
-              </p:nvCxnSpPr>
-              <p:spPr>
-                <a:xfrm>
-                  <a:off x="1435016" y="3581400"/>
-                  <a:ext cx="7250531" cy="0"/>
-                </a:xfrm>
-                <a:prstGeom prst="straightConnector1">
-                  <a:avLst/>
-                </a:prstGeom>
-                <a:ln w="19050">
-                  <a:headEnd type="none" w="med" len="med"/>
-                  <a:tailEnd type="triangle" w="lg" len="lg"/>
-                </a:ln>
-              </p:spPr>
-              <p:style>
-                <a:lnRef idx="3">
-                  <a:schemeClr val="accent5"/>
-                </a:lnRef>
-                <a:fillRef idx="0">
-                  <a:schemeClr val="accent5"/>
-                </a:fillRef>
-                <a:effectRef idx="2">
-                  <a:schemeClr val="accent5"/>
-                </a:effectRef>
-                <a:fontRef idx="minor">
-                  <a:schemeClr val="tx1"/>
-                </a:fontRef>
-              </p:style>
-            </p:cxnSp>
-            <p:sp>
-              <p:nvSpPr>
-                <p:cNvPr id="64" name="Isosceles Triangle 63">
-                  <a:extLst>
-                    <a:ext uri="{FF2B5EF4-FFF2-40B4-BE49-F238E27FC236}">
-                      <a16:creationId xmlns:a16="http://schemas.microsoft.com/office/drawing/2014/main" id="{4D8DA5B3-EE5F-4F6D-9DC4-BC28BD091926}"/>
-                    </a:ext>
-                  </a:extLst>
-                </p:cNvPr>
-                <p:cNvSpPr/>
-                <p:nvPr/>
-              </p:nvSpPr>
-              <p:spPr>
-                <a:xfrm rot="5400000">
-                  <a:off x="8414544" y="3473400"/>
-                  <a:ext cx="324000" cy="216000"/>
-                </a:xfrm>
-                <a:prstGeom prst="triangle">
-                  <a:avLst/>
-                </a:prstGeom>
-              </p:spPr>
-              <p:style>
-                <a:lnRef idx="2">
-                  <a:schemeClr val="accent5">
-                    <a:shade val="50000"/>
-                  </a:schemeClr>
-                </a:lnRef>
-                <a:fillRef idx="1">
-                  <a:schemeClr val="accent5"/>
-                </a:fillRef>
-                <a:effectRef idx="0">
-                  <a:schemeClr val="accent5"/>
-                </a:effectRef>
-                <a:fontRef idx="minor">
-                  <a:schemeClr val="lt1"/>
-                </a:fontRef>
-              </p:style>
-              <p:txBody>
-                <a:bodyPr rtlCol="0" anchor="ctr"/>
-                <a:lstStyle/>
-                <a:p>
-                  <a:pPr algn="ctr"/>
-                  <a:endParaRPr lang="en-US"/>
-                </a:p>
-              </p:txBody>
-            </p:sp>
-          </p:grpSp>
-        </p:grpSp>
-        <p:sp>
-          <p:nvSpPr>
-            <p:cNvPr id="87" name="TextBox 86">
-              <a:extLst>
-                <a:ext uri="{FF2B5EF4-FFF2-40B4-BE49-F238E27FC236}">
-                  <a16:creationId xmlns:a16="http://schemas.microsoft.com/office/drawing/2014/main" id="{F386C0CE-DC24-4D58-BB26-AF6D835EFA69}"/>
-                </a:ext>
-              </a:extLst>
-            </p:cNvPr>
-            <p:cNvSpPr txBox="1"/>
-            <p:nvPr/>
-          </p:nvSpPr>
-          <p:spPr>
-            <a:xfrm>
-              <a:off x="8723158" y="3771644"/>
-              <a:ext cx="1940064" cy="369332"/>
-            </a:xfrm>
-            <a:prstGeom prst="rect">
-              <a:avLst/>
-            </a:prstGeom>
-            <a:noFill/>
-          </p:spPr>
-          <p:txBody>
-            <a:bodyPr wrap="square" rtlCol="0">
-              <a:spAutoFit/>
-            </a:bodyPr>
-            <a:lstStyle/>
-            <a:p>
-              <a:pPr algn="ctr"/>
-              <a:r>
-                <a:rPr lang="en-US" dirty="0"/>
-                <a:t>Answer SDP</a:t>
-              </a:r>
-            </a:p>
-          </p:txBody>
-        </p:sp>
-        <p:sp>
-          <p:nvSpPr>
-            <p:cNvPr id="88" name="TextBox 87">
-              <a:extLst>
-                <a:ext uri="{FF2B5EF4-FFF2-40B4-BE49-F238E27FC236}">
-                  <a16:creationId xmlns:a16="http://schemas.microsoft.com/office/drawing/2014/main" id="{5FCD98BD-B305-4AC2-895F-BC6ED33AAA37}"/>
-                </a:ext>
-              </a:extLst>
-            </p:cNvPr>
-            <p:cNvSpPr txBox="1"/>
-            <p:nvPr/>
-          </p:nvSpPr>
-          <p:spPr>
-            <a:xfrm>
-              <a:off x="1507753" y="3755751"/>
-              <a:ext cx="6750455" cy="369332"/>
-            </a:xfrm>
-            <a:prstGeom prst="rect">
-              <a:avLst/>
-            </a:prstGeom>
-            <a:noFill/>
-          </p:spPr>
-          <p:txBody>
-            <a:bodyPr wrap="square" rtlCol="0">
-              <a:spAutoFit/>
-            </a:bodyPr>
-            <a:lstStyle/>
-            <a:p>
-              <a:pPr algn="ctr"/>
-              <a:r>
-                <a:rPr lang="en-US" dirty="0"/>
-                <a:t>Answer SDP</a:t>
-              </a:r>
-            </a:p>
-          </p:txBody>
-        </p:sp>
-      </p:grpSp>
-      <p:grpSp>
-        <p:nvGrpSpPr>
-          <p:cNvPr id="99" name="Group 98">
-            <a:extLst>
-              <a:ext uri="{FF2B5EF4-FFF2-40B4-BE49-F238E27FC236}">
-                <a16:creationId xmlns:a16="http://schemas.microsoft.com/office/drawing/2014/main" id="{FDD5D48D-2534-4560-9578-0308045844C7}"/>
-              </a:ext>
-            </a:extLst>
-          </p:cNvPr>
-          <p:cNvGrpSpPr/>
-          <p:nvPr/>
-        </p:nvGrpSpPr>
-        <p:grpSpPr>
-          <a:xfrm>
-            <a:off x="1244398" y="4350111"/>
-            <a:ext cx="9652751" cy="550553"/>
-            <a:chOff x="1244398" y="4350111"/>
-            <a:chExt cx="9652751" cy="550553"/>
-          </a:xfrm>
-        </p:grpSpPr>
-        <p:grpSp>
-          <p:nvGrpSpPr>
-            <p:cNvPr id="72" name="Group 71">
-              <a:extLst>
-                <a:ext uri="{FF2B5EF4-FFF2-40B4-BE49-F238E27FC236}">
-                  <a16:creationId xmlns:a16="http://schemas.microsoft.com/office/drawing/2014/main" id="{1BA1E400-0D89-4D48-93BF-F18B53A130EF}"/>
-                </a:ext>
-              </a:extLst>
-            </p:cNvPr>
-            <p:cNvGrpSpPr/>
-            <p:nvPr/>
-          </p:nvGrpSpPr>
-          <p:grpSpPr>
-            <a:xfrm>
-              <a:off x="1244398" y="4567139"/>
-              <a:ext cx="9652751" cy="333525"/>
-              <a:chOff x="1244398" y="4567139"/>
-              <a:chExt cx="9652751" cy="333525"/>
-            </a:xfrm>
-          </p:grpSpPr>
-          <p:grpSp>
-            <p:nvGrpSpPr>
-              <p:cNvPr id="44" name="Group 43">
-                <a:extLst>
-                  <a:ext uri="{FF2B5EF4-FFF2-40B4-BE49-F238E27FC236}">
-                    <a16:creationId xmlns:a16="http://schemas.microsoft.com/office/drawing/2014/main" id="{A1D2C000-8112-4AE8-9787-91379EF3BB97}"/>
-                  </a:ext>
-                </a:extLst>
-              </p:cNvPr>
-              <p:cNvGrpSpPr/>
-              <p:nvPr/>
-            </p:nvGrpSpPr>
-            <p:grpSpPr>
-              <a:xfrm>
-                <a:off x="8492839" y="4576664"/>
-                <a:ext cx="2404310" cy="324000"/>
-                <a:chOff x="1176873" y="2281139"/>
-                <a:chExt cx="2404310" cy="324000"/>
-              </a:xfrm>
-            </p:grpSpPr>
-            <p:cxnSp>
-              <p:nvCxnSpPr>
-                <p:cNvPr id="45" name="Straight Arrow Connector 44">
-                  <a:extLst>
-                    <a:ext uri="{FF2B5EF4-FFF2-40B4-BE49-F238E27FC236}">
-                      <a16:creationId xmlns:a16="http://schemas.microsoft.com/office/drawing/2014/main" id="{9057A522-623A-4073-9005-F41EC1299BCE}"/>
-                    </a:ext>
-                  </a:extLst>
-                </p:cNvPr>
-                <p:cNvCxnSpPr>
-                  <a:cxnSpLocks/>
-                </p:cNvCxnSpPr>
-                <p:nvPr/>
-              </p:nvCxnSpPr>
-              <p:spPr>
-                <a:xfrm>
-                  <a:off x="1176873" y="2443139"/>
-                  <a:ext cx="2404310" cy="0"/>
-                </a:xfrm>
-                <a:prstGeom prst="straightConnector1">
-                  <a:avLst/>
-                </a:prstGeom>
-                <a:ln w="19050">
-                  <a:headEnd type="none" w="med" len="med"/>
-                  <a:tailEnd type="triangle" w="lg" len="lg"/>
-                </a:ln>
-              </p:spPr>
-              <p:style>
-                <a:lnRef idx="3">
-                  <a:schemeClr val="accent5"/>
-                </a:lnRef>
-                <a:fillRef idx="0">
-                  <a:schemeClr val="accent5"/>
-                </a:fillRef>
-                <a:effectRef idx="2">
-                  <a:schemeClr val="accent5"/>
-                </a:effectRef>
-                <a:fontRef idx="minor">
-                  <a:schemeClr val="tx1"/>
-                </a:fontRef>
-              </p:style>
-            </p:cxnSp>
-            <p:sp>
-              <p:nvSpPr>
-                <p:cNvPr id="46" name="Isosceles Triangle 45">
-                  <a:extLst>
-                    <a:ext uri="{FF2B5EF4-FFF2-40B4-BE49-F238E27FC236}">
-                      <a16:creationId xmlns:a16="http://schemas.microsoft.com/office/drawing/2014/main" id="{EB51421A-8DDB-4A14-AF2A-33B9CAEDEAED}"/>
-                    </a:ext>
-                  </a:extLst>
-                </p:cNvPr>
-                <p:cNvSpPr/>
-                <p:nvPr/>
-              </p:nvSpPr>
-              <p:spPr>
-                <a:xfrm rot="5400000">
-                  <a:off x="3310180" y="2335139"/>
-                  <a:ext cx="324000" cy="216000"/>
-                </a:xfrm>
-                <a:prstGeom prst="triangle">
-                  <a:avLst/>
-                </a:prstGeom>
-              </p:spPr>
-              <p:style>
-                <a:lnRef idx="2">
-                  <a:schemeClr val="accent5">
-                    <a:shade val="50000"/>
-                  </a:schemeClr>
-                </a:lnRef>
-                <a:fillRef idx="1">
-                  <a:schemeClr val="accent5"/>
-                </a:fillRef>
-                <a:effectRef idx="0">
-                  <a:schemeClr val="accent5"/>
-                </a:effectRef>
-                <a:fontRef idx="minor">
-                  <a:schemeClr val="lt1"/>
-                </a:fontRef>
-              </p:style>
-              <p:txBody>
-                <a:bodyPr rtlCol="0" anchor="ctr"/>
-                <a:lstStyle/>
-                <a:p>
-                  <a:pPr algn="ctr"/>
-                  <a:endParaRPr lang="en-US"/>
-                </a:p>
-              </p:txBody>
-            </p:sp>
-          </p:grpSp>
-          <p:grpSp>
-            <p:nvGrpSpPr>
-              <p:cNvPr id="56" name="Group 55">
-                <a:extLst>
-                  <a:ext uri="{FF2B5EF4-FFF2-40B4-BE49-F238E27FC236}">
-                    <a16:creationId xmlns:a16="http://schemas.microsoft.com/office/drawing/2014/main" id="{C2543E65-DCFA-4A7A-AAE9-0581BB21D4B7}"/>
-                  </a:ext>
-                </a:extLst>
-              </p:cNvPr>
-              <p:cNvGrpSpPr/>
-              <p:nvPr/>
-            </p:nvGrpSpPr>
-            <p:grpSpPr>
-              <a:xfrm>
-                <a:off x="1244398" y="4567139"/>
-                <a:ext cx="7250531" cy="324000"/>
-                <a:chOff x="1435016" y="3419400"/>
-                <a:chExt cx="7250531" cy="324000"/>
-              </a:xfrm>
-            </p:grpSpPr>
-            <p:cxnSp>
-              <p:nvCxnSpPr>
-                <p:cNvPr id="57" name="Straight Arrow Connector 56">
-                  <a:extLst>
-                    <a:ext uri="{FF2B5EF4-FFF2-40B4-BE49-F238E27FC236}">
-                      <a16:creationId xmlns:a16="http://schemas.microsoft.com/office/drawing/2014/main" id="{A7AF6DAD-4065-4CD0-9DE1-E4043443CBEA}"/>
-                    </a:ext>
-                  </a:extLst>
-                </p:cNvPr>
-                <p:cNvCxnSpPr>
-                  <a:cxnSpLocks/>
-                </p:cNvCxnSpPr>
-                <p:nvPr/>
-              </p:nvCxnSpPr>
-              <p:spPr>
-                <a:xfrm>
-                  <a:off x="1435016" y="3581400"/>
-                  <a:ext cx="7250531" cy="0"/>
-                </a:xfrm>
-                <a:prstGeom prst="straightConnector1">
-                  <a:avLst/>
-                </a:prstGeom>
-                <a:ln w="19050">
-                  <a:headEnd type="none" w="med" len="med"/>
-                  <a:tailEnd type="triangle" w="lg" len="lg"/>
-                </a:ln>
-              </p:spPr>
-              <p:style>
-                <a:lnRef idx="2">
-                  <a:schemeClr val="accent6">
-                    <a:shade val="50000"/>
-                  </a:schemeClr>
-                </a:lnRef>
-                <a:fillRef idx="1">
-                  <a:schemeClr val="accent6"/>
-                </a:fillRef>
-                <a:effectRef idx="0">
-                  <a:schemeClr val="accent6"/>
-                </a:effectRef>
-                <a:fontRef idx="minor">
-                  <a:schemeClr val="lt1"/>
-                </a:fontRef>
-              </p:style>
-            </p:cxnSp>
-            <p:sp>
-              <p:nvSpPr>
-                <p:cNvPr id="58" name="Isosceles Triangle 57">
-                  <a:extLst>
-                    <a:ext uri="{FF2B5EF4-FFF2-40B4-BE49-F238E27FC236}">
-                      <a16:creationId xmlns:a16="http://schemas.microsoft.com/office/drawing/2014/main" id="{6F3D09BA-B48F-4901-90AD-851E0E4BE7FE}"/>
-                    </a:ext>
-                  </a:extLst>
-                </p:cNvPr>
-                <p:cNvSpPr/>
-                <p:nvPr/>
-              </p:nvSpPr>
-              <p:spPr>
-                <a:xfrm rot="5400000">
-                  <a:off x="8414544" y="3473400"/>
-                  <a:ext cx="324000" cy="216000"/>
-                </a:xfrm>
-                <a:prstGeom prst="triangle">
-                  <a:avLst/>
-                </a:prstGeom>
-                <a:ln w="19050"/>
-              </p:spPr>
-              <p:style>
-                <a:lnRef idx="2">
-                  <a:schemeClr val="accent6">
-                    <a:shade val="50000"/>
-                  </a:schemeClr>
-                </a:lnRef>
-                <a:fillRef idx="1">
-                  <a:schemeClr val="accent6"/>
-                </a:fillRef>
-                <a:effectRef idx="0">
-                  <a:schemeClr val="accent6"/>
-                </a:effectRef>
-                <a:fontRef idx="minor">
-                  <a:schemeClr val="lt1"/>
-                </a:fontRef>
-              </p:style>
-              <p:txBody>
-                <a:bodyPr rtlCol="0" anchor="ctr"/>
-                <a:lstStyle/>
-                <a:p>
-                  <a:pPr algn="ctr"/>
-                  <a:endParaRPr lang="en-US"/>
-                </a:p>
-              </p:txBody>
-            </p:sp>
-          </p:grpSp>
-        </p:grpSp>
-        <p:sp>
-          <p:nvSpPr>
-            <p:cNvPr id="89" name="TextBox 88">
-              <a:extLst>
-                <a:ext uri="{FF2B5EF4-FFF2-40B4-BE49-F238E27FC236}">
-                  <a16:creationId xmlns:a16="http://schemas.microsoft.com/office/drawing/2014/main" id="{E4EF32FF-2F05-440D-AE0F-9B6668EC6221}"/>
-                </a:ext>
-              </a:extLst>
-            </p:cNvPr>
-            <p:cNvSpPr txBox="1"/>
-            <p:nvPr/>
-          </p:nvSpPr>
-          <p:spPr>
-            <a:xfrm>
-              <a:off x="8723158" y="4366004"/>
-              <a:ext cx="1940064" cy="369332"/>
-            </a:xfrm>
-            <a:prstGeom prst="rect">
-              <a:avLst/>
-            </a:prstGeom>
-            <a:noFill/>
-          </p:spPr>
-          <p:txBody>
-            <a:bodyPr wrap="square" rtlCol="0">
-              <a:spAutoFit/>
-            </a:bodyPr>
-            <a:lstStyle/>
-            <a:p>
-              <a:pPr algn="ctr"/>
-              <a:r>
-                <a:rPr lang="en-US" dirty="0"/>
-                <a:t>ICE candidate (1)</a:t>
-              </a:r>
-            </a:p>
-          </p:txBody>
-        </p:sp>
-        <p:sp>
-          <p:nvSpPr>
-            <p:cNvPr id="90" name="TextBox 89">
-              <a:extLst>
-                <a:ext uri="{FF2B5EF4-FFF2-40B4-BE49-F238E27FC236}">
-                  <a16:creationId xmlns:a16="http://schemas.microsoft.com/office/drawing/2014/main" id="{8B21B7C0-6C04-4C90-9013-99A6638F71FC}"/>
-                </a:ext>
-              </a:extLst>
-            </p:cNvPr>
-            <p:cNvSpPr txBox="1"/>
-            <p:nvPr/>
-          </p:nvSpPr>
-          <p:spPr>
-            <a:xfrm>
-              <a:off x="1507753" y="4350111"/>
-              <a:ext cx="6750455" cy="369332"/>
-            </a:xfrm>
-            <a:prstGeom prst="rect">
-              <a:avLst/>
-            </a:prstGeom>
-            <a:noFill/>
-          </p:spPr>
-          <p:txBody>
-            <a:bodyPr wrap="square" rtlCol="0">
-              <a:spAutoFit/>
-            </a:bodyPr>
-            <a:lstStyle/>
-            <a:p>
-              <a:pPr algn="ctr"/>
-              <a:r>
-                <a:rPr lang="en-US" dirty="0"/>
-                <a:t>ICE candidate (1)</a:t>
-              </a:r>
-            </a:p>
-          </p:txBody>
-        </p:sp>
-      </p:grpSp>
-      <p:grpSp>
-        <p:nvGrpSpPr>
-          <p:cNvPr id="100" name="Group 99">
-            <a:extLst>
-              <a:ext uri="{FF2B5EF4-FFF2-40B4-BE49-F238E27FC236}">
-                <a16:creationId xmlns:a16="http://schemas.microsoft.com/office/drawing/2014/main" id="{948F51F3-D316-4520-B8BB-D029184C70CF}"/>
-              </a:ext>
-            </a:extLst>
-          </p:cNvPr>
-          <p:cNvGrpSpPr/>
-          <p:nvPr/>
-        </p:nvGrpSpPr>
-        <p:grpSpPr>
-          <a:xfrm>
-            <a:off x="1294317" y="5074011"/>
-            <a:ext cx="9617524" cy="543433"/>
-            <a:chOff x="1294317" y="5074011"/>
-            <a:chExt cx="9617524" cy="543433"/>
-          </a:xfrm>
-        </p:grpSpPr>
-        <p:grpSp>
-          <p:nvGrpSpPr>
-            <p:cNvPr id="71" name="Group 70">
-              <a:extLst>
-                <a:ext uri="{FF2B5EF4-FFF2-40B4-BE49-F238E27FC236}">
-                  <a16:creationId xmlns:a16="http://schemas.microsoft.com/office/drawing/2014/main" id="{827A0342-B78D-42FE-8A8E-62DA5737E49D}"/>
-                </a:ext>
-              </a:extLst>
-            </p:cNvPr>
-            <p:cNvGrpSpPr/>
-            <p:nvPr/>
-          </p:nvGrpSpPr>
-          <p:grpSpPr>
-            <a:xfrm>
-              <a:off x="1294317" y="5293444"/>
-              <a:ext cx="9617524" cy="324000"/>
-              <a:chOff x="1294317" y="5293444"/>
-              <a:chExt cx="9617524" cy="324000"/>
-            </a:xfrm>
-          </p:grpSpPr>
-          <p:grpSp>
-            <p:nvGrpSpPr>
-              <p:cNvPr id="38" name="Group 37">
-                <a:extLst>
-                  <a:ext uri="{FF2B5EF4-FFF2-40B4-BE49-F238E27FC236}">
-                    <a16:creationId xmlns:a16="http://schemas.microsoft.com/office/drawing/2014/main" id="{940AA6C9-1BCF-4D02-9E7D-27FEB75F245D}"/>
-                  </a:ext>
-                </a:extLst>
-              </p:cNvPr>
-              <p:cNvGrpSpPr/>
-              <p:nvPr/>
-            </p:nvGrpSpPr>
-            <p:grpSpPr>
-              <a:xfrm flipH="1">
-                <a:off x="8507531" y="5293444"/>
-                <a:ext cx="2404310" cy="324000"/>
-                <a:chOff x="1176873" y="2281139"/>
-                <a:chExt cx="2404310" cy="324000"/>
-              </a:xfrm>
-            </p:grpSpPr>
-            <p:cxnSp>
-              <p:nvCxnSpPr>
-                <p:cNvPr id="39" name="Straight Arrow Connector 38">
-                  <a:extLst>
-                    <a:ext uri="{FF2B5EF4-FFF2-40B4-BE49-F238E27FC236}">
-                      <a16:creationId xmlns:a16="http://schemas.microsoft.com/office/drawing/2014/main" id="{32844675-D784-4F60-A402-4A72927B039E}"/>
-                    </a:ext>
-                  </a:extLst>
-                </p:cNvPr>
-                <p:cNvCxnSpPr>
-                  <a:cxnSpLocks/>
-                </p:cNvCxnSpPr>
-                <p:nvPr/>
-              </p:nvCxnSpPr>
-              <p:spPr>
-                <a:xfrm>
-                  <a:off x="1176873" y="2443139"/>
-                  <a:ext cx="2404310" cy="0"/>
-                </a:xfrm>
-                <a:prstGeom prst="straightConnector1">
-                  <a:avLst/>
-                </a:prstGeom>
-                <a:ln w="19050">
-                  <a:headEnd type="none" w="med" len="med"/>
-                  <a:tailEnd type="triangle" w="lg" len="lg"/>
-                </a:ln>
-              </p:spPr>
-              <p:style>
-                <a:lnRef idx="2">
-                  <a:schemeClr val="accent6">
-                    <a:shade val="50000"/>
-                  </a:schemeClr>
-                </a:lnRef>
-                <a:fillRef idx="1">
-                  <a:schemeClr val="accent6"/>
-                </a:fillRef>
-                <a:effectRef idx="0">
-                  <a:schemeClr val="accent6"/>
-                </a:effectRef>
-                <a:fontRef idx="minor">
-                  <a:schemeClr val="lt1"/>
-                </a:fontRef>
-              </p:style>
-            </p:cxnSp>
-            <p:sp>
-              <p:nvSpPr>
-                <p:cNvPr id="40" name="Isosceles Triangle 39">
-                  <a:extLst>
-                    <a:ext uri="{FF2B5EF4-FFF2-40B4-BE49-F238E27FC236}">
-                      <a16:creationId xmlns:a16="http://schemas.microsoft.com/office/drawing/2014/main" id="{EC441F49-7F12-4332-9B36-279326BC2B6F}"/>
-                    </a:ext>
-                  </a:extLst>
-                </p:cNvPr>
-                <p:cNvSpPr/>
-                <p:nvPr/>
-              </p:nvSpPr>
-              <p:spPr>
-                <a:xfrm rot="5400000">
-                  <a:off x="3310180" y="2335139"/>
-                  <a:ext cx="324000" cy="216000"/>
-                </a:xfrm>
-                <a:prstGeom prst="triangle">
-                  <a:avLst/>
-                </a:prstGeom>
-                <a:ln w="19050"/>
-              </p:spPr>
-              <p:style>
-                <a:lnRef idx="2">
-                  <a:schemeClr val="accent6">
-                    <a:shade val="50000"/>
-                  </a:schemeClr>
-                </a:lnRef>
-                <a:fillRef idx="1">
-                  <a:schemeClr val="accent6"/>
-                </a:fillRef>
-                <a:effectRef idx="0">
-                  <a:schemeClr val="accent6"/>
-                </a:effectRef>
-                <a:fontRef idx="minor">
-                  <a:schemeClr val="lt1"/>
-                </a:fontRef>
-              </p:style>
-              <p:txBody>
-                <a:bodyPr rtlCol="0" anchor="ctr"/>
-                <a:lstStyle/>
-                <a:p>
-                  <a:pPr algn="ctr"/>
-                  <a:endParaRPr lang="en-US"/>
-                </a:p>
-              </p:txBody>
-            </p:sp>
-          </p:grpSp>
-          <p:grpSp>
-            <p:nvGrpSpPr>
-              <p:cNvPr id="59" name="Group 58">
-                <a:extLst>
-                  <a:ext uri="{FF2B5EF4-FFF2-40B4-BE49-F238E27FC236}">
-                    <a16:creationId xmlns:a16="http://schemas.microsoft.com/office/drawing/2014/main" id="{61A4B142-192A-49CA-B8D0-787DC5BD3DD1}"/>
-                  </a:ext>
-                </a:extLst>
-              </p:cNvPr>
-              <p:cNvGrpSpPr/>
-              <p:nvPr/>
-            </p:nvGrpSpPr>
-            <p:grpSpPr>
-              <a:xfrm flipH="1">
-                <a:off x="1294317" y="5293444"/>
-                <a:ext cx="7250531" cy="324000"/>
-                <a:chOff x="1435016" y="3419400"/>
-                <a:chExt cx="7250531" cy="324000"/>
-              </a:xfrm>
-            </p:grpSpPr>
-            <p:cxnSp>
-              <p:nvCxnSpPr>
-                <p:cNvPr id="60" name="Straight Arrow Connector 59">
-                  <a:extLst>
-                    <a:ext uri="{FF2B5EF4-FFF2-40B4-BE49-F238E27FC236}">
-                      <a16:creationId xmlns:a16="http://schemas.microsoft.com/office/drawing/2014/main" id="{7B638897-8D41-4ED5-90A9-B543C3081381}"/>
-                    </a:ext>
-                  </a:extLst>
-                </p:cNvPr>
-                <p:cNvCxnSpPr>
-                  <a:cxnSpLocks/>
-                </p:cNvCxnSpPr>
-                <p:nvPr/>
-              </p:nvCxnSpPr>
-              <p:spPr>
-                <a:xfrm>
-                  <a:off x="1435016" y="3581400"/>
-                  <a:ext cx="7250531" cy="0"/>
-                </a:xfrm>
-                <a:prstGeom prst="straightConnector1">
-                  <a:avLst/>
-                </a:prstGeom>
-                <a:ln w="19050">
-                  <a:headEnd type="none" w="med" len="med"/>
-                  <a:tailEnd type="triangle" w="lg" len="lg"/>
-                </a:ln>
-              </p:spPr>
-              <p:style>
-                <a:lnRef idx="3">
-                  <a:schemeClr val="accent5"/>
-                </a:lnRef>
-                <a:fillRef idx="0">
-                  <a:schemeClr val="accent5"/>
-                </a:fillRef>
-                <a:effectRef idx="2">
-                  <a:schemeClr val="accent5"/>
-                </a:effectRef>
-                <a:fontRef idx="minor">
-                  <a:schemeClr val="tx1"/>
-                </a:fontRef>
-              </p:style>
-            </p:cxnSp>
-            <p:sp>
-              <p:nvSpPr>
-                <p:cNvPr id="61" name="Isosceles Triangle 60">
-                  <a:extLst>
-                    <a:ext uri="{FF2B5EF4-FFF2-40B4-BE49-F238E27FC236}">
-                      <a16:creationId xmlns:a16="http://schemas.microsoft.com/office/drawing/2014/main" id="{2E0D8909-8F12-421D-A50B-8207E3835069}"/>
-                    </a:ext>
-                  </a:extLst>
-                </p:cNvPr>
-                <p:cNvSpPr/>
-                <p:nvPr/>
-              </p:nvSpPr>
-              <p:spPr>
-                <a:xfrm rot="5400000">
-                  <a:off x="8414544" y="3473400"/>
-                  <a:ext cx="324000" cy="216000"/>
-                </a:xfrm>
-                <a:prstGeom prst="triangle">
-                  <a:avLst/>
-                </a:prstGeom>
-              </p:spPr>
-              <p:style>
-                <a:lnRef idx="2">
-                  <a:schemeClr val="accent5">
-                    <a:shade val="50000"/>
-                  </a:schemeClr>
-                </a:lnRef>
-                <a:fillRef idx="1">
-                  <a:schemeClr val="accent5"/>
-                </a:fillRef>
-                <a:effectRef idx="0">
-                  <a:schemeClr val="accent5"/>
-                </a:effectRef>
-                <a:fontRef idx="minor">
-                  <a:schemeClr val="lt1"/>
-                </a:fontRef>
-              </p:style>
-              <p:txBody>
-                <a:bodyPr rtlCol="0" anchor="ctr"/>
-                <a:lstStyle/>
-                <a:p>
-                  <a:pPr algn="ctr"/>
-                  <a:endParaRPr lang="en-US"/>
-                </a:p>
-              </p:txBody>
-            </p:sp>
-          </p:grpSp>
-        </p:grpSp>
-        <p:sp>
-          <p:nvSpPr>
-            <p:cNvPr id="91" name="TextBox 90">
-              <a:extLst>
-                <a:ext uri="{FF2B5EF4-FFF2-40B4-BE49-F238E27FC236}">
-                  <a16:creationId xmlns:a16="http://schemas.microsoft.com/office/drawing/2014/main" id="{F808EA79-31CA-4650-9F8D-F096661DE92B}"/>
-                </a:ext>
-              </a:extLst>
-            </p:cNvPr>
-            <p:cNvSpPr txBox="1"/>
-            <p:nvPr/>
-          </p:nvSpPr>
-          <p:spPr>
-            <a:xfrm>
-              <a:off x="8723158" y="5089904"/>
-              <a:ext cx="1940064" cy="369332"/>
-            </a:xfrm>
-            <a:prstGeom prst="rect">
-              <a:avLst/>
-            </a:prstGeom>
-            <a:noFill/>
-          </p:spPr>
-          <p:txBody>
-            <a:bodyPr wrap="square" rtlCol="0">
-              <a:spAutoFit/>
-            </a:bodyPr>
-            <a:lstStyle/>
-            <a:p>
-              <a:pPr algn="ctr"/>
-              <a:r>
-                <a:rPr lang="en-US" dirty="0"/>
-                <a:t>ICE candidate (2)</a:t>
-              </a:r>
-            </a:p>
-          </p:txBody>
-        </p:sp>
-        <p:sp>
-          <p:nvSpPr>
-            <p:cNvPr id="92" name="TextBox 91">
-              <a:extLst>
-                <a:ext uri="{FF2B5EF4-FFF2-40B4-BE49-F238E27FC236}">
-                  <a16:creationId xmlns:a16="http://schemas.microsoft.com/office/drawing/2014/main" id="{4F5123BE-40D7-4633-BCCF-5ED7D9FD59DB}"/>
-                </a:ext>
-              </a:extLst>
-            </p:cNvPr>
-            <p:cNvSpPr txBox="1"/>
-            <p:nvPr/>
-          </p:nvSpPr>
-          <p:spPr>
-            <a:xfrm>
-              <a:off x="1507753" y="5074011"/>
-              <a:ext cx="6750455" cy="369332"/>
-            </a:xfrm>
-            <a:prstGeom prst="rect">
-              <a:avLst/>
-            </a:prstGeom>
-            <a:noFill/>
-          </p:spPr>
-          <p:txBody>
-            <a:bodyPr wrap="square" rtlCol="0">
-              <a:spAutoFit/>
-            </a:bodyPr>
-            <a:lstStyle/>
-            <a:p>
-              <a:pPr algn="ctr"/>
-              <a:r>
-                <a:rPr lang="en-US" dirty="0"/>
-                <a:t>ICE candidate (2)</a:t>
-              </a:r>
-            </a:p>
-          </p:txBody>
-        </p:sp>
-      </p:grpSp>
-      <p:grpSp>
-        <p:nvGrpSpPr>
-          <p:cNvPr id="101" name="Group 100">
-            <a:extLst>
-              <a:ext uri="{FF2B5EF4-FFF2-40B4-BE49-F238E27FC236}">
-                <a16:creationId xmlns:a16="http://schemas.microsoft.com/office/drawing/2014/main" id="{20359214-6E34-4B0F-9A1D-CBFFD2F56417}"/>
-              </a:ext>
-            </a:extLst>
-          </p:cNvPr>
-          <p:cNvGrpSpPr/>
-          <p:nvPr/>
-        </p:nvGrpSpPr>
-        <p:grpSpPr>
-          <a:xfrm>
-            <a:off x="3688681" y="5653131"/>
-            <a:ext cx="7250531" cy="542635"/>
-            <a:chOff x="3688681" y="5653131"/>
-            <a:chExt cx="7250531" cy="542635"/>
-          </a:xfrm>
-        </p:grpSpPr>
-        <p:grpSp>
-          <p:nvGrpSpPr>
-            <p:cNvPr id="65" name="Group 64">
-              <a:extLst>
-                <a:ext uri="{FF2B5EF4-FFF2-40B4-BE49-F238E27FC236}">
-                  <a16:creationId xmlns:a16="http://schemas.microsoft.com/office/drawing/2014/main" id="{AEFF9B31-C82A-4B0E-8695-36C4D8468BC4}"/>
-                </a:ext>
-              </a:extLst>
-            </p:cNvPr>
-            <p:cNvGrpSpPr/>
-            <p:nvPr/>
-          </p:nvGrpSpPr>
-          <p:grpSpPr>
-            <a:xfrm flipH="1">
-              <a:off x="3688681" y="5871766"/>
-              <a:ext cx="7250531" cy="324000"/>
-              <a:chOff x="1435016" y="3419400"/>
-              <a:chExt cx="7250531" cy="324000"/>
-            </a:xfrm>
-          </p:grpSpPr>
-          <p:cxnSp>
-            <p:nvCxnSpPr>
-              <p:cNvPr id="66" name="Straight Arrow Connector 65">
-                <a:extLst>
-                  <a:ext uri="{FF2B5EF4-FFF2-40B4-BE49-F238E27FC236}">
-                    <a16:creationId xmlns:a16="http://schemas.microsoft.com/office/drawing/2014/main" id="{2DCACF7A-AAD6-41CC-9636-A342EB71BD3B}"/>
-                  </a:ext>
-                </a:extLst>
-              </p:cNvPr>
-              <p:cNvCxnSpPr>
-                <a:cxnSpLocks/>
-              </p:cNvCxnSpPr>
-              <p:nvPr/>
-            </p:nvCxnSpPr>
-            <p:spPr>
-              <a:xfrm>
-                <a:off x="1435016" y="3581400"/>
-                <a:ext cx="7250531" cy="0"/>
-              </a:xfrm>
-              <a:prstGeom prst="straightConnector1">
-                <a:avLst/>
-              </a:prstGeom>
-              <a:ln w="19050">
-                <a:headEnd type="none" w="med" len="med"/>
-                <a:tailEnd type="triangle" w="lg" len="lg"/>
-              </a:ln>
-            </p:spPr>
-            <p:style>
-              <a:lnRef idx="2">
-                <a:schemeClr val="accent6">
-                  <a:shade val="50000"/>
-                </a:schemeClr>
-              </a:lnRef>
-              <a:fillRef idx="1">
-                <a:schemeClr val="accent6"/>
-              </a:fillRef>
-              <a:effectRef idx="0">
-                <a:schemeClr val="accent6"/>
-              </a:effectRef>
-              <a:fontRef idx="minor">
-                <a:schemeClr val="lt1"/>
-              </a:fontRef>
-            </p:style>
-          </p:cxnSp>
-          <p:sp>
-            <p:nvSpPr>
-              <p:cNvPr id="67" name="Isosceles Triangle 66">
-                <a:extLst>
-                  <a:ext uri="{FF2B5EF4-FFF2-40B4-BE49-F238E27FC236}">
-                    <a16:creationId xmlns:a16="http://schemas.microsoft.com/office/drawing/2014/main" id="{4F0A63AA-1ADA-49DF-AE5D-F6FCD8CD90A7}"/>
-                  </a:ext>
-                </a:extLst>
-              </p:cNvPr>
-              <p:cNvSpPr/>
-              <p:nvPr/>
-            </p:nvSpPr>
-            <p:spPr>
-              <a:xfrm rot="5400000">
-                <a:off x="8414544" y="3473400"/>
-                <a:ext cx="324000" cy="216000"/>
-              </a:xfrm>
-              <a:prstGeom prst="triangle">
-                <a:avLst/>
-              </a:prstGeom>
-              <a:ln w="19050"/>
-            </p:spPr>
-            <p:style>
-              <a:lnRef idx="2">
-                <a:schemeClr val="accent6">
-                  <a:shade val="50000"/>
-                </a:schemeClr>
-              </a:lnRef>
-              <a:fillRef idx="1">
-                <a:schemeClr val="accent6"/>
-              </a:fillRef>
-              <a:effectRef idx="0">
-                <a:schemeClr val="accent6"/>
-              </a:effectRef>
-              <a:fontRef idx="minor">
-                <a:schemeClr val="lt1"/>
-              </a:fontRef>
-            </p:style>
-            <p:txBody>
-              <a:bodyPr rtlCol="0" anchor="ctr"/>
-              <a:lstStyle/>
-              <a:p>
-                <a:pPr algn="ctr"/>
-                <a:endParaRPr lang="en-US"/>
-              </a:p>
-            </p:txBody>
-          </p:sp>
-        </p:grpSp>
-        <p:sp>
-          <p:nvSpPr>
-            <p:cNvPr id="95" name="TextBox 94">
-              <a:extLst>
-                <a:ext uri="{FF2B5EF4-FFF2-40B4-BE49-F238E27FC236}">
-                  <a16:creationId xmlns:a16="http://schemas.microsoft.com/office/drawing/2014/main" id="{128B291C-B9FB-4C22-B045-F8A85B7253A1}"/>
-                </a:ext>
-              </a:extLst>
-            </p:cNvPr>
-            <p:cNvSpPr txBox="1"/>
-            <p:nvPr/>
-          </p:nvSpPr>
-          <p:spPr>
-            <a:xfrm>
-              <a:off x="3923293" y="5653131"/>
-              <a:ext cx="6750455" cy="369332"/>
-            </a:xfrm>
-            <a:prstGeom prst="rect">
-              <a:avLst/>
-            </a:prstGeom>
-            <a:noFill/>
-          </p:spPr>
-          <p:txBody>
-            <a:bodyPr wrap="square" rtlCol="0">
-              <a:spAutoFit/>
-            </a:bodyPr>
-            <a:lstStyle/>
-            <a:p>
-              <a:pPr algn="ctr"/>
-              <a:r>
-                <a:rPr lang="en-US" dirty="0"/>
-                <a:t>Who am I?</a:t>
-              </a:r>
-            </a:p>
-          </p:txBody>
-        </p:sp>
-      </p:grpSp>
-      <p:grpSp>
-        <p:nvGrpSpPr>
-          <p:cNvPr id="102" name="Group 101">
-            <a:extLst>
-              <a:ext uri="{FF2B5EF4-FFF2-40B4-BE49-F238E27FC236}">
-                <a16:creationId xmlns:a16="http://schemas.microsoft.com/office/drawing/2014/main" id="{3FC18AC7-14F7-4755-ACE7-408A0F047644}"/>
-              </a:ext>
-            </a:extLst>
-          </p:cNvPr>
-          <p:cNvGrpSpPr/>
-          <p:nvPr/>
-        </p:nvGrpSpPr>
-        <p:grpSpPr>
-          <a:xfrm>
-            <a:off x="3647671" y="6133191"/>
-            <a:ext cx="7250531" cy="536064"/>
-            <a:chOff x="3647671" y="6133191"/>
-            <a:chExt cx="7250531" cy="536064"/>
-          </a:xfrm>
-        </p:grpSpPr>
-        <p:grpSp>
-          <p:nvGrpSpPr>
-            <p:cNvPr id="55" name="Group 54">
-              <a:extLst>
-                <a:ext uri="{FF2B5EF4-FFF2-40B4-BE49-F238E27FC236}">
-                  <a16:creationId xmlns:a16="http://schemas.microsoft.com/office/drawing/2014/main" id="{57637674-899C-4387-8EA8-CE0E89AD30A1}"/>
-                </a:ext>
-              </a:extLst>
-            </p:cNvPr>
-            <p:cNvGrpSpPr/>
-            <p:nvPr/>
-          </p:nvGrpSpPr>
-          <p:grpSpPr>
-            <a:xfrm>
-              <a:off x="3647671" y="6345255"/>
-              <a:ext cx="7250531" cy="324000"/>
-              <a:chOff x="1435016" y="3419400"/>
-              <a:chExt cx="7250531" cy="324000"/>
-            </a:xfrm>
-          </p:grpSpPr>
-          <p:cxnSp>
-            <p:nvCxnSpPr>
-              <p:cNvPr id="53" name="Straight Arrow Connector 52">
-                <a:extLst>
-                  <a:ext uri="{FF2B5EF4-FFF2-40B4-BE49-F238E27FC236}">
-                    <a16:creationId xmlns:a16="http://schemas.microsoft.com/office/drawing/2014/main" id="{2E4AD548-1523-4D24-A635-27DD9FB696CB}"/>
-                  </a:ext>
-                </a:extLst>
-              </p:cNvPr>
-              <p:cNvCxnSpPr>
-                <a:cxnSpLocks/>
-              </p:cNvCxnSpPr>
-              <p:nvPr/>
-            </p:nvCxnSpPr>
-            <p:spPr>
-              <a:xfrm>
-                <a:off x="1435016" y="3581400"/>
-                <a:ext cx="7250531" cy="0"/>
-              </a:xfrm>
-              <a:prstGeom prst="straightConnector1">
-                <a:avLst/>
-              </a:prstGeom>
-              <a:ln w="19050">
-                <a:headEnd type="none" w="med" len="med"/>
-                <a:tailEnd type="triangle" w="lg" len="lg"/>
-              </a:ln>
-            </p:spPr>
-            <p:style>
-              <a:lnRef idx="2">
-                <a:schemeClr val="accent2">
-                  <a:shade val="50000"/>
-                </a:schemeClr>
-              </a:lnRef>
-              <a:fillRef idx="1">
-                <a:schemeClr val="accent2"/>
-              </a:fillRef>
-              <a:effectRef idx="0">
-                <a:schemeClr val="accent2"/>
-              </a:effectRef>
-              <a:fontRef idx="minor">
-                <a:schemeClr val="lt1"/>
-              </a:fontRef>
-            </p:style>
-          </p:cxnSp>
-          <p:sp>
-            <p:nvSpPr>
-              <p:cNvPr id="54" name="Isosceles Triangle 53">
-                <a:extLst>
-                  <a:ext uri="{FF2B5EF4-FFF2-40B4-BE49-F238E27FC236}">
-                    <a16:creationId xmlns:a16="http://schemas.microsoft.com/office/drawing/2014/main" id="{E6D6AFF1-E6D7-4DD9-A078-80CADB7BA272}"/>
-                  </a:ext>
-                </a:extLst>
-              </p:cNvPr>
-              <p:cNvSpPr/>
-              <p:nvPr/>
-            </p:nvSpPr>
-            <p:spPr>
-              <a:xfrm rot="5400000">
-                <a:off x="8414544" y="3473400"/>
-                <a:ext cx="324000" cy="216000"/>
-              </a:xfrm>
-              <a:prstGeom prst="triangle">
-                <a:avLst/>
-              </a:prstGeom>
-              <a:ln w="19050"/>
-            </p:spPr>
-            <p:style>
-              <a:lnRef idx="2">
-                <a:schemeClr val="accent2">
-                  <a:shade val="50000"/>
-                </a:schemeClr>
-              </a:lnRef>
-              <a:fillRef idx="1">
-                <a:schemeClr val="accent2"/>
-              </a:fillRef>
-              <a:effectRef idx="0">
-                <a:schemeClr val="accent2"/>
-              </a:effectRef>
-              <a:fontRef idx="minor">
-                <a:schemeClr val="lt1"/>
-              </a:fontRef>
-            </p:style>
-            <p:txBody>
-              <a:bodyPr rtlCol="0" anchor="ctr"/>
-              <a:lstStyle/>
-              <a:p>
-                <a:pPr algn="ctr"/>
-                <a:endParaRPr lang="en-US"/>
-              </a:p>
-            </p:txBody>
-          </p:sp>
-        </p:grpSp>
-        <p:sp>
-          <p:nvSpPr>
-            <p:cNvPr id="96" name="TextBox 95">
-              <a:extLst>
-                <a:ext uri="{FF2B5EF4-FFF2-40B4-BE49-F238E27FC236}">
-                  <a16:creationId xmlns:a16="http://schemas.microsoft.com/office/drawing/2014/main" id="{A151D6B9-4C00-4D55-B92E-24B84FD5CBB9}"/>
-                </a:ext>
-              </a:extLst>
-            </p:cNvPr>
-            <p:cNvSpPr txBox="1"/>
-            <p:nvPr/>
-          </p:nvSpPr>
-          <p:spPr>
-            <a:xfrm>
-              <a:off x="3923293" y="6133191"/>
-              <a:ext cx="6750455" cy="369332"/>
-            </a:xfrm>
-            <a:prstGeom prst="rect">
-              <a:avLst/>
-            </a:prstGeom>
-            <a:noFill/>
-          </p:spPr>
-          <p:txBody>
-            <a:bodyPr wrap="square" rtlCol="0">
-              <a:spAutoFit/>
-            </a:bodyPr>
-            <a:lstStyle/>
-            <a:p>
-              <a:pPr algn="ctr"/>
-              <a:r>
-                <a:rPr lang="en-US" dirty="0"/>
-                <a:t>92.221.17.196:1337</a:t>
-              </a:r>
-            </a:p>
-          </p:txBody>
-        </p:sp>
-      </p:grpSp>
-      <p:sp>
-        <p:nvSpPr>
-          <p:cNvPr id="68" name="Rectangle 67">
-            <a:extLst>
-              <a:ext uri="{FF2B5EF4-FFF2-40B4-BE49-F238E27FC236}">
-                <a16:creationId xmlns:a16="http://schemas.microsoft.com/office/drawing/2014/main" id="{63B3F0CB-0B4D-4D33-B9D4-1CE075496835}"/>
-              </a:ext>
-            </a:extLst>
-          </p:cNvPr>
-          <p:cNvSpPr/>
-          <p:nvPr/>
-        </p:nvSpPr>
-        <p:spPr>
-          <a:xfrm>
-            <a:off x="696913" y="2984500"/>
-            <a:ext cx="580940" cy="2159000"/>
-          </a:xfrm>
-          <a:prstGeom prst="rect">
-            <a:avLst/>
-          </a:prstGeom>
-          <a:ln>
-            <a:solidFill>
-              <a:schemeClr val="bg1"/>
-            </a:solidFill>
-          </a:ln>
-        </p:spPr>
-        <p:style>
-          <a:lnRef idx="2">
-            <a:schemeClr val="dk1"/>
-          </a:lnRef>
-          <a:fillRef idx="1">
-            <a:schemeClr val="lt1"/>
-          </a:fillRef>
-          <a:effectRef idx="0">
-            <a:schemeClr val="dk1"/>
-          </a:effectRef>
-          <a:fontRef idx="minor">
-            <a:schemeClr val="dk1"/>
-          </a:fontRef>
-        </p:style>
-        <p:txBody>
-          <a:bodyPr rtlCol="0" anchor="ctr"/>
-          <a:lstStyle/>
-          <a:p>
-            <a:pPr algn="ctr"/>
-            <a:endParaRPr lang="en-US"/>
-          </a:p>
-        </p:txBody>
-      </p:sp>
-      <p:sp>
-        <p:nvSpPr>
-          <p:cNvPr id="69" name="Rectangle 68">
-            <a:extLst>
-              <a:ext uri="{FF2B5EF4-FFF2-40B4-BE49-F238E27FC236}">
-                <a16:creationId xmlns:a16="http://schemas.microsoft.com/office/drawing/2014/main" id="{9E1676EC-1916-4A5A-8765-9D177BCBE869}"/>
-              </a:ext>
-            </a:extLst>
-          </p:cNvPr>
-          <p:cNvSpPr/>
-          <p:nvPr/>
-        </p:nvSpPr>
-        <p:spPr>
-          <a:xfrm>
-            <a:off x="3105151" y="6195766"/>
-            <a:ext cx="580940" cy="411826"/>
-          </a:xfrm>
-          <a:prstGeom prst="rect">
-            <a:avLst/>
-          </a:prstGeom>
-          <a:ln>
-            <a:solidFill>
-              <a:schemeClr val="bg1"/>
-            </a:solidFill>
-          </a:ln>
-        </p:spPr>
-        <p:style>
-          <a:lnRef idx="2">
-            <a:schemeClr val="dk1"/>
-          </a:lnRef>
-          <a:fillRef idx="1">
-            <a:schemeClr val="lt1"/>
-          </a:fillRef>
-          <a:effectRef idx="0">
-            <a:schemeClr val="dk1"/>
-          </a:effectRef>
-          <a:fontRef idx="minor">
-            <a:schemeClr val="dk1"/>
-          </a:fontRef>
-        </p:style>
-        <p:txBody>
-          <a:bodyPr rtlCol="0" anchor="ctr"/>
-          <a:lstStyle/>
-          <a:p>
-            <a:pPr algn="ctr"/>
-            <a:endParaRPr lang="en-US"/>
-          </a:p>
-        </p:txBody>
-      </p:sp>
-      <p:sp>
-        <p:nvSpPr>
-          <p:cNvPr id="70" name="Rectangle 69">
-            <a:extLst>
-              <a:ext uri="{FF2B5EF4-FFF2-40B4-BE49-F238E27FC236}">
-                <a16:creationId xmlns:a16="http://schemas.microsoft.com/office/drawing/2014/main" id="{E878AA78-0C1E-4437-9879-90F66AEB4619}"/>
-              </a:ext>
-            </a:extLst>
-          </p:cNvPr>
-          <p:cNvSpPr/>
-          <p:nvPr/>
-        </p:nvSpPr>
-        <p:spPr>
-          <a:xfrm>
-            <a:off x="10920495" y="5707379"/>
-            <a:ext cx="580940" cy="633485"/>
-          </a:xfrm>
-          <a:prstGeom prst="rect">
-            <a:avLst/>
-          </a:prstGeom>
-          <a:ln>
-            <a:solidFill>
-              <a:schemeClr val="bg1"/>
-            </a:solidFill>
-          </a:ln>
-        </p:spPr>
-        <p:style>
-          <a:lnRef idx="2">
-            <a:schemeClr val="dk1"/>
-          </a:lnRef>
-          <a:fillRef idx="1">
-            <a:schemeClr val="lt1"/>
-          </a:fillRef>
-          <a:effectRef idx="0">
-            <a:schemeClr val="dk1"/>
-          </a:effectRef>
-          <a:fontRef idx="minor">
-            <a:schemeClr val="dk1"/>
-          </a:fontRef>
-        </p:style>
-        <p:txBody>
-          <a:bodyPr rtlCol="0" anchor="ctr"/>
-          <a:lstStyle/>
-          <a:p>
-            <a:pPr algn="ctr"/>
-            <a:endParaRPr lang="en-US"/>
-          </a:p>
-        </p:txBody>
-      </p:sp>
-      <p:grpSp>
-        <p:nvGrpSpPr>
-          <p:cNvPr id="41" name="Group 40">
-            <a:extLst>
-              <a:ext uri="{FF2B5EF4-FFF2-40B4-BE49-F238E27FC236}">
-                <a16:creationId xmlns:a16="http://schemas.microsoft.com/office/drawing/2014/main" id="{A3B6D372-F426-4E41-98AA-3C784EC02285}"/>
-              </a:ext>
-            </a:extLst>
-          </p:cNvPr>
-          <p:cNvGrpSpPr/>
-          <p:nvPr/>
-        </p:nvGrpSpPr>
-        <p:grpSpPr>
-          <a:xfrm>
-            <a:off x="8491035" y="3266934"/>
-            <a:ext cx="2404310" cy="324000"/>
-            <a:chOff x="1176873" y="2281139"/>
-            <a:chExt cx="2404310" cy="324000"/>
-          </a:xfrm>
-        </p:grpSpPr>
-        <p:cxnSp>
-          <p:nvCxnSpPr>
-            <p:cNvPr id="42" name="Straight Arrow Connector 41">
-              <a:extLst>
-                <a:ext uri="{FF2B5EF4-FFF2-40B4-BE49-F238E27FC236}">
-                  <a16:creationId xmlns:a16="http://schemas.microsoft.com/office/drawing/2014/main" id="{E1FA27A5-EBE1-438E-B7EA-11DB5C875716}"/>
-                </a:ext>
-              </a:extLst>
-            </p:cNvPr>
-            <p:cNvCxnSpPr>
-              <a:cxnSpLocks/>
-            </p:cNvCxnSpPr>
-            <p:nvPr/>
-          </p:nvCxnSpPr>
-          <p:spPr>
-            <a:xfrm>
-              <a:off x="1176873" y="2443139"/>
-              <a:ext cx="2404310" cy="0"/>
-            </a:xfrm>
-            <a:prstGeom prst="straightConnector1">
-              <a:avLst/>
-            </a:prstGeom>
-            <a:ln w="19050">
-              <a:headEnd type="none" w="med" len="med"/>
-              <a:tailEnd type="triangle" w="lg" len="lg"/>
+            <a:ln>
+              <a:noFill/>
             </a:ln>
           </p:spPr>
           <p:style>
-            <a:lnRef idx="3">
-              <a:schemeClr val="accent5"/>
-            </a:lnRef>
-            <a:fillRef idx="0">
-              <a:schemeClr val="accent5"/>
-            </a:fillRef>
-            <a:effectRef idx="2">
-              <a:schemeClr val="accent5"/>
-            </a:effectRef>
-            <a:fontRef idx="minor">
-              <a:schemeClr val="tx1"/>
-            </a:fontRef>
-          </p:style>
-        </p:cxnSp>
-        <p:sp>
-          <p:nvSpPr>
-            <p:cNvPr id="43" name="Isosceles Triangle 42">
-              <a:extLst>
-                <a:ext uri="{FF2B5EF4-FFF2-40B4-BE49-F238E27FC236}">
-                  <a16:creationId xmlns:a16="http://schemas.microsoft.com/office/drawing/2014/main" id="{8C73CEF5-BDCC-4BE0-9658-4D6F6CB28610}"/>
-                </a:ext>
-              </a:extLst>
-            </p:cNvPr>
-            <p:cNvSpPr/>
-            <p:nvPr/>
-          </p:nvSpPr>
-          <p:spPr>
-            <a:xfrm rot="5400000">
-              <a:off x="3310180" y="2335139"/>
-              <a:ext cx="324000" cy="216000"/>
-            </a:xfrm>
-            <a:prstGeom prst="triangle">
-              <a:avLst/>
-            </a:prstGeom>
-          </p:spPr>
-          <p:style>
             <a:lnRef idx="2">
-              <a:schemeClr val="accent5">
+              <a:schemeClr val="accent1">
                 <a:shade val="50000"/>
               </a:schemeClr>
             </a:lnRef>
             <a:fillRef idx="1">
-              <a:schemeClr val="accent5"/>
+              <a:schemeClr val="accent1"/>
             </a:fillRef>
             <a:effectRef idx="0">
-              <a:schemeClr val="accent5"/>
+              <a:schemeClr val="accent1"/>
             </a:effectRef>
             <a:fontRef idx="minor">
               <a:schemeClr val="lt1"/>
@@ -7297,174 +4827,2666 @@
             <a:lstStyle/>
             <a:p>
               <a:pPr algn="ctr"/>
-              <a:endParaRPr lang="en-US"/>
+              <a:endParaRPr lang="en-US" dirty="0"/>
             </a:p>
           </p:txBody>
         </p:sp>
+        <p:grpSp>
+          <p:nvGrpSpPr>
+            <p:cNvPr id="31" name="Group 30">
+              <a:extLst>
+                <a:ext uri="{FF2B5EF4-FFF2-40B4-BE49-F238E27FC236}">
+                  <a16:creationId xmlns:a16="http://schemas.microsoft.com/office/drawing/2014/main" id="{DE4685E8-7392-477B-A07D-14FD6EE24AEB}"/>
+                </a:ext>
+              </a:extLst>
+            </p:cNvPr>
+            <p:cNvGrpSpPr/>
+            <p:nvPr/>
+          </p:nvGrpSpPr>
+          <p:grpSpPr>
+            <a:xfrm>
+              <a:off x="210553" y="114794"/>
+              <a:ext cx="11770894" cy="6617371"/>
+              <a:chOff x="210553" y="240629"/>
+              <a:chExt cx="11770894" cy="6617371"/>
+            </a:xfrm>
+          </p:grpSpPr>
+          <p:sp>
+            <p:nvSpPr>
+              <p:cNvPr id="6" name="Rectangle: Rounded Corners 5">
+                <a:extLst>
+                  <a:ext uri="{FF2B5EF4-FFF2-40B4-BE49-F238E27FC236}">
+                    <a16:creationId xmlns:a16="http://schemas.microsoft.com/office/drawing/2014/main" id="{355B6EB2-3A74-448B-9DF4-A2F087106AF4}"/>
+                  </a:ext>
+                </a:extLst>
+              </p:cNvPr>
+              <p:cNvSpPr/>
+              <p:nvPr/>
+            </p:nvSpPr>
+            <p:spPr>
+              <a:xfrm>
+                <a:off x="210553" y="240630"/>
+                <a:ext cx="2149642" cy="694648"/>
+              </a:xfrm>
+              <a:prstGeom prst="roundRect">
+                <a:avLst/>
+              </a:prstGeom>
+              <a:ln w="19050"/>
+            </p:spPr>
+            <p:style>
+              <a:lnRef idx="2">
+                <a:schemeClr val="accent6"/>
+              </a:lnRef>
+              <a:fillRef idx="1">
+                <a:schemeClr val="lt1"/>
+              </a:fillRef>
+              <a:effectRef idx="0">
+                <a:schemeClr val="accent6"/>
+              </a:effectRef>
+              <a:fontRef idx="minor">
+                <a:schemeClr val="dk1"/>
+              </a:fontRef>
+            </p:style>
+            <p:txBody>
+              <a:bodyPr rtlCol="0" anchor="ctr"/>
+              <a:lstStyle/>
+              <a:p>
+                <a:pPr algn="ctr"/>
+                <a:r>
+                  <a:rPr lang="en-US" dirty="0"/>
+                  <a:t>Replica 1</a:t>
+                </a:r>
+              </a:p>
+            </p:txBody>
+          </p:sp>
+          <p:sp>
+            <p:nvSpPr>
+              <p:cNvPr id="7" name="Rectangle: Rounded Corners 6">
+                <a:extLst>
+                  <a:ext uri="{FF2B5EF4-FFF2-40B4-BE49-F238E27FC236}">
+                    <a16:creationId xmlns:a16="http://schemas.microsoft.com/office/drawing/2014/main" id="{887C0E90-8790-4013-8766-7C3125698B81}"/>
+                  </a:ext>
+                </a:extLst>
+              </p:cNvPr>
+              <p:cNvSpPr/>
+              <p:nvPr/>
+            </p:nvSpPr>
+            <p:spPr>
+              <a:xfrm>
+                <a:off x="2615866" y="240630"/>
+                <a:ext cx="2149642" cy="694648"/>
+              </a:xfrm>
+              <a:prstGeom prst="roundRect">
+                <a:avLst/>
+              </a:prstGeom>
+              <a:ln w="19050"/>
+            </p:spPr>
+            <p:style>
+              <a:lnRef idx="2">
+                <a:schemeClr val="accent2"/>
+              </a:lnRef>
+              <a:fillRef idx="1">
+                <a:schemeClr val="lt1"/>
+              </a:fillRef>
+              <a:effectRef idx="0">
+                <a:schemeClr val="accent2"/>
+              </a:effectRef>
+              <a:fontRef idx="minor">
+                <a:schemeClr val="dk1"/>
+              </a:fontRef>
+            </p:style>
+            <p:txBody>
+              <a:bodyPr rtlCol="0" anchor="ctr"/>
+              <a:lstStyle/>
+              <a:p>
+                <a:pPr algn="ctr"/>
+                <a:r>
+                  <a:rPr lang="en-US" dirty="0"/>
+                  <a:t>STUN</a:t>
+                </a:r>
+              </a:p>
+            </p:txBody>
+          </p:sp>
+          <p:sp>
+            <p:nvSpPr>
+              <p:cNvPr id="8" name="Rectangle: Rounded Corners 7">
+                <a:extLst>
+                  <a:ext uri="{FF2B5EF4-FFF2-40B4-BE49-F238E27FC236}">
+                    <a16:creationId xmlns:a16="http://schemas.microsoft.com/office/drawing/2014/main" id="{E5C2C76A-D8D8-42C2-B564-7AB1CD8FA32F}"/>
+                  </a:ext>
+                </a:extLst>
+              </p:cNvPr>
+              <p:cNvSpPr/>
+              <p:nvPr/>
+            </p:nvSpPr>
+            <p:spPr>
+              <a:xfrm>
+                <a:off x="5021179" y="240630"/>
+                <a:ext cx="2149642" cy="694648"/>
+              </a:xfrm>
+              <a:prstGeom prst="roundRect">
+                <a:avLst/>
+              </a:prstGeom>
+              <a:ln w="19050"/>
+            </p:spPr>
+            <p:style>
+              <a:lnRef idx="2">
+                <a:schemeClr val="accent4"/>
+              </a:lnRef>
+              <a:fillRef idx="1">
+                <a:schemeClr val="lt1"/>
+              </a:fillRef>
+              <a:effectRef idx="0">
+                <a:schemeClr val="accent4"/>
+              </a:effectRef>
+              <a:fontRef idx="minor">
+                <a:schemeClr val="dk1"/>
+              </a:fontRef>
+            </p:style>
+            <p:txBody>
+              <a:bodyPr rtlCol="0" anchor="ctr"/>
+              <a:lstStyle/>
+              <a:p>
+                <a:pPr algn="ctr"/>
+                <a:r>
+                  <a:rPr lang="en-US" dirty="0"/>
+                  <a:t>TURN</a:t>
+                </a:r>
+              </a:p>
+            </p:txBody>
+          </p:sp>
+          <p:sp>
+            <p:nvSpPr>
+              <p:cNvPr id="9" name="Rectangle: Rounded Corners 8">
+                <a:extLst>
+                  <a:ext uri="{FF2B5EF4-FFF2-40B4-BE49-F238E27FC236}">
+                    <a16:creationId xmlns:a16="http://schemas.microsoft.com/office/drawing/2014/main" id="{D6C865C0-9C0E-4D1D-BF19-9E6936ADECF1}"/>
+                  </a:ext>
+                </a:extLst>
+              </p:cNvPr>
+              <p:cNvSpPr/>
+              <p:nvPr/>
+            </p:nvSpPr>
+            <p:spPr>
+              <a:xfrm>
+                <a:off x="7426492" y="240629"/>
+                <a:ext cx="2149642" cy="694648"/>
+              </a:xfrm>
+              <a:prstGeom prst="roundRect">
+                <a:avLst/>
+              </a:prstGeom>
+              <a:ln w="19050"/>
+            </p:spPr>
+            <p:style>
+              <a:lnRef idx="2">
+                <a:schemeClr val="accent5"/>
+              </a:lnRef>
+              <a:fillRef idx="1">
+                <a:schemeClr val="lt1"/>
+              </a:fillRef>
+              <a:effectRef idx="0">
+                <a:schemeClr val="accent5"/>
+              </a:effectRef>
+              <a:fontRef idx="minor">
+                <a:schemeClr val="dk1"/>
+              </a:fontRef>
+            </p:style>
+            <p:txBody>
+              <a:bodyPr rtlCol="0" anchor="ctr"/>
+              <a:lstStyle/>
+              <a:p>
+                <a:pPr algn="ctr"/>
+                <a:r>
+                  <a:rPr lang="en-US" dirty="0" err="1"/>
+                  <a:t>Websocket</a:t>
+                </a:r>
+                <a:r>
+                  <a:rPr lang="en-US" dirty="0"/>
+                  <a:t> Server</a:t>
+                </a:r>
+              </a:p>
+            </p:txBody>
+          </p:sp>
+          <p:sp>
+            <p:nvSpPr>
+              <p:cNvPr id="10" name="Rectangle: Rounded Corners 9">
+                <a:extLst>
+                  <a:ext uri="{FF2B5EF4-FFF2-40B4-BE49-F238E27FC236}">
+                    <a16:creationId xmlns:a16="http://schemas.microsoft.com/office/drawing/2014/main" id="{1CFC2779-F491-454D-A313-29CDE64ABF00}"/>
+                  </a:ext>
+                </a:extLst>
+              </p:cNvPr>
+              <p:cNvSpPr/>
+              <p:nvPr/>
+            </p:nvSpPr>
+            <p:spPr>
+              <a:xfrm>
+                <a:off x="9831805" y="240629"/>
+                <a:ext cx="2149642" cy="694648"/>
+              </a:xfrm>
+              <a:prstGeom prst="roundRect">
+                <a:avLst/>
+              </a:prstGeom>
+              <a:ln w="19050"/>
+            </p:spPr>
+            <p:style>
+              <a:lnRef idx="2">
+                <a:schemeClr val="accent6"/>
+              </a:lnRef>
+              <a:fillRef idx="1">
+                <a:schemeClr val="lt1"/>
+              </a:fillRef>
+              <a:effectRef idx="0">
+                <a:schemeClr val="accent6"/>
+              </a:effectRef>
+              <a:fontRef idx="minor">
+                <a:schemeClr val="dk1"/>
+              </a:fontRef>
+            </p:style>
+            <p:txBody>
+              <a:bodyPr rtlCol="0" anchor="ctr"/>
+              <a:lstStyle/>
+              <a:p>
+                <a:pPr algn="ctr"/>
+                <a:r>
+                  <a:rPr lang="en-US" dirty="0"/>
+                  <a:t>Replica 2</a:t>
+                </a:r>
+              </a:p>
+            </p:txBody>
+          </p:sp>
+          <p:cxnSp>
+            <p:nvCxnSpPr>
+              <p:cNvPr id="12" name="Straight Connector 11">
+                <a:extLst>
+                  <a:ext uri="{FF2B5EF4-FFF2-40B4-BE49-F238E27FC236}">
+                    <a16:creationId xmlns:a16="http://schemas.microsoft.com/office/drawing/2014/main" id="{AA507EA9-8A18-4C3A-898A-F5D18881C6E9}"/>
+                  </a:ext>
+                </a:extLst>
+              </p:cNvPr>
+              <p:cNvCxnSpPr>
+                <a:cxnSpLocks/>
+                <a:stCxn id="6" idx="2"/>
+              </p:cNvCxnSpPr>
+              <p:nvPr/>
+            </p:nvCxnSpPr>
+            <p:spPr>
+              <a:xfrm>
+                <a:off x="1285374" y="935278"/>
+                <a:ext cx="0" cy="5922722"/>
+              </a:xfrm>
+              <a:prstGeom prst="line">
+                <a:avLst/>
+              </a:prstGeom>
+              <a:ln w="19050">
+                <a:solidFill>
+                  <a:schemeClr val="accent6"/>
+                </a:solidFill>
+                <a:headEnd type="none" w="med" len="med"/>
+                <a:tailEnd type="none" w="med" len="med"/>
+              </a:ln>
+            </p:spPr>
+            <p:style>
+              <a:lnRef idx="1">
+                <a:schemeClr val="dk1"/>
+              </a:lnRef>
+              <a:fillRef idx="0">
+                <a:schemeClr val="dk1"/>
+              </a:fillRef>
+              <a:effectRef idx="0">
+                <a:schemeClr val="dk1"/>
+              </a:effectRef>
+              <a:fontRef idx="minor">
+                <a:schemeClr val="tx1"/>
+              </a:fontRef>
+            </p:style>
+          </p:cxnSp>
+          <p:cxnSp>
+            <p:nvCxnSpPr>
+              <p:cNvPr id="14" name="Straight Connector 13">
+                <a:extLst>
+                  <a:ext uri="{FF2B5EF4-FFF2-40B4-BE49-F238E27FC236}">
+                    <a16:creationId xmlns:a16="http://schemas.microsoft.com/office/drawing/2014/main" id="{89A31987-F7D0-4F26-A67E-BA76085D9290}"/>
+                  </a:ext>
+                </a:extLst>
+              </p:cNvPr>
+              <p:cNvCxnSpPr>
+                <a:cxnSpLocks/>
+                <a:stCxn id="7" idx="2"/>
+              </p:cNvCxnSpPr>
+              <p:nvPr/>
+            </p:nvCxnSpPr>
+            <p:spPr>
+              <a:xfrm>
+                <a:off x="3690687" y="935278"/>
+                <a:ext cx="0" cy="5922722"/>
+              </a:xfrm>
+              <a:prstGeom prst="line">
+                <a:avLst/>
+              </a:prstGeom>
+              <a:ln w="19050">
+                <a:solidFill>
+                  <a:schemeClr val="accent2"/>
+                </a:solidFill>
+                <a:headEnd type="none" w="med" len="med"/>
+                <a:tailEnd type="none" w="med" len="med"/>
+              </a:ln>
+            </p:spPr>
+            <p:style>
+              <a:lnRef idx="1">
+                <a:schemeClr val="dk1"/>
+              </a:lnRef>
+              <a:fillRef idx="0">
+                <a:schemeClr val="dk1"/>
+              </a:fillRef>
+              <a:effectRef idx="0">
+                <a:schemeClr val="dk1"/>
+              </a:effectRef>
+              <a:fontRef idx="minor">
+                <a:schemeClr val="tx1"/>
+              </a:fontRef>
+            </p:style>
+          </p:cxnSp>
+          <p:cxnSp>
+            <p:nvCxnSpPr>
+              <p:cNvPr id="16" name="Straight Connector 15">
+                <a:extLst>
+                  <a:ext uri="{FF2B5EF4-FFF2-40B4-BE49-F238E27FC236}">
+                    <a16:creationId xmlns:a16="http://schemas.microsoft.com/office/drawing/2014/main" id="{AF4E3A17-5305-42FC-98B4-3685492E39BC}"/>
+                  </a:ext>
+                </a:extLst>
+              </p:cNvPr>
+              <p:cNvCxnSpPr>
+                <a:cxnSpLocks/>
+                <a:stCxn id="8" idx="2"/>
+              </p:cNvCxnSpPr>
+              <p:nvPr/>
+            </p:nvCxnSpPr>
+            <p:spPr>
+              <a:xfrm>
+                <a:off x="6096000" y="935278"/>
+                <a:ext cx="0" cy="5922722"/>
+              </a:xfrm>
+              <a:prstGeom prst="line">
+                <a:avLst/>
+              </a:prstGeom>
+              <a:ln>
+                <a:headEnd type="none" w="med" len="med"/>
+                <a:tailEnd type="none" w="med" len="med"/>
+              </a:ln>
+            </p:spPr>
+            <p:style>
+              <a:lnRef idx="3">
+                <a:schemeClr val="accent4"/>
+              </a:lnRef>
+              <a:fillRef idx="0">
+                <a:schemeClr val="accent4"/>
+              </a:fillRef>
+              <a:effectRef idx="2">
+                <a:schemeClr val="accent4"/>
+              </a:effectRef>
+              <a:fontRef idx="minor">
+                <a:schemeClr val="tx1"/>
+              </a:fontRef>
+            </p:style>
+          </p:cxnSp>
+          <p:cxnSp>
+            <p:nvCxnSpPr>
+              <p:cNvPr id="18" name="Straight Connector 17">
+                <a:extLst>
+                  <a:ext uri="{FF2B5EF4-FFF2-40B4-BE49-F238E27FC236}">
+                    <a16:creationId xmlns:a16="http://schemas.microsoft.com/office/drawing/2014/main" id="{F4E53E09-756C-438B-BB2E-D7342D3242CC}"/>
+                  </a:ext>
+                </a:extLst>
+              </p:cNvPr>
+              <p:cNvCxnSpPr>
+                <a:cxnSpLocks/>
+                <a:stCxn id="9" idx="2"/>
+              </p:cNvCxnSpPr>
+              <p:nvPr/>
+            </p:nvCxnSpPr>
+            <p:spPr>
+              <a:xfrm>
+                <a:off x="8501313" y="935277"/>
+                <a:ext cx="0" cy="5922723"/>
+              </a:xfrm>
+              <a:prstGeom prst="line">
+                <a:avLst/>
+              </a:prstGeom>
+              <a:ln>
+                <a:headEnd type="none" w="med" len="med"/>
+                <a:tailEnd type="none" w="med" len="med"/>
+              </a:ln>
+            </p:spPr>
+            <p:style>
+              <a:lnRef idx="3">
+                <a:schemeClr val="accent5"/>
+              </a:lnRef>
+              <a:fillRef idx="0">
+                <a:schemeClr val="accent5"/>
+              </a:fillRef>
+              <a:effectRef idx="2">
+                <a:schemeClr val="accent5"/>
+              </a:effectRef>
+              <a:fontRef idx="minor">
+                <a:schemeClr val="tx1"/>
+              </a:fontRef>
+            </p:style>
+          </p:cxnSp>
+          <p:cxnSp>
+            <p:nvCxnSpPr>
+              <p:cNvPr id="22" name="Straight Connector 21">
+                <a:extLst>
+                  <a:ext uri="{FF2B5EF4-FFF2-40B4-BE49-F238E27FC236}">
+                    <a16:creationId xmlns:a16="http://schemas.microsoft.com/office/drawing/2014/main" id="{BB553182-9D82-495A-B17E-CE1F10CC02A1}"/>
+                  </a:ext>
+                </a:extLst>
+              </p:cNvPr>
+              <p:cNvCxnSpPr>
+                <a:cxnSpLocks/>
+                <a:stCxn id="10" idx="2"/>
+              </p:cNvCxnSpPr>
+              <p:nvPr/>
+            </p:nvCxnSpPr>
+            <p:spPr>
+              <a:xfrm>
+                <a:off x="10906626" y="935277"/>
+                <a:ext cx="0" cy="5922723"/>
+              </a:xfrm>
+              <a:prstGeom prst="line">
+                <a:avLst/>
+              </a:prstGeom>
+              <a:ln>
+                <a:headEnd type="none" w="med" len="med"/>
+                <a:tailEnd type="none" w="med" len="med"/>
+              </a:ln>
+            </p:spPr>
+            <p:style>
+              <a:lnRef idx="3">
+                <a:schemeClr val="accent6"/>
+              </a:lnRef>
+              <a:fillRef idx="0">
+                <a:schemeClr val="accent6"/>
+              </a:fillRef>
+              <a:effectRef idx="2">
+                <a:schemeClr val="accent6"/>
+              </a:effectRef>
+              <a:fontRef idx="minor">
+                <a:schemeClr val="tx1"/>
+              </a:fontRef>
+            </p:style>
+          </p:cxnSp>
+          <p:grpSp>
+            <p:nvGrpSpPr>
+              <p:cNvPr id="78" name="Group 77">
+                <a:extLst>
+                  <a:ext uri="{FF2B5EF4-FFF2-40B4-BE49-F238E27FC236}">
+                    <a16:creationId xmlns:a16="http://schemas.microsoft.com/office/drawing/2014/main" id="{748E1AEF-54B1-4A5A-AFC7-5031E728890D}"/>
+                  </a:ext>
+                </a:extLst>
+              </p:cNvPr>
+              <p:cNvGrpSpPr/>
+              <p:nvPr/>
+            </p:nvGrpSpPr>
+            <p:grpSpPr>
+              <a:xfrm>
+                <a:off x="1285374" y="1010994"/>
+                <a:ext cx="2404310" cy="524482"/>
+                <a:chOff x="1285374" y="1464000"/>
+                <a:chExt cx="2404310" cy="524482"/>
+              </a:xfrm>
+            </p:grpSpPr>
+            <p:grpSp>
+              <p:nvGrpSpPr>
+                <p:cNvPr id="76" name="Group 75">
+                  <a:extLst>
+                    <a:ext uri="{FF2B5EF4-FFF2-40B4-BE49-F238E27FC236}">
+                      <a16:creationId xmlns:a16="http://schemas.microsoft.com/office/drawing/2014/main" id="{5F6D1D62-792F-4609-9C9E-1DE3AABB2041}"/>
+                    </a:ext>
+                  </a:extLst>
+                </p:cNvPr>
+                <p:cNvGrpSpPr/>
+                <p:nvPr/>
+              </p:nvGrpSpPr>
+              <p:grpSpPr>
+                <a:xfrm>
+                  <a:off x="1285374" y="1664482"/>
+                  <a:ext cx="2404310" cy="324000"/>
+                  <a:chOff x="1285374" y="1538463"/>
+                  <a:chExt cx="2404310" cy="324000"/>
+                </a:xfrm>
+              </p:grpSpPr>
+              <p:cxnSp>
+                <p:nvCxnSpPr>
+                  <p:cNvPr id="27" name="Straight Arrow Connector 26">
+                    <a:extLst>
+                      <a:ext uri="{FF2B5EF4-FFF2-40B4-BE49-F238E27FC236}">
+                        <a16:creationId xmlns:a16="http://schemas.microsoft.com/office/drawing/2014/main" id="{514BFA27-30DE-45CC-BD8A-2C534B56D1AD}"/>
+                      </a:ext>
+                    </a:extLst>
+                  </p:cNvPr>
+                  <p:cNvCxnSpPr/>
+                  <p:nvPr/>
+                </p:nvCxnSpPr>
+                <p:spPr>
+                  <a:xfrm>
+                    <a:off x="1285374" y="1700463"/>
+                    <a:ext cx="2404310" cy="0"/>
+                  </a:xfrm>
+                  <a:prstGeom prst="straightConnector1">
+                    <a:avLst/>
+                  </a:prstGeom>
+                  <a:ln>
+                    <a:headEnd type="none" w="med" len="med"/>
+                    <a:tailEnd type="triangle" w="lg" len="lg"/>
+                  </a:ln>
+                </p:spPr>
+                <p:style>
+                  <a:lnRef idx="3">
+                    <a:schemeClr val="accent6"/>
+                  </a:lnRef>
+                  <a:fillRef idx="0">
+                    <a:schemeClr val="accent6"/>
+                  </a:fillRef>
+                  <a:effectRef idx="2">
+                    <a:schemeClr val="accent6"/>
+                  </a:effectRef>
+                  <a:fontRef idx="minor">
+                    <a:schemeClr val="tx1"/>
+                  </a:fontRef>
+                </p:style>
+              </p:cxnSp>
+              <p:sp>
+                <p:nvSpPr>
+                  <p:cNvPr id="28" name="Isosceles Triangle 27">
+                    <a:extLst>
+                      <a:ext uri="{FF2B5EF4-FFF2-40B4-BE49-F238E27FC236}">
+                        <a16:creationId xmlns:a16="http://schemas.microsoft.com/office/drawing/2014/main" id="{77A9AD20-E991-442E-AEA6-812EA4D2CFC5}"/>
+                      </a:ext>
+                    </a:extLst>
+                  </p:cNvPr>
+                  <p:cNvSpPr/>
+                  <p:nvPr/>
+                </p:nvSpPr>
+                <p:spPr>
+                  <a:xfrm rot="5400000">
+                    <a:off x="3418681" y="1592463"/>
+                    <a:ext cx="324000" cy="216000"/>
+                  </a:xfrm>
+                  <a:prstGeom prst="triangle">
+                    <a:avLst/>
+                  </a:prstGeom>
+                </p:spPr>
+                <p:style>
+                  <a:lnRef idx="2">
+                    <a:schemeClr val="accent6">
+                      <a:shade val="50000"/>
+                    </a:schemeClr>
+                  </a:lnRef>
+                  <a:fillRef idx="1">
+                    <a:schemeClr val="accent6"/>
+                  </a:fillRef>
+                  <a:effectRef idx="0">
+                    <a:schemeClr val="accent6"/>
+                  </a:effectRef>
+                  <a:fontRef idx="minor">
+                    <a:schemeClr val="lt1"/>
+                  </a:fontRef>
+                </p:style>
+                <p:txBody>
+                  <a:bodyPr rtlCol="0" anchor="ctr"/>
+                  <a:lstStyle/>
+                  <a:p>
+                    <a:pPr algn="ctr"/>
+                    <a:endParaRPr lang="en-US"/>
+                  </a:p>
+                </p:txBody>
+              </p:sp>
+            </p:grpSp>
+            <p:sp>
+              <p:nvSpPr>
+                <p:cNvPr id="77" name="TextBox 76">
+                  <a:extLst>
+                    <a:ext uri="{FF2B5EF4-FFF2-40B4-BE49-F238E27FC236}">
+                      <a16:creationId xmlns:a16="http://schemas.microsoft.com/office/drawing/2014/main" id="{EFCA1376-D181-4F26-B2BF-F556D12ED583}"/>
+                    </a:ext>
+                  </a:extLst>
+                </p:cNvPr>
+                <p:cNvSpPr txBox="1"/>
+                <p:nvPr/>
+              </p:nvSpPr>
+              <p:spPr>
+                <a:xfrm>
+                  <a:off x="1515993" y="1464000"/>
+                  <a:ext cx="1940064" cy="360000"/>
+                </a:xfrm>
+                <a:prstGeom prst="rect">
+                  <a:avLst/>
+                </a:prstGeom>
+                <a:noFill/>
+              </p:spPr>
+              <p:txBody>
+                <a:bodyPr wrap="square" rtlCol="0">
+                  <a:spAutoFit/>
+                </a:bodyPr>
+                <a:lstStyle/>
+                <a:p>
+                  <a:pPr algn="ctr"/>
+                  <a:r>
+                    <a:rPr lang="en-US" dirty="0"/>
+                    <a:t>Who am I ?</a:t>
+                  </a:r>
+                </a:p>
+              </p:txBody>
+            </p:sp>
+          </p:grpSp>
+          <p:grpSp>
+            <p:nvGrpSpPr>
+              <p:cNvPr id="81" name="Group 80">
+                <a:extLst>
+                  <a:ext uri="{FF2B5EF4-FFF2-40B4-BE49-F238E27FC236}">
+                    <a16:creationId xmlns:a16="http://schemas.microsoft.com/office/drawing/2014/main" id="{8B381863-7AEE-49A9-9B06-EA0DB364E23D}"/>
+                  </a:ext>
+                </a:extLst>
+              </p:cNvPr>
+              <p:cNvGrpSpPr/>
+              <p:nvPr/>
+            </p:nvGrpSpPr>
+            <p:grpSpPr>
+              <a:xfrm>
+                <a:off x="1284371" y="1624120"/>
+                <a:ext cx="2404310" cy="518190"/>
+                <a:chOff x="1284371" y="1993236"/>
+                <a:chExt cx="2404310" cy="518190"/>
+              </a:xfrm>
+            </p:grpSpPr>
+            <p:grpSp>
+              <p:nvGrpSpPr>
+                <p:cNvPr id="32" name="Group 31">
+                  <a:extLst>
+                    <a:ext uri="{FF2B5EF4-FFF2-40B4-BE49-F238E27FC236}">
+                      <a16:creationId xmlns:a16="http://schemas.microsoft.com/office/drawing/2014/main" id="{F5B6F295-A774-4199-A0E7-AB31C4A4400B}"/>
+                    </a:ext>
+                  </a:extLst>
+                </p:cNvPr>
+                <p:cNvGrpSpPr/>
+                <p:nvPr/>
+              </p:nvGrpSpPr>
+              <p:grpSpPr>
+                <a:xfrm flipH="1">
+                  <a:off x="1284371" y="2187426"/>
+                  <a:ext cx="2404310" cy="324000"/>
+                  <a:chOff x="1176873" y="2281139"/>
+                  <a:chExt cx="2404310" cy="324000"/>
+                </a:xfrm>
+              </p:grpSpPr>
+              <p:cxnSp>
+                <p:nvCxnSpPr>
+                  <p:cNvPr id="29" name="Straight Arrow Connector 28">
+                    <a:extLst>
+                      <a:ext uri="{FF2B5EF4-FFF2-40B4-BE49-F238E27FC236}">
+                        <a16:creationId xmlns:a16="http://schemas.microsoft.com/office/drawing/2014/main" id="{DB048C23-722D-45F7-BBB1-83B2CBB2EF86}"/>
+                      </a:ext>
+                    </a:extLst>
+                  </p:cNvPr>
+                  <p:cNvCxnSpPr>
+                    <a:cxnSpLocks/>
+                  </p:cNvCxnSpPr>
+                  <p:nvPr/>
+                </p:nvCxnSpPr>
+                <p:spPr>
+                  <a:xfrm>
+                    <a:off x="1176873" y="2443139"/>
+                    <a:ext cx="2404310" cy="0"/>
+                  </a:xfrm>
+                  <a:prstGeom prst="straightConnector1">
+                    <a:avLst/>
+                  </a:prstGeom>
+                  <a:ln>
+                    <a:headEnd type="none" w="med" len="med"/>
+                    <a:tailEnd type="triangle" w="lg" len="lg"/>
+                  </a:ln>
+                </p:spPr>
+                <p:style>
+                  <a:lnRef idx="3">
+                    <a:schemeClr val="accent2"/>
+                  </a:lnRef>
+                  <a:fillRef idx="0">
+                    <a:schemeClr val="accent2"/>
+                  </a:fillRef>
+                  <a:effectRef idx="2">
+                    <a:schemeClr val="accent2"/>
+                  </a:effectRef>
+                  <a:fontRef idx="minor">
+                    <a:schemeClr val="tx1"/>
+                  </a:fontRef>
+                </p:style>
+              </p:cxnSp>
+              <p:sp>
+                <p:nvSpPr>
+                  <p:cNvPr id="30" name="Isosceles Triangle 29">
+                    <a:extLst>
+                      <a:ext uri="{FF2B5EF4-FFF2-40B4-BE49-F238E27FC236}">
+                        <a16:creationId xmlns:a16="http://schemas.microsoft.com/office/drawing/2014/main" id="{0127C069-C667-4A55-ADA1-F4E62DA02893}"/>
+                      </a:ext>
+                    </a:extLst>
+                  </p:cNvPr>
+                  <p:cNvSpPr/>
+                  <p:nvPr/>
+                </p:nvSpPr>
+                <p:spPr>
+                  <a:xfrm rot="5400000">
+                    <a:off x="3310180" y="2335139"/>
+                    <a:ext cx="324000" cy="216000"/>
+                  </a:xfrm>
+                  <a:prstGeom prst="triangle">
+                    <a:avLst/>
+                  </a:prstGeom>
+                  <a:ln w="19050"/>
+                </p:spPr>
+                <p:style>
+                  <a:lnRef idx="2">
+                    <a:schemeClr val="accent2">
+                      <a:shade val="50000"/>
+                    </a:schemeClr>
+                  </a:lnRef>
+                  <a:fillRef idx="1">
+                    <a:schemeClr val="accent2"/>
+                  </a:fillRef>
+                  <a:effectRef idx="0">
+                    <a:schemeClr val="accent2"/>
+                  </a:effectRef>
+                  <a:fontRef idx="minor">
+                    <a:schemeClr val="lt1"/>
+                  </a:fontRef>
+                </p:style>
+                <p:txBody>
+                  <a:bodyPr rtlCol="0" anchor="ctr"/>
+                  <a:lstStyle/>
+                  <a:p>
+                    <a:pPr algn="ctr"/>
+                    <a:endParaRPr lang="en-US"/>
+                  </a:p>
+                </p:txBody>
+              </p:sp>
+            </p:grpSp>
+            <p:sp>
+              <p:nvSpPr>
+                <p:cNvPr id="79" name="TextBox 78">
+                  <a:extLst>
+                    <a:ext uri="{FF2B5EF4-FFF2-40B4-BE49-F238E27FC236}">
+                      <a16:creationId xmlns:a16="http://schemas.microsoft.com/office/drawing/2014/main" id="{9FF74D6E-474B-4355-B201-69AF3715DE7C}"/>
+                    </a:ext>
+                  </a:extLst>
+                </p:cNvPr>
+                <p:cNvSpPr txBox="1"/>
+                <p:nvPr/>
+              </p:nvSpPr>
+              <p:spPr>
+                <a:xfrm>
+                  <a:off x="1507753" y="1993236"/>
+                  <a:ext cx="1940064" cy="360000"/>
+                </a:xfrm>
+                <a:prstGeom prst="rect">
+                  <a:avLst/>
+                </a:prstGeom>
+                <a:noFill/>
+              </p:spPr>
+              <p:txBody>
+                <a:bodyPr wrap="square" rtlCol="0">
+                  <a:spAutoFit/>
+                </a:bodyPr>
+                <a:lstStyle/>
+                <a:p>
+                  <a:pPr algn="ctr"/>
+                  <a:r>
+                    <a:rPr lang="en-US" dirty="0"/>
+                    <a:t>Symmetric NAT</a:t>
+                  </a:r>
+                </a:p>
+              </p:txBody>
+            </p:sp>
+          </p:grpSp>
+          <p:grpSp>
+            <p:nvGrpSpPr>
+              <p:cNvPr id="82" name="Group 81">
+                <a:extLst>
+                  <a:ext uri="{FF2B5EF4-FFF2-40B4-BE49-F238E27FC236}">
+                    <a16:creationId xmlns:a16="http://schemas.microsoft.com/office/drawing/2014/main" id="{9BB2C6EE-7FFE-40C1-A754-9C3A83458BFF}"/>
+                  </a:ext>
+                </a:extLst>
+              </p:cNvPr>
+              <p:cNvGrpSpPr/>
+              <p:nvPr/>
+            </p:nvGrpSpPr>
+            <p:grpSpPr>
+              <a:xfrm>
+                <a:off x="1284371" y="2230299"/>
+                <a:ext cx="4808620" cy="540666"/>
+                <a:chOff x="1284371" y="2549081"/>
+                <a:chExt cx="4808620" cy="540666"/>
+              </a:xfrm>
+            </p:grpSpPr>
+            <p:grpSp>
+              <p:nvGrpSpPr>
+                <p:cNvPr id="75" name="Group 74">
+                  <a:extLst>
+                    <a:ext uri="{FF2B5EF4-FFF2-40B4-BE49-F238E27FC236}">
+                      <a16:creationId xmlns:a16="http://schemas.microsoft.com/office/drawing/2014/main" id="{6F801725-D9B3-429D-8E7B-1AD453353153}"/>
+                    </a:ext>
+                  </a:extLst>
+                </p:cNvPr>
+                <p:cNvGrpSpPr/>
+                <p:nvPr/>
+              </p:nvGrpSpPr>
+              <p:grpSpPr>
+                <a:xfrm>
+                  <a:off x="1284371" y="2765747"/>
+                  <a:ext cx="4808620" cy="324000"/>
+                  <a:chOff x="1284371" y="2765747"/>
+                  <a:chExt cx="4808620" cy="324000"/>
+                </a:xfrm>
+              </p:grpSpPr>
+              <p:cxnSp>
+                <p:nvCxnSpPr>
+                  <p:cNvPr id="47" name="Straight Arrow Connector 46">
+                    <a:extLst>
+                      <a:ext uri="{FF2B5EF4-FFF2-40B4-BE49-F238E27FC236}">
+                        <a16:creationId xmlns:a16="http://schemas.microsoft.com/office/drawing/2014/main" id="{19AD1866-4D4B-45E2-BF85-D18B44EBCAAE}"/>
+                      </a:ext>
+                    </a:extLst>
+                  </p:cNvPr>
+                  <p:cNvCxnSpPr>
+                    <a:cxnSpLocks/>
+                  </p:cNvCxnSpPr>
+                  <p:nvPr/>
+                </p:nvCxnSpPr>
+                <p:spPr>
+                  <a:xfrm>
+                    <a:off x="1284371" y="2927747"/>
+                    <a:ext cx="4808620" cy="0"/>
+                  </a:xfrm>
+                  <a:prstGeom prst="straightConnector1">
+                    <a:avLst/>
+                  </a:prstGeom>
+                  <a:ln>
+                    <a:headEnd type="none" w="med" len="med"/>
+                    <a:tailEnd type="triangle" w="lg" len="lg"/>
+                  </a:ln>
+                </p:spPr>
+                <p:style>
+                  <a:lnRef idx="3">
+                    <a:schemeClr val="accent6"/>
+                  </a:lnRef>
+                  <a:fillRef idx="0">
+                    <a:schemeClr val="accent6"/>
+                  </a:fillRef>
+                  <a:effectRef idx="2">
+                    <a:schemeClr val="accent6"/>
+                  </a:effectRef>
+                  <a:fontRef idx="minor">
+                    <a:schemeClr val="tx1"/>
+                  </a:fontRef>
+                </p:style>
+              </p:cxnSp>
+              <p:sp>
+                <p:nvSpPr>
+                  <p:cNvPr id="48" name="Isosceles Triangle 47">
+                    <a:extLst>
+                      <a:ext uri="{FF2B5EF4-FFF2-40B4-BE49-F238E27FC236}">
+                        <a16:creationId xmlns:a16="http://schemas.microsoft.com/office/drawing/2014/main" id="{A4A16816-4AD2-4B18-BB9F-F6AE14A1B5FC}"/>
+                      </a:ext>
+                    </a:extLst>
+                  </p:cNvPr>
+                  <p:cNvSpPr/>
+                  <p:nvPr/>
+                </p:nvSpPr>
+                <p:spPr>
+                  <a:xfrm rot="5400000">
+                    <a:off x="5821988" y="2819747"/>
+                    <a:ext cx="324000" cy="216000"/>
+                  </a:xfrm>
+                  <a:prstGeom prst="triangle">
+                    <a:avLst/>
+                  </a:prstGeom>
+                  <a:ln w="19050"/>
+                </p:spPr>
+                <p:style>
+                  <a:lnRef idx="2">
+                    <a:schemeClr val="accent6">
+                      <a:shade val="50000"/>
+                    </a:schemeClr>
+                  </a:lnRef>
+                  <a:fillRef idx="1">
+                    <a:schemeClr val="accent6"/>
+                  </a:fillRef>
+                  <a:effectRef idx="0">
+                    <a:schemeClr val="accent6"/>
+                  </a:effectRef>
+                  <a:fontRef idx="minor">
+                    <a:schemeClr val="lt1"/>
+                  </a:fontRef>
+                </p:style>
+                <p:txBody>
+                  <a:bodyPr rtlCol="0" anchor="ctr"/>
+                  <a:lstStyle/>
+                  <a:p>
+                    <a:pPr algn="ctr"/>
+                    <a:endParaRPr lang="en-US"/>
+                  </a:p>
+                </p:txBody>
+              </p:sp>
+            </p:grpSp>
+            <p:sp>
+              <p:nvSpPr>
+                <p:cNvPr id="80" name="TextBox 79">
+                  <a:extLst>
+                    <a:ext uri="{FF2B5EF4-FFF2-40B4-BE49-F238E27FC236}">
+                      <a16:creationId xmlns:a16="http://schemas.microsoft.com/office/drawing/2014/main" id="{44FEC7ED-F271-4666-B3FD-8A9BD2EA9952}"/>
+                    </a:ext>
+                  </a:extLst>
+                </p:cNvPr>
+                <p:cNvSpPr txBox="1"/>
+                <p:nvPr/>
+              </p:nvSpPr>
+              <p:spPr>
+                <a:xfrm>
+                  <a:off x="1515993" y="2549081"/>
+                  <a:ext cx="4345124" cy="369332"/>
+                </a:xfrm>
+                <a:prstGeom prst="rect">
+                  <a:avLst/>
+                </a:prstGeom>
+                <a:solidFill>
+                  <a:schemeClr val="bg1"/>
+                </a:solidFill>
+                <a:ln>
+                  <a:noFill/>
+                </a:ln>
+              </p:spPr>
+              <p:txBody>
+                <a:bodyPr wrap="square" rtlCol="0">
+                  <a:spAutoFit/>
+                </a:bodyPr>
+                <a:lstStyle/>
+                <a:p>
+                  <a:pPr algn="ctr"/>
+                  <a:r>
+                    <a:rPr lang="en-US" dirty="0"/>
+                    <a:t>Channel request</a:t>
+                  </a:r>
+                </a:p>
+              </p:txBody>
+            </p:sp>
+          </p:grpSp>
+          <p:grpSp>
+            <p:nvGrpSpPr>
+              <p:cNvPr id="98" name="Group 97">
+                <a:extLst>
+                  <a:ext uri="{FF2B5EF4-FFF2-40B4-BE49-F238E27FC236}">
+                    <a16:creationId xmlns:a16="http://schemas.microsoft.com/office/drawing/2014/main" id="{61775980-1DE0-4B17-9C21-21ECE96CF9AD}"/>
+                  </a:ext>
+                </a:extLst>
+              </p:cNvPr>
+              <p:cNvGrpSpPr/>
+              <p:nvPr/>
+            </p:nvGrpSpPr>
+            <p:grpSpPr>
+              <a:xfrm>
+                <a:off x="1298989" y="3487303"/>
+                <a:ext cx="9612852" cy="544163"/>
+                <a:chOff x="1298989" y="3755751"/>
+                <a:chExt cx="9612852" cy="544163"/>
+              </a:xfrm>
+            </p:grpSpPr>
+            <p:grpSp>
+              <p:nvGrpSpPr>
+                <p:cNvPr id="73" name="Group 72">
+                  <a:extLst>
+                    <a:ext uri="{FF2B5EF4-FFF2-40B4-BE49-F238E27FC236}">
+                      <a16:creationId xmlns:a16="http://schemas.microsoft.com/office/drawing/2014/main" id="{4705FD27-3C13-4370-870C-262B558029DA}"/>
+                    </a:ext>
+                  </a:extLst>
+                </p:cNvPr>
+                <p:cNvGrpSpPr/>
+                <p:nvPr/>
+              </p:nvGrpSpPr>
+              <p:grpSpPr>
+                <a:xfrm>
+                  <a:off x="1298989" y="3975914"/>
+                  <a:ext cx="9612852" cy="324000"/>
+                  <a:chOff x="1298989" y="3975914"/>
+                  <a:chExt cx="9612852" cy="324000"/>
+                </a:xfrm>
+              </p:grpSpPr>
+              <p:grpSp>
+                <p:nvGrpSpPr>
+                  <p:cNvPr id="35" name="Group 34">
+                    <a:extLst>
+                      <a:ext uri="{FF2B5EF4-FFF2-40B4-BE49-F238E27FC236}">
+                        <a16:creationId xmlns:a16="http://schemas.microsoft.com/office/drawing/2014/main" id="{856EEFBE-5996-4BAA-9936-059AB05873D2}"/>
+                      </a:ext>
+                    </a:extLst>
+                  </p:cNvPr>
+                  <p:cNvGrpSpPr/>
+                  <p:nvPr/>
+                </p:nvGrpSpPr>
+                <p:grpSpPr>
+                  <a:xfrm flipH="1">
+                    <a:off x="8507531" y="3975914"/>
+                    <a:ext cx="2404310" cy="324000"/>
+                    <a:chOff x="1176873" y="2281139"/>
+                    <a:chExt cx="2404310" cy="324000"/>
+                  </a:xfrm>
+                </p:grpSpPr>
+                <p:cxnSp>
+                  <p:nvCxnSpPr>
+                    <p:cNvPr id="36" name="Straight Arrow Connector 35">
+                      <a:extLst>
+                        <a:ext uri="{FF2B5EF4-FFF2-40B4-BE49-F238E27FC236}">
+                          <a16:creationId xmlns:a16="http://schemas.microsoft.com/office/drawing/2014/main" id="{CDDC12AB-7D8F-42D6-95E2-AB4ACABA54C6}"/>
+                        </a:ext>
+                      </a:extLst>
+                    </p:cNvPr>
+                    <p:cNvCxnSpPr>
+                      <a:cxnSpLocks/>
+                    </p:cNvCxnSpPr>
+                    <p:nvPr/>
+                  </p:nvCxnSpPr>
+                  <p:spPr>
+                    <a:xfrm>
+                      <a:off x="1176873" y="2443139"/>
+                      <a:ext cx="2404310" cy="0"/>
+                    </a:xfrm>
+                    <a:prstGeom prst="straightConnector1">
+                      <a:avLst/>
+                    </a:prstGeom>
+                    <a:ln>
+                      <a:headEnd type="none" w="med" len="med"/>
+                      <a:tailEnd type="triangle" w="lg" len="lg"/>
+                    </a:ln>
+                  </p:spPr>
+                  <p:style>
+                    <a:lnRef idx="3">
+                      <a:schemeClr val="accent6"/>
+                    </a:lnRef>
+                    <a:fillRef idx="0">
+                      <a:schemeClr val="accent6"/>
+                    </a:fillRef>
+                    <a:effectRef idx="2">
+                      <a:schemeClr val="accent6"/>
+                    </a:effectRef>
+                    <a:fontRef idx="minor">
+                      <a:schemeClr val="tx1"/>
+                    </a:fontRef>
+                  </p:style>
+                </p:cxnSp>
+                <p:sp>
+                  <p:nvSpPr>
+                    <p:cNvPr id="37" name="Isosceles Triangle 36">
+                      <a:extLst>
+                        <a:ext uri="{FF2B5EF4-FFF2-40B4-BE49-F238E27FC236}">
+                          <a16:creationId xmlns:a16="http://schemas.microsoft.com/office/drawing/2014/main" id="{AE1779D2-A25F-400C-A0EB-7BAC54E2A688}"/>
+                        </a:ext>
+                      </a:extLst>
+                    </p:cNvPr>
+                    <p:cNvSpPr/>
+                    <p:nvPr/>
+                  </p:nvSpPr>
+                  <p:spPr>
+                    <a:xfrm rot="5400000">
+                      <a:off x="3310180" y="2335139"/>
+                      <a:ext cx="324000" cy="216000"/>
+                    </a:xfrm>
+                    <a:prstGeom prst="triangle">
+                      <a:avLst/>
+                    </a:prstGeom>
+                    <a:ln w="19050"/>
+                  </p:spPr>
+                  <p:style>
+                    <a:lnRef idx="2">
+                      <a:schemeClr val="accent6">
+                        <a:shade val="50000"/>
+                      </a:schemeClr>
+                    </a:lnRef>
+                    <a:fillRef idx="1">
+                      <a:schemeClr val="accent6"/>
+                    </a:fillRef>
+                    <a:effectRef idx="0">
+                      <a:schemeClr val="accent6"/>
+                    </a:effectRef>
+                    <a:fontRef idx="minor">
+                      <a:schemeClr val="lt1"/>
+                    </a:fontRef>
+                  </p:style>
+                  <p:txBody>
+                    <a:bodyPr rtlCol="0" anchor="ctr"/>
+                    <a:lstStyle/>
+                    <a:p>
+                      <a:pPr algn="ctr"/>
+                      <a:endParaRPr lang="en-US"/>
+                    </a:p>
+                  </p:txBody>
+                </p:sp>
+              </p:grpSp>
+              <p:grpSp>
+                <p:nvGrpSpPr>
+                  <p:cNvPr id="62" name="Group 61">
+                    <a:extLst>
+                      <a:ext uri="{FF2B5EF4-FFF2-40B4-BE49-F238E27FC236}">
+                        <a16:creationId xmlns:a16="http://schemas.microsoft.com/office/drawing/2014/main" id="{9471E0FF-DFE3-4F75-8124-09B85DFB303A}"/>
+                      </a:ext>
+                    </a:extLst>
+                  </p:cNvPr>
+                  <p:cNvGrpSpPr/>
+                  <p:nvPr/>
+                </p:nvGrpSpPr>
+                <p:grpSpPr>
+                  <a:xfrm flipH="1">
+                    <a:off x="1298989" y="3975914"/>
+                    <a:ext cx="7250531" cy="324000"/>
+                    <a:chOff x="1435016" y="3419400"/>
+                    <a:chExt cx="7250531" cy="324000"/>
+                  </a:xfrm>
+                </p:grpSpPr>
+                <p:cxnSp>
+                  <p:nvCxnSpPr>
+                    <p:cNvPr id="63" name="Straight Arrow Connector 62">
+                      <a:extLst>
+                        <a:ext uri="{FF2B5EF4-FFF2-40B4-BE49-F238E27FC236}">
+                          <a16:creationId xmlns:a16="http://schemas.microsoft.com/office/drawing/2014/main" id="{3EFAD31D-D849-42BE-BC51-A86E67E543CC}"/>
+                        </a:ext>
+                      </a:extLst>
+                    </p:cNvPr>
+                    <p:cNvCxnSpPr>
+                      <a:cxnSpLocks/>
+                    </p:cNvCxnSpPr>
+                    <p:nvPr/>
+                  </p:nvCxnSpPr>
+                  <p:spPr>
+                    <a:xfrm>
+                      <a:off x="1435016" y="3581400"/>
+                      <a:ext cx="7250531" cy="0"/>
+                    </a:xfrm>
+                    <a:prstGeom prst="straightConnector1">
+                      <a:avLst/>
+                    </a:prstGeom>
+                    <a:ln w="19050">
+                      <a:headEnd type="none" w="med" len="med"/>
+                      <a:tailEnd type="triangle" w="lg" len="lg"/>
+                    </a:ln>
+                  </p:spPr>
+                  <p:style>
+                    <a:lnRef idx="3">
+                      <a:schemeClr val="accent5"/>
+                    </a:lnRef>
+                    <a:fillRef idx="0">
+                      <a:schemeClr val="accent5"/>
+                    </a:fillRef>
+                    <a:effectRef idx="2">
+                      <a:schemeClr val="accent5"/>
+                    </a:effectRef>
+                    <a:fontRef idx="minor">
+                      <a:schemeClr val="tx1"/>
+                    </a:fontRef>
+                  </p:style>
+                </p:cxnSp>
+                <p:sp>
+                  <p:nvSpPr>
+                    <p:cNvPr id="64" name="Isosceles Triangle 63">
+                      <a:extLst>
+                        <a:ext uri="{FF2B5EF4-FFF2-40B4-BE49-F238E27FC236}">
+                          <a16:creationId xmlns:a16="http://schemas.microsoft.com/office/drawing/2014/main" id="{4D8DA5B3-EE5F-4F6D-9DC4-BC28BD091926}"/>
+                        </a:ext>
+                      </a:extLst>
+                    </p:cNvPr>
+                    <p:cNvSpPr/>
+                    <p:nvPr/>
+                  </p:nvSpPr>
+                  <p:spPr>
+                    <a:xfrm rot="5400000">
+                      <a:off x="8414544" y="3473400"/>
+                      <a:ext cx="324000" cy="216000"/>
+                    </a:xfrm>
+                    <a:prstGeom prst="triangle">
+                      <a:avLst/>
+                    </a:prstGeom>
+                  </p:spPr>
+                  <p:style>
+                    <a:lnRef idx="2">
+                      <a:schemeClr val="accent5">
+                        <a:shade val="50000"/>
+                      </a:schemeClr>
+                    </a:lnRef>
+                    <a:fillRef idx="1">
+                      <a:schemeClr val="accent5"/>
+                    </a:fillRef>
+                    <a:effectRef idx="0">
+                      <a:schemeClr val="accent5"/>
+                    </a:effectRef>
+                    <a:fontRef idx="minor">
+                      <a:schemeClr val="lt1"/>
+                    </a:fontRef>
+                  </p:style>
+                  <p:txBody>
+                    <a:bodyPr rtlCol="0" anchor="ctr"/>
+                    <a:lstStyle/>
+                    <a:p>
+                      <a:pPr algn="ctr"/>
+                      <a:endParaRPr lang="en-US"/>
+                    </a:p>
+                  </p:txBody>
+                </p:sp>
+              </p:grpSp>
+            </p:grpSp>
+            <p:sp>
+              <p:nvSpPr>
+                <p:cNvPr id="87" name="TextBox 86">
+                  <a:extLst>
+                    <a:ext uri="{FF2B5EF4-FFF2-40B4-BE49-F238E27FC236}">
+                      <a16:creationId xmlns:a16="http://schemas.microsoft.com/office/drawing/2014/main" id="{F386C0CE-DC24-4D58-BB26-AF6D835EFA69}"/>
+                    </a:ext>
+                  </a:extLst>
+                </p:cNvPr>
+                <p:cNvSpPr txBox="1"/>
+                <p:nvPr/>
+              </p:nvSpPr>
+              <p:spPr>
+                <a:xfrm>
+                  <a:off x="8723158" y="3771644"/>
+                  <a:ext cx="1940064" cy="369332"/>
+                </a:xfrm>
+                <a:prstGeom prst="rect">
+                  <a:avLst/>
+                </a:prstGeom>
+                <a:noFill/>
+              </p:spPr>
+              <p:txBody>
+                <a:bodyPr wrap="square" rtlCol="0">
+                  <a:spAutoFit/>
+                </a:bodyPr>
+                <a:lstStyle/>
+                <a:p>
+                  <a:pPr algn="ctr"/>
+                  <a:r>
+                    <a:rPr lang="en-US" dirty="0"/>
+                    <a:t>Answer SDP</a:t>
+                  </a:r>
+                </a:p>
+              </p:txBody>
+            </p:sp>
+            <p:sp>
+              <p:nvSpPr>
+                <p:cNvPr id="88" name="TextBox 87">
+                  <a:extLst>
+                    <a:ext uri="{FF2B5EF4-FFF2-40B4-BE49-F238E27FC236}">
+                      <a16:creationId xmlns:a16="http://schemas.microsoft.com/office/drawing/2014/main" id="{5FCD98BD-B305-4AC2-895F-BC6ED33AAA37}"/>
+                    </a:ext>
+                  </a:extLst>
+                </p:cNvPr>
+                <p:cNvSpPr txBox="1"/>
+                <p:nvPr/>
+              </p:nvSpPr>
+              <p:spPr>
+                <a:xfrm>
+                  <a:off x="1507753" y="3755751"/>
+                  <a:ext cx="6750455" cy="369332"/>
+                </a:xfrm>
+                <a:prstGeom prst="rect">
+                  <a:avLst/>
+                </a:prstGeom>
+                <a:noFill/>
+              </p:spPr>
+              <p:txBody>
+                <a:bodyPr wrap="square" rtlCol="0">
+                  <a:spAutoFit/>
+                </a:bodyPr>
+                <a:lstStyle/>
+                <a:p>
+                  <a:pPr algn="ctr"/>
+                  <a:r>
+                    <a:rPr lang="en-US" dirty="0"/>
+                    <a:t>Answer SDP</a:t>
+                  </a:r>
+                </a:p>
+              </p:txBody>
+            </p:sp>
+          </p:grpSp>
+          <p:grpSp>
+            <p:nvGrpSpPr>
+              <p:cNvPr id="99" name="Group 98">
+                <a:extLst>
+                  <a:ext uri="{FF2B5EF4-FFF2-40B4-BE49-F238E27FC236}">
+                    <a16:creationId xmlns:a16="http://schemas.microsoft.com/office/drawing/2014/main" id="{FDD5D48D-2534-4560-9578-0308045844C7}"/>
+                  </a:ext>
+                </a:extLst>
+              </p:cNvPr>
+              <p:cNvGrpSpPr/>
+              <p:nvPr/>
+            </p:nvGrpSpPr>
+            <p:grpSpPr>
+              <a:xfrm>
+                <a:off x="1284371" y="4123608"/>
+                <a:ext cx="9612778" cy="542164"/>
+                <a:chOff x="1284371" y="4350111"/>
+                <a:chExt cx="9612778" cy="542164"/>
+              </a:xfrm>
+            </p:grpSpPr>
+            <p:grpSp>
+              <p:nvGrpSpPr>
+                <p:cNvPr id="72" name="Group 71">
+                  <a:extLst>
+                    <a:ext uri="{FF2B5EF4-FFF2-40B4-BE49-F238E27FC236}">
+                      <a16:creationId xmlns:a16="http://schemas.microsoft.com/office/drawing/2014/main" id="{1BA1E400-0D89-4D48-93BF-F18B53A130EF}"/>
+                    </a:ext>
+                  </a:extLst>
+                </p:cNvPr>
+                <p:cNvGrpSpPr/>
+                <p:nvPr/>
+              </p:nvGrpSpPr>
+              <p:grpSpPr>
+                <a:xfrm>
+                  <a:off x="1284371" y="4567139"/>
+                  <a:ext cx="9612778" cy="325136"/>
+                  <a:chOff x="1284371" y="4567139"/>
+                  <a:chExt cx="9612778" cy="325136"/>
+                </a:xfrm>
+              </p:grpSpPr>
+              <p:grpSp>
+                <p:nvGrpSpPr>
+                  <p:cNvPr id="44" name="Group 43">
+                    <a:extLst>
+                      <a:ext uri="{FF2B5EF4-FFF2-40B4-BE49-F238E27FC236}">
+                        <a16:creationId xmlns:a16="http://schemas.microsoft.com/office/drawing/2014/main" id="{A1D2C000-8112-4AE8-9787-91379EF3BB97}"/>
+                      </a:ext>
+                    </a:extLst>
+                  </p:cNvPr>
+                  <p:cNvGrpSpPr/>
+                  <p:nvPr/>
+                </p:nvGrpSpPr>
+                <p:grpSpPr>
+                  <a:xfrm>
+                    <a:off x="8492839" y="4568275"/>
+                    <a:ext cx="2404310" cy="324000"/>
+                    <a:chOff x="1176873" y="2272750"/>
+                    <a:chExt cx="2404310" cy="324000"/>
+                  </a:xfrm>
+                </p:grpSpPr>
+                <p:cxnSp>
+                  <p:nvCxnSpPr>
+                    <p:cNvPr id="45" name="Straight Arrow Connector 44">
+                      <a:extLst>
+                        <a:ext uri="{FF2B5EF4-FFF2-40B4-BE49-F238E27FC236}">
+                          <a16:creationId xmlns:a16="http://schemas.microsoft.com/office/drawing/2014/main" id="{9057A522-623A-4073-9005-F41EC1299BCE}"/>
+                        </a:ext>
+                      </a:extLst>
+                    </p:cNvPr>
+                    <p:cNvCxnSpPr>
+                      <a:cxnSpLocks/>
+                    </p:cNvCxnSpPr>
+                    <p:nvPr/>
+                  </p:nvCxnSpPr>
+                  <p:spPr>
+                    <a:xfrm>
+                      <a:off x="1176873" y="2434750"/>
+                      <a:ext cx="2404310" cy="0"/>
+                    </a:xfrm>
+                    <a:prstGeom prst="straightConnector1">
+                      <a:avLst/>
+                    </a:prstGeom>
+                    <a:ln w="19050">
+                      <a:headEnd type="none" w="med" len="med"/>
+                      <a:tailEnd type="triangle" w="lg" len="lg"/>
+                    </a:ln>
+                  </p:spPr>
+                  <p:style>
+                    <a:lnRef idx="3">
+                      <a:schemeClr val="accent5"/>
+                    </a:lnRef>
+                    <a:fillRef idx="0">
+                      <a:schemeClr val="accent5"/>
+                    </a:fillRef>
+                    <a:effectRef idx="2">
+                      <a:schemeClr val="accent5"/>
+                    </a:effectRef>
+                    <a:fontRef idx="minor">
+                      <a:schemeClr val="tx1"/>
+                    </a:fontRef>
+                  </p:style>
+                </p:cxnSp>
+                <p:sp>
+                  <p:nvSpPr>
+                    <p:cNvPr id="46" name="Isosceles Triangle 45">
+                      <a:extLst>
+                        <a:ext uri="{FF2B5EF4-FFF2-40B4-BE49-F238E27FC236}">
+                          <a16:creationId xmlns:a16="http://schemas.microsoft.com/office/drawing/2014/main" id="{EB51421A-8DDB-4A14-AF2A-33B9CAEDEAED}"/>
+                        </a:ext>
+                      </a:extLst>
+                    </p:cNvPr>
+                    <p:cNvSpPr/>
+                    <p:nvPr/>
+                  </p:nvSpPr>
+                  <p:spPr>
+                    <a:xfrm rot="5400000">
+                      <a:off x="3310180" y="2326750"/>
+                      <a:ext cx="324000" cy="216000"/>
+                    </a:xfrm>
+                    <a:prstGeom prst="triangle">
+                      <a:avLst/>
+                    </a:prstGeom>
+                  </p:spPr>
+                  <p:style>
+                    <a:lnRef idx="2">
+                      <a:schemeClr val="accent5">
+                        <a:shade val="50000"/>
+                      </a:schemeClr>
+                    </a:lnRef>
+                    <a:fillRef idx="1">
+                      <a:schemeClr val="accent5"/>
+                    </a:fillRef>
+                    <a:effectRef idx="0">
+                      <a:schemeClr val="accent5"/>
+                    </a:effectRef>
+                    <a:fontRef idx="minor">
+                      <a:schemeClr val="lt1"/>
+                    </a:fontRef>
+                  </p:style>
+                  <p:txBody>
+                    <a:bodyPr rtlCol="0" anchor="ctr"/>
+                    <a:lstStyle/>
+                    <a:p>
+                      <a:pPr algn="ctr"/>
+                      <a:endParaRPr lang="en-US"/>
+                    </a:p>
+                  </p:txBody>
+                </p:sp>
+              </p:grpSp>
+              <p:grpSp>
+                <p:nvGrpSpPr>
+                  <p:cNvPr id="56" name="Group 55">
+                    <a:extLst>
+                      <a:ext uri="{FF2B5EF4-FFF2-40B4-BE49-F238E27FC236}">
+                        <a16:creationId xmlns:a16="http://schemas.microsoft.com/office/drawing/2014/main" id="{C2543E65-DCFA-4A7A-AAE9-0581BB21D4B7}"/>
+                      </a:ext>
+                    </a:extLst>
+                  </p:cNvPr>
+                  <p:cNvGrpSpPr/>
+                  <p:nvPr/>
+                </p:nvGrpSpPr>
+                <p:grpSpPr>
+                  <a:xfrm>
+                    <a:off x="1284371" y="4567139"/>
+                    <a:ext cx="7210558" cy="324000"/>
+                    <a:chOff x="1474989" y="3419400"/>
+                    <a:chExt cx="7210558" cy="324000"/>
+                  </a:xfrm>
+                </p:grpSpPr>
+                <p:cxnSp>
+                  <p:nvCxnSpPr>
+                    <p:cNvPr id="57" name="Straight Arrow Connector 56">
+                      <a:extLst>
+                        <a:ext uri="{FF2B5EF4-FFF2-40B4-BE49-F238E27FC236}">
+                          <a16:creationId xmlns:a16="http://schemas.microsoft.com/office/drawing/2014/main" id="{A7AF6DAD-4065-4CD0-9DE1-E4043443CBEA}"/>
+                        </a:ext>
+                      </a:extLst>
+                    </p:cNvPr>
+                    <p:cNvCxnSpPr>
+                      <a:cxnSpLocks/>
+                    </p:cNvCxnSpPr>
+                    <p:nvPr/>
+                  </p:nvCxnSpPr>
+                  <p:spPr>
+                    <a:xfrm>
+                      <a:off x="1474989" y="3581400"/>
+                      <a:ext cx="7210558" cy="0"/>
+                    </a:xfrm>
+                    <a:prstGeom prst="straightConnector1">
+                      <a:avLst/>
+                    </a:prstGeom>
+                    <a:ln>
+                      <a:headEnd type="none" w="med" len="med"/>
+                      <a:tailEnd type="triangle" w="lg" len="lg"/>
+                    </a:ln>
+                  </p:spPr>
+                  <p:style>
+                    <a:lnRef idx="3">
+                      <a:schemeClr val="accent6"/>
+                    </a:lnRef>
+                    <a:fillRef idx="0">
+                      <a:schemeClr val="accent6"/>
+                    </a:fillRef>
+                    <a:effectRef idx="2">
+                      <a:schemeClr val="accent6"/>
+                    </a:effectRef>
+                    <a:fontRef idx="minor">
+                      <a:schemeClr val="tx1"/>
+                    </a:fontRef>
+                  </p:style>
+                </p:cxnSp>
+                <p:sp>
+                  <p:nvSpPr>
+                    <p:cNvPr id="58" name="Isosceles Triangle 57">
+                      <a:extLst>
+                        <a:ext uri="{FF2B5EF4-FFF2-40B4-BE49-F238E27FC236}">
+                          <a16:creationId xmlns:a16="http://schemas.microsoft.com/office/drawing/2014/main" id="{6F3D09BA-B48F-4901-90AD-851E0E4BE7FE}"/>
+                        </a:ext>
+                      </a:extLst>
+                    </p:cNvPr>
+                    <p:cNvSpPr/>
+                    <p:nvPr/>
+                  </p:nvSpPr>
+                  <p:spPr>
+                    <a:xfrm rot="5400000">
+                      <a:off x="8414544" y="3473400"/>
+                      <a:ext cx="324000" cy="216000"/>
+                    </a:xfrm>
+                    <a:prstGeom prst="triangle">
+                      <a:avLst/>
+                    </a:prstGeom>
+                    <a:ln w="19050"/>
+                  </p:spPr>
+                  <p:style>
+                    <a:lnRef idx="2">
+                      <a:schemeClr val="accent6">
+                        <a:shade val="50000"/>
+                      </a:schemeClr>
+                    </a:lnRef>
+                    <a:fillRef idx="1">
+                      <a:schemeClr val="accent6"/>
+                    </a:fillRef>
+                    <a:effectRef idx="0">
+                      <a:schemeClr val="accent6"/>
+                    </a:effectRef>
+                    <a:fontRef idx="minor">
+                      <a:schemeClr val="lt1"/>
+                    </a:fontRef>
+                  </p:style>
+                  <p:txBody>
+                    <a:bodyPr rtlCol="0" anchor="ctr"/>
+                    <a:lstStyle/>
+                    <a:p>
+                      <a:pPr algn="ctr"/>
+                      <a:endParaRPr lang="en-US"/>
+                    </a:p>
+                  </p:txBody>
+                </p:sp>
+              </p:grpSp>
+            </p:grpSp>
+            <p:sp>
+              <p:nvSpPr>
+                <p:cNvPr id="89" name="TextBox 88">
+                  <a:extLst>
+                    <a:ext uri="{FF2B5EF4-FFF2-40B4-BE49-F238E27FC236}">
+                      <a16:creationId xmlns:a16="http://schemas.microsoft.com/office/drawing/2014/main" id="{E4EF32FF-2F05-440D-AE0F-9B6668EC6221}"/>
+                    </a:ext>
+                  </a:extLst>
+                </p:cNvPr>
+                <p:cNvSpPr txBox="1"/>
+                <p:nvPr/>
+              </p:nvSpPr>
+              <p:spPr>
+                <a:xfrm>
+                  <a:off x="8723158" y="4366004"/>
+                  <a:ext cx="1940064" cy="369332"/>
+                </a:xfrm>
+                <a:prstGeom prst="rect">
+                  <a:avLst/>
+                </a:prstGeom>
+                <a:noFill/>
+              </p:spPr>
+              <p:txBody>
+                <a:bodyPr wrap="square" rtlCol="0">
+                  <a:spAutoFit/>
+                </a:bodyPr>
+                <a:lstStyle/>
+                <a:p>
+                  <a:pPr algn="ctr"/>
+                  <a:r>
+                    <a:rPr lang="en-US" dirty="0"/>
+                    <a:t>ICE candidate (1)</a:t>
+                  </a:r>
+                </a:p>
+              </p:txBody>
+            </p:sp>
+            <p:sp>
+              <p:nvSpPr>
+                <p:cNvPr id="90" name="TextBox 89">
+                  <a:extLst>
+                    <a:ext uri="{FF2B5EF4-FFF2-40B4-BE49-F238E27FC236}">
+                      <a16:creationId xmlns:a16="http://schemas.microsoft.com/office/drawing/2014/main" id="{8B21B7C0-6C04-4C90-9013-99A6638F71FC}"/>
+                    </a:ext>
+                  </a:extLst>
+                </p:cNvPr>
+                <p:cNvSpPr txBox="1"/>
+                <p:nvPr/>
+              </p:nvSpPr>
+              <p:spPr>
+                <a:xfrm>
+                  <a:off x="1507753" y="4350111"/>
+                  <a:ext cx="6750455" cy="369332"/>
+                </a:xfrm>
+                <a:prstGeom prst="rect">
+                  <a:avLst/>
+                </a:prstGeom>
+                <a:noFill/>
+              </p:spPr>
+              <p:txBody>
+                <a:bodyPr wrap="square" rtlCol="0">
+                  <a:spAutoFit/>
+                </a:bodyPr>
+                <a:lstStyle/>
+                <a:p>
+                  <a:pPr algn="ctr"/>
+                  <a:r>
+                    <a:rPr lang="en-US" dirty="0"/>
+                    <a:t>ICE candidate (1)</a:t>
+                  </a:r>
+                </a:p>
+              </p:txBody>
+            </p:sp>
+          </p:grpSp>
+          <p:grpSp>
+            <p:nvGrpSpPr>
+              <p:cNvPr id="100" name="Group 99">
+                <a:extLst>
+                  <a:ext uri="{FF2B5EF4-FFF2-40B4-BE49-F238E27FC236}">
+                    <a16:creationId xmlns:a16="http://schemas.microsoft.com/office/drawing/2014/main" id="{948F51F3-D316-4520-B8BB-D029184C70CF}"/>
+                  </a:ext>
+                </a:extLst>
+              </p:cNvPr>
+              <p:cNvGrpSpPr/>
+              <p:nvPr/>
+            </p:nvGrpSpPr>
+            <p:grpSpPr>
+              <a:xfrm>
+                <a:off x="1294317" y="4746840"/>
+                <a:ext cx="9617524" cy="543433"/>
+                <a:chOff x="1294317" y="5074011"/>
+                <a:chExt cx="9617524" cy="543433"/>
+              </a:xfrm>
+            </p:grpSpPr>
+            <p:grpSp>
+              <p:nvGrpSpPr>
+                <p:cNvPr id="71" name="Group 70">
+                  <a:extLst>
+                    <a:ext uri="{FF2B5EF4-FFF2-40B4-BE49-F238E27FC236}">
+                      <a16:creationId xmlns:a16="http://schemas.microsoft.com/office/drawing/2014/main" id="{827A0342-B78D-42FE-8A8E-62DA5737E49D}"/>
+                    </a:ext>
+                  </a:extLst>
+                </p:cNvPr>
+                <p:cNvGrpSpPr/>
+                <p:nvPr/>
+              </p:nvGrpSpPr>
+              <p:grpSpPr>
+                <a:xfrm>
+                  <a:off x="1294317" y="5293444"/>
+                  <a:ext cx="9617524" cy="324000"/>
+                  <a:chOff x="1294317" y="5293444"/>
+                  <a:chExt cx="9617524" cy="324000"/>
+                </a:xfrm>
+              </p:grpSpPr>
+              <p:grpSp>
+                <p:nvGrpSpPr>
+                  <p:cNvPr id="38" name="Group 37">
+                    <a:extLst>
+                      <a:ext uri="{FF2B5EF4-FFF2-40B4-BE49-F238E27FC236}">
+                        <a16:creationId xmlns:a16="http://schemas.microsoft.com/office/drawing/2014/main" id="{940AA6C9-1BCF-4D02-9E7D-27FEB75F245D}"/>
+                      </a:ext>
+                    </a:extLst>
+                  </p:cNvPr>
+                  <p:cNvGrpSpPr/>
+                  <p:nvPr/>
+                </p:nvGrpSpPr>
+                <p:grpSpPr>
+                  <a:xfrm flipH="1">
+                    <a:off x="8507531" y="5293444"/>
+                    <a:ext cx="2404310" cy="324000"/>
+                    <a:chOff x="1176873" y="2281139"/>
+                    <a:chExt cx="2404310" cy="324000"/>
+                  </a:xfrm>
+                </p:grpSpPr>
+                <p:cxnSp>
+                  <p:nvCxnSpPr>
+                    <p:cNvPr id="39" name="Straight Arrow Connector 38">
+                      <a:extLst>
+                        <a:ext uri="{FF2B5EF4-FFF2-40B4-BE49-F238E27FC236}">
+                          <a16:creationId xmlns:a16="http://schemas.microsoft.com/office/drawing/2014/main" id="{32844675-D784-4F60-A402-4A72927B039E}"/>
+                        </a:ext>
+                      </a:extLst>
+                    </p:cNvPr>
+                    <p:cNvCxnSpPr>
+                      <a:cxnSpLocks/>
+                    </p:cNvCxnSpPr>
+                    <p:nvPr/>
+                  </p:nvCxnSpPr>
+                  <p:spPr>
+                    <a:xfrm>
+                      <a:off x="1176873" y="2443139"/>
+                      <a:ext cx="2404310" cy="0"/>
+                    </a:xfrm>
+                    <a:prstGeom prst="straightConnector1">
+                      <a:avLst/>
+                    </a:prstGeom>
+                    <a:ln>
+                      <a:headEnd type="none" w="med" len="med"/>
+                      <a:tailEnd type="triangle" w="lg" len="lg"/>
+                    </a:ln>
+                  </p:spPr>
+                  <p:style>
+                    <a:lnRef idx="3">
+                      <a:schemeClr val="accent6"/>
+                    </a:lnRef>
+                    <a:fillRef idx="0">
+                      <a:schemeClr val="accent6"/>
+                    </a:fillRef>
+                    <a:effectRef idx="2">
+                      <a:schemeClr val="accent6"/>
+                    </a:effectRef>
+                    <a:fontRef idx="minor">
+                      <a:schemeClr val="tx1"/>
+                    </a:fontRef>
+                  </p:style>
+                </p:cxnSp>
+                <p:sp>
+                  <p:nvSpPr>
+                    <p:cNvPr id="40" name="Isosceles Triangle 39">
+                      <a:extLst>
+                        <a:ext uri="{FF2B5EF4-FFF2-40B4-BE49-F238E27FC236}">
+                          <a16:creationId xmlns:a16="http://schemas.microsoft.com/office/drawing/2014/main" id="{EC441F49-7F12-4332-9B36-279326BC2B6F}"/>
+                        </a:ext>
+                      </a:extLst>
+                    </p:cNvPr>
+                    <p:cNvSpPr/>
+                    <p:nvPr/>
+                  </p:nvSpPr>
+                  <p:spPr>
+                    <a:xfrm rot="5400000">
+                      <a:off x="3310180" y="2335139"/>
+                      <a:ext cx="324000" cy="216000"/>
+                    </a:xfrm>
+                    <a:prstGeom prst="triangle">
+                      <a:avLst/>
+                    </a:prstGeom>
+                    <a:ln w="19050"/>
+                  </p:spPr>
+                  <p:style>
+                    <a:lnRef idx="2">
+                      <a:schemeClr val="accent6">
+                        <a:shade val="50000"/>
+                      </a:schemeClr>
+                    </a:lnRef>
+                    <a:fillRef idx="1">
+                      <a:schemeClr val="accent6"/>
+                    </a:fillRef>
+                    <a:effectRef idx="0">
+                      <a:schemeClr val="accent6"/>
+                    </a:effectRef>
+                    <a:fontRef idx="minor">
+                      <a:schemeClr val="lt1"/>
+                    </a:fontRef>
+                  </p:style>
+                  <p:txBody>
+                    <a:bodyPr rtlCol="0" anchor="ctr"/>
+                    <a:lstStyle/>
+                    <a:p>
+                      <a:pPr algn="ctr"/>
+                      <a:endParaRPr lang="en-US"/>
+                    </a:p>
+                  </p:txBody>
+                </p:sp>
+              </p:grpSp>
+              <p:grpSp>
+                <p:nvGrpSpPr>
+                  <p:cNvPr id="59" name="Group 58">
+                    <a:extLst>
+                      <a:ext uri="{FF2B5EF4-FFF2-40B4-BE49-F238E27FC236}">
+                        <a16:creationId xmlns:a16="http://schemas.microsoft.com/office/drawing/2014/main" id="{61A4B142-192A-49CA-B8D0-787DC5BD3DD1}"/>
+                      </a:ext>
+                    </a:extLst>
+                  </p:cNvPr>
+                  <p:cNvGrpSpPr/>
+                  <p:nvPr/>
+                </p:nvGrpSpPr>
+                <p:grpSpPr>
+                  <a:xfrm flipH="1">
+                    <a:off x="1294317" y="5293444"/>
+                    <a:ext cx="7250531" cy="324000"/>
+                    <a:chOff x="1435016" y="3419400"/>
+                    <a:chExt cx="7250531" cy="324000"/>
+                  </a:xfrm>
+                </p:grpSpPr>
+                <p:cxnSp>
+                  <p:nvCxnSpPr>
+                    <p:cNvPr id="60" name="Straight Arrow Connector 59">
+                      <a:extLst>
+                        <a:ext uri="{FF2B5EF4-FFF2-40B4-BE49-F238E27FC236}">
+                          <a16:creationId xmlns:a16="http://schemas.microsoft.com/office/drawing/2014/main" id="{7B638897-8D41-4ED5-90A9-B543C3081381}"/>
+                        </a:ext>
+                      </a:extLst>
+                    </p:cNvPr>
+                    <p:cNvCxnSpPr>
+                      <a:cxnSpLocks/>
+                    </p:cNvCxnSpPr>
+                    <p:nvPr/>
+                  </p:nvCxnSpPr>
+                  <p:spPr>
+                    <a:xfrm>
+                      <a:off x="1435016" y="3581400"/>
+                      <a:ext cx="7250531" cy="0"/>
+                    </a:xfrm>
+                    <a:prstGeom prst="straightConnector1">
+                      <a:avLst/>
+                    </a:prstGeom>
+                    <a:ln w="19050">
+                      <a:headEnd type="none" w="med" len="med"/>
+                      <a:tailEnd type="triangle" w="lg" len="lg"/>
+                    </a:ln>
+                  </p:spPr>
+                  <p:style>
+                    <a:lnRef idx="3">
+                      <a:schemeClr val="accent5"/>
+                    </a:lnRef>
+                    <a:fillRef idx="0">
+                      <a:schemeClr val="accent5"/>
+                    </a:fillRef>
+                    <a:effectRef idx="2">
+                      <a:schemeClr val="accent5"/>
+                    </a:effectRef>
+                    <a:fontRef idx="minor">
+                      <a:schemeClr val="tx1"/>
+                    </a:fontRef>
+                  </p:style>
+                </p:cxnSp>
+                <p:sp>
+                  <p:nvSpPr>
+                    <p:cNvPr id="61" name="Isosceles Triangle 60">
+                      <a:extLst>
+                        <a:ext uri="{FF2B5EF4-FFF2-40B4-BE49-F238E27FC236}">
+                          <a16:creationId xmlns:a16="http://schemas.microsoft.com/office/drawing/2014/main" id="{2E0D8909-8F12-421D-A50B-8207E3835069}"/>
+                        </a:ext>
+                      </a:extLst>
+                    </p:cNvPr>
+                    <p:cNvSpPr/>
+                    <p:nvPr/>
+                  </p:nvSpPr>
+                  <p:spPr>
+                    <a:xfrm rot="5400000">
+                      <a:off x="8414544" y="3473400"/>
+                      <a:ext cx="324000" cy="216000"/>
+                    </a:xfrm>
+                    <a:prstGeom prst="triangle">
+                      <a:avLst/>
+                    </a:prstGeom>
+                  </p:spPr>
+                  <p:style>
+                    <a:lnRef idx="2">
+                      <a:schemeClr val="accent5">
+                        <a:shade val="50000"/>
+                      </a:schemeClr>
+                    </a:lnRef>
+                    <a:fillRef idx="1">
+                      <a:schemeClr val="accent5"/>
+                    </a:fillRef>
+                    <a:effectRef idx="0">
+                      <a:schemeClr val="accent5"/>
+                    </a:effectRef>
+                    <a:fontRef idx="minor">
+                      <a:schemeClr val="lt1"/>
+                    </a:fontRef>
+                  </p:style>
+                  <p:txBody>
+                    <a:bodyPr rtlCol="0" anchor="ctr"/>
+                    <a:lstStyle/>
+                    <a:p>
+                      <a:pPr algn="ctr"/>
+                      <a:endParaRPr lang="en-US"/>
+                    </a:p>
+                  </p:txBody>
+                </p:sp>
+              </p:grpSp>
+            </p:grpSp>
+            <p:sp>
+              <p:nvSpPr>
+                <p:cNvPr id="91" name="TextBox 90">
+                  <a:extLst>
+                    <a:ext uri="{FF2B5EF4-FFF2-40B4-BE49-F238E27FC236}">
+                      <a16:creationId xmlns:a16="http://schemas.microsoft.com/office/drawing/2014/main" id="{F808EA79-31CA-4650-9F8D-F096661DE92B}"/>
+                    </a:ext>
+                  </a:extLst>
+                </p:cNvPr>
+                <p:cNvSpPr txBox="1"/>
+                <p:nvPr/>
+              </p:nvSpPr>
+              <p:spPr>
+                <a:xfrm>
+                  <a:off x="8723158" y="5089904"/>
+                  <a:ext cx="1940064" cy="369332"/>
+                </a:xfrm>
+                <a:prstGeom prst="rect">
+                  <a:avLst/>
+                </a:prstGeom>
+                <a:noFill/>
+              </p:spPr>
+              <p:txBody>
+                <a:bodyPr wrap="square" rtlCol="0">
+                  <a:spAutoFit/>
+                </a:bodyPr>
+                <a:lstStyle/>
+                <a:p>
+                  <a:pPr algn="ctr"/>
+                  <a:r>
+                    <a:rPr lang="en-US" dirty="0"/>
+                    <a:t>ICE candidate (2)</a:t>
+                  </a:r>
+                </a:p>
+              </p:txBody>
+            </p:sp>
+            <p:sp>
+              <p:nvSpPr>
+                <p:cNvPr id="92" name="TextBox 91">
+                  <a:extLst>
+                    <a:ext uri="{FF2B5EF4-FFF2-40B4-BE49-F238E27FC236}">
+                      <a16:creationId xmlns:a16="http://schemas.microsoft.com/office/drawing/2014/main" id="{4F5123BE-40D7-4633-BCCF-5ED7D9FD59DB}"/>
+                    </a:ext>
+                  </a:extLst>
+                </p:cNvPr>
+                <p:cNvSpPr txBox="1"/>
+                <p:nvPr/>
+              </p:nvSpPr>
+              <p:spPr>
+                <a:xfrm>
+                  <a:off x="1507753" y="5074011"/>
+                  <a:ext cx="6750455" cy="369332"/>
+                </a:xfrm>
+                <a:prstGeom prst="rect">
+                  <a:avLst/>
+                </a:prstGeom>
+                <a:noFill/>
+              </p:spPr>
+              <p:txBody>
+                <a:bodyPr wrap="square" rtlCol="0">
+                  <a:spAutoFit/>
+                </a:bodyPr>
+                <a:lstStyle/>
+                <a:p>
+                  <a:pPr algn="ctr"/>
+                  <a:r>
+                    <a:rPr lang="en-US" dirty="0"/>
+                    <a:t>ICE candidate (2)</a:t>
+                  </a:r>
+                </a:p>
+              </p:txBody>
+            </p:sp>
+          </p:grpSp>
+          <p:grpSp>
+            <p:nvGrpSpPr>
+              <p:cNvPr id="101" name="Group 100">
+                <a:extLst>
+                  <a:ext uri="{FF2B5EF4-FFF2-40B4-BE49-F238E27FC236}">
+                    <a16:creationId xmlns:a16="http://schemas.microsoft.com/office/drawing/2014/main" id="{20359214-6E34-4B0F-9A1D-CBFFD2F56417}"/>
+                  </a:ext>
+                </a:extLst>
+              </p:cNvPr>
+              <p:cNvGrpSpPr/>
+              <p:nvPr/>
+            </p:nvGrpSpPr>
+            <p:grpSpPr>
+              <a:xfrm>
+                <a:off x="3688682" y="5384683"/>
+                <a:ext cx="7217944" cy="542635"/>
+                <a:chOff x="3688682" y="5653131"/>
+                <a:chExt cx="7217944" cy="542635"/>
+              </a:xfrm>
+            </p:grpSpPr>
+            <p:grpSp>
+              <p:nvGrpSpPr>
+                <p:cNvPr id="65" name="Group 64">
+                  <a:extLst>
+                    <a:ext uri="{FF2B5EF4-FFF2-40B4-BE49-F238E27FC236}">
+                      <a16:creationId xmlns:a16="http://schemas.microsoft.com/office/drawing/2014/main" id="{AEFF9B31-C82A-4B0E-8695-36C4D8468BC4}"/>
+                    </a:ext>
+                  </a:extLst>
+                </p:cNvPr>
+                <p:cNvGrpSpPr/>
+                <p:nvPr/>
+              </p:nvGrpSpPr>
+              <p:grpSpPr>
+                <a:xfrm flipH="1">
+                  <a:off x="3688682" y="5871766"/>
+                  <a:ext cx="7217944" cy="324000"/>
+                  <a:chOff x="1467602" y="3419400"/>
+                  <a:chExt cx="7217944" cy="324000"/>
+                </a:xfrm>
+              </p:grpSpPr>
+              <p:cxnSp>
+                <p:nvCxnSpPr>
+                  <p:cNvPr id="66" name="Straight Arrow Connector 65">
+                    <a:extLst>
+                      <a:ext uri="{FF2B5EF4-FFF2-40B4-BE49-F238E27FC236}">
+                        <a16:creationId xmlns:a16="http://schemas.microsoft.com/office/drawing/2014/main" id="{2DCACF7A-AAD6-41CC-9636-A342EB71BD3B}"/>
+                      </a:ext>
+                    </a:extLst>
+                  </p:cNvPr>
+                  <p:cNvCxnSpPr>
+                    <a:cxnSpLocks/>
+                  </p:cNvCxnSpPr>
+                  <p:nvPr/>
+                </p:nvCxnSpPr>
+                <p:spPr>
+                  <a:xfrm>
+                    <a:off x="1467602" y="3581400"/>
+                    <a:ext cx="7217944" cy="0"/>
+                  </a:xfrm>
+                  <a:prstGeom prst="straightConnector1">
+                    <a:avLst/>
+                  </a:prstGeom>
+                  <a:ln>
+                    <a:headEnd type="none" w="med" len="med"/>
+                    <a:tailEnd type="triangle" w="lg" len="lg"/>
+                  </a:ln>
+                </p:spPr>
+                <p:style>
+                  <a:lnRef idx="3">
+                    <a:schemeClr val="accent6"/>
+                  </a:lnRef>
+                  <a:fillRef idx="0">
+                    <a:schemeClr val="accent6"/>
+                  </a:fillRef>
+                  <a:effectRef idx="2">
+                    <a:schemeClr val="accent6"/>
+                  </a:effectRef>
+                  <a:fontRef idx="minor">
+                    <a:schemeClr val="tx1"/>
+                  </a:fontRef>
+                </p:style>
+              </p:cxnSp>
+              <p:sp>
+                <p:nvSpPr>
+                  <p:cNvPr id="67" name="Isosceles Triangle 66">
+                    <a:extLst>
+                      <a:ext uri="{FF2B5EF4-FFF2-40B4-BE49-F238E27FC236}">
+                        <a16:creationId xmlns:a16="http://schemas.microsoft.com/office/drawing/2014/main" id="{4F0A63AA-1ADA-49DF-AE5D-F6FCD8CD90A7}"/>
+                      </a:ext>
+                    </a:extLst>
+                  </p:cNvPr>
+                  <p:cNvSpPr/>
+                  <p:nvPr/>
+                </p:nvSpPr>
+                <p:spPr>
+                  <a:xfrm rot="5400000">
+                    <a:off x="8414544" y="3473400"/>
+                    <a:ext cx="324000" cy="216000"/>
+                  </a:xfrm>
+                  <a:prstGeom prst="triangle">
+                    <a:avLst/>
+                  </a:prstGeom>
+                  <a:ln w="19050"/>
+                </p:spPr>
+                <p:style>
+                  <a:lnRef idx="2">
+                    <a:schemeClr val="accent6">
+                      <a:shade val="50000"/>
+                    </a:schemeClr>
+                  </a:lnRef>
+                  <a:fillRef idx="1">
+                    <a:schemeClr val="accent6"/>
+                  </a:fillRef>
+                  <a:effectRef idx="0">
+                    <a:schemeClr val="accent6"/>
+                  </a:effectRef>
+                  <a:fontRef idx="minor">
+                    <a:schemeClr val="lt1"/>
+                  </a:fontRef>
+                </p:style>
+                <p:txBody>
+                  <a:bodyPr rtlCol="0" anchor="ctr"/>
+                  <a:lstStyle/>
+                  <a:p>
+                    <a:pPr algn="ctr"/>
+                    <a:endParaRPr lang="en-US"/>
+                  </a:p>
+                </p:txBody>
+              </p:sp>
+            </p:grpSp>
+            <p:sp>
+              <p:nvSpPr>
+                <p:cNvPr id="95" name="TextBox 94">
+                  <a:extLst>
+                    <a:ext uri="{FF2B5EF4-FFF2-40B4-BE49-F238E27FC236}">
+                      <a16:creationId xmlns:a16="http://schemas.microsoft.com/office/drawing/2014/main" id="{128B291C-B9FB-4C22-B045-F8A85B7253A1}"/>
+                    </a:ext>
+                  </a:extLst>
+                </p:cNvPr>
+                <p:cNvSpPr txBox="1"/>
+                <p:nvPr/>
+              </p:nvSpPr>
+              <p:spPr>
+                <a:xfrm>
+                  <a:off x="3923293" y="5653131"/>
+                  <a:ext cx="6750455" cy="369332"/>
+                </a:xfrm>
+                <a:prstGeom prst="rect">
+                  <a:avLst/>
+                </a:prstGeom>
+                <a:noFill/>
+              </p:spPr>
+              <p:txBody>
+                <a:bodyPr wrap="square" rtlCol="0">
+                  <a:spAutoFit/>
+                </a:bodyPr>
+                <a:lstStyle/>
+                <a:p>
+                  <a:pPr algn="ctr"/>
+                  <a:r>
+                    <a:rPr lang="en-US" dirty="0"/>
+                    <a:t>Who am I?</a:t>
+                  </a:r>
+                </a:p>
+              </p:txBody>
+            </p:sp>
+          </p:grpSp>
+          <p:grpSp>
+            <p:nvGrpSpPr>
+              <p:cNvPr id="102" name="Group 101">
+                <a:extLst>
+                  <a:ext uri="{FF2B5EF4-FFF2-40B4-BE49-F238E27FC236}">
+                    <a16:creationId xmlns:a16="http://schemas.microsoft.com/office/drawing/2014/main" id="{3FC18AC7-14F7-4755-ACE7-408A0F047644}"/>
+                  </a:ext>
+                </a:extLst>
+              </p:cNvPr>
+              <p:cNvGrpSpPr/>
+              <p:nvPr/>
+            </p:nvGrpSpPr>
+            <p:grpSpPr>
+              <a:xfrm>
+                <a:off x="3688555" y="6024134"/>
+                <a:ext cx="7209647" cy="536064"/>
+                <a:chOff x="3688555" y="6133191"/>
+                <a:chExt cx="7209647" cy="536064"/>
+              </a:xfrm>
+            </p:grpSpPr>
+            <p:grpSp>
+              <p:nvGrpSpPr>
+                <p:cNvPr id="55" name="Group 54">
+                  <a:extLst>
+                    <a:ext uri="{FF2B5EF4-FFF2-40B4-BE49-F238E27FC236}">
+                      <a16:creationId xmlns:a16="http://schemas.microsoft.com/office/drawing/2014/main" id="{57637674-899C-4387-8EA8-CE0E89AD30A1}"/>
+                    </a:ext>
+                  </a:extLst>
+                </p:cNvPr>
+                <p:cNvGrpSpPr/>
+                <p:nvPr/>
+              </p:nvGrpSpPr>
+              <p:grpSpPr>
+                <a:xfrm>
+                  <a:off x="3688555" y="6345255"/>
+                  <a:ext cx="7209647" cy="324000"/>
+                  <a:chOff x="1475900" y="3419400"/>
+                  <a:chExt cx="7209647" cy="324000"/>
+                </a:xfrm>
+              </p:grpSpPr>
+              <p:cxnSp>
+                <p:nvCxnSpPr>
+                  <p:cNvPr id="53" name="Straight Arrow Connector 52">
+                    <a:extLst>
+                      <a:ext uri="{FF2B5EF4-FFF2-40B4-BE49-F238E27FC236}">
+                        <a16:creationId xmlns:a16="http://schemas.microsoft.com/office/drawing/2014/main" id="{2E4AD548-1523-4D24-A635-27DD9FB696CB}"/>
+                      </a:ext>
+                    </a:extLst>
+                  </p:cNvPr>
+                  <p:cNvCxnSpPr>
+                    <a:cxnSpLocks/>
+                  </p:cNvCxnSpPr>
+                  <p:nvPr/>
+                </p:nvCxnSpPr>
+                <p:spPr>
+                  <a:xfrm>
+                    <a:off x="1475900" y="3581400"/>
+                    <a:ext cx="7209647" cy="0"/>
+                  </a:xfrm>
+                  <a:prstGeom prst="straightConnector1">
+                    <a:avLst/>
+                  </a:prstGeom>
+                  <a:ln>
+                    <a:headEnd type="none" w="med" len="med"/>
+                    <a:tailEnd type="triangle" w="lg" len="lg"/>
+                  </a:ln>
+                </p:spPr>
+                <p:style>
+                  <a:lnRef idx="3">
+                    <a:schemeClr val="accent2"/>
+                  </a:lnRef>
+                  <a:fillRef idx="0">
+                    <a:schemeClr val="accent2"/>
+                  </a:fillRef>
+                  <a:effectRef idx="2">
+                    <a:schemeClr val="accent2"/>
+                  </a:effectRef>
+                  <a:fontRef idx="minor">
+                    <a:schemeClr val="tx1"/>
+                  </a:fontRef>
+                </p:style>
+              </p:cxnSp>
+              <p:sp>
+                <p:nvSpPr>
+                  <p:cNvPr id="54" name="Isosceles Triangle 53">
+                    <a:extLst>
+                      <a:ext uri="{FF2B5EF4-FFF2-40B4-BE49-F238E27FC236}">
+                        <a16:creationId xmlns:a16="http://schemas.microsoft.com/office/drawing/2014/main" id="{E6D6AFF1-E6D7-4DD9-A078-80CADB7BA272}"/>
+                      </a:ext>
+                    </a:extLst>
+                  </p:cNvPr>
+                  <p:cNvSpPr/>
+                  <p:nvPr/>
+                </p:nvSpPr>
+                <p:spPr>
+                  <a:xfrm rot="5400000">
+                    <a:off x="8414544" y="3473400"/>
+                    <a:ext cx="324000" cy="216000"/>
+                  </a:xfrm>
+                  <a:prstGeom prst="triangle">
+                    <a:avLst/>
+                  </a:prstGeom>
+                  <a:ln w="19050"/>
+                </p:spPr>
+                <p:style>
+                  <a:lnRef idx="2">
+                    <a:schemeClr val="accent2">
+                      <a:shade val="50000"/>
+                    </a:schemeClr>
+                  </a:lnRef>
+                  <a:fillRef idx="1">
+                    <a:schemeClr val="accent2"/>
+                  </a:fillRef>
+                  <a:effectRef idx="0">
+                    <a:schemeClr val="accent2"/>
+                  </a:effectRef>
+                  <a:fontRef idx="minor">
+                    <a:schemeClr val="lt1"/>
+                  </a:fontRef>
+                </p:style>
+                <p:txBody>
+                  <a:bodyPr rtlCol="0" anchor="ctr"/>
+                  <a:lstStyle/>
+                  <a:p>
+                    <a:pPr algn="ctr"/>
+                    <a:endParaRPr lang="en-US"/>
+                  </a:p>
+                </p:txBody>
+              </p:sp>
+            </p:grpSp>
+            <p:sp>
+              <p:nvSpPr>
+                <p:cNvPr id="96" name="TextBox 95">
+                  <a:extLst>
+                    <a:ext uri="{FF2B5EF4-FFF2-40B4-BE49-F238E27FC236}">
+                      <a16:creationId xmlns:a16="http://schemas.microsoft.com/office/drawing/2014/main" id="{A151D6B9-4C00-4D55-B92E-24B84FD5CBB9}"/>
+                    </a:ext>
+                  </a:extLst>
+                </p:cNvPr>
+                <p:cNvSpPr txBox="1"/>
+                <p:nvPr/>
+              </p:nvSpPr>
+              <p:spPr>
+                <a:xfrm>
+                  <a:off x="3923293" y="6133191"/>
+                  <a:ext cx="6750455" cy="369332"/>
+                </a:xfrm>
+                <a:prstGeom prst="rect">
+                  <a:avLst/>
+                </a:prstGeom>
+                <a:noFill/>
+              </p:spPr>
+              <p:txBody>
+                <a:bodyPr wrap="square" rtlCol="0">
+                  <a:spAutoFit/>
+                </a:bodyPr>
+                <a:lstStyle/>
+                <a:p>
+                  <a:pPr algn="ctr"/>
+                  <a:r>
+                    <a:rPr lang="en-US" dirty="0"/>
+                    <a:t>92.221.17.196:1337</a:t>
+                  </a:r>
+                </a:p>
+              </p:txBody>
+            </p:sp>
+          </p:grpSp>
+          <p:grpSp>
+            <p:nvGrpSpPr>
+              <p:cNvPr id="17" name="Group 16">
+                <a:extLst>
+                  <a:ext uri="{FF2B5EF4-FFF2-40B4-BE49-F238E27FC236}">
+                    <a16:creationId xmlns:a16="http://schemas.microsoft.com/office/drawing/2014/main" id="{18C090EA-6C76-41CB-9214-3AD8994E0477}"/>
+                  </a:ext>
+                </a:extLst>
+              </p:cNvPr>
+              <p:cNvGrpSpPr/>
+              <p:nvPr/>
+            </p:nvGrpSpPr>
+            <p:grpSpPr>
+              <a:xfrm>
+                <a:off x="1284371" y="2854144"/>
+                <a:ext cx="9610974" cy="543909"/>
+                <a:chOff x="1284371" y="3047091"/>
+                <a:chExt cx="9610974" cy="543909"/>
+              </a:xfrm>
+            </p:grpSpPr>
+            <p:grpSp>
+              <p:nvGrpSpPr>
+                <p:cNvPr id="15" name="Group 14">
+                  <a:extLst>
+                    <a:ext uri="{FF2B5EF4-FFF2-40B4-BE49-F238E27FC236}">
+                      <a16:creationId xmlns:a16="http://schemas.microsoft.com/office/drawing/2014/main" id="{229C2886-3E8C-42C6-B8FB-95B95328595B}"/>
+                    </a:ext>
+                  </a:extLst>
+                </p:cNvPr>
+                <p:cNvGrpSpPr/>
+                <p:nvPr/>
+              </p:nvGrpSpPr>
+              <p:grpSpPr>
+                <a:xfrm>
+                  <a:off x="8491035" y="3062984"/>
+                  <a:ext cx="2404310" cy="527950"/>
+                  <a:chOff x="8491035" y="3062984"/>
+                  <a:chExt cx="2404310" cy="527950"/>
+                </a:xfrm>
+              </p:grpSpPr>
+              <p:grpSp>
+                <p:nvGrpSpPr>
+                  <p:cNvPr id="41" name="Group 40">
+                    <a:extLst>
+                      <a:ext uri="{FF2B5EF4-FFF2-40B4-BE49-F238E27FC236}">
+                        <a16:creationId xmlns:a16="http://schemas.microsoft.com/office/drawing/2014/main" id="{A3B6D372-F426-4E41-98AA-3C784EC02285}"/>
+                      </a:ext>
+                    </a:extLst>
+                  </p:cNvPr>
+                  <p:cNvGrpSpPr/>
+                  <p:nvPr/>
+                </p:nvGrpSpPr>
+                <p:grpSpPr>
+                  <a:xfrm>
+                    <a:off x="8491035" y="3266934"/>
+                    <a:ext cx="2404310" cy="324000"/>
+                    <a:chOff x="1176873" y="2281139"/>
+                    <a:chExt cx="2404310" cy="324000"/>
+                  </a:xfrm>
+                </p:grpSpPr>
+                <p:cxnSp>
+                  <p:nvCxnSpPr>
+                    <p:cNvPr id="42" name="Straight Arrow Connector 41">
+                      <a:extLst>
+                        <a:ext uri="{FF2B5EF4-FFF2-40B4-BE49-F238E27FC236}">
+                          <a16:creationId xmlns:a16="http://schemas.microsoft.com/office/drawing/2014/main" id="{E1FA27A5-EBE1-438E-B7EA-11DB5C875716}"/>
+                        </a:ext>
+                      </a:extLst>
+                    </p:cNvPr>
+                    <p:cNvCxnSpPr>
+                      <a:cxnSpLocks/>
+                    </p:cNvCxnSpPr>
+                    <p:nvPr/>
+                  </p:nvCxnSpPr>
+                  <p:spPr>
+                    <a:xfrm>
+                      <a:off x="1176873" y="2443139"/>
+                      <a:ext cx="2404310" cy="0"/>
+                    </a:xfrm>
+                    <a:prstGeom prst="straightConnector1">
+                      <a:avLst/>
+                    </a:prstGeom>
+                    <a:ln w="19050">
+                      <a:headEnd type="none" w="med" len="med"/>
+                      <a:tailEnd type="triangle" w="lg" len="lg"/>
+                    </a:ln>
+                  </p:spPr>
+                  <p:style>
+                    <a:lnRef idx="3">
+                      <a:schemeClr val="accent5"/>
+                    </a:lnRef>
+                    <a:fillRef idx="0">
+                      <a:schemeClr val="accent5"/>
+                    </a:fillRef>
+                    <a:effectRef idx="2">
+                      <a:schemeClr val="accent5"/>
+                    </a:effectRef>
+                    <a:fontRef idx="minor">
+                      <a:schemeClr val="tx1"/>
+                    </a:fontRef>
+                  </p:style>
+                </p:cxnSp>
+                <p:sp>
+                  <p:nvSpPr>
+                    <p:cNvPr id="43" name="Isosceles Triangle 42">
+                      <a:extLst>
+                        <a:ext uri="{FF2B5EF4-FFF2-40B4-BE49-F238E27FC236}">
+                          <a16:creationId xmlns:a16="http://schemas.microsoft.com/office/drawing/2014/main" id="{8C73CEF5-BDCC-4BE0-9658-4D6F6CB28610}"/>
+                        </a:ext>
+                      </a:extLst>
+                    </p:cNvPr>
+                    <p:cNvSpPr/>
+                    <p:nvPr/>
+                  </p:nvSpPr>
+                  <p:spPr>
+                    <a:xfrm rot="5400000">
+                      <a:off x="3310180" y="2335139"/>
+                      <a:ext cx="324000" cy="216000"/>
+                    </a:xfrm>
+                    <a:prstGeom prst="triangle">
+                      <a:avLst/>
+                    </a:prstGeom>
+                  </p:spPr>
+                  <p:style>
+                    <a:lnRef idx="2">
+                      <a:schemeClr val="accent5">
+                        <a:shade val="50000"/>
+                      </a:schemeClr>
+                    </a:lnRef>
+                    <a:fillRef idx="1">
+                      <a:schemeClr val="accent5"/>
+                    </a:fillRef>
+                    <a:effectRef idx="0">
+                      <a:schemeClr val="accent5"/>
+                    </a:effectRef>
+                    <a:fontRef idx="minor">
+                      <a:schemeClr val="lt1"/>
+                    </a:fontRef>
+                  </p:style>
+                  <p:txBody>
+                    <a:bodyPr rtlCol="0" anchor="ctr"/>
+                    <a:lstStyle/>
+                    <a:p>
+                      <a:pPr algn="ctr"/>
+                      <a:endParaRPr lang="en-US" dirty="0"/>
+                    </a:p>
+                  </p:txBody>
+                </p:sp>
+              </p:grpSp>
+              <p:sp>
+                <p:nvSpPr>
+                  <p:cNvPr id="83" name="TextBox 82">
+                    <a:extLst>
+                      <a:ext uri="{FF2B5EF4-FFF2-40B4-BE49-F238E27FC236}">
+                        <a16:creationId xmlns:a16="http://schemas.microsoft.com/office/drawing/2014/main" id="{13059746-A700-47AA-9435-08C2CA7741D3}"/>
+                      </a:ext>
+                    </a:extLst>
+                  </p:cNvPr>
+                  <p:cNvSpPr txBox="1"/>
+                  <p:nvPr/>
+                </p:nvSpPr>
+                <p:spPr>
+                  <a:xfrm>
+                    <a:off x="8723158" y="3062984"/>
+                    <a:ext cx="1940064" cy="369332"/>
+                  </a:xfrm>
+                  <a:prstGeom prst="rect">
+                    <a:avLst/>
+                  </a:prstGeom>
+                  <a:noFill/>
+                </p:spPr>
+                <p:txBody>
+                  <a:bodyPr wrap="square" rtlCol="0">
+                    <a:spAutoFit/>
+                  </a:bodyPr>
+                  <a:lstStyle/>
+                  <a:p>
+                    <a:pPr algn="ctr"/>
+                    <a:r>
+                      <a:rPr lang="en-US" dirty="0"/>
+                      <a:t>Offer SDP</a:t>
+                    </a:r>
+                  </a:p>
+                </p:txBody>
+              </p:sp>
+            </p:grpSp>
+            <p:grpSp>
+              <p:nvGrpSpPr>
+                <p:cNvPr id="13" name="Group 12">
+                  <a:extLst>
+                    <a:ext uri="{FF2B5EF4-FFF2-40B4-BE49-F238E27FC236}">
+                      <a16:creationId xmlns:a16="http://schemas.microsoft.com/office/drawing/2014/main" id="{F9D6C1C8-D5F1-4E6A-B042-73F4B05B07A7}"/>
+                    </a:ext>
+                  </a:extLst>
+                </p:cNvPr>
+                <p:cNvGrpSpPr/>
+                <p:nvPr/>
+              </p:nvGrpSpPr>
+              <p:grpSpPr>
+                <a:xfrm>
+                  <a:off x="1284371" y="3047091"/>
+                  <a:ext cx="7208969" cy="543909"/>
+                  <a:chOff x="1284371" y="3047091"/>
+                  <a:chExt cx="7208969" cy="543909"/>
+                </a:xfrm>
+              </p:grpSpPr>
+              <p:cxnSp>
+                <p:nvCxnSpPr>
+                  <p:cNvPr id="50" name="Straight Arrow Connector 49">
+                    <a:extLst>
+                      <a:ext uri="{FF2B5EF4-FFF2-40B4-BE49-F238E27FC236}">
+                        <a16:creationId xmlns:a16="http://schemas.microsoft.com/office/drawing/2014/main" id="{6C54735B-1F9D-4B8E-B1A9-DFFB784B7E76}"/>
+                      </a:ext>
+                    </a:extLst>
+                  </p:cNvPr>
+                  <p:cNvCxnSpPr>
+                    <a:cxnSpLocks/>
+                  </p:cNvCxnSpPr>
+                  <p:nvPr/>
+                </p:nvCxnSpPr>
+                <p:spPr>
+                  <a:xfrm>
+                    <a:off x="1284371" y="3429000"/>
+                    <a:ext cx="7208969" cy="0"/>
+                  </a:xfrm>
+                  <a:prstGeom prst="straightConnector1">
+                    <a:avLst/>
+                  </a:prstGeom>
+                  <a:ln>
+                    <a:headEnd type="none" w="med" len="med"/>
+                    <a:tailEnd type="triangle" w="lg" len="lg"/>
+                  </a:ln>
+                </p:spPr>
+                <p:style>
+                  <a:lnRef idx="3">
+                    <a:schemeClr val="accent6"/>
+                  </a:lnRef>
+                  <a:fillRef idx="0">
+                    <a:schemeClr val="accent6"/>
+                  </a:fillRef>
+                  <a:effectRef idx="2">
+                    <a:schemeClr val="accent6"/>
+                  </a:effectRef>
+                  <a:fontRef idx="minor">
+                    <a:schemeClr val="tx1"/>
+                  </a:fontRef>
+                </p:style>
+              </p:cxnSp>
+              <p:sp>
+                <p:nvSpPr>
+                  <p:cNvPr id="85" name="TextBox 84">
+                    <a:extLst>
+                      <a:ext uri="{FF2B5EF4-FFF2-40B4-BE49-F238E27FC236}">
+                        <a16:creationId xmlns:a16="http://schemas.microsoft.com/office/drawing/2014/main" id="{AA1F4CBF-E2F6-42D9-AEB1-9B88A9550336}"/>
+                      </a:ext>
+                    </a:extLst>
+                  </p:cNvPr>
+                  <p:cNvSpPr txBox="1"/>
+                  <p:nvPr/>
+                </p:nvSpPr>
+                <p:spPr>
+                  <a:xfrm>
+                    <a:off x="1507753" y="3047091"/>
+                    <a:ext cx="6750455" cy="369332"/>
+                  </a:xfrm>
+                  <a:prstGeom prst="rect">
+                    <a:avLst/>
+                  </a:prstGeom>
+                  <a:noFill/>
+                </p:spPr>
+                <p:txBody>
+                  <a:bodyPr wrap="square" rtlCol="0">
+                    <a:spAutoFit/>
+                  </a:bodyPr>
+                  <a:lstStyle/>
+                  <a:p>
+                    <a:pPr algn="ctr"/>
+                    <a:r>
+                      <a:rPr lang="en-US" dirty="0"/>
+                      <a:t>Offer SDP</a:t>
+                    </a:r>
+                  </a:p>
+                </p:txBody>
+              </p:sp>
+              <p:sp>
+                <p:nvSpPr>
+                  <p:cNvPr id="51" name="Isosceles Triangle 50">
+                    <a:extLst>
+                      <a:ext uri="{FF2B5EF4-FFF2-40B4-BE49-F238E27FC236}">
+                        <a16:creationId xmlns:a16="http://schemas.microsoft.com/office/drawing/2014/main" id="{D75BB5BD-2950-40F5-9232-E5F916278913}"/>
+                      </a:ext>
+                    </a:extLst>
+                  </p:cNvPr>
+                  <p:cNvSpPr/>
+                  <p:nvPr/>
+                </p:nvSpPr>
+                <p:spPr>
+                  <a:xfrm rot="5400000">
+                    <a:off x="8222839" y="3321000"/>
+                    <a:ext cx="324000" cy="216000"/>
+                  </a:xfrm>
+                  <a:prstGeom prst="triangle">
+                    <a:avLst/>
+                  </a:prstGeom>
+                  <a:ln w="19050"/>
+                </p:spPr>
+                <p:style>
+                  <a:lnRef idx="2">
+                    <a:schemeClr val="accent6">
+                      <a:shade val="50000"/>
+                    </a:schemeClr>
+                  </a:lnRef>
+                  <a:fillRef idx="1">
+                    <a:schemeClr val="accent6"/>
+                  </a:fillRef>
+                  <a:effectRef idx="0">
+                    <a:schemeClr val="accent6"/>
+                  </a:effectRef>
+                  <a:fontRef idx="minor">
+                    <a:schemeClr val="lt1"/>
+                  </a:fontRef>
+                </p:style>
+                <p:txBody>
+                  <a:bodyPr rtlCol="0" anchor="ctr"/>
+                  <a:lstStyle/>
+                  <a:p>
+                    <a:pPr algn="ctr"/>
+                    <a:endParaRPr lang="en-US"/>
+                  </a:p>
+                </p:txBody>
+              </p:sp>
+            </p:grpSp>
+          </p:grpSp>
+        </p:grpSp>
       </p:grpSp>
-      <p:cxnSp>
-        <p:nvCxnSpPr>
-          <p:cNvPr id="50" name="Straight Arrow Connector 49">
-            <a:extLst>
-              <a:ext uri="{FF2B5EF4-FFF2-40B4-BE49-F238E27FC236}">
-                <a16:creationId xmlns:a16="http://schemas.microsoft.com/office/drawing/2014/main" id="{6C54735B-1F9D-4B8E-B1A9-DFFB784B7E76}"/>
-              </a:ext>
-            </a:extLst>
-          </p:cNvPr>
-          <p:cNvCxnSpPr>
-            <a:cxnSpLocks/>
-          </p:cNvCxnSpPr>
-          <p:nvPr/>
-        </p:nvCxnSpPr>
-        <p:spPr>
-          <a:xfrm>
-            <a:off x="1242809" y="3429000"/>
-            <a:ext cx="7250531" cy="0"/>
-          </a:xfrm>
-          <a:prstGeom prst="straightConnector1">
-            <a:avLst/>
-          </a:prstGeom>
-          <a:ln w="19050">
-            <a:headEnd type="none" w="med" len="med"/>
-            <a:tailEnd type="triangle" w="lg" len="lg"/>
-          </a:ln>
-        </p:spPr>
-        <p:style>
-          <a:lnRef idx="2">
-            <a:schemeClr val="accent6">
-              <a:shade val="50000"/>
-            </a:schemeClr>
-          </a:lnRef>
-          <a:fillRef idx="1">
-            <a:schemeClr val="accent6"/>
-          </a:fillRef>
-          <a:effectRef idx="0">
-            <a:schemeClr val="accent6"/>
-          </a:effectRef>
-          <a:fontRef idx="minor">
-            <a:schemeClr val="lt1"/>
-          </a:fontRef>
-        </p:style>
-      </p:cxnSp>
-      <p:sp>
-        <p:nvSpPr>
-          <p:cNvPr id="83" name="TextBox 82">
-            <a:extLst>
-              <a:ext uri="{FF2B5EF4-FFF2-40B4-BE49-F238E27FC236}">
-                <a16:creationId xmlns:a16="http://schemas.microsoft.com/office/drawing/2014/main" id="{13059746-A700-47AA-9435-08C2CA7741D3}"/>
-              </a:ext>
-            </a:extLst>
-          </p:cNvPr>
-          <p:cNvSpPr txBox="1"/>
-          <p:nvPr/>
-        </p:nvSpPr>
-        <p:spPr>
-          <a:xfrm>
-            <a:off x="8723158" y="3062984"/>
-            <a:ext cx="1940064" cy="369332"/>
-          </a:xfrm>
-          <a:prstGeom prst="rect">
-            <a:avLst/>
-          </a:prstGeom>
-          <a:noFill/>
-        </p:spPr>
-        <p:txBody>
-          <a:bodyPr wrap="square" rtlCol="0">
-            <a:spAutoFit/>
-          </a:bodyPr>
-          <a:lstStyle/>
-          <a:p>
-            <a:pPr algn="ctr"/>
-            <a:r>
-              <a:rPr lang="en-US" dirty="0"/>
-              <a:t>Offer SDP</a:t>
-            </a:r>
-          </a:p>
-        </p:txBody>
-      </p:sp>
-      <p:sp>
-        <p:nvSpPr>
-          <p:cNvPr id="85" name="TextBox 84">
-            <a:extLst>
-              <a:ext uri="{FF2B5EF4-FFF2-40B4-BE49-F238E27FC236}">
-                <a16:creationId xmlns:a16="http://schemas.microsoft.com/office/drawing/2014/main" id="{AA1F4CBF-E2F6-42D9-AEB1-9B88A9550336}"/>
-              </a:ext>
-            </a:extLst>
-          </p:cNvPr>
-          <p:cNvSpPr txBox="1"/>
-          <p:nvPr/>
-        </p:nvSpPr>
-        <p:spPr>
-          <a:xfrm>
-            <a:off x="1507753" y="3047091"/>
-            <a:ext cx="6750455" cy="369332"/>
-          </a:xfrm>
-          <a:prstGeom prst="rect">
-            <a:avLst/>
-          </a:prstGeom>
-          <a:noFill/>
-        </p:spPr>
-        <p:txBody>
-          <a:bodyPr wrap="square" rtlCol="0">
-            <a:spAutoFit/>
-          </a:bodyPr>
-          <a:lstStyle/>
-          <a:p>
-            <a:pPr algn="ctr"/>
-            <a:r>
-              <a:rPr lang="en-US" dirty="0"/>
-              <a:t>Offer SDP</a:t>
-            </a:r>
-          </a:p>
-        </p:txBody>
-      </p:sp>
-      <p:sp>
-        <p:nvSpPr>
-          <p:cNvPr id="51" name="Isosceles Triangle 50">
-            <a:extLst>
-              <a:ext uri="{FF2B5EF4-FFF2-40B4-BE49-F238E27FC236}">
-                <a16:creationId xmlns:a16="http://schemas.microsoft.com/office/drawing/2014/main" id="{D75BB5BD-2950-40F5-9232-E5F916278913}"/>
-              </a:ext>
-            </a:extLst>
-          </p:cNvPr>
-          <p:cNvSpPr/>
-          <p:nvPr/>
-        </p:nvSpPr>
-        <p:spPr>
-          <a:xfrm rot="5400000">
-            <a:off x="8222839" y="3321000"/>
-            <a:ext cx="324000" cy="216000"/>
-          </a:xfrm>
-          <a:prstGeom prst="triangle">
-            <a:avLst/>
-          </a:prstGeom>
-          <a:ln w="19050"/>
-        </p:spPr>
-        <p:style>
-          <a:lnRef idx="2">
-            <a:schemeClr val="accent6">
-              <a:shade val="50000"/>
-            </a:schemeClr>
-          </a:lnRef>
-          <a:fillRef idx="1">
-            <a:schemeClr val="accent6"/>
-          </a:fillRef>
-          <a:effectRef idx="0">
-            <a:schemeClr val="accent6"/>
-          </a:effectRef>
-          <a:fontRef idx="minor">
-            <a:schemeClr val="lt1"/>
-          </a:fontRef>
-        </p:style>
-        <p:txBody>
-          <a:bodyPr rtlCol="0" anchor="ctr"/>
-          <a:lstStyle/>
-          <a:p>
-            <a:pPr algn="ctr"/>
-            <a:endParaRPr lang="en-US"/>
-          </a:p>
-        </p:txBody>
-      </p:sp>
     </p:spTree>
     <p:extLst>
       <p:ext uri="{BB962C8B-B14F-4D97-AF65-F5344CB8AC3E}">

--- a/WIP.pptx
+++ b/WIP.pptx
@@ -279,7 +279,7 @@
           <a:p>
             <a:fld id="{4BB03E3C-822E-4593-9A6A-EC9CF8479CCC}" type="datetimeFigureOut">
               <a:rPr lang="en-US" smtClean="0"/>
-              <a:t>5/20/2021</a:t>
+              <a:t>5/24/2021</a:t>
             </a:fld>
             <a:endParaRPr lang="en-US"/>
           </a:p>
@@ -477,7 +477,7 @@
           <a:p>
             <a:fld id="{4BB03E3C-822E-4593-9A6A-EC9CF8479CCC}" type="datetimeFigureOut">
               <a:rPr lang="en-US" smtClean="0"/>
-              <a:t>5/20/2021</a:t>
+              <a:t>5/24/2021</a:t>
             </a:fld>
             <a:endParaRPr lang="en-US"/>
           </a:p>
@@ -685,7 +685,7 @@
           <a:p>
             <a:fld id="{4BB03E3C-822E-4593-9A6A-EC9CF8479CCC}" type="datetimeFigureOut">
               <a:rPr lang="en-US" smtClean="0"/>
-              <a:t>5/20/2021</a:t>
+              <a:t>5/24/2021</a:t>
             </a:fld>
             <a:endParaRPr lang="en-US"/>
           </a:p>
@@ -883,7 +883,7 @@
           <a:p>
             <a:fld id="{4BB03E3C-822E-4593-9A6A-EC9CF8479CCC}" type="datetimeFigureOut">
               <a:rPr lang="en-US" smtClean="0"/>
-              <a:t>5/20/2021</a:t>
+              <a:t>5/24/2021</a:t>
             </a:fld>
             <a:endParaRPr lang="en-US"/>
           </a:p>
@@ -1158,7 +1158,7 @@
           <a:p>
             <a:fld id="{4BB03E3C-822E-4593-9A6A-EC9CF8479CCC}" type="datetimeFigureOut">
               <a:rPr lang="en-US" smtClean="0"/>
-              <a:t>5/20/2021</a:t>
+              <a:t>5/24/2021</a:t>
             </a:fld>
             <a:endParaRPr lang="en-US"/>
           </a:p>
@@ -1423,7 +1423,7 @@
           <a:p>
             <a:fld id="{4BB03E3C-822E-4593-9A6A-EC9CF8479CCC}" type="datetimeFigureOut">
               <a:rPr lang="en-US" smtClean="0"/>
-              <a:t>5/20/2021</a:t>
+              <a:t>5/24/2021</a:t>
             </a:fld>
             <a:endParaRPr lang="en-US"/>
           </a:p>
@@ -1835,7 +1835,7 @@
           <a:p>
             <a:fld id="{4BB03E3C-822E-4593-9A6A-EC9CF8479CCC}" type="datetimeFigureOut">
               <a:rPr lang="en-US" smtClean="0"/>
-              <a:t>5/20/2021</a:t>
+              <a:t>5/24/2021</a:t>
             </a:fld>
             <a:endParaRPr lang="en-US"/>
           </a:p>
@@ -1976,7 +1976,7 @@
           <a:p>
             <a:fld id="{4BB03E3C-822E-4593-9A6A-EC9CF8479CCC}" type="datetimeFigureOut">
               <a:rPr lang="en-US" smtClean="0"/>
-              <a:t>5/20/2021</a:t>
+              <a:t>5/24/2021</a:t>
             </a:fld>
             <a:endParaRPr lang="en-US"/>
           </a:p>
@@ -2089,7 +2089,7 @@
           <a:p>
             <a:fld id="{4BB03E3C-822E-4593-9A6A-EC9CF8479CCC}" type="datetimeFigureOut">
               <a:rPr lang="en-US" smtClean="0"/>
-              <a:t>5/20/2021</a:t>
+              <a:t>5/24/2021</a:t>
             </a:fld>
             <a:endParaRPr lang="en-US"/>
           </a:p>
@@ -2400,7 +2400,7 @@
           <a:p>
             <a:fld id="{4BB03E3C-822E-4593-9A6A-EC9CF8479CCC}" type="datetimeFigureOut">
               <a:rPr lang="en-US" smtClean="0"/>
-              <a:t>5/20/2021</a:t>
+              <a:t>5/24/2021</a:t>
             </a:fld>
             <a:endParaRPr lang="en-US"/>
           </a:p>
@@ -2688,7 +2688,7 @@
           <a:p>
             <a:fld id="{4BB03E3C-822E-4593-9A6A-EC9CF8479CCC}" type="datetimeFigureOut">
               <a:rPr lang="en-US" smtClean="0"/>
-              <a:t>5/20/2021</a:t>
+              <a:t>5/24/2021</a:t>
             </a:fld>
             <a:endParaRPr lang="en-US"/>
           </a:p>
@@ -2929,7 +2929,7 @@
           <a:p>
             <a:fld id="{4BB03E3C-822E-4593-9A6A-EC9CF8479CCC}" type="datetimeFigureOut">
               <a:rPr lang="en-US" smtClean="0"/>
-              <a:t>5/20/2021</a:t>
+              <a:t>5/24/2021</a:t>
             </a:fld>
             <a:endParaRPr lang="en-US"/>
           </a:p>
@@ -4761,10 +4761,10 @@
       </p:grpSpPr>
       <p:grpSp>
         <p:nvGrpSpPr>
-          <p:cNvPr id="104" name="Group 103">
-            <a:extLst>
-              <a:ext uri="{FF2B5EF4-FFF2-40B4-BE49-F238E27FC236}">
-                <a16:creationId xmlns:a16="http://schemas.microsoft.com/office/drawing/2014/main" id="{AA4A6022-5E5B-4275-B1FD-B75D7C32F7C2}"/>
+          <p:cNvPr id="2" name="Group 1">
+            <a:extLst>
+              <a:ext uri="{FF2B5EF4-FFF2-40B4-BE49-F238E27FC236}">
+                <a16:creationId xmlns:a16="http://schemas.microsoft.com/office/drawing/2014/main" id="{CF0BE96D-F69B-4296-B699-878341313BD1}"/>
               </a:ext>
             </a:extLst>
           </p:cNvPr>
@@ -4831,12 +4831,386 @@
             </a:p>
           </p:txBody>
         </p:sp>
+        <p:sp>
+          <p:nvSpPr>
+            <p:cNvPr id="6" name="Rectangle: Rounded Corners 5">
+              <a:extLst>
+                <a:ext uri="{FF2B5EF4-FFF2-40B4-BE49-F238E27FC236}">
+                  <a16:creationId xmlns:a16="http://schemas.microsoft.com/office/drawing/2014/main" id="{355B6EB2-3A74-448B-9DF4-A2F087106AF4}"/>
+                </a:ext>
+              </a:extLst>
+            </p:cNvPr>
+            <p:cNvSpPr/>
+            <p:nvPr/>
+          </p:nvSpPr>
+          <p:spPr>
+            <a:xfrm>
+              <a:off x="210553" y="114795"/>
+              <a:ext cx="2149642" cy="694648"/>
+            </a:xfrm>
+            <a:prstGeom prst="roundRect">
+              <a:avLst/>
+            </a:prstGeom>
+            <a:ln w="19050"/>
+          </p:spPr>
+          <p:style>
+            <a:lnRef idx="2">
+              <a:schemeClr val="accent6"/>
+            </a:lnRef>
+            <a:fillRef idx="1">
+              <a:schemeClr val="lt1"/>
+            </a:fillRef>
+            <a:effectRef idx="0">
+              <a:schemeClr val="accent6"/>
+            </a:effectRef>
+            <a:fontRef idx="minor">
+              <a:schemeClr val="dk1"/>
+            </a:fontRef>
+          </p:style>
+          <p:txBody>
+            <a:bodyPr rtlCol="0" anchor="ctr"/>
+            <a:lstStyle/>
+            <a:p>
+              <a:pPr algn="ctr"/>
+              <a:r>
+                <a:rPr lang="en-US" dirty="0"/>
+                <a:t>Replica 1</a:t>
+              </a:r>
+            </a:p>
+          </p:txBody>
+        </p:sp>
+        <p:sp>
+          <p:nvSpPr>
+            <p:cNvPr id="7" name="Rectangle: Rounded Corners 6">
+              <a:extLst>
+                <a:ext uri="{FF2B5EF4-FFF2-40B4-BE49-F238E27FC236}">
+                  <a16:creationId xmlns:a16="http://schemas.microsoft.com/office/drawing/2014/main" id="{887C0E90-8790-4013-8766-7C3125698B81}"/>
+                </a:ext>
+              </a:extLst>
+            </p:cNvPr>
+            <p:cNvSpPr/>
+            <p:nvPr/>
+          </p:nvSpPr>
+          <p:spPr>
+            <a:xfrm>
+              <a:off x="2615866" y="114795"/>
+              <a:ext cx="2149642" cy="694648"/>
+            </a:xfrm>
+            <a:prstGeom prst="roundRect">
+              <a:avLst/>
+            </a:prstGeom>
+            <a:ln w="19050"/>
+          </p:spPr>
+          <p:style>
+            <a:lnRef idx="2">
+              <a:schemeClr val="accent2"/>
+            </a:lnRef>
+            <a:fillRef idx="1">
+              <a:schemeClr val="lt1"/>
+            </a:fillRef>
+            <a:effectRef idx="0">
+              <a:schemeClr val="accent2"/>
+            </a:effectRef>
+            <a:fontRef idx="minor">
+              <a:schemeClr val="dk1"/>
+            </a:fontRef>
+          </p:style>
+          <p:txBody>
+            <a:bodyPr rtlCol="0" anchor="ctr"/>
+            <a:lstStyle/>
+            <a:p>
+              <a:pPr algn="ctr"/>
+              <a:r>
+                <a:rPr lang="en-US" dirty="0"/>
+                <a:t>STUN</a:t>
+              </a:r>
+            </a:p>
+          </p:txBody>
+        </p:sp>
+        <p:sp>
+          <p:nvSpPr>
+            <p:cNvPr id="9" name="Rectangle: Rounded Corners 8">
+              <a:extLst>
+                <a:ext uri="{FF2B5EF4-FFF2-40B4-BE49-F238E27FC236}">
+                  <a16:creationId xmlns:a16="http://schemas.microsoft.com/office/drawing/2014/main" id="{D6C865C0-9C0E-4D1D-BF19-9E6936ADECF1}"/>
+                </a:ext>
+              </a:extLst>
+            </p:cNvPr>
+            <p:cNvSpPr/>
+            <p:nvPr/>
+          </p:nvSpPr>
+          <p:spPr>
+            <a:xfrm>
+              <a:off x="7426492" y="114794"/>
+              <a:ext cx="2149642" cy="694648"/>
+            </a:xfrm>
+            <a:prstGeom prst="roundRect">
+              <a:avLst/>
+            </a:prstGeom>
+            <a:ln w="19050"/>
+          </p:spPr>
+          <p:style>
+            <a:lnRef idx="2">
+              <a:schemeClr val="accent5"/>
+            </a:lnRef>
+            <a:fillRef idx="1">
+              <a:schemeClr val="lt1"/>
+            </a:fillRef>
+            <a:effectRef idx="0">
+              <a:schemeClr val="accent5"/>
+            </a:effectRef>
+            <a:fontRef idx="minor">
+              <a:schemeClr val="dk1"/>
+            </a:fontRef>
+          </p:style>
+          <p:txBody>
+            <a:bodyPr rtlCol="0" anchor="ctr"/>
+            <a:lstStyle/>
+            <a:p>
+              <a:pPr algn="ctr"/>
+              <a:r>
+                <a:rPr lang="en-US" dirty="0" err="1"/>
+                <a:t>Websocket</a:t>
+              </a:r>
+              <a:r>
+                <a:rPr lang="en-US" dirty="0"/>
+                <a:t> Server</a:t>
+              </a:r>
+            </a:p>
+          </p:txBody>
+        </p:sp>
+        <p:sp>
+          <p:nvSpPr>
+            <p:cNvPr id="10" name="Rectangle: Rounded Corners 9">
+              <a:extLst>
+                <a:ext uri="{FF2B5EF4-FFF2-40B4-BE49-F238E27FC236}">
+                  <a16:creationId xmlns:a16="http://schemas.microsoft.com/office/drawing/2014/main" id="{1CFC2779-F491-454D-A313-29CDE64ABF00}"/>
+                </a:ext>
+              </a:extLst>
+            </p:cNvPr>
+            <p:cNvSpPr/>
+            <p:nvPr/>
+          </p:nvSpPr>
+          <p:spPr>
+            <a:xfrm>
+              <a:off x="9831805" y="114794"/>
+              <a:ext cx="2149642" cy="694648"/>
+            </a:xfrm>
+            <a:prstGeom prst="roundRect">
+              <a:avLst/>
+            </a:prstGeom>
+            <a:ln w="19050"/>
+          </p:spPr>
+          <p:style>
+            <a:lnRef idx="2">
+              <a:schemeClr val="accent6"/>
+            </a:lnRef>
+            <a:fillRef idx="1">
+              <a:schemeClr val="lt1"/>
+            </a:fillRef>
+            <a:effectRef idx="0">
+              <a:schemeClr val="accent6"/>
+            </a:effectRef>
+            <a:fontRef idx="minor">
+              <a:schemeClr val="dk1"/>
+            </a:fontRef>
+          </p:style>
+          <p:txBody>
+            <a:bodyPr rtlCol="0" anchor="ctr"/>
+            <a:lstStyle/>
+            <a:p>
+              <a:pPr algn="ctr"/>
+              <a:r>
+                <a:rPr lang="en-US" dirty="0"/>
+                <a:t>Replica 2</a:t>
+              </a:r>
+            </a:p>
+          </p:txBody>
+        </p:sp>
+        <p:cxnSp>
+          <p:nvCxnSpPr>
+            <p:cNvPr id="12" name="Straight Connector 11">
+              <a:extLst>
+                <a:ext uri="{FF2B5EF4-FFF2-40B4-BE49-F238E27FC236}">
+                  <a16:creationId xmlns:a16="http://schemas.microsoft.com/office/drawing/2014/main" id="{AA507EA9-8A18-4C3A-898A-F5D18881C6E9}"/>
+                </a:ext>
+              </a:extLst>
+            </p:cNvPr>
+            <p:cNvCxnSpPr>
+              <a:cxnSpLocks/>
+              <a:stCxn id="6" idx="2"/>
+            </p:cNvCxnSpPr>
+            <p:nvPr/>
+          </p:nvCxnSpPr>
+          <p:spPr>
+            <a:xfrm>
+              <a:off x="1285374" y="809443"/>
+              <a:ext cx="0" cy="5922722"/>
+            </a:xfrm>
+            <a:prstGeom prst="line">
+              <a:avLst/>
+            </a:prstGeom>
+            <a:ln w="19050">
+              <a:solidFill>
+                <a:schemeClr val="accent6"/>
+              </a:solidFill>
+              <a:headEnd type="none" w="med" len="med"/>
+              <a:tailEnd type="none" w="med" len="med"/>
+            </a:ln>
+          </p:spPr>
+          <p:style>
+            <a:lnRef idx="1">
+              <a:schemeClr val="dk1"/>
+            </a:lnRef>
+            <a:fillRef idx="0">
+              <a:schemeClr val="dk1"/>
+            </a:fillRef>
+            <a:effectRef idx="0">
+              <a:schemeClr val="dk1"/>
+            </a:effectRef>
+            <a:fontRef idx="minor">
+              <a:schemeClr val="tx1"/>
+            </a:fontRef>
+          </p:style>
+        </p:cxnSp>
+        <p:cxnSp>
+          <p:nvCxnSpPr>
+            <p:cNvPr id="14" name="Straight Connector 13">
+              <a:extLst>
+                <a:ext uri="{FF2B5EF4-FFF2-40B4-BE49-F238E27FC236}">
+                  <a16:creationId xmlns:a16="http://schemas.microsoft.com/office/drawing/2014/main" id="{89A31987-F7D0-4F26-A67E-BA76085D9290}"/>
+                </a:ext>
+              </a:extLst>
+            </p:cNvPr>
+            <p:cNvCxnSpPr>
+              <a:cxnSpLocks/>
+              <a:stCxn id="7" idx="2"/>
+            </p:cNvCxnSpPr>
+            <p:nvPr/>
+          </p:nvCxnSpPr>
+          <p:spPr>
+            <a:xfrm>
+              <a:off x="3690687" y="809443"/>
+              <a:ext cx="0" cy="5922722"/>
+            </a:xfrm>
+            <a:prstGeom prst="line">
+              <a:avLst/>
+            </a:prstGeom>
+            <a:ln w="19050">
+              <a:solidFill>
+                <a:schemeClr val="accent2"/>
+              </a:solidFill>
+              <a:headEnd type="none" w="med" len="med"/>
+              <a:tailEnd type="none" w="med" len="med"/>
+            </a:ln>
+          </p:spPr>
+          <p:style>
+            <a:lnRef idx="1">
+              <a:schemeClr val="dk1"/>
+            </a:lnRef>
+            <a:fillRef idx="0">
+              <a:schemeClr val="dk1"/>
+            </a:fillRef>
+            <a:effectRef idx="0">
+              <a:schemeClr val="dk1"/>
+            </a:effectRef>
+            <a:fontRef idx="minor">
+              <a:schemeClr val="tx1"/>
+            </a:fontRef>
+          </p:style>
+        </p:cxnSp>
+        <p:cxnSp>
+          <p:nvCxnSpPr>
+            <p:cNvPr id="18" name="Straight Connector 17">
+              <a:extLst>
+                <a:ext uri="{FF2B5EF4-FFF2-40B4-BE49-F238E27FC236}">
+                  <a16:creationId xmlns:a16="http://schemas.microsoft.com/office/drawing/2014/main" id="{F4E53E09-756C-438B-BB2E-D7342D3242CC}"/>
+                </a:ext>
+              </a:extLst>
+            </p:cNvPr>
+            <p:cNvCxnSpPr>
+              <a:cxnSpLocks/>
+              <a:stCxn id="9" idx="2"/>
+            </p:cNvCxnSpPr>
+            <p:nvPr/>
+          </p:nvCxnSpPr>
+          <p:spPr>
+            <a:xfrm>
+              <a:off x="8501313" y="809442"/>
+              <a:ext cx="0" cy="5922723"/>
+            </a:xfrm>
+            <a:prstGeom prst="line">
+              <a:avLst/>
+            </a:prstGeom>
+            <a:ln>
+              <a:headEnd type="none" w="med" len="med"/>
+              <a:tailEnd type="none" w="med" len="med"/>
+            </a:ln>
+          </p:spPr>
+          <p:style>
+            <a:lnRef idx="3">
+              <a:schemeClr val="accent5"/>
+            </a:lnRef>
+            <a:fillRef idx="0">
+              <a:schemeClr val="accent5"/>
+            </a:fillRef>
+            <a:effectRef idx="2">
+              <a:schemeClr val="accent5"/>
+            </a:effectRef>
+            <a:fontRef idx="minor">
+              <a:schemeClr val="tx1"/>
+            </a:fontRef>
+          </p:style>
+        </p:cxnSp>
+        <p:cxnSp>
+          <p:nvCxnSpPr>
+            <p:cNvPr id="22" name="Straight Connector 21">
+              <a:extLst>
+                <a:ext uri="{FF2B5EF4-FFF2-40B4-BE49-F238E27FC236}">
+                  <a16:creationId xmlns:a16="http://schemas.microsoft.com/office/drawing/2014/main" id="{BB553182-9D82-495A-B17E-CE1F10CC02A1}"/>
+                </a:ext>
+              </a:extLst>
+            </p:cNvPr>
+            <p:cNvCxnSpPr>
+              <a:cxnSpLocks/>
+              <a:stCxn id="10" idx="2"/>
+            </p:cNvCxnSpPr>
+            <p:nvPr/>
+          </p:nvCxnSpPr>
+          <p:spPr>
+            <a:xfrm>
+              <a:off x="10906626" y="809442"/>
+              <a:ext cx="0" cy="5922723"/>
+            </a:xfrm>
+            <a:prstGeom prst="line">
+              <a:avLst/>
+            </a:prstGeom>
+            <a:ln>
+              <a:headEnd type="none" w="med" len="med"/>
+              <a:tailEnd type="none" w="med" len="med"/>
+            </a:ln>
+          </p:spPr>
+          <p:style>
+            <a:lnRef idx="3">
+              <a:schemeClr val="accent6"/>
+            </a:lnRef>
+            <a:fillRef idx="0">
+              <a:schemeClr val="accent6"/>
+            </a:fillRef>
+            <a:effectRef idx="2">
+              <a:schemeClr val="accent6"/>
+            </a:effectRef>
+            <a:fontRef idx="minor">
+              <a:schemeClr val="tx1"/>
+            </a:fontRef>
+          </p:style>
+        </p:cxnSp>
         <p:grpSp>
           <p:nvGrpSpPr>
-            <p:cNvPr id="31" name="Group 30">
+            <p:cNvPr id="78" name="Group 77">
               <a:extLst>
                 <a:ext uri="{FF2B5EF4-FFF2-40B4-BE49-F238E27FC236}">
-                  <a16:creationId xmlns:a16="http://schemas.microsoft.com/office/drawing/2014/main" id="{DE4685E8-7392-477B-A07D-14FD6EE24AEB}"/>
+                  <a16:creationId xmlns:a16="http://schemas.microsoft.com/office/drawing/2014/main" id="{748E1AEF-54B1-4A5A-AFC7-5031E728890D}"/>
                 </a:ext>
               </a:extLst>
             </p:cNvPr>
@@ -4845,483 +5219,18 @@
           </p:nvGrpSpPr>
           <p:grpSpPr>
             <a:xfrm>
-              <a:off x="210553" y="114794"/>
-              <a:ext cx="11770894" cy="6617371"/>
-              <a:chOff x="210553" y="240629"/>
-              <a:chExt cx="11770894" cy="6617371"/>
+              <a:off x="1285374" y="885159"/>
+              <a:ext cx="2404310" cy="524482"/>
+              <a:chOff x="1285374" y="1464000"/>
+              <a:chExt cx="2404310" cy="524482"/>
             </a:xfrm>
           </p:grpSpPr>
-          <p:sp>
-            <p:nvSpPr>
-              <p:cNvPr id="6" name="Rectangle: Rounded Corners 5">
+          <p:grpSp>
+            <p:nvGrpSpPr>
+              <p:cNvPr id="76" name="Group 75">
                 <a:extLst>
                   <a:ext uri="{FF2B5EF4-FFF2-40B4-BE49-F238E27FC236}">
-                    <a16:creationId xmlns:a16="http://schemas.microsoft.com/office/drawing/2014/main" id="{355B6EB2-3A74-448B-9DF4-A2F087106AF4}"/>
-                  </a:ext>
-                </a:extLst>
-              </p:cNvPr>
-              <p:cNvSpPr/>
-              <p:nvPr/>
-            </p:nvSpPr>
-            <p:spPr>
-              <a:xfrm>
-                <a:off x="210553" y="240630"/>
-                <a:ext cx="2149642" cy="694648"/>
-              </a:xfrm>
-              <a:prstGeom prst="roundRect">
-                <a:avLst/>
-              </a:prstGeom>
-              <a:ln w="19050"/>
-            </p:spPr>
-            <p:style>
-              <a:lnRef idx="2">
-                <a:schemeClr val="accent6"/>
-              </a:lnRef>
-              <a:fillRef idx="1">
-                <a:schemeClr val="lt1"/>
-              </a:fillRef>
-              <a:effectRef idx="0">
-                <a:schemeClr val="accent6"/>
-              </a:effectRef>
-              <a:fontRef idx="minor">
-                <a:schemeClr val="dk1"/>
-              </a:fontRef>
-            </p:style>
-            <p:txBody>
-              <a:bodyPr rtlCol="0" anchor="ctr"/>
-              <a:lstStyle/>
-              <a:p>
-                <a:pPr algn="ctr"/>
-                <a:r>
-                  <a:rPr lang="en-US" dirty="0"/>
-                  <a:t>Replica 1</a:t>
-                </a:r>
-              </a:p>
-            </p:txBody>
-          </p:sp>
-          <p:sp>
-            <p:nvSpPr>
-              <p:cNvPr id="7" name="Rectangle: Rounded Corners 6">
-                <a:extLst>
-                  <a:ext uri="{FF2B5EF4-FFF2-40B4-BE49-F238E27FC236}">
-                    <a16:creationId xmlns:a16="http://schemas.microsoft.com/office/drawing/2014/main" id="{887C0E90-8790-4013-8766-7C3125698B81}"/>
-                  </a:ext>
-                </a:extLst>
-              </p:cNvPr>
-              <p:cNvSpPr/>
-              <p:nvPr/>
-            </p:nvSpPr>
-            <p:spPr>
-              <a:xfrm>
-                <a:off x="2615866" y="240630"/>
-                <a:ext cx="2149642" cy="694648"/>
-              </a:xfrm>
-              <a:prstGeom prst="roundRect">
-                <a:avLst/>
-              </a:prstGeom>
-              <a:ln w="19050"/>
-            </p:spPr>
-            <p:style>
-              <a:lnRef idx="2">
-                <a:schemeClr val="accent2"/>
-              </a:lnRef>
-              <a:fillRef idx="1">
-                <a:schemeClr val="lt1"/>
-              </a:fillRef>
-              <a:effectRef idx="0">
-                <a:schemeClr val="accent2"/>
-              </a:effectRef>
-              <a:fontRef idx="minor">
-                <a:schemeClr val="dk1"/>
-              </a:fontRef>
-            </p:style>
-            <p:txBody>
-              <a:bodyPr rtlCol="0" anchor="ctr"/>
-              <a:lstStyle/>
-              <a:p>
-                <a:pPr algn="ctr"/>
-                <a:r>
-                  <a:rPr lang="en-US" dirty="0"/>
-                  <a:t>STUN</a:t>
-                </a:r>
-              </a:p>
-            </p:txBody>
-          </p:sp>
-          <p:sp>
-            <p:nvSpPr>
-              <p:cNvPr id="8" name="Rectangle: Rounded Corners 7">
-                <a:extLst>
-                  <a:ext uri="{FF2B5EF4-FFF2-40B4-BE49-F238E27FC236}">
-                    <a16:creationId xmlns:a16="http://schemas.microsoft.com/office/drawing/2014/main" id="{E5C2C76A-D8D8-42C2-B564-7AB1CD8FA32F}"/>
-                  </a:ext>
-                </a:extLst>
-              </p:cNvPr>
-              <p:cNvSpPr/>
-              <p:nvPr/>
-            </p:nvSpPr>
-            <p:spPr>
-              <a:xfrm>
-                <a:off x="5021179" y="240630"/>
-                <a:ext cx="2149642" cy="694648"/>
-              </a:xfrm>
-              <a:prstGeom prst="roundRect">
-                <a:avLst/>
-              </a:prstGeom>
-              <a:ln w="19050"/>
-            </p:spPr>
-            <p:style>
-              <a:lnRef idx="2">
-                <a:schemeClr val="accent4"/>
-              </a:lnRef>
-              <a:fillRef idx="1">
-                <a:schemeClr val="lt1"/>
-              </a:fillRef>
-              <a:effectRef idx="0">
-                <a:schemeClr val="accent4"/>
-              </a:effectRef>
-              <a:fontRef idx="minor">
-                <a:schemeClr val="dk1"/>
-              </a:fontRef>
-            </p:style>
-            <p:txBody>
-              <a:bodyPr rtlCol="0" anchor="ctr"/>
-              <a:lstStyle/>
-              <a:p>
-                <a:pPr algn="ctr"/>
-                <a:r>
-                  <a:rPr lang="en-US" dirty="0"/>
-                  <a:t>TURN</a:t>
-                </a:r>
-              </a:p>
-            </p:txBody>
-          </p:sp>
-          <p:sp>
-            <p:nvSpPr>
-              <p:cNvPr id="9" name="Rectangle: Rounded Corners 8">
-                <a:extLst>
-                  <a:ext uri="{FF2B5EF4-FFF2-40B4-BE49-F238E27FC236}">
-                    <a16:creationId xmlns:a16="http://schemas.microsoft.com/office/drawing/2014/main" id="{D6C865C0-9C0E-4D1D-BF19-9E6936ADECF1}"/>
-                  </a:ext>
-                </a:extLst>
-              </p:cNvPr>
-              <p:cNvSpPr/>
-              <p:nvPr/>
-            </p:nvSpPr>
-            <p:spPr>
-              <a:xfrm>
-                <a:off x="7426492" y="240629"/>
-                <a:ext cx="2149642" cy="694648"/>
-              </a:xfrm>
-              <a:prstGeom prst="roundRect">
-                <a:avLst/>
-              </a:prstGeom>
-              <a:ln w="19050"/>
-            </p:spPr>
-            <p:style>
-              <a:lnRef idx="2">
-                <a:schemeClr val="accent5"/>
-              </a:lnRef>
-              <a:fillRef idx="1">
-                <a:schemeClr val="lt1"/>
-              </a:fillRef>
-              <a:effectRef idx="0">
-                <a:schemeClr val="accent5"/>
-              </a:effectRef>
-              <a:fontRef idx="minor">
-                <a:schemeClr val="dk1"/>
-              </a:fontRef>
-            </p:style>
-            <p:txBody>
-              <a:bodyPr rtlCol="0" anchor="ctr"/>
-              <a:lstStyle/>
-              <a:p>
-                <a:pPr algn="ctr"/>
-                <a:r>
-                  <a:rPr lang="en-US" dirty="0" err="1"/>
-                  <a:t>Websocket</a:t>
-                </a:r>
-                <a:r>
-                  <a:rPr lang="en-US" dirty="0"/>
-                  <a:t> Server</a:t>
-                </a:r>
-              </a:p>
-            </p:txBody>
-          </p:sp>
-          <p:sp>
-            <p:nvSpPr>
-              <p:cNvPr id="10" name="Rectangle: Rounded Corners 9">
-                <a:extLst>
-                  <a:ext uri="{FF2B5EF4-FFF2-40B4-BE49-F238E27FC236}">
-                    <a16:creationId xmlns:a16="http://schemas.microsoft.com/office/drawing/2014/main" id="{1CFC2779-F491-454D-A313-29CDE64ABF00}"/>
-                  </a:ext>
-                </a:extLst>
-              </p:cNvPr>
-              <p:cNvSpPr/>
-              <p:nvPr/>
-            </p:nvSpPr>
-            <p:spPr>
-              <a:xfrm>
-                <a:off x="9831805" y="240629"/>
-                <a:ext cx="2149642" cy="694648"/>
-              </a:xfrm>
-              <a:prstGeom prst="roundRect">
-                <a:avLst/>
-              </a:prstGeom>
-              <a:ln w="19050"/>
-            </p:spPr>
-            <p:style>
-              <a:lnRef idx="2">
-                <a:schemeClr val="accent6"/>
-              </a:lnRef>
-              <a:fillRef idx="1">
-                <a:schemeClr val="lt1"/>
-              </a:fillRef>
-              <a:effectRef idx="0">
-                <a:schemeClr val="accent6"/>
-              </a:effectRef>
-              <a:fontRef idx="minor">
-                <a:schemeClr val="dk1"/>
-              </a:fontRef>
-            </p:style>
-            <p:txBody>
-              <a:bodyPr rtlCol="0" anchor="ctr"/>
-              <a:lstStyle/>
-              <a:p>
-                <a:pPr algn="ctr"/>
-                <a:r>
-                  <a:rPr lang="en-US" dirty="0"/>
-                  <a:t>Replica 2</a:t>
-                </a:r>
-              </a:p>
-            </p:txBody>
-          </p:sp>
-          <p:cxnSp>
-            <p:nvCxnSpPr>
-              <p:cNvPr id="12" name="Straight Connector 11">
-                <a:extLst>
-                  <a:ext uri="{FF2B5EF4-FFF2-40B4-BE49-F238E27FC236}">
-                    <a16:creationId xmlns:a16="http://schemas.microsoft.com/office/drawing/2014/main" id="{AA507EA9-8A18-4C3A-898A-F5D18881C6E9}"/>
-                  </a:ext>
-                </a:extLst>
-              </p:cNvPr>
-              <p:cNvCxnSpPr>
-                <a:cxnSpLocks/>
-                <a:stCxn id="6" idx="2"/>
-              </p:cNvCxnSpPr>
-              <p:nvPr/>
-            </p:nvCxnSpPr>
-            <p:spPr>
-              <a:xfrm>
-                <a:off x="1285374" y="935278"/>
-                <a:ext cx="0" cy="5922722"/>
-              </a:xfrm>
-              <a:prstGeom prst="line">
-                <a:avLst/>
-              </a:prstGeom>
-              <a:ln w="19050">
-                <a:solidFill>
-                  <a:schemeClr val="accent6"/>
-                </a:solidFill>
-                <a:headEnd type="none" w="med" len="med"/>
-                <a:tailEnd type="none" w="med" len="med"/>
-              </a:ln>
-            </p:spPr>
-            <p:style>
-              <a:lnRef idx="1">
-                <a:schemeClr val="dk1"/>
-              </a:lnRef>
-              <a:fillRef idx="0">
-                <a:schemeClr val="dk1"/>
-              </a:fillRef>
-              <a:effectRef idx="0">
-                <a:schemeClr val="dk1"/>
-              </a:effectRef>
-              <a:fontRef idx="minor">
-                <a:schemeClr val="tx1"/>
-              </a:fontRef>
-            </p:style>
-          </p:cxnSp>
-          <p:cxnSp>
-            <p:nvCxnSpPr>
-              <p:cNvPr id="14" name="Straight Connector 13">
-                <a:extLst>
-                  <a:ext uri="{FF2B5EF4-FFF2-40B4-BE49-F238E27FC236}">
-                    <a16:creationId xmlns:a16="http://schemas.microsoft.com/office/drawing/2014/main" id="{89A31987-F7D0-4F26-A67E-BA76085D9290}"/>
-                  </a:ext>
-                </a:extLst>
-              </p:cNvPr>
-              <p:cNvCxnSpPr>
-                <a:cxnSpLocks/>
-                <a:stCxn id="7" idx="2"/>
-              </p:cNvCxnSpPr>
-              <p:nvPr/>
-            </p:nvCxnSpPr>
-            <p:spPr>
-              <a:xfrm>
-                <a:off x="3690687" y="935278"/>
-                <a:ext cx="0" cy="5922722"/>
-              </a:xfrm>
-              <a:prstGeom prst="line">
-                <a:avLst/>
-              </a:prstGeom>
-              <a:ln w="19050">
-                <a:solidFill>
-                  <a:schemeClr val="accent2"/>
-                </a:solidFill>
-                <a:headEnd type="none" w="med" len="med"/>
-                <a:tailEnd type="none" w="med" len="med"/>
-              </a:ln>
-            </p:spPr>
-            <p:style>
-              <a:lnRef idx="1">
-                <a:schemeClr val="dk1"/>
-              </a:lnRef>
-              <a:fillRef idx="0">
-                <a:schemeClr val="dk1"/>
-              </a:fillRef>
-              <a:effectRef idx="0">
-                <a:schemeClr val="dk1"/>
-              </a:effectRef>
-              <a:fontRef idx="minor">
-                <a:schemeClr val="tx1"/>
-              </a:fontRef>
-            </p:style>
-          </p:cxnSp>
-          <p:cxnSp>
-            <p:nvCxnSpPr>
-              <p:cNvPr id="16" name="Straight Connector 15">
-                <a:extLst>
-                  <a:ext uri="{FF2B5EF4-FFF2-40B4-BE49-F238E27FC236}">
-                    <a16:creationId xmlns:a16="http://schemas.microsoft.com/office/drawing/2014/main" id="{AF4E3A17-5305-42FC-98B4-3685492E39BC}"/>
-                  </a:ext>
-                </a:extLst>
-              </p:cNvPr>
-              <p:cNvCxnSpPr>
-                <a:cxnSpLocks/>
-                <a:stCxn id="8" idx="2"/>
-              </p:cNvCxnSpPr>
-              <p:nvPr/>
-            </p:nvCxnSpPr>
-            <p:spPr>
-              <a:xfrm>
-                <a:off x="6096000" y="935278"/>
-                <a:ext cx="0" cy="5922722"/>
-              </a:xfrm>
-              <a:prstGeom prst="line">
-                <a:avLst/>
-              </a:prstGeom>
-              <a:ln>
-                <a:headEnd type="none" w="med" len="med"/>
-                <a:tailEnd type="none" w="med" len="med"/>
-              </a:ln>
-            </p:spPr>
-            <p:style>
-              <a:lnRef idx="3">
-                <a:schemeClr val="accent4"/>
-              </a:lnRef>
-              <a:fillRef idx="0">
-                <a:schemeClr val="accent4"/>
-              </a:fillRef>
-              <a:effectRef idx="2">
-                <a:schemeClr val="accent4"/>
-              </a:effectRef>
-              <a:fontRef idx="minor">
-                <a:schemeClr val="tx1"/>
-              </a:fontRef>
-            </p:style>
-          </p:cxnSp>
-          <p:cxnSp>
-            <p:nvCxnSpPr>
-              <p:cNvPr id="18" name="Straight Connector 17">
-                <a:extLst>
-                  <a:ext uri="{FF2B5EF4-FFF2-40B4-BE49-F238E27FC236}">
-                    <a16:creationId xmlns:a16="http://schemas.microsoft.com/office/drawing/2014/main" id="{F4E53E09-756C-438B-BB2E-D7342D3242CC}"/>
-                  </a:ext>
-                </a:extLst>
-              </p:cNvPr>
-              <p:cNvCxnSpPr>
-                <a:cxnSpLocks/>
-                <a:stCxn id="9" idx="2"/>
-              </p:cNvCxnSpPr>
-              <p:nvPr/>
-            </p:nvCxnSpPr>
-            <p:spPr>
-              <a:xfrm>
-                <a:off x="8501313" y="935277"/>
-                <a:ext cx="0" cy="5922723"/>
-              </a:xfrm>
-              <a:prstGeom prst="line">
-                <a:avLst/>
-              </a:prstGeom>
-              <a:ln>
-                <a:headEnd type="none" w="med" len="med"/>
-                <a:tailEnd type="none" w="med" len="med"/>
-              </a:ln>
-            </p:spPr>
-            <p:style>
-              <a:lnRef idx="3">
-                <a:schemeClr val="accent5"/>
-              </a:lnRef>
-              <a:fillRef idx="0">
-                <a:schemeClr val="accent5"/>
-              </a:fillRef>
-              <a:effectRef idx="2">
-                <a:schemeClr val="accent5"/>
-              </a:effectRef>
-              <a:fontRef idx="minor">
-                <a:schemeClr val="tx1"/>
-              </a:fontRef>
-            </p:style>
-          </p:cxnSp>
-          <p:cxnSp>
-            <p:nvCxnSpPr>
-              <p:cNvPr id="22" name="Straight Connector 21">
-                <a:extLst>
-                  <a:ext uri="{FF2B5EF4-FFF2-40B4-BE49-F238E27FC236}">
-                    <a16:creationId xmlns:a16="http://schemas.microsoft.com/office/drawing/2014/main" id="{BB553182-9D82-495A-B17E-CE1F10CC02A1}"/>
-                  </a:ext>
-                </a:extLst>
-              </p:cNvPr>
-              <p:cNvCxnSpPr>
-                <a:cxnSpLocks/>
-                <a:stCxn id="10" idx="2"/>
-              </p:cNvCxnSpPr>
-              <p:nvPr/>
-            </p:nvCxnSpPr>
-            <p:spPr>
-              <a:xfrm>
-                <a:off x="10906626" y="935277"/>
-                <a:ext cx="0" cy="5922723"/>
-              </a:xfrm>
-              <a:prstGeom prst="line">
-                <a:avLst/>
-              </a:prstGeom>
-              <a:ln>
-                <a:headEnd type="none" w="med" len="med"/>
-                <a:tailEnd type="none" w="med" len="med"/>
-              </a:ln>
-            </p:spPr>
-            <p:style>
-              <a:lnRef idx="3">
-                <a:schemeClr val="accent6"/>
-              </a:lnRef>
-              <a:fillRef idx="0">
-                <a:schemeClr val="accent6"/>
-              </a:fillRef>
-              <a:effectRef idx="2">
-                <a:schemeClr val="accent6"/>
-              </a:effectRef>
-              <a:fontRef idx="minor">
-                <a:schemeClr val="tx1"/>
-              </a:fontRef>
-            </p:style>
-          </p:cxnSp>
-          <p:grpSp>
-            <p:nvGrpSpPr>
-              <p:cNvPr id="78" name="Group 77">
-                <a:extLst>
-                  <a:ext uri="{FF2B5EF4-FFF2-40B4-BE49-F238E27FC236}">
-                    <a16:creationId xmlns:a16="http://schemas.microsoft.com/office/drawing/2014/main" id="{748E1AEF-54B1-4A5A-AFC7-5031E728890D}"/>
+                    <a16:creationId xmlns:a16="http://schemas.microsoft.com/office/drawing/2014/main" id="{5F6D1D62-792F-4609-9C9E-1DE3AABB2041}"/>
                   </a:ext>
                 </a:extLst>
               </p:cNvPr>
@@ -5330,18 +5239,349 @@
             </p:nvGrpSpPr>
             <p:grpSpPr>
               <a:xfrm>
-                <a:off x="1285374" y="1010994"/>
-                <a:ext cx="2404310" cy="524482"/>
-                <a:chOff x="1285374" y="1464000"/>
-                <a:chExt cx="2404310" cy="524482"/>
+                <a:off x="1285374" y="1664482"/>
+                <a:ext cx="2404310" cy="324000"/>
+                <a:chOff x="1285374" y="1538463"/>
+                <a:chExt cx="2404310" cy="324000"/>
+              </a:xfrm>
+            </p:grpSpPr>
+            <p:cxnSp>
+              <p:nvCxnSpPr>
+                <p:cNvPr id="27" name="Straight Arrow Connector 26">
+                  <a:extLst>
+                    <a:ext uri="{FF2B5EF4-FFF2-40B4-BE49-F238E27FC236}">
+                      <a16:creationId xmlns:a16="http://schemas.microsoft.com/office/drawing/2014/main" id="{514BFA27-30DE-45CC-BD8A-2C534B56D1AD}"/>
+                    </a:ext>
+                  </a:extLst>
+                </p:cNvPr>
+                <p:cNvCxnSpPr/>
+                <p:nvPr/>
+              </p:nvCxnSpPr>
+              <p:spPr>
+                <a:xfrm>
+                  <a:off x="1285374" y="1700463"/>
+                  <a:ext cx="2404310" cy="0"/>
+                </a:xfrm>
+                <a:prstGeom prst="straightConnector1">
+                  <a:avLst/>
+                </a:prstGeom>
+                <a:ln>
+                  <a:headEnd type="none" w="med" len="med"/>
+                  <a:tailEnd type="triangle" w="lg" len="lg"/>
+                </a:ln>
+              </p:spPr>
+              <p:style>
+                <a:lnRef idx="3">
+                  <a:schemeClr val="accent6"/>
+                </a:lnRef>
+                <a:fillRef idx="0">
+                  <a:schemeClr val="accent6"/>
+                </a:fillRef>
+                <a:effectRef idx="2">
+                  <a:schemeClr val="accent6"/>
+                </a:effectRef>
+                <a:fontRef idx="minor">
+                  <a:schemeClr val="tx1"/>
+                </a:fontRef>
+              </p:style>
+            </p:cxnSp>
+            <p:sp>
+              <p:nvSpPr>
+                <p:cNvPr id="28" name="Isosceles Triangle 27">
+                  <a:extLst>
+                    <a:ext uri="{FF2B5EF4-FFF2-40B4-BE49-F238E27FC236}">
+                      <a16:creationId xmlns:a16="http://schemas.microsoft.com/office/drawing/2014/main" id="{77A9AD20-E991-442E-AEA6-812EA4D2CFC5}"/>
+                    </a:ext>
+                  </a:extLst>
+                </p:cNvPr>
+                <p:cNvSpPr/>
+                <p:nvPr/>
+              </p:nvSpPr>
+              <p:spPr>
+                <a:xfrm rot="5400000">
+                  <a:off x="3418681" y="1592463"/>
+                  <a:ext cx="324000" cy="216000"/>
+                </a:xfrm>
+                <a:prstGeom prst="triangle">
+                  <a:avLst/>
+                </a:prstGeom>
+              </p:spPr>
+              <p:style>
+                <a:lnRef idx="2">
+                  <a:schemeClr val="accent6">
+                    <a:shade val="50000"/>
+                  </a:schemeClr>
+                </a:lnRef>
+                <a:fillRef idx="1">
+                  <a:schemeClr val="accent6"/>
+                </a:fillRef>
+                <a:effectRef idx="0">
+                  <a:schemeClr val="accent6"/>
+                </a:effectRef>
+                <a:fontRef idx="minor">
+                  <a:schemeClr val="lt1"/>
+                </a:fontRef>
+              </p:style>
+              <p:txBody>
+                <a:bodyPr rtlCol="0" anchor="ctr"/>
+                <a:lstStyle/>
+                <a:p>
+                  <a:pPr algn="ctr"/>
+                  <a:endParaRPr lang="en-US"/>
+                </a:p>
+              </p:txBody>
+            </p:sp>
+          </p:grpSp>
+          <p:sp>
+            <p:nvSpPr>
+              <p:cNvPr id="77" name="TextBox 76">
+                <a:extLst>
+                  <a:ext uri="{FF2B5EF4-FFF2-40B4-BE49-F238E27FC236}">
+                    <a16:creationId xmlns:a16="http://schemas.microsoft.com/office/drawing/2014/main" id="{EFCA1376-D181-4F26-B2BF-F556D12ED583}"/>
+                  </a:ext>
+                </a:extLst>
+              </p:cNvPr>
+              <p:cNvSpPr txBox="1"/>
+              <p:nvPr/>
+            </p:nvSpPr>
+            <p:spPr>
+              <a:xfrm>
+                <a:off x="1515993" y="1464000"/>
+                <a:ext cx="1940064" cy="360000"/>
+              </a:xfrm>
+              <a:prstGeom prst="rect">
+                <a:avLst/>
+              </a:prstGeom>
+              <a:noFill/>
+            </p:spPr>
+            <p:txBody>
+              <a:bodyPr wrap="square" rtlCol="0">
+                <a:spAutoFit/>
+              </a:bodyPr>
+              <a:lstStyle/>
+              <a:p>
+                <a:pPr algn="ctr"/>
+                <a:r>
+                  <a:rPr lang="en-US" dirty="0"/>
+                  <a:t>Who am I ?</a:t>
+                </a:r>
+              </a:p>
+            </p:txBody>
+          </p:sp>
+        </p:grpSp>
+        <p:grpSp>
+          <p:nvGrpSpPr>
+            <p:cNvPr id="81" name="Group 80">
+              <a:extLst>
+                <a:ext uri="{FF2B5EF4-FFF2-40B4-BE49-F238E27FC236}">
+                  <a16:creationId xmlns:a16="http://schemas.microsoft.com/office/drawing/2014/main" id="{8B381863-7AEE-49A9-9B06-EA0DB364E23D}"/>
+                </a:ext>
+              </a:extLst>
+            </p:cNvPr>
+            <p:cNvGrpSpPr/>
+            <p:nvPr/>
+          </p:nvGrpSpPr>
+          <p:grpSpPr>
+            <a:xfrm>
+              <a:off x="1284371" y="1498285"/>
+              <a:ext cx="2404310" cy="518190"/>
+              <a:chOff x="1284371" y="1993236"/>
+              <a:chExt cx="2404310" cy="518190"/>
+            </a:xfrm>
+          </p:grpSpPr>
+          <p:grpSp>
+            <p:nvGrpSpPr>
+              <p:cNvPr id="32" name="Group 31">
+                <a:extLst>
+                  <a:ext uri="{FF2B5EF4-FFF2-40B4-BE49-F238E27FC236}">
+                    <a16:creationId xmlns:a16="http://schemas.microsoft.com/office/drawing/2014/main" id="{F5B6F295-A774-4199-A0E7-AB31C4A4400B}"/>
+                  </a:ext>
+                </a:extLst>
+              </p:cNvPr>
+              <p:cNvGrpSpPr/>
+              <p:nvPr/>
+            </p:nvGrpSpPr>
+            <p:grpSpPr>
+              <a:xfrm flipH="1">
+                <a:off x="1284371" y="2187426"/>
+                <a:ext cx="2404310" cy="324000"/>
+                <a:chOff x="1176873" y="2281139"/>
+                <a:chExt cx="2404310" cy="324000"/>
+              </a:xfrm>
+            </p:grpSpPr>
+            <p:cxnSp>
+              <p:nvCxnSpPr>
+                <p:cNvPr id="29" name="Straight Arrow Connector 28">
+                  <a:extLst>
+                    <a:ext uri="{FF2B5EF4-FFF2-40B4-BE49-F238E27FC236}">
+                      <a16:creationId xmlns:a16="http://schemas.microsoft.com/office/drawing/2014/main" id="{DB048C23-722D-45F7-BBB1-83B2CBB2EF86}"/>
+                    </a:ext>
+                  </a:extLst>
+                </p:cNvPr>
+                <p:cNvCxnSpPr>
+                  <a:cxnSpLocks/>
+                </p:cNvCxnSpPr>
+                <p:nvPr/>
+              </p:nvCxnSpPr>
+              <p:spPr>
+                <a:xfrm>
+                  <a:off x="1176873" y="2443139"/>
+                  <a:ext cx="2404310" cy="0"/>
+                </a:xfrm>
+                <a:prstGeom prst="straightConnector1">
+                  <a:avLst/>
+                </a:prstGeom>
+                <a:ln>
+                  <a:headEnd type="none" w="med" len="med"/>
+                  <a:tailEnd type="triangle" w="lg" len="lg"/>
+                </a:ln>
+              </p:spPr>
+              <p:style>
+                <a:lnRef idx="3">
+                  <a:schemeClr val="accent2"/>
+                </a:lnRef>
+                <a:fillRef idx="0">
+                  <a:schemeClr val="accent2"/>
+                </a:fillRef>
+                <a:effectRef idx="2">
+                  <a:schemeClr val="accent2"/>
+                </a:effectRef>
+                <a:fontRef idx="minor">
+                  <a:schemeClr val="tx1"/>
+                </a:fontRef>
+              </p:style>
+            </p:cxnSp>
+            <p:sp>
+              <p:nvSpPr>
+                <p:cNvPr id="30" name="Isosceles Triangle 29">
+                  <a:extLst>
+                    <a:ext uri="{FF2B5EF4-FFF2-40B4-BE49-F238E27FC236}">
+                      <a16:creationId xmlns:a16="http://schemas.microsoft.com/office/drawing/2014/main" id="{0127C069-C667-4A55-ADA1-F4E62DA02893}"/>
+                    </a:ext>
+                  </a:extLst>
+                </p:cNvPr>
+                <p:cNvSpPr/>
+                <p:nvPr/>
+              </p:nvSpPr>
+              <p:spPr>
+                <a:xfrm rot="5400000">
+                  <a:off x="3310180" y="2335139"/>
+                  <a:ext cx="324000" cy="216000"/>
+                </a:xfrm>
+                <a:prstGeom prst="triangle">
+                  <a:avLst/>
+                </a:prstGeom>
+                <a:ln w="19050"/>
+              </p:spPr>
+              <p:style>
+                <a:lnRef idx="2">
+                  <a:schemeClr val="accent2">
+                    <a:shade val="50000"/>
+                  </a:schemeClr>
+                </a:lnRef>
+                <a:fillRef idx="1">
+                  <a:schemeClr val="accent2"/>
+                </a:fillRef>
+                <a:effectRef idx="0">
+                  <a:schemeClr val="accent2"/>
+                </a:effectRef>
+                <a:fontRef idx="minor">
+                  <a:schemeClr val="lt1"/>
+                </a:fontRef>
+              </p:style>
+              <p:txBody>
+                <a:bodyPr rtlCol="0" anchor="ctr"/>
+                <a:lstStyle/>
+                <a:p>
+                  <a:pPr algn="ctr"/>
+                  <a:endParaRPr lang="en-US"/>
+                </a:p>
+              </p:txBody>
+            </p:sp>
+          </p:grpSp>
+          <p:sp>
+            <p:nvSpPr>
+              <p:cNvPr id="79" name="TextBox 78">
+                <a:extLst>
+                  <a:ext uri="{FF2B5EF4-FFF2-40B4-BE49-F238E27FC236}">
+                    <a16:creationId xmlns:a16="http://schemas.microsoft.com/office/drawing/2014/main" id="{9FF74D6E-474B-4355-B201-69AF3715DE7C}"/>
+                  </a:ext>
+                </a:extLst>
+              </p:cNvPr>
+              <p:cNvSpPr txBox="1"/>
+              <p:nvPr/>
+            </p:nvSpPr>
+            <p:spPr>
+              <a:xfrm>
+                <a:off x="1507753" y="1993236"/>
+                <a:ext cx="1940064" cy="360000"/>
+              </a:xfrm>
+              <a:prstGeom prst="rect">
+                <a:avLst/>
+              </a:prstGeom>
+              <a:noFill/>
+            </p:spPr>
+            <p:txBody>
+              <a:bodyPr wrap="square" rtlCol="0">
+                <a:spAutoFit/>
+              </a:bodyPr>
+              <a:lstStyle/>
+              <a:p>
+                <a:pPr algn="ctr"/>
+                <a:r>
+                  <a:rPr lang="en-US" dirty="0"/>
+                  <a:t>Symmetric NAT</a:t>
+                </a:r>
+              </a:p>
+            </p:txBody>
+          </p:sp>
+        </p:grpSp>
+        <p:grpSp>
+          <p:nvGrpSpPr>
+            <p:cNvPr id="98" name="Group 97">
+              <a:extLst>
+                <a:ext uri="{FF2B5EF4-FFF2-40B4-BE49-F238E27FC236}">
+                  <a16:creationId xmlns:a16="http://schemas.microsoft.com/office/drawing/2014/main" id="{61775980-1DE0-4B17-9C21-21ECE96CF9AD}"/>
+                </a:ext>
+              </a:extLst>
+            </p:cNvPr>
+            <p:cNvGrpSpPr/>
+            <p:nvPr/>
+          </p:nvGrpSpPr>
+          <p:grpSpPr>
+            <a:xfrm>
+              <a:off x="1295861" y="3086963"/>
+              <a:ext cx="9612852" cy="544163"/>
+              <a:chOff x="1298989" y="3755751"/>
+              <a:chExt cx="9612852" cy="544163"/>
+            </a:xfrm>
+          </p:grpSpPr>
+          <p:grpSp>
+            <p:nvGrpSpPr>
+              <p:cNvPr id="73" name="Group 72">
+                <a:extLst>
+                  <a:ext uri="{FF2B5EF4-FFF2-40B4-BE49-F238E27FC236}">
+                    <a16:creationId xmlns:a16="http://schemas.microsoft.com/office/drawing/2014/main" id="{4705FD27-3C13-4370-870C-262B558029DA}"/>
+                  </a:ext>
+                </a:extLst>
+              </p:cNvPr>
+              <p:cNvGrpSpPr/>
+              <p:nvPr/>
+            </p:nvGrpSpPr>
+            <p:grpSpPr>
+              <a:xfrm>
+                <a:off x="1298989" y="3975914"/>
+                <a:ext cx="9612852" cy="324000"/>
+                <a:chOff x="1298989" y="3975914"/>
+                <a:chExt cx="9612852" cy="324000"/>
               </a:xfrm>
             </p:grpSpPr>
             <p:grpSp>
               <p:nvGrpSpPr>
-                <p:cNvPr id="76" name="Group 75">
+                <p:cNvPr id="35" name="Group 34">
                   <a:extLst>
                     <a:ext uri="{FF2B5EF4-FFF2-40B4-BE49-F238E27FC236}">
-                      <a16:creationId xmlns:a16="http://schemas.microsoft.com/office/drawing/2014/main" id="{5F6D1D62-792F-4609-9C9E-1DE3AABB2041}"/>
+                      <a16:creationId xmlns:a16="http://schemas.microsoft.com/office/drawing/2014/main" id="{856EEFBE-5996-4BAA-9936-059AB05873D2}"/>
                     </a:ext>
                   </a:extLst>
                 </p:cNvPr>
@@ -5349,28 +5589,30 @@
                 <p:nvPr/>
               </p:nvGrpSpPr>
               <p:grpSpPr>
-                <a:xfrm>
-                  <a:off x="1285374" y="1664482"/>
+                <a:xfrm flipH="1">
+                  <a:off x="8507531" y="3975914"/>
                   <a:ext cx="2404310" cy="324000"/>
-                  <a:chOff x="1285374" y="1538463"/>
+                  <a:chOff x="1176873" y="2281139"/>
                   <a:chExt cx="2404310" cy="324000"/>
                 </a:xfrm>
               </p:grpSpPr>
               <p:cxnSp>
                 <p:nvCxnSpPr>
-                  <p:cNvPr id="27" name="Straight Arrow Connector 26">
+                  <p:cNvPr id="36" name="Straight Arrow Connector 35">
                     <a:extLst>
                       <a:ext uri="{FF2B5EF4-FFF2-40B4-BE49-F238E27FC236}">
-                        <a16:creationId xmlns:a16="http://schemas.microsoft.com/office/drawing/2014/main" id="{514BFA27-30DE-45CC-BD8A-2C534B56D1AD}"/>
+                        <a16:creationId xmlns:a16="http://schemas.microsoft.com/office/drawing/2014/main" id="{CDDC12AB-7D8F-42D6-95E2-AB4ACABA54C6}"/>
                       </a:ext>
                     </a:extLst>
                   </p:cNvPr>
-                  <p:cNvCxnSpPr/>
+                  <p:cNvCxnSpPr>
+                    <a:cxnSpLocks/>
+                  </p:cNvCxnSpPr>
                   <p:nvPr/>
                 </p:nvCxnSpPr>
                 <p:spPr>
                   <a:xfrm>
-                    <a:off x="1285374" y="1700463"/>
+                    <a:off x="1176873" y="2443139"/>
                     <a:ext cx="2404310" cy="0"/>
                   </a:xfrm>
                   <a:prstGeom prst="straightConnector1">
@@ -5398,176 +5640,10 @@
               </p:cxnSp>
               <p:sp>
                 <p:nvSpPr>
-                  <p:cNvPr id="28" name="Isosceles Triangle 27">
+                  <p:cNvPr id="37" name="Isosceles Triangle 36">
                     <a:extLst>
                       <a:ext uri="{FF2B5EF4-FFF2-40B4-BE49-F238E27FC236}">
-                        <a16:creationId xmlns:a16="http://schemas.microsoft.com/office/drawing/2014/main" id="{77A9AD20-E991-442E-AEA6-812EA4D2CFC5}"/>
-                      </a:ext>
-                    </a:extLst>
-                  </p:cNvPr>
-                  <p:cNvSpPr/>
-                  <p:nvPr/>
-                </p:nvSpPr>
-                <p:spPr>
-                  <a:xfrm rot="5400000">
-                    <a:off x="3418681" y="1592463"/>
-                    <a:ext cx="324000" cy="216000"/>
-                  </a:xfrm>
-                  <a:prstGeom prst="triangle">
-                    <a:avLst/>
-                  </a:prstGeom>
-                </p:spPr>
-                <p:style>
-                  <a:lnRef idx="2">
-                    <a:schemeClr val="accent6">
-                      <a:shade val="50000"/>
-                    </a:schemeClr>
-                  </a:lnRef>
-                  <a:fillRef idx="1">
-                    <a:schemeClr val="accent6"/>
-                  </a:fillRef>
-                  <a:effectRef idx="0">
-                    <a:schemeClr val="accent6"/>
-                  </a:effectRef>
-                  <a:fontRef idx="minor">
-                    <a:schemeClr val="lt1"/>
-                  </a:fontRef>
-                </p:style>
-                <p:txBody>
-                  <a:bodyPr rtlCol="0" anchor="ctr"/>
-                  <a:lstStyle/>
-                  <a:p>
-                    <a:pPr algn="ctr"/>
-                    <a:endParaRPr lang="en-US"/>
-                  </a:p>
-                </p:txBody>
-              </p:sp>
-            </p:grpSp>
-            <p:sp>
-              <p:nvSpPr>
-                <p:cNvPr id="77" name="TextBox 76">
-                  <a:extLst>
-                    <a:ext uri="{FF2B5EF4-FFF2-40B4-BE49-F238E27FC236}">
-                      <a16:creationId xmlns:a16="http://schemas.microsoft.com/office/drawing/2014/main" id="{EFCA1376-D181-4F26-B2BF-F556D12ED583}"/>
-                    </a:ext>
-                  </a:extLst>
-                </p:cNvPr>
-                <p:cNvSpPr txBox="1"/>
-                <p:nvPr/>
-              </p:nvSpPr>
-              <p:spPr>
-                <a:xfrm>
-                  <a:off x="1515993" y="1464000"/>
-                  <a:ext cx="1940064" cy="360000"/>
-                </a:xfrm>
-                <a:prstGeom prst="rect">
-                  <a:avLst/>
-                </a:prstGeom>
-                <a:noFill/>
-              </p:spPr>
-              <p:txBody>
-                <a:bodyPr wrap="square" rtlCol="0">
-                  <a:spAutoFit/>
-                </a:bodyPr>
-                <a:lstStyle/>
-                <a:p>
-                  <a:pPr algn="ctr"/>
-                  <a:r>
-                    <a:rPr lang="en-US" dirty="0"/>
-                    <a:t>Who am I ?</a:t>
-                  </a:r>
-                </a:p>
-              </p:txBody>
-            </p:sp>
-          </p:grpSp>
-          <p:grpSp>
-            <p:nvGrpSpPr>
-              <p:cNvPr id="81" name="Group 80">
-                <a:extLst>
-                  <a:ext uri="{FF2B5EF4-FFF2-40B4-BE49-F238E27FC236}">
-                    <a16:creationId xmlns:a16="http://schemas.microsoft.com/office/drawing/2014/main" id="{8B381863-7AEE-49A9-9B06-EA0DB364E23D}"/>
-                  </a:ext>
-                </a:extLst>
-              </p:cNvPr>
-              <p:cNvGrpSpPr/>
-              <p:nvPr/>
-            </p:nvGrpSpPr>
-            <p:grpSpPr>
-              <a:xfrm>
-                <a:off x="1284371" y="1624120"/>
-                <a:ext cx="2404310" cy="518190"/>
-                <a:chOff x="1284371" y="1993236"/>
-                <a:chExt cx="2404310" cy="518190"/>
-              </a:xfrm>
-            </p:grpSpPr>
-            <p:grpSp>
-              <p:nvGrpSpPr>
-                <p:cNvPr id="32" name="Group 31">
-                  <a:extLst>
-                    <a:ext uri="{FF2B5EF4-FFF2-40B4-BE49-F238E27FC236}">
-                      <a16:creationId xmlns:a16="http://schemas.microsoft.com/office/drawing/2014/main" id="{F5B6F295-A774-4199-A0E7-AB31C4A4400B}"/>
-                    </a:ext>
-                  </a:extLst>
-                </p:cNvPr>
-                <p:cNvGrpSpPr/>
-                <p:nvPr/>
-              </p:nvGrpSpPr>
-              <p:grpSpPr>
-                <a:xfrm flipH="1">
-                  <a:off x="1284371" y="2187426"/>
-                  <a:ext cx="2404310" cy="324000"/>
-                  <a:chOff x="1176873" y="2281139"/>
-                  <a:chExt cx="2404310" cy="324000"/>
-                </a:xfrm>
-              </p:grpSpPr>
-              <p:cxnSp>
-                <p:nvCxnSpPr>
-                  <p:cNvPr id="29" name="Straight Arrow Connector 28">
-                    <a:extLst>
-                      <a:ext uri="{FF2B5EF4-FFF2-40B4-BE49-F238E27FC236}">
-                        <a16:creationId xmlns:a16="http://schemas.microsoft.com/office/drawing/2014/main" id="{DB048C23-722D-45F7-BBB1-83B2CBB2EF86}"/>
-                      </a:ext>
-                    </a:extLst>
-                  </p:cNvPr>
-                  <p:cNvCxnSpPr>
-                    <a:cxnSpLocks/>
-                  </p:cNvCxnSpPr>
-                  <p:nvPr/>
-                </p:nvCxnSpPr>
-                <p:spPr>
-                  <a:xfrm>
-                    <a:off x="1176873" y="2443139"/>
-                    <a:ext cx="2404310" cy="0"/>
-                  </a:xfrm>
-                  <a:prstGeom prst="straightConnector1">
-                    <a:avLst/>
-                  </a:prstGeom>
-                  <a:ln>
-                    <a:headEnd type="none" w="med" len="med"/>
-                    <a:tailEnd type="triangle" w="lg" len="lg"/>
-                  </a:ln>
-                </p:spPr>
-                <p:style>
-                  <a:lnRef idx="3">
-                    <a:schemeClr val="accent2"/>
-                  </a:lnRef>
-                  <a:fillRef idx="0">
-                    <a:schemeClr val="accent2"/>
-                  </a:fillRef>
-                  <a:effectRef idx="2">
-                    <a:schemeClr val="accent2"/>
-                  </a:effectRef>
-                  <a:fontRef idx="minor">
-                    <a:schemeClr val="tx1"/>
-                  </a:fontRef>
-                </p:style>
-              </p:cxnSp>
-              <p:sp>
-                <p:nvSpPr>
-                  <p:cNvPr id="30" name="Isosceles Triangle 29">
-                    <a:extLst>
-                      <a:ext uri="{FF2B5EF4-FFF2-40B4-BE49-F238E27FC236}">
-                        <a16:creationId xmlns:a16="http://schemas.microsoft.com/office/drawing/2014/main" id="{0127C069-C667-4A55-ADA1-F4E62DA02893}"/>
+                        <a16:creationId xmlns:a16="http://schemas.microsoft.com/office/drawing/2014/main" id="{AE1779D2-A25F-400C-A0EB-7BAC54E2A688}"/>
                       </a:ext>
                     </a:extLst>
                   </p:cNvPr>
@@ -5577,173 +5653,6 @@
                 <p:spPr>
                   <a:xfrm rot="5400000">
                     <a:off x="3310180" y="2335139"/>
-                    <a:ext cx="324000" cy="216000"/>
-                  </a:xfrm>
-                  <a:prstGeom prst="triangle">
-                    <a:avLst/>
-                  </a:prstGeom>
-                  <a:ln w="19050"/>
-                </p:spPr>
-                <p:style>
-                  <a:lnRef idx="2">
-                    <a:schemeClr val="accent2">
-                      <a:shade val="50000"/>
-                    </a:schemeClr>
-                  </a:lnRef>
-                  <a:fillRef idx="1">
-                    <a:schemeClr val="accent2"/>
-                  </a:fillRef>
-                  <a:effectRef idx="0">
-                    <a:schemeClr val="accent2"/>
-                  </a:effectRef>
-                  <a:fontRef idx="minor">
-                    <a:schemeClr val="lt1"/>
-                  </a:fontRef>
-                </p:style>
-                <p:txBody>
-                  <a:bodyPr rtlCol="0" anchor="ctr"/>
-                  <a:lstStyle/>
-                  <a:p>
-                    <a:pPr algn="ctr"/>
-                    <a:endParaRPr lang="en-US"/>
-                  </a:p>
-                </p:txBody>
-              </p:sp>
-            </p:grpSp>
-            <p:sp>
-              <p:nvSpPr>
-                <p:cNvPr id="79" name="TextBox 78">
-                  <a:extLst>
-                    <a:ext uri="{FF2B5EF4-FFF2-40B4-BE49-F238E27FC236}">
-                      <a16:creationId xmlns:a16="http://schemas.microsoft.com/office/drawing/2014/main" id="{9FF74D6E-474B-4355-B201-69AF3715DE7C}"/>
-                    </a:ext>
-                  </a:extLst>
-                </p:cNvPr>
-                <p:cNvSpPr txBox="1"/>
-                <p:nvPr/>
-              </p:nvSpPr>
-              <p:spPr>
-                <a:xfrm>
-                  <a:off x="1507753" y="1993236"/>
-                  <a:ext cx="1940064" cy="360000"/>
-                </a:xfrm>
-                <a:prstGeom prst="rect">
-                  <a:avLst/>
-                </a:prstGeom>
-                <a:noFill/>
-              </p:spPr>
-              <p:txBody>
-                <a:bodyPr wrap="square" rtlCol="0">
-                  <a:spAutoFit/>
-                </a:bodyPr>
-                <a:lstStyle/>
-                <a:p>
-                  <a:pPr algn="ctr"/>
-                  <a:r>
-                    <a:rPr lang="en-US" dirty="0"/>
-                    <a:t>Symmetric NAT</a:t>
-                  </a:r>
-                </a:p>
-              </p:txBody>
-            </p:sp>
-          </p:grpSp>
-          <p:grpSp>
-            <p:nvGrpSpPr>
-              <p:cNvPr id="82" name="Group 81">
-                <a:extLst>
-                  <a:ext uri="{FF2B5EF4-FFF2-40B4-BE49-F238E27FC236}">
-                    <a16:creationId xmlns:a16="http://schemas.microsoft.com/office/drawing/2014/main" id="{9BB2C6EE-7FFE-40C1-A754-9C3A83458BFF}"/>
-                  </a:ext>
-                </a:extLst>
-              </p:cNvPr>
-              <p:cNvGrpSpPr/>
-              <p:nvPr/>
-            </p:nvGrpSpPr>
-            <p:grpSpPr>
-              <a:xfrm>
-                <a:off x="1284371" y="2230299"/>
-                <a:ext cx="4808620" cy="540666"/>
-                <a:chOff x="1284371" y="2549081"/>
-                <a:chExt cx="4808620" cy="540666"/>
-              </a:xfrm>
-            </p:grpSpPr>
-            <p:grpSp>
-              <p:nvGrpSpPr>
-                <p:cNvPr id="75" name="Group 74">
-                  <a:extLst>
-                    <a:ext uri="{FF2B5EF4-FFF2-40B4-BE49-F238E27FC236}">
-                      <a16:creationId xmlns:a16="http://schemas.microsoft.com/office/drawing/2014/main" id="{6F801725-D9B3-429D-8E7B-1AD453353153}"/>
-                    </a:ext>
-                  </a:extLst>
-                </p:cNvPr>
-                <p:cNvGrpSpPr/>
-                <p:nvPr/>
-              </p:nvGrpSpPr>
-              <p:grpSpPr>
-                <a:xfrm>
-                  <a:off x="1284371" y="2765747"/>
-                  <a:ext cx="4808620" cy="324000"/>
-                  <a:chOff x="1284371" y="2765747"/>
-                  <a:chExt cx="4808620" cy="324000"/>
-                </a:xfrm>
-              </p:grpSpPr>
-              <p:cxnSp>
-                <p:nvCxnSpPr>
-                  <p:cNvPr id="47" name="Straight Arrow Connector 46">
-                    <a:extLst>
-                      <a:ext uri="{FF2B5EF4-FFF2-40B4-BE49-F238E27FC236}">
-                        <a16:creationId xmlns:a16="http://schemas.microsoft.com/office/drawing/2014/main" id="{19AD1866-4D4B-45E2-BF85-D18B44EBCAAE}"/>
-                      </a:ext>
-                    </a:extLst>
-                  </p:cNvPr>
-                  <p:cNvCxnSpPr>
-                    <a:cxnSpLocks/>
-                  </p:cNvCxnSpPr>
-                  <p:nvPr/>
-                </p:nvCxnSpPr>
-                <p:spPr>
-                  <a:xfrm>
-                    <a:off x="1284371" y="2927747"/>
-                    <a:ext cx="4808620" cy="0"/>
-                  </a:xfrm>
-                  <a:prstGeom prst="straightConnector1">
-                    <a:avLst/>
-                  </a:prstGeom>
-                  <a:ln>
-                    <a:headEnd type="none" w="med" len="med"/>
-                    <a:tailEnd type="triangle" w="lg" len="lg"/>
-                  </a:ln>
-                </p:spPr>
-                <p:style>
-                  <a:lnRef idx="3">
-                    <a:schemeClr val="accent6"/>
-                  </a:lnRef>
-                  <a:fillRef idx="0">
-                    <a:schemeClr val="accent6"/>
-                  </a:fillRef>
-                  <a:effectRef idx="2">
-                    <a:schemeClr val="accent6"/>
-                  </a:effectRef>
-                  <a:fontRef idx="minor">
-                    <a:schemeClr val="tx1"/>
-                  </a:fontRef>
-                </p:style>
-              </p:cxnSp>
-              <p:sp>
-                <p:nvSpPr>
-                  <p:cNvPr id="48" name="Isosceles Triangle 47">
-                    <a:extLst>
-                      <a:ext uri="{FF2B5EF4-FFF2-40B4-BE49-F238E27FC236}">
-                        <a16:creationId xmlns:a16="http://schemas.microsoft.com/office/drawing/2014/main" id="{A4A16816-4AD2-4B18-BB9F-F6AE14A1B5FC}"/>
-                      </a:ext>
-                    </a:extLst>
-                  </p:cNvPr>
-                  <p:cNvSpPr/>
-                  <p:nvPr/>
-                </p:nvSpPr>
-                <p:spPr>
-                  <a:xfrm rot="5400000">
-                    <a:off x="5821988" y="2819747"/>
                     <a:ext cx="324000" cy="216000"/>
                   </a:xfrm>
                   <a:prstGeom prst="triangle">
@@ -5777,1073 +5686,12 @@
                 </p:txBody>
               </p:sp>
             </p:grpSp>
-            <p:sp>
-              <p:nvSpPr>
-                <p:cNvPr id="80" name="TextBox 79">
+            <p:grpSp>
+              <p:nvGrpSpPr>
+                <p:cNvPr id="62" name="Group 61">
                   <a:extLst>
                     <a:ext uri="{FF2B5EF4-FFF2-40B4-BE49-F238E27FC236}">
-                      <a16:creationId xmlns:a16="http://schemas.microsoft.com/office/drawing/2014/main" id="{44FEC7ED-F271-4666-B3FD-8A9BD2EA9952}"/>
-                    </a:ext>
-                  </a:extLst>
-                </p:cNvPr>
-                <p:cNvSpPr txBox="1"/>
-                <p:nvPr/>
-              </p:nvSpPr>
-              <p:spPr>
-                <a:xfrm>
-                  <a:off x="1515993" y="2549081"/>
-                  <a:ext cx="4345124" cy="369332"/>
-                </a:xfrm>
-                <a:prstGeom prst="rect">
-                  <a:avLst/>
-                </a:prstGeom>
-                <a:solidFill>
-                  <a:schemeClr val="bg1"/>
-                </a:solidFill>
-                <a:ln>
-                  <a:noFill/>
-                </a:ln>
-              </p:spPr>
-              <p:txBody>
-                <a:bodyPr wrap="square" rtlCol="0">
-                  <a:spAutoFit/>
-                </a:bodyPr>
-                <a:lstStyle/>
-                <a:p>
-                  <a:pPr algn="ctr"/>
-                  <a:r>
-                    <a:rPr lang="en-US" dirty="0"/>
-                    <a:t>Channel request</a:t>
-                  </a:r>
-                </a:p>
-              </p:txBody>
-            </p:sp>
-          </p:grpSp>
-          <p:grpSp>
-            <p:nvGrpSpPr>
-              <p:cNvPr id="98" name="Group 97">
-                <a:extLst>
-                  <a:ext uri="{FF2B5EF4-FFF2-40B4-BE49-F238E27FC236}">
-                    <a16:creationId xmlns:a16="http://schemas.microsoft.com/office/drawing/2014/main" id="{61775980-1DE0-4B17-9C21-21ECE96CF9AD}"/>
-                  </a:ext>
-                </a:extLst>
-              </p:cNvPr>
-              <p:cNvGrpSpPr/>
-              <p:nvPr/>
-            </p:nvGrpSpPr>
-            <p:grpSpPr>
-              <a:xfrm>
-                <a:off x="1298989" y="3487303"/>
-                <a:ext cx="9612852" cy="544163"/>
-                <a:chOff x="1298989" y="3755751"/>
-                <a:chExt cx="9612852" cy="544163"/>
-              </a:xfrm>
-            </p:grpSpPr>
-            <p:grpSp>
-              <p:nvGrpSpPr>
-                <p:cNvPr id="73" name="Group 72">
-                  <a:extLst>
-                    <a:ext uri="{FF2B5EF4-FFF2-40B4-BE49-F238E27FC236}">
-                      <a16:creationId xmlns:a16="http://schemas.microsoft.com/office/drawing/2014/main" id="{4705FD27-3C13-4370-870C-262B558029DA}"/>
-                    </a:ext>
-                  </a:extLst>
-                </p:cNvPr>
-                <p:cNvGrpSpPr/>
-                <p:nvPr/>
-              </p:nvGrpSpPr>
-              <p:grpSpPr>
-                <a:xfrm>
-                  <a:off x="1298989" y="3975914"/>
-                  <a:ext cx="9612852" cy="324000"/>
-                  <a:chOff x="1298989" y="3975914"/>
-                  <a:chExt cx="9612852" cy="324000"/>
-                </a:xfrm>
-              </p:grpSpPr>
-              <p:grpSp>
-                <p:nvGrpSpPr>
-                  <p:cNvPr id="35" name="Group 34">
-                    <a:extLst>
-                      <a:ext uri="{FF2B5EF4-FFF2-40B4-BE49-F238E27FC236}">
-                        <a16:creationId xmlns:a16="http://schemas.microsoft.com/office/drawing/2014/main" id="{856EEFBE-5996-4BAA-9936-059AB05873D2}"/>
-                      </a:ext>
-                    </a:extLst>
-                  </p:cNvPr>
-                  <p:cNvGrpSpPr/>
-                  <p:nvPr/>
-                </p:nvGrpSpPr>
-                <p:grpSpPr>
-                  <a:xfrm flipH="1">
-                    <a:off x="8507531" y="3975914"/>
-                    <a:ext cx="2404310" cy="324000"/>
-                    <a:chOff x="1176873" y="2281139"/>
-                    <a:chExt cx="2404310" cy="324000"/>
-                  </a:xfrm>
-                </p:grpSpPr>
-                <p:cxnSp>
-                  <p:nvCxnSpPr>
-                    <p:cNvPr id="36" name="Straight Arrow Connector 35">
-                      <a:extLst>
-                        <a:ext uri="{FF2B5EF4-FFF2-40B4-BE49-F238E27FC236}">
-                          <a16:creationId xmlns:a16="http://schemas.microsoft.com/office/drawing/2014/main" id="{CDDC12AB-7D8F-42D6-95E2-AB4ACABA54C6}"/>
-                        </a:ext>
-                      </a:extLst>
-                    </p:cNvPr>
-                    <p:cNvCxnSpPr>
-                      <a:cxnSpLocks/>
-                    </p:cNvCxnSpPr>
-                    <p:nvPr/>
-                  </p:nvCxnSpPr>
-                  <p:spPr>
-                    <a:xfrm>
-                      <a:off x="1176873" y="2443139"/>
-                      <a:ext cx="2404310" cy="0"/>
-                    </a:xfrm>
-                    <a:prstGeom prst="straightConnector1">
-                      <a:avLst/>
-                    </a:prstGeom>
-                    <a:ln>
-                      <a:headEnd type="none" w="med" len="med"/>
-                      <a:tailEnd type="triangle" w="lg" len="lg"/>
-                    </a:ln>
-                  </p:spPr>
-                  <p:style>
-                    <a:lnRef idx="3">
-                      <a:schemeClr val="accent6"/>
-                    </a:lnRef>
-                    <a:fillRef idx="0">
-                      <a:schemeClr val="accent6"/>
-                    </a:fillRef>
-                    <a:effectRef idx="2">
-                      <a:schemeClr val="accent6"/>
-                    </a:effectRef>
-                    <a:fontRef idx="minor">
-                      <a:schemeClr val="tx1"/>
-                    </a:fontRef>
-                  </p:style>
-                </p:cxnSp>
-                <p:sp>
-                  <p:nvSpPr>
-                    <p:cNvPr id="37" name="Isosceles Triangle 36">
-                      <a:extLst>
-                        <a:ext uri="{FF2B5EF4-FFF2-40B4-BE49-F238E27FC236}">
-                          <a16:creationId xmlns:a16="http://schemas.microsoft.com/office/drawing/2014/main" id="{AE1779D2-A25F-400C-A0EB-7BAC54E2A688}"/>
-                        </a:ext>
-                      </a:extLst>
-                    </p:cNvPr>
-                    <p:cNvSpPr/>
-                    <p:nvPr/>
-                  </p:nvSpPr>
-                  <p:spPr>
-                    <a:xfrm rot="5400000">
-                      <a:off x="3310180" y="2335139"/>
-                      <a:ext cx="324000" cy="216000"/>
-                    </a:xfrm>
-                    <a:prstGeom prst="triangle">
-                      <a:avLst/>
-                    </a:prstGeom>
-                    <a:ln w="19050"/>
-                  </p:spPr>
-                  <p:style>
-                    <a:lnRef idx="2">
-                      <a:schemeClr val="accent6">
-                        <a:shade val="50000"/>
-                      </a:schemeClr>
-                    </a:lnRef>
-                    <a:fillRef idx="1">
-                      <a:schemeClr val="accent6"/>
-                    </a:fillRef>
-                    <a:effectRef idx="0">
-                      <a:schemeClr val="accent6"/>
-                    </a:effectRef>
-                    <a:fontRef idx="minor">
-                      <a:schemeClr val="lt1"/>
-                    </a:fontRef>
-                  </p:style>
-                  <p:txBody>
-                    <a:bodyPr rtlCol="0" anchor="ctr"/>
-                    <a:lstStyle/>
-                    <a:p>
-                      <a:pPr algn="ctr"/>
-                      <a:endParaRPr lang="en-US"/>
-                    </a:p>
-                  </p:txBody>
-                </p:sp>
-              </p:grpSp>
-              <p:grpSp>
-                <p:nvGrpSpPr>
-                  <p:cNvPr id="62" name="Group 61">
-                    <a:extLst>
-                      <a:ext uri="{FF2B5EF4-FFF2-40B4-BE49-F238E27FC236}">
-                        <a16:creationId xmlns:a16="http://schemas.microsoft.com/office/drawing/2014/main" id="{9471E0FF-DFE3-4F75-8124-09B85DFB303A}"/>
-                      </a:ext>
-                    </a:extLst>
-                  </p:cNvPr>
-                  <p:cNvGrpSpPr/>
-                  <p:nvPr/>
-                </p:nvGrpSpPr>
-                <p:grpSpPr>
-                  <a:xfrm flipH="1">
-                    <a:off x="1298989" y="3975914"/>
-                    <a:ext cx="7250531" cy="324000"/>
-                    <a:chOff x="1435016" y="3419400"/>
-                    <a:chExt cx="7250531" cy="324000"/>
-                  </a:xfrm>
-                </p:grpSpPr>
-                <p:cxnSp>
-                  <p:nvCxnSpPr>
-                    <p:cNvPr id="63" name="Straight Arrow Connector 62">
-                      <a:extLst>
-                        <a:ext uri="{FF2B5EF4-FFF2-40B4-BE49-F238E27FC236}">
-                          <a16:creationId xmlns:a16="http://schemas.microsoft.com/office/drawing/2014/main" id="{3EFAD31D-D849-42BE-BC51-A86E67E543CC}"/>
-                        </a:ext>
-                      </a:extLst>
-                    </p:cNvPr>
-                    <p:cNvCxnSpPr>
-                      <a:cxnSpLocks/>
-                    </p:cNvCxnSpPr>
-                    <p:nvPr/>
-                  </p:nvCxnSpPr>
-                  <p:spPr>
-                    <a:xfrm>
-                      <a:off x="1435016" y="3581400"/>
-                      <a:ext cx="7250531" cy="0"/>
-                    </a:xfrm>
-                    <a:prstGeom prst="straightConnector1">
-                      <a:avLst/>
-                    </a:prstGeom>
-                    <a:ln w="19050">
-                      <a:headEnd type="none" w="med" len="med"/>
-                      <a:tailEnd type="triangle" w="lg" len="lg"/>
-                    </a:ln>
-                  </p:spPr>
-                  <p:style>
-                    <a:lnRef idx="3">
-                      <a:schemeClr val="accent5"/>
-                    </a:lnRef>
-                    <a:fillRef idx="0">
-                      <a:schemeClr val="accent5"/>
-                    </a:fillRef>
-                    <a:effectRef idx="2">
-                      <a:schemeClr val="accent5"/>
-                    </a:effectRef>
-                    <a:fontRef idx="minor">
-                      <a:schemeClr val="tx1"/>
-                    </a:fontRef>
-                  </p:style>
-                </p:cxnSp>
-                <p:sp>
-                  <p:nvSpPr>
-                    <p:cNvPr id="64" name="Isosceles Triangle 63">
-                      <a:extLst>
-                        <a:ext uri="{FF2B5EF4-FFF2-40B4-BE49-F238E27FC236}">
-                          <a16:creationId xmlns:a16="http://schemas.microsoft.com/office/drawing/2014/main" id="{4D8DA5B3-EE5F-4F6D-9DC4-BC28BD091926}"/>
-                        </a:ext>
-                      </a:extLst>
-                    </p:cNvPr>
-                    <p:cNvSpPr/>
-                    <p:nvPr/>
-                  </p:nvSpPr>
-                  <p:spPr>
-                    <a:xfrm rot="5400000">
-                      <a:off x="8414544" y="3473400"/>
-                      <a:ext cx="324000" cy="216000"/>
-                    </a:xfrm>
-                    <a:prstGeom prst="triangle">
-                      <a:avLst/>
-                    </a:prstGeom>
-                  </p:spPr>
-                  <p:style>
-                    <a:lnRef idx="2">
-                      <a:schemeClr val="accent5">
-                        <a:shade val="50000"/>
-                      </a:schemeClr>
-                    </a:lnRef>
-                    <a:fillRef idx="1">
-                      <a:schemeClr val="accent5"/>
-                    </a:fillRef>
-                    <a:effectRef idx="0">
-                      <a:schemeClr val="accent5"/>
-                    </a:effectRef>
-                    <a:fontRef idx="minor">
-                      <a:schemeClr val="lt1"/>
-                    </a:fontRef>
-                  </p:style>
-                  <p:txBody>
-                    <a:bodyPr rtlCol="0" anchor="ctr"/>
-                    <a:lstStyle/>
-                    <a:p>
-                      <a:pPr algn="ctr"/>
-                      <a:endParaRPr lang="en-US"/>
-                    </a:p>
-                  </p:txBody>
-                </p:sp>
-              </p:grpSp>
-            </p:grpSp>
-            <p:sp>
-              <p:nvSpPr>
-                <p:cNvPr id="87" name="TextBox 86">
-                  <a:extLst>
-                    <a:ext uri="{FF2B5EF4-FFF2-40B4-BE49-F238E27FC236}">
-                      <a16:creationId xmlns:a16="http://schemas.microsoft.com/office/drawing/2014/main" id="{F386C0CE-DC24-4D58-BB26-AF6D835EFA69}"/>
-                    </a:ext>
-                  </a:extLst>
-                </p:cNvPr>
-                <p:cNvSpPr txBox="1"/>
-                <p:nvPr/>
-              </p:nvSpPr>
-              <p:spPr>
-                <a:xfrm>
-                  <a:off x="8723158" y="3771644"/>
-                  <a:ext cx="1940064" cy="369332"/>
-                </a:xfrm>
-                <a:prstGeom prst="rect">
-                  <a:avLst/>
-                </a:prstGeom>
-                <a:noFill/>
-              </p:spPr>
-              <p:txBody>
-                <a:bodyPr wrap="square" rtlCol="0">
-                  <a:spAutoFit/>
-                </a:bodyPr>
-                <a:lstStyle/>
-                <a:p>
-                  <a:pPr algn="ctr"/>
-                  <a:r>
-                    <a:rPr lang="en-US" dirty="0"/>
-                    <a:t>Answer SDP</a:t>
-                  </a:r>
-                </a:p>
-              </p:txBody>
-            </p:sp>
-            <p:sp>
-              <p:nvSpPr>
-                <p:cNvPr id="88" name="TextBox 87">
-                  <a:extLst>
-                    <a:ext uri="{FF2B5EF4-FFF2-40B4-BE49-F238E27FC236}">
-                      <a16:creationId xmlns:a16="http://schemas.microsoft.com/office/drawing/2014/main" id="{5FCD98BD-B305-4AC2-895F-BC6ED33AAA37}"/>
-                    </a:ext>
-                  </a:extLst>
-                </p:cNvPr>
-                <p:cNvSpPr txBox="1"/>
-                <p:nvPr/>
-              </p:nvSpPr>
-              <p:spPr>
-                <a:xfrm>
-                  <a:off x="1507753" y="3755751"/>
-                  <a:ext cx="6750455" cy="369332"/>
-                </a:xfrm>
-                <a:prstGeom prst="rect">
-                  <a:avLst/>
-                </a:prstGeom>
-                <a:noFill/>
-              </p:spPr>
-              <p:txBody>
-                <a:bodyPr wrap="square" rtlCol="0">
-                  <a:spAutoFit/>
-                </a:bodyPr>
-                <a:lstStyle/>
-                <a:p>
-                  <a:pPr algn="ctr"/>
-                  <a:r>
-                    <a:rPr lang="en-US" dirty="0"/>
-                    <a:t>Answer SDP</a:t>
-                  </a:r>
-                </a:p>
-              </p:txBody>
-            </p:sp>
-          </p:grpSp>
-          <p:grpSp>
-            <p:nvGrpSpPr>
-              <p:cNvPr id="99" name="Group 98">
-                <a:extLst>
-                  <a:ext uri="{FF2B5EF4-FFF2-40B4-BE49-F238E27FC236}">
-                    <a16:creationId xmlns:a16="http://schemas.microsoft.com/office/drawing/2014/main" id="{FDD5D48D-2534-4560-9578-0308045844C7}"/>
-                  </a:ext>
-                </a:extLst>
-              </p:cNvPr>
-              <p:cNvGrpSpPr/>
-              <p:nvPr/>
-            </p:nvGrpSpPr>
-            <p:grpSpPr>
-              <a:xfrm>
-                <a:off x="1284371" y="4123608"/>
-                <a:ext cx="9612778" cy="542164"/>
-                <a:chOff x="1284371" y="4350111"/>
-                <a:chExt cx="9612778" cy="542164"/>
-              </a:xfrm>
-            </p:grpSpPr>
-            <p:grpSp>
-              <p:nvGrpSpPr>
-                <p:cNvPr id="72" name="Group 71">
-                  <a:extLst>
-                    <a:ext uri="{FF2B5EF4-FFF2-40B4-BE49-F238E27FC236}">
-                      <a16:creationId xmlns:a16="http://schemas.microsoft.com/office/drawing/2014/main" id="{1BA1E400-0D89-4D48-93BF-F18B53A130EF}"/>
-                    </a:ext>
-                  </a:extLst>
-                </p:cNvPr>
-                <p:cNvGrpSpPr/>
-                <p:nvPr/>
-              </p:nvGrpSpPr>
-              <p:grpSpPr>
-                <a:xfrm>
-                  <a:off x="1284371" y="4567139"/>
-                  <a:ext cx="9612778" cy="325136"/>
-                  <a:chOff x="1284371" y="4567139"/>
-                  <a:chExt cx="9612778" cy="325136"/>
-                </a:xfrm>
-              </p:grpSpPr>
-              <p:grpSp>
-                <p:nvGrpSpPr>
-                  <p:cNvPr id="44" name="Group 43">
-                    <a:extLst>
-                      <a:ext uri="{FF2B5EF4-FFF2-40B4-BE49-F238E27FC236}">
-                        <a16:creationId xmlns:a16="http://schemas.microsoft.com/office/drawing/2014/main" id="{A1D2C000-8112-4AE8-9787-91379EF3BB97}"/>
-                      </a:ext>
-                    </a:extLst>
-                  </p:cNvPr>
-                  <p:cNvGrpSpPr/>
-                  <p:nvPr/>
-                </p:nvGrpSpPr>
-                <p:grpSpPr>
-                  <a:xfrm>
-                    <a:off x="8492839" y="4568275"/>
-                    <a:ext cx="2404310" cy="324000"/>
-                    <a:chOff x="1176873" y="2272750"/>
-                    <a:chExt cx="2404310" cy="324000"/>
-                  </a:xfrm>
-                </p:grpSpPr>
-                <p:cxnSp>
-                  <p:nvCxnSpPr>
-                    <p:cNvPr id="45" name="Straight Arrow Connector 44">
-                      <a:extLst>
-                        <a:ext uri="{FF2B5EF4-FFF2-40B4-BE49-F238E27FC236}">
-                          <a16:creationId xmlns:a16="http://schemas.microsoft.com/office/drawing/2014/main" id="{9057A522-623A-4073-9005-F41EC1299BCE}"/>
-                        </a:ext>
-                      </a:extLst>
-                    </p:cNvPr>
-                    <p:cNvCxnSpPr>
-                      <a:cxnSpLocks/>
-                    </p:cNvCxnSpPr>
-                    <p:nvPr/>
-                  </p:nvCxnSpPr>
-                  <p:spPr>
-                    <a:xfrm>
-                      <a:off x="1176873" y="2434750"/>
-                      <a:ext cx="2404310" cy="0"/>
-                    </a:xfrm>
-                    <a:prstGeom prst="straightConnector1">
-                      <a:avLst/>
-                    </a:prstGeom>
-                    <a:ln w="19050">
-                      <a:headEnd type="none" w="med" len="med"/>
-                      <a:tailEnd type="triangle" w="lg" len="lg"/>
-                    </a:ln>
-                  </p:spPr>
-                  <p:style>
-                    <a:lnRef idx="3">
-                      <a:schemeClr val="accent5"/>
-                    </a:lnRef>
-                    <a:fillRef idx="0">
-                      <a:schemeClr val="accent5"/>
-                    </a:fillRef>
-                    <a:effectRef idx="2">
-                      <a:schemeClr val="accent5"/>
-                    </a:effectRef>
-                    <a:fontRef idx="minor">
-                      <a:schemeClr val="tx1"/>
-                    </a:fontRef>
-                  </p:style>
-                </p:cxnSp>
-                <p:sp>
-                  <p:nvSpPr>
-                    <p:cNvPr id="46" name="Isosceles Triangle 45">
-                      <a:extLst>
-                        <a:ext uri="{FF2B5EF4-FFF2-40B4-BE49-F238E27FC236}">
-                          <a16:creationId xmlns:a16="http://schemas.microsoft.com/office/drawing/2014/main" id="{EB51421A-8DDB-4A14-AF2A-33B9CAEDEAED}"/>
-                        </a:ext>
-                      </a:extLst>
-                    </p:cNvPr>
-                    <p:cNvSpPr/>
-                    <p:nvPr/>
-                  </p:nvSpPr>
-                  <p:spPr>
-                    <a:xfrm rot="5400000">
-                      <a:off x="3310180" y="2326750"/>
-                      <a:ext cx="324000" cy="216000"/>
-                    </a:xfrm>
-                    <a:prstGeom prst="triangle">
-                      <a:avLst/>
-                    </a:prstGeom>
-                  </p:spPr>
-                  <p:style>
-                    <a:lnRef idx="2">
-                      <a:schemeClr val="accent5">
-                        <a:shade val="50000"/>
-                      </a:schemeClr>
-                    </a:lnRef>
-                    <a:fillRef idx="1">
-                      <a:schemeClr val="accent5"/>
-                    </a:fillRef>
-                    <a:effectRef idx="0">
-                      <a:schemeClr val="accent5"/>
-                    </a:effectRef>
-                    <a:fontRef idx="minor">
-                      <a:schemeClr val="lt1"/>
-                    </a:fontRef>
-                  </p:style>
-                  <p:txBody>
-                    <a:bodyPr rtlCol="0" anchor="ctr"/>
-                    <a:lstStyle/>
-                    <a:p>
-                      <a:pPr algn="ctr"/>
-                      <a:endParaRPr lang="en-US"/>
-                    </a:p>
-                  </p:txBody>
-                </p:sp>
-              </p:grpSp>
-              <p:grpSp>
-                <p:nvGrpSpPr>
-                  <p:cNvPr id="56" name="Group 55">
-                    <a:extLst>
-                      <a:ext uri="{FF2B5EF4-FFF2-40B4-BE49-F238E27FC236}">
-                        <a16:creationId xmlns:a16="http://schemas.microsoft.com/office/drawing/2014/main" id="{C2543E65-DCFA-4A7A-AAE9-0581BB21D4B7}"/>
-                      </a:ext>
-                    </a:extLst>
-                  </p:cNvPr>
-                  <p:cNvGrpSpPr/>
-                  <p:nvPr/>
-                </p:nvGrpSpPr>
-                <p:grpSpPr>
-                  <a:xfrm>
-                    <a:off x="1284371" y="4567139"/>
-                    <a:ext cx="7210558" cy="324000"/>
-                    <a:chOff x="1474989" y="3419400"/>
-                    <a:chExt cx="7210558" cy="324000"/>
-                  </a:xfrm>
-                </p:grpSpPr>
-                <p:cxnSp>
-                  <p:nvCxnSpPr>
-                    <p:cNvPr id="57" name="Straight Arrow Connector 56">
-                      <a:extLst>
-                        <a:ext uri="{FF2B5EF4-FFF2-40B4-BE49-F238E27FC236}">
-                          <a16:creationId xmlns:a16="http://schemas.microsoft.com/office/drawing/2014/main" id="{A7AF6DAD-4065-4CD0-9DE1-E4043443CBEA}"/>
-                        </a:ext>
-                      </a:extLst>
-                    </p:cNvPr>
-                    <p:cNvCxnSpPr>
-                      <a:cxnSpLocks/>
-                    </p:cNvCxnSpPr>
-                    <p:nvPr/>
-                  </p:nvCxnSpPr>
-                  <p:spPr>
-                    <a:xfrm>
-                      <a:off x="1474989" y="3581400"/>
-                      <a:ext cx="7210558" cy="0"/>
-                    </a:xfrm>
-                    <a:prstGeom prst="straightConnector1">
-                      <a:avLst/>
-                    </a:prstGeom>
-                    <a:ln>
-                      <a:headEnd type="none" w="med" len="med"/>
-                      <a:tailEnd type="triangle" w="lg" len="lg"/>
-                    </a:ln>
-                  </p:spPr>
-                  <p:style>
-                    <a:lnRef idx="3">
-                      <a:schemeClr val="accent6"/>
-                    </a:lnRef>
-                    <a:fillRef idx="0">
-                      <a:schemeClr val="accent6"/>
-                    </a:fillRef>
-                    <a:effectRef idx="2">
-                      <a:schemeClr val="accent6"/>
-                    </a:effectRef>
-                    <a:fontRef idx="minor">
-                      <a:schemeClr val="tx1"/>
-                    </a:fontRef>
-                  </p:style>
-                </p:cxnSp>
-                <p:sp>
-                  <p:nvSpPr>
-                    <p:cNvPr id="58" name="Isosceles Triangle 57">
-                      <a:extLst>
-                        <a:ext uri="{FF2B5EF4-FFF2-40B4-BE49-F238E27FC236}">
-                          <a16:creationId xmlns:a16="http://schemas.microsoft.com/office/drawing/2014/main" id="{6F3D09BA-B48F-4901-90AD-851E0E4BE7FE}"/>
-                        </a:ext>
-                      </a:extLst>
-                    </p:cNvPr>
-                    <p:cNvSpPr/>
-                    <p:nvPr/>
-                  </p:nvSpPr>
-                  <p:spPr>
-                    <a:xfrm rot="5400000">
-                      <a:off x="8414544" y="3473400"/>
-                      <a:ext cx="324000" cy="216000"/>
-                    </a:xfrm>
-                    <a:prstGeom prst="triangle">
-                      <a:avLst/>
-                    </a:prstGeom>
-                    <a:ln w="19050"/>
-                  </p:spPr>
-                  <p:style>
-                    <a:lnRef idx="2">
-                      <a:schemeClr val="accent6">
-                        <a:shade val="50000"/>
-                      </a:schemeClr>
-                    </a:lnRef>
-                    <a:fillRef idx="1">
-                      <a:schemeClr val="accent6"/>
-                    </a:fillRef>
-                    <a:effectRef idx="0">
-                      <a:schemeClr val="accent6"/>
-                    </a:effectRef>
-                    <a:fontRef idx="minor">
-                      <a:schemeClr val="lt1"/>
-                    </a:fontRef>
-                  </p:style>
-                  <p:txBody>
-                    <a:bodyPr rtlCol="0" anchor="ctr"/>
-                    <a:lstStyle/>
-                    <a:p>
-                      <a:pPr algn="ctr"/>
-                      <a:endParaRPr lang="en-US"/>
-                    </a:p>
-                  </p:txBody>
-                </p:sp>
-              </p:grpSp>
-            </p:grpSp>
-            <p:sp>
-              <p:nvSpPr>
-                <p:cNvPr id="89" name="TextBox 88">
-                  <a:extLst>
-                    <a:ext uri="{FF2B5EF4-FFF2-40B4-BE49-F238E27FC236}">
-                      <a16:creationId xmlns:a16="http://schemas.microsoft.com/office/drawing/2014/main" id="{E4EF32FF-2F05-440D-AE0F-9B6668EC6221}"/>
-                    </a:ext>
-                  </a:extLst>
-                </p:cNvPr>
-                <p:cNvSpPr txBox="1"/>
-                <p:nvPr/>
-              </p:nvSpPr>
-              <p:spPr>
-                <a:xfrm>
-                  <a:off x="8723158" y="4366004"/>
-                  <a:ext cx="1940064" cy="369332"/>
-                </a:xfrm>
-                <a:prstGeom prst="rect">
-                  <a:avLst/>
-                </a:prstGeom>
-                <a:noFill/>
-              </p:spPr>
-              <p:txBody>
-                <a:bodyPr wrap="square" rtlCol="0">
-                  <a:spAutoFit/>
-                </a:bodyPr>
-                <a:lstStyle/>
-                <a:p>
-                  <a:pPr algn="ctr"/>
-                  <a:r>
-                    <a:rPr lang="en-US" dirty="0"/>
-                    <a:t>ICE candidate (1)</a:t>
-                  </a:r>
-                </a:p>
-              </p:txBody>
-            </p:sp>
-            <p:sp>
-              <p:nvSpPr>
-                <p:cNvPr id="90" name="TextBox 89">
-                  <a:extLst>
-                    <a:ext uri="{FF2B5EF4-FFF2-40B4-BE49-F238E27FC236}">
-                      <a16:creationId xmlns:a16="http://schemas.microsoft.com/office/drawing/2014/main" id="{8B21B7C0-6C04-4C90-9013-99A6638F71FC}"/>
-                    </a:ext>
-                  </a:extLst>
-                </p:cNvPr>
-                <p:cNvSpPr txBox="1"/>
-                <p:nvPr/>
-              </p:nvSpPr>
-              <p:spPr>
-                <a:xfrm>
-                  <a:off x="1507753" y="4350111"/>
-                  <a:ext cx="6750455" cy="369332"/>
-                </a:xfrm>
-                <a:prstGeom prst="rect">
-                  <a:avLst/>
-                </a:prstGeom>
-                <a:noFill/>
-              </p:spPr>
-              <p:txBody>
-                <a:bodyPr wrap="square" rtlCol="0">
-                  <a:spAutoFit/>
-                </a:bodyPr>
-                <a:lstStyle/>
-                <a:p>
-                  <a:pPr algn="ctr"/>
-                  <a:r>
-                    <a:rPr lang="en-US" dirty="0"/>
-                    <a:t>ICE candidate (1)</a:t>
-                  </a:r>
-                </a:p>
-              </p:txBody>
-            </p:sp>
-          </p:grpSp>
-          <p:grpSp>
-            <p:nvGrpSpPr>
-              <p:cNvPr id="100" name="Group 99">
-                <a:extLst>
-                  <a:ext uri="{FF2B5EF4-FFF2-40B4-BE49-F238E27FC236}">
-                    <a16:creationId xmlns:a16="http://schemas.microsoft.com/office/drawing/2014/main" id="{948F51F3-D316-4520-B8BB-D029184C70CF}"/>
-                  </a:ext>
-                </a:extLst>
-              </p:cNvPr>
-              <p:cNvGrpSpPr/>
-              <p:nvPr/>
-            </p:nvGrpSpPr>
-            <p:grpSpPr>
-              <a:xfrm>
-                <a:off x="1294317" y="4746840"/>
-                <a:ext cx="9617524" cy="543433"/>
-                <a:chOff x="1294317" y="5074011"/>
-                <a:chExt cx="9617524" cy="543433"/>
-              </a:xfrm>
-            </p:grpSpPr>
-            <p:grpSp>
-              <p:nvGrpSpPr>
-                <p:cNvPr id="71" name="Group 70">
-                  <a:extLst>
-                    <a:ext uri="{FF2B5EF4-FFF2-40B4-BE49-F238E27FC236}">
-                      <a16:creationId xmlns:a16="http://schemas.microsoft.com/office/drawing/2014/main" id="{827A0342-B78D-42FE-8A8E-62DA5737E49D}"/>
-                    </a:ext>
-                  </a:extLst>
-                </p:cNvPr>
-                <p:cNvGrpSpPr/>
-                <p:nvPr/>
-              </p:nvGrpSpPr>
-              <p:grpSpPr>
-                <a:xfrm>
-                  <a:off x="1294317" y="5293444"/>
-                  <a:ext cx="9617524" cy="324000"/>
-                  <a:chOff x="1294317" y="5293444"/>
-                  <a:chExt cx="9617524" cy="324000"/>
-                </a:xfrm>
-              </p:grpSpPr>
-              <p:grpSp>
-                <p:nvGrpSpPr>
-                  <p:cNvPr id="38" name="Group 37">
-                    <a:extLst>
-                      <a:ext uri="{FF2B5EF4-FFF2-40B4-BE49-F238E27FC236}">
-                        <a16:creationId xmlns:a16="http://schemas.microsoft.com/office/drawing/2014/main" id="{940AA6C9-1BCF-4D02-9E7D-27FEB75F245D}"/>
-                      </a:ext>
-                    </a:extLst>
-                  </p:cNvPr>
-                  <p:cNvGrpSpPr/>
-                  <p:nvPr/>
-                </p:nvGrpSpPr>
-                <p:grpSpPr>
-                  <a:xfrm flipH="1">
-                    <a:off x="8507531" y="5293444"/>
-                    <a:ext cx="2404310" cy="324000"/>
-                    <a:chOff x="1176873" y="2281139"/>
-                    <a:chExt cx="2404310" cy="324000"/>
-                  </a:xfrm>
-                </p:grpSpPr>
-                <p:cxnSp>
-                  <p:nvCxnSpPr>
-                    <p:cNvPr id="39" name="Straight Arrow Connector 38">
-                      <a:extLst>
-                        <a:ext uri="{FF2B5EF4-FFF2-40B4-BE49-F238E27FC236}">
-                          <a16:creationId xmlns:a16="http://schemas.microsoft.com/office/drawing/2014/main" id="{32844675-D784-4F60-A402-4A72927B039E}"/>
-                        </a:ext>
-                      </a:extLst>
-                    </p:cNvPr>
-                    <p:cNvCxnSpPr>
-                      <a:cxnSpLocks/>
-                    </p:cNvCxnSpPr>
-                    <p:nvPr/>
-                  </p:nvCxnSpPr>
-                  <p:spPr>
-                    <a:xfrm>
-                      <a:off x="1176873" y="2443139"/>
-                      <a:ext cx="2404310" cy="0"/>
-                    </a:xfrm>
-                    <a:prstGeom prst="straightConnector1">
-                      <a:avLst/>
-                    </a:prstGeom>
-                    <a:ln>
-                      <a:headEnd type="none" w="med" len="med"/>
-                      <a:tailEnd type="triangle" w="lg" len="lg"/>
-                    </a:ln>
-                  </p:spPr>
-                  <p:style>
-                    <a:lnRef idx="3">
-                      <a:schemeClr val="accent6"/>
-                    </a:lnRef>
-                    <a:fillRef idx="0">
-                      <a:schemeClr val="accent6"/>
-                    </a:fillRef>
-                    <a:effectRef idx="2">
-                      <a:schemeClr val="accent6"/>
-                    </a:effectRef>
-                    <a:fontRef idx="minor">
-                      <a:schemeClr val="tx1"/>
-                    </a:fontRef>
-                  </p:style>
-                </p:cxnSp>
-                <p:sp>
-                  <p:nvSpPr>
-                    <p:cNvPr id="40" name="Isosceles Triangle 39">
-                      <a:extLst>
-                        <a:ext uri="{FF2B5EF4-FFF2-40B4-BE49-F238E27FC236}">
-                          <a16:creationId xmlns:a16="http://schemas.microsoft.com/office/drawing/2014/main" id="{EC441F49-7F12-4332-9B36-279326BC2B6F}"/>
-                        </a:ext>
-                      </a:extLst>
-                    </p:cNvPr>
-                    <p:cNvSpPr/>
-                    <p:nvPr/>
-                  </p:nvSpPr>
-                  <p:spPr>
-                    <a:xfrm rot="5400000">
-                      <a:off x="3310180" y="2335139"/>
-                      <a:ext cx="324000" cy="216000"/>
-                    </a:xfrm>
-                    <a:prstGeom prst="triangle">
-                      <a:avLst/>
-                    </a:prstGeom>
-                    <a:ln w="19050"/>
-                  </p:spPr>
-                  <p:style>
-                    <a:lnRef idx="2">
-                      <a:schemeClr val="accent6">
-                        <a:shade val="50000"/>
-                      </a:schemeClr>
-                    </a:lnRef>
-                    <a:fillRef idx="1">
-                      <a:schemeClr val="accent6"/>
-                    </a:fillRef>
-                    <a:effectRef idx="0">
-                      <a:schemeClr val="accent6"/>
-                    </a:effectRef>
-                    <a:fontRef idx="minor">
-                      <a:schemeClr val="lt1"/>
-                    </a:fontRef>
-                  </p:style>
-                  <p:txBody>
-                    <a:bodyPr rtlCol="0" anchor="ctr"/>
-                    <a:lstStyle/>
-                    <a:p>
-                      <a:pPr algn="ctr"/>
-                      <a:endParaRPr lang="en-US"/>
-                    </a:p>
-                  </p:txBody>
-                </p:sp>
-              </p:grpSp>
-              <p:grpSp>
-                <p:nvGrpSpPr>
-                  <p:cNvPr id="59" name="Group 58">
-                    <a:extLst>
-                      <a:ext uri="{FF2B5EF4-FFF2-40B4-BE49-F238E27FC236}">
-                        <a16:creationId xmlns:a16="http://schemas.microsoft.com/office/drawing/2014/main" id="{61A4B142-192A-49CA-B8D0-787DC5BD3DD1}"/>
-                      </a:ext>
-                    </a:extLst>
-                  </p:cNvPr>
-                  <p:cNvGrpSpPr/>
-                  <p:nvPr/>
-                </p:nvGrpSpPr>
-                <p:grpSpPr>
-                  <a:xfrm flipH="1">
-                    <a:off x="1294317" y="5293444"/>
-                    <a:ext cx="7250531" cy="324000"/>
-                    <a:chOff x="1435016" y="3419400"/>
-                    <a:chExt cx="7250531" cy="324000"/>
-                  </a:xfrm>
-                </p:grpSpPr>
-                <p:cxnSp>
-                  <p:nvCxnSpPr>
-                    <p:cNvPr id="60" name="Straight Arrow Connector 59">
-                      <a:extLst>
-                        <a:ext uri="{FF2B5EF4-FFF2-40B4-BE49-F238E27FC236}">
-                          <a16:creationId xmlns:a16="http://schemas.microsoft.com/office/drawing/2014/main" id="{7B638897-8D41-4ED5-90A9-B543C3081381}"/>
-                        </a:ext>
-                      </a:extLst>
-                    </p:cNvPr>
-                    <p:cNvCxnSpPr>
-                      <a:cxnSpLocks/>
-                    </p:cNvCxnSpPr>
-                    <p:nvPr/>
-                  </p:nvCxnSpPr>
-                  <p:spPr>
-                    <a:xfrm>
-                      <a:off x="1435016" y="3581400"/>
-                      <a:ext cx="7250531" cy="0"/>
-                    </a:xfrm>
-                    <a:prstGeom prst="straightConnector1">
-                      <a:avLst/>
-                    </a:prstGeom>
-                    <a:ln w="19050">
-                      <a:headEnd type="none" w="med" len="med"/>
-                      <a:tailEnd type="triangle" w="lg" len="lg"/>
-                    </a:ln>
-                  </p:spPr>
-                  <p:style>
-                    <a:lnRef idx="3">
-                      <a:schemeClr val="accent5"/>
-                    </a:lnRef>
-                    <a:fillRef idx="0">
-                      <a:schemeClr val="accent5"/>
-                    </a:fillRef>
-                    <a:effectRef idx="2">
-                      <a:schemeClr val="accent5"/>
-                    </a:effectRef>
-                    <a:fontRef idx="minor">
-                      <a:schemeClr val="tx1"/>
-                    </a:fontRef>
-                  </p:style>
-                </p:cxnSp>
-                <p:sp>
-                  <p:nvSpPr>
-                    <p:cNvPr id="61" name="Isosceles Triangle 60">
-                      <a:extLst>
-                        <a:ext uri="{FF2B5EF4-FFF2-40B4-BE49-F238E27FC236}">
-                          <a16:creationId xmlns:a16="http://schemas.microsoft.com/office/drawing/2014/main" id="{2E0D8909-8F12-421D-A50B-8207E3835069}"/>
-                        </a:ext>
-                      </a:extLst>
-                    </p:cNvPr>
-                    <p:cNvSpPr/>
-                    <p:nvPr/>
-                  </p:nvSpPr>
-                  <p:spPr>
-                    <a:xfrm rot="5400000">
-                      <a:off x="8414544" y="3473400"/>
-                      <a:ext cx="324000" cy="216000"/>
-                    </a:xfrm>
-                    <a:prstGeom prst="triangle">
-                      <a:avLst/>
-                    </a:prstGeom>
-                  </p:spPr>
-                  <p:style>
-                    <a:lnRef idx="2">
-                      <a:schemeClr val="accent5">
-                        <a:shade val="50000"/>
-                      </a:schemeClr>
-                    </a:lnRef>
-                    <a:fillRef idx="1">
-                      <a:schemeClr val="accent5"/>
-                    </a:fillRef>
-                    <a:effectRef idx="0">
-                      <a:schemeClr val="accent5"/>
-                    </a:effectRef>
-                    <a:fontRef idx="minor">
-                      <a:schemeClr val="lt1"/>
-                    </a:fontRef>
-                  </p:style>
-                  <p:txBody>
-                    <a:bodyPr rtlCol="0" anchor="ctr"/>
-                    <a:lstStyle/>
-                    <a:p>
-                      <a:pPr algn="ctr"/>
-                      <a:endParaRPr lang="en-US"/>
-                    </a:p>
-                  </p:txBody>
-                </p:sp>
-              </p:grpSp>
-            </p:grpSp>
-            <p:sp>
-              <p:nvSpPr>
-                <p:cNvPr id="91" name="TextBox 90">
-                  <a:extLst>
-                    <a:ext uri="{FF2B5EF4-FFF2-40B4-BE49-F238E27FC236}">
-                      <a16:creationId xmlns:a16="http://schemas.microsoft.com/office/drawing/2014/main" id="{F808EA79-31CA-4650-9F8D-F096661DE92B}"/>
-                    </a:ext>
-                  </a:extLst>
-                </p:cNvPr>
-                <p:cNvSpPr txBox="1"/>
-                <p:nvPr/>
-              </p:nvSpPr>
-              <p:spPr>
-                <a:xfrm>
-                  <a:off x="8723158" y="5089904"/>
-                  <a:ext cx="1940064" cy="369332"/>
-                </a:xfrm>
-                <a:prstGeom prst="rect">
-                  <a:avLst/>
-                </a:prstGeom>
-                <a:noFill/>
-              </p:spPr>
-              <p:txBody>
-                <a:bodyPr wrap="square" rtlCol="0">
-                  <a:spAutoFit/>
-                </a:bodyPr>
-                <a:lstStyle/>
-                <a:p>
-                  <a:pPr algn="ctr"/>
-                  <a:r>
-                    <a:rPr lang="en-US" dirty="0"/>
-                    <a:t>ICE candidate (2)</a:t>
-                  </a:r>
-                </a:p>
-              </p:txBody>
-            </p:sp>
-            <p:sp>
-              <p:nvSpPr>
-                <p:cNvPr id="92" name="TextBox 91">
-                  <a:extLst>
-                    <a:ext uri="{FF2B5EF4-FFF2-40B4-BE49-F238E27FC236}">
-                      <a16:creationId xmlns:a16="http://schemas.microsoft.com/office/drawing/2014/main" id="{4F5123BE-40D7-4633-BCCF-5ED7D9FD59DB}"/>
-                    </a:ext>
-                  </a:extLst>
-                </p:cNvPr>
-                <p:cNvSpPr txBox="1"/>
-                <p:nvPr/>
-              </p:nvSpPr>
-              <p:spPr>
-                <a:xfrm>
-                  <a:off x="1507753" y="5074011"/>
-                  <a:ext cx="6750455" cy="369332"/>
-                </a:xfrm>
-                <a:prstGeom prst="rect">
-                  <a:avLst/>
-                </a:prstGeom>
-                <a:noFill/>
-              </p:spPr>
-              <p:txBody>
-                <a:bodyPr wrap="square" rtlCol="0">
-                  <a:spAutoFit/>
-                </a:bodyPr>
-                <a:lstStyle/>
-                <a:p>
-                  <a:pPr algn="ctr"/>
-                  <a:r>
-                    <a:rPr lang="en-US" dirty="0"/>
-                    <a:t>ICE candidate (2)</a:t>
-                  </a:r>
-                </a:p>
-              </p:txBody>
-            </p:sp>
-          </p:grpSp>
-          <p:grpSp>
-            <p:nvGrpSpPr>
-              <p:cNvPr id="101" name="Group 100">
-                <a:extLst>
-                  <a:ext uri="{FF2B5EF4-FFF2-40B4-BE49-F238E27FC236}">
-                    <a16:creationId xmlns:a16="http://schemas.microsoft.com/office/drawing/2014/main" id="{20359214-6E34-4B0F-9A1D-CBFFD2F56417}"/>
-                  </a:ext>
-                </a:extLst>
-              </p:cNvPr>
-              <p:cNvGrpSpPr/>
-              <p:nvPr/>
-            </p:nvGrpSpPr>
-            <p:grpSpPr>
-              <a:xfrm>
-                <a:off x="3688682" y="5384683"/>
-                <a:ext cx="7217944" cy="542635"/>
-                <a:chOff x="3688682" y="5653131"/>
-                <a:chExt cx="7217944" cy="542635"/>
-              </a:xfrm>
-            </p:grpSpPr>
-            <p:grpSp>
-              <p:nvGrpSpPr>
-                <p:cNvPr id="65" name="Group 64">
-                  <a:extLst>
-                    <a:ext uri="{FF2B5EF4-FFF2-40B4-BE49-F238E27FC236}">
-                      <a16:creationId xmlns:a16="http://schemas.microsoft.com/office/drawing/2014/main" id="{AEFF9B31-C82A-4B0E-8695-36C4D8468BC4}"/>
+                      <a16:creationId xmlns:a16="http://schemas.microsoft.com/office/drawing/2014/main" id="{9471E0FF-DFE3-4F75-8124-09B85DFB303A}"/>
                     </a:ext>
                   </a:extLst>
                 </p:cNvPr>
@@ -6852,18 +5700,18 @@
               </p:nvGrpSpPr>
               <p:grpSpPr>
                 <a:xfrm flipH="1">
-                  <a:off x="3688682" y="5871766"/>
-                  <a:ext cx="7217944" cy="324000"/>
-                  <a:chOff x="1467602" y="3419400"/>
-                  <a:chExt cx="7217944" cy="324000"/>
+                  <a:off x="1298989" y="3975914"/>
+                  <a:ext cx="7250531" cy="324000"/>
+                  <a:chOff x="1435016" y="3419400"/>
+                  <a:chExt cx="7250531" cy="324000"/>
                 </a:xfrm>
               </p:grpSpPr>
               <p:cxnSp>
                 <p:nvCxnSpPr>
-                  <p:cNvPr id="66" name="Straight Arrow Connector 65">
+                  <p:cNvPr id="63" name="Straight Arrow Connector 62">
                     <a:extLst>
                       <a:ext uri="{FF2B5EF4-FFF2-40B4-BE49-F238E27FC236}">
-                        <a16:creationId xmlns:a16="http://schemas.microsoft.com/office/drawing/2014/main" id="{2DCACF7A-AAD6-41CC-9636-A342EB71BD3B}"/>
+                        <a16:creationId xmlns:a16="http://schemas.microsoft.com/office/drawing/2014/main" id="{3EFAD31D-D849-42BE-BC51-A86E67E543CC}"/>
                       </a:ext>
                     </a:extLst>
                   </p:cNvPr>
@@ -6874,8 +5722,340 @@
                 </p:nvCxnSpPr>
                 <p:spPr>
                   <a:xfrm>
-                    <a:off x="1467602" y="3581400"/>
-                    <a:ext cx="7217944" cy="0"/>
+                    <a:off x="1435016" y="3581400"/>
+                    <a:ext cx="7250531" cy="0"/>
+                  </a:xfrm>
+                  <a:prstGeom prst="straightConnector1">
+                    <a:avLst/>
+                  </a:prstGeom>
+                  <a:ln w="19050">
+                    <a:headEnd type="none" w="med" len="med"/>
+                    <a:tailEnd type="triangle" w="lg" len="lg"/>
+                  </a:ln>
+                </p:spPr>
+                <p:style>
+                  <a:lnRef idx="3">
+                    <a:schemeClr val="accent5"/>
+                  </a:lnRef>
+                  <a:fillRef idx="0">
+                    <a:schemeClr val="accent5"/>
+                  </a:fillRef>
+                  <a:effectRef idx="2">
+                    <a:schemeClr val="accent5"/>
+                  </a:effectRef>
+                  <a:fontRef idx="minor">
+                    <a:schemeClr val="tx1"/>
+                  </a:fontRef>
+                </p:style>
+              </p:cxnSp>
+              <p:sp>
+                <p:nvSpPr>
+                  <p:cNvPr id="64" name="Isosceles Triangle 63">
+                    <a:extLst>
+                      <a:ext uri="{FF2B5EF4-FFF2-40B4-BE49-F238E27FC236}">
+                        <a16:creationId xmlns:a16="http://schemas.microsoft.com/office/drawing/2014/main" id="{4D8DA5B3-EE5F-4F6D-9DC4-BC28BD091926}"/>
+                      </a:ext>
+                    </a:extLst>
+                  </p:cNvPr>
+                  <p:cNvSpPr/>
+                  <p:nvPr/>
+                </p:nvSpPr>
+                <p:spPr>
+                  <a:xfrm rot="5400000">
+                    <a:off x="8414544" y="3473400"/>
+                    <a:ext cx="324000" cy="216000"/>
+                  </a:xfrm>
+                  <a:prstGeom prst="triangle">
+                    <a:avLst/>
+                  </a:prstGeom>
+                </p:spPr>
+                <p:style>
+                  <a:lnRef idx="2">
+                    <a:schemeClr val="accent5">
+                      <a:shade val="50000"/>
+                    </a:schemeClr>
+                  </a:lnRef>
+                  <a:fillRef idx="1">
+                    <a:schemeClr val="accent5"/>
+                  </a:fillRef>
+                  <a:effectRef idx="0">
+                    <a:schemeClr val="accent5"/>
+                  </a:effectRef>
+                  <a:fontRef idx="minor">
+                    <a:schemeClr val="lt1"/>
+                  </a:fontRef>
+                </p:style>
+                <p:txBody>
+                  <a:bodyPr rtlCol="0" anchor="ctr"/>
+                  <a:lstStyle/>
+                  <a:p>
+                    <a:pPr algn="ctr"/>
+                    <a:endParaRPr lang="en-US"/>
+                  </a:p>
+                </p:txBody>
+              </p:sp>
+            </p:grpSp>
+          </p:grpSp>
+          <p:sp>
+            <p:nvSpPr>
+              <p:cNvPr id="87" name="TextBox 86">
+                <a:extLst>
+                  <a:ext uri="{FF2B5EF4-FFF2-40B4-BE49-F238E27FC236}">
+                    <a16:creationId xmlns:a16="http://schemas.microsoft.com/office/drawing/2014/main" id="{F386C0CE-DC24-4D58-BB26-AF6D835EFA69}"/>
+                  </a:ext>
+                </a:extLst>
+              </p:cNvPr>
+              <p:cNvSpPr txBox="1"/>
+              <p:nvPr/>
+            </p:nvSpPr>
+            <p:spPr>
+              <a:xfrm>
+                <a:off x="8723158" y="3771644"/>
+                <a:ext cx="1940064" cy="369332"/>
+              </a:xfrm>
+              <a:prstGeom prst="rect">
+                <a:avLst/>
+              </a:prstGeom>
+              <a:noFill/>
+            </p:spPr>
+            <p:txBody>
+              <a:bodyPr wrap="square" rtlCol="0">
+                <a:spAutoFit/>
+              </a:bodyPr>
+              <a:lstStyle/>
+              <a:p>
+                <a:pPr algn="ctr"/>
+                <a:r>
+                  <a:rPr lang="en-US" dirty="0"/>
+                  <a:t>Answer SDP</a:t>
+                </a:r>
+              </a:p>
+            </p:txBody>
+          </p:sp>
+          <p:sp>
+            <p:nvSpPr>
+              <p:cNvPr id="88" name="TextBox 87">
+                <a:extLst>
+                  <a:ext uri="{FF2B5EF4-FFF2-40B4-BE49-F238E27FC236}">
+                    <a16:creationId xmlns:a16="http://schemas.microsoft.com/office/drawing/2014/main" id="{5FCD98BD-B305-4AC2-895F-BC6ED33AAA37}"/>
+                  </a:ext>
+                </a:extLst>
+              </p:cNvPr>
+              <p:cNvSpPr txBox="1"/>
+              <p:nvPr/>
+            </p:nvSpPr>
+            <p:spPr>
+              <a:xfrm>
+                <a:off x="1507753" y="3755751"/>
+                <a:ext cx="6750455" cy="369332"/>
+              </a:xfrm>
+              <a:prstGeom prst="rect">
+                <a:avLst/>
+              </a:prstGeom>
+              <a:noFill/>
+            </p:spPr>
+            <p:txBody>
+              <a:bodyPr wrap="square" rtlCol="0">
+                <a:spAutoFit/>
+              </a:bodyPr>
+              <a:lstStyle/>
+              <a:p>
+                <a:pPr algn="ctr"/>
+                <a:r>
+                  <a:rPr lang="en-US" dirty="0"/>
+                  <a:t>Answer SDP</a:t>
+                </a:r>
+              </a:p>
+            </p:txBody>
+          </p:sp>
+        </p:grpSp>
+        <p:grpSp>
+          <p:nvGrpSpPr>
+            <p:cNvPr id="99" name="Group 98">
+              <a:extLst>
+                <a:ext uri="{FF2B5EF4-FFF2-40B4-BE49-F238E27FC236}">
+                  <a16:creationId xmlns:a16="http://schemas.microsoft.com/office/drawing/2014/main" id="{FDD5D48D-2534-4560-9578-0308045844C7}"/>
+                </a:ext>
+              </a:extLst>
+            </p:cNvPr>
+            <p:cNvGrpSpPr/>
+            <p:nvPr/>
+          </p:nvGrpSpPr>
+          <p:grpSpPr>
+            <a:xfrm>
+              <a:off x="1281243" y="3723268"/>
+              <a:ext cx="9612778" cy="542164"/>
+              <a:chOff x="1284371" y="4350111"/>
+              <a:chExt cx="9612778" cy="542164"/>
+            </a:xfrm>
+          </p:grpSpPr>
+          <p:grpSp>
+            <p:nvGrpSpPr>
+              <p:cNvPr id="72" name="Group 71">
+                <a:extLst>
+                  <a:ext uri="{FF2B5EF4-FFF2-40B4-BE49-F238E27FC236}">
+                    <a16:creationId xmlns:a16="http://schemas.microsoft.com/office/drawing/2014/main" id="{1BA1E400-0D89-4D48-93BF-F18B53A130EF}"/>
+                  </a:ext>
+                </a:extLst>
+              </p:cNvPr>
+              <p:cNvGrpSpPr/>
+              <p:nvPr/>
+            </p:nvGrpSpPr>
+            <p:grpSpPr>
+              <a:xfrm>
+                <a:off x="1284371" y="4567139"/>
+                <a:ext cx="9612778" cy="325136"/>
+                <a:chOff x="1284371" y="4567139"/>
+                <a:chExt cx="9612778" cy="325136"/>
+              </a:xfrm>
+            </p:grpSpPr>
+            <p:grpSp>
+              <p:nvGrpSpPr>
+                <p:cNvPr id="44" name="Group 43">
+                  <a:extLst>
+                    <a:ext uri="{FF2B5EF4-FFF2-40B4-BE49-F238E27FC236}">
+                      <a16:creationId xmlns:a16="http://schemas.microsoft.com/office/drawing/2014/main" id="{A1D2C000-8112-4AE8-9787-91379EF3BB97}"/>
+                    </a:ext>
+                  </a:extLst>
+                </p:cNvPr>
+                <p:cNvGrpSpPr/>
+                <p:nvPr/>
+              </p:nvGrpSpPr>
+              <p:grpSpPr>
+                <a:xfrm>
+                  <a:off x="8492839" y="4568275"/>
+                  <a:ext cx="2404310" cy="324000"/>
+                  <a:chOff x="1176873" y="2272750"/>
+                  <a:chExt cx="2404310" cy="324000"/>
+                </a:xfrm>
+              </p:grpSpPr>
+              <p:cxnSp>
+                <p:nvCxnSpPr>
+                  <p:cNvPr id="45" name="Straight Arrow Connector 44">
+                    <a:extLst>
+                      <a:ext uri="{FF2B5EF4-FFF2-40B4-BE49-F238E27FC236}">
+                        <a16:creationId xmlns:a16="http://schemas.microsoft.com/office/drawing/2014/main" id="{9057A522-623A-4073-9005-F41EC1299BCE}"/>
+                      </a:ext>
+                    </a:extLst>
+                  </p:cNvPr>
+                  <p:cNvCxnSpPr>
+                    <a:cxnSpLocks/>
+                  </p:cNvCxnSpPr>
+                  <p:nvPr/>
+                </p:nvCxnSpPr>
+                <p:spPr>
+                  <a:xfrm>
+                    <a:off x="1176873" y="2434750"/>
+                    <a:ext cx="2404310" cy="0"/>
+                  </a:xfrm>
+                  <a:prstGeom prst="straightConnector1">
+                    <a:avLst/>
+                  </a:prstGeom>
+                  <a:ln w="19050">
+                    <a:headEnd type="none" w="med" len="med"/>
+                    <a:tailEnd type="triangle" w="lg" len="lg"/>
+                  </a:ln>
+                </p:spPr>
+                <p:style>
+                  <a:lnRef idx="3">
+                    <a:schemeClr val="accent5"/>
+                  </a:lnRef>
+                  <a:fillRef idx="0">
+                    <a:schemeClr val="accent5"/>
+                  </a:fillRef>
+                  <a:effectRef idx="2">
+                    <a:schemeClr val="accent5"/>
+                  </a:effectRef>
+                  <a:fontRef idx="minor">
+                    <a:schemeClr val="tx1"/>
+                  </a:fontRef>
+                </p:style>
+              </p:cxnSp>
+              <p:sp>
+                <p:nvSpPr>
+                  <p:cNvPr id="46" name="Isosceles Triangle 45">
+                    <a:extLst>
+                      <a:ext uri="{FF2B5EF4-FFF2-40B4-BE49-F238E27FC236}">
+                        <a16:creationId xmlns:a16="http://schemas.microsoft.com/office/drawing/2014/main" id="{EB51421A-8DDB-4A14-AF2A-33B9CAEDEAED}"/>
+                      </a:ext>
+                    </a:extLst>
+                  </p:cNvPr>
+                  <p:cNvSpPr/>
+                  <p:nvPr/>
+                </p:nvSpPr>
+                <p:spPr>
+                  <a:xfrm rot="5400000">
+                    <a:off x="3310180" y="2326750"/>
+                    <a:ext cx="324000" cy="216000"/>
+                  </a:xfrm>
+                  <a:prstGeom prst="triangle">
+                    <a:avLst/>
+                  </a:prstGeom>
+                </p:spPr>
+                <p:style>
+                  <a:lnRef idx="2">
+                    <a:schemeClr val="accent5">
+                      <a:shade val="50000"/>
+                    </a:schemeClr>
+                  </a:lnRef>
+                  <a:fillRef idx="1">
+                    <a:schemeClr val="accent5"/>
+                  </a:fillRef>
+                  <a:effectRef idx="0">
+                    <a:schemeClr val="accent5"/>
+                  </a:effectRef>
+                  <a:fontRef idx="minor">
+                    <a:schemeClr val="lt1"/>
+                  </a:fontRef>
+                </p:style>
+                <p:txBody>
+                  <a:bodyPr rtlCol="0" anchor="ctr"/>
+                  <a:lstStyle/>
+                  <a:p>
+                    <a:pPr algn="ctr"/>
+                    <a:endParaRPr lang="en-US"/>
+                  </a:p>
+                </p:txBody>
+              </p:sp>
+            </p:grpSp>
+            <p:grpSp>
+              <p:nvGrpSpPr>
+                <p:cNvPr id="56" name="Group 55">
+                  <a:extLst>
+                    <a:ext uri="{FF2B5EF4-FFF2-40B4-BE49-F238E27FC236}">
+                      <a16:creationId xmlns:a16="http://schemas.microsoft.com/office/drawing/2014/main" id="{C2543E65-DCFA-4A7A-AAE9-0581BB21D4B7}"/>
+                    </a:ext>
+                  </a:extLst>
+                </p:cNvPr>
+                <p:cNvGrpSpPr/>
+                <p:nvPr/>
+              </p:nvGrpSpPr>
+              <p:grpSpPr>
+                <a:xfrm>
+                  <a:off x="1284371" y="4567139"/>
+                  <a:ext cx="7210558" cy="324000"/>
+                  <a:chOff x="1474989" y="3419400"/>
+                  <a:chExt cx="7210558" cy="324000"/>
+                </a:xfrm>
+              </p:grpSpPr>
+              <p:cxnSp>
+                <p:nvCxnSpPr>
+                  <p:cNvPr id="57" name="Straight Arrow Connector 56">
+                    <a:extLst>
+                      <a:ext uri="{FF2B5EF4-FFF2-40B4-BE49-F238E27FC236}">
+                        <a16:creationId xmlns:a16="http://schemas.microsoft.com/office/drawing/2014/main" id="{A7AF6DAD-4065-4CD0-9DE1-E4043443CBEA}"/>
+                      </a:ext>
+                    </a:extLst>
+                  </p:cNvPr>
+                  <p:cNvCxnSpPr>
+                    <a:cxnSpLocks/>
+                  </p:cNvCxnSpPr>
+                  <p:nvPr/>
+                </p:nvCxnSpPr>
+                <p:spPr>
+                  <a:xfrm>
+                    <a:off x="1474989" y="3581400"/>
+                    <a:ext cx="7210558" cy="0"/>
                   </a:xfrm>
                   <a:prstGeom prst="straightConnector1">
                     <a:avLst/>
@@ -6902,10 +6082,10 @@
               </p:cxnSp>
               <p:sp>
                 <p:nvSpPr>
-                  <p:cNvPr id="67" name="Isosceles Triangle 66">
+                  <p:cNvPr id="58" name="Isosceles Triangle 57">
                     <a:extLst>
                       <a:ext uri="{FF2B5EF4-FFF2-40B4-BE49-F238E27FC236}">
-                        <a16:creationId xmlns:a16="http://schemas.microsoft.com/office/drawing/2014/main" id="{4F0A63AA-1ADA-49DF-AE5D-F6FCD8CD90A7}"/>
+                        <a16:creationId xmlns:a16="http://schemas.microsoft.com/office/drawing/2014/main" id="{6F3D09BA-B48F-4901-90AD-851E0E4BE7FE}"/>
                       </a:ext>
                     </a:extLst>
                   </p:cNvPr>
@@ -6948,49 +6128,106 @@
                 </p:txBody>
               </p:sp>
             </p:grpSp>
-            <p:sp>
-              <p:nvSpPr>
-                <p:cNvPr id="95" name="TextBox 94">
-                  <a:extLst>
-                    <a:ext uri="{FF2B5EF4-FFF2-40B4-BE49-F238E27FC236}">
-                      <a16:creationId xmlns:a16="http://schemas.microsoft.com/office/drawing/2014/main" id="{128B291C-B9FB-4C22-B045-F8A85B7253A1}"/>
-                    </a:ext>
-                  </a:extLst>
-                </p:cNvPr>
-                <p:cNvSpPr txBox="1"/>
-                <p:nvPr/>
-              </p:nvSpPr>
-              <p:spPr>
-                <a:xfrm>
-                  <a:off x="3923293" y="5653131"/>
-                  <a:ext cx="6750455" cy="369332"/>
-                </a:xfrm>
-                <a:prstGeom prst="rect">
-                  <a:avLst/>
-                </a:prstGeom>
-                <a:noFill/>
-              </p:spPr>
-              <p:txBody>
-                <a:bodyPr wrap="square" rtlCol="0">
-                  <a:spAutoFit/>
-                </a:bodyPr>
-                <a:lstStyle/>
-                <a:p>
-                  <a:pPr algn="ctr"/>
-                  <a:r>
-                    <a:rPr lang="en-US" dirty="0"/>
-                    <a:t>Who am I?</a:t>
-                  </a:r>
-                </a:p>
-              </p:txBody>
-            </p:sp>
           </p:grpSp>
+          <p:sp>
+            <p:nvSpPr>
+              <p:cNvPr id="89" name="TextBox 88">
+                <a:extLst>
+                  <a:ext uri="{FF2B5EF4-FFF2-40B4-BE49-F238E27FC236}">
+                    <a16:creationId xmlns:a16="http://schemas.microsoft.com/office/drawing/2014/main" id="{E4EF32FF-2F05-440D-AE0F-9B6668EC6221}"/>
+                  </a:ext>
+                </a:extLst>
+              </p:cNvPr>
+              <p:cNvSpPr txBox="1"/>
+              <p:nvPr/>
+            </p:nvSpPr>
+            <p:spPr>
+              <a:xfrm>
+                <a:off x="8723158" y="4366004"/>
+                <a:ext cx="1940064" cy="369332"/>
+              </a:xfrm>
+              <a:prstGeom prst="rect">
+                <a:avLst/>
+              </a:prstGeom>
+              <a:noFill/>
+            </p:spPr>
+            <p:txBody>
+              <a:bodyPr wrap="square" rtlCol="0">
+                <a:spAutoFit/>
+              </a:bodyPr>
+              <a:lstStyle/>
+              <a:p>
+                <a:pPr algn="ctr"/>
+                <a:r>
+                  <a:rPr lang="en-US" dirty="0"/>
+                  <a:t>ICE candidate (1)</a:t>
+                </a:r>
+              </a:p>
+            </p:txBody>
+          </p:sp>
+          <p:sp>
+            <p:nvSpPr>
+              <p:cNvPr id="90" name="TextBox 89">
+                <a:extLst>
+                  <a:ext uri="{FF2B5EF4-FFF2-40B4-BE49-F238E27FC236}">
+                    <a16:creationId xmlns:a16="http://schemas.microsoft.com/office/drawing/2014/main" id="{8B21B7C0-6C04-4C90-9013-99A6638F71FC}"/>
+                  </a:ext>
+                </a:extLst>
+              </p:cNvPr>
+              <p:cNvSpPr txBox="1"/>
+              <p:nvPr/>
+            </p:nvSpPr>
+            <p:spPr>
+              <a:xfrm>
+                <a:off x="1507753" y="4350111"/>
+                <a:ext cx="6750455" cy="369332"/>
+              </a:xfrm>
+              <a:prstGeom prst="rect">
+                <a:avLst/>
+              </a:prstGeom>
+              <a:noFill/>
+            </p:spPr>
+            <p:txBody>
+              <a:bodyPr wrap="square" rtlCol="0">
+                <a:spAutoFit/>
+              </a:bodyPr>
+              <a:lstStyle/>
+              <a:p>
+                <a:pPr algn="ctr"/>
+                <a:r>
+                  <a:rPr lang="en-US" dirty="0"/>
+                  <a:t>ICE candidate (1)</a:t>
+                </a:r>
+              </a:p>
+            </p:txBody>
+          </p:sp>
+        </p:grpSp>
+        <p:grpSp>
+          <p:nvGrpSpPr>
+            <p:cNvPr id="100" name="Group 99">
+              <a:extLst>
+                <a:ext uri="{FF2B5EF4-FFF2-40B4-BE49-F238E27FC236}">
+                  <a16:creationId xmlns:a16="http://schemas.microsoft.com/office/drawing/2014/main" id="{948F51F3-D316-4520-B8BB-D029184C70CF}"/>
+                </a:ext>
+              </a:extLst>
+            </p:cNvPr>
+            <p:cNvGrpSpPr/>
+            <p:nvPr/>
+          </p:nvGrpSpPr>
+          <p:grpSpPr>
+            <a:xfrm>
+              <a:off x="1291189" y="4346500"/>
+              <a:ext cx="9617524" cy="543433"/>
+              <a:chOff x="1294317" y="5074011"/>
+              <a:chExt cx="9617524" cy="543433"/>
+            </a:xfrm>
+          </p:grpSpPr>
           <p:grpSp>
             <p:nvGrpSpPr>
-              <p:cNvPr id="102" name="Group 101">
+              <p:cNvPr id="71" name="Group 70">
                 <a:extLst>
                   <a:ext uri="{FF2B5EF4-FFF2-40B4-BE49-F238E27FC236}">
-                    <a16:creationId xmlns:a16="http://schemas.microsoft.com/office/drawing/2014/main" id="{3FC18AC7-14F7-4755-ACE7-408A0F047644}"/>
+                    <a16:creationId xmlns:a16="http://schemas.microsoft.com/office/drawing/2014/main" id="{827A0342-B78D-42FE-8A8E-62DA5737E49D}"/>
                   </a:ext>
                 </a:extLst>
               </p:cNvPr>
@@ -6999,18 +6236,18 @@
             </p:nvGrpSpPr>
             <p:grpSpPr>
               <a:xfrm>
-                <a:off x="3688555" y="6024134"/>
-                <a:ext cx="7209647" cy="536064"/>
-                <a:chOff x="3688555" y="6133191"/>
-                <a:chExt cx="7209647" cy="536064"/>
+                <a:off x="1294317" y="5293444"/>
+                <a:ext cx="9617524" cy="324000"/>
+                <a:chOff x="1294317" y="5293444"/>
+                <a:chExt cx="9617524" cy="324000"/>
               </a:xfrm>
             </p:grpSpPr>
             <p:grpSp>
               <p:nvGrpSpPr>
-                <p:cNvPr id="55" name="Group 54">
+                <p:cNvPr id="38" name="Group 37">
                   <a:extLst>
                     <a:ext uri="{FF2B5EF4-FFF2-40B4-BE49-F238E27FC236}">
-                      <a16:creationId xmlns:a16="http://schemas.microsoft.com/office/drawing/2014/main" id="{57637674-899C-4387-8EA8-CE0E89AD30A1}"/>
+                      <a16:creationId xmlns:a16="http://schemas.microsoft.com/office/drawing/2014/main" id="{940AA6C9-1BCF-4D02-9E7D-27FEB75F245D}"/>
                     </a:ext>
                   </a:extLst>
                 </p:cNvPr>
@@ -7018,19 +6255,19 @@
                 <p:nvPr/>
               </p:nvGrpSpPr>
               <p:grpSpPr>
-                <a:xfrm>
-                  <a:off x="3688555" y="6345255"/>
-                  <a:ext cx="7209647" cy="324000"/>
-                  <a:chOff x="1475900" y="3419400"/>
-                  <a:chExt cx="7209647" cy="324000"/>
+                <a:xfrm flipH="1">
+                  <a:off x="8507531" y="5293444"/>
+                  <a:ext cx="2404310" cy="324000"/>
+                  <a:chOff x="1176873" y="2281139"/>
+                  <a:chExt cx="2404310" cy="324000"/>
                 </a:xfrm>
               </p:grpSpPr>
               <p:cxnSp>
                 <p:nvCxnSpPr>
-                  <p:cNvPr id="53" name="Straight Arrow Connector 52">
+                  <p:cNvPr id="39" name="Straight Arrow Connector 38">
                     <a:extLst>
                       <a:ext uri="{FF2B5EF4-FFF2-40B4-BE49-F238E27FC236}">
-                        <a16:creationId xmlns:a16="http://schemas.microsoft.com/office/drawing/2014/main" id="{2E4AD548-1523-4D24-A635-27DD9FB696CB}"/>
+                        <a16:creationId xmlns:a16="http://schemas.microsoft.com/office/drawing/2014/main" id="{32844675-D784-4F60-A402-4A72927B039E}"/>
                       </a:ext>
                     </a:extLst>
                   </p:cNvPr>
@@ -7041,341 +6278,8 @@
                 </p:nvCxnSpPr>
                 <p:spPr>
                   <a:xfrm>
-                    <a:off x="1475900" y="3581400"/>
-                    <a:ext cx="7209647" cy="0"/>
-                  </a:xfrm>
-                  <a:prstGeom prst="straightConnector1">
-                    <a:avLst/>
-                  </a:prstGeom>
-                  <a:ln>
-                    <a:headEnd type="none" w="med" len="med"/>
-                    <a:tailEnd type="triangle" w="lg" len="lg"/>
-                  </a:ln>
-                </p:spPr>
-                <p:style>
-                  <a:lnRef idx="3">
-                    <a:schemeClr val="accent2"/>
-                  </a:lnRef>
-                  <a:fillRef idx="0">
-                    <a:schemeClr val="accent2"/>
-                  </a:fillRef>
-                  <a:effectRef idx="2">
-                    <a:schemeClr val="accent2"/>
-                  </a:effectRef>
-                  <a:fontRef idx="minor">
-                    <a:schemeClr val="tx1"/>
-                  </a:fontRef>
-                </p:style>
-              </p:cxnSp>
-              <p:sp>
-                <p:nvSpPr>
-                  <p:cNvPr id="54" name="Isosceles Triangle 53">
-                    <a:extLst>
-                      <a:ext uri="{FF2B5EF4-FFF2-40B4-BE49-F238E27FC236}">
-                        <a16:creationId xmlns:a16="http://schemas.microsoft.com/office/drawing/2014/main" id="{E6D6AFF1-E6D7-4DD9-A078-80CADB7BA272}"/>
-                      </a:ext>
-                    </a:extLst>
-                  </p:cNvPr>
-                  <p:cNvSpPr/>
-                  <p:nvPr/>
-                </p:nvSpPr>
-                <p:spPr>
-                  <a:xfrm rot="5400000">
-                    <a:off x="8414544" y="3473400"/>
-                    <a:ext cx="324000" cy="216000"/>
-                  </a:xfrm>
-                  <a:prstGeom prst="triangle">
-                    <a:avLst/>
-                  </a:prstGeom>
-                  <a:ln w="19050"/>
-                </p:spPr>
-                <p:style>
-                  <a:lnRef idx="2">
-                    <a:schemeClr val="accent2">
-                      <a:shade val="50000"/>
-                    </a:schemeClr>
-                  </a:lnRef>
-                  <a:fillRef idx="1">
-                    <a:schemeClr val="accent2"/>
-                  </a:fillRef>
-                  <a:effectRef idx="0">
-                    <a:schemeClr val="accent2"/>
-                  </a:effectRef>
-                  <a:fontRef idx="minor">
-                    <a:schemeClr val="lt1"/>
-                  </a:fontRef>
-                </p:style>
-                <p:txBody>
-                  <a:bodyPr rtlCol="0" anchor="ctr"/>
-                  <a:lstStyle/>
-                  <a:p>
-                    <a:pPr algn="ctr"/>
-                    <a:endParaRPr lang="en-US"/>
-                  </a:p>
-                </p:txBody>
-              </p:sp>
-            </p:grpSp>
-            <p:sp>
-              <p:nvSpPr>
-                <p:cNvPr id="96" name="TextBox 95">
-                  <a:extLst>
-                    <a:ext uri="{FF2B5EF4-FFF2-40B4-BE49-F238E27FC236}">
-                      <a16:creationId xmlns:a16="http://schemas.microsoft.com/office/drawing/2014/main" id="{A151D6B9-4C00-4D55-B92E-24B84FD5CBB9}"/>
-                    </a:ext>
-                  </a:extLst>
-                </p:cNvPr>
-                <p:cNvSpPr txBox="1"/>
-                <p:nvPr/>
-              </p:nvSpPr>
-              <p:spPr>
-                <a:xfrm>
-                  <a:off x="3923293" y="6133191"/>
-                  <a:ext cx="6750455" cy="369332"/>
-                </a:xfrm>
-                <a:prstGeom prst="rect">
-                  <a:avLst/>
-                </a:prstGeom>
-                <a:noFill/>
-              </p:spPr>
-              <p:txBody>
-                <a:bodyPr wrap="square" rtlCol="0">
-                  <a:spAutoFit/>
-                </a:bodyPr>
-                <a:lstStyle/>
-                <a:p>
-                  <a:pPr algn="ctr"/>
-                  <a:r>
-                    <a:rPr lang="en-US" dirty="0"/>
-                    <a:t>92.221.17.196:1337</a:t>
-                  </a:r>
-                </a:p>
-              </p:txBody>
-            </p:sp>
-          </p:grpSp>
-          <p:grpSp>
-            <p:nvGrpSpPr>
-              <p:cNvPr id="17" name="Group 16">
-                <a:extLst>
-                  <a:ext uri="{FF2B5EF4-FFF2-40B4-BE49-F238E27FC236}">
-                    <a16:creationId xmlns:a16="http://schemas.microsoft.com/office/drawing/2014/main" id="{18C090EA-6C76-41CB-9214-3AD8994E0477}"/>
-                  </a:ext>
-                </a:extLst>
-              </p:cNvPr>
-              <p:cNvGrpSpPr/>
-              <p:nvPr/>
-            </p:nvGrpSpPr>
-            <p:grpSpPr>
-              <a:xfrm>
-                <a:off x="1284371" y="2854144"/>
-                <a:ext cx="9610974" cy="543909"/>
-                <a:chOff x="1284371" y="3047091"/>
-                <a:chExt cx="9610974" cy="543909"/>
-              </a:xfrm>
-            </p:grpSpPr>
-            <p:grpSp>
-              <p:nvGrpSpPr>
-                <p:cNvPr id="15" name="Group 14">
-                  <a:extLst>
-                    <a:ext uri="{FF2B5EF4-FFF2-40B4-BE49-F238E27FC236}">
-                      <a16:creationId xmlns:a16="http://schemas.microsoft.com/office/drawing/2014/main" id="{229C2886-3E8C-42C6-B8FB-95B95328595B}"/>
-                    </a:ext>
-                  </a:extLst>
-                </p:cNvPr>
-                <p:cNvGrpSpPr/>
-                <p:nvPr/>
-              </p:nvGrpSpPr>
-              <p:grpSpPr>
-                <a:xfrm>
-                  <a:off x="8491035" y="3062984"/>
-                  <a:ext cx="2404310" cy="527950"/>
-                  <a:chOff x="8491035" y="3062984"/>
-                  <a:chExt cx="2404310" cy="527950"/>
-                </a:xfrm>
-              </p:grpSpPr>
-              <p:grpSp>
-                <p:nvGrpSpPr>
-                  <p:cNvPr id="41" name="Group 40">
-                    <a:extLst>
-                      <a:ext uri="{FF2B5EF4-FFF2-40B4-BE49-F238E27FC236}">
-                        <a16:creationId xmlns:a16="http://schemas.microsoft.com/office/drawing/2014/main" id="{A3B6D372-F426-4E41-98AA-3C784EC02285}"/>
-                      </a:ext>
-                    </a:extLst>
-                  </p:cNvPr>
-                  <p:cNvGrpSpPr/>
-                  <p:nvPr/>
-                </p:nvGrpSpPr>
-                <p:grpSpPr>
-                  <a:xfrm>
-                    <a:off x="8491035" y="3266934"/>
-                    <a:ext cx="2404310" cy="324000"/>
-                    <a:chOff x="1176873" y="2281139"/>
-                    <a:chExt cx="2404310" cy="324000"/>
-                  </a:xfrm>
-                </p:grpSpPr>
-                <p:cxnSp>
-                  <p:nvCxnSpPr>
-                    <p:cNvPr id="42" name="Straight Arrow Connector 41">
-                      <a:extLst>
-                        <a:ext uri="{FF2B5EF4-FFF2-40B4-BE49-F238E27FC236}">
-                          <a16:creationId xmlns:a16="http://schemas.microsoft.com/office/drawing/2014/main" id="{E1FA27A5-EBE1-438E-B7EA-11DB5C875716}"/>
-                        </a:ext>
-                      </a:extLst>
-                    </p:cNvPr>
-                    <p:cNvCxnSpPr>
-                      <a:cxnSpLocks/>
-                    </p:cNvCxnSpPr>
-                    <p:nvPr/>
-                  </p:nvCxnSpPr>
-                  <p:spPr>
-                    <a:xfrm>
-                      <a:off x="1176873" y="2443139"/>
-                      <a:ext cx="2404310" cy="0"/>
-                    </a:xfrm>
-                    <a:prstGeom prst="straightConnector1">
-                      <a:avLst/>
-                    </a:prstGeom>
-                    <a:ln w="19050">
-                      <a:headEnd type="none" w="med" len="med"/>
-                      <a:tailEnd type="triangle" w="lg" len="lg"/>
-                    </a:ln>
-                  </p:spPr>
-                  <p:style>
-                    <a:lnRef idx="3">
-                      <a:schemeClr val="accent5"/>
-                    </a:lnRef>
-                    <a:fillRef idx="0">
-                      <a:schemeClr val="accent5"/>
-                    </a:fillRef>
-                    <a:effectRef idx="2">
-                      <a:schemeClr val="accent5"/>
-                    </a:effectRef>
-                    <a:fontRef idx="minor">
-                      <a:schemeClr val="tx1"/>
-                    </a:fontRef>
-                  </p:style>
-                </p:cxnSp>
-                <p:sp>
-                  <p:nvSpPr>
-                    <p:cNvPr id="43" name="Isosceles Triangle 42">
-                      <a:extLst>
-                        <a:ext uri="{FF2B5EF4-FFF2-40B4-BE49-F238E27FC236}">
-                          <a16:creationId xmlns:a16="http://schemas.microsoft.com/office/drawing/2014/main" id="{8C73CEF5-BDCC-4BE0-9658-4D6F6CB28610}"/>
-                        </a:ext>
-                      </a:extLst>
-                    </p:cNvPr>
-                    <p:cNvSpPr/>
-                    <p:nvPr/>
-                  </p:nvSpPr>
-                  <p:spPr>
-                    <a:xfrm rot="5400000">
-                      <a:off x="3310180" y="2335139"/>
-                      <a:ext cx="324000" cy="216000"/>
-                    </a:xfrm>
-                    <a:prstGeom prst="triangle">
-                      <a:avLst/>
-                    </a:prstGeom>
-                  </p:spPr>
-                  <p:style>
-                    <a:lnRef idx="2">
-                      <a:schemeClr val="accent5">
-                        <a:shade val="50000"/>
-                      </a:schemeClr>
-                    </a:lnRef>
-                    <a:fillRef idx="1">
-                      <a:schemeClr val="accent5"/>
-                    </a:fillRef>
-                    <a:effectRef idx="0">
-                      <a:schemeClr val="accent5"/>
-                    </a:effectRef>
-                    <a:fontRef idx="minor">
-                      <a:schemeClr val="lt1"/>
-                    </a:fontRef>
-                  </p:style>
-                  <p:txBody>
-                    <a:bodyPr rtlCol="0" anchor="ctr"/>
-                    <a:lstStyle/>
-                    <a:p>
-                      <a:pPr algn="ctr"/>
-                      <a:endParaRPr lang="en-US" dirty="0"/>
-                    </a:p>
-                  </p:txBody>
-                </p:sp>
-              </p:grpSp>
-              <p:sp>
-                <p:nvSpPr>
-                  <p:cNvPr id="83" name="TextBox 82">
-                    <a:extLst>
-                      <a:ext uri="{FF2B5EF4-FFF2-40B4-BE49-F238E27FC236}">
-                        <a16:creationId xmlns:a16="http://schemas.microsoft.com/office/drawing/2014/main" id="{13059746-A700-47AA-9435-08C2CA7741D3}"/>
-                      </a:ext>
-                    </a:extLst>
-                  </p:cNvPr>
-                  <p:cNvSpPr txBox="1"/>
-                  <p:nvPr/>
-                </p:nvSpPr>
-                <p:spPr>
-                  <a:xfrm>
-                    <a:off x="8723158" y="3062984"/>
-                    <a:ext cx="1940064" cy="369332"/>
-                  </a:xfrm>
-                  <a:prstGeom prst="rect">
-                    <a:avLst/>
-                  </a:prstGeom>
-                  <a:noFill/>
-                </p:spPr>
-                <p:txBody>
-                  <a:bodyPr wrap="square" rtlCol="0">
-                    <a:spAutoFit/>
-                  </a:bodyPr>
-                  <a:lstStyle/>
-                  <a:p>
-                    <a:pPr algn="ctr"/>
-                    <a:r>
-                      <a:rPr lang="en-US" dirty="0"/>
-                      <a:t>Offer SDP</a:t>
-                    </a:r>
-                  </a:p>
-                </p:txBody>
-              </p:sp>
-            </p:grpSp>
-            <p:grpSp>
-              <p:nvGrpSpPr>
-                <p:cNvPr id="13" name="Group 12">
-                  <a:extLst>
-                    <a:ext uri="{FF2B5EF4-FFF2-40B4-BE49-F238E27FC236}">
-                      <a16:creationId xmlns:a16="http://schemas.microsoft.com/office/drawing/2014/main" id="{F9D6C1C8-D5F1-4E6A-B042-73F4B05B07A7}"/>
-                    </a:ext>
-                  </a:extLst>
-                </p:cNvPr>
-                <p:cNvGrpSpPr/>
-                <p:nvPr/>
-              </p:nvGrpSpPr>
-              <p:grpSpPr>
-                <a:xfrm>
-                  <a:off x="1284371" y="3047091"/>
-                  <a:ext cx="7208969" cy="543909"/>
-                  <a:chOff x="1284371" y="3047091"/>
-                  <a:chExt cx="7208969" cy="543909"/>
-                </a:xfrm>
-              </p:grpSpPr>
-              <p:cxnSp>
-                <p:nvCxnSpPr>
-                  <p:cNvPr id="50" name="Straight Arrow Connector 49">
-                    <a:extLst>
-                      <a:ext uri="{FF2B5EF4-FFF2-40B4-BE49-F238E27FC236}">
-                        <a16:creationId xmlns:a16="http://schemas.microsoft.com/office/drawing/2014/main" id="{6C54735B-1F9D-4B8E-B1A9-DFFB784B7E76}"/>
-                      </a:ext>
-                    </a:extLst>
-                  </p:cNvPr>
-                  <p:cNvCxnSpPr>
-                    <a:cxnSpLocks/>
-                  </p:cNvCxnSpPr>
-                  <p:nvPr/>
-                </p:nvCxnSpPr>
-                <p:spPr>
-                  <a:xfrm>
-                    <a:off x="1284371" y="3429000"/>
-                    <a:ext cx="7208969" cy="0"/>
+                    <a:off x="1176873" y="2443139"/>
+                    <a:ext cx="2404310" cy="0"/>
                   </a:xfrm>
                   <a:prstGeom prst="straightConnector1">
                     <a:avLst/>
@@ -7402,46 +6306,10 @@
               </p:cxnSp>
               <p:sp>
                 <p:nvSpPr>
-                  <p:cNvPr id="85" name="TextBox 84">
+                  <p:cNvPr id="40" name="Isosceles Triangle 39">
                     <a:extLst>
                       <a:ext uri="{FF2B5EF4-FFF2-40B4-BE49-F238E27FC236}">
-                        <a16:creationId xmlns:a16="http://schemas.microsoft.com/office/drawing/2014/main" id="{AA1F4CBF-E2F6-42D9-AEB1-9B88A9550336}"/>
-                      </a:ext>
-                    </a:extLst>
-                  </p:cNvPr>
-                  <p:cNvSpPr txBox="1"/>
-                  <p:nvPr/>
-                </p:nvSpPr>
-                <p:spPr>
-                  <a:xfrm>
-                    <a:off x="1507753" y="3047091"/>
-                    <a:ext cx="6750455" cy="369332"/>
-                  </a:xfrm>
-                  <a:prstGeom prst="rect">
-                    <a:avLst/>
-                  </a:prstGeom>
-                  <a:noFill/>
-                </p:spPr>
-                <p:txBody>
-                  <a:bodyPr wrap="square" rtlCol="0">
-                    <a:spAutoFit/>
-                  </a:bodyPr>
-                  <a:lstStyle/>
-                  <a:p>
-                    <a:pPr algn="ctr"/>
-                    <a:r>
-                      <a:rPr lang="en-US" dirty="0"/>
-                      <a:t>Offer SDP</a:t>
-                    </a:r>
-                  </a:p>
-                </p:txBody>
-              </p:sp>
-              <p:sp>
-                <p:nvSpPr>
-                  <p:cNvPr id="51" name="Isosceles Triangle 50">
-                    <a:extLst>
-                      <a:ext uri="{FF2B5EF4-FFF2-40B4-BE49-F238E27FC236}">
-                        <a16:creationId xmlns:a16="http://schemas.microsoft.com/office/drawing/2014/main" id="{D75BB5BD-2950-40F5-9232-E5F916278913}"/>
+                        <a16:creationId xmlns:a16="http://schemas.microsoft.com/office/drawing/2014/main" id="{EC441F49-7F12-4332-9B36-279326BC2B6F}"/>
                       </a:ext>
                     </a:extLst>
                   </p:cNvPr>
@@ -7450,7 +6318,7 @@
                 </p:nvSpPr>
                 <p:spPr>
                   <a:xfrm rot="5400000">
-                    <a:off x="8222839" y="3321000"/>
+                    <a:off x="3310180" y="2335139"/>
                     <a:ext cx="324000" cy="216000"/>
                   </a:xfrm>
                   <a:prstGeom prst="triangle">
@@ -7484,6 +6352,854 @@
                 </p:txBody>
               </p:sp>
             </p:grpSp>
+            <p:grpSp>
+              <p:nvGrpSpPr>
+                <p:cNvPr id="59" name="Group 58">
+                  <a:extLst>
+                    <a:ext uri="{FF2B5EF4-FFF2-40B4-BE49-F238E27FC236}">
+                      <a16:creationId xmlns:a16="http://schemas.microsoft.com/office/drawing/2014/main" id="{61A4B142-192A-49CA-B8D0-787DC5BD3DD1}"/>
+                    </a:ext>
+                  </a:extLst>
+                </p:cNvPr>
+                <p:cNvGrpSpPr/>
+                <p:nvPr/>
+              </p:nvGrpSpPr>
+              <p:grpSpPr>
+                <a:xfrm flipH="1">
+                  <a:off x="1294317" y="5293444"/>
+                  <a:ext cx="7250531" cy="324000"/>
+                  <a:chOff x="1435016" y="3419400"/>
+                  <a:chExt cx="7250531" cy="324000"/>
+                </a:xfrm>
+              </p:grpSpPr>
+              <p:cxnSp>
+                <p:nvCxnSpPr>
+                  <p:cNvPr id="60" name="Straight Arrow Connector 59">
+                    <a:extLst>
+                      <a:ext uri="{FF2B5EF4-FFF2-40B4-BE49-F238E27FC236}">
+                        <a16:creationId xmlns:a16="http://schemas.microsoft.com/office/drawing/2014/main" id="{7B638897-8D41-4ED5-90A9-B543C3081381}"/>
+                      </a:ext>
+                    </a:extLst>
+                  </p:cNvPr>
+                  <p:cNvCxnSpPr>
+                    <a:cxnSpLocks/>
+                  </p:cNvCxnSpPr>
+                  <p:nvPr/>
+                </p:nvCxnSpPr>
+                <p:spPr>
+                  <a:xfrm>
+                    <a:off x="1435016" y="3581400"/>
+                    <a:ext cx="7250531" cy="0"/>
+                  </a:xfrm>
+                  <a:prstGeom prst="straightConnector1">
+                    <a:avLst/>
+                  </a:prstGeom>
+                  <a:ln w="19050">
+                    <a:headEnd type="none" w="med" len="med"/>
+                    <a:tailEnd type="triangle" w="lg" len="lg"/>
+                  </a:ln>
+                </p:spPr>
+                <p:style>
+                  <a:lnRef idx="3">
+                    <a:schemeClr val="accent5"/>
+                  </a:lnRef>
+                  <a:fillRef idx="0">
+                    <a:schemeClr val="accent5"/>
+                  </a:fillRef>
+                  <a:effectRef idx="2">
+                    <a:schemeClr val="accent5"/>
+                  </a:effectRef>
+                  <a:fontRef idx="minor">
+                    <a:schemeClr val="tx1"/>
+                  </a:fontRef>
+                </p:style>
+              </p:cxnSp>
+              <p:sp>
+                <p:nvSpPr>
+                  <p:cNvPr id="61" name="Isosceles Triangle 60">
+                    <a:extLst>
+                      <a:ext uri="{FF2B5EF4-FFF2-40B4-BE49-F238E27FC236}">
+                        <a16:creationId xmlns:a16="http://schemas.microsoft.com/office/drawing/2014/main" id="{2E0D8909-8F12-421D-A50B-8207E3835069}"/>
+                      </a:ext>
+                    </a:extLst>
+                  </p:cNvPr>
+                  <p:cNvSpPr/>
+                  <p:nvPr/>
+                </p:nvSpPr>
+                <p:spPr>
+                  <a:xfrm rot="5400000">
+                    <a:off x="8414544" y="3473400"/>
+                    <a:ext cx="324000" cy="216000"/>
+                  </a:xfrm>
+                  <a:prstGeom prst="triangle">
+                    <a:avLst/>
+                  </a:prstGeom>
+                </p:spPr>
+                <p:style>
+                  <a:lnRef idx="2">
+                    <a:schemeClr val="accent5">
+                      <a:shade val="50000"/>
+                    </a:schemeClr>
+                  </a:lnRef>
+                  <a:fillRef idx="1">
+                    <a:schemeClr val="accent5"/>
+                  </a:fillRef>
+                  <a:effectRef idx="0">
+                    <a:schemeClr val="accent5"/>
+                  </a:effectRef>
+                  <a:fontRef idx="minor">
+                    <a:schemeClr val="lt1"/>
+                  </a:fontRef>
+                </p:style>
+                <p:txBody>
+                  <a:bodyPr rtlCol="0" anchor="ctr"/>
+                  <a:lstStyle/>
+                  <a:p>
+                    <a:pPr algn="ctr"/>
+                    <a:endParaRPr lang="en-US"/>
+                  </a:p>
+                </p:txBody>
+              </p:sp>
+            </p:grpSp>
+          </p:grpSp>
+          <p:sp>
+            <p:nvSpPr>
+              <p:cNvPr id="91" name="TextBox 90">
+                <a:extLst>
+                  <a:ext uri="{FF2B5EF4-FFF2-40B4-BE49-F238E27FC236}">
+                    <a16:creationId xmlns:a16="http://schemas.microsoft.com/office/drawing/2014/main" id="{F808EA79-31CA-4650-9F8D-F096661DE92B}"/>
+                  </a:ext>
+                </a:extLst>
+              </p:cNvPr>
+              <p:cNvSpPr txBox="1"/>
+              <p:nvPr/>
+            </p:nvSpPr>
+            <p:spPr>
+              <a:xfrm>
+                <a:off x="8723158" y="5089904"/>
+                <a:ext cx="1940064" cy="369332"/>
+              </a:xfrm>
+              <a:prstGeom prst="rect">
+                <a:avLst/>
+              </a:prstGeom>
+              <a:noFill/>
+            </p:spPr>
+            <p:txBody>
+              <a:bodyPr wrap="square" rtlCol="0">
+                <a:spAutoFit/>
+              </a:bodyPr>
+              <a:lstStyle/>
+              <a:p>
+                <a:pPr algn="ctr"/>
+                <a:r>
+                  <a:rPr lang="en-US" dirty="0"/>
+                  <a:t>ICE candidate (2)</a:t>
+                </a:r>
+              </a:p>
+            </p:txBody>
+          </p:sp>
+          <p:sp>
+            <p:nvSpPr>
+              <p:cNvPr id="92" name="TextBox 91">
+                <a:extLst>
+                  <a:ext uri="{FF2B5EF4-FFF2-40B4-BE49-F238E27FC236}">
+                    <a16:creationId xmlns:a16="http://schemas.microsoft.com/office/drawing/2014/main" id="{4F5123BE-40D7-4633-BCCF-5ED7D9FD59DB}"/>
+                  </a:ext>
+                </a:extLst>
+              </p:cNvPr>
+              <p:cNvSpPr txBox="1"/>
+              <p:nvPr/>
+            </p:nvSpPr>
+            <p:spPr>
+              <a:xfrm>
+                <a:off x="1507753" y="5074011"/>
+                <a:ext cx="6750455" cy="369332"/>
+              </a:xfrm>
+              <a:prstGeom prst="rect">
+                <a:avLst/>
+              </a:prstGeom>
+              <a:noFill/>
+            </p:spPr>
+            <p:txBody>
+              <a:bodyPr wrap="square" rtlCol="0">
+                <a:spAutoFit/>
+              </a:bodyPr>
+              <a:lstStyle/>
+              <a:p>
+                <a:pPr algn="ctr"/>
+                <a:r>
+                  <a:rPr lang="en-US" dirty="0"/>
+                  <a:t>ICE candidate (2)</a:t>
+                </a:r>
+              </a:p>
+            </p:txBody>
+          </p:sp>
+        </p:grpSp>
+        <p:grpSp>
+          <p:nvGrpSpPr>
+            <p:cNvPr id="101" name="Group 100">
+              <a:extLst>
+                <a:ext uri="{FF2B5EF4-FFF2-40B4-BE49-F238E27FC236}">
+                  <a16:creationId xmlns:a16="http://schemas.microsoft.com/office/drawing/2014/main" id="{20359214-6E34-4B0F-9A1D-CBFFD2F56417}"/>
+                </a:ext>
+              </a:extLst>
+            </p:cNvPr>
+            <p:cNvGrpSpPr/>
+            <p:nvPr/>
+          </p:nvGrpSpPr>
+          <p:grpSpPr>
+            <a:xfrm>
+              <a:off x="3688682" y="5258848"/>
+              <a:ext cx="7217944" cy="542635"/>
+              <a:chOff x="3688682" y="5653131"/>
+              <a:chExt cx="7217944" cy="542635"/>
+            </a:xfrm>
+          </p:grpSpPr>
+          <p:grpSp>
+            <p:nvGrpSpPr>
+              <p:cNvPr id="65" name="Group 64">
+                <a:extLst>
+                  <a:ext uri="{FF2B5EF4-FFF2-40B4-BE49-F238E27FC236}">
+                    <a16:creationId xmlns:a16="http://schemas.microsoft.com/office/drawing/2014/main" id="{AEFF9B31-C82A-4B0E-8695-36C4D8468BC4}"/>
+                  </a:ext>
+                </a:extLst>
+              </p:cNvPr>
+              <p:cNvGrpSpPr/>
+              <p:nvPr/>
+            </p:nvGrpSpPr>
+            <p:grpSpPr>
+              <a:xfrm flipH="1">
+                <a:off x="3688682" y="5871766"/>
+                <a:ext cx="7217944" cy="324000"/>
+                <a:chOff x="1467602" y="3419400"/>
+                <a:chExt cx="7217944" cy="324000"/>
+              </a:xfrm>
+            </p:grpSpPr>
+            <p:cxnSp>
+              <p:nvCxnSpPr>
+                <p:cNvPr id="66" name="Straight Arrow Connector 65">
+                  <a:extLst>
+                    <a:ext uri="{FF2B5EF4-FFF2-40B4-BE49-F238E27FC236}">
+                      <a16:creationId xmlns:a16="http://schemas.microsoft.com/office/drawing/2014/main" id="{2DCACF7A-AAD6-41CC-9636-A342EB71BD3B}"/>
+                    </a:ext>
+                  </a:extLst>
+                </p:cNvPr>
+                <p:cNvCxnSpPr>
+                  <a:cxnSpLocks/>
+                </p:cNvCxnSpPr>
+                <p:nvPr/>
+              </p:nvCxnSpPr>
+              <p:spPr>
+                <a:xfrm>
+                  <a:off x="1467602" y="3581400"/>
+                  <a:ext cx="7217944" cy="0"/>
+                </a:xfrm>
+                <a:prstGeom prst="straightConnector1">
+                  <a:avLst/>
+                </a:prstGeom>
+                <a:ln>
+                  <a:headEnd type="none" w="med" len="med"/>
+                  <a:tailEnd type="triangle" w="lg" len="lg"/>
+                </a:ln>
+              </p:spPr>
+              <p:style>
+                <a:lnRef idx="3">
+                  <a:schemeClr val="accent6"/>
+                </a:lnRef>
+                <a:fillRef idx="0">
+                  <a:schemeClr val="accent6"/>
+                </a:fillRef>
+                <a:effectRef idx="2">
+                  <a:schemeClr val="accent6"/>
+                </a:effectRef>
+                <a:fontRef idx="minor">
+                  <a:schemeClr val="tx1"/>
+                </a:fontRef>
+              </p:style>
+            </p:cxnSp>
+            <p:sp>
+              <p:nvSpPr>
+                <p:cNvPr id="67" name="Isosceles Triangle 66">
+                  <a:extLst>
+                    <a:ext uri="{FF2B5EF4-FFF2-40B4-BE49-F238E27FC236}">
+                      <a16:creationId xmlns:a16="http://schemas.microsoft.com/office/drawing/2014/main" id="{4F0A63AA-1ADA-49DF-AE5D-F6FCD8CD90A7}"/>
+                    </a:ext>
+                  </a:extLst>
+                </p:cNvPr>
+                <p:cNvSpPr/>
+                <p:nvPr/>
+              </p:nvSpPr>
+              <p:spPr>
+                <a:xfrm rot="5400000">
+                  <a:off x="8414544" y="3473400"/>
+                  <a:ext cx="324000" cy="216000"/>
+                </a:xfrm>
+                <a:prstGeom prst="triangle">
+                  <a:avLst/>
+                </a:prstGeom>
+                <a:ln w="19050"/>
+              </p:spPr>
+              <p:style>
+                <a:lnRef idx="2">
+                  <a:schemeClr val="accent6">
+                    <a:shade val="50000"/>
+                  </a:schemeClr>
+                </a:lnRef>
+                <a:fillRef idx="1">
+                  <a:schemeClr val="accent6"/>
+                </a:fillRef>
+                <a:effectRef idx="0">
+                  <a:schemeClr val="accent6"/>
+                </a:effectRef>
+                <a:fontRef idx="minor">
+                  <a:schemeClr val="lt1"/>
+                </a:fontRef>
+              </p:style>
+              <p:txBody>
+                <a:bodyPr rtlCol="0" anchor="ctr"/>
+                <a:lstStyle/>
+                <a:p>
+                  <a:pPr algn="ctr"/>
+                  <a:endParaRPr lang="en-US"/>
+                </a:p>
+              </p:txBody>
+            </p:sp>
+          </p:grpSp>
+          <p:sp>
+            <p:nvSpPr>
+              <p:cNvPr id="95" name="TextBox 94">
+                <a:extLst>
+                  <a:ext uri="{FF2B5EF4-FFF2-40B4-BE49-F238E27FC236}">
+                    <a16:creationId xmlns:a16="http://schemas.microsoft.com/office/drawing/2014/main" id="{128B291C-B9FB-4C22-B045-F8A85B7253A1}"/>
+                  </a:ext>
+                </a:extLst>
+              </p:cNvPr>
+              <p:cNvSpPr txBox="1"/>
+              <p:nvPr/>
+            </p:nvSpPr>
+            <p:spPr>
+              <a:xfrm>
+                <a:off x="3923293" y="5653131"/>
+                <a:ext cx="6750455" cy="369332"/>
+              </a:xfrm>
+              <a:prstGeom prst="rect">
+                <a:avLst/>
+              </a:prstGeom>
+              <a:noFill/>
+            </p:spPr>
+            <p:txBody>
+              <a:bodyPr wrap="square" rtlCol="0">
+                <a:spAutoFit/>
+              </a:bodyPr>
+              <a:lstStyle/>
+              <a:p>
+                <a:pPr algn="ctr"/>
+                <a:r>
+                  <a:rPr lang="en-US" dirty="0"/>
+                  <a:t>Who am I?</a:t>
+                </a:r>
+              </a:p>
+            </p:txBody>
+          </p:sp>
+        </p:grpSp>
+        <p:grpSp>
+          <p:nvGrpSpPr>
+            <p:cNvPr id="102" name="Group 101">
+              <a:extLst>
+                <a:ext uri="{FF2B5EF4-FFF2-40B4-BE49-F238E27FC236}">
+                  <a16:creationId xmlns:a16="http://schemas.microsoft.com/office/drawing/2014/main" id="{3FC18AC7-14F7-4755-ACE7-408A0F047644}"/>
+                </a:ext>
+              </a:extLst>
+            </p:cNvPr>
+            <p:cNvGrpSpPr/>
+            <p:nvPr/>
+          </p:nvGrpSpPr>
+          <p:grpSpPr>
+            <a:xfrm>
+              <a:off x="3688555" y="5898299"/>
+              <a:ext cx="7209647" cy="536064"/>
+              <a:chOff x="3688555" y="6133191"/>
+              <a:chExt cx="7209647" cy="536064"/>
+            </a:xfrm>
+          </p:grpSpPr>
+          <p:grpSp>
+            <p:nvGrpSpPr>
+              <p:cNvPr id="55" name="Group 54">
+                <a:extLst>
+                  <a:ext uri="{FF2B5EF4-FFF2-40B4-BE49-F238E27FC236}">
+                    <a16:creationId xmlns:a16="http://schemas.microsoft.com/office/drawing/2014/main" id="{57637674-899C-4387-8EA8-CE0E89AD30A1}"/>
+                  </a:ext>
+                </a:extLst>
+              </p:cNvPr>
+              <p:cNvGrpSpPr/>
+              <p:nvPr/>
+            </p:nvGrpSpPr>
+            <p:grpSpPr>
+              <a:xfrm>
+                <a:off x="3688555" y="6345255"/>
+                <a:ext cx="7209647" cy="324000"/>
+                <a:chOff x="1475900" y="3419400"/>
+                <a:chExt cx="7209647" cy="324000"/>
+              </a:xfrm>
+            </p:grpSpPr>
+            <p:cxnSp>
+              <p:nvCxnSpPr>
+                <p:cNvPr id="53" name="Straight Arrow Connector 52">
+                  <a:extLst>
+                    <a:ext uri="{FF2B5EF4-FFF2-40B4-BE49-F238E27FC236}">
+                      <a16:creationId xmlns:a16="http://schemas.microsoft.com/office/drawing/2014/main" id="{2E4AD548-1523-4D24-A635-27DD9FB696CB}"/>
+                    </a:ext>
+                  </a:extLst>
+                </p:cNvPr>
+                <p:cNvCxnSpPr>
+                  <a:cxnSpLocks/>
+                </p:cNvCxnSpPr>
+                <p:nvPr/>
+              </p:nvCxnSpPr>
+              <p:spPr>
+                <a:xfrm>
+                  <a:off x="1475900" y="3581400"/>
+                  <a:ext cx="7209647" cy="0"/>
+                </a:xfrm>
+                <a:prstGeom prst="straightConnector1">
+                  <a:avLst/>
+                </a:prstGeom>
+                <a:ln>
+                  <a:headEnd type="none" w="med" len="med"/>
+                  <a:tailEnd type="triangle" w="lg" len="lg"/>
+                </a:ln>
+              </p:spPr>
+              <p:style>
+                <a:lnRef idx="3">
+                  <a:schemeClr val="accent2"/>
+                </a:lnRef>
+                <a:fillRef idx="0">
+                  <a:schemeClr val="accent2"/>
+                </a:fillRef>
+                <a:effectRef idx="2">
+                  <a:schemeClr val="accent2"/>
+                </a:effectRef>
+                <a:fontRef idx="minor">
+                  <a:schemeClr val="tx1"/>
+                </a:fontRef>
+              </p:style>
+            </p:cxnSp>
+            <p:sp>
+              <p:nvSpPr>
+                <p:cNvPr id="54" name="Isosceles Triangle 53">
+                  <a:extLst>
+                    <a:ext uri="{FF2B5EF4-FFF2-40B4-BE49-F238E27FC236}">
+                      <a16:creationId xmlns:a16="http://schemas.microsoft.com/office/drawing/2014/main" id="{E6D6AFF1-E6D7-4DD9-A078-80CADB7BA272}"/>
+                    </a:ext>
+                  </a:extLst>
+                </p:cNvPr>
+                <p:cNvSpPr/>
+                <p:nvPr/>
+              </p:nvSpPr>
+              <p:spPr>
+                <a:xfrm rot="5400000">
+                  <a:off x="8414544" y="3473400"/>
+                  <a:ext cx="324000" cy="216000"/>
+                </a:xfrm>
+                <a:prstGeom prst="triangle">
+                  <a:avLst/>
+                </a:prstGeom>
+                <a:ln w="19050"/>
+              </p:spPr>
+              <p:style>
+                <a:lnRef idx="2">
+                  <a:schemeClr val="accent2">
+                    <a:shade val="50000"/>
+                  </a:schemeClr>
+                </a:lnRef>
+                <a:fillRef idx="1">
+                  <a:schemeClr val="accent2"/>
+                </a:fillRef>
+                <a:effectRef idx="0">
+                  <a:schemeClr val="accent2"/>
+                </a:effectRef>
+                <a:fontRef idx="minor">
+                  <a:schemeClr val="lt1"/>
+                </a:fontRef>
+              </p:style>
+              <p:txBody>
+                <a:bodyPr rtlCol="0" anchor="ctr"/>
+                <a:lstStyle/>
+                <a:p>
+                  <a:pPr algn="ctr"/>
+                  <a:endParaRPr lang="en-US"/>
+                </a:p>
+              </p:txBody>
+            </p:sp>
+          </p:grpSp>
+          <p:sp>
+            <p:nvSpPr>
+              <p:cNvPr id="96" name="TextBox 95">
+                <a:extLst>
+                  <a:ext uri="{FF2B5EF4-FFF2-40B4-BE49-F238E27FC236}">
+                    <a16:creationId xmlns:a16="http://schemas.microsoft.com/office/drawing/2014/main" id="{A151D6B9-4C00-4D55-B92E-24B84FD5CBB9}"/>
+                  </a:ext>
+                </a:extLst>
+              </p:cNvPr>
+              <p:cNvSpPr txBox="1"/>
+              <p:nvPr/>
+            </p:nvSpPr>
+            <p:spPr>
+              <a:xfrm>
+                <a:off x="3923293" y="6133191"/>
+                <a:ext cx="6750455" cy="369332"/>
+              </a:xfrm>
+              <a:prstGeom prst="rect">
+                <a:avLst/>
+              </a:prstGeom>
+              <a:noFill/>
+            </p:spPr>
+            <p:txBody>
+              <a:bodyPr wrap="square" rtlCol="0">
+                <a:spAutoFit/>
+              </a:bodyPr>
+              <a:lstStyle/>
+              <a:p>
+                <a:pPr algn="ctr"/>
+                <a:r>
+                  <a:rPr lang="en-US" dirty="0"/>
+                  <a:t>92.221.17.196:1337</a:t>
+                </a:r>
+              </a:p>
+            </p:txBody>
+          </p:sp>
+        </p:grpSp>
+        <p:grpSp>
+          <p:nvGrpSpPr>
+            <p:cNvPr id="17" name="Group 16">
+              <a:extLst>
+                <a:ext uri="{FF2B5EF4-FFF2-40B4-BE49-F238E27FC236}">
+                  <a16:creationId xmlns:a16="http://schemas.microsoft.com/office/drawing/2014/main" id="{18C090EA-6C76-41CB-9214-3AD8994E0477}"/>
+                </a:ext>
+              </a:extLst>
+            </p:cNvPr>
+            <p:cNvGrpSpPr/>
+            <p:nvPr/>
+          </p:nvGrpSpPr>
+          <p:grpSpPr>
+            <a:xfrm>
+              <a:off x="1281243" y="2453804"/>
+              <a:ext cx="9610974" cy="543909"/>
+              <a:chOff x="1284371" y="3047091"/>
+              <a:chExt cx="9610974" cy="543909"/>
+            </a:xfrm>
+          </p:grpSpPr>
+          <p:grpSp>
+            <p:nvGrpSpPr>
+              <p:cNvPr id="15" name="Group 14">
+                <a:extLst>
+                  <a:ext uri="{FF2B5EF4-FFF2-40B4-BE49-F238E27FC236}">
+                    <a16:creationId xmlns:a16="http://schemas.microsoft.com/office/drawing/2014/main" id="{229C2886-3E8C-42C6-B8FB-95B95328595B}"/>
+                  </a:ext>
+                </a:extLst>
+              </p:cNvPr>
+              <p:cNvGrpSpPr/>
+              <p:nvPr/>
+            </p:nvGrpSpPr>
+            <p:grpSpPr>
+              <a:xfrm>
+                <a:off x="8491035" y="3062984"/>
+                <a:ext cx="2404310" cy="527950"/>
+                <a:chOff x="8491035" y="3062984"/>
+                <a:chExt cx="2404310" cy="527950"/>
+              </a:xfrm>
+            </p:grpSpPr>
+            <p:grpSp>
+              <p:nvGrpSpPr>
+                <p:cNvPr id="41" name="Group 40">
+                  <a:extLst>
+                    <a:ext uri="{FF2B5EF4-FFF2-40B4-BE49-F238E27FC236}">
+                      <a16:creationId xmlns:a16="http://schemas.microsoft.com/office/drawing/2014/main" id="{A3B6D372-F426-4E41-98AA-3C784EC02285}"/>
+                    </a:ext>
+                  </a:extLst>
+                </p:cNvPr>
+                <p:cNvGrpSpPr/>
+                <p:nvPr/>
+              </p:nvGrpSpPr>
+              <p:grpSpPr>
+                <a:xfrm>
+                  <a:off x="8491035" y="3266934"/>
+                  <a:ext cx="2404310" cy="324000"/>
+                  <a:chOff x="1176873" y="2281139"/>
+                  <a:chExt cx="2404310" cy="324000"/>
+                </a:xfrm>
+              </p:grpSpPr>
+              <p:cxnSp>
+                <p:nvCxnSpPr>
+                  <p:cNvPr id="42" name="Straight Arrow Connector 41">
+                    <a:extLst>
+                      <a:ext uri="{FF2B5EF4-FFF2-40B4-BE49-F238E27FC236}">
+                        <a16:creationId xmlns:a16="http://schemas.microsoft.com/office/drawing/2014/main" id="{E1FA27A5-EBE1-438E-B7EA-11DB5C875716}"/>
+                      </a:ext>
+                    </a:extLst>
+                  </p:cNvPr>
+                  <p:cNvCxnSpPr>
+                    <a:cxnSpLocks/>
+                  </p:cNvCxnSpPr>
+                  <p:nvPr/>
+                </p:nvCxnSpPr>
+                <p:spPr>
+                  <a:xfrm>
+                    <a:off x="1176873" y="2443139"/>
+                    <a:ext cx="2404310" cy="0"/>
+                  </a:xfrm>
+                  <a:prstGeom prst="straightConnector1">
+                    <a:avLst/>
+                  </a:prstGeom>
+                  <a:ln w="19050">
+                    <a:headEnd type="none" w="med" len="med"/>
+                    <a:tailEnd type="triangle" w="lg" len="lg"/>
+                  </a:ln>
+                </p:spPr>
+                <p:style>
+                  <a:lnRef idx="3">
+                    <a:schemeClr val="accent5"/>
+                  </a:lnRef>
+                  <a:fillRef idx="0">
+                    <a:schemeClr val="accent5"/>
+                  </a:fillRef>
+                  <a:effectRef idx="2">
+                    <a:schemeClr val="accent5"/>
+                  </a:effectRef>
+                  <a:fontRef idx="minor">
+                    <a:schemeClr val="tx1"/>
+                  </a:fontRef>
+                </p:style>
+              </p:cxnSp>
+              <p:sp>
+                <p:nvSpPr>
+                  <p:cNvPr id="43" name="Isosceles Triangle 42">
+                    <a:extLst>
+                      <a:ext uri="{FF2B5EF4-FFF2-40B4-BE49-F238E27FC236}">
+                        <a16:creationId xmlns:a16="http://schemas.microsoft.com/office/drawing/2014/main" id="{8C73CEF5-BDCC-4BE0-9658-4D6F6CB28610}"/>
+                      </a:ext>
+                    </a:extLst>
+                  </p:cNvPr>
+                  <p:cNvSpPr/>
+                  <p:nvPr/>
+                </p:nvSpPr>
+                <p:spPr>
+                  <a:xfrm rot="5400000">
+                    <a:off x="3310180" y="2335139"/>
+                    <a:ext cx="324000" cy="216000"/>
+                  </a:xfrm>
+                  <a:prstGeom prst="triangle">
+                    <a:avLst/>
+                  </a:prstGeom>
+                </p:spPr>
+                <p:style>
+                  <a:lnRef idx="2">
+                    <a:schemeClr val="accent5">
+                      <a:shade val="50000"/>
+                    </a:schemeClr>
+                  </a:lnRef>
+                  <a:fillRef idx="1">
+                    <a:schemeClr val="accent5"/>
+                  </a:fillRef>
+                  <a:effectRef idx="0">
+                    <a:schemeClr val="accent5"/>
+                  </a:effectRef>
+                  <a:fontRef idx="minor">
+                    <a:schemeClr val="lt1"/>
+                  </a:fontRef>
+                </p:style>
+                <p:txBody>
+                  <a:bodyPr rtlCol="0" anchor="ctr"/>
+                  <a:lstStyle/>
+                  <a:p>
+                    <a:pPr algn="ctr"/>
+                    <a:endParaRPr lang="en-US" dirty="0"/>
+                  </a:p>
+                </p:txBody>
+              </p:sp>
+            </p:grpSp>
+            <p:sp>
+              <p:nvSpPr>
+                <p:cNvPr id="83" name="TextBox 82">
+                  <a:extLst>
+                    <a:ext uri="{FF2B5EF4-FFF2-40B4-BE49-F238E27FC236}">
+                      <a16:creationId xmlns:a16="http://schemas.microsoft.com/office/drawing/2014/main" id="{13059746-A700-47AA-9435-08C2CA7741D3}"/>
+                    </a:ext>
+                  </a:extLst>
+                </p:cNvPr>
+                <p:cNvSpPr txBox="1"/>
+                <p:nvPr/>
+              </p:nvSpPr>
+              <p:spPr>
+                <a:xfrm>
+                  <a:off x="8723158" y="3062984"/>
+                  <a:ext cx="1940064" cy="369332"/>
+                </a:xfrm>
+                <a:prstGeom prst="rect">
+                  <a:avLst/>
+                </a:prstGeom>
+                <a:noFill/>
+              </p:spPr>
+              <p:txBody>
+                <a:bodyPr wrap="square" rtlCol="0">
+                  <a:spAutoFit/>
+                </a:bodyPr>
+                <a:lstStyle/>
+                <a:p>
+                  <a:pPr algn="ctr"/>
+                  <a:r>
+                    <a:rPr lang="en-US" dirty="0"/>
+                    <a:t>Offer SDP</a:t>
+                  </a:r>
+                </a:p>
+              </p:txBody>
+            </p:sp>
+          </p:grpSp>
+          <p:grpSp>
+            <p:nvGrpSpPr>
+              <p:cNvPr id="13" name="Group 12">
+                <a:extLst>
+                  <a:ext uri="{FF2B5EF4-FFF2-40B4-BE49-F238E27FC236}">
+                    <a16:creationId xmlns:a16="http://schemas.microsoft.com/office/drawing/2014/main" id="{F9D6C1C8-D5F1-4E6A-B042-73F4B05B07A7}"/>
+                  </a:ext>
+                </a:extLst>
+              </p:cNvPr>
+              <p:cNvGrpSpPr/>
+              <p:nvPr/>
+            </p:nvGrpSpPr>
+            <p:grpSpPr>
+              <a:xfrm>
+                <a:off x="1284371" y="3047091"/>
+                <a:ext cx="7208969" cy="543909"/>
+                <a:chOff x="1284371" y="3047091"/>
+                <a:chExt cx="7208969" cy="543909"/>
+              </a:xfrm>
+            </p:grpSpPr>
+            <p:cxnSp>
+              <p:nvCxnSpPr>
+                <p:cNvPr id="50" name="Straight Arrow Connector 49">
+                  <a:extLst>
+                    <a:ext uri="{FF2B5EF4-FFF2-40B4-BE49-F238E27FC236}">
+                      <a16:creationId xmlns:a16="http://schemas.microsoft.com/office/drawing/2014/main" id="{6C54735B-1F9D-4B8E-B1A9-DFFB784B7E76}"/>
+                    </a:ext>
+                  </a:extLst>
+                </p:cNvPr>
+                <p:cNvCxnSpPr>
+                  <a:cxnSpLocks/>
+                </p:cNvCxnSpPr>
+                <p:nvPr/>
+              </p:nvCxnSpPr>
+              <p:spPr>
+                <a:xfrm>
+                  <a:off x="1284371" y="3429000"/>
+                  <a:ext cx="7208969" cy="0"/>
+                </a:xfrm>
+                <a:prstGeom prst="straightConnector1">
+                  <a:avLst/>
+                </a:prstGeom>
+                <a:ln>
+                  <a:headEnd type="none" w="med" len="med"/>
+                  <a:tailEnd type="triangle" w="lg" len="lg"/>
+                </a:ln>
+              </p:spPr>
+              <p:style>
+                <a:lnRef idx="3">
+                  <a:schemeClr val="accent6"/>
+                </a:lnRef>
+                <a:fillRef idx="0">
+                  <a:schemeClr val="accent6"/>
+                </a:fillRef>
+                <a:effectRef idx="2">
+                  <a:schemeClr val="accent6"/>
+                </a:effectRef>
+                <a:fontRef idx="minor">
+                  <a:schemeClr val="tx1"/>
+                </a:fontRef>
+              </p:style>
+            </p:cxnSp>
+            <p:sp>
+              <p:nvSpPr>
+                <p:cNvPr id="85" name="TextBox 84">
+                  <a:extLst>
+                    <a:ext uri="{FF2B5EF4-FFF2-40B4-BE49-F238E27FC236}">
+                      <a16:creationId xmlns:a16="http://schemas.microsoft.com/office/drawing/2014/main" id="{AA1F4CBF-E2F6-42D9-AEB1-9B88A9550336}"/>
+                    </a:ext>
+                  </a:extLst>
+                </p:cNvPr>
+                <p:cNvSpPr txBox="1"/>
+                <p:nvPr/>
+              </p:nvSpPr>
+              <p:spPr>
+                <a:xfrm>
+                  <a:off x="1507753" y="3047091"/>
+                  <a:ext cx="6750455" cy="369332"/>
+                </a:xfrm>
+                <a:prstGeom prst="rect">
+                  <a:avLst/>
+                </a:prstGeom>
+                <a:noFill/>
+              </p:spPr>
+              <p:txBody>
+                <a:bodyPr wrap="square" rtlCol="0">
+                  <a:spAutoFit/>
+                </a:bodyPr>
+                <a:lstStyle/>
+                <a:p>
+                  <a:pPr algn="ctr"/>
+                  <a:r>
+                    <a:rPr lang="en-US" dirty="0"/>
+                    <a:t>Offer SDP</a:t>
+                  </a:r>
+                </a:p>
+              </p:txBody>
+            </p:sp>
+            <p:sp>
+              <p:nvSpPr>
+                <p:cNvPr id="51" name="Isosceles Triangle 50">
+                  <a:extLst>
+                    <a:ext uri="{FF2B5EF4-FFF2-40B4-BE49-F238E27FC236}">
+                      <a16:creationId xmlns:a16="http://schemas.microsoft.com/office/drawing/2014/main" id="{D75BB5BD-2950-40F5-9232-E5F916278913}"/>
+                    </a:ext>
+                  </a:extLst>
+                </p:cNvPr>
+                <p:cNvSpPr/>
+                <p:nvPr/>
+              </p:nvSpPr>
+              <p:spPr>
+                <a:xfrm rot="5400000">
+                  <a:off x="8222839" y="3321000"/>
+                  <a:ext cx="324000" cy="216000"/>
+                </a:xfrm>
+                <a:prstGeom prst="triangle">
+                  <a:avLst/>
+                </a:prstGeom>
+                <a:ln w="19050"/>
+              </p:spPr>
+              <p:style>
+                <a:lnRef idx="2">
+                  <a:schemeClr val="accent6">
+                    <a:shade val="50000"/>
+                  </a:schemeClr>
+                </a:lnRef>
+                <a:fillRef idx="1">
+                  <a:schemeClr val="accent6"/>
+                </a:fillRef>
+                <a:effectRef idx="0">
+                  <a:schemeClr val="accent6"/>
+                </a:effectRef>
+                <a:fontRef idx="minor">
+                  <a:schemeClr val="lt1"/>
+                </a:fontRef>
+              </p:style>
+              <p:txBody>
+                <a:bodyPr rtlCol="0" anchor="ctr"/>
+                <a:lstStyle/>
+                <a:p>
+                  <a:pPr algn="ctr"/>
+                  <a:endParaRPr lang="en-US"/>
+                </a:p>
+              </p:txBody>
+            </p:sp>
           </p:grpSp>
         </p:grpSp>
       </p:grpSp>

--- a/WIP.pptx
+++ b/WIP.pptx
@@ -15,6 +15,7 @@
     <p:sldId id="264" r:id="rId9"/>
     <p:sldId id="263" r:id="rId10"/>
     <p:sldId id="265" r:id="rId11"/>
+    <p:sldId id="266" r:id="rId12"/>
   </p:sldIdLst>
   <p:sldSz cx="12192000" cy="6858000"/>
   <p:notesSz cx="6858000" cy="9144000"/>
@@ -7216,6 +7217,1810 @@
 </p:sld>
 </file>
 
+<file path=ppt/slides/slide11.xml><?xml version="1.0" encoding="utf-8"?>
+<p:sld xmlns:a="http://schemas.openxmlformats.org/drawingml/2006/main" xmlns:r="http://schemas.openxmlformats.org/officeDocument/2006/relationships" xmlns:p="http://schemas.openxmlformats.org/presentationml/2006/main">
+  <p:cSld>
+    <p:spTree>
+      <p:nvGrpSpPr>
+        <p:cNvPr id="1" name=""/>
+        <p:cNvGrpSpPr/>
+        <p:nvPr/>
+      </p:nvGrpSpPr>
+      <p:grpSpPr>
+        <a:xfrm>
+          <a:off x="0" y="0"/>
+          <a:ext cx="0" cy="0"/>
+          <a:chOff x="0" y="0"/>
+          <a:chExt cx="0" cy="0"/>
+        </a:xfrm>
+      </p:grpSpPr>
+      <p:sp>
+        <p:nvSpPr>
+          <p:cNvPr id="24" name="Rektangel 23">
+            <a:extLst>
+              <a:ext uri="{FF2B5EF4-FFF2-40B4-BE49-F238E27FC236}">
+                <a16:creationId xmlns:a16="http://schemas.microsoft.com/office/drawing/2014/main" id="{0B992EBD-2C90-4136-A020-356E3AD6FF8E}"/>
+              </a:ext>
+            </a:extLst>
+          </p:cNvPr>
+          <p:cNvSpPr/>
+          <p:nvPr/>
+        </p:nvSpPr>
+        <p:spPr>
+          <a:xfrm>
+            <a:off x="0" y="0"/>
+            <a:ext cx="12260062" cy="6918974"/>
+          </a:xfrm>
+          <a:prstGeom prst="rect">
+            <a:avLst/>
+          </a:prstGeom>
+          <a:solidFill>
+            <a:schemeClr val="bg1"/>
+          </a:solidFill>
+          <a:ln>
+            <a:solidFill>
+              <a:schemeClr val="bg1"/>
+            </a:solidFill>
+          </a:ln>
+        </p:spPr>
+        <p:style>
+          <a:lnRef idx="2">
+            <a:schemeClr val="accent1">
+              <a:shade val="50000"/>
+            </a:schemeClr>
+          </a:lnRef>
+          <a:fillRef idx="1">
+            <a:schemeClr val="accent1"/>
+          </a:fillRef>
+          <a:effectRef idx="0">
+            <a:schemeClr val="accent1"/>
+          </a:effectRef>
+          <a:fontRef idx="minor">
+            <a:schemeClr val="lt1"/>
+          </a:fontRef>
+        </p:style>
+        <p:txBody>
+          <a:bodyPr rtlCol="0" anchor="ctr"/>
+          <a:lstStyle/>
+          <a:p>
+            <a:pPr algn="ctr"/>
+            <a:endParaRPr lang="en-GB"/>
+          </a:p>
+        </p:txBody>
+      </p:sp>
+      <p:grpSp>
+        <p:nvGrpSpPr>
+          <p:cNvPr id="25" name="Gruppe 24">
+            <a:extLst>
+              <a:ext uri="{FF2B5EF4-FFF2-40B4-BE49-F238E27FC236}">
+                <a16:creationId xmlns:a16="http://schemas.microsoft.com/office/drawing/2014/main" id="{B77B185B-800E-4113-BF97-4947B24419E3}"/>
+              </a:ext>
+            </a:extLst>
+          </p:cNvPr>
+          <p:cNvGrpSpPr/>
+          <p:nvPr/>
+        </p:nvGrpSpPr>
+        <p:grpSpPr>
+          <a:xfrm>
+            <a:off x="-102345" y="5595987"/>
+            <a:ext cx="6234579" cy="1257242"/>
+            <a:chOff x="-208399" y="4346891"/>
+            <a:chExt cx="12400399" cy="2485753"/>
+          </a:xfrm>
+        </p:grpSpPr>
+        <p:sp>
+          <p:nvSpPr>
+            <p:cNvPr id="4" name="Ellipse 3">
+              <a:extLst>
+                <a:ext uri="{FF2B5EF4-FFF2-40B4-BE49-F238E27FC236}">
+                  <a16:creationId xmlns:a16="http://schemas.microsoft.com/office/drawing/2014/main" id="{DCCA4B13-FF25-4F7B-92AB-EEB02819B268}"/>
+                </a:ext>
+              </a:extLst>
+            </p:cNvPr>
+            <p:cNvSpPr/>
+            <p:nvPr/>
+          </p:nvSpPr>
+          <p:spPr>
+            <a:xfrm>
+              <a:off x="659902" y="4530720"/>
+              <a:ext cx="754602" cy="754602"/>
+            </a:xfrm>
+            <a:prstGeom prst="ellipse">
+              <a:avLst/>
+            </a:prstGeom>
+          </p:spPr>
+          <p:style>
+            <a:lnRef idx="3">
+              <a:schemeClr val="lt1"/>
+            </a:lnRef>
+            <a:fillRef idx="1">
+              <a:schemeClr val="accent6"/>
+            </a:fillRef>
+            <a:effectRef idx="1">
+              <a:schemeClr val="accent6"/>
+            </a:effectRef>
+            <a:fontRef idx="minor">
+              <a:schemeClr val="lt1"/>
+            </a:fontRef>
+          </p:style>
+          <p:txBody>
+            <a:bodyPr rtlCol="0" anchor="ctr"/>
+            <a:lstStyle/>
+            <a:p>
+              <a:pPr algn="ctr"/>
+              <a:endParaRPr lang="en-GB"/>
+            </a:p>
+          </p:txBody>
+        </p:sp>
+        <p:sp>
+          <p:nvSpPr>
+            <p:cNvPr id="5" name="Ellipse 4">
+              <a:extLst>
+                <a:ext uri="{FF2B5EF4-FFF2-40B4-BE49-F238E27FC236}">
+                  <a16:creationId xmlns:a16="http://schemas.microsoft.com/office/drawing/2014/main" id="{B3977CE5-086F-4A00-8212-6471AB86910C}"/>
+                </a:ext>
+              </a:extLst>
+            </p:cNvPr>
+            <p:cNvSpPr/>
+            <p:nvPr/>
+          </p:nvSpPr>
+          <p:spPr>
+            <a:xfrm rot="18826933">
+              <a:off x="1331076" y="4986121"/>
+              <a:ext cx="1296140" cy="299251"/>
+            </a:xfrm>
+            <a:prstGeom prst="ellipse">
+              <a:avLst/>
+            </a:prstGeom>
+          </p:spPr>
+          <p:style>
+            <a:lnRef idx="3">
+              <a:schemeClr val="lt1"/>
+            </a:lnRef>
+            <a:fillRef idx="1">
+              <a:schemeClr val="accent4"/>
+            </a:fillRef>
+            <a:effectRef idx="1">
+              <a:schemeClr val="accent4"/>
+            </a:effectRef>
+            <a:fontRef idx="minor">
+              <a:schemeClr val="lt1"/>
+            </a:fontRef>
+          </p:style>
+          <p:txBody>
+            <a:bodyPr rtlCol="0" anchor="ctr"/>
+            <a:lstStyle/>
+            <a:p>
+              <a:pPr algn="ctr"/>
+              <a:endParaRPr lang="en-GB"/>
+            </a:p>
+          </p:txBody>
+        </p:sp>
+        <p:sp>
+          <p:nvSpPr>
+            <p:cNvPr id="6" name="Ellipse 5">
+              <a:extLst>
+                <a:ext uri="{FF2B5EF4-FFF2-40B4-BE49-F238E27FC236}">
+                  <a16:creationId xmlns:a16="http://schemas.microsoft.com/office/drawing/2014/main" id="{E9FA94A0-1D08-45E6-BFA5-E04EA99512A3}"/>
+                </a:ext>
+              </a:extLst>
+            </p:cNvPr>
+            <p:cNvSpPr/>
+            <p:nvPr/>
+          </p:nvSpPr>
+          <p:spPr>
+            <a:xfrm rot="6393718" flipH="1">
+              <a:off x="3257641" y="4796589"/>
+              <a:ext cx="266330" cy="668785"/>
+            </a:xfrm>
+            <a:prstGeom prst="ellipse">
+              <a:avLst/>
+            </a:prstGeom>
+          </p:spPr>
+          <p:style>
+            <a:lnRef idx="3">
+              <a:schemeClr val="lt1"/>
+            </a:lnRef>
+            <a:fillRef idx="1">
+              <a:schemeClr val="accent2"/>
+            </a:fillRef>
+            <a:effectRef idx="1">
+              <a:schemeClr val="accent2"/>
+            </a:effectRef>
+            <a:fontRef idx="minor">
+              <a:schemeClr val="lt1"/>
+            </a:fontRef>
+          </p:style>
+          <p:txBody>
+            <a:bodyPr rtlCol="0" anchor="ctr"/>
+            <a:lstStyle/>
+            <a:p>
+              <a:pPr algn="ctr"/>
+              <a:endParaRPr lang="en-GB"/>
+            </a:p>
+          </p:txBody>
+        </p:sp>
+        <p:sp>
+          <p:nvSpPr>
+            <p:cNvPr id="7" name="Ellipse 6">
+              <a:extLst>
+                <a:ext uri="{FF2B5EF4-FFF2-40B4-BE49-F238E27FC236}">
+                  <a16:creationId xmlns:a16="http://schemas.microsoft.com/office/drawing/2014/main" id="{CF8069B6-83DF-4596-BBE6-20A5800387E3}"/>
+                </a:ext>
+              </a:extLst>
+            </p:cNvPr>
+            <p:cNvSpPr/>
+            <p:nvPr/>
+          </p:nvSpPr>
+          <p:spPr>
+            <a:xfrm>
+              <a:off x="8284887" y="5348349"/>
+              <a:ext cx="354517" cy="333240"/>
+            </a:xfrm>
+            <a:prstGeom prst="ellipse">
+              <a:avLst/>
+            </a:prstGeom>
+          </p:spPr>
+          <p:style>
+            <a:lnRef idx="3">
+              <a:schemeClr val="lt1"/>
+            </a:lnRef>
+            <a:fillRef idx="1">
+              <a:schemeClr val="accent5"/>
+            </a:fillRef>
+            <a:effectRef idx="1">
+              <a:schemeClr val="accent5"/>
+            </a:effectRef>
+            <a:fontRef idx="minor">
+              <a:schemeClr val="lt1"/>
+            </a:fontRef>
+          </p:style>
+          <p:txBody>
+            <a:bodyPr rtlCol="0" anchor="ctr"/>
+            <a:lstStyle/>
+            <a:p>
+              <a:pPr algn="ctr"/>
+              <a:endParaRPr lang="en-GB"/>
+            </a:p>
+          </p:txBody>
+        </p:sp>
+        <p:sp>
+          <p:nvSpPr>
+            <p:cNvPr id="8" name="Ellipse 7">
+              <a:extLst>
+                <a:ext uri="{FF2B5EF4-FFF2-40B4-BE49-F238E27FC236}">
+                  <a16:creationId xmlns:a16="http://schemas.microsoft.com/office/drawing/2014/main" id="{B05BBB57-8C2E-4F5E-BDF0-07496270020E}"/>
+                </a:ext>
+              </a:extLst>
+            </p:cNvPr>
+            <p:cNvSpPr/>
+            <p:nvPr/>
+          </p:nvSpPr>
+          <p:spPr>
+            <a:xfrm rot="19840504">
+              <a:off x="4940423" y="5523333"/>
+              <a:ext cx="2158751" cy="1029069"/>
+            </a:xfrm>
+            <a:prstGeom prst="ellipse">
+              <a:avLst/>
+            </a:prstGeom>
+            <a:solidFill>
+              <a:srgbClr val="FFC000"/>
+            </a:solidFill>
+          </p:spPr>
+          <p:style>
+            <a:lnRef idx="3">
+              <a:schemeClr val="lt1"/>
+            </a:lnRef>
+            <a:fillRef idx="1">
+              <a:schemeClr val="accent4"/>
+            </a:fillRef>
+            <a:effectRef idx="1">
+              <a:schemeClr val="accent4"/>
+            </a:effectRef>
+            <a:fontRef idx="minor">
+              <a:schemeClr val="lt1"/>
+            </a:fontRef>
+          </p:style>
+          <p:txBody>
+            <a:bodyPr rtlCol="0" anchor="ctr"/>
+            <a:lstStyle/>
+            <a:p>
+              <a:pPr algn="ctr"/>
+              <a:endParaRPr lang="en-GB"/>
+            </a:p>
+          </p:txBody>
+        </p:sp>
+        <p:sp>
+          <p:nvSpPr>
+            <p:cNvPr id="9" name="Ellipse 8">
+              <a:extLst>
+                <a:ext uri="{FF2B5EF4-FFF2-40B4-BE49-F238E27FC236}">
+                  <a16:creationId xmlns:a16="http://schemas.microsoft.com/office/drawing/2014/main" id="{C96DC4AF-7F0E-4761-A1AA-A8E0FF116EAB}"/>
+                </a:ext>
+              </a:extLst>
+            </p:cNvPr>
+            <p:cNvSpPr/>
+            <p:nvPr/>
+          </p:nvSpPr>
+          <p:spPr>
+            <a:xfrm>
+              <a:off x="2015275" y="5231937"/>
+              <a:ext cx="1143740" cy="1337569"/>
+            </a:xfrm>
+            <a:prstGeom prst="ellipse">
+              <a:avLst/>
+            </a:prstGeom>
+          </p:spPr>
+          <p:style>
+            <a:lnRef idx="3">
+              <a:schemeClr val="lt1"/>
+            </a:lnRef>
+            <a:fillRef idx="1">
+              <a:schemeClr val="accent5"/>
+            </a:fillRef>
+            <a:effectRef idx="1">
+              <a:schemeClr val="accent5"/>
+            </a:effectRef>
+            <a:fontRef idx="minor">
+              <a:schemeClr val="lt1"/>
+            </a:fontRef>
+          </p:style>
+          <p:txBody>
+            <a:bodyPr rtlCol="0" anchor="ctr"/>
+            <a:lstStyle/>
+            <a:p>
+              <a:pPr algn="ctr"/>
+              <a:endParaRPr lang="en-GB"/>
+            </a:p>
+          </p:txBody>
+        </p:sp>
+        <p:sp>
+          <p:nvSpPr>
+            <p:cNvPr id="10" name="Ellipse 9">
+              <a:extLst>
+                <a:ext uri="{FF2B5EF4-FFF2-40B4-BE49-F238E27FC236}">
+                  <a16:creationId xmlns:a16="http://schemas.microsoft.com/office/drawing/2014/main" id="{058F0731-735C-41D7-ABB3-E0980545D52D}"/>
+                </a:ext>
+              </a:extLst>
+            </p:cNvPr>
+            <p:cNvSpPr/>
+            <p:nvPr/>
+          </p:nvSpPr>
+          <p:spPr>
+            <a:xfrm>
+              <a:off x="4625838" y="4837644"/>
+              <a:ext cx="1296140" cy="727969"/>
+            </a:xfrm>
+            <a:prstGeom prst="ellipse">
+              <a:avLst/>
+            </a:prstGeom>
+          </p:spPr>
+          <p:style>
+            <a:lnRef idx="3">
+              <a:schemeClr val="lt1"/>
+            </a:lnRef>
+            <a:fillRef idx="1">
+              <a:schemeClr val="accent5"/>
+            </a:fillRef>
+            <a:effectRef idx="1">
+              <a:schemeClr val="accent5"/>
+            </a:effectRef>
+            <a:fontRef idx="minor">
+              <a:schemeClr val="lt1"/>
+            </a:fontRef>
+          </p:style>
+          <p:txBody>
+            <a:bodyPr rtlCol="0" anchor="ctr"/>
+            <a:lstStyle/>
+            <a:p>
+              <a:pPr algn="ctr"/>
+              <a:endParaRPr lang="en-GB"/>
+            </a:p>
+          </p:txBody>
+        </p:sp>
+        <p:sp>
+          <p:nvSpPr>
+            <p:cNvPr id="11" name="Ellipse 10">
+              <a:extLst>
+                <a:ext uri="{FF2B5EF4-FFF2-40B4-BE49-F238E27FC236}">
+                  <a16:creationId xmlns:a16="http://schemas.microsoft.com/office/drawing/2014/main" id="{66572232-DF71-4193-AF4B-A2EEF73B614A}"/>
+                </a:ext>
+              </a:extLst>
+            </p:cNvPr>
+            <p:cNvSpPr/>
+            <p:nvPr/>
+          </p:nvSpPr>
+          <p:spPr>
+            <a:xfrm>
+              <a:off x="10456415" y="5463053"/>
+              <a:ext cx="1735585" cy="1270987"/>
+            </a:xfrm>
+            <a:prstGeom prst="ellipse">
+              <a:avLst/>
+            </a:prstGeom>
+          </p:spPr>
+          <p:style>
+            <a:lnRef idx="3">
+              <a:schemeClr val="lt1"/>
+            </a:lnRef>
+            <a:fillRef idx="1">
+              <a:schemeClr val="accent4"/>
+            </a:fillRef>
+            <a:effectRef idx="1">
+              <a:schemeClr val="accent4"/>
+            </a:effectRef>
+            <a:fontRef idx="minor">
+              <a:schemeClr val="lt1"/>
+            </a:fontRef>
+          </p:style>
+          <p:txBody>
+            <a:bodyPr rtlCol="0" anchor="ctr"/>
+            <a:lstStyle/>
+            <a:p>
+              <a:pPr algn="ctr"/>
+              <a:endParaRPr lang="en-GB"/>
+            </a:p>
+          </p:txBody>
+        </p:sp>
+        <p:sp>
+          <p:nvSpPr>
+            <p:cNvPr id="12" name="Ellipse 11">
+              <a:extLst>
+                <a:ext uri="{FF2B5EF4-FFF2-40B4-BE49-F238E27FC236}">
+                  <a16:creationId xmlns:a16="http://schemas.microsoft.com/office/drawing/2014/main" id="{63D280AA-9B26-4944-BA9C-90FB55DDA2EB}"/>
+                </a:ext>
+              </a:extLst>
+            </p:cNvPr>
+            <p:cNvSpPr/>
+            <p:nvPr/>
+          </p:nvSpPr>
+          <p:spPr>
+            <a:xfrm>
+              <a:off x="11375543" y="4655184"/>
+              <a:ext cx="754602" cy="754602"/>
+            </a:xfrm>
+            <a:prstGeom prst="ellipse">
+              <a:avLst/>
+            </a:prstGeom>
+          </p:spPr>
+          <p:style>
+            <a:lnRef idx="3">
+              <a:schemeClr val="lt1"/>
+            </a:lnRef>
+            <a:fillRef idx="1">
+              <a:schemeClr val="accent6"/>
+            </a:fillRef>
+            <a:effectRef idx="1">
+              <a:schemeClr val="accent6"/>
+            </a:effectRef>
+            <a:fontRef idx="minor">
+              <a:schemeClr val="lt1"/>
+            </a:fontRef>
+          </p:style>
+          <p:txBody>
+            <a:bodyPr rtlCol="0" anchor="ctr"/>
+            <a:lstStyle/>
+            <a:p>
+              <a:pPr algn="ctr"/>
+              <a:endParaRPr lang="en-GB"/>
+            </a:p>
+          </p:txBody>
+        </p:sp>
+        <p:sp>
+          <p:nvSpPr>
+            <p:cNvPr id="13" name="Ellipse 12">
+              <a:extLst>
+                <a:ext uri="{FF2B5EF4-FFF2-40B4-BE49-F238E27FC236}">
+                  <a16:creationId xmlns:a16="http://schemas.microsoft.com/office/drawing/2014/main" id="{5A388814-0C68-4651-9AE3-129E54948EA2}"/>
+                </a:ext>
+              </a:extLst>
+            </p:cNvPr>
+            <p:cNvSpPr/>
+            <p:nvPr/>
+          </p:nvSpPr>
+          <p:spPr>
+            <a:xfrm rot="7366248">
+              <a:off x="10393829" y="4845335"/>
+              <a:ext cx="1296140" cy="299251"/>
+            </a:xfrm>
+            <a:prstGeom prst="ellipse">
+              <a:avLst/>
+            </a:prstGeom>
+          </p:spPr>
+          <p:style>
+            <a:lnRef idx="3">
+              <a:schemeClr val="lt1"/>
+            </a:lnRef>
+            <a:fillRef idx="1">
+              <a:schemeClr val="accent2"/>
+            </a:fillRef>
+            <a:effectRef idx="1">
+              <a:schemeClr val="accent2"/>
+            </a:effectRef>
+            <a:fontRef idx="minor">
+              <a:schemeClr val="lt1"/>
+            </a:fontRef>
+          </p:style>
+          <p:txBody>
+            <a:bodyPr rtlCol="0" anchor="ctr"/>
+            <a:lstStyle/>
+            <a:p>
+              <a:pPr algn="ctr"/>
+              <a:endParaRPr lang="en-GB"/>
+            </a:p>
+          </p:txBody>
+        </p:sp>
+        <p:sp>
+          <p:nvSpPr>
+            <p:cNvPr id="14" name="Ellipse 13">
+              <a:extLst>
+                <a:ext uri="{FF2B5EF4-FFF2-40B4-BE49-F238E27FC236}">
+                  <a16:creationId xmlns:a16="http://schemas.microsoft.com/office/drawing/2014/main" id="{05827531-5FF2-4C80-B6F7-02571B5AB0FD}"/>
+                </a:ext>
+              </a:extLst>
+            </p:cNvPr>
+            <p:cNvSpPr/>
+            <p:nvPr/>
+          </p:nvSpPr>
+          <p:spPr>
+            <a:xfrm rot="20187107" flipH="1">
+              <a:off x="6975336" y="6163859"/>
+              <a:ext cx="266330" cy="668785"/>
+            </a:xfrm>
+            <a:prstGeom prst="ellipse">
+              <a:avLst/>
+            </a:prstGeom>
+          </p:spPr>
+          <p:style>
+            <a:lnRef idx="3">
+              <a:schemeClr val="lt1"/>
+            </a:lnRef>
+            <a:fillRef idx="1">
+              <a:schemeClr val="accent5"/>
+            </a:fillRef>
+            <a:effectRef idx="1">
+              <a:schemeClr val="accent5"/>
+            </a:effectRef>
+            <a:fontRef idx="minor">
+              <a:schemeClr val="lt1"/>
+            </a:fontRef>
+          </p:style>
+          <p:txBody>
+            <a:bodyPr rtlCol="0" anchor="ctr"/>
+            <a:lstStyle/>
+            <a:p>
+              <a:pPr algn="ctr"/>
+              <a:endParaRPr lang="en-GB"/>
+            </a:p>
+          </p:txBody>
+        </p:sp>
+        <p:sp>
+          <p:nvSpPr>
+            <p:cNvPr id="15" name="Ellipse 14">
+              <a:extLst>
+                <a:ext uri="{FF2B5EF4-FFF2-40B4-BE49-F238E27FC236}">
+                  <a16:creationId xmlns:a16="http://schemas.microsoft.com/office/drawing/2014/main" id="{B00B78E2-8825-48B5-AFE7-D059A71AEA26}"/>
+                </a:ext>
+              </a:extLst>
+            </p:cNvPr>
+            <p:cNvSpPr/>
+            <p:nvPr/>
+          </p:nvSpPr>
+          <p:spPr>
+            <a:xfrm rot="3101984">
+              <a:off x="9625182" y="5330356"/>
+              <a:ext cx="916346" cy="504547"/>
+            </a:xfrm>
+            <a:prstGeom prst="ellipse">
+              <a:avLst/>
+            </a:prstGeom>
+          </p:spPr>
+          <p:style>
+            <a:lnRef idx="3">
+              <a:schemeClr val="lt1"/>
+            </a:lnRef>
+            <a:fillRef idx="1">
+              <a:schemeClr val="accent5"/>
+            </a:fillRef>
+            <a:effectRef idx="1">
+              <a:schemeClr val="accent5"/>
+            </a:effectRef>
+            <a:fontRef idx="minor">
+              <a:schemeClr val="lt1"/>
+            </a:fontRef>
+          </p:style>
+          <p:txBody>
+            <a:bodyPr rtlCol="0" anchor="ctr"/>
+            <a:lstStyle/>
+            <a:p>
+              <a:pPr algn="ctr"/>
+              <a:endParaRPr lang="en-GB"/>
+            </a:p>
+          </p:txBody>
+        </p:sp>
+        <p:sp>
+          <p:nvSpPr>
+            <p:cNvPr id="16" name="Ellipse 15">
+              <a:extLst>
+                <a:ext uri="{FF2B5EF4-FFF2-40B4-BE49-F238E27FC236}">
+                  <a16:creationId xmlns:a16="http://schemas.microsoft.com/office/drawing/2014/main" id="{839D0BA2-44E6-456A-AEC1-5EFA3D461D30}"/>
+                </a:ext>
+              </a:extLst>
+            </p:cNvPr>
+            <p:cNvSpPr/>
+            <p:nvPr/>
+          </p:nvSpPr>
+          <p:spPr>
+            <a:xfrm rot="2678019">
+              <a:off x="-208399" y="5470274"/>
+              <a:ext cx="2158751" cy="1029069"/>
+            </a:xfrm>
+            <a:prstGeom prst="ellipse">
+              <a:avLst/>
+            </a:prstGeom>
+          </p:spPr>
+          <p:style>
+            <a:lnRef idx="3">
+              <a:schemeClr val="lt1"/>
+            </a:lnRef>
+            <a:fillRef idx="1">
+              <a:schemeClr val="accent2"/>
+            </a:fillRef>
+            <a:effectRef idx="1">
+              <a:schemeClr val="accent2"/>
+            </a:effectRef>
+            <a:fontRef idx="minor">
+              <a:schemeClr val="lt1"/>
+            </a:fontRef>
+          </p:style>
+          <p:txBody>
+            <a:bodyPr rtlCol="0" anchor="ctr"/>
+            <a:lstStyle/>
+            <a:p>
+              <a:pPr algn="ctr"/>
+              <a:endParaRPr lang="en-GB"/>
+            </a:p>
+          </p:txBody>
+        </p:sp>
+        <p:sp>
+          <p:nvSpPr>
+            <p:cNvPr id="17" name="Ellipse 16">
+              <a:extLst>
+                <a:ext uri="{FF2B5EF4-FFF2-40B4-BE49-F238E27FC236}">
+                  <a16:creationId xmlns:a16="http://schemas.microsoft.com/office/drawing/2014/main" id="{66E4812D-926E-4261-AB12-89ABC47F76AD}"/>
+                </a:ext>
+              </a:extLst>
+            </p:cNvPr>
+            <p:cNvSpPr/>
+            <p:nvPr/>
+          </p:nvSpPr>
+          <p:spPr>
+            <a:xfrm rot="18568690">
+              <a:off x="8722331" y="5429763"/>
+              <a:ext cx="1143740" cy="1337569"/>
+            </a:xfrm>
+            <a:prstGeom prst="ellipse">
+              <a:avLst/>
+            </a:prstGeom>
+          </p:spPr>
+          <p:style>
+            <a:lnRef idx="3">
+              <a:schemeClr val="lt1"/>
+            </a:lnRef>
+            <a:fillRef idx="1">
+              <a:schemeClr val="accent6"/>
+            </a:fillRef>
+            <a:effectRef idx="1">
+              <a:schemeClr val="accent6"/>
+            </a:effectRef>
+            <a:fontRef idx="minor">
+              <a:schemeClr val="lt1"/>
+            </a:fontRef>
+          </p:style>
+          <p:txBody>
+            <a:bodyPr rtlCol="0" anchor="ctr"/>
+            <a:lstStyle/>
+            <a:p>
+              <a:pPr algn="ctr"/>
+              <a:endParaRPr lang="en-GB"/>
+            </a:p>
+          </p:txBody>
+        </p:sp>
+        <p:sp>
+          <p:nvSpPr>
+            <p:cNvPr id="18" name="Ellipse 17">
+              <a:extLst>
+                <a:ext uri="{FF2B5EF4-FFF2-40B4-BE49-F238E27FC236}">
+                  <a16:creationId xmlns:a16="http://schemas.microsoft.com/office/drawing/2014/main" id="{C4146CC8-6772-4D22-B8B2-C7E2EFE4F197}"/>
+                </a:ext>
+              </a:extLst>
+            </p:cNvPr>
+            <p:cNvSpPr/>
+            <p:nvPr/>
+          </p:nvSpPr>
+          <p:spPr>
+            <a:xfrm rot="1345568">
+              <a:off x="7198347" y="5673881"/>
+              <a:ext cx="1296140" cy="727969"/>
+            </a:xfrm>
+            <a:prstGeom prst="ellipse">
+              <a:avLst/>
+            </a:prstGeom>
+          </p:spPr>
+          <p:style>
+            <a:lnRef idx="3">
+              <a:schemeClr val="lt1"/>
+            </a:lnRef>
+            <a:fillRef idx="1">
+              <a:schemeClr val="accent2"/>
+            </a:fillRef>
+            <a:effectRef idx="1">
+              <a:schemeClr val="accent2"/>
+            </a:effectRef>
+            <a:fontRef idx="minor">
+              <a:schemeClr val="lt1"/>
+            </a:fontRef>
+          </p:style>
+          <p:txBody>
+            <a:bodyPr rtlCol="0" anchor="ctr"/>
+            <a:lstStyle/>
+            <a:p>
+              <a:pPr algn="ctr"/>
+              <a:endParaRPr lang="en-GB"/>
+            </a:p>
+          </p:txBody>
+        </p:sp>
+        <p:sp>
+          <p:nvSpPr>
+            <p:cNvPr id="19" name="Ellipse 18">
+              <a:extLst>
+                <a:ext uri="{FF2B5EF4-FFF2-40B4-BE49-F238E27FC236}">
+                  <a16:creationId xmlns:a16="http://schemas.microsoft.com/office/drawing/2014/main" id="{23A59EFC-5AF7-4F94-8435-2C2AD000682C}"/>
+                </a:ext>
+              </a:extLst>
+            </p:cNvPr>
+            <p:cNvSpPr/>
+            <p:nvPr/>
+          </p:nvSpPr>
+          <p:spPr>
+            <a:xfrm rot="19165915">
+              <a:off x="3082770" y="5451176"/>
+              <a:ext cx="1735585" cy="1270987"/>
+            </a:xfrm>
+            <a:prstGeom prst="ellipse">
+              <a:avLst/>
+            </a:prstGeom>
+          </p:spPr>
+          <p:style>
+            <a:lnRef idx="3">
+              <a:schemeClr val="lt1"/>
+            </a:lnRef>
+            <a:fillRef idx="1">
+              <a:schemeClr val="accent6"/>
+            </a:fillRef>
+            <a:effectRef idx="1">
+              <a:schemeClr val="accent6"/>
+            </a:effectRef>
+            <a:fontRef idx="minor">
+              <a:schemeClr val="lt1"/>
+            </a:fontRef>
+          </p:style>
+          <p:txBody>
+            <a:bodyPr rtlCol="0" anchor="ctr"/>
+            <a:lstStyle/>
+            <a:p>
+              <a:pPr algn="ctr"/>
+              <a:endParaRPr lang="en-GB"/>
+            </a:p>
+          </p:txBody>
+        </p:sp>
+        <p:sp>
+          <p:nvSpPr>
+            <p:cNvPr id="20" name="Ellipse 19">
+              <a:extLst>
+                <a:ext uri="{FF2B5EF4-FFF2-40B4-BE49-F238E27FC236}">
+                  <a16:creationId xmlns:a16="http://schemas.microsoft.com/office/drawing/2014/main" id="{762BA499-B254-4272-87E4-76C37642D49E}"/>
+                </a:ext>
+              </a:extLst>
+            </p:cNvPr>
+            <p:cNvSpPr/>
+            <p:nvPr/>
+          </p:nvSpPr>
+          <p:spPr>
+            <a:xfrm rot="15654771">
+              <a:off x="4942028" y="5745188"/>
+              <a:ext cx="202117" cy="213114"/>
+            </a:xfrm>
+            <a:prstGeom prst="ellipse">
+              <a:avLst/>
+            </a:prstGeom>
+          </p:spPr>
+          <p:style>
+            <a:lnRef idx="3">
+              <a:schemeClr val="lt1"/>
+            </a:lnRef>
+            <a:fillRef idx="1">
+              <a:schemeClr val="accent2"/>
+            </a:fillRef>
+            <a:effectRef idx="1">
+              <a:schemeClr val="accent2"/>
+            </a:effectRef>
+            <a:fontRef idx="minor">
+              <a:schemeClr val="lt1"/>
+            </a:fontRef>
+          </p:style>
+          <p:txBody>
+            <a:bodyPr rtlCol="0" anchor="ctr"/>
+            <a:lstStyle/>
+            <a:p>
+              <a:pPr algn="ctr"/>
+              <a:endParaRPr lang="en-GB"/>
+            </a:p>
+          </p:txBody>
+        </p:sp>
+        <p:sp>
+          <p:nvSpPr>
+            <p:cNvPr id="21" name="Ellipse 20">
+              <a:extLst>
+                <a:ext uri="{FF2B5EF4-FFF2-40B4-BE49-F238E27FC236}">
+                  <a16:creationId xmlns:a16="http://schemas.microsoft.com/office/drawing/2014/main" id="{D54C2EC2-6FAE-495E-86FC-3F067C7EFA7F}"/>
+                </a:ext>
+              </a:extLst>
+            </p:cNvPr>
+            <p:cNvSpPr/>
+            <p:nvPr/>
+          </p:nvSpPr>
+          <p:spPr>
+            <a:xfrm rot="10800000">
+              <a:off x="1868388" y="6398763"/>
+              <a:ext cx="201480" cy="198975"/>
+            </a:xfrm>
+            <a:prstGeom prst="ellipse">
+              <a:avLst/>
+            </a:prstGeom>
+          </p:spPr>
+          <p:style>
+            <a:lnRef idx="3">
+              <a:schemeClr val="lt1"/>
+            </a:lnRef>
+            <a:fillRef idx="1">
+              <a:schemeClr val="accent4"/>
+            </a:fillRef>
+            <a:effectRef idx="1">
+              <a:schemeClr val="accent4"/>
+            </a:effectRef>
+            <a:fontRef idx="minor">
+              <a:schemeClr val="lt1"/>
+            </a:fontRef>
+          </p:style>
+          <p:txBody>
+            <a:bodyPr rtlCol="0" anchor="ctr"/>
+            <a:lstStyle/>
+            <a:p>
+              <a:pPr algn="ctr"/>
+              <a:endParaRPr lang="en-GB"/>
+            </a:p>
+          </p:txBody>
+        </p:sp>
+        <p:sp>
+          <p:nvSpPr>
+            <p:cNvPr id="22" name="Ellipse 21">
+              <a:extLst>
+                <a:ext uri="{FF2B5EF4-FFF2-40B4-BE49-F238E27FC236}">
+                  <a16:creationId xmlns:a16="http://schemas.microsoft.com/office/drawing/2014/main" id="{C7376C69-7898-4873-A72F-BF2F419431EC}"/>
+                </a:ext>
+              </a:extLst>
+            </p:cNvPr>
+            <p:cNvSpPr/>
+            <p:nvPr/>
+          </p:nvSpPr>
+          <p:spPr>
+            <a:xfrm>
+              <a:off x="7119132" y="5406914"/>
+              <a:ext cx="187456" cy="177275"/>
+            </a:xfrm>
+            <a:prstGeom prst="ellipse">
+              <a:avLst/>
+            </a:prstGeom>
+          </p:spPr>
+          <p:style>
+            <a:lnRef idx="3">
+              <a:schemeClr val="lt1"/>
+            </a:lnRef>
+            <a:fillRef idx="1">
+              <a:schemeClr val="accent6"/>
+            </a:fillRef>
+            <a:effectRef idx="1">
+              <a:schemeClr val="accent6"/>
+            </a:effectRef>
+            <a:fontRef idx="minor">
+              <a:schemeClr val="lt1"/>
+            </a:fontRef>
+          </p:style>
+          <p:txBody>
+            <a:bodyPr rtlCol="0" anchor="ctr"/>
+            <a:lstStyle/>
+            <a:p>
+              <a:pPr algn="ctr"/>
+              <a:endParaRPr lang="en-GB"/>
+            </a:p>
+          </p:txBody>
+        </p:sp>
+      </p:grpSp>
+      <p:grpSp>
+        <p:nvGrpSpPr>
+          <p:cNvPr id="26" name="Gruppe 25">
+            <a:extLst>
+              <a:ext uri="{FF2B5EF4-FFF2-40B4-BE49-F238E27FC236}">
+                <a16:creationId xmlns:a16="http://schemas.microsoft.com/office/drawing/2014/main" id="{28E227A2-52FB-49FF-A171-8FA09638E0DD}"/>
+              </a:ext>
+            </a:extLst>
+          </p:cNvPr>
+          <p:cNvGrpSpPr/>
+          <p:nvPr/>
+        </p:nvGrpSpPr>
+        <p:grpSpPr>
+          <a:xfrm>
+            <a:off x="5954777" y="5538038"/>
+            <a:ext cx="6234579" cy="1257242"/>
+            <a:chOff x="-208399" y="4346891"/>
+            <a:chExt cx="12400399" cy="2485753"/>
+          </a:xfrm>
+        </p:grpSpPr>
+        <p:sp>
+          <p:nvSpPr>
+            <p:cNvPr id="27" name="Ellipse 26">
+              <a:extLst>
+                <a:ext uri="{FF2B5EF4-FFF2-40B4-BE49-F238E27FC236}">
+                  <a16:creationId xmlns:a16="http://schemas.microsoft.com/office/drawing/2014/main" id="{5A92D455-ED1C-4124-A86B-1E229F882569}"/>
+                </a:ext>
+              </a:extLst>
+            </p:cNvPr>
+            <p:cNvSpPr/>
+            <p:nvPr/>
+          </p:nvSpPr>
+          <p:spPr>
+            <a:xfrm>
+              <a:off x="659902" y="4530720"/>
+              <a:ext cx="754602" cy="754602"/>
+            </a:xfrm>
+            <a:prstGeom prst="ellipse">
+              <a:avLst/>
+            </a:prstGeom>
+          </p:spPr>
+          <p:style>
+            <a:lnRef idx="3">
+              <a:schemeClr val="lt1"/>
+            </a:lnRef>
+            <a:fillRef idx="1">
+              <a:schemeClr val="accent6"/>
+            </a:fillRef>
+            <a:effectRef idx="1">
+              <a:schemeClr val="accent6"/>
+            </a:effectRef>
+            <a:fontRef idx="minor">
+              <a:schemeClr val="lt1"/>
+            </a:fontRef>
+          </p:style>
+          <p:txBody>
+            <a:bodyPr rtlCol="0" anchor="ctr"/>
+            <a:lstStyle/>
+            <a:p>
+              <a:pPr algn="ctr"/>
+              <a:endParaRPr lang="en-GB"/>
+            </a:p>
+          </p:txBody>
+        </p:sp>
+        <p:sp>
+          <p:nvSpPr>
+            <p:cNvPr id="28" name="Ellipse 27">
+              <a:extLst>
+                <a:ext uri="{FF2B5EF4-FFF2-40B4-BE49-F238E27FC236}">
+                  <a16:creationId xmlns:a16="http://schemas.microsoft.com/office/drawing/2014/main" id="{205A180B-E788-4CB7-A59C-D8DB0D5B7AB4}"/>
+                </a:ext>
+              </a:extLst>
+            </p:cNvPr>
+            <p:cNvSpPr/>
+            <p:nvPr/>
+          </p:nvSpPr>
+          <p:spPr>
+            <a:xfrm rot="18826933">
+              <a:off x="1331076" y="4986121"/>
+              <a:ext cx="1296140" cy="299251"/>
+            </a:xfrm>
+            <a:prstGeom prst="ellipse">
+              <a:avLst/>
+            </a:prstGeom>
+          </p:spPr>
+          <p:style>
+            <a:lnRef idx="3">
+              <a:schemeClr val="lt1"/>
+            </a:lnRef>
+            <a:fillRef idx="1">
+              <a:schemeClr val="accent4"/>
+            </a:fillRef>
+            <a:effectRef idx="1">
+              <a:schemeClr val="accent4"/>
+            </a:effectRef>
+            <a:fontRef idx="minor">
+              <a:schemeClr val="lt1"/>
+            </a:fontRef>
+          </p:style>
+          <p:txBody>
+            <a:bodyPr rtlCol="0" anchor="ctr"/>
+            <a:lstStyle/>
+            <a:p>
+              <a:pPr algn="ctr"/>
+              <a:endParaRPr lang="en-GB"/>
+            </a:p>
+          </p:txBody>
+        </p:sp>
+        <p:sp>
+          <p:nvSpPr>
+            <p:cNvPr id="29" name="Ellipse 28">
+              <a:extLst>
+                <a:ext uri="{FF2B5EF4-FFF2-40B4-BE49-F238E27FC236}">
+                  <a16:creationId xmlns:a16="http://schemas.microsoft.com/office/drawing/2014/main" id="{F0A2DBFC-02FD-4141-9D62-EB0BC1522B85}"/>
+                </a:ext>
+              </a:extLst>
+            </p:cNvPr>
+            <p:cNvSpPr/>
+            <p:nvPr/>
+          </p:nvSpPr>
+          <p:spPr>
+            <a:xfrm rot="6393718" flipH="1">
+              <a:off x="3257641" y="4796589"/>
+              <a:ext cx="266330" cy="668785"/>
+            </a:xfrm>
+            <a:prstGeom prst="ellipse">
+              <a:avLst/>
+            </a:prstGeom>
+          </p:spPr>
+          <p:style>
+            <a:lnRef idx="3">
+              <a:schemeClr val="lt1"/>
+            </a:lnRef>
+            <a:fillRef idx="1">
+              <a:schemeClr val="accent2"/>
+            </a:fillRef>
+            <a:effectRef idx="1">
+              <a:schemeClr val="accent2"/>
+            </a:effectRef>
+            <a:fontRef idx="minor">
+              <a:schemeClr val="lt1"/>
+            </a:fontRef>
+          </p:style>
+          <p:txBody>
+            <a:bodyPr rtlCol="0" anchor="ctr"/>
+            <a:lstStyle/>
+            <a:p>
+              <a:pPr algn="ctr"/>
+              <a:endParaRPr lang="en-GB"/>
+            </a:p>
+          </p:txBody>
+        </p:sp>
+        <p:sp>
+          <p:nvSpPr>
+            <p:cNvPr id="30" name="Ellipse 29">
+              <a:extLst>
+                <a:ext uri="{FF2B5EF4-FFF2-40B4-BE49-F238E27FC236}">
+                  <a16:creationId xmlns:a16="http://schemas.microsoft.com/office/drawing/2014/main" id="{930800C5-7156-4486-8A73-466DCD406AEC}"/>
+                </a:ext>
+              </a:extLst>
+            </p:cNvPr>
+            <p:cNvSpPr/>
+            <p:nvPr/>
+          </p:nvSpPr>
+          <p:spPr>
+            <a:xfrm>
+              <a:off x="8284887" y="5348349"/>
+              <a:ext cx="354517" cy="333240"/>
+            </a:xfrm>
+            <a:prstGeom prst="ellipse">
+              <a:avLst/>
+            </a:prstGeom>
+          </p:spPr>
+          <p:style>
+            <a:lnRef idx="3">
+              <a:schemeClr val="lt1"/>
+            </a:lnRef>
+            <a:fillRef idx="1">
+              <a:schemeClr val="accent5"/>
+            </a:fillRef>
+            <a:effectRef idx="1">
+              <a:schemeClr val="accent5"/>
+            </a:effectRef>
+            <a:fontRef idx="minor">
+              <a:schemeClr val="lt1"/>
+            </a:fontRef>
+          </p:style>
+          <p:txBody>
+            <a:bodyPr rtlCol="0" anchor="ctr"/>
+            <a:lstStyle/>
+            <a:p>
+              <a:pPr algn="ctr"/>
+              <a:endParaRPr lang="en-GB"/>
+            </a:p>
+          </p:txBody>
+        </p:sp>
+        <p:sp>
+          <p:nvSpPr>
+            <p:cNvPr id="31" name="Ellipse 30">
+              <a:extLst>
+                <a:ext uri="{FF2B5EF4-FFF2-40B4-BE49-F238E27FC236}">
+                  <a16:creationId xmlns:a16="http://schemas.microsoft.com/office/drawing/2014/main" id="{429A0651-A215-4A01-A04B-F07D7BA1A9F8}"/>
+                </a:ext>
+              </a:extLst>
+            </p:cNvPr>
+            <p:cNvSpPr/>
+            <p:nvPr/>
+          </p:nvSpPr>
+          <p:spPr>
+            <a:xfrm rot="19840504">
+              <a:off x="4940423" y="5523333"/>
+              <a:ext cx="2158751" cy="1029069"/>
+            </a:xfrm>
+            <a:prstGeom prst="ellipse">
+              <a:avLst/>
+            </a:prstGeom>
+            <a:solidFill>
+              <a:srgbClr val="FFC000"/>
+            </a:solidFill>
+          </p:spPr>
+          <p:style>
+            <a:lnRef idx="3">
+              <a:schemeClr val="lt1"/>
+            </a:lnRef>
+            <a:fillRef idx="1">
+              <a:schemeClr val="accent4"/>
+            </a:fillRef>
+            <a:effectRef idx="1">
+              <a:schemeClr val="accent4"/>
+            </a:effectRef>
+            <a:fontRef idx="minor">
+              <a:schemeClr val="lt1"/>
+            </a:fontRef>
+          </p:style>
+          <p:txBody>
+            <a:bodyPr rtlCol="0" anchor="ctr"/>
+            <a:lstStyle/>
+            <a:p>
+              <a:pPr algn="ctr"/>
+              <a:endParaRPr lang="en-GB"/>
+            </a:p>
+          </p:txBody>
+        </p:sp>
+        <p:sp>
+          <p:nvSpPr>
+            <p:cNvPr id="32" name="Ellipse 31">
+              <a:extLst>
+                <a:ext uri="{FF2B5EF4-FFF2-40B4-BE49-F238E27FC236}">
+                  <a16:creationId xmlns:a16="http://schemas.microsoft.com/office/drawing/2014/main" id="{48121BD4-72B3-4CB0-978E-DFDDB2D75569}"/>
+                </a:ext>
+              </a:extLst>
+            </p:cNvPr>
+            <p:cNvSpPr/>
+            <p:nvPr/>
+          </p:nvSpPr>
+          <p:spPr>
+            <a:xfrm>
+              <a:off x="2015275" y="5231937"/>
+              <a:ext cx="1143740" cy="1337569"/>
+            </a:xfrm>
+            <a:prstGeom prst="ellipse">
+              <a:avLst/>
+            </a:prstGeom>
+          </p:spPr>
+          <p:style>
+            <a:lnRef idx="3">
+              <a:schemeClr val="lt1"/>
+            </a:lnRef>
+            <a:fillRef idx="1">
+              <a:schemeClr val="accent5"/>
+            </a:fillRef>
+            <a:effectRef idx="1">
+              <a:schemeClr val="accent5"/>
+            </a:effectRef>
+            <a:fontRef idx="minor">
+              <a:schemeClr val="lt1"/>
+            </a:fontRef>
+          </p:style>
+          <p:txBody>
+            <a:bodyPr rtlCol="0" anchor="ctr"/>
+            <a:lstStyle/>
+            <a:p>
+              <a:pPr algn="ctr"/>
+              <a:endParaRPr lang="en-GB"/>
+            </a:p>
+          </p:txBody>
+        </p:sp>
+        <p:sp>
+          <p:nvSpPr>
+            <p:cNvPr id="33" name="Ellipse 32">
+              <a:extLst>
+                <a:ext uri="{FF2B5EF4-FFF2-40B4-BE49-F238E27FC236}">
+                  <a16:creationId xmlns:a16="http://schemas.microsoft.com/office/drawing/2014/main" id="{8AB6E813-671F-4F3E-8B0C-89CFAC73CBC0}"/>
+                </a:ext>
+              </a:extLst>
+            </p:cNvPr>
+            <p:cNvSpPr/>
+            <p:nvPr/>
+          </p:nvSpPr>
+          <p:spPr>
+            <a:xfrm>
+              <a:off x="4625838" y="4837644"/>
+              <a:ext cx="1296140" cy="727969"/>
+            </a:xfrm>
+            <a:prstGeom prst="ellipse">
+              <a:avLst/>
+            </a:prstGeom>
+          </p:spPr>
+          <p:style>
+            <a:lnRef idx="3">
+              <a:schemeClr val="lt1"/>
+            </a:lnRef>
+            <a:fillRef idx="1">
+              <a:schemeClr val="accent5"/>
+            </a:fillRef>
+            <a:effectRef idx="1">
+              <a:schemeClr val="accent5"/>
+            </a:effectRef>
+            <a:fontRef idx="minor">
+              <a:schemeClr val="lt1"/>
+            </a:fontRef>
+          </p:style>
+          <p:txBody>
+            <a:bodyPr rtlCol="0" anchor="ctr"/>
+            <a:lstStyle/>
+            <a:p>
+              <a:pPr algn="ctr"/>
+              <a:endParaRPr lang="en-GB"/>
+            </a:p>
+          </p:txBody>
+        </p:sp>
+        <p:sp>
+          <p:nvSpPr>
+            <p:cNvPr id="34" name="Ellipse 33">
+              <a:extLst>
+                <a:ext uri="{FF2B5EF4-FFF2-40B4-BE49-F238E27FC236}">
+                  <a16:creationId xmlns:a16="http://schemas.microsoft.com/office/drawing/2014/main" id="{5D5392F0-0EF8-49FD-BC14-FAFCFD89F78A}"/>
+                </a:ext>
+              </a:extLst>
+            </p:cNvPr>
+            <p:cNvSpPr/>
+            <p:nvPr/>
+          </p:nvSpPr>
+          <p:spPr>
+            <a:xfrm>
+              <a:off x="10456415" y="5463053"/>
+              <a:ext cx="1735585" cy="1270987"/>
+            </a:xfrm>
+            <a:prstGeom prst="ellipse">
+              <a:avLst/>
+            </a:prstGeom>
+          </p:spPr>
+          <p:style>
+            <a:lnRef idx="3">
+              <a:schemeClr val="lt1"/>
+            </a:lnRef>
+            <a:fillRef idx="1">
+              <a:schemeClr val="accent4"/>
+            </a:fillRef>
+            <a:effectRef idx="1">
+              <a:schemeClr val="accent4"/>
+            </a:effectRef>
+            <a:fontRef idx="minor">
+              <a:schemeClr val="lt1"/>
+            </a:fontRef>
+          </p:style>
+          <p:txBody>
+            <a:bodyPr rtlCol="0" anchor="ctr"/>
+            <a:lstStyle/>
+            <a:p>
+              <a:pPr algn="ctr"/>
+              <a:endParaRPr lang="en-GB"/>
+            </a:p>
+          </p:txBody>
+        </p:sp>
+        <p:sp>
+          <p:nvSpPr>
+            <p:cNvPr id="35" name="Ellipse 34">
+              <a:extLst>
+                <a:ext uri="{FF2B5EF4-FFF2-40B4-BE49-F238E27FC236}">
+                  <a16:creationId xmlns:a16="http://schemas.microsoft.com/office/drawing/2014/main" id="{B7AD5BD6-C348-4EA0-A25C-F9FD4231F17F}"/>
+                </a:ext>
+              </a:extLst>
+            </p:cNvPr>
+            <p:cNvSpPr/>
+            <p:nvPr/>
+          </p:nvSpPr>
+          <p:spPr>
+            <a:xfrm>
+              <a:off x="11375543" y="4655184"/>
+              <a:ext cx="754602" cy="754602"/>
+            </a:xfrm>
+            <a:prstGeom prst="ellipse">
+              <a:avLst/>
+            </a:prstGeom>
+          </p:spPr>
+          <p:style>
+            <a:lnRef idx="3">
+              <a:schemeClr val="lt1"/>
+            </a:lnRef>
+            <a:fillRef idx="1">
+              <a:schemeClr val="accent6"/>
+            </a:fillRef>
+            <a:effectRef idx="1">
+              <a:schemeClr val="accent6"/>
+            </a:effectRef>
+            <a:fontRef idx="minor">
+              <a:schemeClr val="lt1"/>
+            </a:fontRef>
+          </p:style>
+          <p:txBody>
+            <a:bodyPr rtlCol="0" anchor="ctr"/>
+            <a:lstStyle/>
+            <a:p>
+              <a:pPr algn="ctr"/>
+              <a:endParaRPr lang="en-GB"/>
+            </a:p>
+          </p:txBody>
+        </p:sp>
+        <p:sp>
+          <p:nvSpPr>
+            <p:cNvPr id="36" name="Ellipse 35">
+              <a:extLst>
+                <a:ext uri="{FF2B5EF4-FFF2-40B4-BE49-F238E27FC236}">
+                  <a16:creationId xmlns:a16="http://schemas.microsoft.com/office/drawing/2014/main" id="{476122BB-6EA0-4D6D-BC66-9AD857F28D1C}"/>
+                </a:ext>
+              </a:extLst>
+            </p:cNvPr>
+            <p:cNvSpPr/>
+            <p:nvPr/>
+          </p:nvSpPr>
+          <p:spPr>
+            <a:xfrm rot="7366248">
+              <a:off x="10393829" y="4845335"/>
+              <a:ext cx="1296140" cy="299251"/>
+            </a:xfrm>
+            <a:prstGeom prst="ellipse">
+              <a:avLst/>
+            </a:prstGeom>
+          </p:spPr>
+          <p:style>
+            <a:lnRef idx="3">
+              <a:schemeClr val="lt1"/>
+            </a:lnRef>
+            <a:fillRef idx="1">
+              <a:schemeClr val="accent2"/>
+            </a:fillRef>
+            <a:effectRef idx="1">
+              <a:schemeClr val="accent2"/>
+            </a:effectRef>
+            <a:fontRef idx="minor">
+              <a:schemeClr val="lt1"/>
+            </a:fontRef>
+          </p:style>
+          <p:txBody>
+            <a:bodyPr rtlCol="0" anchor="ctr"/>
+            <a:lstStyle/>
+            <a:p>
+              <a:pPr algn="ctr"/>
+              <a:endParaRPr lang="en-GB"/>
+            </a:p>
+          </p:txBody>
+        </p:sp>
+        <p:sp>
+          <p:nvSpPr>
+            <p:cNvPr id="37" name="Ellipse 36">
+              <a:extLst>
+                <a:ext uri="{FF2B5EF4-FFF2-40B4-BE49-F238E27FC236}">
+                  <a16:creationId xmlns:a16="http://schemas.microsoft.com/office/drawing/2014/main" id="{761657FB-E69D-479E-AD37-A2FE6EF6D526}"/>
+                </a:ext>
+              </a:extLst>
+            </p:cNvPr>
+            <p:cNvSpPr/>
+            <p:nvPr/>
+          </p:nvSpPr>
+          <p:spPr>
+            <a:xfrm rot="20187107" flipH="1">
+              <a:off x="6975336" y="6163859"/>
+              <a:ext cx="266330" cy="668785"/>
+            </a:xfrm>
+            <a:prstGeom prst="ellipse">
+              <a:avLst/>
+            </a:prstGeom>
+          </p:spPr>
+          <p:style>
+            <a:lnRef idx="3">
+              <a:schemeClr val="lt1"/>
+            </a:lnRef>
+            <a:fillRef idx="1">
+              <a:schemeClr val="accent5"/>
+            </a:fillRef>
+            <a:effectRef idx="1">
+              <a:schemeClr val="accent5"/>
+            </a:effectRef>
+            <a:fontRef idx="minor">
+              <a:schemeClr val="lt1"/>
+            </a:fontRef>
+          </p:style>
+          <p:txBody>
+            <a:bodyPr rtlCol="0" anchor="ctr"/>
+            <a:lstStyle/>
+            <a:p>
+              <a:pPr algn="ctr"/>
+              <a:endParaRPr lang="en-GB"/>
+            </a:p>
+          </p:txBody>
+        </p:sp>
+        <p:sp>
+          <p:nvSpPr>
+            <p:cNvPr id="38" name="Ellipse 37">
+              <a:extLst>
+                <a:ext uri="{FF2B5EF4-FFF2-40B4-BE49-F238E27FC236}">
+                  <a16:creationId xmlns:a16="http://schemas.microsoft.com/office/drawing/2014/main" id="{21E12D12-8504-491F-8887-94512CF48911}"/>
+                </a:ext>
+              </a:extLst>
+            </p:cNvPr>
+            <p:cNvSpPr/>
+            <p:nvPr/>
+          </p:nvSpPr>
+          <p:spPr>
+            <a:xfrm rot="3101984">
+              <a:off x="9625182" y="5330356"/>
+              <a:ext cx="916346" cy="504547"/>
+            </a:xfrm>
+            <a:prstGeom prst="ellipse">
+              <a:avLst/>
+            </a:prstGeom>
+          </p:spPr>
+          <p:style>
+            <a:lnRef idx="3">
+              <a:schemeClr val="lt1"/>
+            </a:lnRef>
+            <a:fillRef idx="1">
+              <a:schemeClr val="accent5"/>
+            </a:fillRef>
+            <a:effectRef idx="1">
+              <a:schemeClr val="accent5"/>
+            </a:effectRef>
+            <a:fontRef idx="minor">
+              <a:schemeClr val="lt1"/>
+            </a:fontRef>
+          </p:style>
+          <p:txBody>
+            <a:bodyPr rtlCol="0" anchor="ctr"/>
+            <a:lstStyle/>
+            <a:p>
+              <a:pPr algn="ctr"/>
+              <a:endParaRPr lang="en-GB"/>
+            </a:p>
+          </p:txBody>
+        </p:sp>
+        <p:sp>
+          <p:nvSpPr>
+            <p:cNvPr id="39" name="Ellipse 38">
+              <a:extLst>
+                <a:ext uri="{FF2B5EF4-FFF2-40B4-BE49-F238E27FC236}">
+                  <a16:creationId xmlns:a16="http://schemas.microsoft.com/office/drawing/2014/main" id="{15A375D9-2DFC-4445-863D-725B29A27D88}"/>
+                </a:ext>
+              </a:extLst>
+            </p:cNvPr>
+            <p:cNvSpPr/>
+            <p:nvPr/>
+          </p:nvSpPr>
+          <p:spPr>
+            <a:xfrm rot="2678019">
+              <a:off x="-208399" y="5470274"/>
+              <a:ext cx="2158751" cy="1029069"/>
+            </a:xfrm>
+            <a:prstGeom prst="ellipse">
+              <a:avLst/>
+            </a:prstGeom>
+          </p:spPr>
+          <p:style>
+            <a:lnRef idx="3">
+              <a:schemeClr val="lt1"/>
+            </a:lnRef>
+            <a:fillRef idx="1">
+              <a:schemeClr val="accent2"/>
+            </a:fillRef>
+            <a:effectRef idx="1">
+              <a:schemeClr val="accent2"/>
+            </a:effectRef>
+            <a:fontRef idx="minor">
+              <a:schemeClr val="lt1"/>
+            </a:fontRef>
+          </p:style>
+          <p:txBody>
+            <a:bodyPr rtlCol="0" anchor="ctr"/>
+            <a:lstStyle/>
+            <a:p>
+              <a:pPr algn="ctr"/>
+              <a:endParaRPr lang="en-GB"/>
+            </a:p>
+          </p:txBody>
+        </p:sp>
+        <p:sp>
+          <p:nvSpPr>
+            <p:cNvPr id="40" name="Ellipse 39">
+              <a:extLst>
+                <a:ext uri="{FF2B5EF4-FFF2-40B4-BE49-F238E27FC236}">
+                  <a16:creationId xmlns:a16="http://schemas.microsoft.com/office/drawing/2014/main" id="{850248E7-9680-4825-A905-F3897A6ECE66}"/>
+                </a:ext>
+              </a:extLst>
+            </p:cNvPr>
+            <p:cNvSpPr/>
+            <p:nvPr/>
+          </p:nvSpPr>
+          <p:spPr>
+            <a:xfrm rot="18568690">
+              <a:off x="8722331" y="5429763"/>
+              <a:ext cx="1143740" cy="1337569"/>
+            </a:xfrm>
+            <a:prstGeom prst="ellipse">
+              <a:avLst/>
+            </a:prstGeom>
+          </p:spPr>
+          <p:style>
+            <a:lnRef idx="3">
+              <a:schemeClr val="lt1"/>
+            </a:lnRef>
+            <a:fillRef idx="1">
+              <a:schemeClr val="accent6"/>
+            </a:fillRef>
+            <a:effectRef idx="1">
+              <a:schemeClr val="accent6"/>
+            </a:effectRef>
+            <a:fontRef idx="minor">
+              <a:schemeClr val="lt1"/>
+            </a:fontRef>
+          </p:style>
+          <p:txBody>
+            <a:bodyPr rtlCol="0" anchor="ctr"/>
+            <a:lstStyle/>
+            <a:p>
+              <a:pPr algn="ctr"/>
+              <a:endParaRPr lang="en-GB"/>
+            </a:p>
+          </p:txBody>
+        </p:sp>
+        <p:sp>
+          <p:nvSpPr>
+            <p:cNvPr id="41" name="Ellipse 40">
+              <a:extLst>
+                <a:ext uri="{FF2B5EF4-FFF2-40B4-BE49-F238E27FC236}">
+                  <a16:creationId xmlns:a16="http://schemas.microsoft.com/office/drawing/2014/main" id="{C741E4C3-0F29-4CCB-B4BA-2DB3D6D60A8B}"/>
+                </a:ext>
+              </a:extLst>
+            </p:cNvPr>
+            <p:cNvSpPr/>
+            <p:nvPr/>
+          </p:nvSpPr>
+          <p:spPr>
+            <a:xfrm rot="1345568">
+              <a:off x="7198347" y="5673881"/>
+              <a:ext cx="1296140" cy="727969"/>
+            </a:xfrm>
+            <a:prstGeom prst="ellipse">
+              <a:avLst/>
+            </a:prstGeom>
+          </p:spPr>
+          <p:style>
+            <a:lnRef idx="3">
+              <a:schemeClr val="lt1"/>
+            </a:lnRef>
+            <a:fillRef idx="1">
+              <a:schemeClr val="accent2"/>
+            </a:fillRef>
+            <a:effectRef idx="1">
+              <a:schemeClr val="accent2"/>
+            </a:effectRef>
+            <a:fontRef idx="minor">
+              <a:schemeClr val="lt1"/>
+            </a:fontRef>
+          </p:style>
+          <p:txBody>
+            <a:bodyPr rtlCol="0" anchor="ctr"/>
+            <a:lstStyle/>
+            <a:p>
+              <a:pPr algn="ctr"/>
+              <a:endParaRPr lang="en-GB"/>
+            </a:p>
+          </p:txBody>
+        </p:sp>
+        <p:sp>
+          <p:nvSpPr>
+            <p:cNvPr id="42" name="Ellipse 41">
+              <a:extLst>
+                <a:ext uri="{FF2B5EF4-FFF2-40B4-BE49-F238E27FC236}">
+                  <a16:creationId xmlns:a16="http://schemas.microsoft.com/office/drawing/2014/main" id="{E0B92C6C-CC7F-4E9E-A2EA-108F0C84839E}"/>
+                </a:ext>
+              </a:extLst>
+            </p:cNvPr>
+            <p:cNvSpPr/>
+            <p:nvPr/>
+          </p:nvSpPr>
+          <p:spPr>
+            <a:xfrm rot="19165915">
+              <a:off x="3082770" y="5451176"/>
+              <a:ext cx="1735585" cy="1270987"/>
+            </a:xfrm>
+            <a:prstGeom prst="ellipse">
+              <a:avLst/>
+            </a:prstGeom>
+          </p:spPr>
+          <p:style>
+            <a:lnRef idx="3">
+              <a:schemeClr val="lt1"/>
+            </a:lnRef>
+            <a:fillRef idx="1">
+              <a:schemeClr val="accent6"/>
+            </a:fillRef>
+            <a:effectRef idx="1">
+              <a:schemeClr val="accent6"/>
+            </a:effectRef>
+            <a:fontRef idx="minor">
+              <a:schemeClr val="lt1"/>
+            </a:fontRef>
+          </p:style>
+          <p:txBody>
+            <a:bodyPr rtlCol="0" anchor="ctr"/>
+            <a:lstStyle/>
+            <a:p>
+              <a:pPr algn="ctr"/>
+              <a:endParaRPr lang="en-GB"/>
+            </a:p>
+          </p:txBody>
+        </p:sp>
+        <p:sp>
+          <p:nvSpPr>
+            <p:cNvPr id="43" name="Ellipse 42">
+              <a:extLst>
+                <a:ext uri="{FF2B5EF4-FFF2-40B4-BE49-F238E27FC236}">
+                  <a16:creationId xmlns:a16="http://schemas.microsoft.com/office/drawing/2014/main" id="{8025E8A5-B4C9-4A7B-8C69-9A66F4808C11}"/>
+                </a:ext>
+              </a:extLst>
+            </p:cNvPr>
+            <p:cNvSpPr/>
+            <p:nvPr/>
+          </p:nvSpPr>
+          <p:spPr>
+            <a:xfrm rot="15654771">
+              <a:off x="4942028" y="5745188"/>
+              <a:ext cx="202117" cy="213114"/>
+            </a:xfrm>
+            <a:prstGeom prst="ellipse">
+              <a:avLst/>
+            </a:prstGeom>
+          </p:spPr>
+          <p:style>
+            <a:lnRef idx="3">
+              <a:schemeClr val="lt1"/>
+            </a:lnRef>
+            <a:fillRef idx="1">
+              <a:schemeClr val="accent2"/>
+            </a:fillRef>
+            <a:effectRef idx="1">
+              <a:schemeClr val="accent2"/>
+            </a:effectRef>
+            <a:fontRef idx="minor">
+              <a:schemeClr val="lt1"/>
+            </a:fontRef>
+          </p:style>
+          <p:txBody>
+            <a:bodyPr rtlCol="0" anchor="ctr"/>
+            <a:lstStyle/>
+            <a:p>
+              <a:pPr algn="ctr"/>
+              <a:endParaRPr lang="en-GB"/>
+            </a:p>
+          </p:txBody>
+        </p:sp>
+        <p:sp>
+          <p:nvSpPr>
+            <p:cNvPr id="44" name="Ellipse 43">
+              <a:extLst>
+                <a:ext uri="{FF2B5EF4-FFF2-40B4-BE49-F238E27FC236}">
+                  <a16:creationId xmlns:a16="http://schemas.microsoft.com/office/drawing/2014/main" id="{8153CEEA-9011-46A2-9253-09BFDFDD2E2E}"/>
+                </a:ext>
+              </a:extLst>
+            </p:cNvPr>
+            <p:cNvSpPr/>
+            <p:nvPr/>
+          </p:nvSpPr>
+          <p:spPr>
+            <a:xfrm rot="10800000">
+              <a:off x="1868388" y="6398763"/>
+              <a:ext cx="201480" cy="198975"/>
+            </a:xfrm>
+            <a:prstGeom prst="ellipse">
+              <a:avLst/>
+            </a:prstGeom>
+          </p:spPr>
+          <p:style>
+            <a:lnRef idx="3">
+              <a:schemeClr val="lt1"/>
+            </a:lnRef>
+            <a:fillRef idx="1">
+              <a:schemeClr val="accent4"/>
+            </a:fillRef>
+            <a:effectRef idx="1">
+              <a:schemeClr val="accent4"/>
+            </a:effectRef>
+            <a:fontRef idx="minor">
+              <a:schemeClr val="lt1"/>
+            </a:fontRef>
+          </p:style>
+          <p:txBody>
+            <a:bodyPr rtlCol="0" anchor="ctr"/>
+            <a:lstStyle/>
+            <a:p>
+              <a:pPr algn="ctr"/>
+              <a:endParaRPr lang="en-GB"/>
+            </a:p>
+          </p:txBody>
+        </p:sp>
+        <p:sp>
+          <p:nvSpPr>
+            <p:cNvPr id="45" name="Ellipse 44">
+              <a:extLst>
+                <a:ext uri="{FF2B5EF4-FFF2-40B4-BE49-F238E27FC236}">
+                  <a16:creationId xmlns:a16="http://schemas.microsoft.com/office/drawing/2014/main" id="{E4022CC8-7BDD-484C-A63A-0B891535E427}"/>
+                </a:ext>
+              </a:extLst>
+            </p:cNvPr>
+            <p:cNvSpPr/>
+            <p:nvPr/>
+          </p:nvSpPr>
+          <p:spPr>
+            <a:xfrm>
+              <a:off x="7119132" y="5406914"/>
+              <a:ext cx="187456" cy="177275"/>
+            </a:xfrm>
+            <a:prstGeom prst="ellipse">
+              <a:avLst/>
+            </a:prstGeom>
+          </p:spPr>
+          <p:style>
+            <a:lnRef idx="3">
+              <a:schemeClr val="lt1"/>
+            </a:lnRef>
+            <a:fillRef idx="1">
+              <a:schemeClr val="accent6"/>
+            </a:fillRef>
+            <a:effectRef idx="1">
+              <a:schemeClr val="accent6"/>
+            </a:effectRef>
+            <a:fontRef idx="minor">
+              <a:schemeClr val="lt1"/>
+            </a:fontRef>
+          </p:style>
+          <p:txBody>
+            <a:bodyPr rtlCol="0" anchor="ctr"/>
+            <a:lstStyle/>
+            <a:p>
+              <a:pPr algn="ctr"/>
+              <a:endParaRPr lang="en-GB"/>
+            </a:p>
+          </p:txBody>
+        </p:sp>
+      </p:grpSp>
+    </p:spTree>
+    <p:extLst>
+      <p:ext uri="{BB962C8B-B14F-4D97-AF65-F5344CB8AC3E}">
+        <p14:creationId xmlns:p14="http://schemas.microsoft.com/office/powerpoint/2010/main" val="1464341608"/>
+      </p:ext>
+    </p:extLst>
+  </p:cSld>
+  <p:clrMapOvr>
+    <a:masterClrMapping/>
+  </p:clrMapOvr>
+</p:sld>
+</file>
+
 <file path=ppt/slides/slide2.xml><?xml version="1.0" encoding="utf-8"?>
 <p:sld xmlns:a="http://schemas.openxmlformats.org/drawingml/2006/main" xmlns:r="http://schemas.openxmlformats.org/officeDocument/2006/relationships" xmlns:p="http://schemas.openxmlformats.org/presentationml/2006/main">
   <p:cSld>

--- a/WIP.pptx
+++ b/WIP.pptx
@@ -280,7 +280,7 @@
           <a:p>
             <a:fld id="{4BB03E3C-822E-4593-9A6A-EC9CF8479CCC}" type="datetimeFigureOut">
               <a:rPr lang="en-US" smtClean="0"/>
-              <a:t>5/24/2021</a:t>
+              <a:t>5/31/2021</a:t>
             </a:fld>
             <a:endParaRPr lang="en-US"/>
           </a:p>
@@ -478,7 +478,7 @@
           <a:p>
             <a:fld id="{4BB03E3C-822E-4593-9A6A-EC9CF8479CCC}" type="datetimeFigureOut">
               <a:rPr lang="en-US" smtClean="0"/>
-              <a:t>5/24/2021</a:t>
+              <a:t>5/31/2021</a:t>
             </a:fld>
             <a:endParaRPr lang="en-US"/>
           </a:p>
@@ -686,7 +686,7 @@
           <a:p>
             <a:fld id="{4BB03E3C-822E-4593-9A6A-EC9CF8479CCC}" type="datetimeFigureOut">
               <a:rPr lang="en-US" smtClean="0"/>
-              <a:t>5/24/2021</a:t>
+              <a:t>5/31/2021</a:t>
             </a:fld>
             <a:endParaRPr lang="en-US"/>
           </a:p>
@@ -884,7 +884,7 @@
           <a:p>
             <a:fld id="{4BB03E3C-822E-4593-9A6A-EC9CF8479CCC}" type="datetimeFigureOut">
               <a:rPr lang="en-US" smtClean="0"/>
-              <a:t>5/24/2021</a:t>
+              <a:t>5/31/2021</a:t>
             </a:fld>
             <a:endParaRPr lang="en-US"/>
           </a:p>
@@ -1159,7 +1159,7 @@
           <a:p>
             <a:fld id="{4BB03E3C-822E-4593-9A6A-EC9CF8479CCC}" type="datetimeFigureOut">
               <a:rPr lang="en-US" smtClean="0"/>
-              <a:t>5/24/2021</a:t>
+              <a:t>5/31/2021</a:t>
             </a:fld>
             <a:endParaRPr lang="en-US"/>
           </a:p>
@@ -1424,7 +1424,7 @@
           <a:p>
             <a:fld id="{4BB03E3C-822E-4593-9A6A-EC9CF8479CCC}" type="datetimeFigureOut">
               <a:rPr lang="en-US" smtClean="0"/>
-              <a:t>5/24/2021</a:t>
+              <a:t>5/31/2021</a:t>
             </a:fld>
             <a:endParaRPr lang="en-US"/>
           </a:p>
@@ -1836,7 +1836,7 @@
           <a:p>
             <a:fld id="{4BB03E3C-822E-4593-9A6A-EC9CF8479CCC}" type="datetimeFigureOut">
               <a:rPr lang="en-US" smtClean="0"/>
-              <a:t>5/24/2021</a:t>
+              <a:t>5/31/2021</a:t>
             </a:fld>
             <a:endParaRPr lang="en-US"/>
           </a:p>
@@ -1977,7 +1977,7 @@
           <a:p>
             <a:fld id="{4BB03E3C-822E-4593-9A6A-EC9CF8479CCC}" type="datetimeFigureOut">
               <a:rPr lang="en-US" smtClean="0"/>
-              <a:t>5/24/2021</a:t>
+              <a:t>5/31/2021</a:t>
             </a:fld>
             <a:endParaRPr lang="en-US"/>
           </a:p>
@@ -2090,7 +2090,7 @@
           <a:p>
             <a:fld id="{4BB03E3C-822E-4593-9A6A-EC9CF8479CCC}" type="datetimeFigureOut">
               <a:rPr lang="en-US" smtClean="0"/>
-              <a:t>5/24/2021</a:t>
+              <a:t>5/31/2021</a:t>
             </a:fld>
             <a:endParaRPr lang="en-US"/>
           </a:p>
@@ -2401,7 +2401,7 @@
           <a:p>
             <a:fld id="{4BB03E3C-822E-4593-9A6A-EC9CF8479CCC}" type="datetimeFigureOut">
               <a:rPr lang="en-US" smtClean="0"/>
-              <a:t>5/24/2021</a:t>
+              <a:t>5/31/2021</a:t>
             </a:fld>
             <a:endParaRPr lang="en-US"/>
           </a:p>
@@ -2689,7 +2689,7 @@
           <a:p>
             <a:fld id="{4BB03E3C-822E-4593-9A6A-EC9CF8479CCC}" type="datetimeFigureOut">
               <a:rPr lang="en-US" smtClean="0"/>
-              <a:t>5/24/2021</a:t>
+              <a:t>5/31/2021</a:t>
             </a:fld>
             <a:endParaRPr lang="en-US"/>
           </a:p>
@@ -2930,7 +2930,7 @@
           <a:p>
             <a:fld id="{4BB03E3C-822E-4593-9A6A-EC9CF8479CCC}" type="datetimeFigureOut">
               <a:rPr lang="en-US" smtClean="0"/>
-              <a:t>5/24/2021</a:t>
+              <a:t>5/31/2021</a:t>
             </a:fld>
             <a:endParaRPr lang="en-US"/>
           </a:p>
@@ -13707,10 +13707,46 @@
       </p:grpSpPr>
       <p:sp>
         <p:nvSpPr>
-          <p:cNvPr id="4" name="Rektangel: avrundede hjørner 3">
-            <a:extLst>
-              <a:ext uri="{FF2B5EF4-FFF2-40B4-BE49-F238E27FC236}">
-                <a16:creationId xmlns:a16="http://schemas.microsoft.com/office/drawing/2014/main" id="{944C3D6D-0F0A-435F-8BE6-8859F1192656}"/>
+          <p:cNvPr id="6" name="TekstSylinder 5">
+            <a:extLst>
+              <a:ext uri="{FF2B5EF4-FFF2-40B4-BE49-F238E27FC236}">
+                <a16:creationId xmlns:a16="http://schemas.microsoft.com/office/drawing/2014/main" id="{4A7A06B0-582B-4B8F-8850-26041588B56C}"/>
+              </a:ext>
+            </a:extLst>
+          </p:cNvPr>
+          <p:cNvSpPr txBox="1"/>
+          <p:nvPr/>
+        </p:nvSpPr>
+        <p:spPr>
+          <a:xfrm rot="16200000">
+            <a:off x="-176087" y="3241766"/>
+            <a:ext cx="1180730" cy="523220"/>
+          </a:xfrm>
+          <a:prstGeom prst="rect">
+            <a:avLst/>
+          </a:prstGeom>
+          <a:noFill/>
+        </p:spPr>
+        <p:txBody>
+          <a:bodyPr wrap="square" rtlCol="0">
+            <a:spAutoFit/>
+          </a:bodyPr>
+          <a:lstStyle/>
+          <a:p>
+            <a:pPr algn="ctr"/>
+            <a:r>
+              <a:rPr lang="en-GB" sz="1400" dirty="0"/>
+              <a:t>Incoming message</a:t>
+            </a:r>
+          </a:p>
+        </p:txBody>
+      </p:sp>
+      <p:sp>
+        <p:nvSpPr>
+          <p:cNvPr id="10" name="Rektangel: avrundede hjørner 9">
+            <a:extLst>
+              <a:ext uri="{FF2B5EF4-FFF2-40B4-BE49-F238E27FC236}">
+                <a16:creationId xmlns:a16="http://schemas.microsoft.com/office/drawing/2014/main" id="{518D725E-0853-4937-8953-24829DE70EB5}"/>
               </a:ext>
             </a:extLst>
           </p:cNvPr>
@@ -13719,7 +13755,7 @@
         </p:nvSpPr>
         <p:spPr>
           <a:xfrm rot="16200000">
-            <a:off x="1577256" y="3095004"/>
+            <a:off x="3609995" y="2032201"/>
             <a:ext cx="1722269" cy="816746"/>
           </a:xfrm>
           <a:prstGeom prst="roundRect">
@@ -13747,115 +13783,32 @@
           <a:p>
             <a:pPr algn="ctr"/>
             <a:r>
+              <a:rPr lang="en-GB" sz="1799" dirty="0" err="1"/>
+              <a:t>OnVote</a:t>
+            </a:r>
+            <a:r>
               <a:rPr lang="en-GB" sz="1799" dirty="0"/>
-              <a:t>Add to </a:t>
-            </a:r>
-            <a:r>
-              <a:rPr lang="en-GB" sz="1799" dirty="0" err="1"/>
-              <a:t>cmd</a:t>
-            </a:r>
-            <a:r>
-              <a:rPr lang="en-GB" sz="1799" dirty="0"/>
-              <a:t> buffer</a:t>
-            </a:r>
-          </a:p>
-        </p:txBody>
-      </p:sp>
-      <p:cxnSp>
-        <p:nvCxnSpPr>
-          <p:cNvPr id="5" name="Rett pilkobling 4">
-            <a:extLst>
-              <a:ext uri="{FF2B5EF4-FFF2-40B4-BE49-F238E27FC236}">
-                <a16:creationId xmlns:a16="http://schemas.microsoft.com/office/drawing/2014/main" id="{CB0AB0FA-089B-46B2-8264-9057353F8AB2}"/>
-              </a:ext>
-            </a:extLst>
-          </p:cNvPr>
-          <p:cNvCxnSpPr>
-            <a:cxnSpLocks/>
-            <a:stCxn id="6" idx="2"/>
-            <a:endCxn id="4" idx="0"/>
-          </p:cNvCxnSpPr>
-          <p:nvPr/>
-        </p:nvCxnSpPr>
-        <p:spPr>
-          <a:xfrm>
-            <a:off x="675888" y="3503376"/>
-            <a:ext cx="1354130" cy="1"/>
-          </a:xfrm>
-          <a:prstGeom prst="straightConnector1">
-            <a:avLst/>
-          </a:prstGeom>
-          <a:ln>
-            <a:tailEnd type="triangle"/>
-          </a:ln>
-        </p:spPr>
-        <p:style>
-          <a:lnRef idx="3">
-            <a:schemeClr val="accent5"/>
-          </a:lnRef>
-          <a:fillRef idx="0">
-            <a:schemeClr val="accent5"/>
-          </a:fillRef>
-          <a:effectRef idx="2">
-            <a:schemeClr val="accent5"/>
-          </a:effectRef>
-          <a:fontRef idx="minor">
-            <a:schemeClr val="tx1"/>
-          </a:fontRef>
-        </p:style>
-      </p:cxnSp>
-      <p:sp>
-        <p:nvSpPr>
-          <p:cNvPr id="6" name="TekstSylinder 5">
-            <a:extLst>
-              <a:ext uri="{FF2B5EF4-FFF2-40B4-BE49-F238E27FC236}">
-                <a16:creationId xmlns:a16="http://schemas.microsoft.com/office/drawing/2014/main" id="{4A7A06B0-582B-4B8F-8850-26041588B56C}"/>
-              </a:ext>
-            </a:extLst>
-          </p:cNvPr>
-          <p:cNvSpPr txBox="1"/>
+              <a:t>( )</a:t>
+            </a:r>
+          </a:p>
+        </p:txBody>
+      </p:sp>
+      <p:sp>
+        <p:nvSpPr>
+          <p:cNvPr id="13" name="Rektangel: avrundede hjørner 12">
+            <a:extLst>
+              <a:ext uri="{FF2B5EF4-FFF2-40B4-BE49-F238E27FC236}">
+                <a16:creationId xmlns:a16="http://schemas.microsoft.com/office/drawing/2014/main" id="{5ABFB5D6-0215-44DD-8FD6-F7E71105A841}"/>
+              </a:ext>
+            </a:extLst>
+          </p:cNvPr>
+          <p:cNvSpPr/>
           <p:nvPr/>
         </p:nvSpPr>
         <p:spPr>
           <a:xfrm rot="16200000">
-            <a:off x="-176087" y="3241766"/>
-            <a:ext cx="1180730" cy="523220"/>
-          </a:xfrm>
-          <a:prstGeom prst="rect">
-            <a:avLst/>
-          </a:prstGeom>
-          <a:noFill/>
-        </p:spPr>
-        <p:txBody>
-          <a:bodyPr wrap="square" rtlCol="0">
-            <a:spAutoFit/>
-          </a:bodyPr>
-          <a:lstStyle/>
-          <a:p>
-            <a:pPr algn="ctr"/>
-            <a:r>
-              <a:rPr lang="en-GB" sz="1400" dirty="0"/>
-              <a:t>Incoming message</a:t>
-            </a:r>
-          </a:p>
-        </p:txBody>
-      </p:sp>
-      <p:sp>
-        <p:nvSpPr>
-          <p:cNvPr id="7" name="Rektangel: avrundede hjørner 6">
-            <a:extLst>
-              <a:ext uri="{FF2B5EF4-FFF2-40B4-BE49-F238E27FC236}">
-                <a16:creationId xmlns:a16="http://schemas.microsoft.com/office/drawing/2014/main" id="{E169471E-3989-496B-9F9B-8AA7F85BB757}"/>
-              </a:ext>
-            </a:extLst>
-          </p:cNvPr>
-          <p:cNvSpPr/>
-          <p:nvPr/>
-        </p:nvSpPr>
-        <p:spPr>
-          <a:xfrm rot="16200000">
-            <a:off x="3609994" y="3095004"/>
-            <a:ext cx="1722269" cy="816746"/>
+            <a:off x="1314258" y="2032201"/>
+            <a:ext cx="2248268" cy="816746"/>
           </a:xfrm>
           <a:prstGeom prst="roundRect">
             <a:avLst/>
@@ -13882,60 +13835,22 @@
           <a:p>
             <a:pPr algn="ctr"/>
             <a:r>
+              <a:rPr lang="en-GB" sz="1799" dirty="0" err="1"/>
+              <a:t>StringToPartialCert</a:t>
+            </a:r>
+            <a:r>
               <a:rPr lang="en-GB" sz="1799" dirty="0"/>
-              <a:t>Propose( )</a:t>
-            </a:r>
-          </a:p>
-        </p:txBody>
-      </p:sp>
-      <p:cxnSp>
-        <p:nvCxnSpPr>
-          <p:cNvPr id="9" name="Rett pilkobling 8">
-            <a:extLst>
-              <a:ext uri="{FF2B5EF4-FFF2-40B4-BE49-F238E27FC236}">
-                <a16:creationId xmlns:a16="http://schemas.microsoft.com/office/drawing/2014/main" id="{57309AE2-8FF4-4F99-B94C-2AD2D264F9D4}"/>
-              </a:ext>
-            </a:extLst>
-          </p:cNvPr>
-          <p:cNvCxnSpPr>
-            <a:cxnSpLocks/>
-            <a:endCxn id="7" idx="0"/>
-          </p:cNvCxnSpPr>
-          <p:nvPr/>
-        </p:nvCxnSpPr>
-        <p:spPr>
-          <a:xfrm>
-            <a:off x="2846766" y="3503377"/>
-            <a:ext cx="1215989" cy="0"/>
-          </a:xfrm>
-          <a:prstGeom prst="straightConnector1">
-            <a:avLst/>
-          </a:prstGeom>
-          <a:ln>
-            <a:tailEnd type="triangle"/>
-          </a:ln>
-        </p:spPr>
-        <p:style>
-          <a:lnRef idx="3">
-            <a:schemeClr val="accent5"/>
-          </a:lnRef>
-          <a:fillRef idx="0">
-            <a:schemeClr val="accent5"/>
-          </a:fillRef>
-          <a:effectRef idx="2">
-            <a:schemeClr val="accent5"/>
-          </a:effectRef>
-          <a:fontRef idx="minor">
-            <a:schemeClr val="tx1"/>
-          </a:fontRef>
-        </p:style>
-      </p:cxnSp>
-      <p:sp>
-        <p:nvSpPr>
-          <p:cNvPr id="10" name="Rektangel: avrundede hjørner 9">
-            <a:extLst>
-              <a:ext uri="{FF2B5EF4-FFF2-40B4-BE49-F238E27FC236}">
-                <a16:creationId xmlns:a16="http://schemas.microsoft.com/office/drawing/2014/main" id="{518D725E-0853-4937-8953-24829DE70EB5}"/>
+              <a:t>( )</a:t>
+            </a:r>
+          </a:p>
+        </p:txBody>
+      </p:sp>
+      <p:sp>
+        <p:nvSpPr>
+          <p:cNvPr id="14" name="Rektangel: avrundede hjørner 13">
+            <a:extLst>
+              <a:ext uri="{FF2B5EF4-FFF2-40B4-BE49-F238E27FC236}">
+                <a16:creationId xmlns:a16="http://schemas.microsoft.com/office/drawing/2014/main" id="{052B916A-AAD2-4064-9695-32587F12B341}"/>
               </a:ext>
             </a:extLst>
           </p:cNvPr>
@@ -13944,8 +13859,8 @@
         </p:nvSpPr>
         <p:spPr>
           <a:xfrm rot="16200000">
-            <a:off x="3609994" y="896511"/>
-            <a:ext cx="1722269" cy="816746"/>
+            <a:off x="1375337" y="4499948"/>
+            <a:ext cx="2125601" cy="816746"/>
           </a:xfrm>
           <a:prstGeom prst="roundRect">
             <a:avLst/>
@@ -13973,110 +13888,6 @@
             <a:pPr algn="ctr"/>
             <a:r>
               <a:rPr lang="en-GB" sz="1799" dirty="0" err="1"/>
-              <a:t>OnVote</a:t>
-            </a:r>
-            <a:r>
-              <a:rPr lang="en-GB" sz="1799" dirty="0"/>
-              <a:t>( )</a:t>
-            </a:r>
-          </a:p>
-        </p:txBody>
-      </p:sp>
-      <p:sp>
-        <p:nvSpPr>
-          <p:cNvPr id="13" name="Rektangel: avrundede hjørner 12">
-            <a:extLst>
-              <a:ext uri="{FF2B5EF4-FFF2-40B4-BE49-F238E27FC236}">
-                <a16:creationId xmlns:a16="http://schemas.microsoft.com/office/drawing/2014/main" id="{5ABFB5D6-0215-44DD-8FD6-F7E71105A841}"/>
-              </a:ext>
-            </a:extLst>
-          </p:cNvPr>
-          <p:cNvSpPr/>
-          <p:nvPr/>
-        </p:nvSpPr>
-        <p:spPr>
-          <a:xfrm rot="16200000">
-            <a:off x="1314257" y="896511"/>
-            <a:ext cx="2248268" cy="816746"/>
-          </a:xfrm>
-          <a:prstGeom prst="roundRect">
-            <a:avLst/>
-          </a:prstGeom>
-          <a:ln w="28575"/>
-        </p:spPr>
-        <p:style>
-          <a:lnRef idx="2">
-            <a:schemeClr val="accent5"/>
-          </a:lnRef>
-          <a:fillRef idx="1">
-            <a:schemeClr val="lt1"/>
-          </a:fillRef>
-          <a:effectRef idx="0">
-            <a:schemeClr val="accent5"/>
-          </a:effectRef>
-          <a:fontRef idx="minor">
-            <a:schemeClr val="dk1"/>
-          </a:fontRef>
-        </p:style>
-        <p:txBody>
-          <a:bodyPr rtlCol="0" anchor="ctr"/>
-          <a:lstStyle/>
-          <a:p>
-            <a:pPr algn="ctr"/>
-            <a:r>
-              <a:rPr lang="en-GB" sz="1799" dirty="0" err="1"/>
-              <a:t>StringToPartialCert</a:t>
-            </a:r>
-            <a:r>
-              <a:rPr lang="en-GB" sz="1799" dirty="0"/>
-              <a:t>( )</a:t>
-            </a:r>
-          </a:p>
-        </p:txBody>
-      </p:sp>
-      <p:sp>
-        <p:nvSpPr>
-          <p:cNvPr id="14" name="Rektangel: avrundede hjørner 13">
-            <a:extLst>
-              <a:ext uri="{FF2B5EF4-FFF2-40B4-BE49-F238E27FC236}">
-                <a16:creationId xmlns:a16="http://schemas.microsoft.com/office/drawing/2014/main" id="{052B916A-AAD2-4064-9695-32587F12B341}"/>
-              </a:ext>
-            </a:extLst>
-          </p:cNvPr>
-          <p:cNvSpPr/>
-          <p:nvPr/>
-        </p:nvSpPr>
-        <p:spPr>
-          <a:xfrm rot="16200000">
-            <a:off x="1375591" y="5232160"/>
-            <a:ext cx="2125601" cy="816746"/>
-          </a:xfrm>
-          <a:prstGeom prst="roundRect">
-            <a:avLst/>
-          </a:prstGeom>
-          <a:ln w="28575"/>
-        </p:spPr>
-        <p:style>
-          <a:lnRef idx="2">
-            <a:schemeClr val="accent5"/>
-          </a:lnRef>
-          <a:fillRef idx="1">
-            <a:schemeClr val="lt1"/>
-          </a:fillRef>
-          <a:effectRef idx="0">
-            <a:schemeClr val="accent5"/>
-          </a:effectRef>
-          <a:fontRef idx="minor">
-            <a:schemeClr val="dk1"/>
-          </a:fontRef>
-        </p:style>
-        <p:txBody>
-          <a:bodyPr rtlCol="0" anchor="ctr"/>
-          <a:lstStyle/>
-          <a:p>
-            <a:pPr algn="ctr"/>
-            <a:r>
-              <a:rPr lang="en-GB" sz="1799" dirty="0" err="1"/>
               <a:t>StringToNewView</a:t>
             </a:r>
             <a:r>
@@ -14097,15 +13908,13 @@
           </p:cNvPr>
           <p:cNvCxnSpPr>
             <a:cxnSpLocks/>
-            <a:stCxn id="6" idx="2"/>
-            <a:endCxn id="14" idx="0"/>
           </p:cNvCxnSpPr>
           <p:nvPr/>
         </p:nvCxnSpPr>
         <p:spPr>
           <a:xfrm>
             <a:off x="675888" y="3503376"/>
-            <a:ext cx="1354131" cy="2137157"/>
+            <a:ext cx="1353877" cy="1404945"/>
           </a:xfrm>
           <a:prstGeom prst="straightConnector1">
             <a:avLst/>
@@ -14147,8 +13956,8 @@
         </p:nvCxnSpPr>
         <p:spPr>
           <a:xfrm flipV="1">
-            <a:off x="675888" y="1304884"/>
-            <a:ext cx="1354130" cy="2198492"/>
+            <a:off x="675888" y="2440574"/>
+            <a:ext cx="1354131" cy="1062802"/>
           </a:xfrm>
           <a:prstGeom prst="straightConnector1">
             <a:avLst/>
@@ -14185,8 +13994,8 @@
           <p:nvPr/>
         </p:nvSpPr>
         <p:spPr>
-          <a:xfrm rot="14198591">
-            <a:off x="473032" y="4493172"/>
+          <a:xfrm rot="13536521">
+            <a:off x="493896" y="4128533"/>
             <a:ext cx="1180730" cy="646074"/>
           </a:xfrm>
           <a:prstGeom prst="rect">
@@ -14225,8 +14034,8 @@
           <p:nvPr/>
         </p:nvSpPr>
         <p:spPr>
-          <a:xfrm rot="17967712">
-            <a:off x="537348" y="2067245"/>
+          <a:xfrm rot="19286330">
+            <a:off x="622906" y="2583596"/>
             <a:ext cx="1180730" cy="369204"/>
           </a:xfrm>
           <a:prstGeom prst="rect">
@@ -14254,46 +14063,6 @@
       </p:sp>
       <p:sp>
         <p:nvSpPr>
-          <p:cNvPr id="25" name="TekstSylinder 24">
-            <a:extLst>
-              <a:ext uri="{FF2B5EF4-FFF2-40B4-BE49-F238E27FC236}">
-                <a16:creationId xmlns:a16="http://schemas.microsoft.com/office/drawing/2014/main" id="{EFE8EBF4-BDE6-4AF8-B0B9-8D3AAA7C9499}"/>
-              </a:ext>
-            </a:extLst>
-          </p:cNvPr>
-          <p:cNvSpPr txBox="1"/>
-          <p:nvPr/>
-        </p:nvSpPr>
-        <p:spPr>
-          <a:xfrm>
-            <a:off x="768518" y="3151879"/>
-            <a:ext cx="1180730" cy="369204"/>
-          </a:xfrm>
-          <a:prstGeom prst="rect">
-            <a:avLst/>
-          </a:prstGeom>
-          <a:noFill/>
-        </p:spPr>
-        <p:txBody>
-          <a:bodyPr wrap="square" rtlCol="0">
-            <a:spAutoFit/>
-          </a:bodyPr>
-          <a:lstStyle/>
-          <a:p>
-            <a:pPr algn="ctr"/>
-            <a:r>
-              <a:rPr lang="en-GB" sz="1799" dirty="0">
-                <a:solidFill>
-                  <a:schemeClr val="accent6"/>
-                </a:solidFill>
-              </a:rPr>
-              <a:t>Command</a:t>
-            </a:r>
-          </a:p>
-        </p:txBody>
-      </p:sp>
-      <p:sp>
-        <p:nvSpPr>
           <p:cNvPr id="32" name="Rektangel: avrundede hjørner 31">
             <a:extLst>
               <a:ext uri="{FF2B5EF4-FFF2-40B4-BE49-F238E27FC236}">
@@ -14306,7 +14075,7 @@
         </p:nvSpPr>
         <p:spPr>
           <a:xfrm rot="16200000">
-            <a:off x="3610248" y="5232160"/>
+            <a:off x="3609994" y="4499948"/>
             <a:ext cx="1722269" cy="816746"/>
           </a:xfrm>
           <a:prstGeom prst="roundRect">
@@ -14361,8 +14130,8 @@
         </p:nvCxnSpPr>
         <p:spPr>
           <a:xfrm>
-            <a:off x="2837892" y="1304884"/>
-            <a:ext cx="1224862" cy="0"/>
+            <a:off x="2837893" y="2440574"/>
+            <a:ext cx="1224864" cy="0"/>
           </a:xfrm>
           <a:prstGeom prst="straightConnector1">
             <a:avLst/>
@@ -14397,13 +14166,12 @@
           </p:cNvPr>
           <p:cNvCxnSpPr>
             <a:cxnSpLocks/>
-            <a:endCxn id="32" idx="0"/>
           </p:cNvCxnSpPr>
           <p:nvPr/>
         </p:nvCxnSpPr>
         <p:spPr>
           <a:xfrm>
-            <a:off x="2854370" y="5640533"/>
+            <a:off x="2854116" y="4908321"/>
             <a:ext cx="1208640" cy="0"/>
           </a:xfrm>
           <a:prstGeom prst="straightConnector1">
@@ -14442,7 +14210,7 @@
         </p:nvSpPr>
         <p:spPr>
           <a:xfrm>
-            <a:off x="2882025" y="935554"/>
+            <a:off x="2882026" y="2071244"/>
             <a:ext cx="1180730" cy="369204"/>
           </a:xfrm>
           <a:prstGeom prst="rect">
@@ -14482,7 +14250,7 @@
         </p:nvSpPr>
         <p:spPr>
           <a:xfrm>
-            <a:off x="2868325" y="5183783"/>
+            <a:off x="2868071" y="4451571"/>
             <a:ext cx="1180730" cy="369204"/>
           </a:xfrm>
           <a:prstGeom prst="rect">
@@ -15113,14 +14881,18 @@
             <a:pPr algn="ctr"/>
             <a:r>
               <a:rPr lang="en-GB" sz="1799" dirty="0"/>
-              <a:t>Add tag “Command:”</a:t>
-            </a:r>
-          </a:p>
-          <a:p>
-            <a:pPr algn="ctr"/>
-            <a:r>
+              <a:t>Add </a:t>
+            </a:r>
+            <a:r>
+              <a:rPr lang="en-GB" sz="1799" dirty="0" err="1"/>
+              <a:t>cmd</a:t>
+            </a:r>
+            <a:br>
               <a:rPr lang="en-GB" sz="1799" dirty="0"/>
-              <a:t>to command</a:t>
+            </a:br>
+            <a:r>
+              <a:rPr lang="en-GB" sz="1799" dirty="0"/>
+              <a:t>to buffer</a:t>
             </a:r>
           </a:p>
         </p:txBody>
@@ -15166,90 +14938,6 @@
           </a:fontRef>
         </p:style>
       </p:cxnSp>
-      <p:cxnSp>
-        <p:nvCxnSpPr>
-          <p:cNvPr id="20" name="Rett pilkobling 19">
-            <a:extLst>
-              <a:ext uri="{FF2B5EF4-FFF2-40B4-BE49-F238E27FC236}">
-                <a16:creationId xmlns:a16="http://schemas.microsoft.com/office/drawing/2014/main" id="{1528B855-0436-4D55-BEB4-8548EEC4A7FD}"/>
-              </a:ext>
-            </a:extLst>
-          </p:cNvPr>
-          <p:cNvCxnSpPr>
-            <a:cxnSpLocks/>
-          </p:cNvCxnSpPr>
-          <p:nvPr/>
-        </p:nvCxnSpPr>
-        <p:spPr>
-          <a:xfrm rot="16200000" flipH="1">
-            <a:off x="2937865" y="2758470"/>
-            <a:ext cx="2" cy="812310"/>
-          </a:xfrm>
-          <a:prstGeom prst="straightConnector1">
-            <a:avLst/>
-          </a:prstGeom>
-          <a:ln>
-            <a:tailEnd type="triangle"/>
-          </a:ln>
-        </p:spPr>
-        <p:style>
-          <a:lnRef idx="3">
-            <a:schemeClr val="accent5"/>
-          </a:lnRef>
-          <a:fillRef idx="0">
-            <a:schemeClr val="accent5"/>
-          </a:fillRef>
-          <a:effectRef idx="2">
-            <a:schemeClr val="accent5"/>
-          </a:effectRef>
-          <a:fontRef idx="minor">
-            <a:schemeClr val="tx1"/>
-          </a:fontRef>
-        </p:style>
-      </p:cxnSp>
-      <p:sp>
-        <p:nvSpPr>
-          <p:cNvPr id="21" name="TekstSylinder 20">
-            <a:extLst>
-              <a:ext uri="{FF2B5EF4-FFF2-40B4-BE49-F238E27FC236}">
-                <a16:creationId xmlns:a16="http://schemas.microsoft.com/office/drawing/2014/main" id="{7CB4D441-01D9-42B2-B6C6-CCA879045036}"/>
-              </a:ext>
-            </a:extLst>
-          </p:cNvPr>
-          <p:cNvSpPr txBox="1"/>
-          <p:nvPr/>
-        </p:nvSpPr>
-        <p:spPr>
-          <a:xfrm rot="16200000">
-            <a:off x="2389384" y="3385658"/>
-            <a:ext cx="1180730" cy="738664"/>
-          </a:xfrm>
-          <a:prstGeom prst="rect">
-            <a:avLst/>
-          </a:prstGeom>
-          <a:noFill/>
-        </p:spPr>
-        <p:txBody>
-          <a:bodyPr wrap="square" rtlCol="0">
-            <a:spAutoFit/>
-          </a:bodyPr>
-          <a:lstStyle/>
-          <a:p>
-            <a:pPr algn="ctr"/>
-            <a:r>
-              <a:rPr lang="en-GB" sz="1400" dirty="0"/>
-              <a:t>Sending message</a:t>
-            </a:r>
-            <a:br>
-              <a:rPr lang="en-GB" sz="1400" dirty="0"/>
-            </a:br>
-            <a:r>
-              <a:rPr lang="en-GB" sz="1400" dirty="0"/>
-              <a:t>to leader</a:t>
-            </a:r>
-          </a:p>
-        </p:txBody>
-      </p:sp>
     </p:spTree>
     <p:extLst>
       <p:ext uri="{BB962C8B-B14F-4D97-AF65-F5344CB8AC3E}">

--- a/WIP.pptx
+++ b/WIP.pptx
@@ -280,7 +280,7 @@
           <a:p>
             <a:fld id="{4BB03E3C-822E-4593-9A6A-EC9CF8479CCC}" type="datetimeFigureOut">
               <a:rPr lang="en-US" smtClean="0"/>
-              <a:t>5/31/2021</a:t>
+              <a:t>6/7/2021</a:t>
             </a:fld>
             <a:endParaRPr lang="en-US"/>
           </a:p>
@@ -478,7 +478,7 @@
           <a:p>
             <a:fld id="{4BB03E3C-822E-4593-9A6A-EC9CF8479CCC}" type="datetimeFigureOut">
               <a:rPr lang="en-US" smtClean="0"/>
-              <a:t>5/31/2021</a:t>
+              <a:t>6/7/2021</a:t>
             </a:fld>
             <a:endParaRPr lang="en-US"/>
           </a:p>
@@ -686,7 +686,7 @@
           <a:p>
             <a:fld id="{4BB03E3C-822E-4593-9A6A-EC9CF8479CCC}" type="datetimeFigureOut">
               <a:rPr lang="en-US" smtClean="0"/>
-              <a:t>5/31/2021</a:t>
+              <a:t>6/7/2021</a:t>
             </a:fld>
             <a:endParaRPr lang="en-US"/>
           </a:p>
@@ -884,7 +884,7 @@
           <a:p>
             <a:fld id="{4BB03E3C-822E-4593-9A6A-EC9CF8479CCC}" type="datetimeFigureOut">
               <a:rPr lang="en-US" smtClean="0"/>
-              <a:t>5/31/2021</a:t>
+              <a:t>6/7/2021</a:t>
             </a:fld>
             <a:endParaRPr lang="en-US"/>
           </a:p>
@@ -1159,7 +1159,7 @@
           <a:p>
             <a:fld id="{4BB03E3C-822E-4593-9A6A-EC9CF8479CCC}" type="datetimeFigureOut">
               <a:rPr lang="en-US" smtClean="0"/>
-              <a:t>5/31/2021</a:t>
+              <a:t>6/7/2021</a:t>
             </a:fld>
             <a:endParaRPr lang="en-US"/>
           </a:p>
@@ -1424,7 +1424,7 @@
           <a:p>
             <a:fld id="{4BB03E3C-822E-4593-9A6A-EC9CF8479CCC}" type="datetimeFigureOut">
               <a:rPr lang="en-US" smtClean="0"/>
-              <a:t>5/31/2021</a:t>
+              <a:t>6/7/2021</a:t>
             </a:fld>
             <a:endParaRPr lang="en-US"/>
           </a:p>
@@ -1836,7 +1836,7 @@
           <a:p>
             <a:fld id="{4BB03E3C-822E-4593-9A6A-EC9CF8479CCC}" type="datetimeFigureOut">
               <a:rPr lang="en-US" smtClean="0"/>
-              <a:t>5/31/2021</a:t>
+              <a:t>6/7/2021</a:t>
             </a:fld>
             <a:endParaRPr lang="en-US"/>
           </a:p>
@@ -1977,7 +1977,7 @@
           <a:p>
             <a:fld id="{4BB03E3C-822E-4593-9A6A-EC9CF8479CCC}" type="datetimeFigureOut">
               <a:rPr lang="en-US" smtClean="0"/>
-              <a:t>5/31/2021</a:t>
+              <a:t>6/7/2021</a:t>
             </a:fld>
             <a:endParaRPr lang="en-US"/>
           </a:p>
@@ -2090,7 +2090,7 @@
           <a:p>
             <a:fld id="{4BB03E3C-822E-4593-9A6A-EC9CF8479CCC}" type="datetimeFigureOut">
               <a:rPr lang="en-US" smtClean="0"/>
-              <a:t>5/31/2021</a:t>
+              <a:t>6/7/2021</a:t>
             </a:fld>
             <a:endParaRPr lang="en-US"/>
           </a:p>
@@ -2401,7 +2401,7 @@
           <a:p>
             <a:fld id="{4BB03E3C-822E-4593-9A6A-EC9CF8479CCC}" type="datetimeFigureOut">
               <a:rPr lang="en-US" smtClean="0"/>
-              <a:t>5/31/2021</a:t>
+              <a:t>6/7/2021</a:t>
             </a:fld>
             <a:endParaRPr lang="en-US"/>
           </a:p>
@@ -2689,7 +2689,7 @@
           <a:p>
             <a:fld id="{4BB03E3C-822E-4593-9A6A-EC9CF8479CCC}" type="datetimeFigureOut">
               <a:rPr lang="en-US" smtClean="0"/>
-              <a:t>5/31/2021</a:t>
+              <a:t>6/7/2021</a:t>
             </a:fld>
             <a:endParaRPr lang="en-US"/>
           </a:p>
@@ -2930,7 +2930,7 @@
           <a:p>
             <a:fld id="{4BB03E3C-822E-4593-9A6A-EC9CF8479CCC}" type="datetimeFigureOut">
               <a:rPr lang="en-US" smtClean="0"/>
-              <a:t>5/31/2021</a:t>
+              <a:t>6/7/2021</a:t>
             </a:fld>
             <a:endParaRPr lang="en-US"/>
           </a:p>
@@ -13098,7 +13098,7 @@
             <a:pPr algn="ctr"/>
             <a:r>
               <a:rPr lang="en-GB" sz="1799" dirty="0"/>
-              <a:t>Format string to block</a:t>
+              <a:t>Unmarshall( )</a:t>
             </a:r>
           </a:p>
         </p:txBody>
@@ -13357,12 +13357,8 @@
           <a:p>
             <a:pPr algn="ctr"/>
             <a:r>
-              <a:rPr lang="en-GB" sz="1799" dirty="0" err="1"/>
-              <a:t>StringToPartialCert</a:t>
-            </a:r>
-            <a:r>
               <a:rPr lang="en-GB" sz="1799" dirty="0"/>
-              <a:t>( )</a:t>
+              <a:t>Unmarshall( )</a:t>
             </a:r>
           </a:p>
         </p:txBody>
@@ -13835,12 +13831,8 @@
           <a:p>
             <a:pPr algn="ctr"/>
             <a:r>
-              <a:rPr lang="en-GB" sz="1799" dirty="0" err="1"/>
-              <a:t>StringToPartialCert</a:t>
-            </a:r>
-            <a:r>
               <a:rPr lang="en-GB" sz="1799" dirty="0"/>
-              <a:t>( )</a:t>
+              <a:t>Unmarshall( )</a:t>
             </a:r>
           </a:p>
         </p:txBody>
@@ -13887,12 +13879,8 @@
           <a:p>
             <a:pPr algn="ctr"/>
             <a:r>
-              <a:rPr lang="en-GB" sz="1799" dirty="0" err="1"/>
-              <a:t>StringToNewView</a:t>
-            </a:r>
-            <a:r>
               <a:rPr lang="en-GB" sz="1799" dirty="0"/>
-              <a:t>( )</a:t>
+              <a:t>Unmarshall( )</a:t>
             </a:r>
           </a:p>
         </p:txBody>
@@ -14475,7 +14463,7 @@
             <a:pPr algn="ctr"/>
             <a:r>
               <a:rPr lang="en-GB" sz="1799" dirty="0"/>
-              <a:t>NewViewToString( )</a:t>
+              <a:t>Marshall(NewView)</a:t>
             </a:r>
           </a:p>
         </p:txBody>
@@ -15046,12 +15034,8 @@
           <a:p>
             <a:pPr algn="ctr"/>
             <a:r>
-              <a:rPr lang="en-GB" sz="1799" dirty="0" err="1"/>
-              <a:t>StringToNewView</a:t>
-            </a:r>
-            <a:r>
               <a:rPr lang="en-GB" sz="1799" dirty="0"/>
-              <a:t>( )</a:t>
+              <a:t>Unmarshall( )</a:t>
             </a:r>
           </a:p>
         </p:txBody>
@@ -15399,7 +15383,7 @@
             <a:pPr algn="ctr"/>
             <a:r>
               <a:rPr lang="en-GB" sz="1799" dirty="0"/>
-              <a:t>Format string to block</a:t>
+              <a:t>Unmarshall( )</a:t>
             </a:r>
           </a:p>
         </p:txBody>
@@ -15580,12 +15564,8 @@
           <a:p>
             <a:pPr algn="ctr"/>
             <a:r>
-              <a:rPr lang="en-GB" sz="1799" dirty="0" err="1"/>
-              <a:t>StringToPartialCert</a:t>
-            </a:r>
-            <a:r>
               <a:rPr lang="en-GB" sz="1799" dirty="0"/>
-              <a:t>( )</a:t>
+              <a:t>Unmarshall( )</a:t>
             </a:r>
           </a:p>
         </p:txBody>
@@ -16104,7 +16084,7 @@
             <a:pPr algn="ctr"/>
             <a:r>
               <a:rPr lang="en-GB" sz="1799" dirty="0"/>
-              <a:t>NewViewToString( )</a:t>
+              <a:t>Marshall(NewView)</a:t>
             </a:r>
           </a:p>
         </p:txBody>
@@ -16191,10 +16171,13 @@
           <a:p>
             <a:pPr algn="ctr"/>
             <a:r>
-              <a:rPr lang="en-GB" sz="1799"/>
-              <a:t>OnNewView( )</a:t>
-            </a:r>
-            <a:endParaRPr lang="en-GB" sz="1799" dirty="0"/>
+              <a:rPr lang="en-GB" sz="1799" dirty="0" err="1"/>
+              <a:t>OnNewView</a:t>
+            </a:r>
+            <a:r>
+              <a:rPr lang="en-GB" sz="1799" dirty="0"/>
+              <a:t>( )</a:t>
+            </a:r>
           </a:p>
         </p:txBody>
       </p:sp>
